--- a/img/그림.pptx
+++ b/img/그림.pptx
@@ -13,6 +13,15 @@
     <p:sldId id="262" r:id="rId7"/>
     <p:sldId id="263" r:id="rId8"/>
     <p:sldId id="264" r:id="rId9"/>
+    <p:sldId id="265" r:id="rId10"/>
+    <p:sldId id="266" r:id="rId11"/>
+    <p:sldId id="267" r:id="rId12"/>
+    <p:sldId id="268" r:id="rId13"/>
+    <p:sldId id="269" r:id="rId14"/>
+    <p:sldId id="270" r:id="rId15"/>
+    <p:sldId id="271" r:id="rId16"/>
+    <p:sldId id="272" r:id="rId17"/>
+    <p:sldId id="273" r:id="rId18"/>
   </p:sldIdLst>
   <p:sldSz cx="12192000" cy="6858000"/>
   <p:notesSz cx="6858000" cy="9144000"/>
@@ -266,7 +275,7 @@
           <a:p>
             <a:fld id="{8B2C37CC-0247-44E8-BA9D-22109B3A8D72}" type="datetimeFigureOut">
               <a:rPr lang="ko-KR" altLang="en-US" smtClean="0"/>
-              <a:t>2024-02-10</a:t>
+              <a:t>2024-02-11</a:t>
             </a:fld>
             <a:endParaRPr lang="ko-KR" altLang="en-US"/>
           </a:p>
@@ -464,7 +473,7 @@
           <a:p>
             <a:fld id="{8B2C37CC-0247-44E8-BA9D-22109B3A8D72}" type="datetimeFigureOut">
               <a:rPr lang="ko-KR" altLang="en-US" smtClean="0"/>
-              <a:t>2024-02-10</a:t>
+              <a:t>2024-02-11</a:t>
             </a:fld>
             <a:endParaRPr lang="ko-KR" altLang="en-US"/>
           </a:p>
@@ -672,7 +681,7 @@
           <a:p>
             <a:fld id="{8B2C37CC-0247-44E8-BA9D-22109B3A8D72}" type="datetimeFigureOut">
               <a:rPr lang="ko-KR" altLang="en-US" smtClean="0"/>
-              <a:t>2024-02-10</a:t>
+              <a:t>2024-02-11</a:t>
             </a:fld>
             <a:endParaRPr lang="ko-KR" altLang="en-US"/>
           </a:p>
@@ -870,7 +879,7 @@
           <a:p>
             <a:fld id="{8B2C37CC-0247-44E8-BA9D-22109B3A8D72}" type="datetimeFigureOut">
               <a:rPr lang="ko-KR" altLang="en-US" smtClean="0"/>
-              <a:t>2024-02-10</a:t>
+              <a:t>2024-02-11</a:t>
             </a:fld>
             <a:endParaRPr lang="ko-KR" altLang="en-US"/>
           </a:p>
@@ -1145,7 +1154,7 @@
           <a:p>
             <a:fld id="{8B2C37CC-0247-44E8-BA9D-22109B3A8D72}" type="datetimeFigureOut">
               <a:rPr lang="ko-KR" altLang="en-US" smtClean="0"/>
-              <a:t>2024-02-10</a:t>
+              <a:t>2024-02-11</a:t>
             </a:fld>
             <a:endParaRPr lang="ko-KR" altLang="en-US"/>
           </a:p>
@@ -1410,7 +1419,7 @@
           <a:p>
             <a:fld id="{8B2C37CC-0247-44E8-BA9D-22109B3A8D72}" type="datetimeFigureOut">
               <a:rPr lang="ko-KR" altLang="en-US" smtClean="0"/>
-              <a:t>2024-02-10</a:t>
+              <a:t>2024-02-11</a:t>
             </a:fld>
             <a:endParaRPr lang="ko-KR" altLang="en-US"/>
           </a:p>
@@ -1822,7 +1831,7 @@
           <a:p>
             <a:fld id="{8B2C37CC-0247-44E8-BA9D-22109B3A8D72}" type="datetimeFigureOut">
               <a:rPr lang="ko-KR" altLang="en-US" smtClean="0"/>
-              <a:t>2024-02-10</a:t>
+              <a:t>2024-02-11</a:t>
             </a:fld>
             <a:endParaRPr lang="ko-KR" altLang="en-US"/>
           </a:p>
@@ -1963,7 +1972,7 @@
           <a:p>
             <a:fld id="{8B2C37CC-0247-44E8-BA9D-22109B3A8D72}" type="datetimeFigureOut">
               <a:rPr lang="ko-KR" altLang="en-US" smtClean="0"/>
-              <a:t>2024-02-10</a:t>
+              <a:t>2024-02-11</a:t>
             </a:fld>
             <a:endParaRPr lang="ko-KR" altLang="en-US"/>
           </a:p>
@@ -2076,7 +2085,7 @@
           <a:p>
             <a:fld id="{8B2C37CC-0247-44E8-BA9D-22109B3A8D72}" type="datetimeFigureOut">
               <a:rPr lang="ko-KR" altLang="en-US" smtClean="0"/>
-              <a:t>2024-02-10</a:t>
+              <a:t>2024-02-11</a:t>
             </a:fld>
             <a:endParaRPr lang="ko-KR" altLang="en-US"/>
           </a:p>
@@ -2387,7 +2396,7 @@
           <a:p>
             <a:fld id="{8B2C37CC-0247-44E8-BA9D-22109B3A8D72}" type="datetimeFigureOut">
               <a:rPr lang="ko-KR" altLang="en-US" smtClean="0"/>
-              <a:t>2024-02-10</a:t>
+              <a:t>2024-02-11</a:t>
             </a:fld>
             <a:endParaRPr lang="ko-KR" altLang="en-US"/>
           </a:p>
@@ -2675,7 +2684,7 @@
           <a:p>
             <a:fld id="{8B2C37CC-0247-44E8-BA9D-22109B3A8D72}" type="datetimeFigureOut">
               <a:rPr lang="ko-KR" altLang="en-US" smtClean="0"/>
-              <a:t>2024-02-10</a:t>
+              <a:t>2024-02-11</a:t>
             </a:fld>
             <a:endParaRPr lang="ko-KR" altLang="en-US"/>
           </a:p>
@@ -2916,7 +2925,7 @@
           <a:p>
             <a:fld id="{8B2C37CC-0247-44E8-BA9D-22109B3A8D72}" type="datetimeFigureOut">
               <a:rPr lang="ko-KR" altLang="en-US" smtClean="0"/>
-              <a:t>2024-02-10</a:t>
+              <a:t>2024-02-11</a:t>
             </a:fld>
             <a:endParaRPr lang="ko-KR" altLang="en-US"/>
           </a:p>
@@ -4950,6 +4959,5447 @@
     <p:extLst>
       <p:ext uri="{BB962C8B-B14F-4D97-AF65-F5344CB8AC3E}">
         <p14:creationId xmlns:p14="http://schemas.microsoft.com/office/powerpoint/2010/main" val="3229853479"/>
+      </p:ext>
+    </p:extLst>
+  </p:cSld>
+  <p:clrMapOvr>
+    <a:masterClrMapping/>
+  </p:clrMapOvr>
+</p:sld>
+</file>
+
+<file path=ppt/slides/slide10.xml><?xml version="1.0" encoding="utf-8"?>
+<p:sld xmlns:a="http://schemas.openxmlformats.org/drawingml/2006/main" xmlns:r="http://schemas.openxmlformats.org/officeDocument/2006/relationships" xmlns:p="http://schemas.openxmlformats.org/presentationml/2006/main">
+  <p:cSld>
+    <p:spTree>
+      <p:nvGrpSpPr>
+        <p:cNvPr id="1" name="">
+          <a:extLst>
+            <a:ext uri="{FF2B5EF4-FFF2-40B4-BE49-F238E27FC236}">
+              <a16:creationId xmlns:a16="http://schemas.microsoft.com/office/drawing/2014/main" id="{9EA19419-D3CE-0B2B-1981-2BE124BBC697}"/>
+            </a:ext>
+          </a:extLst>
+        </p:cNvPr>
+        <p:cNvGrpSpPr/>
+        <p:nvPr/>
+      </p:nvGrpSpPr>
+      <p:grpSpPr>
+        <a:xfrm>
+          <a:off x="0" y="0"/>
+          <a:ext cx="0" cy="0"/>
+          <a:chOff x="0" y="0"/>
+          <a:chExt cx="0" cy="0"/>
+        </a:xfrm>
+      </p:grpSpPr>
+      <p:sp>
+        <p:nvSpPr>
+          <p:cNvPr id="19" name="직사각형 18">
+            <a:extLst>
+              <a:ext uri="{FF2B5EF4-FFF2-40B4-BE49-F238E27FC236}">
+                <a16:creationId xmlns:a16="http://schemas.microsoft.com/office/drawing/2014/main" id="{6827EF62-F005-9AEB-6C27-FC4EF9E87D33}"/>
+              </a:ext>
+            </a:extLst>
+          </p:cNvPr>
+          <p:cNvSpPr/>
+          <p:nvPr/>
+        </p:nvSpPr>
+        <p:spPr>
+          <a:xfrm>
+            <a:off x="3010905" y="1582430"/>
+            <a:ext cx="5571622" cy="3486876"/>
+          </a:xfrm>
+          <a:prstGeom prst="rect">
+            <a:avLst/>
+          </a:prstGeom>
+          <a:solidFill>
+            <a:schemeClr val="bg1"/>
+          </a:solidFill>
+          <a:ln>
+            <a:noFill/>
+          </a:ln>
+        </p:spPr>
+        <p:style>
+          <a:lnRef idx="2">
+            <a:schemeClr val="accent1">
+              <a:shade val="15000"/>
+            </a:schemeClr>
+          </a:lnRef>
+          <a:fillRef idx="1">
+            <a:schemeClr val="accent1"/>
+          </a:fillRef>
+          <a:effectRef idx="0">
+            <a:schemeClr val="accent1"/>
+          </a:effectRef>
+          <a:fontRef idx="minor">
+            <a:schemeClr val="lt1"/>
+          </a:fontRef>
+        </p:style>
+        <p:txBody>
+          <a:bodyPr rtlCol="0" anchor="ctr"/>
+          <a:lstStyle/>
+          <a:p>
+            <a:pPr algn="ctr"/>
+            <a:endParaRPr lang="ko-KR" altLang="en-US"/>
+          </a:p>
+        </p:txBody>
+      </p:sp>
+      <p:sp>
+        <p:nvSpPr>
+          <p:cNvPr id="2" name="타원 1">
+            <a:extLst>
+              <a:ext uri="{FF2B5EF4-FFF2-40B4-BE49-F238E27FC236}">
+                <a16:creationId xmlns:a16="http://schemas.microsoft.com/office/drawing/2014/main" id="{18BA92D1-B825-A0A5-6E1C-5B511E326E79}"/>
+              </a:ext>
+            </a:extLst>
+          </p:cNvPr>
+          <p:cNvSpPr/>
+          <p:nvPr/>
+        </p:nvSpPr>
+        <p:spPr>
+          <a:xfrm>
+            <a:off x="3494673" y="2219145"/>
+            <a:ext cx="1315453" cy="2582779"/>
+          </a:xfrm>
+          <a:prstGeom prst="ellipse">
+            <a:avLst/>
+          </a:prstGeom>
+          <a:solidFill>
+            <a:schemeClr val="accent2">
+              <a:lumMod val="60000"/>
+              <a:lumOff val="40000"/>
+            </a:schemeClr>
+          </a:solidFill>
+        </p:spPr>
+        <p:style>
+          <a:lnRef idx="2">
+            <a:schemeClr val="accent1">
+              <a:shade val="15000"/>
+            </a:schemeClr>
+          </a:lnRef>
+          <a:fillRef idx="1">
+            <a:schemeClr val="accent1"/>
+          </a:fillRef>
+          <a:effectRef idx="0">
+            <a:schemeClr val="accent1"/>
+          </a:effectRef>
+          <a:fontRef idx="minor">
+            <a:schemeClr val="lt1"/>
+          </a:fontRef>
+        </p:style>
+        <p:txBody>
+          <a:bodyPr rtlCol="0" anchor="ctr"/>
+          <a:lstStyle/>
+          <a:p>
+            <a:pPr algn="ctr"/>
+            <a:r>
+              <a:rPr lang="en-US" altLang="ko-KR" b="1" dirty="0">
+                <a:solidFill>
+                  <a:schemeClr val="tx2"/>
+                </a:solidFill>
+              </a:rPr>
+              <a:t>1</a:t>
+            </a:r>
+            <a:br>
+              <a:rPr lang="en-US" altLang="ko-KR" b="1" dirty="0">
+                <a:solidFill>
+                  <a:schemeClr val="tx2"/>
+                </a:solidFill>
+              </a:rPr>
+            </a:br>
+            <a:br>
+              <a:rPr lang="en-US" altLang="ko-KR" b="1" dirty="0">
+                <a:solidFill>
+                  <a:schemeClr val="tx2"/>
+                </a:solidFill>
+              </a:rPr>
+            </a:br>
+            <a:r>
+              <a:rPr lang="en-US" altLang="ko-KR" b="1" dirty="0">
+                <a:solidFill>
+                  <a:schemeClr val="tx2"/>
+                </a:solidFill>
+              </a:rPr>
+              <a:t>2</a:t>
+            </a:r>
+            <a:br>
+              <a:rPr lang="en-US" altLang="ko-KR" b="1" dirty="0">
+                <a:solidFill>
+                  <a:schemeClr val="tx2"/>
+                </a:solidFill>
+              </a:rPr>
+            </a:br>
+            <a:br>
+              <a:rPr lang="en-US" altLang="ko-KR" b="1" dirty="0">
+                <a:solidFill>
+                  <a:schemeClr val="tx2"/>
+                </a:solidFill>
+              </a:rPr>
+            </a:br>
+            <a:r>
+              <a:rPr lang="en-US" altLang="ko-KR" b="1" dirty="0">
+                <a:solidFill>
+                  <a:schemeClr val="tx2"/>
+                </a:solidFill>
+              </a:rPr>
+              <a:t>3</a:t>
+            </a:r>
+            <a:br>
+              <a:rPr lang="en-US" altLang="ko-KR" b="1" dirty="0">
+                <a:solidFill>
+                  <a:schemeClr val="tx2"/>
+                </a:solidFill>
+              </a:rPr>
+            </a:br>
+            <a:br>
+              <a:rPr lang="en-US" altLang="ko-KR" b="1" dirty="0">
+                <a:solidFill>
+                  <a:schemeClr val="tx2"/>
+                </a:solidFill>
+              </a:rPr>
+            </a:br>
+            <a:r>
+              <a:rPr lang="en-US" altLang="ko-KR" b="1" dirty="0">
+                <a:solidFill>
+                  <a:schemeClr val="tx2"/>
+                </a:solidFill>
+              </a:rPr>
+              <a:t>4</a:t>
+            </a:r>
+            <a:endParaRPr lang="ko-KR" altLang="en-US" b="1" dirty="0">
+              <a:solidFill>
+                <a:schemeClr val="tx2"/>
+              </a:solidFill>
+            </a:endParaRPr>
+          </a:p>
+        </p:txBody>
+      </p:sp>
+      <p:sp>
+        <p:nvSpPr>
+          <p:cNvPr id="7" name="타원 6">
+            <a:extLst>
+              <a:ext uri="{FF2B5EF4-FFF2-40B4-BE49-F238E27FC236}">
+                <a16:creationId xmlns:a16="http://schemas.microsoft.com/office/drawing/2014/main" id="{A3C8A218-A5E2-3BB3-8C30-708ACFA3564F}"/>
+              </a:ext>
+            </a:extLst>
+          </p:cNvPr>
+          <p:cNvSpPr/>
+          <p:nvPr/>
+        </p:nvSpPr>
+        <p:spPr>
+          <a:xfrm>
+            <a:off x="6783307" y="2219145"/>
+            <a:ext cx="1315453" cy="2582779"/>
+          </a:xfrm>
+          <a:prstGeom prst="ellipse">
+            <a:avLst/>
+          </a:prstGeom>
+          <a:solidFill>
+            <a:schemeClr val="accent6">
+              <a:lumMod val="60000"/>
+              <a:lumOff val="40000"/>
+            </a:schemeClr>
+          </a:solidFill>
+        </p:spPr>
+        <p:style>
+          <a:lnRef idx="2">
+            <a:schemeClr val="accent1">
+              <a:shade val="15000"/>
+            </a:schemeClr>
+          </a:lnRef>
+          <a:fillRef idx="1">
+            <a:schemeClr val="accent1"/>
+          </a:fillRef>
+          <a:effectRef idx="0">
+            <a:schemeClr val="accent1"/>
+          </a:effectRef>
+          <a:fontRef idx="minor">
+            <a:schemeClr val="lt1"/>
+          </a:fontRef>
+        </p:style>
+        <p:txBody>
+          <a:bodyPr rtlCol="0" anchor="ctr"/>
+          <a:lstStyle/>
+          <a:p>
+            <a:pPr algn="ctr"/>
+            <a:r>
+              <a:rPr lang="en-US" altLang="ko-KR" b="1" dirty="0">
+                <a:solidFill>
+                  <a:schemeClr val="tx2"/>
+                </a:solidFill>
+              </a:rPr>
+              <a:t>A</a:t>
+            </a:r>
+            <a:br>
+              <a:rPr lang="en-US" altLang="ko-KR" b="1" dirty="0">
+                <a:solidFill>
+                  <a:schemeClr val="tx2"/>
+                </a:solidFill>
+              </a:rPr>
+            </a:br>
+            <a:br>
+              <a:rPr lang="en-US" altLang="ko-KR" b="1" dirty="0">
+                <a:solidFill>
+                  <a:schemeClr val="tx2"/>
+                </a:solidFill>
+              </a:rPr>
+            </a:br>
+            <a:r>
+              <a:rPr lang="en-US" altLang="ko-KR" b="1" dirty="0">
+                <a:solidFill>
+                  <a:schemeClr val="tx2"/>
+                </a:solidFill>
+              </a:rPr>
+              <a:t>B</a:t>
+            </a:r>
+            <a:br>
+              <a:rPr lang="en-US" altLang="ko-KR" b="1" dirty="0">
+                <a:solidFill>
+                  <a:schemeClr val="tx2"/>
+                </a:solidFill>
+              </a:rPr>
+            </a:br>
+            <a:br>
+              <a:rPr lang="en-US" altLang="ko-KR" b="1" dirty="0">
+                <a:solidFill>
+                  <a:schemeClr val="tx2"/>
+                </a:solidFill>
+              </a:rPr>
+            </a:br>
+            <a:r>
+              <a:rPr lang="en-US" altLang="ko-KR" b="1" dirty="0">
+                <a:solidFill>
+                  <a:schemeClr val="tx2"/>
+                </a:solidFill>
+              </a:rPr>
+              <a:t>C</a:t>
+            </a:r>
+            <a:br>
+              <a:rPr lang="en-US" altLang="ko-KR" b="1" dirty="0">
+                <a:solidFill>
+                  <a:schemeClr val="tx2"/>
+                </a:solidFill>
+              </a:rPr>
+            </a:br>
+            <a:br>
+              <a:rPr lang="en-US" altLang="ko-KR" b="1" dirty="0">
+                <a:solidFill>
+                  <a:schemeClr val="tx2"/>
+                </a:solidFill>
+              </a:rPr>
+            </a:br>
+            <a:r>
+              <a:rPr lang="en-US" altLang="ko-KR" b="1" dirty="0">
+                <a:solidFill>
+                  <a:schemeClr val="tx2"/>
+                </a:solidFill>
+              </a:rPr>
+              <a:t>D</a:t>
+            </a:r>
+            <a:endParaRPr lang="ko-KR" altLang="en-US" b="1" dirty="0">
+              <a:solidFill>
+                <a:schemeClr val="tx2"/>
+              </a:solidFill>
+            </a:endParaRPr>
+          </a:p>
+        </p:txBody>
+      </p:sp>
+      <p:sp>
+        <p:nvSpPr>
+          <p:cNvPr id="8" name="TextBox 7">
+            <a:extLst>
+              <a:ext uri="{FF2B5EF4-FFF2-40B4-BE49-F238E27FC236}">
+                <a16:creationId xmlns:a16="http://schemas.microsoft.com/office/drawing/2014/main" id="{B2EC092C-AF78-8D2E-EE96-8EF2C5357772}"/>
+              </a:ext>
+            </a:extLst>
+          </p:cNvPr>
+          <p:cNvSpPr txBox="1"/>
+          <p:nvPr/>
+        </p:nvSpPr>
+        <p:spPr>
+          <a:xfrm>
+            <a:off x="3984725" y="1849813"/>
+            <a:ext cx="335348" cy="369332"/>
+          </a:xfrm>
+          <a:prstGeom prst="rect">
+            <a:avLst/>
+          </a:prstGeom>
+          <a:noFill/>
+        </p:spPr>
+        <p:txBody>
+          <a:bodyPr wrap="none" rtlCol="0">
+            <a:spAutoFit/>
+          </a:bodyPr>
+          <a:lstStyle/>
+          <a:p>
+            <a:r>
+              <a:rPr lang="en-US" altLang="ko-KR" b="1" dirty="0"/>
+              <a:t>X</a:t>
+            </a:r>
+            <a:endParaRPr lang="ko-KR" altLang="en-US" b="1" dirty="0"/>
+          </a:p>
+        </p:txBody>
+      </p:sp>
+      <p:sp>
+        <p:nvSpPr>
+          <p:cNvPr id="11" name="TextBox 10">
+            <a:extLst>
+              <a:ext uri="{FF2B5EF4-FFF2-40B4-BE49-F238E27FC236}">
+                <a16:creationId xmlns:a16="http://schemas.microsoft.com/office/drawing/2014/main" id="{9938B135-60C9-CD08-AD52-FDCCA59B8B04}"/>
+              </a:ext>
+            </a:extLst>
+          </p:cNvPr>
+          <p:cNvSpPr txBox="1"/>
+          <p:nvPr/>
+        </p:nvSpPr>
+        <p:spPr>
+          <a:xfrm>
+            <a:off x="7273359" y="1849813"/>
+            <a:ext cx="335348" cy="369332"/>
+          </a:xfrm>
+          <a:prstGeom prst="rect">
+            <a:avLst/>
+          </a:prstGeom>
+          <a:noFill/>
+        </p:spPr>
+        <p:txBody>
+          <a:bodyPr wrap="none" rtlCol="0">
+            <a:spAutoFit/>
+          </a:bodyPr>
+          <a:lstStyle/>
+          <a:p>
+            <a:r>
+              <a:rPr lang="en-US" altLang="ko-KR" b="1" dirty="0"/>
+              <a:t>Y</a:t>
+            </a:r>
+            <a:endParaRPr lang="ko-KR" altLang="en-US" b="1" dirty="0"/>
+          </a:p>
+        </p:txBody>
+      </p:sp>
+      <p:cxnSp>
+        <p:nvCxnSpPr>
+          <p:cNvPr id="14" name="직선 화살표 연결선 13">
+            <a:extLst>
+              <a:ext uri="{FF2B5EF4-FFF2-40B4-BE49-F238E27FC236}">
+                <a16:creationId xmlns:a16="http://schemas.microsoft.com/office/drawing/2014/main" id="{42332D94-D225-A20A-996D-CD6EC5FEE5BC}"/>
+              </a:ext>
+            </a:extLst>
+          </p:cNvPr>
+          <p:cNvCxnSpPr>
+            <a:cxnSpLocks/>
+          </p:cNvCxnSpPr>
+          <p:nvPr/>
+        </p:nvCxnSpPr>
+        <p:spPr>
+          <a:xfrm>
+            <a:off x="4537411" y="2676346"/>
+            <a:ext cx="2518610" cy="0"/>
+          </a:xfrm>
+          <a:prstGeom prst="straightConnector1">
+            <a:avLst/>
+          </a:prstGeom>
+          <a:ln w="38100">
+            <a:solidFill>
+              <a:schemeClr val="tx1"/>
+            </a:solidFill>
+            <a:tailEnd type="triangle"/>
+          </a:ln>
+        </p:spPr>
+        <p:style>
+          <a:lnRef idx="2">
+            <a:schemeClr val="accent1"/>
+          </a:lnRef>
+          <a:fillRef idx="0">
+            <a:schemeClr val="accent1"/>
+          </a:fillRef>
+          <a:effectRef idx="1">
+            <a:schemeClr val="accent1"/>
+          </a:effectRef>
+          <a:fontRef idx="minor">
+            <a:schemeClr val="tx1"/>
+          </a:fontRef>
+        </p:style>
+      </p:cxnSp>
+      <p:cxnSp>
+        <p:nvCxnSpPr>
+          <p:cNvPr id="3" name="직선 화살표 연결선 2">
+            <a:extLst>
+              <a:ext uri="{FF2B5EF4-FFF2-40B4-BE49-F238E27FC236}">
+                <a16:creationId xmlns:a16="http://schemas.microsoft.com/office/drawing/2014/main" id="{1E2BD33F-2092-4205-1B91-C609DC1BC208}"/>
+              </a:ext>
+            </a:extLst>
+          </p:cNvPr>
+          <p:cNvCxnSpPr>
+            <a:cxnSpLocks/>
+          </p:cNvCxnSpPr>
+          <p:nvPr/>
+        </p:nvCxnSpPr>
+        <p:spPr>
+          <a:xfrm>
+            <a:off x="4521369" y="3237819"/>
+            <a:ext cx="2518610" cy="0"/>
+          </a:xfrm>
+          <a:prstGeom prst="straightConnector1">
+            <a:avLst/>
+          </a:prstGeom>
+          <a:ln w="38100">
+            <a:solidFill>
+              <a:schemeClr val="tx1"/>
+            </a:solidFill>
+            <a:tailEnd type="triangle"/>
+          </a:ln>
+        </p:spPr>
+        <p:style>
+          <a:lnRef idx="2">
+            <a:schemeClr val="accent1"/>
+          </a:lnRef>
+          <a:fillRef idx="0">
+            <a:schemeClr val="accent1"/>
+          </a:fillRef>
+          <a:effectRef idx="1">
+            <a:schemeClr val="accent1"/>
+          </a:effectRef>
+          <a:fontRef idx="minor">
+            <a:schemeClr val="tx1"/>
+          </a:fontRef>
+        </p:style>
+      </p:cxnSp>
+      <p:cxnSp>
+        <p:nvCxnSpPr>
+          <p:cNvPr id="6" name="직선 화살표 연결선 5">
+            <a:extLst>
+              <a:ext uri="{FF2B5EF4-FFF2-40B4-BE49-F238E27FC236}">
+                <a16:creationId xmlns:a16="http://schemas.microsoft.com/office/drawing/2014/main" id="{ABFB8549-CAF2-9B2A-3051-C6830322214F}"/>
+              </a:ext>
+            </a:extLst>
+          </p:cNvPr>
+          <p:cNvCxnSpPr>
+            <a:cxnSpLocks/>
+          </p:cNvCxnSpPr>
+          <p:nvPr/>
+        </p:nvCxnSpPr>
+        <p:spPr>
+          <a:xfrm>
+            <a:off x="4521369" y="3237819"/>
+            <a:ext cx="2518610" cy="549321"/>
+          </a:xfrm>
+          <a:prstGeom prst="straightConnector1">
+            <a:avLst/>
+          </a:prstGeom>
+          <a:ln w="38100">
+            <a:solidFill>
+              <a:schemeClr val="tx1"/>
+            </a:solidFill>
+            <a:tailEnd type="triangle"/>
+          </a:ln>
+        </p:spPr>
+        <p:style>
+          <a:lnRef idx="2">
+            <a:schemeClr val="accent1"/>
+          </a:lnRef>
+          <a:fillRef idx="0">
+            <a:schemeClr val="accent1"/>
+          </a:fillRef>
+          <a:effectRef idx="1">
+            <a:schemeClr val="accent1"/>
+          </a:effectRef>
+          <a:fontRef idx="minor">
+            <a:schemeClr val="tx1"/>
+          </a:fontRef>
+        </p:style>
+      </p:cxnSp>
+    </p:spTree>
+    <p:extLst>
+      <p:ext uri="{BB962C8B-B14F-4D97-AF65-F5344CB8AC3E}">
+        <p14:creationId xmlns:p14="http://schemas.microsoft.com/office/powerpoint/2010/main" val="1290959597"/>
+      </p:ext>
+    </p:extLst>
+  </p:cSld>
+  <p:clrMapOvr>
+    <a:masterClrMapping/>
+  </p:clrMapOvr>
+</p:sld>
+</file>
+
+<file path=ppt/slides/slide11.xml><?xml version="1.0" encoding="utf-8"?>
+<p:sld xmlns:a="http://schemas.openxmlformats.org/drawingml/2006/main" xmlns:r="http://schemas.openxmlformats.org/officeDocument/2006/relationships" xmlns:p="http://schemas.openxmlformats.org/presentationml/2006/main">
+  <p:cSld>
+    <p:spTree>
+      <p:nvGrpSpPr>
+        <p:cNvPr id="1" name="">
+          <a:extLst>
+            <a:ext uri="{FF2B5EF4-FFF2-40B4-BE49-F238E27FC236}">
+              <a16:creationId xmlns:a16="http://schemas.microsoft.com/office/drawing/2014/main" id="{0679A606-49D4-DD6B-D8F9-A637133EAA88}"/>
+            </a:ext>
+          </a:extLst>
+        </p:cNvPr>
+        <p:cNvGrpSpPr/>
+        <p:nvPr/>
+      </p:nvGrpSpPr>
+      <p:grpSpPr>
+        <a:xfrm>
+          <a:off x="0" y="0"/>
+          <a:ext cx="0" cy="0"/>
+          <a:chOff x="0" y="0"/>
+          <a:chExt cx="0" cy="0"/>
+        </a:xfrm>
+      </p:grpSpPr>
+      <p:sp>
+        <p:nvSpPr>
+          <p:cNvPr id="19" name="직사각형 18">
+            <a:extLst>
+              <a:ext uri="{FF2B5EF4-FFF2-40B4-BE49-F238E27FC236}">
+                <a16:creationId xmlns:a16="http://schemas.microsoft.com/office/drawing/2014/main" id="{046961EC-F757-1C6B-93B4-F96113D73C3D}"/>
+              </a:ext>
+            </a:extLst>
+          </p:cNvPr>
+          <p:cNvSpPr/>
+          <p:nvPr/>
+        </p:nvSpPr>
+        <p:spPr>
+          <a:xfrm>
+            <a:off x="3010905" y="1277256"/>
+            <a:ext cx="6176638" cy="3792049"/>
+          </a:xfrm>
+          <a:prstGeom prst="rect">
+            <a:avLst/>
+          </a:prstGeom>
+          <a:solidFill>
+            <a:schemeClr val="bg1"/>
+          </a:solidFill>
+          <a:ln>
+            <a:noFill/>
+          </a:ln>
+        </p:spPr>
+        <p:style>
+          <a:lnRef idx="2">
+            <a:schemeClr val="accent1">
+              <a:shade val="15000"/>
+            </a:schemeClr>
+          </a:lnRef>
+          <a:fillRef idx="1">
+            <a:schemeClr val="accent1"/>
+          </a:fillRef>
+          <a:effectRef idx="0">
+            <a:schemeClr val="accent1"/>
+          </a:effectRef>
+          <a:fontRef idx="minor">
+            <a:schemeClr val="lt1"/>
+          </a:fontRef>
+        </p:style>
+        <p:txBody>
+          <a:bodyPr rtlCol="0" anchor="ctr"/>
+          <a:lstStyle/>
+          <a:p>
+            <a:pPr algn="ctr"/>
+            <a:endParaRPr lang="ko-KR" altLang="en-US"/>
+          </a:p>
+        </p:txBody>
+      </p:sp>
+      <p:sp>
+        <p:nvSpPr>
+          <p:cNvPr id="2" name="타원 1">
+            <a:extLst>
+              <a:ext uri="{FF2B5EF4-FFF2-40B4-BE49-F238E27FC236}">
+                <a16:creationId xmlns:a16="http://schemas.microsoft.com/office/drawing/2014/main" id="{BB057139-DE62-A906-C7C0-BB5EC7B4DDC4}"/>
+              </a:ext>
+            </a:extLst>
+          </p:cNvPr>
+          <p:cNvSpPr/>
+          <p:nvPr/>
+        </p:nvSpPr>
+        <p:spPr>
+          <a:xfrm>
+            <a:off x="3494673" y="2219145"/>
+            <a:ext cx="1315453" cy="2582779"/>
+          </a:xfrm>
+          <a:prstGeom prst="ellipse">
+            <a:avLst/>
+          </a:prstGeom>
+          <a:solidFill>
+            <a:schemeClr val="accent2">
+              <a:lumMod val="60000"/>
+              <a:lumOff val="40000"/>
+            </a:schemeClr>
+          </a:solidFill>
+        </p:spPr>
+        <p:style>
+          <a:lnRef idx="2">
+            <a:schemeClr val="accent1">
+              <a:shade val="15000"/>
+            </a:schemeClr>
+          </a:lnRef>
+          <a:fillRef idx="1">
+            <a:schemeClr val="accent1"/>
+          </a:fillRef>
+          <a:effectRef idx="0">
+            <a:schemeClr val="accent1"/>
+          </a:effectRef>
+          <a:fontRef idx="minor">
+            <a:schemeClr val="lt1"/>
+          </a:fontRef>
+        </p:style>
+        <p:txBody>
+          <a:bodyPr rtlCol="0" anchor="ctr"/>
+          <a:lstStyle/>
+          <a:p>
+            <a:pPr algn="ctr"/>
+            <a:r>
+              <a:rPr lang="en-US" altLang="ko-KR" b="1" dirty="0">
+                <a:solidFill>
+                  <a:schemeClr val="tx2"/>
+                </a:solidFill>
+              </a:rPr>
+              <a:t>1</a:t>
+            </a:r>
+            <a:br>
+              <a:rPr lang="en-US" altLang="ko-KR" b="1" dirty="0">
+                <a:solidFill>
+                  <a:schemeClr val="tx2"/>
+                </a:solidFill>
+              </a:rPr>
+            </a:br>
+            <a:br>
+              <a:rPr lang="en-US" altLang="ko-KR" b="1" dirty="0">
+                <a:solidFill>
+                  <a:schemeClr val="tx2"/>
+                </a:solidFill>
+              </a:rPr>
+            </a:br>
+            <a:r>
+              <a:rPr lang="en-US" altLang="ko-KR" b="1" dirty="0">
+                <a:solidFill>
+                  <a:schemeClr val="tx2"/>
+                </a:solidFill>
+              </a:rPr>
+              <a:t>2</a:t>
+            </a:r>
+            <a:br>
+              <a:rPr lang="en-US" altLang="ko-KR" b="1" dirty="0">
+                <a:solidFill>
+                  <a:schemeClr val="tx2"/>
+                </a:solidFill>
+              </a:rPr>
+            </a:br>
+            <a:br>
+              <a:rPr lang="en-US" altLang="ko-KR" b="1" dirty="0">
+                <a:solidFill>
+                  <a:schemeClr val="tx2"/>
+                </a:solidFill>
+              </a:rPr>
+            </a:br>
+            <a:r>
+              <a:rPr lang="en-US" altLang="ko-KR" b="1" dirty="0">
+                <a:solidFill>
+                  <a:schemeClr val="tx2"/>
+                </a:solidFill>
+              </a:rPr>
+              <a:t>3</a:t>
+            </a:r>
+            <a:br>
+              <a:rPr lang="en-US" altLang="ko-KR" b="1" dirty="0">
+                <a:solidFill>
+                  <a:schemeClr val="tx2"/>
+                </a:solidFill>
+              </a:rPr>
+            </a:br>
+            <a:br>
+              <a:rPr lang="en-US" altLang="ko-KR" b="1" dirty="0">
+                <a:solidFill>
+                  <a:schemeClr val="tx2"/>
+                </a:solidFill>
+              </a:rPr>
+            </a:br>
+            <a:r>
+              <a:rPr lang="en-US" altLang="ko-KR" b="1" dirty="0">
+                <a:solidFill>
+                  <a:schemeClr val="tx2"/>
+                </a:solidFill>
+              </a:rPr>
+              <a:t>4</a:t>
+            </a:r>
+            <a:endParaRPr lang="ko-KR" altLang="en-US" b="1" dirty="0">
+              <a:solidFill>
+                <a:schemeClr val="tx2"/>
+              </a:solidFill>
+            </a:endParaRPr>
+          </a:p>
+        </p:txBody>
+      </p:sp>
+      <p:sp>
+        <p:nvSpPr>
+          <p:cNvPr id="7" name="타원 6">
+            <a:extLst>
+              <a:ext uri="{FF2B5EF4-FFF2-40B4-BE49-F238E27FC236}">
+                <a16:creationId xmlns:a16="http://schemas.microsoft.com/office/drawing/2014/main" id="{F7099681-F8B1-FF8A-0334-7B0D9CE2FB3F}"/>
+              </a:ext>
+            </a:extLst>
+          </p:cNvPr>
+          <p:cNvSpPr/>
+          <p:nvPr/>
+        </p:nvSpPr>
+        <p:spPr>
+          <a:xfrm>
+            <a:off x="6783307" y="2219145"/>
+            <a:ext cx="1315453" cy="2582779"/>
+          </a:xfrm>
+          <a:prstGeom prst="ellipse">
+            <a:avLst/>
+          </a:prstGeom>
+          <a:solidFill>
+            <a:schemeClr val="bg1"/>
+          </a:solidFill>
+        </p:spPr>
+        <p:style>
+          <a:lnRef idx="2">
+            <a:schemeClr val="accent1">
+              <a:shade val="15000"/>
+            </a:schemeClr>
+          </a:lnRef>
+          <a:fillRef idx="1">
+            <a:schemeClr val="accent1"/>
+          </a:fillRef>
+          <a:effectRef idx="0">
+            <a:schemeClr val="accent1"/>
+          </a:effectRef>
+          <a:fontRef idx="minor">
+            <a:schemeClr val="lt1"/>
+          </a:fontRef>
+        </p:style>
+        <p:txBody>
+          <a:bodyPr rtlCol="0" anchor="ctr"/>
+          <a:lstStyle/>
+          <a:p>
+            <a:pPr algn="ctr"/>
+            <a:br>
+              <a:rPr lang="en-US" altLang="ko-KR" b="1" dirty="0">
+                <a:solidFill>
+                  <a:schemeClr val="tx2"/>
+                </a:solidFill>
+              </a:rPr>
+            </a:br>
+            <a:br>
+              <a:rPr lang="en-US" altLang="ko-KR" b="1" dirty="0">
+                <a:solidFill>
+                  <a:schemeClr val="tx2"/>
+                </a:solidFill>
+              </a:rPr>
+            </a:br>
+            <a:br>
+              <a:rPr lang="en-US" altLang="ko-KR" b="1" dirty="0">
+                <a:solidFill>
+                  <a:schemeClr val="tx2"/>
+                </a:solidFill>
+              </a:rPr>
+            </a:br>
+            <a:br>
+              <a:rPr lang="en-US" altLang="ko-KR" b="1" dirty="0">
+                <a:solidFill>
+                  <a:schemeClr val="tx2"/>
+                </a:solidFill>
+              </a:rPr>
+            </a:br>
+            <a:r>
+              <a:rPr lang="en-US" altLang="ko-KR" b="1" dirty="0">
+                <a:solidFill>
+                  <a:schemeClr val="tx2"/>
+                </a:solidFill>
+              </a:rPr>
+              <a:t>B</a:t>
+            </a:r>
+            <a:endParaRPr lang="ko-KR" altLang="en-US" b="1" dirty="0">
+              <a:solidFill>
+                <a:schemeClr val="tx2"/>
+              </a:solidFill>
+            </a:endParaRPr>
+          </a:p>
+        </p:txBody>
+      </p:sp>
+      <p:sp>
+        <p:nvSpPr>
+          <p:cNvPr id="4" name="타원 3">
+            <a:extLst>
+              <a:ext uri="{FF2B5EF4-FFF2-40B4-BE49-F238E27FC236}">
+                <a16:creationId xmlns:a16="http://schemas.microsoft.com/office/drawing/2014/main" id="{090ACFCB-F9A5-25BA-4C76-434F1A7E0DB4}"/>
+              </a:ext>
+            </a:extLst>
+          </p:cNvPr>
+          <p:cNvSpPr/>
+          <p:nvPr/>
+        </p:nvSpPr>
+        <p:spPr>
+          <a:xfrm>
+            <a:off x="7010399" y="2436492"/>
+            <a:ext cx="870857" cy="1295220"/>
+          </a:xfrm>
+          <a:prstGeom prst="ellipse">
+            <a:avLst/>
+          </a:prstGeom>
+          <a:solidFill>
+            <a:schemeClr val="accent6">
+              <a:lumMod val="60000"/>
+              <a:lumOff val="40000"/>
+            </a:schemeClr>
+          </a:solidFill>
+        </p:spPr>
+        <p:style>
+          <a:lnRef idx="2">
+            <a:schemeClr val="accent1">
+              <a:shade val="15000"/>
+            </a:schemeClr>
+          </a:lnRef>
+          <a:fillRef idx="1">
+            <a:schemeClr val="accent1"/>
+          </a:fillRef>
+          <a:effectRef idx="0">
+            <a:schemeClr val="accent1"/>
+          </a:effectRef>
+          <a:fontRef idx="minor">
+            <a:schemeClr val="lt1"/>
+          </a:fontRef>
+        </p:style>
+        <p:txBody>
+          <a:bodyPr rtlCol="0" anchor="ctr"/>
+          <a:lstStyle/>
+          <a:p>
+            <a:pPr algn="ctr"/>
+            <a:r>
+              <a:rPr lang="en-US" altLang="ko-KR" b="1" dirty="0">
+                <a:solidFill>
+                  <a:schemeClr val="tx2"/>
+                </a:solidFill>
+              </a:rPr>
+              <a:t>A</a:t>
+            </a:r>
+            <a:endParaRPr lang="ko-KR" altLang="en-US" b="1" dirty="0">
+              <a:solidFill>
+                <a:schemeClr val="tx2"/>
+              </a:solidFill>
+            </a:endParaRPr>
+          </a:p>
+        </p:txBody>
+      </p:sp>
+      <p:sp>
+        <p:nvSpPr>
+          <p:cNvPr id="8" name="TextBox 7">
+            <a:extLst>
+              <a:ext uri="{FF2B5EF4-FFF2-40B4-BE49-F238E27FC236}">
+                <a16:creationId xmlns:a16="http://schemas.microsoft.com/office/drawing/2014/main" id="{924F41A6-90AB-FAB9-431E-8558A660E705}"/>
+              </a:ext>
+            </a:extLst>
+          </p:cNvPr>
+          <p:cNvSpPr txBox="1"/>
+          <p:nvPr/>
+        </p:nvSpPr>
+        <p:spPr>
+          <a:xfrm>
+            <a:off x="3984725" y="1849813"/>
+            <a:ext cx="335348" cy="369332"/>
+          </a:xfrm>
+          <a:prstGeom prst="rect">
+            <a:avLst/>
+          </a:prstGeom>
+          <a:noFill/>
+        </p:spPr>
+        <p:txBody>
+          <a:bodyPr wrap="none" rtlCol="0">
+            <a:spAutoFit/>
+          </a:bodyPr>
+          <a:lstStyle/>
+          <a:p>
+            <a:r>
+              <a:rPr lang="en-US" altLang="ko-KR" b="1" dirty="0"/>
+              <a:t>X</a:t>
+            </a:r>
+            <a:endParaRPr lang="ko-KR" altLang="en-US" b="1" dirty="0"/>
+          </a:p>
+        </p:txBody>
+      </p:sp>
+      <p:sp>
+        <p:nvSpPr>
+          <p:cNvPr id="11" name="TextBox 10">
+            <a:extLst>
+              <a:ext uri="{FF2B5EF4-FFF2-40B4-BE49-F238E27FC236}">
+                <a16:creationId xmlns:a16="http://schemas.microsoft.com/office/drawing/2014/main" id="{20D9C373-F1C3-70F1-6E69-66F8577455E0}"/>
+              </a:ext>
+            </a:extLst>
+          </p:cNvPr>
+          <p:cNvSpPr txBox="1"/>
+          <p:nvPr/>
+        </p:nvSpPr>
+        <p:spPr>
+          <a:xfrm>
+            <a:off x="7273359" y="1849813"/>
+            <a:ext cx="335348" cy="369332"/>
+          </a:xfrm>
+          <a:prstGeom prst="rect">
+            <a:avLst/>
+          </a:prstGeom>
+          <a:noFill/>
+        </p:spPr>
+        <p:txBody>
+          <a:bodyPr wrap="none" rtlCol="0">
+            <a:spAutoFit/>
+          </a:bodyPr>
+          <a:lstStyle/>
+          <a:p>
+            <a:r>
+              <a:rPr lang="en-US" altLang="ko-KR" b="1" dirty="0"/>
+              <a:t>Y</a:t>
+            </a:r>
+            <a:endParaRPr lang="ko-KR" altLang="en-US" b="1" dirty="0"/>
+          </a:p>
+        </p:txBody>
+      </p:sp>
+      <p:cxnSp>
+        <p:nvCxnSpPr>
+          <p:cNvPr id="14" name="직선 화살표 연결선 13">
+            <a:extLst>
+              <a:ext uri="{FF2B5EF4-FFF2-40B4-BE49-F238E27FC236}">
+                <a16:creationId xmlns:a16="http://schemas.microsoft.com/office/drawing/2014/main" id="{07FD8DF3-41F4-2460-B0F1-EB8A92FA58E3}"/>
+              </a:ext>
+            </a:extLst>
+          </p:cNvPr>
+          <p:cNvCxnSpPr>
+            <a:cxnSpLocks/>
+          </p:cNvCxnSpPr>
+          <p:nvPr/>
+        </p:nvCxnSpPr>
+        <p:spPr>
+          <a:xfrm>
+            <a:off x="4537411" y="2676346"/>
+            <a:ext cx="2735948" cy="174578"/>
+          </a:xfrm>
+          <a:prstGeom prst="straightConnector1">
+            <a:avLst/>
+          </a:prstGeom>
+          <a:ln w="38100">
+            <a:solidFill>
+              <a:schemeClr val="tx1"/>
+            </a:solidFill>
+            <a:tailEnd type="triangle"/>
+          </a:ln>
+        </p:spPr>
+        <p:style>
+          <a:lnRef idx="2">
+            <a:schemeClr val="accent1"/>
+          </a:lnRef>
+          <a:fillRef idx="0">
+            <a:schemeClr val="accent1"/>
+          </a:fillRef>
+          <a:effectRef idx="1">
+            <a:schemeClr val="accent1"/>
+          </a:effectRef>
+          <a:fontRef idx="minor">
+            <a:schemeClr val="tx1"/>
+          </a:fontRef>
+        </p:style>
+      </p:cxnSp>
+      <p:cxnSp>
+        <p:nvCxnSpPr>
+          <p:cNvPr id="3" name="직선 화살표 연결선 2">
+            <a:extLst>
+              <a:ext uri="{FF2B5EF4-FFF2-40B4-BE49-F238E27FC236}">
+                <a16:creationId xmlns:a16="http://schemas.microsoft.com/office/drawing/2014/main" id="{68D32E8C-C024-5D80-171E-C8247A15A922}"/>
+              </a:ext>
+            </a:extLst>
+          </p:cNvPr>
+          <p:cNvCxnSpPr>
+            <a:cxnSpLocks/>
+          </p:cNvCxnSpPr>
+          <p:nvPr/>
+        </p:nvCxnSpPr>
+        <p:spPr>
+          <a:xfrm flipV="1">
+            <a:off x="4521369" y="2953112"/>
+            <a:ext cx="2751990" cy="284707"/>
+          </a:xfrm>
+          <a:prstGeom prst="straightConnector1">
+            <a:avLst/>
+          </a:prstGeom>
+          <a:ln w="38100">
+            <a:solidFill>
+              <a:schemeClr val="tx1"/>
+            </a:solidFill>
+            <a:tailEnd type="triangle"/>
+          </a:ln>
+        </p:spPr>
+        <p:style>
+          <a:lnRef idx="2">
+            <a:schemeClr val="accent1"/>
+          </a:lnRef>
+          <a:fillRef idx="0">
+            <a:schemeClr val="accent1"/>
+          </a:fillRef>
+          <a:effectRef idx="1">
+            <a:schemeClr val="accent1"/>
+          </a:effectRef>
+          <a:fontRef idx="minor">
+            <a:schemeClr val="tx1"/>
+          </a:fontRef>
+        </p:style>
+      </p:cxnSp>
+      <p:cxnSp>
+        <p:nvCxnSpPr>
+          <p:cNvPr id="10" name="직선 화살표 연결선 9">
+            <a:extLst>
+              <a:ext uri="{FF2B5EF4-FFF2-40B4-BE49-F238E27FC236}">
+                <a16:creationId xmlns:a16="http://schemas.microsoft.com/office/drawing/2014/main" id="{5818EAE5-7AA2-1847-8A8E-F888443DD612}"/>
+              </a:ext>
+            </a:extLst>
+          </p:cNvPr>
+          <p:cNvCxnSpPr>
+            <a:cxnSpLocks/>
+          </p:cNvCxnSpPr>
+          <p:nvPr/>
+        </p:nvCxnSpPr>
+        <p:spPr>
+          <a:xfrm flipV="1">
+            <a:off x="4537411" y="3118306"/>
+            <a:ext cx="2735948" cy="613406"/>
+          </a:xfrm>
+          <a:prstGeom prst="straightConnector1">
+            <a:avLst/>
+          </a:prstGeom>
+          <a:ln w="38100">
+            <a:solidFill>
+              <a:schemeClr val="tx1"/>
+            </a:solidFill>
+            <a:tailEnd type="triangle"/>
+          </a:ln>
+        </p:spPr>
+        <p:style>
+          <a:lnRef idx="2">
+            <a:schemeClr val="accent1"/>
+          </a:lnRef>
+          <a:fillRef idx="0">
+            <a:schemeClr val="accent1"/>
+          </a:fillRef>
+          <a:effectRef idx="1">
+            <a:schemeClr val="accent1"/>
+          </a:effectRef>
+          <a:fontRef idx="minor">
+            <a:schemeClr val="tx1"/>
+          </a:fontRef>
+        </p:style>
+      </p:cxnSp>
+      <p:cxnSp>
+        <p:nvCxnSpPr>
+          <p:cNvPr id="12" name="직선 화살표 연결선 11">
+            <a:extLst>
+              <a:ext uri="{FF2B5EF4-FFF2-40B4-BE49-F238E27FC236}">
+                <a16:creationId xmlns:a16="http://schemas.microsoft.com/office/drawing/2014/main" id="{C2F90B7A-43A6-7101-747C-25FADB61549F}"/>
+              </a:ext>
+            </a:extLst>
+          </p:cNvPr>
+          <p:cNvCxnSpPr>
+            <a:cxnSpLocks/>
+          </p:cNvCxnSpPr>
+          <p:nvPr/>
+        </p:nvCxnSpPr>
+        <p:spPr>
+          <a:xfrm flipV="1">
+            <a:off x="4521369" y="3237819"/>
+            <a:ext cx="2768032" cy="1049435"/>
+          </a:xfrm>
+          <a:prstGeom prst="straightConnector1">
+            <a:avLst/>
+          </a:prstGeom>
+          <a:ln w="38100">
+            <a:solidFill>
+              <a:schemeClr val="tx1"/>
+            </a:solidFill>
+            <a:tailEnd type="triangle"/>
+          </a:ln>
+        </p:spPr>
+        <p:style>
+          <a:lnRef idx="2">
+            <a:schemeClr val="accent1"/>
+          </a:lnRef>
+          <a:fillRef idx="0">
+            <a:schemeClr val="accent1"/>
+          </a:fillRef>
+          <a:effectRef idx="1">
+            <a:schemeClr val="accent1"/>
+          </a:effectRef>
+          <a:fontRef idx="minor">
+            <a:schemeClr val="tx1"/>
+          </a:fontRef>
+        </p:style>
+      </p:cxnSp>
+      <p:cxnSp>
+        <p:nvCxnSpPr>
+          <p:cNvPr id="21" name="직선 화살표 연결선 20">
+            <a:extLst>
+              <a:ext uri="{FF2B5EF4-FFF2-40B4-BE49-F238E27FC236}">
+                <a16:creationId xmlns:a16="http://schemas.microsoft.com/office/drawing/2014/main" id="{66228DAB-F6D3-C028-7C11-BC25030E8117}"/>
+              </a:ext>
+            </a:extLst>
+          </p:cNvPr>
+          <p:cNvCxnSpPr>
+            <a:cxnSpLocks/>
+          </p:cNvCxnSpPr>
+          <p:nvPr/>
+        </p:nvCxnSpPr>
+        <p:spPr>
+          <a:xfrm flipH="1" flipV="1">
+            <a:off x="7881256" y="3084102"/>
+            <a:ext cx="418799" cy="255905"/>
+          </a:xfrm>
+          <a:prstGeom prst="straightConnector1">
+            <a:avLst/>
+          </a:prstGeom>
+          <a:ln w="38100">
+            <a:solidFill>
+              <a:schemeClr val="tx1"/>
+            </a:solidFill>
+            <a:tailEnd type="triangle"/>
+          </a:ln>
+        </p:spPr>
+        <p:style>
+          <a:lnRef idx="2">
+            <a:schemeClr val="accent1"/>
+          </a:lnRef>
+          <a:fillRef idx="0">
+            <a:schemeClr val="accent1"/>
+          </a:fillRef>
+          <a:effectRef idx="1">
+            <a:schemeClr val="accent1"/>
+          </a:effectRef>
+          <a:fontRef idx="minor">
+            <a:schemeClr val="tx1"/>
+          </a:fontRef>
+        </p:style>
+      </p:cxnSp>
+      <p:sp>
+        <p:nvSpPr>
+          <p:cNvPr id="25" name="TextBox 24">
+            <a:extLst>
+              <a:ext uri="{FF2B5EF4-FFF2-40B4-BE49-F238E27FC236}">
+                <a16:creationId xmlns:a16="http://schemas.microsoft.com/office/drawing/2014/main" id="{74D310A3-900D-0304-CABC-73DE41544736}"/>
+              </a:ext>
+            </a:extLst>
+          </p:cNvPr>
+          <p:cNvSpPr txBox="1"/>
+          <p:nvPr/>
+        </p:nvSpPr>
+        <p:spPr>
+          <a:xfrm>
+            <a:off x="3713817" y="1465403"/>
+            <a:ext cx="877163" cy="369332"/>
+          </a:xfrm>
+          <a:prstGeom prst="rect">
+            <a:avLst/>
+          </a:prstGeom>
+          <a:noFill/>
+        </p:spPr>
+        <p:txBody>
+          <a:bodyPr wrap="none" rtlCol="0">
+            <a:spAutoFit/>
+          </a:bodyPr>
+          <a:lstStyle/>
+          <a:p>
+            <a:r>
+              <a:rPr lang="ko-KR" altLang="en-US" b="1" dirty="0" err="1"/>
+              <a:t>정의역</a:t>
+            </a:r>
+            <a:endParaRPr lang="ko-KR" altLang="en-US" b="1" dirty="0"/>
+          </a:p>
+        </p:txBody>
+      </p:sp>
+      <p:sp>
+        <p:nvSpPr>
+          <p:cNvPr id="26" name="TextBox 25">
+            <a:extLst>
+              <a:ext uri="{FF2B5EF4-FFF2-40B4-BE49-F238E27FC236}">
+                <a16:creationId xmlns:a16="http://schemas.microsoft.com/office/drawing/2014/main" id="{26C6106E-5645-E0BF-C7B8-23B0247FE488}"/>
+              </a:ext>
+            </a:extLst>
+          </p:cNvPr>
+          <p:cNvSpPr txBox="1"/>
+          <p:nvPr/>
+        </p:nvSpPr>
+        <p:spPr>
+          <a:xfrm>
+            <a:off x="7117867" y="1465403"/>
+            <a:ext cx="646331" cy="369332"/>
+          </a:xfrm>
+          <a:prstGeom prst="rect">
+            <a:avLst/>
+          </a:prstGeom>
+          <a:noFill/>
+        </p:spPr>
+        <p:txBody>
+          <a:bodyPr wrap="none" rtlCol="0">
+            <a:spAutoFit/>
+          </a:bodyPr>
+          <a:lstStyle/>
+          <a:p>
+            <a:r>
+              <a:rPr lang="ko-KR" altLang="en-US" b="1" dirty="0"/>
+              <a:t>공역</a:t>
+            </a:r>
+          </a:p>
+        </p:txBody>
+      </p:sp>
+      <p:sp>
+        <p:nvSpPr>
+          <p:cNvPr id="27" name="TextBox 26">
+            <a:extLst>
+              <a:ext uri="{FF2B5EF4-FFF2-40B4-BE49-F238E27FC236}">
+                <a16:creationId xmlns:a16="http://schemas.microsoft.com/office/drawing/2014/main" id="{F8504434-47CB-9A0E-61AC-3162E89C4032}"/>
+              </a:ext>
+            </a:extLst>
+          </p:cNvPr>
+          <p:cNvSpPr txBox="1"/>
+          <p:nvPr/>
+        </p:nvSpPr>
+        <p:spPr>
+          <a:xfrm>
+            <a:off x="8360009" y="3212054"/>
+            <a:ext cx="646331" cy="369332"/>
+          </a:xfrm>
+          <a:prstGeom prst="rect">
+            <a:avLst/>
+          </a:prstGeom>
+          <a:noFill/>
+        </p:spPr>
+        <p:txBody>
+          <a:bodyPr wrap="none" rtlCol="0">
+            <a:spAutoFit/>
+          </a:bodyPr>
+          <a:lstStyle/>
+          <a:p>
+            <a:r>
+              <a:rPr lang="ko-KR" altLang="en-US" b="1" dirty="0" err="1"/>
+              <a:t>치역</a:t>
+            </a:r>
+            <a:endParaRPr lang="ko-KR" altLang="en-US" b="1" dirty="0"/>
+          </a:p>
+        </p:txBody>
+      </p:sp>
+    </p:spTree>
+    <p:extLst>
+      <p:ext uri="{BB962C8B-B14F-4D97-AF65-F5344CB8AC3E}">
+        <p14:creationId xmlns:p14="http://schemas.microsoft.com/office/powerpoint/2010/main" val="2640015206"/>
+      </p:ext>
+    </p:extLst>
+  </p:cSld>
+  <p:clrMapOvr>
+    <a:masterClrMapping/>
+  </p:clrMapOvr>
+</p:sld>
+</file>
+
+<file path=ppt/slides/slide12.xml><?xml version="1.0" encoding="utf-8"?>
+<p:sld xmlns:a="http://schemas.openxmlformats.org/drawingml/2006/main" xmlns:r="http://schemas.openxmlformats.org/officeDocument/2006/relationships" xmlns:p="http://schemas.openxmlformats.org/presentationml/2006/main">
+  <p:cSld>
+    <p:spTree>
+      <p:nvGrpSpPr>
+        <p:cNvPr id="1" name="">
+          <a:extLst>
+            <a:ext uri="{FF2B5EF4-FFF2-40B4-BE49-F238E27FC236}">
+              <a16:creationId xmlns:a16="http://schemas.microsoft.com/office/drawing/2014/main" id="{FBD50551-CF1F-7DE5-1FCA-0ADA7259A312}"/>
+            </a:ext>
+          </a:extLst>
+        </p:cNvPr>
+        <p:cNvGrpSpPr/>
+        <p:nvPr/>
+      </p:nvGrpSpPr>
+      <p:grpSpPr>
+        <a:xfrm>
+          <a:off x="0" y="0"/>
+          <a:ext cx="0" cy="0"/>
+          <a:chOff x="0" y="0"/>
+          <a:chExt cx="0" cy="0"/>
+        </a:xfrm>
+      </p:grpSpPr>
+      <p:sp>
+        <p:nvSpPr>
+          <p:cNvPr id="65" name="직사각형 64">
+            <a:extLst>
+              <a:ext uri="{FF2B5EF4-FFF2-40B4-BE49-F238E27FC236}">
+                <a16:creationId xmlns:a16="http://schemas.microsoft.com/office/drawing/2014/main" id="{8C58F081-F1FB-E4D4-D46C-62647C89E518}"/>
+              </a:ext>
+            </a:extLst>
+          </p:cNvPr>
+          <p:cNvSpPr/>
+          <p:nvPr/>
+        </p:nvSpPr>
+        <p:spPr>
+          <a:xfrm>
+            <a:off x="3454400" y="520701"/>
+            <a:ext cx="4445000" cy="5661002"/>
+          </a:xfrm>
+          <a:prstGeom prst="rect">
+            <a:avLst/>
+          </a:prstGeom>
+          <a:solidFill>
+            <a:schemeClr val="bg1"/>
+          </a:solidFill>
+          <a:ln>
+            <a:noFill/>
+          </a:ln>
+        </p:spPr>
+        <p:style>
+          <a:lnRef idx="2">
+            <a:schemeClr val="accent1">
+              <a:shade val="15000"/>
+            </a:schemeClr>
+          </a:lnRef>
+          <a:fillRef idx="1">
+            <a:schemeClr val="accent1"/>
+          </a:fillRef>
+          <a:effectRef idx="0">
+            <a:schemeClr val="accent1"/>
+          </a:effectRef>
+          <a:fontRef idx="minor">
+            <a:schemeClr val="lt1"/>
+          </a:fontRef>
+        </p:style>
+        <p:txBody>
+          <a:bodyPr rtlCol="0" anchor="ctr"/>
+          <a:lstStyle/>
+          <a:p>
+            <a:pPr algn="ctr"/>
+            <a:endParaRPr lang="ko-KR" altLang="en-US"/>
+          </a:p>
+        </p:txBody>
+      </p:sp>
+      <p:sp>
+        <p:nvSpPr>
+          <p:cNvPr id="53" name="사각형: 둥근 모서리 52">
+            <a:extLst>
+              <a:ext uri="{FF2B5EF4-FFF2-40B4-BE49-F238E27FC236}">
+                <a16:creationId xmlns:a16="http://schemas.microsoft.com/office/drawing/2014/main" id="{67EBD4E8-76D6-59C8-CC02-471502FB7F2E}"/>
+              </a:ext>
+            </a:extLst>
+          </p:cNvPr>
+          <p:cNvSpPr/>
+          <p:nvPr/>
+        </p:nvSpPr>
+        <p:spPr>
+          <a:xfrm>
+            <a:off x="6024140" y="4415921"/>
+            <a:ext cx="1626939" cy="1219200"/>
+          </a:xfrm>
+          <a:prstGeom prst="roundRect">
+            <a:avLst/>
+          </a:prstGeom>
+          <a:solidFill>
+            <a:schemeClr val="accent1">
+              <a:lumMod val="40000"/>
+              <a:lumOff val="60000"/>
+            </a:schemeClr>
+          </a:solidFill>
+          <a:ln>
+            <a:noFill/>
+          </a:ln>
+        </p:spPr>
+        <p:style>
+          <a:lnRef idx="2">
+            <a:schemeClr val="accent1">
+              <a:shade val="15000"/>
+            </a:schemeClr>
+          </a:lnRef>
+          <a:fillRef idx="1">
+            <a:schemeClr val="accent1"/>
+          </a:fillRef>
+          <a:effectRef idx="0">
+            <a:schemeClr val="accent1"/>
+          </a:effectRef>
+          <a:fontRef idx="minor">
+            <a:schemeClr val="lt1"/>
+          </a:fontRef>
+        </p:style>
+        <p:txBody>
+          <a:bodyPr rtlCol="0" anchor="ctr"/>
+          <a:lstStyle/>
+          <a:p>
+            <a:pPr algn="ctr"/>
+            <a:endParaRPr lang="ko-KR" altLang="en-US"/>
+          </a:p>
+        </p:txBody>
+      </p:sp>
+      <p:sp>
+        <p:nvSpPr>
+          <p:cNvPr id="4" name="직사각형 3">
+            <a:extLst>
+              <a:ext uri="{FF2B5EF4-FFF2-40B4-BE49-F238E27FC236}">
+                <a16:creationId xmlns:a16="http://schemas.microsoft.com/office/drawing/2014/main" id="{63A4BFEB-0FCC-75BB-31C0-B22BDE1E4114}"/>
+              </a:ext>
+            </a:extLst>
+          </p:cNvPr>
+          <p:cNvSpPr/>
+          <p:nvPr/>
+        </p:nvSpPr>
+        <p:spPr>
+          <a:xfrm>
+            <a:off x="3898230" y="2462463"/>
+            <a:ext cx="3433011" cy="1780674"/>
+          </a:xfrm>
+          <a:prstGeom prst="rect">
+            <a:avLst/>
+          </a:prstGeom>
+          <a:solidFill>
+            <a:schemeClr val="bg2"/>
+          </a:solidFill>
+          <a:ln>
+            <a:noFill/>
+          </a:ln>
+        </p:spPr>
+        <p:style>
+          <a:lnRef idx="2">
+            <a:schemeClr val="accent1">
+              <a:shade val="15000"/>
+            </a:schemeClr>
+          </a:lnRef>
+          <a:fillRef idx="1">
+            <a:schemeClr val="accent1"/>
+          </a:fillRef>
+          <a:effectRef idx="0">
+            <a:schemeClr val="accent1"/>
+          </a:effectRef>
+          <a:fontRef idx="minor">
+            <a:schemeClr val="lt1"/>
+          </a:fontRef>
+        </p:style>
+        <p:txBody>
+          <a:bodyPr rtlCol="0" anchor="ctr"/>
+          <a:lstStyle/>
+          <a:p>
+            <a:pPr algn="ctr"/>
+            <a:endParaRPr lang="ko-KR" altLang="en-US" dirty="0"/>
+          </a:p>
+        </p:txBody>
+      </p:sp>
+      <p:cxnSp>
+        <p:nvCxnSpPr>
+          <p:cNvPr id="7" name="직선 연결선 6">
+            <a:extLst>
+              <a:ext uri="{FF2B5EF4-FFF2-40B4-BE49-F238E27FC236}">
+                <a16:creationId xmlns:a16="http://schemas.microsoft.com/office/drawing/2014/main" id="{0DB071CB-BC41-D008-57E4-A11C913DC050}"/>
+              </a:ext>
+            </a:extLst>
+          </p:cNvPr>
+          <p:cNvCxnSpPr>
+            <a:cxnSpLocks/>
+          </p:cNvCxnSpPr>
+          <p:nvPr/>
+        </p:nvCxnSpPr>
+        <p:spPr>
+          <a:xfrm>
+            <a:off x="7331241" y="2462463"/>
+            <a:ext cx="0" cy="1780674"/>
+          </a:xfrm>
+          <a:prstGeom prst="line">
+            <a:avLst/>
+          </a:prstGeom>
+          <a:ln w="28575">
+            <a:solidFill>
+              <a:schemeClr val="tx1"/>
+            </a:solidFill>
+          </a:ln>
+        </p:spPr>
+        <p:style>
+          <a:lnRef idx="2">
+            <a:schemeClr val="accent1"/>
+          </a:lnRef>
+          <a:fillRef idx="0">
+            <a:schemeClr val="accent1"/>
+          </a:fillRef>
+          <a:effectRef idx="1">
+            <a:schemeClr val="accent1"/>
+          </a:effectRef>
+          <a:fontRef idx="minor">
+            <a:schemeClr val="tx1"/>
+          </a:fontRef>
+        </p:style>
+      </p:cxnSp>
+      <p:cxnSp>
+        <p:nvCxnSpPr>
+          <p:cNvPr id="10" name="직선 연결선 9">
+            <a:extLst>
+              <a:ext uri="{FF2B5EF4-FFF2-40B4-BE49-F238E27FC236}">
+                <a16:creationId xmlns:a16="http://schemas.microsoft.com/office/drawing/2014/main" id="{94B2E628-794E-24FC-CD58-062E4FB700B3}"/>
+              </a:ext>
+            </a:extLst>
+          </p:cNvPr>
+          <p:cNvCxnSpPr>
+            <a:cxnSpLocks/>
+          </p:cNvCxnSpPr>
+          <p:nvPr/>
+        </p:nvCxnSpPr>
+        <p:spPr>
+          <a:xfrm>
+            <a:off x="3914271" y="2462463"/>
+            <a:ext cx="0" cy="1780674"/>
+          </a:xfrm>
+          <a:prstGeom prst="line">
+            <a:avLst/>
+          </a:prstGeom>
+          <a:ln w="28575">
+            <a:solidFill>
+              <a:schemeClr val="tx1"/>
+            </a:solidFill>
+          </a:ln>
+        </p:spPr>
+        <p:style>
+          <a:lnRef idx="2">
+            <a:schemeClr val="accent1"/>
+          </a:lnRef>
+          <a:fillRef idx="0">
+            <a:schemeClr val="accent1"/>
+          </a:fillRef>
+          <a:effectRef idx="1">
+            <a:schemeClr val="accent1"/>
+          </a:effectRef>
+          <a:fontRef idx="minor">
+            <a:schemeClr val="tx1"/>
+          </a:fontRef>
+        </p:style>
+      </p:cxnSp>
+      <p:grpSp>
+        <p:nvGrpSpPr>
+          <p:cNvPr id="17" name="그룹 16">
+            <a:extLst>
+              <a:ext uri="{FF2B5EF4-FFF2-40B4-BE49-F238E27FC236}">
+                <a16:creationId xmlns:a16="http://schemas.microsoft.com/office/drawing/2014/main" id="{BCF7B937-FA00-EB38-0D80-3D84311870A5}"/>
+              </a:ext>
+            </a:extLst>
+          </p:cNvPr>
+          <p:cNvGrpSpPr/>
+          <p:nvPr/>
+        </p:nvGrpSpPr>
+        <p:grpSpPr>
+          <a:xfrm>
+            <a:off x="6579601" y="4243137"/>
+            <a:ext cx="497306" cy="409074"/>
+            <a:chOff x="5366081" y="4243137"/>
+            <a:chExt cx="497306" cy="1780674"/>
+          </a:xfrm>
+        </p:grpSpPr>
+        <p:cxnSp>
+          <p:nvCxnSpPr>
+            <p:cNvPr id="11" name="직선 연결선 10">
+              <a:extLst>
+                <a:ext uri="{FF2B5EF4-FFF2-40B4-BE49-F238E27FC236}">
+                  <a16:creationId xmlns:a16="http://schemas.microsoft.com/office/drawing/2014/main" id="{A3F41282-2C96-842B-B0F6-549A7782EFCD}"/>
+                </a:ext>
+              </a:extLst>
+            </p:cNvPr>
+            <p:cNvCxnSpPr>
+              <a:cxnSpLocks/>
+            </p:cNvCxnSpPr>
+            <p:nvPr/>
+          </p:nvCxnSpPr>
+          <p:spPr>
+            <a:xfrm>
+              <a:off x="5366081" y="4243137"/>
+              <a:ext cx="0" cy="1780674"/>
+            </a:xfrm>
+            <a:prstGeom prst="line">
+              <a:avLst/>
+            </a:prstGeom>
+            <a:ln w="28575">
+              <a:solidFill>
+                <a:schemeClr val="tx1"/>
+              </a:solidFill>
+            </a:ln>
+          </p:spPr>
+          <p:style>
+            <a:lnRef idx="2">
+              <a:schemeClr val="accent1"/>
+            </a:lnRef>
+            <a:fillRef idx="0">
+              <a:schemeClr val="accent1"/>
+            </a:fillRef>
+            <a:effectRef idx="1">
+              <a:schemeClr val="accent1"/>
+            </a:effectRef>
+            <a:fontRef idx="minor">
+              <a:schemeClr val="tx1"/>
+            </a:fontRef>
+          </p:style>
+        </p:cxnSp>
+        <p:cxnSp>
+          <p:nvCxnSpPr>
+            <p:cNvPr id="12" name="직선 연결선 11">
+              <a:extLst>
+                <a:ext uri="{FF2B5EF4-FFF2-40B4-BE49-F238E27FC236}">
+                  <a16:creationId xmlns:a16="http://schemas.microsoft.com/office/drawing/2014/main" id="{A41E74B9-02A0-6044-C4B1-2046F065AD70}"/>
+                </a:ext>
+              </a:extLst>
+            </p:cNvPr>
+            <p:cNvCxnSpPr>
+              <a:cxnSpLocks/>
+            </p:cNvCxnSpPr>
+            <p:nvPr/>
+          </p:nvCxnSpPr>
+          <p:spPr>
+            <a:xfrm>
+              <a:off x="5863387" y="4243137"/>
+              <a:ext cx="0" cy="1780674"/>
+            </a:xfrm>
+            <a:prstGeom prst="line">
+              <a:avLst/>
+            </a:prstGeom>
+            <a:ln w="28575">
+              <a:solidFill>
+                <a:schemeClr val="tx1"/>
+              </a:solidFill>
+            </a:ln>
+          </p:spPr>
+          <p:style>
+            <a:lnRef idx="2">
+              <a:schemeClr val="accent1"/>
+            </a:lnRef>
+            <a:fillRef idx="0">
+              <a:schemeClr val="accent1"/>
+            </a:fillRef>
+            <a:effectRef idx="1">
+              <a:schemeClr val="accent1"/>
+            </a:effectRef>
+            <a:fontRef idx="minor">
+              <a:schemeClr val="tx1"/>
+            </a:fontRef>
+          </p:style>
+        </p:cxnSp>
+      </p:grpSp>
+      <p:cxnSp>
+        <p:nvCxnSpPr>
+          <p:cNvPr id="18" name="직선 연결선 17">
+            <a:extLst>
+              <a:ext uri="{FF2B5EF4-FFF2-40B4-BE49-F238E27FC236}">
+                <a16:creationId xmlns:a16="http://schemas.microsoft.com/office/drawing/2014/main" id="{0CC2504D-87A0-94A7-47A2-BD506037B9AB}"/>
+              </a:ext>
+            </a:extLst>
+          </p:cNvPr>
+          <p:cNvCxnSpPr>
+            <a:cxnSpLocks/>
+          </p:cNvCxnSpPr>
+          <p:nvPr/>
+        </p:nvCxnSpPr>
+        <p:spPr>
+          <a:xfrm flipH="1">
+            <a:off x="7076906" y="4243137"/>
+            <a:ext cx="254335" cy="0"/>
+          </a:xfrm>
+          <a:prstGeom prst="line">
+            <a:avLst/>
+          </a:prstGeom>
+          <a:ln w="28575">
+            <a:solidFill>
+              <a:schemeClr val="tx1"/>
+            </a:solidFill>
+          </a:ln>
+        </p:spPr>
+        <p:style>
+          <a:lnRef idx="2">
+            <a:schemeClr val="accent1"/>
+          </a:lnRef>
+          <a:fillRef idx="0">
+            <a:schemeClr val="accent1"/>
+          </a:fillRef>
+          <a:effectRef idx="1">
+            <a:schemeClr val="accent1"/>
+          </a:effectRef>
+          <a:fontRef idx="minor">
+            <a:schemeClr val="tx1"/>
+          </a:fontRef>
+        </p:style>
+      </p:cxnSp>
+      <p:sp>
+        <p:nvSpPr>
+          <p:cNvPr id="47" name="사각형: 둥근 모서리 46">
+            <a:extLst>
+              <a:ext uri="{FF2B5EF4-FFF2-40B4-BE49-F238E27FC236}">
+                <a16:creationId xmlns:a16="http://schemas.microsoft.com/office/drawing/2014/main" id="{BA2BAC4E-6092-0163-913D-5C1F143230BB}"/>
+              </a:ext>
+            </a:extLst>
+          </p:cNvPr>
+          <p:cNvSpPr/>
+          <p:nvPr/>
+        </p:nvSpPr>
+        <p:spPr>
+          <a:xfrm>
+            <a:off x="3605353" y="1070478"/>
+            <a:ext cx="1626939" cy="1219200"/>
+          </a:xfrm>
+          <a:prstGeom prst="roundRect">
+            <a:avLst/>
+          </a:prstGeom>
+          <a:solidFill>
+            <a:schemeClr val="accent6">
+              <a:lumMod val="40000"/>
+              <a:lumOff val="60000"/>
+            </a:schemeClr>
+          </a:solidFill>
+          <a:ln>
+            <a:noFill/>
+          </a:ln>
+        </p:spPr>
+        <p:style>
+          <a:lnRef idx="2">
+            <a:schemeClr val="accent1">
+              <a:shade val="15000"/>
+            </a:schemeClr>
+          </a:lnRef>
+          <a:fillRef idx="1">
+            <a:schemeClr val="accent1"/>
+          </a:fillRef>
+          <a:effectRef idx="0">
+            <a:schemeClr val="accent1"/>
+          </a:effectRef>
+          <a:fontRef idx="minor">
+            <a:schemeClr val="lt1"/>
+          </a:fontRef>
+        </p:style>
+        <p:txBody>
+          <a:bodyPr rtlCol="0" anchor="ctr"/>
+          <a:lstStyle/>
+          <a:p>
+            <a:pPr algn="ctr"/>
+            <a:endParaRPr lang="ko-KR" altLang="en-US"/>
+          </a:p>
+        </p:txBody>
+      </p:sp>
+      <p:cxnSp>
+        <p:nvCxnSpPr>
+          <p:cNvPr id="21" name="직선 연결선 20">
+            <a:extLst>
+              <a:ext uri="{FF2B5EF4-FFF2-40B4-BE49-F238E27FC236}">
+                <a16:creationId xmlns:a16="http://schemas.microsoft.com/office/drawing/2014/main" id="{E0A46CF5-5393-DEB7-310F-82957167D8E8}"/>
+              </a:ext>
+            </a:extLst>
+          </p:cNvPr>
+          <p:cNvCxnSpPr>
+            <a:cxnSpLocks/>
+          </p:cNvCxnSpPr>
+          <p:nvPr/>
+        </p:nvCxnSpPr>
+        <p:spPr>
+          <a:xfrm flipH="1">
+            <a:off x="3898229" y="4243137"/>
+            <a:ext cx="2681372" cy="0"/>
+          </a:xfrm>
+          <a:prstGeom prst="line">
+            <a:avLst/>
+          </a:prstGeom>
+          <a:ln w="28575">
+            <a:solidFill>
+              <a:schemeClr val="tx1"/>
+            </a:solidFill>
+          </a:ln>
+        </p:spPr>
+        <p:style>
+          <a:lnRef idx="2">
+            <a:schemeClr val="accent1"/>
+          </a:lnRef>
+          <a:fillRef idx="0">
+            <a:schemeClr val="accent1"/>
+          </a:fillRef>
+          <a:effectRef idx="1">
+            <a:schemeClr val="accent1"/>
+          </a:effectRef>
+          <a:fontRef idx="minor">
+            <a:schemeClr val="tx1"/>
+          </a:fontRef>
+        </p:style>
+      </p:cxnSp>
+      <p:cxnSp>
+        <p:nvCxnSpPr>
+          <p:cNvPr id="22" name="직선 연결선 21">
+            <a:extLst>
+              <a:ext uri="{FF2B5EF4-FFF2-40B4-BE49-F238E27FC236}">
+                <a16:creationId xmlns:a16="http://schemas.microsoft.com/office/drawing/2014/main" id="{C6F2AE55-7E7A-541E-CA6F-CBB6F4DDE6F8}"/>
+              </a:ext>
+            </a:extLst>
+          </p:cNvPr>
+          <p:cNvCxnSpPr>
+            <a:cxnSpLocks/>
+          </p:cNvCxnSpPr>
+          <p:nvPr/>
+        </p:nvCxnSpPr>
+        <p:spPr>
+          <a:xfrm rot="2700000">
+            <a:off x="6434971" y="4592303"/>
+            <a:ext cx="0" cy="409074"/>
+          </a:xfrm>
+          <a:prstGeom prst="line">
+            <a:avLst/>
+          </a:prstGeom>
+          <a:ln w="28575">
+            <a:solidFill>
+              <a:schemeClr val="tx1"/>
+            </a:solidFill>
+          </a:ln>
+        </p:spPr>
+        <p:style>
+          <a:lnRef idx="2">
+            <a:schemeClr val="accent1"/>
+          </a:lnRef>
+          <a:fillRef idx="0">
+            <a:schemeClr val="accent1"/>
+          </a:fillRef>
+          <a:effectRef idx="1">
+            <a:schemeClr val="accent1"/>
+          </a:effectRef>
+          <a:fontRef idx="minor">
+            <a:schemeClr val="tx1"/>
+          </a:fontRef>
+        </p:style>
+      </p:cxnSp>
+      <p:cxnSp>
+        <p:nvCxnSpPr>
+          <p:cNvPr id="23" name="직선 연결선 22">
+            <a:extLst>
+              <a:ext uri="{FF2B5EF4-FFF2-40B4-BE49-F238E27FC236}">
+                <a16:creationId xmlns:a16="http://schemas.microsoft.com/office/drawing/2014/main" id="{8B295D70-15A0-987A-AD54-0712A5A2AE72}"/>
+              </a:ext>
+            </a:extLst>
+          </p:cNvPr>
+          <p:cNvCxnSpPr>
+            <a:cxnSpLocks/>
+          </p:cNvCxnSpPr>
+          <p:nvPr/>
+        </p:nvCxnSpPr>
+        <p:spPr>
+          <a:xfrm rot="18900000">
+            <a:off x="7221536" y="4592305"/>
+            <a:ext cx="0" cy="409074"/>
+          </a:xfrm>
+          <a:prstGeom prst="line">
+            <a:avLst/>
+          </a:prstGeom>
+          <a:ln w="28575">
+            <a:solidFill>
+              <a:schemeClr val="tx1"/>
+            </a:solidFill>
+          </a:ln>
+        </p:spPr>
+        <p:style>
+          <a:lnRef idx="2">
+            <a:schemeClr val="accent1"/>
+          </a:lnRef>
+          <a:fillRef idx="0">
+            <a:schemeClr val="accent1"/>
+          </a:fillRef>
+          <a:effectRef idx="1">
+            <a:schemeClr val="accent1"/>
+          </a:effectRef>
+          <a:fontRef idx="minor">
+            <a:schemeClr val="tx1"/>
+          </a:fontRef>
+        </p:style>
+      </p:cxnSp>
+      <p:grpSp>
+        <p:nvGrpSpPr>
+          <p:cNvPr id="31" name="그룹 30">
+            <a:extLst>
+              <a:ext uri="{FF2B5EF4-FFF2-40B4-BE49-F238E27FC236}">
+                <a16:creationId xmlns:a16="http://schemas.microsoft.com/office/drawing/2014/main" id="{589B6127-3E91-4A02-0539-DCADEB9171BD}"/>
+              </a:ext>
+            </a:extLst>
+          </p:cNvPr>
+          <p:cNvGrpSpPr/>
+          <p:nvPr/>
+        </p:nvGrpSpPr>
+        <p:grpSpPr>
+          <a:xfrm rot="10800000">
+            <a:off x="4004603" y="1704219"/>
+            <a:ext cx="991102" cy="758242"/>
+            <a:chOff x="4645916" y="1447800"/>
+            <a:chExt cx="991102" cy="758242"/>
+          </a:xfrm>
+        </p:grpSpPr>
+        <p:grpSp>
+          <p:nvGrpSpPr>
+            <p:cNvPr id="24" name="그룹 23">
+              <a:extLst>
+                <a:ext uri="{FF2B5EF4-FFF2-40B4-BE49-F238E27FC236}">
+                  <a16:creationId xmlns:a16="http://schemas.microsoft.com/office/drawing/2014/main" id="{40D87D5C-6F6D-511A-1561-74FBBE913F5C}"/>
+                </a:ext>
+              </a:extLst>
+            </p:cNvPr>
+            <p:cNvGrpSpPr/>
+            <p:nvPr/>
+          </p:nvGrpSpPr>
+          <p:grpSpPr>
+            <a:xfrm>
+              <a:off x="4995083" y="1447800"/>
+              <a:ext cx="497306" cy="409074"/>
+              <a:chOff x="5366081" y="4243137"/>
+              <a:chExt cx="497306" cy="1780674"/>
+            </a:xfrm>
+          </p:grpSpPr>
+          <p:cxnSp>
+            <p:nvCxnSpPr>
+              <p:cNvPr id="25" name="직선 연결선 24">
+                <a:extLst>
+                  <a:ext uri="{FF2B5EF4-FFF2-40B4-BE49-F238E27FC236}">
+                    <a16:creationId xmlns:a16="http://schemas.microsoft.com/office/drawing/2014/main" id="{1781AB72-EB9B-C717-94FA-6F7C768AAE0B}"/>
+                  </a:ext>
+                </a:extLst>
+              </p:cNvPr>
+              <p:cNvCxnSpPr>
+                <a:cxnSpLocks/>
+              </p:cNvCxnSpPr>
+              <p:nvPr/>
+            </p:nvCxnSpPr>
+            <p:spPr>
+              <a:xfrm>
+                <a:off x="5366081" y="4243137"/>
+                <a:ext cx="0" cy="1780674"/>
+              </a:xfrm>
+              <a:prstGeom prst="line">
+                <a:avLst/>
+              </a:prstGeom>
+              <a:ln w="28575">
+                <a:solidFill>
+                  <a:schemeClr val="tx1"/>
+                </a:solidFill>
+              </a:ln>
+            </p:spPr>
+            <p:style>
+              <a:lnRef idx="2">
+                <a:schemeClr val="accent1"/>
+              </a:lnRef>
+              <a:fillRef idx="0">
+                <a:schemeClr val="accent1"/>
+              </a:fillRef>
+              <a:effectRef idx="1">
+                <a:schemeClr val="accent1"/>
+              </a:effectRef>
+              <a:fontRef idx="minor">
+                <a:schemeClr val="tx1"/>
+              </a:fontRef>
+            </p:style>
+          </p:cxnSp>
+          <p:cxnSp>
+            <p:nvCxnSpPr>
+              <p:cNvPr id="26" name="직선 연결선 25">
+                <a:extLst>
+                  <a:ext uri="{FF2B5EF4-FFF2-40B4-BE49-F238E27FC236}">
+                    <a16:creationId xmlns:a16="http://schemas.microsoft.com/office/drawing/2014/main" id="{B921A48E-2064-4426-E096-7C4433723664}"/>
+                  </a:ext>
+                </a:extLst>
+              </p:cNvPr>
+              <p:cNvCxnSpPr>
+                <a:cxnSpLocks/>
+              </p:cNvCxnSpPr>
+              <p:nvPr/>
+            </p:nvCxnSpPr>
+            <p:spPr>
+              <a:xfrm>
+                <a:off x="5863387" y="4243137"/>
+                <a:ext cx="0" cy="1780674"/>
+              </a:xfrm>
+              <a:prstGeom prst="line">
+                <a:avLst/>
+              </a:prstGeom>
+              <a:ln w="28575">
+                <a:solidFill>
+                  <a:schemeClr val="tx1"/>
+                </a:solidFill>
+              </a:ln>
+            </p:spPr>
+            <p:style>
+              <a:lnRef idx="2">
+                <a:schemeClr val="accent1"/>
+              </a:lnRef>
+              <a:fillRef idx="0">
+                <a:schemeClr val="accent1"/>
+              </a:fillRef>
+              <a:effectRef idx="1">
+                <a:schemeClr val="accent1"/>
+              </a:effectRef>
+              <a:fontRef idx="minor">
+                <a:schemeClr val="tx1"/>
+              </a:fontRef>
+            </p:style>
+          </p:cxnSp>
+        </p:grpSp>
+        <p:cxnSp>
+          <p:nvCxnSpPr>
+            <p:cNvPr id="27" name="직선 연결선 26">
+              <a:extLst>
+                <a:ext uri="{FF2B5EF4-FFF2-40B4-BE49-F238E27FC236}">
+                  <a16:creationId xmlns:a16="http://schemas.microsoft.com/office/drawing/2014/main" id="{311A553F-083C-D499-F15F-0D88B92EB025}"/>
+                </a:ext>
+              </a:extLst>
+            </p:cNvPr>
+            <p:cNvCxnSpPr>
+              <a:cxnSpLocks/>
+            </p:cNvCxnSpPr>
+            <p:nvPr/>
+          </p:nvCxnSpPr>
+          <p:spPr>
+            <a:xfrm rot="2700000">
+              <a:off x="4850453" y="1796966"/>
+              <a:ext cx="0" cy="409074"/>
+            </a:xfrm>
+            <a:prstGeom prst="line">
+              <a:avLst/>
+            </a:prstGeom>
+            <a:ln w="28575">
+              <a:solidFill>
+                <a:schemeClr val="tx1"/>
+              </a:solidFill>
+            </a:ln>
+          </p:spPr>
+          <p:style>
+            <a:lnRef idx="2">
+              <a:schemeClr val="accent1"/>
+            </a:lnRef>
+            <a:fillRef idx="0">
+              <a:schemeClr val="accent1"/>
+            </a:fillRef>
+            <a:effectRef idx="1">
+              <a:schemeClr val="accent1"/>
+            </a:effectRef>
+            <a:fontRef idx="minor">
+              <a:schemeClr val="tx1"/>
+            </a:fontRef>
+          </p:style>
+        </p:cxnSp>
+        <p:cxnSp>
+          <p:nvCxnSpPr>
+            <p:cNvPr id="28" name="직선 연결선 27">
+              <a:extLst>
+                <a:ext uri="{FF2B5EF4-FFF2-40B4-BE49-F238E27FC236}">
+                  <a16:creationId xmlns:a16="http://schemas.microsoft.com/office/drawing/2014/main" id="{B825BC57-92E1-356B-4069-B86C628DDC6C}"/>
+                </a:ext>
+              </a:extLst>
+            </p:cNvPr>
+            <p:cNvCxnSpPr>
+              <a:cxnSpLocks/>
+            </p:cNvCxnSpPr>
+            <p:nvPr/>
+          </p:nvCxnSpPr>
+          <p:spPr>
+            <a:xfrm rot="18900000">
+              <a:off x="5637018" y="1796968"/>
+              <a:ext cx="0" cy="409074"/>
+            </a:xfrm>
+            <a:prstGeom prst="line">
+              <a:avLst/>
+            </a:prstGeom>
+            <a:ln w="28575">
+              <a:solidFill>
+                <a:schemeClr val="tx1"/>
+              </a:solidFill>
+            </a:ln>
+          </p:spPr>
+          <p:style>
+            <a:lnRef idx="2">
+              <a:schemeClr val="accent1"/>
+            </a:lnRef>
+            <a:fillRef idx="0">
+              <a:schemeClr val="accent1"/>
+            </a:fillRef>
+            <a:effectRef idx="1">
+              <a:schemeClr val="accent1"/>
+            </a:effectRef>
+            <a:fontRef idx="minor">
+              <a:schemeClr val="tx1"/>
+            </a:fontRef>
+          </p:style>
+        </p:cxnSp>
+      </p:grpSp>
+      <p:cxnSp>
+        <p:nvCxnSpPr>
+          <p:cNvPr id="39" name="직선 연결선 38">
+            <a:extLst>
+              <a:ext uri="{FF2B5EF4-FFF2-40B4-BE49-F238E27FC236}">
+                <a16:creationId xmlns:a16="http://schemas.microsoft.com/office/drawing/2014/main" id="{13257F6A-3EE5-8FD9-ACDD-EF9650F2399C}"/>
+              </a:ext>
+            </a:extLst>
+          </p:cNvPr>
+          <p:cNvCxnSpPr>
+            <a:cxnSpLocks/>
+          </p:cNvCxnSpPr>
+          <p:nvPr/>
+        </p:nvCxnSpPr>
+        <p:spPr>
+          <a:xfrm flipH="1">
+            <a:off x="3898229" y="2462462"/>
+            <a:ext cx="251003" cy="0"/>
+          </a:xfrm>
+          <a:prstGeom prst="line">
+            <a:avLst/>
+          </a:prstGeom>
+          <a:ln w="28575">
+            <a:solidFill>
+              <a:schemeClr val="tx1"/>
+            </a:solidFill>
+          </a:ln>
+        </p:spPr>
+        <p:style>
+          <a:lnRef idx="2">
+            <a:schemeClr val="accent1"/>
+          </a:lnRef>
+          <a:fillRef idx="0">
+            <a:schemeClr val="accent1"/>
+          </a:fillRef>
+          <a:effectRef idx="1">
+            <a:schemeClr val="accent1"/>
+          </a:effectRef>
+          <a:fontRef idx="minor">
+            <a:schemeClr val="tx1"/>
+          </a:fontRef>
+        </p:style>
+      </p:cxnSp>
+      <p:cxnSp>
+        <p:nvCxnSpPr>
+          <p:cNvPr id="41" name="직선 연결선 40">
+            <a:extLst>
+              <a:ext uri="{FF2B5EF4-FFF2-40B4-BE49-F238E27FC236}">
+                <a16:creationId xmlns:a16="http://schemas.microsoft.com/office/drawing/2014/main" id="{BA7CB821-1D02-24B8-7BFA-25975EEA1257}"/>
+              </a:ext>
+            </a:extLst>
+          </p:cNvPr>
+          <p:cNvCxnSpPr>
+            <a:cxnSpLocks/>
+          </p:cNvCxnSpPr>
+          <p:nvPr/>
+        </p:nvCxnSpPr>
+        <p:spPr>
+          <a:xfrm flipH="1">
+            <a:off x="4665911" y="2462462"/>
+            <a:ext cx="2665330" cy="0"/>
+          </a:xfrm>
+          <a:prstGeom prst="line">
+            <a:avLst/>
+          </a:prstGeom>
+          <a:ln w="28575">
+            <a:solidFill>
+              <a:schemeClr val="tx1"/>
+            </a:solidFill>
+          </a:ln>
+        </p:spPr>
+        <p:style>
+          <a:lnRef idx="2">
+            <a:schemeClr val="accent1"/>
+          </a:lnRef>
+          <a:fillRef idx="0">
+            <a:schemeClr val="accent1"/>
+          </a:fillRef>
+          <a:effectRef idx="1">
+            <a:schemeClr val="accent1"/>
+          </a:effectRef>
+          <a:fontRef idx="minor">
+            <a:schemeClr val="tx1"/>
+          </a:fontRef>
+        </p:style>
+      </p:cxnSp>
+      <p:sp>
+        <p:nvSpPr>
+          <p:cNvPr id="54" name="TextBox 53">
+            <a:extLst>
+              <a:ext uri="{FF2B5EF4-FFF2-40B4-BE49-F238E27FC236}">
+                <a16:creationId xmlns:a16="http://schemas.microsoft.com/office/drawing/2014/main" id="{B6F88FDF-6988-3188-6DC8-B13050D8B8D4}"/>
+              </a:ext>
+            </a:extLst>
+          </p:cNvPr>
+          <p:cNvSpPr txBox="1"/>
+          <p:nvPr/>
+        </p:nvSpPr>
+        <p:spPr>
+          <a:xfrm>
+            <a:off x="3879251" y="1218413"/>
+            <a:ext cx="1079142" cy="523220"/>
+          </a:xfrm>
+          <a:prstGeom prst="rect">
+            <a:avLst/>
+          </a:prstGeom>
+          <a:noFill/>
+        </p:spPr>
+        <p:txBody>
+          <a:bodyPr wrap="none" rtlCol="0">
+            <a:spAutoFit/>
+          </a:bodyPr>
+          <a:lstStyle/>
+          <a:p>
+            <a:pPr algn="ctr"/>
+            <a:r>
+              <a:rPr lang="ko-KR" altLang="en-US" sz="1400" dirty="0"/>
+              <a:t>입력</a:t>
+            </a:r>
+            <a:r>
+              <a:rPr lang="en-US" altLang="ko-KR" sz="1400" dirty="0"/>
+              <a:t>(Input)</a:t>
+            </a:r>
+            <a:br>
+              <a:rPr lang="en-US" altLang="ko-KR" sz="1400" dirty="0"/>
+            </a:br>
+            <a:r>
+              <a:rPr lang="en-US" altLang="ko-KR" sz="1400" b="1" dirty="0"/>
+              <a:t>x</a:t>
+            </a:r>
+            <a:endParaRPr lang="ko-KR" altLang="en-US" sz="1400" b="1" dirty="0"/>
+          </a:p>
+        </p:txBody>
+      </p:sp>
+      <p:cxnSp>
+        <p:nvCxnSpPr>
+          <p:cNvPr id="59" name="직선 화살표 연결선 58">
+            <a:extLst>
+              <a:ext uri="{FF2B5EF4-FFF2-40B4-BE49-F238E27FC236}">
+                <a16:creationId xmlns:a16="http://schemas.microsoft.com/office/drawing/2014/main" id="{F2B1FA47-AACB-5B9E-2AD8-5DC32304656F}"/>
+              </a:ext>
+            </a:extLst>
+          </p:cNvPr>
+          <p:cNvCxnSpPr>
+            <a:cxnSpLocks/>
+          </p:cNvCxnSpPr>
+          <p:nvPr/>
+        </p:nvCxnSpPr>
+        <p:spPr>
+          <a:xfrm>
+            <a:off x="4418822" y="2053386"/>
+            <a:ext cx="0" cy="373308"/>
+          </a:xfrm>
+          <a:prstGeom prst="straightConnector1">
+            <a:avLst/>
+          </a:prstGeom>
+          <a:ln w="28575">
+            <a:solidFill>
+              <a:schemeClr val="tx1"/>
+            </a:solidFill>
+            <a:tailEnd type="triangle"/>
+          </a:ln>
+        </p:spPr>
+        <p:style>
+          <a:lnRef idx="2">
+            <a:schemeClr val="accent1"/>
+          </a:lnRef>
+          <a:fillRef idx="0">
+            <a:schemeClr val="accent1"/>
+          </a:fillRef>
+          <a:effectRef idx="1">
+            <a:schemeClr val="accent1"/>
+          </a:effectRef>
+          <a:fontRef idx="minor">
+            <a:schemeClr val="tx1"/>
+          </a:fontRef>
+        </p:style>
+      </p:cxnSp>
+      <p:cxnSp>
+        <p:nvCxnSpPr>
+          <p:cNvPr id="60" name="직선 화살표 연결선 59">
+            <a:extLst>
+              <a:ext uri="{FF2B5EF4-FFF2-40B4-BE49-F238E27FC236}">
+                <a16:creationId xmlns:a16="http://schemas.microsoft.com/office/drawing/2014/main" id="{35B78A7F-6581-DBAC-FFAE-65950E8A8FAD}"/>
+              </a:ext>
+            </a:extLst>
+          </p:cNvPr>
+          <p:cNvCxnSpPr>
+            <a:cxnSpLocks/>
+          </p:cNvCxnSpPr>
+          <p:nvPr/>
+        </p:nvCxnSpPr>
+        <p:spPr>
+          <a:xfrm>
+            <a:off x="6840280" y="4278902"/>
+            <a:ext cx="0" cy="373308"/>
+          </a:xfrm>
+          <a:prstGeom prst="straightConnector1">
+            <a:avLst/>
+          </a:prstGeom>
+          <a:ln w="28575">
+            <a:solidFill>
+              <a:schemeClr val="tx1"/>
+            </a:solidFill>
+            <a:tailEnd type="triangle"/>
+          </a:ln>
+        </p:spPr>
+        <p:style>
+          <a:lnRef idx="2">
+            <a:schemeClr val="accent1"/>
+          </a:lnRef>
+          <a:fillRef idx="0">
+            <a:schemeClr val="accent1"/>
+          </a:fillRef>
+          <a:effectRef idx="1">
+            <a:schemeClr val="accent1"/>
+          </a:effectRef>
+          <a:fontRef idx="minor">
+            <a:schemeClr val="tx1"/>
+          </a:fontRef>
+        </p:style>
+      </p:cxnSp>
+      <p:sp>
+        <p:nvSpPr>
+          <p:cNvPr id="15" name="TextBox 14">
+            <a:extLst>
+              <a:ext uri="{FF2B5EF4-FFF2-40B4-BE49-F238E27FC236}">
+                <a16:creationId xmlns:a16="http://schemas.microsoft.com/office/drawing/2014/main" id="{D35C6FBF-7E94-7AD8-158E-CFCE2F6E077C}"/>
+              </a:ext>
+            </a:extLst>
+          </p:cNvPr>
+          <p:cNvSpPr txBox="1"/>
+          <p:nvPr/>
+        </p:nvSpPr>
+        <p:spPr>
+          <a:xfrm>
+            <a:off x="6250276" y="4945226"/>
+            <a:ext cx="1233030" cy="523220"/>
+          </a:xfrm>
+          <a:prstGeom prst="rect">
+            <a:avLst/>
+          </a:prstGeom>
+          <a:noFill/>
+        </p:spPr>
+        <p:txBody>
+          <a:bodyPr wrap="none" rtlCol="0">
+            <a:spAutoFit/>
+          </a:bodyPr>
+          <a:lstStyle/>
+          <a:p>
+            <a:pPr algn="ctr"/>
+            <a:r>
+              <a:rPr lang="en-US" altLang="ko-KR" sz="1400" dirty="0"/>
+              <a:t>y</a:t>
+            </a:r>
+            <a:br>
+              <a:rPr lang="en-US" altLang="ko-KR" sz="1400" dirty="0"/>
+            </a:br>
+            <a:r>
+              <a:rPr lang="ko-KR" altLang="en-US" sz="1400" dirty="0"/>
+              <a:t>출력</a:t>
+            </a:r>
+            <a:r>
+              <a:rPr lang="en-US" altLang="ko-KR" sz="1400" dirty="0"/>
+              <a:t>(Output)</a:t>
+            </a:r>
+            <a:endParaRPr lang="ko-KR" altLang="en-US" sz="1400" b="1" dirty="0"/>
+          </a:p>
+        </p:txBody>
+      </p:sp>
+      <p:sp>
+        <p:nvSpPr>
+          <p:cNvPr id="16" name="TextBox 15">
+            <a:extLst>
+              <a:ext uri="{FF2B5EF4-FFF2-40B4-BE49-F238E27FC236}">
+                <a16:creationId xmlns:a16="http://schemas.microsoft.com/office/drawing/2014/main" id="{E1D460F3-5BD8-419B-4E67-725C6EDB047E}"/>
+              </a:ext>
+            </a:extLst>
+          </p:cNvPr>
+          <p:cNvSpPr txBox="1"/>
+          <p:nvPr/>
+        </p:nvSpPr>
+        <p:spPr>
+          <a:xfrm>
+            <a:off x="5114444" y="3158609"/>
+            <a:ext cx="946093" cy="369332"/>
+          </a:xfrm>
+          <a:prstGeom prst="rect">
+            <a:avLst/>
+          </a:prstGeom>
+          <a:noFill/>
+        </p:spPr>
+        <p:txBody>
+          <a:bodyPr wrap="none" rtlCol="0">
+            <a:spAutoFit/>
+          </a:bodyPr>
+          <a:lstStyle/>
+          <a:p>
+            <a:r>
+              <a:rPr lang="en-US" altLang="ko-KR" dirty="0"/>
+              <a:t>y = f(x)</a:t>
+            </a:r>
+            <a:endParaRPr lang="ko-KR" altLang="en-US" dirty="0"/>
+          </a:p>
+        </p:txBody>
+      </p:sp>
+      <p:sp>
+        <p:nvSpPr>
+          <p:cNvPr id="19" name="TextBox 18">
+            <a:extLst>
+              <a:ext uri="{FF2B5EF4-FFF2-40B4-BE49-F238E27FC236}">
+                <a16:creationId xmlns:a16="http://schemas.microsoft.com/office/drawing/2014/main" id="{5B1B3D19-DC54-8C85-EECE-74D24A7C9163}"/>
+              </a:ext>
+            </a:extLst>
+          </p:cNvPr>
+          <p:cNvSpPr txBox="1"/>
+          <p:nvPr/>
+        </p:nvSpPr>
+        <p:spPr>
+          <a:xfrm>
+            <a:off x="3713817" y="676297"/>
+            <a:ext cx="877163" cy="369332"/>
+          </a:xfrm>
+          <a:prstGeom prst="rect">
+            <a:avLst/>
+          </a:prstGeom>
+          <a:noFill/>
+        </p:spPr>
+        <p:txBody>
+          <a:bodyPr wrap="none" rtlCol="0">
+            <a:spAutoFit/>
+          </a:bodyPr>
+          <a:lstStyle/>
+          <a:p>
+            <a:r>
+              <a:rPr lang="ko-KR" altLang="en-US" b="1" dirty="0" err="1"/>
+              <a:t>정의역</a:t>
+            </a:r>
+            <a:endParaRPr lang="ko-KR" altLang="en-US" b="1" dirty="0"/>
+          </a:p>
+        </p:txBody>
+      </p:sp>
+      <p:sp>
+        <p:nvSpPr>
+          <p:cNvPr id="20" name="TextBox 19">
+            <a:extLst>
+              <a:ext uri="{FF2B5EF4-FFF2-40B4-BE49-F238E27FC236}">
+                <a16:creationId xmlns:a16="http://schemas.microsoft.com/office/drawing/2014/main" id="{6941575A-2FE9-1C4C-63BD-609CEEA9516E}"/>
+              </a:ext>
+            </a:extLst>
+          </p:cNvPr>
+          <p:cNvSpPr txBox="1"/>
+          <p:nvPr/>
+        </p:nvSpPr>
+        <p:spPr>
+          <a:xfrm>
+            <a:off x="6930666" y="5657015"/>
+            <a:ext cx="646331" cy="369332"/>
+          </a:xfrm>
+          <a:prstGeom prst="rect">
+            <a:avLst/>
+          </a:prstGeom>
+          <a:noFill/>
+        </p:spPr>
+        <p:txBody>
+          <a:bodyPr wrap="none" rtlCol="0">
+            <a:spAutoFit/>
+          </a:bodyPr>
+          <a:lstStyle/>
+          <a:p>
+            <a:r>
+              <a:rPr lang="ko-KR" altLang="en-US" b="1" dirty="0"/>
+              <a:t>공역</a:t>
+            </a:r>
+          </a:p>
+        </p:txBody>
+      </p:sp>
+    </p:spTree>
+    <p:extLst>
+      <p:ext uri="{BB962C8B-B14F-4D97-AF65-F5344CB8AC3E}">
+        <p14:creationId xmlns:p14="http://schemas.microsoft.com/office/powerpoint/2010/main" val="3890043049"/>
+      </p:ext>
+    </p:extLst>
+  </p:cSld>
+  <p:clrMapOvr>
+    <a:masterClrMapping/>
+  </p:clrMapOvr>
+</p:sld>
+</file>
+
+<file path=ppt/slides/slide13.xml><?xml version="1.0" encoding="utf-8"?>
+<p:sld xmlns:a="http://schemas.openxmlformats.org/drawingml/2006/main" xmlns:r="http://schemas.openxmlformats.org/officeDocument/2006/relationships" xmlns:p="http://schemas.openxmlformats.org/presentationml/2006/main">
+  <p:cSld>
+    <p:spTree>
+      <p:nvGrpSpPr>
+        <p:cNvPr id="1" name="">
+          <a:extLst>
+            <a:ext uri="{FF2B5EF4-FFF2-40B4-BE49-F238E27FC236}">
+              <a16:creationId xmlns:a16="http://schemas.microsoft.com/office/drawing/2014/main" id="{E97B9D8F-AA29-9BF4-5AEC-3CA96FF45952}"/>
+            </a:ext>
+          </a:extLst>
+        </p:cNvPr>
+        <p:cNvGrpSpPr/>
+        <p:nvPr/>
+      </p:nvGrpSpPr>
+      <p:grpSpPr>
+        <a:xfrm>
+          <a:off x="0" y="0"/>
+          <a:ext cx="0" cy="0"/>
+          <a:chOff x="0" y="0"/>
+          <a:chExt cx="0" cy="0"/>
+        </a:xfrm>
+      </p:grpSpPr>
+      <p:sp>
+        <p:nvSpPr>
+          <p:cNvPr id="19" name="직사각형 18">
+            <a:extLst>
+              <a:ext uri="{FF2B5EF4-FFF2-40B4-BE49-F238E27FC236}">
+                <a16:creationId xmlns:a16="http://schemas.microsoft.com/office/drawing/2014/main" id="{3F533471-6D9E-50ED-6790-7E685CC5F96D}"/>
+              </a:ext>
+            </a:extLst>
+          </p:cNvPr>
+          <p:cNvSpPr/>
+          <p:nvPr/>
+        </p:nvSpPr>
+        <p:spPr>
+          <a:xfrm>
+            <a:off x="3010904" y="1582430"/>
+            <a:ext cx="6171195" cy="3486876"/>
+          </a:xfrm>
+          <a:prstGeom prst="rect">
+            <a:avLst/>
+          </a:prstGeom>
+          <a:solidFill>
+            <a:schemeClr val="bg1"/>
+          </a:solidFill>
+          <a:ln>
+            <a:noFill/>
+          </a:ln>
+        </p:spPr>
+        <p:style>
+          <a:lnRef idx="2">
+            <a:schemeClr val="accent1">
+              <a:shade val="15000"/>
+            </a:schemeClr>
+          </a:lnRef>
+          <a:fillRef idx="1">
+            <a:schemeClr val="accent1"/>
+          </a:fillRef>
+          <a:effectRef idx="0">
+            <a:schemeClr val="accent1"/>
+          </a:effectRef>
+          <a:fontRef idx="minor">
+            <a:schemeClr val="lt1"/>
+          </a:fontRef>
+        </p:style>
+        <p:txBody>
+          <a:bodyPr rtlCol="0" anchor="ctr"/>
+          <a:lstStyle/>
+          <a:p>
+            <a:pPr algn="ctr"/>
+            <a:endParaRPr lang="ko-KR" altLang="en-US"/>
+          </a:p>
+        </p:txBody>
+      </p:sp>
+      <p:sp>
+        <p:nvSpPr>
+          <p:cNvPr id="2" name="타원 1">
+            <a:extLst>
+              <a:ext uri="{FF2B5EF4-FFF2-40B4-BE49-F238E27FC236}">
+                <a16:creationId xmlns:a16="http://schemas.microsoft.com/office/drawing/2014/main" id="{5825D6E8-FBB0-F20A-FA6D-01E19C062E2B}"/>
+              </a:ext>
+            </a:extLst>
+          </p:cNvPr>
+          <p:cNvSpPr/>
+          <p:nvPr/>
+        </p:nvSpPr>
+        <p:spPr>
+          <a:xfrm>
+            <a:off x="3494673" y="2219145"/>
+            <a:ext cx="1315453" cy="2582779"/>
+          </a:xfrm>
+          <a:prstGeom prst="ellipse">
+            <a:avLst/>
+          </a:prstGeom>
+          <a:solidFill>
+            <a:schemeClr val="accent2">
+              <a:lumMod val="60000"/>
+              <a:lumOff val="40000"/>
+            </a:schemeClr>
+          </a:solidFill>
+        </p:spPr>
+        <p:style>
+          <a:lnRef idx="2">
+            <a:schemeClr val="accent1">
+              <a:shade val="15000"/>
+            </a:schemeClr>
+          </a:lnRef>
+          <a:fillRef idx="1">
+            <a:schemeClr val="accent1"/>
+          </a:fillRef>
+          <a:effectRef idx="0">
+            <a:schemeClr val="accent1"/>
+          </a:effectRef>
+          <a:fontRef idx="minor">
+            <a:schemeClr val="lt1"/>
+          </a:fontRef>
+        </p:style>
+        <p:txBody>
+          <a:bodyPr rtlCol="0" anchor="ctr"/>
+          <a:lstStyle/>
+          <a:p>
+            <a:pPr algn="ctr"/>
+            <a:r>
+              <a:rPr lang="en-US" altLang="ko-KR" b="1" dirty="0">
+                <a:solidFill>
+                  <a:schemeClr val="tx2"/>
+                </a:solidFill>
+              </a:rPr>
+              <a:t>1</a:t>
+            </a:r>
+            <a:br>
+              <a:rPr lang="en-US" altLang="ko-KR" b="1" dirty="0">
+                <a:solidFill>
+                  <a:schemeClr val="tx2"/>
+                </a:solidFill>
+              </a:rPr>
+            </a:br>
+            <a:br>
+              <a:rPr lang="en-US" altLang="ko-KR" b="1" dirty="0">
+                <a:solidFill>
+                  <a:schemeClr val="tx2"/>
+                </a:solidFill>
+              </a:rPr>
+            </a:br>
+            <a:r>
+              <a:rPr lang="en-US" altLang="ko-KR" b="1" dirty="0">
+                <a:solidFill>
+                  <a:schemeClr val="tx2"/>
+                </a:solidFill>
+              </a:rPr>
+              <a:t>2</a:t>
+            </a:r>
+            <a:br>
+              <a:rPr lang="en-US" altLang="ko-KR" b="1" dirty="0">
+                <a:solidFill>
+                  <a:schemeClr val="tx2"/>
+                </a:solidFill>
+              </a:rPr>
+            </a:br>
+            <a:br>
+              <a:rPr lang="en-US" altLang="ko-KR" b="1" dirty="0">
+                <a:solidFill>
+                  <a:schemeClr val="tx2"/>
+                </a:solidFill>
+              </a:rPr>
+            </a:br>
+            <a:r>
+              <a:rPr lang="en-US" altLang="ko-KR" b="1" dirty="0">
+                <a:solidFill>
+                  <a:schemeClr val="tx2"/>
+                </a:solidFill>
+              </a:rPr>
+              <a:t>3</a:t>
+            </a:r>
+            <a:br>
+              <a:rPr lang="en-US" altLang="ko-KR" b="1" dirty="0">
+                <a:solidFill>
+                  <a:schemeClr val="tx2"/>
+                </a:solidFill>
+              </a:rPr>
+            </a:br>
+            <a:br>
+              <a:rPr lang="en-US" altLang="ko-KR" b="1" dirty="0">
+                <a:solidFill>
+                  <a:schemeClr val="tx2"/>
+                </a:solidFill>
+              </a:rPr>
+            </a:br>
+            <a:r>
+              <a:rPr lang="en-US" altLang="ko-KR" b="1" dirty="0">
+                <a:solidFill>
+                  <a:schemeClr val="tx2"/>
+                </a:solidFill>
+              </a:rPr>
+              <a:t>4</a:t>
+            </a:r>
+            <a:endParaRPr lang="ko-KR" altLang="en-US" b="1" dirty="0">
+              <a:solidFill>
+                <a:schemeClr val="tx2"/>
+              </a:solidFill>
+            </a:endParaRPr>
+          </a:p>
+        </p:txBody>
+      </p:sp>
+      <p:sp>
+        <p:nvSpPr>
+          <p:cNvPr id="7" name="타원 6">
+            <a:extLst>
+              <a:ext uri="{FF2B5EF4-FFF2-40B4-BE49-F238E27FC236}">
+                <a16:creationId xmlns:a16="http://schemas.microsoft.com/office/drawing/2014/main" id="{EC77B6CD-6815-1D7E-8662-058EF7355F49}"/>
+              </a:ext>
+            </a:extLst>
+          </p:cNvPr>
+          <p:cNvSpPr/>
+          <p:nvPr/>
+        </p:nvSpPr>
+        <p:spPr>
+          <a:xfrm>
+            <a:off x="6783307" y="2219145"/>
+            <a:ext cx="1315453" cy="2582779"/>
+          </a:xfrm>
+          <a:prstGeom prst="ellipse">
+            <a:avLst/>
+          </a:prstGeom>
+          <a:solidFill>
+            <a:schemeClr val="accent6">
+              <a:lumMod val="60000"/>
+              <a:lumOff val="40000"/>
+            </a:schemeClr>
+          </a:solidFill>
+        </p:spPr>
+        <p:style>
+          <a:lnRef idx="2">
+            <a:schemeClr val="accent1">
+              <a:shade val="15000"/>
+            </a:schemeClr>
+          </a:lnRef>
+          <a:fillRef idx="1">
+            <a:schemeClr val="accent1"/>
+          </a:fillRef>
+          <a:effectRef idx="0">
+            <a:schemeClr val="accent1"/>
+          </a:effectRef>
+          <a:fontRef idx="minor">
+            <a:schemeClr val="lt1"/>
+          </a:fontRef>
+        </p:style>
+        <p:txBody>
+          <a:bodyPr rtlCol="0" anchor="ctr"/>
+          <a:lstStyle/>
+          <a:p>
+            <a:pPr algn="ctr"/>
+            <a:r>
+              <a:rPr lang="en-US" altLang="ko-KR" b="1" dirty="0">
+                <a:solidFill>
+                  <a:schemeClr val="tx2"/>
+                </a:solidFill>
+              </a:rPr>
+              <a:t>A</a:t>
+            </a:r>
+            <a:br>
+              <a:rPr lang="en-US" altLang="ko-KR" b="1" dirty="0">
+                <a:solidFill>
+                  <a:schemeClr val="tx2"/>
+                </a:solidFill>
+              </a:rPr>
+            </a:br>
+            <a:br>
+              <a:rPr lang="en-US" altLang="ko-KR" b="1" dirty="0">
+                <a:solidFill>
+                  <a:schemeClr val="tx2"/>
+                </a:solidFill>
+              </a:rPr>
+            </a:br>
+            <a:r>
+              <a:rPr lang="en-US" altLang="ko-KR" b="1" dirty="0">
+                <a:solidFill>
+                  <a:schemeClr val="tx2"/>
+                </a:solidFill>
+              </a:rPr>
+              <a:t>B</a:t>
+            </a:r>
+            <a:br>
+              <a:rPr lang="en-US" altLang="ko-KR" b="1" dirty="0">
+                <a:solidFill>
+                  <a:schemeClr val="tx2"/>
+                </a:solidFill>
+              </a:rPr>
+            </a:br>
+            <a:br>
+              <a:rPr lang="en-US" altLang="ko-KR" b="1" dirty="0">
+                <a:solidFill>
+                  <a:schemeClr val="tx2"/>
+                </a:solidFill>
+              </a:rPr>
+            </a:br>
+            <a:r>
+              <a:rPr lang="en-US" altLang="ko-KR" b="1" dirty="0">
+                <a:solidFill>
+                  <a:schemeClr val="tx2"/>
+                </a:solidFill>
+              </a:rPr>
+              <a:t>C</a:t>
+            </a:r>
+            <a:endParaRPr lang="ko-KR" altLang="en-US" b="1" dirty="0">
+              <a:solidFill>
+                <a:schemeClr val="tx2"/>
+              </a:solidFill>
+            </a:endParaRPr>
+          </a:p>
+        </p:txBody>
+      </p:sp>
+      <p:sp>
+        <p:nvSpPr>
+          <p:cNvPr id="8" name="TextBox 7">
+            <a:extLst>
+              <a:ext uri="{FF2B5EF4-FFF2-40B4-BE49-F238E27FC236}">
+                <a16:creationId xmlns:a16="http://schemas.microsoft.com/office/drawing/2014/main" id="{646D1D58-0432-8D87-66E3-32209532DB78}"/>
+              </a:ext>
+            </a:extLst>
+          </p:cNvPr>
+          <p:cNvSpPr txBox="1"/>
+          <p:nvPr/>
+        </p:nvSpPr>
+        <p:spPr>
+          <a:xfrm>
+            <a:off x="3984725" y="1849813"/>
+            <a:ext cx="335348" cy="369332"/>
+          </a:xfrm>
+          <a:prstGeom prst="rect">
+            <a:avLst/>
+          </a:prstGeom>
+          <a:noFill/>
+        </p:spPr>
+        <p:txBody>
+          <a:bodyPr wrap="none" rtlCol="0">
+            <a:spAutoFit/>
+          </a:bodyPr>
+          <a:lstStyle/>
+          <a:p>
+            <a:r>
+              <a:rPr lang="en-US" altLang="ko-KR" b="1" dirty="0"/>
+              <a:t>X</a:t>
+            </a:r>
+            <a:endParaRPr lang="ko-KR" altLang="en-US" b="1" dirty="0"/>
+          </a:p>
+        </p:txBody>
+      </p:sp>
+      <p:sp>
+        <p:nvSpPr>
+          <p:cNvPr id="11" name="TextBox 10">
+            <a:extLst>
+              <a:ext uri="{FF2B5EF4-FFF2-40B4-BE49-F238E27FC236}">
+                <a16:creationId xmlns:a16="http://schemas.microsoft.com/office/drawing/2014/main" id="{C8BE247E-7979-59DF-CBD0-74208D39D07D}"/>
+              </a:ext>
+            </a:extLst>
+          </p:cNvPr>
+          <p:cNvSpPr txBox="1"/>
+          <p:nvPr/>
+        </p:nvSpPr>
+        <p:spPr>
+          <a:xfrm>
+            <a:off x="7273359" y="1849813"/>
+            <a:ext cx="335348" cy="369332"/>
+          </a:xfrm>
+          <a:prstGeom prst="rect">
+            <a:avLst/>
+          </a:prstGeom>
+          <a:noFill/>
+        </p:spPr>
+        <p:txBody>
+          <a:bodyPr wrap="none" rtlCol="0">
+            <a:spAutoFit/>
+          </a:bodyPr>
+          <a:lstStyle/>
+          <a:p>
+            <a:r>
+              <a:rPr lang="en-US" altLang="ko-KR" b="1" dirty="0"/>
+              <a:t>Y</a:t>
+            </a:r>
+            <a:endParaRPr lang="ko-KR" altLang="en-US" b="1" dirty="0"/>
+          </a:p>
+        </p:txBody>
+      </p:sp>
+      <p:cxnSp>
+        <p:nvCxnSpPr>
+          <p:cNvPr id="14" name="직선 화살표 연결선 13">
+            <a:extLst>
+              <a:ext uri="{FF2B5EF4-FFF2-40B4-BE49-F238E27FC236}">
+                <a16:creationId xmlns:a16="http://schemas.microsoft.com/office/drawing/2014/main" id="{461978E1-8890-B33A-41A7-3568B4EF1B55}"/>
+              </a:ext>
+            </a:extLst>
+          </p:cNvPr>
+          <p:cNvCxnSpPr>
+            <a:cxnSpLocks/>
+          </p:cNvCxnSpPr>
+          <p:nvPr/>
+        </p:nvCxnSpPr>
+        <p:spPr>
+          <a:xfrm>
+            <a:off x="4537411" y="2676346"/>
+            <a:ext cx="2502568" cy="270054"/>
+          </a:xfrm>
+          <a:prstGeom prst="straightConnector1">
+            <a:avLst/>
+          </a:prstGeom>
+          <a:ln w="38100">
+            <a:solidFill>
+              <a:schemeClr val="tx1"/>
+            </a:solidFill>
+            <a:tailEnd type="triangle"/>
+          </a:ln>
+        </p:spPr>
+        <p:style>
+          <a:lnRef idx="2">
+            <a:schemeClr val="accent1"/>
+          </a:lnRef>
+          <a:fillRef idx="0">
+            <a:schemeClr val="accent1"/>
+          </a:fillRef>
+          <a:effectRef idx="1">
+            <a:schemeClr val="accent1"/>
+          </a:effectRef>
+          <a:fontRef idx="minor">
+            <a:schemeClr val="tx1"/>
+          </a:fontRef>
+        </p:style>
+      </p:cxnSp>
+      <p:cxnSp>
+        <p:nvCxnSpPr>
+          <p:cNvPr id="3" name="직선 화살표 연결선 2">
+            <a:extLst>
+              <a:ext uri="{FF2B5EF4-FFF2-40B4-BE49-F238E27FC236}">
+                <a16:creationId xmlns:a16="http://schemas.microsoft.com/office/drawing/2014/main" id="{AD294363-D1A3-F2BC-38FD-183A29DCCA14}"/>
+              </a:ext>
+            </a:extLst>
+          </p:cNvPr>
+          <p:cNvCxnSpPr>
+            <a:cxnSpLocks/>
+          </p:cNvCxnSpPr>
+          <p:nvPr/>
+        </p:nvCxnSpPr>
+        <p:spPr>
+          <a:xfrm>
+            <a:off x="4521369" y="3237819"/>
+            <a:ext cx="2518610" cy="191181"/>
+          </a:xfrm>
+          <a:prstGeom prst="straightConnector1">
+            <a:avLst/>
+          </a:prstGeom>
+          <a:ln w="38100">
+            <a:solidFill>
+              <a:schemeClr val="tx1"/>
+            </a:solidFill>
+            <a:tailEnd type="triangle"/>
+          </a:ln>
+        </p:spPr>
+        <p:style>
+          <a:lnRef idx="2">
+            <a:schemeClr val="accent1"/>
+          </a:lnRef>
+          <a:fillRef idx="0">
+            <a:schemeClr val="accent1"/>
+          </a:fillRef>
+          <a:effectRef idx="1">
+            <a:schemeClr val="accent1"/>
+          </a:effectRef>
+          <a:fontRef idx="minor">
+            <a:schemeClr val="tx1"/>
+          </a:fontRef>
+        </p:style>
+      </p:cxnSp>
+      <p:cxnSp>
+        <p:nvCxnSpPr>
+          <p:cNvPr id="6" name="직선 화살표 연결선 5">
+            <a:extLst>
+              <a:ext uri="{FF2B5EF4-FFF2-40B4-BE49-F238E27FC236}">
+                <a16:creationId xmlns:a16="http://schemas.microsoft.com/office/drawing/2014/main" id="{A11D6857-8B5F-5878-283A-B4AD30357BDE}"/>
+              </a:ext>
+            </a:extLst>
+          </p:cNvPr>
+          <p:cNvCxnSpPr>
+            <a:cxnSpLocks/>
+          </p:cNvCxnSpPr>
+          <p:nvPr/>
+        </p:nvCxnSpPr>
+        <p:spPr>
+          <a:xfrm>
+            <a:off x="4537411" y="3787140"/>
+            <a:ext cx="2502568" cy="213360"/>
+          </a:xfrm>
+          <a:prstGeom prst="straightConnector1">
+            <a:avLst/>
+          </a:prstGeom>
+          <a:ln w="38100">
+            <a:solidFill>
+              <a:schemeClr val="tx1"/>
+            </a:solidFill>
+            <a:tailEnd type="triangle"/>
+          </a:ln>
+        </p:spPr>
+        <p:style>
+          <a:lnRef idx="2">
+            <a:schemeClr val="accent1"/>
+          </a:lnRef>
+          <a:fillRef idx="0">
+            <a:schemeClr val="accent1"/>
+          </a:fillRef>
+          <a:effectRef idx="1">
+            <a:schemeClr val="accent1"/>
+          </a:effectRef>
+          <a:fontRef idx="minor">
+            <a:schemeClr val="tx1"/>
+          </a:fontRef>
+        </p:style>
+      </p:cxnSp>
+      <p:cxnSp>
+        <p:nvCxnSpPr>
+          <p:cNvPr id="12" name="직선 화살표 연결선 11">
+            <a:extLst>
+              <a:ext uri="{FF2B5EF4-FFF2-40B4-BE49-F238E27FC236}">
+                <a16:creationId xmlns:a16="http://schemas.microsoft.com/office/drawing/2014/main" id="{6393541D-4ACD-D94F-D6AE-A50591AAC286}"/>
+              </a:ext>
+            </a:extLst>
+          </p:cNvPr>
+          <p:cNvCxnSpPr>
+            <a:cxnSpLocks/>
+          </p:cNvCxnSpPr>
+          <p:nvPr/>
+        </p:nvCxnSpPr>
+        <p:spPr>
+          <a:xfrm flipV="1">
+            <a:off x="4537411" y="4102100"/>
+            <a:ext cx="2502568" cy="177800"/>
+          </a:xfrm>
+          <a:prstGeom prst="straightConnector1">
+            <a:avLst/>
+          </a:prstGeom>
+          <a:ln w="38100">
+            <a:solidFill>
+              <a:schemeClr val="tx1"/>
+            </a:solidFill>
+            <a:tailEnd type="triangle"/>
+          </a:ln>
+        </p:spPr>
+        <p:style>
+          <a:lnRef idx="2">
+            <a:schemeClr val="accent1"/>
+          </a:lnRef>
+          <a:fillRef idx="0">
+            <a:schemeClr val="accent1"/>
+          </a:fillRef>
+          <a:effectRef idx="1">
+            <a:schemeClr val="accent1"/>
+          </a:effectRef>
+          <a:fontRef idx="minor">
+            <a:schemeClr val="tx1"/>
+          </a:fontRef>
+        </p:style>
+      </p:cxnSp>
+      <p:cxnSp>
+        <p:nvCxnSpPr>
+          <p:cNvPr id="16" name="직선 화살표 연결선 15">
+            <a:extLst>
+              <a:ext uri="{FF2B5EF4-FFF2-40B4-BE49-F238E27FC236}">
+                <a16:creationId xmlns:a16="http://schemas.microsoft.com/office/drawing/2014/main" id="{0D4B7788-F431-444E-AB01-15DB1FF5E26B}"/>
+              </a:ext>
+            </a:extLst>
+          </p:cNvPr>
+          <p:cNvCxnSpPr>
+            <a:cxnSpLocks/>
+          </p:cNvCxnSpPr>
+          <p:nvPr/>
+        </p:nvCxnSpPr>
+        <p:spPr>
+          <a:xfrm flipH="1">
+            <a:off x="7785100" y="3619500"/>
+            <a:ext cx="574909" cy="0"/>
+          </a:xfrm>
+          <a:prstGeom prst="straightConnector1">
+            <a:avLst/>
+          </a:prstGeom>
+          <a:ln w="38100">
+            <a:solidFill>
+              <a:schemeClr val="tx1"/>
+            </a:solidFill>
+            <a:tailEnd type="triangle"/>
+          </a:ln>
+        </p:spPr>
+        <p:style>
+          <a:lnRef idx="2">
+            <a:schemeClr val="accent1"/>
+          </a:lnRef>
+          <a:fillRef idx="0">
+            <a:schemeClr val="accent1"/>
+          </a:fillRef>
+          <a:effectRef idx="1">
+            <a:schemeClr val="accent1"/>
+          </a:effectRef>
+          <a:fontRef idx="minor">
+            <a:schemeClr val="tx1"/>
+          </a:fontRef>
+        </p:style>
+      </p:cxnSp>
+      <p:sp>
+        <p:nvSpPr>
+          <p:cNvPr id="17" name="TextBox 16">
+            <a:extLst>
+              <a:ext uri="{FF2B5EF4-FFF2-40B4-BE49-F238E27FC236}">
+                <a16:creationId xmlns:a16="http://schemas.microsoft.com/office/drawing/2014/main" id="{1FEDF74C-CCA6-EFFB-B0A3-D7643B34023A}"/>
+              </a:ext>
+            </a:extLst>
+          </p:cNvPr>
+          <p:cNvSpPr txBox="1"/>
+          <p:nvPr/>
+        </p:nvSpPr>
+        <p:spPr>
+          <a:xfrm>
+            <a:off x="8419964" y="3296334"/>
+            <a:ext cx="646331" cy="646331"/>
+          </a:xfrm>
+          <a:prstGeom prst="rect">
+            <a:avLst/>
+          </a:prstGeom>
+          <a:noFill/>
+        </p:spPr>
+        <p:txBody>
+          <a:bodyPr wrap="none" rtlCol="0">
+            <a:spAutoFit/>
+          </a:bodyPr>
+          <a:lstStyle/>
+          <a:p>
+            <a:r>
+              <a:rPr lang="ko-KR" altLang="en-US" b="1" dirty="0"/>
+              <a:t>공역</a:t>
+            </a:r>
+            <a:br>
+              <a:rPr lang="en-US" altLang="ko-KR" b="1" dirty="0"/>
+            </a:br>
+            <a:r>
+              <a:rPr lang="ko-KR" altLang="en-US" b="1" dirty="0" err="1"/>
+              <a:t>치역</a:t>
+            </a:r>
+            <a:endParaRPr lang="ko-KR" altLang="en-US" b="1" dirty="0"/>
+          </a:p>
+        </p:txBody>
+      </p:sp>
+    </p:spTree>
+    <p:extLst>
+      <p:ext uri="{BB962C8B-B14F-4D97-AF65-F5344CB8AC3E}">
+        <p14:creationId xmlns:p14="http://schemas.microsoft.com/office/powerpoint/2010/main" val="2611453812"/>
+      </p:ext>
+    </p:extLst>
+  </p:cSld>
+  <p:clrMapOvr>
+    <a:masterClrMapping/>
+  </p:clrMapOvr>
+</p:sld>
+</file>
+
+<file path=ppt/slides/slide14.xml><?xml version="1.0" encoding="utf-8"?>
+<p:sld xmlns:a="http://schemas.openxmlformats.org/drawingml/2006/main" xmlns:r="http://schemas.openxmlformats.org/officeDocument/2006/relationships" xmlns:p="http://schemas.openxmlformats.org/presentationml/2006/main">
+  <p:cSld>
+    <p:spTree>
+      <p:nvGrpSpPr>
+        <p:cNvPr id="1" name="">
+          <a:extLst>
+            <a:ext uri="{FF2B5EF4-FFF2-40B4-BE49-F238E27FC236}">
+              <a16:creationId xmlns:a16="http://schemas.microsoft.com/office/drawing/2014/main" id="{107AE541-E954-6599-4D53-35F5F2EC4ABE}"/>
+            </a:ext>
+          </a:extLst>
+        </p:cNvPr>
+        <p:cNvGrpSpPr/>
+        <p:nvPr/>
+      </p:nvGrpSpPr>
+      <p:grpSpPr>
+        <a:xfrm>
+          <a:off x="0" y="0"/>
+          <a:ext cx="0" cy="0"/>
+          <a:chOff x="0" y="0"/>
+          <a:chExt cx="0" cy="0"/>
+        </a:xfrm>
+      </p:grpSpPr>
+      <p:sp>
+        <p:nvSpPr>
+          <p:cNvPr id="19" name="직사각형 18">
+            <a:extLst>
+              <a:ext uri="{FF2B5EF4-FFF2-40B4-BE49-F238E27FC236}">
+                <a16:creationId xmlns:a16="http://schemas.microsoft.com/office/drawing/2014/main" id="{EB6EE9E6-7080-CA00-757E-5AFE81797CEC}"/>
+              </a:ext>
+            </a:extLst>
+          </p:cNvPr>
+          <p:cNvSpPr/>
+          <p:nvPr/>
+        </p:nvSpPr>
+        <p:spPr>
+          <a:xfrm>
+            <a:off x="3010904" y="1582430"/>
+            <a:ext cx="5536195" cy="3486876"/>
+          </a:xfrm>
+          <a:prstGeom prst="rect">
+            <a:avLst/>
+          </a:prstGeom>
+          <a:solidFill>
+            <a:schemeClr val="bg1"/>
+          </a:solidFill>
+          <a:ln>
+            <a:noFill/>
+          </a:ln>
+        </p:spPr>
+        <p:style>
+          <a:lnRef idx="2">
+            <a:schemeClr val="accent1">
+              <a:shade val="15000"/>
+            </a:schemeClr>
+          </a:lnRef>
+          <a:fillRef idx="1">
+            <a:schemeClr val="accent1"/>
+          </a:fillRef>
+          <a:effectRef idx="0">
+            <a:schemeClr val="accent1"/>
+          </a:effectRef>
+          <a:fontRef idx="minor">
+            <a:schemeClr val="lt1"/>
+          </a:fontRef>
+        </p:style>
+        <p:txBody>
+          <a:bodyPr rtlCol="0" anchor="ctr"/>
+          <a:lstStyle/>
+          <a:p>
+            <a:pPr algn="ctr"/>
+            <a:endParaRPr lang="ko-KR" altLang="en-US"/>
+          </a:p>
+        </p:txBody>
+      </p:sp>
+      <p:sp>
+        <p:nvSpPr>
+          <p:cNvPr id="2" name="타원 1">
+            <a:extLst>
+              <a:ext uri="{FF2B5EF4-FFF2-40B4-BE49-F238E27FC236}">
+                <a16:creationId xmlns:a16="http://schemas.microsoft.com/office/drawing/2014/main" id="{7722B1FE-818F-739C-F88A-FD0DD5CF45B1}"/>
+              </a:ext>
+            </a:extLst>
+          </p:cNvPr>
+          <p:cNvSpPr/>
+          <p:nvPr/>
+        </p:nvSpPr>
+        <p:spPr>
+          <a:xfrm>
+            <a:off x="3494673" y="2219145"/>
+            <a:ext cx="1315453" cy="2582779"/>
+          </a:xfrm>
+          <a:prstGeom prst="ellipse">
+            <a:avLst/>
+          </a:prstGeom>
+          <a:solidFill>
+            <a:schemeClr val="accent2">
+              <a:lumMod val="60000"/>
+              <a:lumOff val="40000"/>
+            </a:schemeClr>
+          </a:solidFill>
+        </p:spPr>
+        <p:style>
+          <a:lnRef idx="2">
+            <a:schemeClr val="accent1">
+              <a:shade val="15000"/>
+            </a:schemeClr>
+          </a:lnRef>
+          <a:fillRef idx="1">
+            <a:schemeClr val="accent1"/>
+          </a:fillRef>
+          <a:effectRef idx="0">
+            <a:schemeClr val="accent1"/>
+          </a:effectRef>
+          <a:fontRef idx="minor">
+            <a:schemeClr val="lt1"/>
+          </a:fontRef>
+        </p:style>
+        <p:txBody>
+          <a:bodyPr rtlCol="0" anchor="ctr"/>
+          <a:lstStyle/>
+          <a:p>
+            <a:pPr algn="ctr"/>
+            <a:r>
+              <a:rPr lang="en-US" altLang="ko-KR" b="1" dirty="0">
+                <a:solidFill>
+                  <a:schemeClr val="tx2"/>
+                </a:solidFill>
+              </a:rPr>
+              <a:t>1</a:t>
+            </a:r>
+            <a:br>
+              <a:rPr lang="en-US" altLang="ko-KR" b="1" dirty="0">
+                <a:solidFill>
+                  <a:schemeClr val="tx2"/>
+                </a:solidFill>
+              </a:rPr>
+            </a:br>
+            <a:br>
+              <a:rPr lang="en-US" altLang="ko-KR" b="1" dirty="0">
+                <a:solidFill>
+                  <a:schemeClr val="tx2"/>
+                </a:solidFill>
+              </a:rPr>
+            </a:br>
+            <a:r>
+              <a:rPr lang="en-US" altLang="ko-KR" b="1" dirty="0">
+                <a:solidFill>
+                  <a:schemeClr val="tx2"/>
+                </a:solidFill>
+              </a:rPr>
+              <a:t>2</a:t>
+            </a:r>
+            <a:br>
+              <a:rPr lang="en-US" altLang="ko-KR" b="1" dirty="0">
+                <a:solidFill>
+                  <a:schemeClr val="tx2"/>
+                </a:solidFill>
+              </a:rPr>
+            </a:br>
+            <a:br>
+              <a:rPr lang="en-US" altLang="ko-KR" b="1" dirty="0">
+                <a:solidFill>
+                  <a:schemeClr val="tx2"/>
+                </a:solidFill>
+              </a:rPr>
+            </a:br>
+            <a:r>
+              <a:rPr lang="en-US" altLang="ko-KR" b="1" dirty="0">
+                <a:solidFill>
+                  <a:schemeClr val="tx2"/>
+                </a:solidFill>
+              </a:rPr>
+              <a:t>3</a:t>
+            </a:r>
+            <a:endParaRPr lang="ko-KR" altLang="en-US" b="1" dirty="0">
+              <a:solidFill>
+                <a:schemeClr val="tx2"/>
+              </a:solidFill>
+            </a:endParaRPr>
+          </a:p>
+        </p:txBody>
+      </p:sp>
+      <p:sp>
+        <p:nvSpPr>
+          <p:cNvPr id="7" name="타원 6">
+            <a:extLst>
+              <a:ext uri="{FF2B5EF4-FFF2-40B4-BE49-F238E27FC236}">
+                <a16:creationId xmlns:a16="http://schemas.microsoft.com/office/drawing/2014/main" id="{CED5BF93-E3EB-13F3-5D5F-FDD8D3A43DE8}"/>
+              </a:ext>
+            </a:extLst>
+          </p:cNvPr>
+          <p:cNvSpPr/>
+          <p:nvPr/>
+        </p:nvSpPr>
+        <p:spPr>
+          <a:xfrm>
+            <a:off x="6783307" y="2219145"/>
+            <a:ext cx="1315453" cy="2582779"/>
+          </a:xfrm>
+          <a:prstGeom prst="ellipse">
+            <a:avLst/>
+          </a:prstGeom>
+          <a:solidFill>
+            <a:schemeClr val="accent6">
+              <a:lumMod val="60000"/>
+              <a:lumOff val="40000"/>
+            </a:schemeClr>
+          </a:solidFill>
+        </p:spPr>
+        <p:style>
+          <a:lnRef idx="2">
+            <a:schemeClr val="accent1">
+              <a:shade val="15000"/>
+            </a:schemeClr>
+          </a:lnRef>
+          <a:fillRef idx="1">
+            <a:schemeClr val="accent1"/>
+          </a:fillRef>
+          <a:effectRef idx="0">
+            <a:schemeClr val="accent1"/>
+          </a:effectRef>
+          <a:fontRef idx="minor">
+            <a:schemeClr val="lt1"/>
+          </a:fontRef>
+        </p:style>
+        <p:txBody>
+          <a:bodyPr rtlCol="0" anchor="ctr"/>
+          <a:lstStyle/>
+          <a:p>
+            <a:pPr algn="ctr"/>
+            <a:r>
+              <a:rPr lang="en-US" altLang="ko-KR" b="1" dirty="0">
+                <a:solidFill>
+                  <a:schemeClr val="tx2"/>
+                </a:solidFill>
+              </a:rPr>
+              <a:t>A</a:t>
+            </a:r>
+            <a:br>
+              <a:rPr lang="en-US" altLang="ko-KR" b="1" dirty="0">
+                <a:solidFill>
+                  <a:schemeClr val="tx2"/>
+                </a:solidFill>
+              </a:rPr>
+            </a:br>
+            <a:br>
+              <a:rPr lang="en-US" altLang="ko-KR" b="1" dirty="0">
+                <a:solidFill>
+                  <a:schemeClr val="tx2"/>
+                </a:solidFill>
+              </a:rPr>
+            </a:br>
+            <a:r>
+              <a:rPr lang="en-US" altLang="ko-KR" b="1" dirty="0">
+                <a:solidFill>
+                  <a:schemeClr val="tx2"/>
+                </a:solidFill>
+              </a:rPr>
+              <a:t>B</a:t>
+            </a:r>
+            <a:br>
+              <a:rPr lang="en-US" altLang="ko-KR" b="1" dirty="0">
+                <a:solidFill>
+                  <a:schemeClr val="tx2"/>
+                </a:solidFill>
+              </a:rPr>
+            </a:br>
+            <a:br>
+              <a:rPr lang="en-US" altLang="ko-KR" b="1" dirty="0">
+                <a:solidFill>
+                  <a:schemeClr val="tx2"/>
+                </a:solidFill>
+              </a:rPr>
+            </a:br>
+            <a:r>
+              <a:rPr lang="en-US" altLang="ko-KR" b="1" dirty="0">
+                <a:solidFill>
+                  <a:schemeClr val="tx2"/>
+                </a:solidFill>
+              </a:rPr>
+              <a:t>C</a:t>
+            </a:r>
+            <a:br>
+              <a:rPr lang="en-US" altLang="ko-KR" b="1" dirty="0">
+                <a:solidFill>
+                  <a:schemeClr val="tx2"/>
+                </a:solidFill>
+              </a:rPr>
+            </a:br>
+            <a:br>
+              <a:rPr lang="en-US" altLang="ko-KR" b="1" dirty="0">
+                <a:solidFill>
+                  <a:schemeClr val="tx2"/>
+                </a:solidFill>
+              </a:rPr>
+            </a:br>
+            <a:r>
+              <a:rPr lang="en-US" altLang="ko-KR" b="1" dirty="0">
+                <a:solidFill>
+                  <a:schemeClr val="tx2"/>
+                </a:solidFill>
+              </a:rPr>
+              <a:t>D</a:t>
+            </a:r>
+            <a:endParaRPr lang="ko-KR" altLang="en-US" b="1" dirty="0">
+              <a:solidFill>
+                <a:schemeClr val="tx2"/>
+              </a:solidFill>
+            </a:endParaRPr>
+          </a:p>
+        </p:txBody>
+      </p:sp>
+      <p:sp>
+        <p:nvSpPr>
+          <p:cNvPr id="8" name="TextBox 7">
+            <a:extLst>
+              <a:ext uri="{FF2B5EF4-FFF2-40B4-BE49-F238E27FC236}">
+                <a16:creationId xmlns:a16="http://schemas.microsoft.com/office/drawing/2014/main" id="{E8B8661B-E98F-1A0E-CD3A-81AF66CADC40}"/>
+              </a:ext>
+            </a:extLst>
+          </p:cNvPr>
+          <p:cNvSpPr txBox="1"/>
+          <p:nvPr/>
+        </p:nvSpPr>
+        <p:spPr>
+          <a:xfrm>
+            <a:off x="3984725" y="1849813"/>
+            <a:ext cx="335348" cy="369332"/>
+          </a:xfrm>
+          <a:prstGeom prst="rect">
+            <a:avLst/>
+          </a:prstGeom>
+          <a:noFill/>
+        </p:spPr>
+        <p:txBody>
+          <a:bodyPr wrap="none" rtlCol="0">
+            <a:spAutoFit/>
+          </a:bodyPr>
+          <a:lstStyle/>
+          <a:p>
+            <a:r>
+              <a:rPr lang="en-US" altLang="ko-KR" b="1" dirty="0"/>
+              <a:t>X</a:t>
+            </a:r>
+            <a:endParaRPr lang="ko-KR" altLang="en-US" b="1" dirty="0"/>
+          </a:p>
+        </p:txBody>
+      </p:sp>
+      <p:sp>
+        <p:nvSpPr>
+          <p:cNvPr id="11" name="TextBox 10">
+            <a:extLst>
+              <a:ext uri="{FF2B5EF4-FFF2-40B4-BE49-F238E27FC236}">
+                <a16:creationId xmlns:a16="http://schemas.microsoft.com/office/drawing/2014/main" id="{D1157081-0898-65A7-DD6E-74F4744346B7}"/>
+              </a:ext>
+            </a:extLst>
+          </p:cNvPr>
+          <p:cNvSpPr txBox="1"/>
+          <p:nvPr/>
+        </p:nvSpPr>
+        <p:spPr>
+          <a:xfrm>
+            <a:off x="7273359" y="1849813"/>
+            <a:ext cx="335348" cy="369332"/>
+          </a:xfrm>
+          <a:prstGeom prst="rect">
+            <a:avLst/>
+          </a:prstGeom>
+          <a:noFill/>
+        </p:spPr>
+        <p:txBody>
+          <a:bodyPr wrap="none" rtlCol="0">
+            <a:spAutoFit/>
+          </a:bodyPr>
+          <a:lstStyle/>
+          <a:p>
+            <a:r>
+              <a:rPr lang="en-US" altLang="ko-KR" b="1" dirty="0"/>
+              <a:t>Y</a:t>
+            </a:r>
+            <a:endParaRPr lang="ko-KR" altLang="en-US" b="1" dirty="0"/>
+          </a:p>
+        </p:txBody>
+      </p:sp>
+      <p:cxnSp>
+        <p:nvCxnSpPr>
+          <p:cNvPr id="14" name="직선 화살표 연결선 13">
+            <a:extLst>
+              <a:ext uri="{FF2B5EF4-FFF2-40B4-BE49-F238E27FC236}">
+                <a16:creationId xmlns:a16="http://schemas.microsoft.com/office/drawing/2014/main" id="{06D6B064-0214-3271-8FC5-379E4D09906A}"/>
+              </a:ext>
+            </a:extLst>
+          </p:cNvPr>
+          <p:cNvCxnSpPr>
+            <a:cxnSpLocks/>
+          </p:cNvCxnSpPr>
+          <p:nvPr/>
+        </p:nvCxnSpPr>
+        <p:spPr>
+          <a:xfrm flipV="1">
+            <a:off x="4521369" y="2692400"/>
+            <a:ext cx="2751990" cy="254000"/>
+          </a:xfrm>
+          <a:prstGeom prst="straightConnector1">
+            <a:avLst/>
+          </a:prstGeom>
+          <a:ln w="38100">
+            <a:solidFill>
+              <a:schemeClr val="tx1"/>
+            </a:solidFill>
+            <a:tailEnd type="triangle"/>
+          </a:ln>
+        </p:spPr>
+        <p:style>
+          <a:lnRef idx="2">
+            <a:schemeClr val="accent1"/>
+          </a:lnRef>
+          <a:fillRef idx="0">
+            <a:schemeClr val="accent1"/>
+          </a:fillRef>
+          <a:effectRef idx="1">
+            <a:schemeClr val="accent1"/>
+          </a:effectRef>
+          <a:fontRef idx="minor">
+            <a:schemeClr val="tx1"/>
+          </a:fontRef>
+        </p:style>
+      </p:cxnSp>
+      <p:cxnSp>
+        <p:nvCxnSpPr>
+          <p:cNvPr id="3" name="직선 화살표 연결선 2">
+            <a:extLst>
+              <a:ext uri="{FF2B5EF4-FFF2-40B4-BE49-F238E27FC236}">
+                <a16:creationId xmlns:a16="http://schemas.microsoft.com/office/drawing/2014/main" id="{D6F89685-05F8-244E-CA99-5574A95314FA}"/>
+              </a:ext>
+            </a:extLst>
+          </p:cNvPr>
+          <p:cNvCxnSpPr>
+            <a:cxnSpLocks/>
+          </p:cNvCxnSpPr>
+          <p:nvPr/>
+        </p:nvCxnSpPr>
+        <p:spPr>
+          <a:xfrm flipV="1">
+            <a:off x="4537411" y="3296334"/>
+            <a:ext cx="2735948" cy="132666"/>
+          </a:xfrm>
+          <a:prstGeom prst="straightConnector1">
+            <a:avLst/>
+          </a:prstGeom>
+          <a:ln w="38100">
+            <a:solidFill>
+              <a:schemeClr val="tx1"/>
+            </a:solidFill>
+            <a:tailEnd type="triangle"/>
+          </a:ln>
+        </p:spPr>
+        <p:style>
+          <a:lnRef idx="2">
+            <a:schemeClr val="accent1"/>
+          </a:lnRef>
+          <a:fillRef idx="0">
+            <a:schemeClr val="accent1"/>
+          </a:fillRef>
+          <a:effectRef idx="1">
+            <a:schemeClr val="accent1"/>
+          </a:effectRef>
+          <a:fontRef idx="minor">
+            <a:schemeClr val="tx1"/>
+          </a:fontRef>
+        </p:style>
+      </p:cxnSp>
+      <p:cxnSp>
+        <p:nvCxnSpPr>
+          <p:cNvPr id="6" name="직선 화살표 연결선 5">
+            <a:extLst>
+              <a:ext uri="{FF2B5EF4-FFF2-40B4-BE49-F238E27FC236}">
+                <a16:creationId xmlns:a16="http://schemas.microsoft.com/office/drawing/2014/main" id="{7DDB5E86-3340-DB64-F0DB-841EB3E4A9FF}"/>
+              </a:ext>
+            </a:extLst>
+          </p:cNvPr>
+          <p:cNvCxnSpPr>
+            <a:cxnSpLocks/>
+          </p:cNvCxnSpPr>
+          <p:nvPr/>
+        </p:nvCxnSpPr>
+        <p:spPr>
+          <a:xfrm flipV="1">
+            <a:off x="4537411" y="3784600"/>
+            <a:ext cx="2735948" cy="215900"/>
+          </a:xfrm>
+          <a:prstGeom prst="straightConnector1">
+            <a:avLst/>
+          </a:prstGeom>
+          <a:ln w="38100">
+            <a:solidFill>
+              <a:schemeClr val="tx1"/>
+            </a:solidFill>
+            <a:tailEnd type="triangle"/>
+          </a:ln>
+        </p:spPr>
+        <p:style>
+          <a:lnRef idx="2">
+            <a:schemeClr val="accent1"/>
+          </a:lnRef>
+          <a:fillRef idx="0">
+            <a:schemeClr val="accent1"/>
+          </a:fillRef>
+          <a:effectRef idx="1">
+            <a:schemeClr val="accent1"/>
+          </a:effectRef>
+          <a:fontRef idx="minor">
+            <a:schemeClr val="tx1"/>
+          </a:fontRef>
+        </p:style>
+      </p:cxnSp>
+    </p:spTree>
+    <p:extLst>
+      <p:ext uri="{BB962C8B-B14F-4D97-AF65-F5344CB8AC3E}">
+        <p14:creationId xmlns:p14="http://schemas.microsoft.com/office/powerpoint/2010/main" val="22035261"/>
+      </p:ext>
+    </p:extLst>
+  </p:cSld>
+  <p:clrMapOvr>
+    <a:masterClrMapping/>
+  </p:clrMapOvr>
+</p:sld>
+</file>
+
+<file path=ppt/slides/slide15.xml><?xml version="1.0" encoding="utf-8"?>
+<p:sld xmlns:a="http://schemas.openxmlformats.org/drawingml/2006/main" xmlns:r="http://schemas.openxmlformats.org/officeDocument/2006/relationships" xmlns:p="http://schemas.openxmlformats.org/presentationml/2006/main">
+  <p:cSld>
+    <p:spTree>
+      <p:nvGrpSpPr>
+        <p:cNvPr id="1" name="">
+          <a:extLst>
+            <a:ext uri="{FF2B5EF4-FFF2-40B4-BE49-F238E27FC236}">
+              <a16:creationId xmlns:a16="http://schemas.microsoft.com/office/drawing/2014/main" id="{E5C15F2C-BD1E-BCB6-1E05-B30C95B63F8D}"/>
+            </a:ext>
+          </a:extLst>
+        </p:cNvPr>
+        <p:cNvGrpSpPr/>
+        <p:nvPr/>
+      </p:nvGrpSpPr>
+      <p:grpSpPr>
+        <a:xfrm>
+          <a:off x="0" y="0"/>
+          <a:ext cx="0" cy="0"/>
+          <a:chOff x="0" y="0"/>
+          <a:chExt cx="0" cy="0"/>
+        </a:xfrm>
+      </p:grpSpPr>
+      <p:sp>
+        <p:nvSpPr>
+          <p:cNvPr id="19" name="직사각형 18">
+            <a:extLst>
+              <a:ext uri="{FF2B5EF4-FFF2-40B4-BE49-F238E27FC236}">
+                <a16:creationId xmlns:a16="http://schemas.microsoft.com/office/drawing/2014/main" id="{8EF75A78-A1FD-6BEA-DBED-FBAE49628C69}"/>
+              </a:ext>
+            </a:extLst>
+          </p:cNvPr>
+          <p:cNvSpPr/>
+          <p:nvPr/>
+        </p:nvSpPr>
+        <p:spPr>
+          <a:xfrm>
+            <a:off x="3010904" y="1582430"/>
+            <a:ext cx="5536195" cy="3486876"/>
+          </a:xfrm>
+          <a:prstGeom prst="rect">
+            <a:avLst/>
+          </a:prstGeom>
+          <a:solidFill>
+            <a:schemeClr val="bg1"/>
+          </a:solidFill>
+          <a:ln>
+            <a:noFill/>
+          </a:ln>
+        </p:spPr>
+        <p:style>
+          <a:lnRef idx="2">
+            <a:schemeClr val="accent1">
+              <a:shade val="15000"/>
+            </a:schemeClr>
+          </a:lnRef>
+          <a:fillRef idx="1">
+            <a:schemeClr val="accent1"/>
+          </a:fillRef>
+          <a:effectRef idx="0">
+            <a:schemeClr val="accent1"/>
+          </a:effectRef>
+          <a:fontRef idx="minor">
+            <a:schemeClr val="lt1"/>
+          </a:fontRef>
+        </p:style>
+        <p:txBody>
+          <a:bodyPr rtlCol="0" anchor="ctr"/>
+          <a:lstStyle/>
+          <a:p>
+            <a:pPr algn="ctr"/>
+            <a:endParaRPr lang="ko-KR" altLang="en-US"/>
+          </a:p>
+        </p:txBody>
+      </p:sp>
+      <p:sp>
+        <p:nvSpPr>
+          <p:cNvPr id="2" name="타원 1">
+            <a:extLst>
+              <a:ext uri="{FF2B5EF4-FFF2-40B4-BE49-F238E27FC236}">
+                <a16:creationId xmlns:a16="http://schemas.microsoft.com/office/drawing/2014/main" id="{BBE76950-3870-7087-F8AA-7713FC91D3E6}"/>
+              </a:ext>
+            </a:extLst>
+          </p:cNvPr>
+          <p:cNvSpPr/>
+          <p:nvPr/>
+        </p:nvSpPr>
+        <p:spPr>
+          <a:xfrm>
+            <a:off x="3494673" y="2219145"/>
+            <a:ext cx="1315453" cy="2582779"/>
+          </a:xfrm>
+          <a:prstGeom prst="ellipse">
+            <a:avLst/>
+          </a:prstGeom>
+          <a:solidFill>
+            <a:schemeClr val="accent2">
+              <a:lumMod val="60000"/>
+              <a:lumOff val="40000"/>
+            </a:schemeClr>
+          </a:solidFill>
+        </p:spPr>
+        <p:style>
+          <a:lnRef idx="2">
+            <a:schemeClr val="accent1">
+              <a:shade val="15000"/>
+            </a:schemeClr>
+          </a:lnRef>
+          <a:fillRef idx="1">
+            <a:schemeClr val="accent1"/>
+          </a:fillRef>
+          <a:effectRef idx="0">
+            <a:schemeClr val="accent1"/>
+          </a:effectRef>
+          <a:fontRef idx="minor">
+            <a:schemeClr val="lt1"/>
+          </a:fontRef>
+        </p:style>
+        <p:txBody>
+          <a:bodyPr rtlCol="0" anchor="ctr"/>
+          <a:lstStyle/>
+          <a:p>
+            <a:pPr algn="ctr"/>
+            <a:r>
+              <a:rPr lang="en-US" altLang="ko-KR" b="1" dirty="0">
+                <a:solidFill>
+                  <a:schemeClr val="tx2"/>
+                </a:solidFill>
+              </a:rPr>
+              <a:t>1</a:t>
+            </a:r>
+            <a:br>
+              <a:rPr lang="en-US" altLang="ko-KR" b="1" dirty="0">
+                <a:solidFill>
+                  <a:schemeClr val="tx2"/>
+                </a:solidFill>
+              </a:rPr>
+            </a:br>
+            <a:br>
+              <a:rPr lang="en-US" altLang="ko-KR" b="1" dirty="0">
+                <a:solidFill>
+                  <a:schemeClr val="tx2"/>
+                </a:solidFill>
+              </a:rPr>
+            </a:br>
+            <a:r>
+              <a:rPr lang="en-US" altLang="ko-KR" b="1" dirty="0">
+                <a:solidFill>
+                  <a:schemeClr val="tx2"/>
+                </a:solidFill>
+              </a:rPr>
+              <a:t>2</a:t>
+            </a:r>
+            <a:br>
+              <a:rPr lang="en-US" altLang="ko-KR" b="1" dirty="0">
+                <a:solidFill>
+                  <a:schemeClr val="tx2"/>
+                </a:solidFill>
+              </a:rPr>
+            </a:br>
+            <a:br>
+              <a:rPr lang="en-US" altLang="ko-KR" b="1" dirty="0">
+                <a:solidFill>
+                  <a:schemeClr val="tx2"/>
+                </a:solidFill>
+              </a:rPr>
+            </a:br>
+            <a:r>
+              <a:rPr lang="en-US" altLang="ko-KR" b="1" dirty="0">
+                <a:solidFill>
+                  <a:schemeClr val="tx2"/>
+                </a:solidFill>
+              </a:rPr>
+              <a:t>3</a:t>
+            </a:r>
+            <a:endParaRPr lang="ko-KR" altLang="en-US" b="1" dirty="0">
+              <a:solidFill>
+                <a:schemeClr val="tx2"/>
+              </a:solidFill>
+            </a:endParaRPr>
+          </a:p>
+        </p:txBody>
+      </p:sp>
+      <p:sp>
+        <p:nvSpPr>
+          <p:cNvPr id="7" name="타원 6">
+            <a:extLst>
+              <a:ext uri="{FF2B5EF4-FFF2-40B4-BE49-F238E27FC236}">
+                <a16:creationId xmlns:a16="http://schemas.microsoft.com/office/drawing/2014/main" id="{B62501BC-71BC-387B-180B-4F5AF85BBB08}"/>
+              </a:ext>
+            </a:extLst>
+          </p:cNvPr>
+          <p:cNvSpPr/>
+          <p:nvPr/>
+        </p:nvSpPr>
+        <p:spPr>
+          <a:xfrm>
+            <a:off x="6783307" y="2219145"/>
+            <a:ext cx="1315453" cy="2582779"/>
+          </a:xfrm>
+          <a:prstGeom prst="ellipse">
+            <a:avLst/>
+          </a:prstGeom>
+          <a:solidFill>
+            <a:schemeClr val="accent6">
+              <a:lumMod val="60000"/>
+              <a:lumOff val="40000"/>
+            </a:schemeClr>
+          </a:solidFill>
+        </p:spPr>
+        <p:style>
+          <a:lnRef idx="2">
+            <a:schemeClr val="accent1">
+              <a:shade val="15000"/>
+            </a:schemeClr>
+          </a:lnRef>
+          <a:fillRef idx="1">
+            <a:schemeClr val="accent1"/>
+          </a:fillRef>
+          <a:effectRef idx="0">
+            <a:schemeClr val="accent1"/>
+          </a:effectRef>
+          <a:fontRef idx="minor">
+            <a:schemeClr val="lt1"/>
+          </a:fontRef>
+        </p:style>
+        <p:txBody>
+          <a:bodyPr rtlCol="0" anchor="ctr"/>
+          <a:lstStyle/>
+          <a:p>
+            <a:pPr algn="ctr"/>
+            <a:r>
+              <a:rPr lang="en-US" altLang="ko-KR" b="1" dirty="0">
+                <a:solidFill>
+                  <a:schemeClr val="tx2"/>
+                </a:solidFill>
+              </a:rPr>
+              <a:t>A</a:t>
+            </a:r>
+            <a:br>
+              <a:rPr lang="en-US" altLang="ko-KR" b="1" dirty="0">
+                <a:solidFill>
+                  <a:schemeClr val="tx2"/>
+                </a:solidFill>
+              </a:rPr>
+            </a:br>
+            <a:br>
+              <a:rPr lang="en-US" altLang="ko-KR" b="1" dirty="0">
+                <a:solidFill>
+                  <a:schemeClr val="tx2"/>
+                </a:solidFill>
+              </a:rPr>
+            </a:br>
+            <a:r>
+              <a:rPr lang="en-US" altLang="ko-KR" b="1" dirty="0">
+                <a:solidFill>
+                  <a:schemeClr val="tx2"/>
+                </a:solidFill>
+              </a:rPr>
+              <a:t>B</a:t>
+            </a:r>
+            <a:br>
+              <a:rPr lang="en-US" altLang="ko-KR" b="1" dirty="0">
+                <a:solidFill>
+                  <a:schemeClr val="tx2"/>
+                </a:solidFill>
+              </a:rPr>
+            </a:br>
+            <a:br>
+              <a:rPr lang="en-US" altLang="ko-KR" b="1" dirty="0">
+                <a:solidFill>
+                  <a:schemeClr val="tx2"/>
+                </a:solidFill>
+              </a:rPr>
+            </a:br>
+            <a:r>
+              <a:rPr lang="en-US" altLang="ko-KR" b="1" dirty="0">
+                <a:solidFill>
+                  <a:schemeClr val="tx2"/>
+                </a:solidFill>
+              </a:rPr>
+              <a:t>C</a:t>
+            </a:r>
+            <a:br>
+              <a:rPr lang="en-US" altLang="ko-KR" b="1" dirty="0">
+                <a:solidFill>
+                  <a:schemeClr val="tx2"/>
+                </a:solidFill>
+              </a:rPr>
+            </a:br>
+            <a:br>
+              <a:rPr lang="en-US" altLang="ko-KR" b="1" dirty="0">
+                <a:solidFill>
+                  <a:schemeClr val="tx2"/>
+                </a:solidFill>
+              </a:rPr>
+            </a:br>
+            <a:r>
+              <a:rPr lang="en-US" altLang="ko-KR" b="1" dirty="0">
+                <a:solidFill>
+                  <a:schemeClr val="tx2"/>
+                </a:solidFill>
+              </a:rPr>
+              <a:t>D</a:t>
+            </a:r>
+            <a:endParaRPr lang="ko-KR" altLang="en-US" b="1" dirty="0">
+              <a:solidFill>
+                <a:schemeClr val="tx2"/>
+              </a:solidFill>
+            </a:endParaRPr>
+          </a:p>
+        </p:txBody>
+      </p:sp>
+      <p:sp>
+        <p:nvSpPr>
+          <p:cNvPr id="8" name="TextBox 7">
+            <a:extLst>
+              <a:ext uri="{FF2B5EF4-FFF2-40B4-BE49-F238E27FC236}">
+                <a16:creationId xmlns:a16="http://schemas.microsoft.com/office/drawing/2014/main" id="{820A743A-D132-D161-E08C-32A2AB1698E7}"/>
+              </a:ext>
+            </a:extLst>
+          </p:cNvPr>
+          <p:cNvSpPr txBox="1"/>
+          <p:nvPr/>
+        </p:nvSpPr>
+        <p:spPr>
+          <a:xfrm>
+            <a:off x="3984725" y="1849813"/>
+            <a:ext cx="335348" cy="369332"/>
+          </a:xfrm>
+          <a:prstGeom prst="rect">
+            <a:avLst/>
+          </a:prstGeom>
+          <a:noFill/>
+        </p:spPr>
+        <p:txBody>
+          <a:bodyPr wrap="none" rtlCol="0">
+            <a:spAutoFit/>
+          </a:bodyPr>
+          <a:lstStyle/>
+          <a:p>
+            <a:r>
+              <a:rPr lang="en-US" altLang="ko-KR" b="1" dirty="0"/>
+              <a:t>X</a:t>
+            </a:r>
+            <a:endParaRPr lang="ko-KR" altLang="en-US" b="1" dirty="0"/>
+          </a:p>
+        </p:txBody>
+      </p:sp>
+      <p:sp>
+        <p:nvSpPr>
+          <p:cNvPr id="11" name="TextBox 10">
+            <a:extLst>
+              <a:ext uri="{FF2B5EF4-FFF2-40B4-BE49-F238E27FC236}">
+                <a16:creationId xmlns:a16="http://schemas.microsoft.com/office/drawing/2014/main" id="{49684F09-6F17-AD84-DC8C-5843AD4BDA43}"/>
+              </a:ext>
+            </a:extLst>
+          </p:cNvPr>
+          <p:cNvSpPr txBox="1"/>
+          <p:nvPr/>
+        </p:nvSpPr>
+        <p:spPr>
+          <a:xfrm>
+            <a:off x="7273359" y="1849813"/>
+            <a:ext cx="335348" cy="369332"/>
+          </a:xfrm>
+          <a:prstGeom prst="rect">
+            <a:avLst/>
+          </a:prstGeom>
+          <a:noFill/>
+        </p:spPr>
+        <p:txBody>
+          <a:bodyPr wrap="none" rtlCol="0">
+            <a:spAutoFit/>
+          </a:bodyPr>
+          <a:lstStyle/>
+          <a:p>
+            <a:r>
+              <a:rPr lang="en-US" altLang="ko-KR" b="1" dirty="0"/>
+              <a:t>Y</a:t>
+            </a:r>
+            <a:endParaRPr lang="ko-KR" altLang="en-US" b="1" dirty="0"/>
+          </a:p>
+        </p:txBody>
+      </p:sp>
+      <p:cxnSp>
+        <p:nvCxnSpPr>
+          <p:cNvPr id="14" name="직선 화살표 연결선 13">
+            <a:extLst>
+              <a:ext uri="{FF2B5EF4-FFF2-40B4-BE49-F238E27FC236}">
+                <a16:creationId xmlns:a16="http://schemas.microsoft.com/office/drawing/2014/main" id="{25D91476-7F97-B8B3-C294-9BE40608ECEB}"/>
+              </a:ext>
+            </a:extLst>
+          </p:cNvPr>
+          <p:cNvCxnSpPr>
+            <a:cxnSpLocks/>
+          </p:cNvCxnSpPr>
+          <p:nvPr/>
+        </p:nvCxnSpPr>
+        <p:spPr>
+          <a:xfrm flipV="1">
+            <a:off x="4521369" y="2692400"/>
+            <a:ext cx="2751990" cy="254000"/>
+          </a:xfrm>
+          <a:prstGeom prst="straightConnector1">
+            <a:avLst/>
+          </a:prstGeom>
+          <a:ln w="38100">
+            <a:solidFill>
+              <a:schemeClr val="tx1"/>
+            </a:solidFill>
+            <a:tailEnd type="triangle"/>
+          </a:ln>
+        </p:spPr>
+        <p:style>
+          <a:lnRef idx="2">
+            <a:schemeClr val="accent1"/>
+          </a:lnRef>
+          <a:fillRef idx="0">
+            <a:schemeClr val="accent1"/>
+          </a:fillRef>
+          <a:effectRef idx="1">
+            <a:schemeClr val="accent1"/>
+          </a:effectRef>
+          <a:fontRef idx="minor">
+            <a:schemeClr val="tx1"/>
+          </a:fontRef>
+        </p:style>
+      </p:cxnSp>
+      <p:cxnSp>
+        <p:nvCxnSpPr>
+          <p:cNvPr id="3" name="직선 화살표 연결선 2">
+            <a:extLst>
+              <a:ext uri="{FF2B5EF4-FFF2-40B4-BE49-F238E27FC236}">
+                <a16:creationId xmlns:a16="http://schemas.microsoft.com/office/drawing/2014/main" id="{14A7F9DA-0F69-D8A3-1745-0E66D91DA88F}"/>
+              </a:ext>
+            </a:extLst>
+          </p:cNvPr>
+          <p:cNvCxnSpPr>
+            <a:cxnSpLocks/>
+          </p:cNvCxnSpPr>
+          <p:nvPr/>
+        </p:nvCxnSpPr>
+        <p:spPr>
+          <a:xfrm flipV="1">
+            <a:off x="4537411" y="3296334"/>
+            <a:ext cx="2735948" cy="132666"/>
+          </a:xfrm>
+          <a:prstGeom prst="straightConnector1">
+            <a:avLst/>
+          </a:prstGeom>
+          <a:ln w="38100">
+            <a:solidFill>
+              <a:schemeClr val="tx1"/>
+            </a:solidFill>
+            <a:tailEnd type="triangle"/>
+          </a:ln>
+        </p:spPr>
+        <p:style>
+          <a:lnRef idx="2">
+            <a:schemeClr val="accent1"/>
+          </a:lnRef>
+          <a:fillRef idx="0">
+            <a:schemeClr val="accent1"/>
+          </a:fillRef>
+          <a:effectRef idx="1">
+            <a:schemeClr val="accent1"/>
+          </a:effectRef>
+          <a:fontRef idx="minor">
+            <a:schemeClr val="tx1"/>
+          </a:fontRef>
+        </p:style>
+      </p:cxnSp>
+      <p:cxnSp>
+        <p:nvCxnSpPr>
+          <p:cNvPr id="6" name="직선 화살표 연결선 5">
+            <a:extLst>
+              <a:ext uri="{FF2B5EF4-FFF2-40B4-BE49-F238E27FC236}">
+                <a16:creationId xmlns:a16="http://schemas.microsoft.com/office/drawing/2014/main" id="{494424EB-D85B-CDE1-DA50-30E7AC78A20C}"/>
+              </a:ext>
+            </a:extLst>
+          </p:cNvPr>
+          <p:cNvCxnSpPr>
+            <a:cxnSpLocks/>
+          </p:cNvCxnSpPr>
+          <p:nvPr/>
+        </p:nvCxnSpPr>
+        <p:spPr>
+          <a:xfrm>
+            <a:off x="4537411" y="4000500"/>
+            <a:ext cx="2735948" cy="304800"/>
+          </a:xfrm>
+          <a:prstGeom prst="straightConnector1">
+            <a:avLst/>
+          </a:prstGeom>
+          <a:ln w="38100">
+            <a:solidFill>
+              <a:schemeClr val="tx1"/>
+            </a:solidFill>
+            <a:tailEnd type="triangle"/>
+          </a:ln>
+        </p:spPr>
+        <p:style>
+          <a:lnRef idx="2">
+            <a:schemeClr val="accent1"/>
+          </a:lnRef>
+          <a:fillRef idx="0">
+            <a:schemeClr val="accent1"/>
+          </a:fillRef>
+          <a:effectRef idx="1">
+            <a:schemeClr val="accent1"/>
+          </a:effectRef>
+          <a:fontRef idx="minor">
+            <a:schemeClr val="tx1"/>
+          </a:fontRef>
+        </p:style>
+      </p:cxnSp>
+    </p:spTree>
+    <p:extLst>
+      <p:ext uri="{BB962C8B-B14F-4D97-AF65-F5344CB8AC3E}">
+        <p14:creationId xmlns:p14="http://schemas.microsoft.com/office/powerpoint/2010/main" val="2261565781"/>
+      </p:ext>
+    </p:extLst>
+  </p:cSld>
+  <p:clrMapOvr>
+    <a:masterClrMapping/>
+  </p:clrMapOvr>
+</p:sld>
+</file>
+
+<file path=ppt/slides/slide16.xml><?xml version="1.0" encoding="utf-8"?>
+<p:sld xmlns:a="http://schemas.openxmlformats.org/drawingml/2006/main" xmlns:r="http://schemas.openxmlformats.org/officeDocument/2006/relationships" xmlns:p="http://schemas.openxmlformats.org/presentationml/2006/main">
+  <p:cSld>
+    <p:spTree>
+      <p:nvGrpSpPr>
+        <p:cNvPr id="1" name="">
+          <a:extLst>
+            <a:ext uri="{FF2B5EF4-FFF2-40B4-BE49-F238E27FC236}">
+              <a16:creationId xmlns:a16="http://schemas.microsoft.com/office/drawing/2014/main" id="{911D5A8C-47C5-613F-18A0-D2D8B41FD63D}"/>
+            </a:ext>
+          </a:extLst>
+        </p:cNvPr>
+        <p:cNvGrpSpPr/>
+        <p:nvPr/>
+      </p:nvGrpSpPr>
+      <p:grpSpPr>
+        <a:xfrm>
+          <a:off x="0" y="0"/>
+          <a:ext cx="0" cy="0"/>
+          <a:chOff x="0" y="0"/>
+          <a:chExt cx="0" cy="0"/>
+        </a:xfrm>
+      </p:grpSpPr>
+      <p:sp>
+        <p:nvSpPr>
+          <p:cNvPr id="19" name="직사각형 18">
+            <a:extLst>
+              <a:ext uri="{FF2B5EF4-FFF2-40B4-BE49-F238E27FC236}">
+                <a16:creationId xmlns:a16="http://schemas.microsoft.com/office/drawing/2014/main" id="{D62B2263-FED2-4628-731B-7350C47EFA28}"/>
+              </a:ext>
+            </a:extLst>
+          </p:cNvPr>
+          <p:cNvSpPr/>
+          <p:nvPr/>
+        </p:nvSpPr>
+        <p:spPr>
+          <a:xfrm>
+            <a:off x="3175001" y="1714500"/>
+            <a:ext cx="5308600" cy="3354806"/>
+          </a:xfrm>
+          <a:prstGeom prst="rect">
+            <a:avLst/>
+          </a:prstGeom>
+          <a:solidFill>
+            <a:schemeClr val="bg1"/>
+          </a:solidFill>
+          <a:ln>
+            <a:noFill/>
+          </a:ln>
+        </p:spPr>
+        <p:style>
+          <a:lnRef idx="2">
+            <a:schemeClr val="accent1">
+              <a:shade val="15000"/>
+            </a:schemeClr>
+          </a:lnRef>
+          <a:fillRef idx="1">
+            <a:schemeClr val="accent1"/>
+          </a:fillRef>
+          <a:effectRef idx="0">
+            <a:schemeClr val="accent1"/>
+          </a:effectRef>
+          <a:fontRef idx="minor">
+            <a:schemeClr val="lt1"/>
+          </a:fontRef>
+        </p:style>
+        <p:txBody>
+          <a:bodyPr rtlCol="0" anchor="ctr"/>
+          <a:lstStyle/>
+          <a:p>
+            <a:pPr algn="ctr"/>
+            <a:endParaRPr lang="ko-KR" altLang="en-US"/>
+          </a:p>
+        </p:txBody>
+      </p:sp>
+      <p:sp>
+        <p:nvSpPr>
+          <p:cNvPr id="2" name="타원 1">
+            <a:extLst>
+              <a:ext uri="{FF2B5EF4-FFF2-40B4-BE49-F238E27FC236}">
+                <a16:creationId xmlns:a16="http://schemas.microsoft.com/office/drawing/2014/main" id="{309EBD70-71D6-6F3C-2169-B1493CC90E66}"/>
+              </a:ext>
+            </a:extLst>
+          </p:cNvPr>
+          <p:cNvSpPr/>
+          <p:nvPr/>
+        </p:nvSpPr>
+        <p:spPr>
+          <a:xfrm>
+            <a:off x="3494673" y="2219145"/>
+            <a:ext cx="1315453" cy="2582779"/>
+          </a:xfrm>
+          <a:prstGeom prst="ellipse">
+            <a:avLst/>
+          </a:prstGeom>
+          <a:solidFill>
+            <a:schemeClr val="accent2">
+              <a:lumMod val="60000"/>
+              <a:lumOff val="40000"/>
+            </a:schemeClr>
+          </a:solidFill>
+        </p:spPr>
+        <p:style>
+          <a:lnRef idx="2">
+            <a:schemeClr val="accent1">
+              <a:shade val="15000"/>
+            </a:schemeClr>
+          </a:lnRef>
+          <a:fillRef idx="1">
+            <a:schemeClr val="accent1"/>
+          </a:fillRef>
+          <a:effectRef idx="0">
+            <a:schemeClr val="accent1"/>
+          </a:effectRef>
+          <a:fontRef idx="minor">
+            <a:schemeClr val="lt1"/>
+          </a:fontRef>
+        </p:style>
+        <p:txBody>
+          <a:bodyPr rtlCol="0" anchor="ctr"/>
+          <a:lstStyle/>
+          <a:p>
+            <a:pPr algn="ctr"/>
+            <a:r>
+              <a:rPr lang="en-US" altLang="ko-KR" b="1" dirty="0">
+                <a:solidFill>
+                  <a:schemeClr val="tx2"/>
+                </a:solidFill>
+              </a:rPr>
+              <a:t>1</a:t>
+            </a:r>
+            <a:br>
+              <a:rPr lang="en-US" altLang="ko-KR" b="1" dirty="0">
+                <a:solidFill>
+                  <a:schemeClr val="tx2"/>
+                </a:solidFill>
+              </a:rPr>
+            </a:br>
+            <a:br>
+              <a:rPr lang="en-US" altLang="ko-KR" b="1" dirty="0">
+                <a:solidFill>
+                  <a:schemeClr val="tx2"/>
+                </a:solidFill>
+              </a:rPr>
+            </a:br>
+            <a:r>
+              <a:rPr lang="en-US" altLang="ko-KR" b="1" dirty="0">
+                <a:solidFill>
+                  <a:schemeClr val="tx2"/>
+                </a:solidFill>
+              </a:rPr>
+              <a:t>2</a:t>
+            </a:r>
+            <a:br>
+              <a:rPr lang="en-US" altLang="ko-KR" b="1" dirty="0">
+                <a:solidFill>
+                  <a:schemeClr val="tx2"/>
+                </a:solidFill>
+              </a:rPr>
+            </a:br>
+            <a:br>
+              <a:rPr lang="en-US" altLang="ko-KR" b="1" dirty="0">
+                <a:solidFill>
+                  <a:schemeClr val="tx2"/>
+                </a:solidFill>
+              </a:rPr>
+            </a:br>
+            <a:r>
+              <a:rPr lang="en-US" altLang="ko-KR" b="1" dirty="0">
+                <a:solidFill>
+                  <a:schemeClr val="tx2"/>
+                </a:solidFill>
+              </a:rPr>
+              <a:t>3</a:t>
+            </a:r>
+            <a:br>
+              <a:rPr lang="en-US" altLang="ko-KR" b="1" dirty="0">
+                <a:solidFill>
+                  <a:schemeClr val="tx2"/>
+                </a:solidFill>
+              </a:rPr>
+            </a:br>
+            <a:br>
+              <a:rPr lang="en-US" altLang="ko-KR" b="1" dirty="0">
+                <a:solidFill>
+                  <a:schemeClr val="tx2"/>
+                </a:solidFill>
+              </a:rPr>
+            </a:br>
+            <a:r>
+              <a:rPr lang="en-US" altLang="ko-KR" b="1" dirty="0">
+                <a:solidFill>
+                  <a:schemeClr val="tx2"/>
+                </a:solidFill>
+              </a:rPr>
+              <a:t>4</a:t>
+            </a:r>
+            <a:endParaRPr lang="ko-KR" altLang="en-US" b="1" dirty="0">
+              <a:solidFill>
+                <a:schemeClr val="tx2"/>
+              </a:solidFill>
+            </a:endParaRPr>
+          </a:p>
+        </p:txBody>
+      </p:sp>
+      <p:sp>
+        <p:nvSpPr>
+          <p:cNvPr id="7" name="타원 6">
+            <a:extLst>
+              <a:ext uri="{FF2B5EF4-FFF2-40B4-BE49-F238E27FC236}">
+                <a16:creationId xmlns:a16="http://schemas.microsoft.com/office/drawing/2014/main" id="{376B12D2-4AD0-8BA1-21E2-233672AFA1A5}"/>
+              </a:ext>
+            </a:extLst>
+          </p:cNvPr>
+          <p:cNvSpPr/>
+          <p:nvPr/>
+        </p:nvSpPr>
+        <p:spPr>
+          <a:xfrm>
+            <a:off x="6783307" y="2219145"/>
+            <a:ext cx="1315453" cy="2582779"/>
+          </a:xfrm>
+          <a:prstGeom prst="ellipse">
+            <a:avLst/>
+          </a:prstGeom>
+          <a:solidFill>
+            <a:schemeClr val="accent6">
+              <a:lumMod val="60000"/>
+              <a:lumOff val="40000"/>
+            </a:schemeClr>
+          </a:solidFill>
+        </p:spPr>
+        <p:style>
+          <a:lnRef idx="2">
+            <a:schemeClr val="accent1">
+              <a:shade val="15000"/>
+            </a:schemeClr>
+          </a:lnRef>
+          <a:fillRef idx="1">
+            <a:schemeClr val="accent1"/>
+          </a:fillRef>
+          <a:effectRef idx="0">
+            <a:schemeClr val="accent1"/>
+          </a:effectRef>
+          <a:fontRef idx="minor">
+            <a:schemeClr val="lt1"/>
+          </a:fontRef>
+        </p:style>
+        <p:txBody>
+          <a:bodyPr rtlCol="0" anchor="ctr"/>
+          <a:lstStyle/>
+          <a:p>
+            <a:pPr algn="ctr"/>
+            <a:r>
+              <a:rPr lang="en-US" altLang="ko-KR" b="1" dirty="0">
+                <a:solidFill>
+                  <a:schemeClr val="tx2"/>
+                </a:solidFill>
+              </a:rPr>
+              <a:t>A</a:t>
+            </a:r>
+            <a:br>
+              <a:rPr lang="en-US" altLang="ko-KR" b="1" dirty="0">
+                <a:solidFill>
+                  <a:schemeClr val="tx2"/>
+                </a:solidFill>
+              </a:rPr>
+            </a:br>
+            <a:br>
+              <a:rPr lang="en-US" altLang="ko-KR" b="1" dirty="0">
+                <a:solidFill>
+                  <a:schemeClr val="tx2"/>
+                </a:solidFill>
+              </a:rPr>
+            </a:br>
+            <a:r>
+              <a:rPr lang="en-US" altLang="ko-KR" b="1" dirty="0">
+                <a:solidFill>
+                  <a:schemeClr val="tx2"/>
+                </a:solidFill>
+              </a:rPr>
+              <a:t>B</a:t>
+            </a:r>
+            <a:br>
+              <a:rPr lang="en-US" altLang="ko-KR" b="1" dirty="0">
+                <a:solidFill>
+                  <a:schemeClr val="tx2"/>
+                </a:solidFill>
+              </a:rPr>
+            </a:br>
+            <a:br>
+              <a:rPr lang="en-US" altLang="ko-KR" b="1" dirty="0">
+                <a:solidFill>
+                  <a:schemeClr val="tx2"/>
+                </a:solidFill>
+              </a:rPr>
+            </a:br>
+            <a:r>
+              <a:rPr lang="en-US" altLang="ko-KR" b="1" dirty="0">
+                <a:solidFill>
+                  <a:schemeClr val="tx2"/>
+                </a:solidFill>
+              </a:rPr>
+              <a:t>C</a:t>
+            </a:r>
+            <a:br>
+              <a:rPr lang="en-US" altLang="ko-KR" b="1" dirty="0">
+                <a:solidFill>
+                  <a:schemeClr val="tx2"/>
+                </a:solidFill>
+              </a:rPr>
+            </a:br>
+            <a:br>
+              <a:rPr lang="en-US" altLang="ko-KR" b="1" dirty="0">
+                <a:solidFill>
+                  <a:schemeClr val="tx2"/>
+                </a:solidFill>
+              </a:rPr>
+            </a:br>
+            <a:r>
+              <a:rPr lang="en-US" altLang="ko-KR" b="1" dirty="0">
+                <a:solidFill>
+                  <a:schemeClr val="tx2"/>
+                </a:solidFill>
+              </a:rPr>
+              <a:t>D</a:t>
+            </a:r>
+            <a:endParaRPr lang="ko-KR" altLang="en-US" b="1" dirty="0">
+              <a:solidFill>
+                <a:schemeClr val="tx2"/>
+              </a:solidFill>
+            </a:endParaRPr>
+          </a:p>
+        </p:txBody>
+      </p:sp>
+      <p:sp>
+        <p:nvSpPr>
+          <p:cNvPr id="8" name="TextBox 7">
+            <a:extLst>
+              <a:ext uri="{FF2B5EF4-FFF2-40B4-BE49-F238E27FC236}">
+                <a16:creationId xmlns:a16="http://schemas.microsoft.com/office/drawing/2014/main" id="{ABE5BF55-1A31-1EC5-7516-320D66753C48}"/>
+              </a:ext>
+            </a:extLst>
+          </p:cNvPr>
+          <p:cNvSpPr txBox="1"/>
+          <p:nvPr/>
+        </p:nvSpPr>
+        <p:spPr>
+          <a:xfrm>
+            <a:off x="3984725" y="1849813"/>
+            <a:ext cx="335348" cy="369332"/>
+          </a:xfrm>
+          <a:prstGeom prst="rect">
+            <a:avLst/>
+          </a:prstGeom>
+          <a:noFill/>
+        </p:spPr>
+        <p:txBody>
+          <a:bodyPr wrap="none" rtlCol="0">
+            <a:spAutoFit/>
+          </a:bodyPr>
+          <a:lstStyle/>
+          <a:p>
+            <a:r>
+              <a:rPr lang="en-US" altLang="ko-KR" b="1" dirty="0"/>
+              <a:t>X</a:t>
+            </a:r>
+            <a:endParaRPr lang="ko-KR" altLang="en-US" b="1" dirty="0"/>
+          </a:p>
+        </p:txBody>
+      </p:sp>
+      <p:sp>
+        <p:nvSpPr>
+          <p:cNvPr id="11" name="TextBox 10">
+            <a:extLst>
+              <a:ext uri="{FF2B5EF4-FFF2-40B4-BE49-F238E27FC236}">
+                <a16:creationId xmlns:a16="http://schemas.microsoft.com/office/drawing/2014/main" id="{2DD17373-F52D-D3A0-9CCE-5FC9AFD17BDD}"/>
+              </a:ext>
+            </a:extLst>
+          </p:cNvPr>
+          <p:cNvSpPr txBox="1"/>
+          <p:nvPr/>
+        </p:nvSpPr>
+        <p:spPr>
+          <a:xfrm>
+            <a:off x="7273359" y="1849813"/>
+            <a:ext cx="335348" cy="369332"/>
+          </a:xfrm>
+          <a:prstGeom prst="rect">
+            <a:avLst/>
+          </a:prstGeom>
+          <a:noFill/>
+        </p:spPr>
+        <p:txBody>
+          <a:bodyPr wrap="none" rtlCol="0">
+            <a:spAutoFit/>
+          </a:bodyPr>
+          <a:lstStyle/>
+          <a:p>
+            <a:r>
+              <a:rPr lang="en-US" altLang="ko-KR" b="1" dirty="0"/>
+              <a:t>Y</a:t>
+            </a:r>
+            <a:endParaRPr lang="ko-KR" altLang="en-US" b="1" dirty="0"/>
+          </a:p>
+        </p:txBody>
+      </p:sp>
+      <p:cxnSp>
+        <p:nvCxnSpPr>
+          <p:cNvPr id="14" name="직선 화살표 연결선 13">
+            <a:extLst>
+              <a:ext uri="{FF2B5EF4-FFF2-40B4-BE49-F238E27FC236}">
+                <a16:creationId xmlns:a16="http://schemas.microsoft.com/office/drawing/2014/main" id="{D16B7FB4-D65F-5340-22B9-3AAD6FD7A5D7}"/>
+              </a:ext>
+            </a:extLst>
+          </p:cNvPr>
+          <p:cNvCxnSpPr>
+            <a:cxnSpLocks/>
+          </p:cNvCxnSpPr>
+          <p:nvPr/>
+        </p:nvCxnSpPr>
+        <p:spPr>
+          <a:xfrm>
+            <a:off x="4537411" y="2692400"/>
+            <a:ext cx="2735948" cy="0"/>
+          </a:xfrm>
+          <a:prstGeom prst="straightConnector1">
+            <a:avLst/>
+          </a:prstGeom>
+          <a:ln w="38100">
+            <a:solidFill>
+              <a:schemeClr val="tx1"/>
+            </a:solidFill>
+            <a:tailEnd type="triangle"/>
+          </a:ln>
+        </p:spPr>
+        <p:style>
+          <a:lnRef idx="2">
+            <a:schemeClr val="accent1"/>
+          </a:lnRef>
+          <a:fillRef idx="0">
+            <a:schemeClr val="accent1"/>
+          </a:fillRef>
+          <a:effectRef idx="1">
+            <a:schemeClr val="accent1"/>
+          </a:effectRef>
+          <a:fontRef idx="minor">
+            <a:schemeClr val="tx1"/>
+          </a:fontRef>
+        </p:style>
+      </p:cxnSp>
+      <p:cxnSp>
+        <p:nvCxnSpPr>
+          <p:cNvPr id="3" name="직선 화살표 연결선 2">
+            <a:extLst>
+              <a:ext uri="{FF2B5EF4-FFF2-40B4-BE49-F238E27FC236}">
+                <a16:creationId xmlns:a16="http://schemas.microsoft.com/office/drawing/2014/main" id="{91C705EE-4600-8EB6-4BA3-5CEA5E2A562C}"/>
+              </a:ext>
+            </a:extLst>
+          </p:cNvPr>
+          <p:cNvCxnSpPr>
+            <a:cxnSpLocks/>
+          </p:cNvCxnSpPr>
+          <p:nvPr/>
+        </p:nvCxnSpPr>
+        <p:spPr>
+          <a:xfrm>
+            <a:off x="4537411" y="3296334"/>
+            <a:ext cx="2735948" cy="0"/>
+          </a:xfrm>
+          <a:prstGeom prst="straightConnector1">
+            <a:avLst/>
+          </a:prstGeom>
+          <a:ln w="38100">
+            <a:solidFill>
+              <a:schemeClr val="tx1"/>
+            </a:solidFill>
+            <a:tailEnd type="triangle"/>
+          </a:ln>
+        </p:spPr>
+        <p:style>
+          <a:lnRef idx="2">
+            <a:schemeClr val="accent1"/>
+          </a:lnRef>
+          <a:fillRef idx="0">
+            <a:schemeClr val="accent1"/>
+          </a:fillRef>
+          <a:effectRef idx="1">
+            <a:schemeClr val="accent1"/>
+          </a:effectRef>
+          <a:fontRef idx="minor">
+            <a:schemeClr val="tx1"/>
+          </a:fontRef>
+        </p:style>
+      </p:cxnSp>
+      <p:cxnSp>
+        <p:nvCxnSpPr>
+          <p:cNvPr id="6" name="직선 화살표 연결선 5">
+            <a:extLst>
+              <a:ext uri="{FF2B5EF4-FFF2-40B4-BE49-F238E27FC236}">
+                <a16:creationId xmlns:a16="http://schemas.microsoft.com/office/drawing/2014/main" id="{B08B59AC-749E-D31F-9C7D-12100682C56C}"/>
+              </a:ext>
+            </a:extLst>
+          </p:cNvPr>
+          <p:cNvCxnSpPr>
+            <a:cxnSpLocks/>
+          </p:cNvCxnSpPr>
+          <p:nvPr/>
+        </p:nvCxnSpPr>
+        <p:spPr>
+          <a:xfrm>
+            <a:off x="4537411" y="3810000"/>
+            <a:ext cx="2735948" cy="495300"/>
+          </a:xfrm>
+          <a:prstGeom prst="straightConnector1">
+            <a:avLst/>
+          </a:prstGeom>
+          <a:ln w="38100">
+            <a:solidFill>
+              <a:srgbClr val="FF0000"/>
+            </a:solidFill>
+            <a:tailEnd type="triangle"/>
+          </a:ln>
+        </p:spPr>
+        <p:style>
+          <a:lnRef idx="2">
+            <a:schemeClr val="accent1"/>
+          </a:lnRef>
+          <a:fillRef idx="0">
+            <a:schemeClr val="accent1"/>
+          </a:fillRef>
+          <a:effectRef idx="1">
+            <a:schemeClr val="accent1"/>
+          </a:effectRef>
+          <a:fontRef idx="minor">
+            <a:schemeClr val="tx1"/>
+          </a:fontRef>
+        </p:style>
+      </p:cxnSp>
+      <p:cxnSp>
+        <p:nvCxnSpPr>
+          <p:cNvPr id="10" name="직선 화살표 연결선 9">
+            <a:extLst>
+              <a:ext uri="{FF2B5EF4-FFF2-40B4-BE49-F238E27FC236}">
+                <a16:creationId xmlns:a16="http://schemas.microsoft.com/office/drawing/2014/main" id="{F69C7CAC-A37F-E6E3-CEE0-88AC845414C6}"/>
+              </a:ext>
+            </a:extLst>
+          </p:cNvPr>
+          <p:cNvCxnSpPr>
+            <a:cxnSpLocks/>
+          </p:cNvCxnSpPr>
+          <p:nvPr/>
+        </p:nvCxnSpPr>
+        <p:spPr>
+          <a:xfrm>
+            <a:off x="4537411" y="4360940"/>
+            <a:ext cx="2735948" cy="78713"/>
+          </a:xfrm>
+          <a:prstGeom prst="straightConnector1">
+            <a:avLst/>
+          </a:prstGeom>
+          <a:ln w="38100">
+            <a:solidFill>
+              <a:srgbClr val="FF0000"/>
+            </a:solidFill>
+            <a:tailEnd type="triangle"/>
+          </a:ln>
+        </p:spPr>
+        <p:style>
+          <a:lnRef idx="2">
+            <a:schemeClr val="accent1"/>
+          </a:lnRef>
+          <a:fillRef idx="0">
+            <a:schemeClr val="accent1"/>
+          </a:fillRef>
+          <a:effectRef idx="1">
+            <a:schemeClr val="accent1"/>
+          </a:effectRef>
+          <a:fontRef idx="minor">
+            <a:schemeClr val="tx1"/>
+          </a:fontRef>
+        </p:style>
+      </p:cxnSp>
+    </p:spTree>
+    <p:extLst>
+      <p:ext uri="{BB962C8B-B14F-4D97-AF65-F5344CB8AC3E}">
+        <p14:creationId xmlns:p14="http://schemas.microsoft.com/office/powerpoint/2010/main" val="4107770500"/>
+      </p:ext>
+    </p:extLst>
+  </p:cSld>
+  <p:clrMapOvr>
+    <a:masterClrMapping/>
+  </p:clrMapOvr>
+</p:sld>
+</file>
+
+<file path=ppt/slides/slide17.xml><?xml version="1.0" encoding="utf-8"?>
+<p:sld xmlns:a="http://schemas.openxmlformats.org/drawingml/2006/main" xmlns:r="http://schemas.openxmlformats.org/officeDocument/2006/relationships" xmlns:p="http://schemas.openxmlformats.org/presentationml/2006/main">
+  <p:cSld>
+    <p:spTree>
+      <p:nvGrpSpPr>
+        <p:cNvPr id="1" name="">
+          <a:extLst>
+            <a:ext uri="{FF2B5EF4-FFF2-40B4-BE49-F238E27FC236}">
+              <a16:creationId xmlns:a16="http://schemas.microsoft.com/office/drawing/2014/main" id="{FE6F096E-8707-D5B1-DEDE-D0D4D2174BC9}"/>
+            </a:ext>
+          </a:extLst>
+        </p:cNvPr>
+        <p:cNvGrpSpPr/>
+        <p:nvPr/>
+      </p:nvGrpSpPr>
+      <p:grpSpPr>
+        <a:xfrm>
+          <a:off x="0" y="0"/>
+          <a:ext cx="0" cy="0"/>
+          <a:chOff x="0" y="0"/>
+          <a:chExt cx="0" cy="0"/>
+        </a:xfrm>
+      </p:grpSpPr>
+      <p:sp>
+        <p:nvSpPr>
+          <p:cNvPr id="19" name="직사각형 18">
+            <a:extLst>
+              <a:ext uri="{FF2B5EF4-FFF2-40B4-BE49-F238E27FC236}">
+                <a16:creationId xmlns:a16="http://schemas.microsoft.com/office/drawing/2014/main" id="{509029BE-6962-6D46-966D-8CAE6A30C0B6}"/>
+              </a:ext>
+            </a:extLst>
+          </p:cNvPr>
+          <p:cNvSpPr/>
+          <p:nvPr/>
+        </p:nvSpPr>
+        <p:spPr>
+          <a:xfrm>
+            <a:off x="3314701" y="1752600"/>
+            <a:ext cx="4940300" cy="3316706"/>
+          </a:xfrm>
+          <a:prstGeom prst="rect">
+            <a:avLst/>
+          </a:prstGeom>
+          <a:solidFill>
+            <a:schemeClr val="bg1"/>
+          </a:solidFill>
+          <a:ln>
+            <a:noFill/>
+          </a:ln>
+        </p:spPr>
+        <p:style>
+          <a:lnRef idx="2">
+            <a:schemeClr val="accent1">
+              <a:shade val="15000"/>
+            </a:schemeClr>
+          </a:lnRef>
+          <a:fillRef idx="1">
+            <a:schemeClr val="accent1"/>
+          </a:fillRef>
+          <a:effectRef idx="0">
+            <a:schemeClr val="accent1"/>
+          </a:effectRef>
+          <a:fontRef idx="minor">
+            <a:schemeClr val="lt1"/>
+          </a:fontRef>
+        </p:style>
+        <p:txBody>
+          <a:bodyPr rtlCol="0" anchor="ctr"/>
+          <a:lstStyle/>
+          <a:p>
+            <a:pPr algn="ctr"/>
+            <a:endParaRPr lang="ko-KR" altLang="en-US"/>
+          </a:p>
+        </p:txBody>
+      </p:sp>
+      <p:sp>
+        <p:nvSpPr>
+          <p:cNvPr id="2" name="타원 1">
+            <a:extLst>
+              <a:ext uri="{FF2B5EF4-FFF2-40B4-BE49-F238E27FC236}">
+                <a16:creationId xmlns:a16="http://schemas.microsoft.com/office/drawing/2014/main" id="{BFEEF2EB-4547-F29B-A6E5-1A34A0475440}"/>
+              </a:ext>
+            </a:extLst>
+          </p:cNvPr>
+          <p:cNvSpPr/>
+          <p:nvPr/>
+        </p:nvSpPr>
+        <p:spPr>
+          <a:xfrm>
+            <a:off x="3494673" y="2219145"/>
+            <a:ext cx="1315453" cy="2582779"/>
+          </a:xfrm>
+          <a:prstGeom prst="ellipse">
+            <a:avLst/>
+          </a:prstGeom>
+          <a:solidFill>
+            <a:schemeClr val="accent2">
+              <a:lumMod val="60000"/>
+              <a:lumOff val="40000"/>
+            </a:schemeClr>
+          </a:solidFill>
+        </p:spPr>
+        <p:style>
+          <a:lnRef idx="2">
+            <a:schemeClr val="accent1">
+              <a:shade val="15000"/>
+            </a:schemeClr>
+          </a:lnRef>
+          <a:fillRef idx="1">
+            <a:schemeClr val="accent1"/>
+          </a:fillRef>
+          <a:effectRef idx="0">
+            <a:schemeClr val="accent1"/>
+          </a:effectRef>
+          <a:fontRef idx="minor">
+            <a:schemeClr val="lt1"/>
+          </a:fontRef>
+        </p:style>
+        <p:txBody>
+          <a:bodyPr rtlCol="0" anchor="ctr"/>
+          <a:lstStyle/>
+          <a:p>
+            <a:pPr algn="ctr"/>
+            <a:r>
+              <a:rPr lang="en-US" altLang="ko-KR" b="1" dirty="0">
+                <a:solidFill>
+                  <a:schemeClr val="tx2"/>
+                </a:solidFill>
+              </a:rPr>
+              <a:t>1</a:t>
+            </a:r>
+            <a:br>
+              <a:rPr lang="en-US" altLang="ko-KR" b="1" dirty="0">
+                <a:solidFill>
+                  <a:schemeClr val="tx2"/>
+                </a:solidFill>
+              </a:rPr>
+            </a:br>
+            <a:br>
+              <a:rPr lang="en-US" altLang="ko-KR" b="1" dirty="0">
+                <a:solidFill>
+                  <a:schemeClr val="tx2"/>
+                </a:solidFill>
+              </a:rPr>
+            </a:br>
+            <a:r>
+              <a:rPr lang="en-US" altLang="ko-KR" b="1" dirty="0">
+                <a:solidFill>
+                  <a:schemeClr val="tx2"/>
+                </a:solidFill>
+              </a:rPr>
+              <a:t>2</a:t>
+            </a:r>
+            <a:br>
+              <a:rPr lang="en-US" altLang="ko-KR" b="1" dirty="0">
+                <a:solidFill>
+                  <a:schemeClr val="tx2"/>
+                </a:solidFill>
+              </a:rPr>
+            </a:br>
+            <a:br>
+              <a:rPr lang="en-US" altLang="ko-KR" b="1" dirty="0">
+                <a:solidFill>
+                  <a:schemeClr val="tx2"/>
+                </a:solidFill>
+              </a:rPr>
+            </a:br>
+            <a:r>
+              <a:rPr lang="en-US" altLang="ko-KR" b="1" dirty="0">
+                <a:solidFill>
+                  <a:schemeClr val="tx2"/>
+                </a:solidFill>
+              </a:rPr>
+              <a:t>3</a:t>
+            </a:r>
+            <a:br>
+              <a:rPr lang="en-US" altLang="ko-KR" b="1" dirty="0">
+                <a:solidFill>
+                  <a:schemeClr val="tx2"/>
+                </a:solidFill>
+              </a:rPr>
+            </a:br>
+            <a:br>
+              <a:rPr lang="en-US" altLang="ko-KR" b="1" dirty="0">
+                <a:solidFill>
+                  <a:schemeClr val="tx2"/>
+                </a:solidFill>
+              </a:rPr>
+            </a:br>
+            <a:r>
+              <a:rPr lang="en-US" altLang="ko-KR" b="1" dirty="0">
+                <a:solidFill>
+                  <a:schemeClr val="tx2"/>
+                </a:solidFill>
+              </a:rPr>
+              <a:t>4</a:t>
+            </a:r>
+            <a:endParaRPr lang="ko-KR" altLang="en-US" b="1" dirty="0">
+              <a:solidFill>
+                <a:schemeClr val="tx2"/>
+              </a:solidFill>
+            </a:endParaRPr>
+          </a:p>
+        </p:txBody>
+      </p:sp>
+      <p:sp>
+        <p:nvSpPr>
+          <p:cNvPr id="7" name="타원 6">
+            <a:extLst>
+              <a:ext uri="{FF2B5EF4-FFF2-40B4-BE49-F238E27FC236}">
+                <a16:creationId xmlns:a16="http://schemas.microsoft.com/office/drawing/2014/main" id="{B1188737-B6BB-97ED-8125-A8271F623464}"/>
+              </a:ext>
+            </a:extLst>
+          </p:cNvPr>
+          <p:cNvSpPr/>
+          <p:nvPr/>
+        </p:nvSpPr>
+        <p:spPr>
+          <a:xfrm>
+            <a:off x="6783307" y="2219145"/>
+            <a:ext cx="1315453" cy="2582779"/>
+          </a:xfrm>
+          <a:prstGeom prst="ellipse">
+            <a:avLst/>
+          </a:prstGeom>
+          <a:solidFill>
+            <a:schemeClr val="accent6">
+              <a:lumMod val="60000"/>
+              <a:lumOff val="40000"/>
+            </a:schemeClr>
+          </a:solidFill>
+        </p:spPr>
+        <p:style>
+          <a:lnRef idx="2">
+            <a:schemeClr val="accent1">
+              <a:shade val="15000"/>
+            </a:schemeClr>
+          </a:lnRef>
+          <a:fillRef idx="1">
+            <a:schemeClr val="accent1"/>
+          </a:fillRef>
+          <a:effectRef idx="0">
+            <a:schemeClr val="accent1"/>
+          </a:effectRef>
+          <a:fontRef idx="minor">
+            <a:schemeClr val="lt1"/>
+          </a:fontRef>
+        </p:style>
+        <p:txBody>
+          <a:bodyPr rtlCol="0" anchor="ctr"/>
+          <a:lstStyle/>
+          <a:p>
+            <a:pPr algn="ctr"/>
+            <a:r>
+              <a:rPr lang="en-US" altLang="ko-KR" b="1" dirty="0">
+                <a:solidFill>
+                  <a:schemeClr val="tx2"/>
+                </a:solidFill>
+              </a:rPr>
+              <a:t>A</a:t>
+            </a:r>
+            <a:br>
+              <a:rPr lang="en-US" altLang="ko-KR" b="1" dirty="0">
+                <a:solidFill>
+                  <a:schemeClr val="tx2"/>
+                </a:solidFill>
+              </a:rPr>
+            </a:br>
+            <a:br>
+              <a:rPr lang="en-US" altLang="ko-KR" b="1" dirty="0">
+                <a:solidFill>
+                  <a:schemeClr val="tx2"/>
+                </a:solidFill>
+              </a:rPr>
+            </a:br>
+            <a:r>
+              <a:rPr lang="en-US" altLang="ko-KR" b="1" dirty="0">
+                <a:solidFill>
+                  <a:schemeClr val="tx2"/>
+                </a:solidFill>
+              </a:rPr>
+              <a:t>B</a:t>
+            </a:r>
+            <a:br>
+              <a:rPr lang="en-US" altLang="ko-KR" b="1" dirty="0">
+                <a:solidFill>
+                  <a:schemeClr val="tx2"/>
+                </a:solidFill>
+              </a:rPr>
+            </a:br>
+            <a:br>
+              <a:rPr lang="en-US" altLang="ko-KR" b="1" dirty="0">
+                <a:solidFill>
+                  <a:schemeClr val="tx2"/>
+                </a:solidFill>
+              </a:rPr>
+            </a:br>
+            <a:r>
+              <a:rPr lang="en-US" altLang="ko-KR" b="1" dirty="0">
+                <a:solidFill>
+                  <a:schemeClr val="tx2"/>
+                </a:solidFill>
+              </a:rPr>
+              <a:t>C</a:t>
+            </a:r>
+            <a:br>
+              <a:rPr lang="en-US" altLang="ko-KR" b="1" dirty="0">
+                <a:solidFill>
+                  <a:schemeClr val="tx2"/>
+                </a:solidFill>
+              </a:rPr>
+            </a:br>
+            <a:br>
+              <a:rPr lang="en-US" altLang="ko-KR" b="1" dirty="0">
+                <a:solidFill>
+                  <a:schemeClr val="tx2"/>
+                </a:solidFill>
+              </a:rPr>
+            </a:br>
+            <a:r>
+              <a:rPr lang="en-US" altLang="ko-KR" b="1" dirty="0">
+                <a:solidFill>
+                  <a:schemeClr val="tx2"/>
+                </a:solidFill>
+              </a:rPr>
+              <a:t>D</a:t>
+            </a:r>
+            <a:endParaRPr lang="ko-KR" altLang="en-US" b="1" dirty="0">
+              <a:solidFill>
+                <a:schemeClr val="tx2"/>
+              </a:solidFill>
+            </a:endParaRPr>
+          </a:p>
+        </p:txBody>
+      </p:sp>
+      <p:sp>
+        <p:nvSpPr>
+          <p:cNvPr id="8" name="TextBox 7">
+            <a:extLst>
+              <a:ext uri="{FF2B5EF4-FFF2-40B4-BE49-F238E27FC236}">
+                <a16:creationId xmlns:a16="http://schemas.microsoft.com/office/drawing/2014/main" id="{567A826F-0207-02A5-7AA7-00E1CFB2DB40}"/>
+              </a:ext>
+            </a:extLst>
+          </p:cNvPr>
+          <p:cNvSpPr txBox="1"/>
+          <p:nvPr/>
+        </p:nvSpPr>
+        <p:spPr>
+          <a:xfrm>
+            <a:off x="3984725" y="1849813"/>
+            <a:ext cx="335348" cy="369332"/>
+          </a:xfrm>
+          <a:prstGeom prst="rect">
+            <a:avLst/>
+          </a:prstGeom>
+          <a:noFill/>
+        </p:spPr>
+        <p:txBody>
+          <a:bodyPr wrap="none" rtlCol="0">
+            <a:spAutoFit/>
+          </a:bodyPr>
+          <a:lstStyle/>
+          <a:p>
+            <a:r>
+              <a:rPr lang="en-US" altLang="ko-KR" b="1" dirty="0"/>
+              <a:t>X</a:t>
+            </a:r>
+            <a:endParaRPr lang="ko-KR" altLang="en-US" b="1" dirty="0"/>
+          </a:p>
+        </p:txBody>
+      </p:sp>
+      <p:sp>
+        <p:nvSpPr>
+          <p:cNvPr id="11" name="TextBox 10">
+            <a:extLst>
+              <a:ext uri="{FF2B5EF4-FFF2-40B4-BE49-F238E27FC236}">
+                <a16:creationId xmlns:a16="http://schemas.microsoft.com/office/drawing/2014/main" id="{E3CD7172-369F-0D0D-E075-0927B0DBD6E2}"/>
+              </a:ext>
+            </a:extLst>
+          </p:cNvPr>
+          <p:cNvSpPr txBox="1"/>
+          <p:nvPr/>
+        </p:nvSpPr>
+        <p:spPr>
+          <a:xfrm>
+            <a:off x="7273359" y="1849813"/>
+            <a:ext cx="335348" cy="369332"/>
+          </a:xfrm>
+          <a:prstGeom prst="rect">
+            <a:avLst/>
+          </a:prstGeom>
+          <a:noFill/>
+        </p:spPr>
+        <p:txBody>
+          <a:bodyPr wrap="none" rtlCol="0">
+            <a:spAutoFit/>
+          </a:bodyPr>
+          <a:lstStyle/>
+          <a:p>
+            <a:r>
+              <a:rPr lang="en-US" altLang="ko-KR" b="1" dirty="0"/>
+              <a:t>Y</a:t>
+            </a:r>
+            <a:endParaRPr lang="ko-KR" altLang="en-US" b="1" dirty="0"/>
+          </a:p>
+        </p:txBody>
+      </p:sp>
+      <p:cxnSp>
+        <p:nvCxnSpPr>
+          <p:cNvPr id="14" name="직선 화살표 연결선 13">
+            <a:extLst>
+              <a:ext uri="{FF2B5EF4-FFF2-40B4-BE49-F238E27FC236}">
+                <a16:creationId xmlns:a16="http://schemas.microsoft.com/office/drawing/2014/main" id="{D3841447-1F13-605D-B00F-1FA1F07515BB}"/>
+              </a:ext>
+            </a:extLst>
+          </p:cNvPr>
+          <p:cNvCxnSpPr>
+            <a:cxnSpLocks/>
+          </p:cNvCxnSpPr>
+          <p:nvPr/>
+        </p:nvCxnSpPr>
+        <p:spPr>
+          <a:xfrm>
+            <a:off x="4537411" y="2692400"/>
+            <a:ext cx="2587289" cy="508000"/>
+          </a:xfrm>
+          <a:prstGeom prst="straightConnector1">
+            <a:avLst/>
+          </a:prstGeom>
+          <a:ln w="38100">
+            <a:solidFill>
+              <a:schemeClr val="tx1"/>
+            </a:solidFill>
+            <a:tailEnd type="triangle"/>
+          </a:ln>
+        </p:spPr>
+        <p:style>
+          <a:lnRef idx="2">
+            <a:schemeClr val="accent1"/>
+          </a:lnRef>
+          <a:fillRef idx="0">
+            <a:schemeClr val="accent1"/>
+          </a:fillRef>
+          <a:effectRef idx="1">
+            <a:schemeClr val="accent1"/>
+          </a:effectRef>
+          <a:fontRef idx="minor">
+            <a:schemeClr val="tx1"/>
+          </a:fontRef>
+        </p:style>
+      </p:cxnSp>
+      <p:cxnSp>
+        <p:nvCxnSpPr>
+          <p:cNvPr id="3" name="직선 화살표 연결선 2">
+            <a:extLst>
+              <a:ext uri="{FF2B5EF4-FFF2-40B4-BE49-F238E27FC236}">
+                <a16:creationId xmlns:a16="http://schemas.microsoft.com/office/drawing/2014/main" id="{D6B6A027-8111-0B09-DAB4-6F466E71D6C2}"/>
+              </a:ext>
+            </a:extLst>
+          </p:cNvPr>
+          <p:cNvCxnSpPr>
+            <a:cxnSpLocks/>
+          </p:cNvCxnSpPr>
+          <p:nvPr/>
+        </p:nvCxnSpPr>
+        <p:spPr>
+          <a:xfrm>
+            <a:off x="4537411" y="3296334"/>
+            <a:ext cx="2587289" cy="475566"/>
+          </a:xfrm>
+          <a:prstGeom prst="straightConnector1">
+            <a:avLst/>
+          </a:prstGeom>
+          <a:ln w="38100">
+            <a:solidFill>
+              <a:schemeClr val="tx1"/>
+            </a:solidFill>
+            <a:tailEnd type="triangle"/>
+          </a:ln>
+        </p:spPr>
+        <p:style>
+          <a:lnRef idx="2">
+            <a:schemeClr val="accent1"/>
+          </a:lnRef>
+          <a:fillRef idx="0">
+            <a:schemeClr val="accent1"/>
+          </a:fillRef>
+          <a:effectRef idx="1">
+            <a:schemeClr val="accent1"/>
+          </a:effectRef>
+          <a:fontRef idx="minor">
+            <a:schemeClr val="tx1"/>
+          </a:fontRef>
+        </p:style>
+      </p:cxnSp>
+      <p:cxnSp>
+        <p:nvCxnSpPr>
+          <p:cNvPr id="6" name="직선 화살표 연결선 5">
+            <a:extLst>
+              <a:ext uri="{FF2B5EF4-FFF2-40B4-BE49-F238E27FC236}">
+                <a16:creationId xmlns:a16="http://schemas.microsoft.com/office/drawing/2014/main" id="{95B410F8-6AF0-96A3-E0B9-1E57344CE3FB}"/>
+              </a:ext>
+            </a:extLst>
+          </p:cNvPr>
+          <p:cNvCxnSpPr>
+            <a:cxnSpLocks/>
+          </p:cNvCxnSpPr>
+          <p:nvPr/>
+        </p:nvCxnSpPr>
+        <p:spPr>
+          <a:xfrm flipV="1">
+            <a:off x="4537411" y="2692400"/>
+            <a:ext cx="2587289" cy="1079500"/>
+          </a:xfrm>
+          <a:prstGeom prst="straightConnector1">
+            <a:avLst/>
+          </a:prstGeom>
+          <a:ln w="38100">
+            <a:solidFill>
+              <a:schemeClr val="tx1"/>
+            </a:solidFill>
+            <a:tailEnd type="triangle"/>
+          </a:ln>
+        </p:spPr>
+        <p:style>
+          <a:lnRef idx="2">
+            <a:schemeClr val="accent1"/>
+          </a:lnRef>
+          <a:fillRef idx="0">
+            <a:schemeClr val="accent1"/>
+          </a:fillRef>
+          <a:effectRef idx="1">
+            <a:schemeClr val="accent1"/>
+          </a:effectRef>
+          <a:fontRef idx="minor">
+            <a:schemeClr val="tx1"/>
+          </a:fontRef>
+        </p:style>
+      </p:cxnSp>
+      <p:cxnSp>
+        <p:nvCxnSpPr>
+          <p:cNvPr id="15" name="직선 화살표 연결선 14">
+            <a:extLst>
+              <a:ext uri="{FF2B5EF4-FFF2-40B4-BE49-F238E27FC236}">
+                <a16:creationId xmlns:a16="http://schemas.microsoft.com/office/drawing/2014/main" id="{29241E0C-99E7-11B5-0247-300AD43596B5}"/>
+              </a:ext>
+            </a:extLst>
+          </p:cNvPr>
+          <p:cNvCxnSpPr>
+            <a:cxnSpLocks/>
+          </p:cNvCxnSpPr>
+          <p:nvPr/>
+        </p:nvCxnSpPr>
+        <p:spPr>
+          <a:xfrm>
+            <a:off x="4537410" y="4310141"/>
+            <a:ext cx="2587290" cy="0"/>
+          </a:xfrm>
+          <a:prstGeom prst="straightConnector1">
+            <a:avLst/>
+          </a:prstGeom>
+          <a:ln w="38100">
+            <a:solidFill>
+              <a:schemeClr val="tx1"/>
+            </a:solidFill>
+            <a:tailEnd type="triangle"/>
+          </a:ln>
+        </p:spPr>
+        <p:style>
+          <a:lnRef idx="2">
+            <a:schemeClr val="accent1"/>
+          </a:lnRef>
+          <a:fillRef idx="0">
+            <a:schemeClr val="accent1"/>
+          </a:fillRef>
+          <a:effectRef idx="1">
+            <a:schemeClr val="accent1"/>
+          </a:effectRef>
+          <a:fontRef idx="minor">
+            <a:schemeClr val="tx1"/>
+          </a:fontRef>
+        </p:style>
+      </p:cxnSp>
+    </p:spTree>
+    <p:extLst>
+      <p:ext uri="{BB962C8B-B14F-4D97-AF65-F5344CB8AC3E}">
+        <p14:creationId xmlns:p14="http://schemas.microsoft.com/office/powerpoint/2010/main" val="3387225697"/>
       </p:ext>
     </p:extLst>
   </p:cSld>
@@ -17008,6 +22458,395 @@
 </p:sld>
 </file>
 
+<file path=ppt/slides/slide9.xml><?xml version="1.0" encoding="utf-8"?>
+<p:sld xmlns:a="http://schemas.openxmlformats.org/drawingml/2006/main" xmlns:r="http://schemas.openxmlformats.org/officeDocument/2006/relationships" xmlns:p="http://schemas.openxmlformats.org/presentationml/2006/main">
+  <p:cSld>
+    <p:spTree>
+      <p:nvGrpSpPr>
+        <p:cNvPr id="1" name="">
+          <a:extLst>
+            <a:ext uri="{FF2B5EF4-FFF2-40B4-BE49-F238E27FC236}">
+              <a16:creationId xmlns:a16="http://schemas.microsoft.com/office/drawing/2014/main" id="{C33A2AF5-409A-7C41-6672-FC2D51ED47B2}"/>
+            </a:ext>
+          </a:extLst>
+        </p:cNvPr>
+        <p:cNvGrpSpPr/>
+        <p:nvPr/>
+      </p:nvGrpSpPr>
+      <p:grpSpPr>
+        <a:xfrm>
+          <a:off x="0" y="0"/>
+          <a:ext cx="0" cy="0"/>
+          <a:chOff x="0" y="0"/>
+          <a:chExt cx="0" cy="0"/>
+        </a:xfrm>
+      </p:grpSpPr>
+      <p:sp>
+        <p:nvSpPr>
+          <p:cNvPr id="19" name="직사각형 18">
+            <a:extLst>
+              <a:ext uri="{FF2B5EF4-FFF2-40B4-BE49-F238E27FC236}">
+                <a16:creationId xmlns:a16="http://schemas.microsoft.com/office/drawing/2014/main" id="{2B913F69-F38B-B73B-06BA-E44058271C41}"/>
+              </a:ext>
+            </a:extLst>
+          </p:cNvPr>
+          <p:cNvSpPr/>
+          <p:nvPr/>
+        </p:nvSpPr>
+        <p:spPr>
+          <a:xfrm>
+            <a:off x="3010905" y="1582430"/>
+            <a:ext cx="5571622" cy="3486876"/>
+          </a:xfrm>
+          <a:prstGeom prst="rect">
+            <a:avLst/>
+          </a:prstGeom>
+          <a:solidFill>
+            <a:schemeClr val="bg1"/>
+          </a:solidFill>
+          <a:ln>
+            <a:noFill/>
+          </a:ln>
+        </p:spPr>
+        <p:style>
+          <a:lnRef idx="2">
+            <a:schemeClr val="accent1">
+              <a:shade val="15000"/>
+            </a:schemeClr>
+          </a:lnRef>
+          <a:fillRef idx="1">
+            <a:schemeClr val="accent1"/>
+          </a:fillRef>
+          <a:effectRef idx="0">
+            <a:schemeClr val="accent1"/>
+          </a:effectRef>
+          <a:fontRef idx="minor">
+            <a:schemeClr val="lt1"/>
+          </a:fontRef>
+        </p:style>
+        <p:txBody>
+          <a:bodyPr rtlCol="0" anchor="ctr"/>
+          <a:lstStyle/>
+          <a:p>
+            <a:pPr algn="ctr"/>
+            <a:endParaRPr lang="ko-KR" altLang="en-US"/>
+          </a:p>
+        </p:txBody>
+      </p:sp>
+      <p:grpSp>
+        <p:nvGrpSpPr>
+          <p:cNvPr id="20" name="그룹 19">
+            <a:extLst>
+              <a:ext uri="{FF2B5EF4-FFF2-40B4-BE49-F238E27FC236}">
+                <a16:creationId xmlns:a16="http://schemas.microsoft.com/office/drawing/2014/main" id="{906DD01B-9E33-5436-EA20-22C8BA8CE7F0}"/>
+              </a:ext>
+            </a:extLst>
+          </p:cNvPr>
+          <p:cNvGrpSpPr/>
+          <p:nvPr/>
+        </p:nvGrpSpPr>
+        <p:grpSpPr>
+          <a:xfrm>
+            <a:off x="3494673" y="1849813"/>
+            <a:ext cx="4604087" cy="2952111"/>
+            <a:chOff x="3465094" y="1768278"/>
+            <a:chExt cx="4604087" cy="2952111"/>
+          </a:xfrm>
+        </p:grpSpPr>
+        <p:sp>
+          <p:nvSpPr>
+            <p:cNvPr id="2" name="타원 1">
+              <a:extLst>
+                <a:ext uri="{FF2B5EF4-FFF2-40B4-BE49-F238E27FC236}">
+                  <a16:creationId xmlns:a16="http://schemas.microsoft.com/office/drawing/2014/main" id="{5A1B9493-1485-8105-4851-F3E72F67C5F6}"/>
+                </a:ext>
+              </a:extLst>
+            </p:cNvPr>
+            <p:cNvSpPr/>
+            <p:nvPr/>
+          </p:nvSpPr>
+          <p:spPr>
+            <a:xfrm>
+              <a:off x="3465094" y="2137610"/>
+              <a:ext cx="1315453" cy="2582779"/>
+            </a:xfrm>
+            <a:prstGeom prst="ellipse">
+              <a:avLst/>
+            </a:prstGeom>
+            <a:solidFill>
+              <a:schemeClr val="accent2">
+                <a:lumMod val="60000"/>
+                <a:lumOff val="40000"/>
+              </a:schemeClr>
+            </a:solidFill>
+          </p:spPr>
+          <p:style>
+            <a:lnRef idx="2">
+              <a:schemeClr val="accent1">
+                <a:shade val="15000"/>
+              </a:schemeClr>
+            </a:lnRef>
+            <a:fillRef idx="1">
+              <a:schemeClr val="accent1"/>
+            </a:fillRef>
+            <a:effectRef idx="0">
+              <a:schemeClr val="accent1"/>
+            </a:effectRef>
+            <a:fontRef idx="minor">
+              <a:schemeClr val="lt1"/>
+            </a:fontRef>
+          </p:style>
+          <p:txBody>
+            <a:bodyPr rtlCol="0" anchor="ctr"/>
+            <a:lstStyle/>
+            <a:p>
+              <a:pPr algn="ctr"/>
+              <a:r>
+                <a:rPr lang="en-US" altLang="ko-KR" b="1" dirty="0">
+                  <a:solidFill>
+                    <a:schemeClr val="tx2"/>
+                  </a:solidFill>
+                </a:rPr>
+                <a:t>x</a:t>
+              </a:r>
+              <a:endParaRPr lang="ko-KR" altLang="en-US" b="1" dirty="0">
+                <a:solidFill>
+                  <a:schemeClr val="tx2"/>
+                </a:solidFill>
+              </a:endParaRPr>
+            </a:p>
+          </p:txBody>
+        </p:sp>
+        <p:sp>
+          <p:nvSpPr>
+            <p:cNvPr id="7" name="타원 6">
+              <a:extLst>
+                <a:ext uri="{FF2B5EF4-FFF2-40B4-BE49-F238E27FC236}">
+                  <a16:creationId xmlns:a16="http://schemas.microsoft.com/office/drawing/2014/main" id="{7BED4229-48B7-6F83-E708-72D24971F541}"/>
+                </a:ext>
+              </a:extLst>
+            </p:cNvPr>
+            <p:cNvSpPr/>
+            <p:nvPr/>
+          </p:nvSpPr>
+          <p:spPr>
+            <a:xfrm>
+              <a:off x="6753728" y="2137610"/>
+              <a:ext cx="1315453" cy="2582779"/>
+            </a:xfrm>
+            <a:prstGeom prst="ellipse">
+              <a:avLst/>
+            </a:prstGeom>
+            <a:solidFill>
+              <a:schemeClr val="accent6">
+                <a:lumMod val="60000"/>
+                <a:lumOff val="40000"/>
+              </a:schemeClr>
+            </a:solidFill>
+          </p:spPr>
+          <p:style>
+            <a:lnRef idx="2">
+              <a:schemeClr val="accent1">
+                <a:shade val="15000"/>
+              </a:schemeClr>
+            </a:lnRef>
+            <a:fillRef idx="1">
+              <a:schemeClr val="accent1"/>
+            </a:fillRef>
+            <a:effectRef idx="0">
+              <a:schemeClr val="accent1"/>
+            </a:effectRef>
+            <a:fontRef idx="minor">
+              <a:schemeClr val="lt1"/>
+            </a:fontRef>
+          </p:style>
+          <p:txBody>
+            <a:bodyPr rtlCol="0" anchor="ctr"/>
+            <a:lstStyle/>
+            <a:p>
+              <a:pPr algn="ctr"/>
+              <a:r>
+                <a:rPr lang="en-US" altLang="ko-KR" b="1" dirty="0">
+                  <a:solidFill>
+                    <a:schemeClr val="tx2"/>
+                  </a:solidFill>
+                </a:rPr>
+                <a:t>y</a:t>
+              </a:r>
+              <a:endParaRPr lang="ko-KR" altLang="en-US" b="1" dirty="0">
+                <a:solidFill>
+                  <a:schemeClr val="tx2"/>
+                </a:solidFill>
+              </a:endParaRPr>
+            </a:p>
+          </p:txBody>
+        </p:sp>
+        <p:sp>
+          <p:nvSpPr>
+            <p:cNvPr id="8" name="TextBox 7">
+              <a:extLst>
+                <a:ext uri="{FF2B5EF4-FFF2-40B4-BE49-F238E27FC236}">
+                  <a16:creationId xmlns:a16="http://schemas.microsoft.com/office/drawing/2014/main" id="{1B50F065-7960-4770-07B3-C08CA6CE8443}"/>
+                </a:ext>
+              </a:extLst>
+            </p:cNvPr>
+            <p:cNvSpPr txBox="1"/>
+            <p:nvPr/>
+          </p:nvSpPr>
+          <p:spPr>
+            <a:xfrm>
+              <a:off x="3955146" y="1768278"/>
+              <a:ext cx="335348" cy="369332"/>
+            </a:xfrm>
+            <a:prstGeom prst="rect">
+              <a:avLst/>
+            </a:prstGeom>
+            <a:noFill/>
+          </p:spPr>
+          <p:txBody>
+            <a:bodyPr wrap="none" rtlCol="0">
+              <a:spAutoFit/>
+            </a:bodyPr>
+            <a:lstStyle/>
+            <a:p>
+              <a:r>
+                <a:rPr lang="en-US" altLang="ko-KR" b="1" dirty="0"/>
+                <a:t>X</a:t>
+              </a:r>
+              <a:endParaRPr lang="ko-KR" altLang="en-US" b="1" dirty="0"/>
+            </a:p>
+          </p:txBody>
+        </p:sp>
+        <p:sp>
+          <p:nvSpPr>
+            <p:cNvPr id="11" name="TextBox 10">
+              <a:extLst>
+                <a:ext uri="{FF2B5EF4-FFF2-40B4-BE49-F238E27FC236}">
+                  <a16:creationId xmlns:a16="http://schemas.microsoft.com/office/drawing/2014/main" id="{3457BA9E-7A68-68D1-29D1-67E0987D962F}"/>
+                </a:ext>
+              </a:extLst>
+            </p:cNvPr>
+            <p:cNvSpPr txBox="1"/>
+            <p:nvPr/>
+          </p:nvSpPr>
+          <p:spPr>
+            <a:xfrm>
+              <a:off x="7243780" y="1768278"/>
+              <a:ext cx="335348" cy="369332"/>
+            </a:xfrm>
+            <a:prstGeom prst="rect">
+              <a:avLst/>
+            </a:prstGeom>
+            <a:noFill/>
+          </p:spPr>
+          <p:txBody>
+            <a:bodyPr wrap="none" rtlCol="0">
+              <a:spAutoFit/>
+            </a:bodyPr>
+            <a:lstStyle/>
+            <a:p>
+              <a:r>
+                <a:rPr lang="en-US" altLang="ko-KR" b="1" dirty="0"/>
+                <a:t>Y</a:t>
+              </a:r>
+              <a:endParaRPr lang="ko-KR" altLang="en-US" b="1" dirty="0"/>
+            </a:p>
+          </p:txBody>
+        </p:sp>
+        <p:cxnSp>
+          <p:nvCxnSpPr>
+            <p:cNvPr id="14" name="직선 화살표 연결선 13">
+              <a:extLst>
+                <a:ext uri="{FF2B5EF4-FFF2-40B4-BE49-F238E27FC236}">
+                  <a16:creationId xmlns:a16="http://schemas.microsoft.com/office/drawing/2014/main" id="{015E2648-86F5-C6AA-80DD-5ECD646AC818}"/>
+                </a:ext>
+              </a:extLst>
+            </p:cNvPr>
+            <p:cNvCxnSpPr>
+              <a:cxnSpLocks/>
+            </p:cNvCxnSpPr>
+            <p:nvPr/>
+          </p:nvCxnSpPr>
+          <p:spPr>
+            <a:xfrm>
+              <a:off x="4507832" y="3429000"/>
+              <a:ext cx="2518610" cy="0"/>
+            </a:xfrm>
+            <a:prstGeom prst="straightConnector1">
+              <a:avLst/>
+            </a:prstGeom>
+            <a:ln w="38100">
+              <a:solidFill>
+                <a:schemeClr val="tx1"/>
+              </a:solidFill>
+              <a:tailEnd type="triangle"/>
+            </a:ln>
+          </p:spPr>
+          <p:style>
+            <a:lnRef idx="2">
+              <a:schemeClr val="accent1"/>
+            </a:lnRef>
+            <a:fillRef idx="0">
+              <a:schemeClr val="accent1"/>
+            </a:fillRef>
+            <a:effectRef idx="1">
+              <a:schemeClr val="accent1"/>
+            </a:effectRef>
+            <a:fontRef idx="minor">
+              <a:schemeClr val="tx1"/>
+            </a:fontRef>
+          </p:style>
+        </p:cxnSp>
+        <p:sp>
+          <p:nvSpPr>
+            <p:cNvPr id="18" name="TextBox 17">
+              <a:extLst>
+                <a:ext uri="{FF2B5EF4-FFF2-40B4-BE49-F238E27FC236}">
+                  <a16:creationId xmlns:a16="http://schemas.microsoft.com/office/drawing/2014/main" id="{7B0AEEFB-102A-425D-88F5-E152D955F584}"/>
+                </a:ext>
+              </a:extLst>
+            </p:cNvPr>
+            <p:cNvSpPr txBox="1"/>
+            <p:nvPr/>
+          </p:nvSpPr>
+          <p:spPr>
+            <a:xfrm>
+              <a:off x="5306951" y="3544579"/>
+              <a:ext cx="1016625" cy="369332"/>
+            </a:xfrm>
+            <a:prstGeom prst="rect">
+              <a:avLst/>
+            </a:prstGeom>
+            <a:noFill/>
+          </p:spPr>
+          <p:txBody>
+            <a:bodyPr wrap="none" rtlCol="0">
+              <a:spAutoFit/>
+            </a:bodyPr>
+            <a:lstStyle/>
+            <a:p>
+              <a:r>
+                <a:rPr lang="en-US" altLang="ko-KR" b="1" dirty="0"/>
+                <a:t>y = f(x)</a:t>
+              </a:r>
+              <a:endParaRPr lang="ko-KR" altLang="en-US" b="1" dirty="0"/>
+            </a:p>
+          </p:txBody>
+        </p:sp>
+      </p:grpSp>
+    </p:spTree>
+    <p:extLst>
+      <p:ext uri="{BB962C8B-B14F-4D97-AF65-F5344CB8AC3E}">
+        <p14:creationId xmlns:p14="http://schemas.microsoft.com/office/powerpoint/2010/main" val="1500120808"/>
+      </p:ext>
+    </p:extLst>
+  </p:cSld>
+  <p:clrMapOvr>
+    <a:masterClrMapping/>
+  </p:clrMapOvr>
+</p:sld>
+</file>
+
 <file path=ppt/theme/theme1.xml><?xml version="1.0" encoding="utf-8"?>
 <a:theme xmlns:a="http://schemas.openxmlformats.org/drawingml/2006/main" name="Office 테마">
   <a:themeElements>

--- a/img/그림.pptx
+++ b/img/그림.pptx
@@ -22,6 +22,11 @@
     <p:sldId id="271" r:id="rId16"/>
     <p:sldId id="272" r:id="rId17"/>
     <p:sldId id="273" r:id="rId18"/>
+    <p:sldId id="274" r:id="rId19"/>
+    <p:sldId id="275" r:id="rId20"/>
+    <p:sldId id="276" r:id="rId21"/>
+    <p:sldId id="277" r:id="rId22"/>
+    <p:sldId id="278" r:id="rId23"/>
   </p:sldIdLst>
   <p:sldSz cx="12192000" cy="6858000"/>
   <p:notesSz cx="6858000" cy="9144000"/>
@@ -275,7 +280,7 @@
           <a:p>
             <a:fld id="{8B2C37CC-0247-44E8-BA9D-22109B3A8D72}" type="datetimeFigureOut">
               <a:rPr lang="ko-KR" altLang="en-US" smtClean="0"/>
-              <a:t>2024-02-11</a:t>
+              <a:t>2024-02-12</a:t>
             </a:fld>
             <a:endParaRPr lang="ko-KR" altLang="en-US"/>
           </a:p>
@@ -473,7 +478,7 @@
           <a:p>
             <a:fld id="{8B2C37CC-0247-44E8-BA9D-22109B3A8D72}" type="datetimeFigureOut">
               <a:rPr lang="ko-KR" altLang="en-US" smtClean="0"/>
-              <a:t>2024-02-11</a:t>
+              <a:t>2024-02-12</a:t>
             </a:fld>
             <a:endParaRPr lang="ko-KR" altLang="en-US"/>
           </a:p>
@@ -681,7 +686,7 @@
           <a:p>
             <a:fld id="{8B2C37CC-0247-44E8-BA9D-22109B3A8D72}" type="datetimeFigureOut">
               <a:rPr lang="ko-KR" altLang="en-US" smtClean="0"/>
-              <a:t>2024-02-11</a:t>
+              <a:t>2024-02-12</a:t>
             </a:fld>
             <a:endParaRPr lang="ko-KR" altLang="en-US"/>
           </a:p>
@@ -879,7 +884,7 @@
           <a:p>
             <a:fld id="{8B2C37CC-0247-44E8-BA9D-22109B3A8D72}" type="datetimeFigureOut">
               <a:rPr lang="ko-KR" altLang="en-US" smtClean="0"/>
-              <a:t>2024-02-11</a:t>
+              <a:t>2024-02-12</a:t>
             </a:fld>
             <a:endParaRPr lang="ko-KR" altLang="en-US"/>
           </a:p>
@@ -1154,7 +1159,7 @@
           <a:p>
             <a:fld id="{8B2C37CC-0247-44E8-BA9D-22109B3A8D72}" type="datetimeFigureOut">
               <a:rPr lang="ko-KR" altLang="en-US" smtClean="0"/>
-              <a:t>2024-02-11</a:t>
+              <a:t>2024-02-12</a:t>
             </a:fld>
             <a:endParaRPr lang="ko-KR" altLang="en-US"/>
           </a:p>
@@ -1419,7 +1424,7 @@
           <a:p>
             <a:fld id="{8B2C37CC-0247-44E8-BA9D-22109B3A8D72}" type="datetimeFigureOut">
               <a:rPr lang="ko-KR" altLang="en-US" smtClean="0"/>
-              <a:t>2024-02-11</a:t>
+              <a:t>2024-02-12</a:t>
             </a:fld>
             <a:endParaRPr lang="ko-KR" altLang="en-US"/>
           </a:p>
@@ -1831,7 +1836,7 @@
           <a:p>
             <a:fld id="{8B2C37CC-0247-44E8-BA9D-22109B3A8D72}" type="datetimeFigureOut">
               <a:rPr lang="ko-KR" altLang="en-US" smtClean="0"/>
-              <a:t>2024-02-11</a:t>
+              <a:t>2024-02-12</a:t>
             </a:fld>
             <a:endParaRPr lang="ko-KR" altLang="en-US"/>
           </a:p>
@@ -1972,7 +1977,7 @@
           <a:p>
             <a:fld id="{8B2C37CC-0247-44E8-BA9D-22109B3A8D72}" type="datetimeFigureOut">
               <a:rPr lang="ko-KR" altLang="en-US" smtClean="0"/>
-              <a:t>2024-02-11</a:t>
+              <a:t>2024-02-12</a:t>
             </a:fld>
             <a:endParaRPr lang="ko-KR" altLang="en-US"/>
           </a:p>
@@ -2085,7 +2090,7 @@
           <a:p>
             <a:fld id="{8B2C37CC-0247-44E8-BA9D-22109B3A8D72}" type="datetimeFigureOut">
               <a:rPr lang="ko-KR" altLang="en-US" smtClean="0"/>
-              <a:t>2024-02-11</a:t>
+              <a:t>2024-02-12</a:t>
             </a:fld>
             <a:endParaRPr lang="ko-KR" altLang="en-US"/>
           </a:p>
@@ -2396,7 +2401,7 @@
           <a:p>
             <a:fld id="{8B2C37CC-0247-44E8-BA9D-22109B3A8D72}" type="datetimeFigureOut">
               <a:rPr lang="ko-KR" altLang="en-US" smtClean="0"/>
-              <a:t>2024-02-11</a:t>
+              <a:t>2024-02-12</a:t>
             </a:fld>
             <a:endParaRPr lang="ko-KR" altLang="en-US"/>
           </a:p>
@@ -2684,7 +2689,7 @@
           <a:p>
             <a:fld id="{8B2C37CC-0247-44E8-BA9D-22109B3A8D72}" type="datetimeFigureOut">
               <a:rPr lang="ko-KR" altLang="en-US" smtClean="0"/>
-              <a:t>2024-02-11</a:t>
+              <a:t>2024-02-12</a:t>
             </a:fld>
             <a:endParaRPr lang="ko-KR" altLang="en-US"/>
           </a:p>
@@ -2925,7 +2930,7 @@
           <a:p>
             <a:fld id="{8B2C37CC-0247-44E8-BA9D-22109B3A8D72}" type="datetimeFigureOut">
               <a:rPr lang="ko-KR" altLang="en-US" smtClean="0"/>
-              <a:t>2024-02-11</a:t>
+              <a:t>2024-02-12</a:t>
             </a:fld>
             <a:endParaRPr lang="ko-KR" altLang="en-US"/>
           </a:p>
@@ -10409,6 +10414,1648 @@
 </p:sld>
 </file>
 
+<file path=ppt/slides/slide18.xml><?xml version="1.0" encoding="utf-8"?>
+<p:sld xmlns:a="http://schemas.openxmlformats.org/drawingml/2006/main" xmlns:r="http://schemas.openxmlformats.org/officeDocument/2006/relationships" xmlns:p="http://schemas.openxmlformats.org/presentationml/2006/main">
+  <p:cSld>
+    <p:spTree>
+      <p:nvGrpSpPr>
+        <p:cNvPr id="1" name="">
+          <a:extLst>
+            <a:ext uri="{FF2B5EF4-FFF2-40B4-BE49-F238E27FC236}">
+              <a16:creationId xmlns:a16="http://schemas.microsoft.com/office/drawing/2014/main" id="{1AA2B363-E466-81B4-01FD-AFE7FD671815}"/>
+            </a:ext>
+          </a:extLst>
+        </p:cNvPr>
+        <p:cNvGrpSpPr/>
+        <p:nvPr/>
+      </p:nvGrpSpPr>
+      <p:grpSpPr>
+        <a:xfrm>
+          <a:off x="0" y="0"/>
+          <a:ext cx="0" cy="0"/>
+          <a:chOff x="0" y="0"/>
+          <a:chExt cx="0" cy="0"/>
+        </a:xfrm>
+      </p:grpSpPr>
+      <p:sp>
+        <p:nvSpPr>
+          <p:cNvPr id="19" name="직사각형 18">
+            <a:extLst>
+              <a:ext uri="{FF2B5EF4-FFF2-40B4-BE49-F238E27FC236}">
+                <a16:creationId xmlns:a16="http://schemas.microsoft.com/office/drawing/2014/main" id="{763B3B38-8C1F-BDBE-522D-F4B14A28836A}"/>
+              </a:ext>
+            </a:extLst>
+          </p:cNvPr>
+          <p:cNvSpPr/>
+          <p:nvPr/>
+        </p:nvSpPr>
+        <p:spPr>
+          <a:xfrm>
+            <a:off x="3314701" y="1752600"/>
+            <a:ext cx="6615362" cy="3316706"/>
+          </a:xfrm>
+          <a:prstGeom prst="rect">
+            <a:avLst/>
+          </a:prstGeom>
+          <a:solidFill>
+            <a:schemeClr val="bg1"/>
+          </a:solidFill>
+          <a:ln>
+            <a:noFill/>
+          </a:ln>
+        </p:spPr>
+        <p:style>
+          <a:lnRef idx="2">
+            <a:schemeClr val="accent1">
+              <a:shade val="15000"/>
+            </a:schemeClr>
+          </a:lnRef>
+          <a:fillRef idx="1">
+            <a:schemeClr val="accent1"/>
+          </a:fillRef>
+          <a:effectRef idx="0">
+            <a:schemeClr val="accent1"/>
+          </a:effectRef>
+          <a:fontRef idx="minor">
+            <a:schemeClr val="lt1"/>
+          </a:fontRef>
+        </p:style>
+        <p:txBody>
+          <a:bodyPr rtlCol="0" anchor="ctr"/>
+          <a:lstStyle/>
+          <a:p>
+            <a:pPr algn="ctr"/>
+            <a:endParaRPr lang="ko-KR" altLang="en-US"/>
+          </a:p>
+        </p:txBody>
+      </p:sp>
+      <p:sp>
+        <p:nvSpPr>
+          <p:cNvPr id="2" name="타원 1">
+            <a:extLst>
+              <a:ext uri="{FF2B5EF4-FFF2-40B4-BE49-F238E27FC236}">
+                <a16:creationId xmlns:a16="http://schemas.microsoft.com/office/drawing/2014/main" id="{3C22AAAF-EA56-905C-9D3D-21575A282C8A}"/>
+              </a:ext>
+            </a:extLst>
+          </p:cNvPr>
+          <p:cNvSpPr/>
+          <p:nvPr/>
+        </p:nvSpPr>
+        <p:spPr>
+          <a:xfrm>
+            <a:off x="3494673" y="2219145"/>
+            <a:ext cx="1315453" cy="2582779"/>
+          </a:xfrm>
+          <a:prstGeom prst="ellipse">
+            <a:avLst/>
+          </a:prstGeom>
+          <a:solidFill>
+            <a:schemeClr val="accent2">
+              <a:lumMod val="60000"/>
+              <a:lumOff val="40000"/>
+            </a:schemeClr>
+          </a:solidFill>
+        </p:spPr>
+        <p:style>
+          <a:lnRef idx="2">
+            <a:schemeClr val="accent1">
+              <a:shade val="15000"/>
+            </a:schemeClr>
+          </a:lnRef>
+          <a:fillRef idx="1">
+            <a:schemeClr val="accent1"/>
+          </a:fillRef>
+          <a:effectRef idx="0">
+            <a:schemeClr val="accent1"/>
+          </a:effectRef>
+          <a:fontRef idx="minor">
+            <a:schemeClr val="lt1"/>
+          </a:fontRef>
+        </p:style>
+        <p:txBody>
+          <a:bodyPr rtlCol="0" anchor="ctr"/>
+          <a:lstStyle/>
+          <a:p>
+            <a:pPr algn="ctr"/>
+            <a:r>
+              <a:rPr lang="en-US" altLang="ko-KR" b="1" dirty="0">
+                <a:solidFill>
+                  <a:schemeClr val="tx2"/>
+                </a:solidFill>
+              </a:rPr>
+              <a:t>1</a:t>
+            </a:r>
+            <a:br>
+              <a:rPr lang="en-US" altLang="ko-KR" b="1" dirty="0">
+                <a:solidFill>
+                  <a:schemeClr val="tx2"/>
+                </a:solidFill>
+              </a:rPr>
+            </a:br>
+            <a:br>
+              <a:rPr lang="en-US" altLang="ko-KR" b="1" dirty="0">
+                <a:solidFill>
+                  <a:schemeClr val="tx2"/>
+                </a:solidFill>
+              </a:rPr>
+            </a:br>
+            <a:r>
+              <a:rPr lang="en-US" altLang="ko-KR" b="1" dirty="0">
+                <a:solidFill>
+                  <a:schemeClr val="tx2"/>
+                </a:solidFill>
+              </a:rPr>
+              <a:t>2</a:t>
+            </a:r>
+            <a:br>
+              <a:rPr lang="en-US" altLang="ko-KR" b="1" dirty="0">
+                <a:solidFill>
+                  <a:schemeClr val="tx2"/>
+                </a:solidFill>
+              </a:rPr>
+            </a:br>
+            <a:br>
+              <a:rPr lang="en-US" altLang="ko-KR" b="1" dirty="0">
+                <a:solidFill>
+                  <a:schemeClr val="tx2"/>
+                </a:solidFill>
+              </a:rPr>
+            </a:br>
+            <a:r>
+              <a:rPr lang="en-US" altLang="ko-KR" b="1" dirty="0">
+                <a:solidFill>
+                  <a:schemeClr val="tx2"/>
+                </a:solidFill>
+              </a:rPr>
+              <a:t>3</a:t>
+            </a:r>
+            <a:br>
+              <a:rPr lang="en-US" altLang="ko-KR" b="1" dirty="0">
+                <a:solidFill>
+                  <a:schemeClr val="tx2"/>
+                </a:solidFill>
+              </a:rPr>
+            </a:br>
+            <a:br>
+              <a:rPr lang="en-US" altLang="ko-KR" b="1" dirty="0">
+                <a:solidFill>
+                  <a:schemeClr val="tx2"/>
+                </a:solidFill>
+              </a:rPr>
+            </a:br>
+            <a:r>
+              <a:rPr lang="en-US" altLang="ko-KR" b="1" dirty="0">
+                <a:solidFill>
+                  <a:schemeClr val="tx2"/>
+                </a:solidFill>
+              </a:rPr>
+              <a:t>4</a:t>
+            </a:r>
+            <a:endParaRPr lang="ko-KR" altLang="en-US" b="1" dirty="0">
+              <a:solidFill>
+                <a:schemeClr val="tx2"/>
+              </a:solidFill>
+            </a:endParaRPr>
+          </a:p>
+        </p:txBody>
+      </p:sp>
+      <p:sp>
+        <p:nvSpPr>
+          <p:cNvPr id="7" name="타원 6">
+            <a:extLst>
+              <a:ext uri="{FF2B5EF4-FFF2-40B4-BE49-F238E27FC236}">
+                <a16:creationId xmlns:a16="http://schemas.microsoft.com/office/drawing/2014/main" id="{9F79B38F-B884-12C6-AC18-93CB7BB1B53C}"/>
+              </a:ext>
+            </a:extLst>
+          </p:cNvPr>
+          <p:cNvSpPr/>
+          <p:nvPr/>
+        </p:nvSpPr>
+        <p:spPr>
+          <a:xfrm>
+            <a:off x="5934261" y="2219145"/>
+            <a:ext cx="1315453" cy="2582779"/>
+          </a:xfrm>
+          <a:prstGeom prst="ellipse">
+            <a:avLst/>
+          </a:prstGeom>
+          <a:solidFill>
+            <a:schemeClr val="accent6">
+              <a:lumMod val="60000"/>
+              <a:lumOff val="40000"/>
+            </a:schemeClr>
+          </a:solidFill>
+        </p:spPr>
+        <p:style>
+          <a:lnRef idx="2">
+            <a:schemeClr val="accent1">
+              <a:shade val="15000"/>
+            </a:schemeClr>
+          </a:lnRef>
+          <a:fillRef idx="1">
+            <a:schemeClr val="accent1"/>
+          </a:fillRef>
+          <a:effectRef idx="0">
+            <a:schemeClr val="accent1"/>
+          </a:effectRef>
+          <a:fontRef idx="minor">
+            <a:schemeClr val="lt1"/>
+          </a:fontRef>
+        </p:style>
+        <p:txBody>
+          <a:bodyPr rtlCol="0" anchor="ctr"/>
+          <a:lstStyle/>
+          <a:p>
+            <a:pPr algn="ctr"/>
+            <a:r>
+              <a:rPr lang="en-US" altLang="ko-KR" b="1" dirty="0">
+                <a:solidFill>
+                  <a:schemeClr val="tx2"/>
+                </a:solidFill>
+              </a:rPr>
+              <a:t>A</a:t>
+            </a:r>
+            <a:br>
+              <a:rPr lang="en-US" altLang="ko-KR" b="1" dirty="0">
+                <a:solidFill>
+                  <a:schemeClr val="tx2"/>
+                </a:solidFill>
+              </a:rPr>
+            </a:br>
+            <a:br>
+              <a:rPr lang="en-US" altLang="ko-KR" b="1" dirty="0">
+                <a:solidFill>
+                  <a:schemeClr val="tx2"/>
+                </a:solidFill>
+              </a:rPr>
+            </a:br>
+            <a:r>
+              <a:rPr lang="en-US" altLang="ko-KR" b="1" dirty="0">
+                <a:solidFill>
+                  <a:schemeClr val="tx2"/>
+                </a:solidFill>
+              </a:rPr>
+              <a:t>B</a:t>
+            </a:r>
+            <a:br>
+              <a:rPr lang="en-US" altLang="ko-KR" b="1" dirty="0">
+                <a:solidFill>
+                  <a:schemeClr val="tx2"/>
+                </a:solidFill>
+              </a:rPr>
+            </a:br>
+            <a:br>
+              <a:rPr lang="en-US" altLang="ko-KR" b="1" dirty="0">
+                <a:solidFill>
+                  <a:schemeClr val="tx2"/>
+                </a:solidFill>
+              </a:rPr>
+            </a:br>
+            <a:r>
+              <a:rPr lang="en-US" altLang="ko-KR" b="1" dirty="0">
+                <a:solidFill>
+                  <a:schemeClr val="tx2"/>
+                </a:solidFill>
+              </a:rPr>
+              <a:t>C</a:t>
+            </a:r>
+            <a:br>
+              <a:rPr lang="en-US" altLang="ko-KR" b="1" dirty="0">
+                <a:solidFill>
+                  <a:schemeClr val="tx2"/>
+                </a:solidFill>
+              </a:rPr>
+            </a:br>
+            <a:br>
+              <a:rPr lang="en-US" altLang="ko-KR" b="1" dirty="0">
+                <a:solidFill>
+                  <a:schemeClr val="tx2"/>
+                </a:solidFill>
+              </a:rPr>
+            </a:br>
+            <a:r>
+              <a:rPr lang="en-US" altLang="ko-KR" b="1" dirty="0">
+                <a:solidFill>
+                  <a:schemeClr val="tx2"/>
+                </a:solidFill>
+              </a:rPr>
+              <a:t>D</a:t>
+            </a:r>
+            <a:endParaRPr lang="ko-KR" altLang="en-US" b="1" dirty="0">
+              <a:solidFill>
+                <a:schemeClr val="tx2"/>
+              </a:solidFill>
+            </a:endParaRPr>
+          </a:p>
+        </p:txBody>
+      </p:sp>
+      <p:sp>
+        <p:nvSpPr>
+          <p:cNvPr id="8" name="TextBox 7">
+            <a:extLst>
+              <a:ext uri="{FF2B5EF4-FFF2-40B4-BE49-F238E27FC236}">
+                <a16:creationId xmlns:a16="http://schemas.microsoft.com/office/drawing/2014/main" id="{A161A880-04F3-CB4B-C04A-3BBA0BA33EF8}"/>
+              </a:ext>
+            </a:extLst>
+          </p:cNvPr>
+          <p:cNvSpPr txBox="1"/>
+          <p:nvPr/>
+        </p:nvSpPr>
+        <p:spPr>
+          <a:xfrm>
+            <a:off x="3984725" y="1849813"/>
+            <a:ext cx="335348" cy="369332"/>
+          </a:xfrm>
+          <a:prstGeom prst="rect">
+            <a:avLst/>
+          </a:prstGeom>
+          <a:noFill/>
+        </p:spPr>
+        <p:txBody>
+          <a:bodyPr wrap="none" rtlCol="0">
+            <a:spAutoFit/>
+          </a:bodyPr>
+          <a:lstStyle/>
+          <a:p>
+            <a:r>
+              <a:rPr lang="en-US" altLang="ko-KR" b="1" dirty="0"/>
+              <a:t>X</a:t>
+            </a:r>
+            <a:endParaRPr lang="ko-KR" altLang="en-US" b="1" dirty="0"/>
+          </a:p>
+        </p:txBody>
+      </p:sp>
+      <p:sp>
+        <p:nvSpPr>
+          <p:cNvPr id="11" name="TextBox 10">
+            <a:extLst>
+              <a:ext uri="{FF2B5EF4-FFF2-40B4-BE49-F238E27FC236}">
+                <a16:creationId xmlns:a16="http://schemas.microsoft.com/office/drawing/2014/main" id="{ED7E906C-604B-B951-70A1-12AA0F477628}"/>
+              </a:ext>
+            </a:extLst>
+          </p:cNvPr>
+          <p:cNvSpPr txBox="1"/>
+          <p:nvPr/>
+        </p:nvSpPr>
+        <p:spPr>
+          <a:xfrm>
+            <a:off x="6424313" y="1849813"/>
+            <a:ext cx="335348" cy="369332"/>
+          </a:xfrm>
+          <a:prstGeom prst="rect">
+            <a:avLst/>
+          </a:prstGeom>
+          <a:noFill/>
+        </p:spPr>
+        <p:txBody>
+          <a:bodyPr wrap="none" rtlCol="0">
+            <a:spAutoFit/>
+          </a:bodyPr>
+          <a:lstStyle/>
+          <a:p>
+            <a:r>
+              <a:rPr lang="en-US" altLang="ko-KR" b="1" dirty="0"/>
+              <a:t>Y</a:t>
+            </a:r>
+            <a:endParaRPr lang="ko-KR" altLang="en-US" b="1" dirty="0"/>
+          </a:p>
+        </p:txBody>
+      </p:sp>
+      <p:cxnSp>
+        <p:nvCxnSpPr>
+          <p:cNvPr id="14" name="직선 화살표 연결선 13">
+            <a:extLst>
+              <a:ext uri="{FF2B5EF4-FFF2-40B4-BE49-F238E27FC236}">
+                <a16:creationId xmlns:a16="http://schemas.microsoft.com/office/drawing/2014/main" id="{502AF0C8-53CF-92D8-F463-C25BB62FF364}"/>
+              </a:ext>
+            </a:extLst>
+          </p:cNvPr>
+          <p:cNvCxnSpPr>
+            <a:cxnSpLocks/>
+          </p:cNvCxnSpPr>
+          <p:nvPr/>
+        </p:nvCxnSpPr>
+        <p:spPr>
+          <a:xfrm flipV="1">
+            <a:off x="4537411" y="2685690"/>
+            <a:ext cx="1767136" cy="6710"/>
+          </a:xfrm>
+          <a:prstGeom prst="straightConnector1">
+            <a:avLst/>
+          </a:prstGeom>
+          <a:ln w="38100">
+            <a:solidFill>
+              <a:schemeClr val="tx1"/>
+            </a:solidFill>
+            <a:tailEnd type="triangle"/>
+          </a:ln>
+        </p:spPr>
+        <p:style>
+          <a:lnRef idx="2">
+            <a:schemeClr val="accent1"/>
+          </a:lnRef>
+          <a:fillRef idx="0">
+            <a:schemeClr val="accent1"/>
+          </a:fillRef>
+          <a:effectRef idx="1">
+            <a:schemeClr val="accent1"/>
+          </a:effectRef>
+          <a:fontRef idx="minor">
+            <a:schemeClr val="tx1"/>
+          </a:fontRef>
+        </p:style>
+      </p:cxnSp>
+      <p:cxnSp>
+        <p:nvCxnSpPr>
+          <p:cNvPr id="3" name="직선 화살표 연결선 2">
+            <a:extLst>
+              <a:ext uri="{FF2B5EF4-FFF2-40B4-BE49-F238E27FC236}">
+                <a16:creationId xmlns:a16="http://schemas.microsoft.com/office/drawing/2014/main" id="{4274AA95-3213-7CFA-FA5F-0339C718C872}"/>
+              </a:ext>
+            </a:extLst>
+          </p:cNvPr>
+          <p:cNvCxnSpPr>
+            <a:cxnSpLocks/>
+          </p:cNvCxnSpPr>
+          <p:nvPr/>
+        </p:nvCxnSpPr>
+        <p:spPr>
+          <a:xfrm>
+            <a:off x="4537411" y="3296334"/>
+            <a:ext cx="1767136" cy="475566"/>
+          </a:xfrm>
+          <a:prstGeom prst="straightConnector1">
+            <a:avLst/>
+          </a:prstGeom>
+          <a:ln w="38100">
+            <a:solidFill>
+              <a:schemeClr val="tx1"/>
+            </a:solidFill>
+            <a:tailEnd type="triangle"/>
+          </a:ln>
+        </p:spPr>
+        <p:style>
+          <a:lnRef idx="2">
+            <a:schemeClr val="accent1"/>
+          </a:lnRef>
+          <a:fillRef idx="0">
+            <a:schemeClr val="accent1"/>
+          </a:fillRef>
+          <a:effectRef idx="1">
+            <a:schemeClr val="accent1"/>
+          </a:effectRef>
+          <a:fontRef idx="minor">
+            <a:schemeClr val="tx1"/>
+          </a:fontRef>
+        </p:style>
+      </p:cxnSp>
+      <p:cxnSp>
+        <p:nvCxnSpPr>
+          <p:cNvPr id="6" name="직선 화살표 연결선 5">
+            <a:extLst>
+              <a:ext uri="{FF2B5EF4-FFF2-40B4-BE49-F238E27FC236}">
+                <a16:creationId xmlns:a16="http://schemas.microsoft.com/office/drawing/2014/main" id="{FE12FCD3-40B3-5E1B-3D66-A19CD923F4BB}"/>
+              </a:ext>
+            </a:extLst>
+          </p:cNvPr>
+          <p:cNvCxnSpPr>
+            <a:cxnSpLocks/>
+          </p:cNvCxnSpPr>
+          <p:nvPr/>
+        </p:nvCxnSpPr>
+        <p:spPr>
+          <a:xfrm>
+            <a:off x="4537411" y="3771900"/>
+            <a:ext cx="1767136" cy="46459"/>
+          </a:xfrm>
+          <a:prstGeom prst="straightConnector1">
+            <a:avLst/>
+          </a:prstGeom>
+          <a:ln w="38100">
+            <a:solidFill>
+              <a:schemeClr val="tx1"/>
+            </a:solidFill>
+            <a:tailEnd type="triangle"/>
+          </a:ln>
+        </p:spPr>
+        <p:style>
+          <a:lnRef idx="2">
+            <a:schemeClr val="accent1"/>
+          </a:lnRef>
+          <a:fillRef idx="0">
+            <a:schemeClr val="accent1"/>
+          </a:fillRef>
+          <a:effectRef idx="1">
+            <a:schemeClr val="accent1"/>
+          </a:effectRef>
+          <a:fontRef idx="minor">
+            <a:schemeClr val="tx1"/>
+          </a:fontRef>
+        </p:style>
+      </p:cxnSp>
+      <p:cxnSp>
+        <p:nvCxnSpPr>
+          <p:cNvPr id="15" name="직선 화살표 연결선 14">
+            <a:extLst>
+              <a:ext uri="{FF2B5EF4-FFF2-40B4-BE49-F238E27FC236}">
+                <a16:creationId xmlns:a16="http://schemas.microsoft.com/office/drawing/2014/main" id="{A45F3693-8674-E07E-734C-4FB8C9CA051C}"/>
+              </a:ext>
+            </a:extLst>
+          </p:cNvPr>
+          <p:cNvCxnSpPr>
+            <a:cxnSpLocks/>
+          </p:cNvCxnSpPr>
+          <p:nvPr/>
+        </p:nvCxnSpPr>
+        <p:spPr>
+          <a:xfrm>
+            <a:off x="4537410" y="4310141"/>
+            <a:ext cx="1767137" cy="0"/>
+          </a:xfrm>
+          <a:prstGeom prst="straightConnector1">
+            <a:avLst/>
+          </a:prstGeom>
+          <a:ln w="38100">
+            <a:solidFill>
+              <a:schemeClr val="tx1"/>
+            </a:solidFill>
+            <a:tailEnd type="triangle"/>
+          </a:ln>
+        </p:spPr>
+        <p:style>
+          <a:lnRef idx="2">
+            <a:schemeClr val="accent1"/>
+          </a:lnRef>
+          <a:fillRef idx="0">
+            <a:schemeClr val="accent1"/>
+          </a:fillRef>
+          <a:effectRef idx="1">
+            <a:schemeClr val="accent1"/>
+          </a:effectRef>
+          <a:fontRef idx="minor">
+            <a:schemeClr val="tx1"/>
+          </a:fontRef>
+        </p:style>
+      </p:cxnSp>
+      <p:sp>
+        <p:nvSpPr>
+          <p:cNvPr id="12" name="타원 11">
+            <a:extLst>
+              <a:ext uri="{FF2B5EF4-FFF2-40B4-BE49-F238E27FC236}">
+                <a16:creationId xmlns:a16="http://schemas.microsoft.com/office/drawing/2014/main" id="{2C07F62B-1CD0-BBDA-9DAD-3409ABC07C55}"/>
+              </a:ext>
+            </a:extLst>
+          </p:cNvPr>
+          <p:cNvSpPr/>
+          <p:nvPr/>
+        </p:nvSpPr>
+        <p:spPr>
+          <a:xfrm>
+            <a:off x="8360273" y="2219145"/>
+            <a:ext cx="1315453" cy="2582779"/>
+          </a:xfrm>
+          <a:prstGeom prst="ellipse">
+            <a:avLst/>
+          </a:prstGeom>
+          <a:solidFill>
+            <a:schemeClr val="accent4">
+              <a:lumMod val="60000"/>
+              <a:lumOff val="40000"/>
+            </a:schemeClr>
+          </a:solidFill>
+        </p:spPr>
+        <p:style>
+          <a:lnRef idx="2">
+            <a:schemeClr val="accent1">
+              <a:shade val="15000"/>
+            </a:schemeClr>
+          </a:lnRef>
+          <a:fillRef idx="1">
+            <a:schemeClr val="accent1"/>
+          </a:fillRef>
+          <a:effectRef idx="0">
+            <a:schemeClr val="accent1"/>
+          </a:effectRef>
+          <a:fontRef idx="minor">
+            <a:schemeClr val="lt1"/>
+          </a:fontRef>
+        </p:style>
+        <p:txBody>
+          <a:bodyPr rtlCol="0" anchor="ctr"/>
+          <a:lstStyle/>
+          <a:p>
+            <a:pPr algn="ctr"/>
+            <a:r>
+              <a:rPr lang="en-US" altLang="ko-KR" b="1" dirty="0">
+                <a:solidFill>
+                  <a:schemeClr val="tx2"/>
+                </a:solidFill>
+              </a:rPr>
+              <a:t>a</a:t>
+            </a:r>
+            <a:br>
+              <a:rPr lang="en-US" altLang="ko-KR" b="1" dirty="0">
+                <a:solidFill>
+                  <a:schemeClr val="tx2"/>
+                </a:solidFill>
+              </a:rPr>
+            </a:br>
+            <a:br>
+              <a:rPr lang="en-US" altLang="ko-KR" b="1" dirty="0">
+                <a:solidFill>
+                  <a:schemeClr val="tx2"/>
+                </a:solidFill>
+              </a:rPr>
+            </a:br>
+            <a:r>
+              <a:rPr lang="en-US" altLang="ko-KR" b="1" dirty="0">
+                <a:solidFill>
+                  <a:schemeClr val="tx2"/>
+                </a:solidFill>
+              </a:rPr>
+              <a:t>b</a:t>
+            </a:r>
+            <a:br>
+              <a:rPr lang="en-US" altLang="ko-KR" b="1" dirty="0">
+                <a:solidFill>
+                  <a:schemeClr val="tx2"/>
+                </a:solidFill>
+              </a:rPr>
+            </a:br>
+            <a:br>
+              <a:rPr lang="en-US" altLang="ko-KR" b="1" dirty="0">
+                <a:solidFill>
+                  <a:schemeClr val="tx2"/>
+                </a:solidFill>
+              </a:rPr>
+            </a:br>
+            <a:r>
+              <a:rPr lang="en-US" altLang="ko-KR" b="1" dirty="0">
+                <a:solidFill>
+                  <a:schemeClr val="tx2"/>
+                </a:solidFill>
+              </a:rPr>
+              <a:t>c</a:t>
+            </a:r>
+            <a:br>
+              <a:rPr lang="en-US" altLang="ko-KR" b="1" dirty="0">
+                <a:solidFill>
+                  <a:schemeClr val="tx2"/>
+                </a:solidFill>
+              </a:rPr>
+            </a:br>
+            <a:br>
+              <a:rPr lang="en-US" altLang="ko-KR" b="1" dirty="0">
+                <a:solidFill>
+                  <a:schemeClr val="tx2"/>
+                </a:solidFill>
+              </a:rPr>
+            </a:br>
+            <a:r>
+              <a:rPr lang="en-US" altLang="ko-KR" b="1" dirty="0">
+                <a:solidFill>
+                  <a:schemeClr val="tx2"/>
+                </a:solidFill>
+              </a:rPr>
+              <a:t>d</a:t>
+            </a:r>
+            <a:endParaRPr lang="ko-KR" altLang="en-US" b="1" dirty="0">
+              <a:solidFill>
+                <a:schemeClr val="tx2"/>
+              </a:solidFill>
+            </a:endParaRPr>
+          </a:p>
+        </p:txBody>
+      </p:sp>
+      <p:cxnSp>
+        <p:nvCxnSpPr>
+          <p:cNvPr id="13" name="직선 화살표 연결선 12">
+            <a:extLst>
+              <a:ext uri="{FF2B5EF4-FFF2-40B4-BE49-F238E27FC236}">
+                <a16:creationId xmlns:a16="http://schemas.microsoft.com/office/drawing/2014/main" id="{EC4774C1-D19A-F83B-6658-75FF00F7ED3D}"/>
+              </a:ext>
+            </a:extLst>
+          </p:cNvPr>
+          <p:cNvCxnSpPr>
+            <a:cxnSpLocks/>
+          </p:cNvCxnSpPr>
+          <p:nvPr/>
+        </p:nvCxnSpPr>
+        <p:spPr>
+          <a:xfrm>
+            <a:off x="6990509" y="2692400"/>
+            <a:ext cx="1752438" cy="1617741"/>
+          </a:xfrm>
+          <a:prstGeom prst="straightConnector1">
+            <a:avLst/>
+          </a:prstGeom>
+          <a:ln w="38100">
+            <a:solidFill>
+              <a:schemeClr val="tx1"/>
+            </a:solidFill>
+            <a:tailEnd type="triangle"/>
+          </a:ln>
+        </p:spPr>
+        <p:style>
+          <a:lnRef idx="2">
+            <a:schemeClr val="accent1"/>
+          </a:lnRef>
+          <a:fillRef idx="0">
+            <a:schemeClr val="accent1"/>
+          </a:fillRef>
+          <a:effectRef idx="1">
+            <a:schemeClr val="accent1"/>
+          </a:effectRef>
+          <a:fontRef idx="minor">
+            <a:schemeClr val="tx1"/>
+          </a:fontRef>
+        </p:style>
+      </p:cxnSp>
+      <p:cxnSp>
+        <p:nvCxnSpPr>
+          <p:cNvPr id="17" name="직선 화살표 연결선 16">
+            <a:extLst>
+              <a:ext uri="{FF2B5EF4-FFF2-40B4-BE49-F238E27FC236}">
+                <a16:creationId xmlns:a16="http://schemas.microsoft.com/office/drawing/2014/main" id="{A5E905D9-9AE6-1F15-9B05-A5C659301AA6}"/>
+              </a:ext>
+            </a:extLst>
+          </p:cNvPr>
+          <p:cNvCxnSpPr>
+            <a:cxnSpLocks/>
+          </p:cNvCxnSpPr>
+          <p:nvPr/>
+        </p:nvCxnSpPr>
+        <p:spPr>
+          <a:xfrm>
+            <a:off x="7005207" y="3317874"/>
+            <a:ext cx="1737740" cy="429288"/>
+          </a:xfrm>
+          <a:prstGeom prst="straightConnector1">
+            <a:avLst/>
+          </a:prstGeom>
+          <a:ln w="38100">
+            <a:solidFill>
+              <a:schemeClr val="tx1"/>
+            </a:solidFill>
+            <a:tailEnd type="triangle"/>
+          </a:ln>
+        </p:spPr>
+        <p:style>
+          <a:lnRef idx="2">
+            <a:schemeClr val="accent1"/>
+          </a:lnRef>
+          <a:fillRef idx="0">
+            <a:schemeClr val="accent1"/>
+          </a:fillRef>
+          <a:effectRef idx="1">
+            <a:schemeClr val="accent1"/>
+          </a:effectRef>
+          <a:fontRef idx="minor">
+            <a:schemeClr val="tx1"/>
+          </a:fontRef>
+        </p:style>
+      </p:cxnSp>
+      <p:cxnSp>
+        <p:nvCxnSpPr>
+          <p:cNvPr id="20" name="직선 화살표 연결선 19">
+            <a:extLst>
+              <a:ext uri="{FF2B5EF4-FFF2-40B4-BE49-F238E27FC236}">
+                <a16:creationId xmlns:a16="http://schemas.microsoft.com/office/drawing/2014/main" id="{E0813247-3E64-CF44-3037-6A6013F4A8F9}"/>
+              </a:ext>
+            </a:extLst>
+          </p:cNvPr>
+          <p:cNvCxnSpPr>
+            <a:cxnSpLocks/>
+          </p:cNvCxnSpPr>
+          <p:nvPr/>
+        </p:nvCxnSpPr>
+        <p:spPr>
+          <a:xfrm flipV="1">
+            <a:off x="7005207" y="2692400"/>
+            <a:ext cx="1737740" cy="1131634"/>
+          </a:xfrm>
+          <a:prstGeom prst="straightConnector1">
+            <a:avLst/>
+          </a:prstGeom>
+          <a:ln w="38100">
+            <a:solidFill>
+              <a:schemeClr val="tx1"/>
+            </a:solidFill>
+            <a:tailEnd type="triangle"/>
+          </a:ln>
+        </p:spPr>
+        <p:style>
+          <a:lnRef idx="2">
+            <a:schemeClr val="accent1"/>
+          </a:lnRef>
+          <a:fillRef idx="0">
+            <a:schemeClr val="accent1"/>
+          </a:fillRef>
+          <a:effectRef idx="1">
+            <a:schemeClr val="accent1"/>
+          </a:effectRef>
+          <a:fontRef idx="minor">
+            <a:schemeClr val="tx1"/>
+          </a:fontRef>
+        </p:style>
+      </p:cxnSp>
+      <p:cxnSp>
+        <p:nvCxnSpPr>
+          <p:cNvPr id="22" name="직선 화살표 연결선 21">
+            <a:extLst>
+              <a:ext uri="{FF2B5EF4-FFF2-40B4-BE49-F238E27FC236}">
+                <a16:creationId xmlns:a16="http://schemas.microsoft.com/office/drawing/2014/main" id="{0089B632-CF89-509E-57B8-67CBB8780601}"/>
+              </a:ext>
+            </a:extLst>
+          </p:cNvPr>
+          <p:cNvCxnSpPr>
+            <a:cxnSpLocks/>
+          </p:cNvCxnSpPr>
+          <p:nvPr/>
+        </p:nvCxnSpPr>
+        <p:spPr>
+          <a:xfrm flipV="1">
+            <a:off x="7005207" y="2741876"/>
+            <a:ext cx="1737740" cy="1595841"/>
+          </a:xfrm>
+          <a:prstGeom prst="straightConnector1">
+            <a:avLst/>
+          </a:prstGeom>
+          <a:ln w="38100">
+            <a:solidFill>
+              <a:schemeClr val="tx1"/>
+            </a:solidFill>
+            <a:tailEnd type="triangle"/>
+          </a:ln>
+        </p:spPr>
+        <p:style>
+          <a:lnRef idx="2">
+            <a:schemeClr val="accent1"/>
+          </a:lnRef>
+          <a:fillRef idx="0">
+            <a:schemeClr val="accent1"/>
+          </a:fillRef>
+          <a:effectRef idx="1">
+            <a:schemeClr val="accent1"/>
+          </a:effectRef>
+          <a:fontRef idx="minor">
+            <a:schemeClr val="tx1"/>
+          </a:fontRef>
+        </p:style>
+      </p:cxnSp>
+      <p:sp>
+        <p:nvSpPr>
+          <p:cNvPr id="24" name="TextBox 23">
+            <a:extLst>
+              <a:ext uri="{FF2B5EF4-FFF2-40B4-BE49-F238E27FC236}">
+                <a16:creationId xmlns:a16="http://schemas.microsoft.com/office/drawing/2014/main" id="{449B2D0E-CADF-779E-5FC8-10F3FB218909}"/>
+              </a:ext>
+            </a:extLst>
+          </p:cNvPr>
+          <p:cNvSpPr txBox="1"/>
+          <p:nvPr/>
+        </p:nvSpPr>
+        <p:spPr>
+          <a:xfrm>
+            <a:off x="8850325" y="1849813"/>
+            <a:ext cx="335348" cy="369332"/>
+          </a:xfrm>
+          <a:prstGeom prst="rect">
+            <a:avLst/>
+          </a:prstGeom>
+          <a:noFill/>
+        </p:spPr>
+        <p:txBody>
+          <a:bodyPr wrap="none" rtlCol="0">
+            <a:spAutoFit/>
+          </a:bodyPr>
+          <a:lstStyle/>
+          <a:p>
+            <a:r>
+              <a:rPr lang="en-US" altLang="ko-KR" b="1" dirty="0"/>
+              <a:t>Z</a:t>
+            </a:r>
+            <a:endParaRPr lang="ko-KR" altLang="en-US" b="1" dirty="0"/>
+          </a:p>
+        </p:txBody>
+      </p:sp>
+      <p:sp>
+        <p:nvSpPr>
+          <p:cNvPr id="25" name="TextBox 24">
+            <a:extLst>
+              <a:ext uri="{FF2B5EF4-FFF2-40B4-BE49-F238E27FC236}">
+                <a16:creationId xmlns:a16="http://schemas.microsoft.com/office/drawing/2014/main" id="{EC632412-8683-AF8F-D617-6D6334FF4DDA}"/>
+              </a:ext>
+            </a:extLst>
+          </p:cNvPr>
+          <p:cNvSpPr txBox="1"/>
+          <p:nvPr/>
+        </p:nvSpPr>
+        <p:spPr>
+          <a:xfrm>
+            <a:off x="5090706" y="4505058"/>
+            <a:ext cx="562975" cy="369332"/>
+          </a:xfrm>
+          <a:prstGeom prst="rect">
+            <a:avLst/>
+          </a:prstGeom>
+          <a:noFill/>
+        </p:spPr>
+        <p:txBody>
+          <a:bodyPr wrap="none" rtlCol="0">
+            <a:spAutoFit/>
+          </a:bodyPr>
+          <a:lstStyle/>
+          <a:p>
+            <a:r>
+              <a:rPr lang="en-US" altLang="ko-KR" b="1" dirty="0"/>
+              <a:t>f(x)</a:t>
+            </a:r>
+            <a:endParaRPr lang="ko-KR" altLang="en-US" b="1" dirty="0"/>
+          </a:p>
+        </p:txBody>
+      </p:sp>
+      <p:sp>
+        <p:nvSpPr>
+          <p:cNvPr id="26" name="TextBox 25">
+            <a:extLst>
+              <a:ext uri="{FF2B5EF4-FFF2-40B4-BE49-F238E27FC236}">
+                <a16:creationId xmlns:a16="http://schemas.microsoft.com/office/drawing/2014/main" id="{846E3E24-5729-2230-E029-7C67F983609A}"/>
+              </a:ext>
+            </a:extLst>
+          </p:cNvPr>
+          <p:cNvSpPr txBox="1"/>
+          <p:nvPr/>
+        </p:nvSpPr>
+        <p:spPr>
+          <a:xfrm>
+            <a:off x="7592589" y="4505058"/>
+            <a:ext cx="619080" cy="369332"/>
+          </a:xfrm>
+          <a:prstGeom prst="rect">
+            <a:avLst/>
+          </a:prstGeom>
+          <a:noFill/>
+        </p:spPr>
+        <p:txBody>
+          <a:bodyPr wrap="none" rtlCol="0">
+            <a:spAutoFit/>
+          </a:bodyPr>
+          <a:lstStyle/>
+          <a:p>
+            <a:r>
+              <a:rPr lang="en-US" altLang="ko-KR" b="1" dirty="0"/>
+              <a:t>g(y)</a:t>
+            </a:r>
+            <a:endParaRPr lang="ko-KR" altLang="en-US" b="1" dirty="0"/>
+          </a:p>
+        </p:txBody>
+      </p:sp>
+    </p:spTree>
+    <p:extLst>
+      <p:ext uri="{BB962C8B-B14F-4D97-AF65-F5344CB8AC3E}">
+        <p14:creationId xmlns:p14="http://schemas.microsoft.com/office/powerpoint/2010/main" val="2352754880"/>
+      </p:ext>
+    </p:extLst>
+  </p:cSld>
+  <p:clrMapOvr>
+    <a:masterClrMapping/>
+  </p:clrMapOvr>
+</p:sld>
+</file>
+
+<file path=ppt/slides/slide19.xml><?xml version="1.0" encoding="utf-8"?>
+<p:sld xmlns:a="http://schemas.openxmlformats.org/drawingml/2006/main" xmlns:r="http://schemas.openxmlformats.org/officeDocument/2006/relationships" xmlns:p="http://schemas.openxmlformats.org/presentationml/2006/main">
+  <p:cSld>
+    <p:spTree>
+      <p:nvGrpSpPr>
+        <p:cNvPr id="1" name="">
+          <a:extLst>
+            <a:ext uri="{FF2B5EF4-FFF2-40B4-BE49-F238E27FC236}">
+              <a16:creationId xmlns:a16="http://schemas.microsoft.com/office/drawing/2014/main" id="{CF378AB5-3B72-2C3F-971F-54A1E46B3B6D}"/>
+            </a:ext>
+          </a:extLst>
+        </p:cNvPr>
+        <p:cNvGrpSpPr/>
+        <p:nvPr/>
+      </p:nvGrpSpPr>
+      <p:grpSpPr>
+        <a:xfrm>
+          <a:off x="0" y="0"/>
+          <a:ext cx="0" cy="0"/>
+          <a:chOff x="0" y="0"/>
+          <a:chExt cx="0" cy="0"/>
+        </a:xfrm>
+      </p:grpSpPr>
+      <p:sp>
+        <p:nvSpPr>
+          <p:cNvPr id="19" name="직사각형 18">
+            <a:extLst>
+              <a:ext uri="{FF2B5EF4-FFF2-40B4-BE49-F238E27FC236}">
+                <a16:creationId xmlns:a16="http://schemas.microsoft.com/office/drawing/2014/main" id="{A37C1F16-FCEC-9C24-1729-FDAAA7B1BF36}"/>
+              </a:ext>
+            </a:extLst>
+          </p:cNvPr>
+          <p:cNvSpPr/>
+          <p:nvPr/>
+        </p:nvSpPr>
+        <p:spPr>
+          <a:xfrm>
+            <a:off x="3314702" y="1752600"/>
+            <a:ext cx="4144878" cy="3316706"/>
+          </a:xfrm>
+          <a:prstGeom prst="rect">
+            <a:avLst/>
+          </a:prstGeom>
+          <a:solidFill>
+            <a:schemeClr val="bg1"/>
+          </a:solidFill>
+          <a:ln>
+            <a:noFill/>
+          </a:ln>
+        </p:spPr>
+        <p:style>
+          <a:lnRef idx="2">
+            <a:schemeClr val="accent1">
+              <a:shade val="15000"/>
+            </a:schemeClr>
+          </a:lnRef>
+          <a:fillRef idx="1">
+            <a:schemeClr val="accent1"/>
+          </a:fillRef>
+          <a:effectRef idx="0">
+            <a:schemeClr val="accent1"/>
+          </a:effectRef>
+          <a:fontRef idx="minor">
+            <a:schemeClr val="lt1"/>
+          </a:fontRef>
+        </p:style>
+        <p:txBody>
+          <a:bodyPr rtlCol="0" anchor="ctr"/>
+          <a:lstStyle/>
+          <a:p>
+            <a:pPr algn="ctr"/>
+            <a:endParaRPr lang="ko-KR" altLang="en-US"/>
+          </a:p>
+        </p:txBody>
+      </p:sp>
+      <p:sp>
+        <p:nvSpPr>
+          <p:cNvPr id="2" name="타원 1">
+            <a:extLst>
+              <a:ext uri="{FF2B5EF4-FFF2-40B4-BE49-F238E27FC236}">
+                <a16:creationId xmlns:a16="http://schemas.microsoft.com/office/drawing/2014/main" id="{3B3D46BB-4C99-B233-CF08-FCB6C6587EFE}"/>
+              </a:ext>
+            </a:extLst>
+          </p:cNvPr>
+          <p:cNvSpPr/>
+          <p:nvPr/>
+        </p:nvSpPr>
+        <p:spPr>
+          <a:xfrm>
+            <a:off x="3494673" y="2219145"/>
+            <a:ext cx="1315453" cy="2582779"/>
+          </a:xfrm>
+          <a:prstGeom prst="ellipse">
+            <a:avLst/>
+          </a:prstGeom>
+          <a:solidFill>
+            <a:schemeClr val="accent2">
+              <a:lumMod val="60000"/>
+              <a:lumOff val="40000"/>
+            </a:schemeClr>
+          </a:solidFill>
+        </p:spPr>
+        <p:style>
+          <a:lnRef idx="2">
+            <a:schemeClr val="accent1">
+              <a:shade val="15000"/>
+            </a:schemeClr>
+          </a:lnRef>
+          <a:fillRef idx="1">
+            <a:schemeClr val="accent1"/>
+          </a:fillRef>
+          <a:effectRef idx="0">
+            <a:schemeClr val="accent1"/>
+          </a:effectRef>
+          <a:fontRef idx="minor">
+            <a:schemeClr val="lt1"/>
+          </a:fontRef>
+        </p:style>
+        <p:txBody>
+          <a:bodyPr rtlCol="0" anchor="ctr"/>
+          <a:lstStyle/>
+          <a:p>
+            <a:pPr algn="ctr"/>
+            <a:r>
+              <a:rPr lang="en-US" altLang="ko-KR" b="1" dirty="0">
+                <a:solidFill>
+                  <a:schemeClr val="tx2"/>
+                </a:solidFill>
+              </a:rPr>
+              <a:t>1</a:t>
+            </a:r>
+            <a:br>
+              <a:rPr lang="en-US" altLang="ko-KR" b="1" dirty="0">
+                <a:solidFill>
+                  <a:schemeClr val="tx2"/>
+                </a:solidFill>
+              </a:rPr>
+            </a:br>
+            <a:br>
+              <a:rPr lang="en-US" altLang="ko-KR" b="1" dirty="0">
+                <a:solidFill>
+                  <a:schemeClr val="tx2"/>
+                </a:solidFill>
+              </a:rPr>
+            </a:br>
+            <a:r>
+              <a:rPr lang="en-US" altLang="ko-KR" b="1" dirty="0">
+                <a:solidFill>
+                  <a:schemeClr val="tx2"/>
+                </a:solidFill>
+              </a:rPr>
+              <a:t>2</a:t>
+            </a:r>
+            <a:br>
+              <a:rPr lang="en-US" altLang="ko-KR" b="1" dirty="0">
+                <a:solidFill>
+                  <a:schemeClr val="tx2"/>
+                </a:solidFill>
+              </a:rPr>
+            </a:br>
+            <a:br>
+              <a:rPr lang="en-US" altLang="ko-KR" b="1" dirty="0">
+                <a:solidFill>
+                  <a:schemeClr val="tx2"/>
+                </a:solidFill>
+              </a:rPr>
+            </a:br>
+            <a:r>
+              <a:rPr lang="en-US" altLang="ko-KR" b="1" dirty="0">
+                <a:solidFill>
+                  <a:schemeClr val="tx2"/>
+                </a:solidFill>
+              </a:rPr>
+              <a:t>3</a:t>
+            </a:r>
+            <a:br>
+              <a:rPr lang="en-US" altLang="ko-KR" b="1" dirty="0">
+                <a:solidFill>
+                  <a:schemeClr val="tx2"/>
+                </a:solidFill>
+              </a:rPr>
+            </a:br>
+            <a:br>
+              <a:rPr lang="en-US" altLang="ko-KR" b="1" dirty="0">
+                <a:solidFill>
+                  <a:schemeClr val="tx2"/>
+                </a:solidFill>
+              </a:rPr>
+            </a:br>
+            <a:r>
+              <a:rPr lang="en-US" altLang="ko-KR" b="1" dirty="0">
+                <a:solidFill>
+                  <a:schemeClr val="tx2"/>
+                </a:solidFill>
+              </a:rPr>
+              <a:t>4</a:t>
+            </a:r>
+            <a:endParaRPr lang="ko-KR" altLang="en-US" b="1" dirty="0">
+              <a:solidFill>
+                <a:schemeClr val="tx2"/>
+              </a:solidFill>
+            </a:endParaRPr>
+          </a:p>
+        </p:txBody>
+      </p:sp>
+      <p:sp>
+        <p:nvSpPr>
+          <p:cNvPr id="7" name="타원 6">
+            <a:extLst>
+              <a:ext uri="{FF2B5EF4-FFF2-40B4-BE49-F238E27FC236}">
+                <a16:creationId xmlns:a16="http://schemas.microsoft.com/office/drawing/2014/main" id="{1DB45529-D781-1831-E900-33E159CEB479}"/>
+              </a:ext>
+            </a:extLst>
+          </p:cNvPr>
+          <p:cNvSpPr/>
+          <p:nvPr/>
+        </p:nvSpPr>
+        <p:spPr>
+          <a:xfrm>
+            <a:off x="5934261" y="2219145"/>
+            <a:ext cx="1315453" cy="2582779"/>
+          </a:xfrm>
+          <a:prstGeom prst="ellipse">
+            <a:avLst/>
+          </a:prstGeom>
+          <a:solidFill>
+            <a:schemeClr val="accent4">
+              <a:lumMod val="60000"/>
+              <a:lumOff val="40000"/>
+            </a:schemeClr>
+          </a:solidFill>
+        </p:spPr>
+        <p:style>
+          <a:lnRef idx="2">
+            <a:schemeClr val="accent1">
+              <a:shade val="15000"/>
+            </a:schemeClr>
+          </a:lnRef>
+          <a:fillRef idx="1">
+            <a:schemeClr val="accent1"/>
+          </a:fillRef>
+          <a:effectRef idx="0">
+            <a:schemeClr val="accent1"/>
+          </a:effectRef>
+          <a:fontRef idx="minor">
+            <a:schemeClr val="lt1"/>
+          </a:fontRef>
+        </p:style>
+        <p:txBody>
+          <a:bodyPr rtlCol="0" anchor="ctr"/>
+          <a:lstStyle/>
+          <a:p>
+            <a:pPr algn="ctr"/>
+            <a:r>
+              <a:rPr lang="en-US" altLang="ko-KR" b="1" dirty="0">
+                <a:solidFill>
+                  <a:schemeClr val="tx2"/>
+                </a:solidFill>
+              </a:rPr>
+              <a:t>a</a:t>
+            </a:r>
+            <a:br>
+              <a:rPr lang="en-US" altLang="ko-KR" b="1" dirty="0">
+                <a:solidFill>
+                  <a:schemeClr val="tx2"/>
+                </a:solidFill>
+              </a:rPr>
+            </a:br>
+            <a:br>
+              <a:rPr lang="en-US" altLang="ko-KR" b="1" dirty="0">
+                <a:solidFill>
+                  <a:schemeClr val="tx2"/>
+                </a:solidFill>
+              </a:rPr>
+            </a:br>
+            <a:r>
+              <a:rPr lang="en-US" altLang="ko-KR" b="1" dirty="0">
+                <a:solidFill>
+                  <a:schemeClr val="tx2"/>
+                </a:solidFill>
+              </a:rPr>
+              <a:t>b</a:t>
+            </a:r>
+            <a:br>
+              <a:rPr lang="en-US" altLang="ko-KR" b="1" dirty="0">
+                <a:solidFill>
+                  <a:schemeClr val="tx2"/>
+                </a:solidFill>
+              </a:rPr>
+            </a:br>
+            <a:br>
+              <a:rPr lang="en-US" altLang="ko-KR" b="1" dirty="0">
+                <a:solidFill>
+                  <a:schemeClr val="tx2"/>
+                </a:solidFill>
+              </a:rPr>
+            </a:br>
+            <a:r>
+              <a:rPr lang="en-US" altLang="ko-KR" b="1" dirty="0">
+                <a:solidFill>
+                  <a:schemeClr val="tx2"/>
+                </a:solidFill>
+              </a:rPr>
+              <a:t>c</a:t>
+            </a:r>
+            <a:br>
+              <a:rPr lang="en-US" altLang="ko-KR" b="1" dirty="0">
+                <a:solidFill>
+                  <a:schemeClr val="tx2"/>
+                </a:solidFill>
+              </a:rPr>
+            </a:br>
+            <a:br>
+              <a:rPr lang="en-US" altLang="ko-KR" b="1" dirty="0">
+                <a:solidFill>
+                  <a:schemeClr val="tx2"/>
+                </a:solidFill>
+              </a:rPr>
+            </a:br>
+            <a:r>
+              <a:rPr lang="en-US" altLang="ko-KR" b="1" dirty="0">
+                <a:solidFill>
+                  <a:schemeClr val="tx2"/>
+                </a:solidFill>
+              </a:rPr>
+              <a:t>d</a:t>
+            </a:r>
+            <a:endParaRPr lang="ko-KR" altLang="en-US" b="1" dirty="0">
+              <a:solidFill>
+                <a:schemeClr val="tx2"/>
+              </a:solidFill>
+            </a:endParaRPr>
+          </a:p>
+        </p:txBody>
+      </p:sp>
+      <p:sp>
+        <p:nvSpPr>
+          <p:cNvPr id="8" name="TextBox 7">
+            <a:extLst>
+              <a:ext uri="{FF2B5EF4-FFF2-40B4-BE49-F238E27FC236}">
+                <a16:creationId xmlns:a16="http://schemas.microsoft.com/office/drawing/2014/main" id="{1B0D8198-5A3A-6DEC-07EA-13B0E124C7C6}"/>
+              </a:ext>
+            </a:extLst>
+          </p:cNvPr>
+          <p:cNvSpPr txBox="1"/>
+          <p:nvPr/>
+        </p:nvSpPr>
+        <p:spPr>
+          <a:xfrm>
+            <a:off x="3984725" y="1849813"/>
+            <a:ext cx="335348" cy="369332"/>
+          </a:xfrm>
+          <a:prstGeom prst="rect">
+            <a:avLst/>
+          </a:prstGeom>
+          <a:noFill/>
+        </p:spPr>
+        <p:txBody>
+          <a:bodyPr wrap="none" rtlCol="0">
+            <a:spAutoFit/>
+          </a:bodyPr>
+          <a:lstStyle/>
+          <a:p>
+            <a:r>
+              <a:rPr lang="en-US" altLang="ko-KR" b="1" dirty="0"/>
+              <a:t>X</a:t>
+            </a:r>
+            <a:endParaRPr lang="ko-KR" altLang="en-US" b="1" dirty="0"/>
+          </a:p>
+        </p:txBody>
+      </p:sp>
+      <p:sp>
+        <p:nvSpPr>
+          <p:cNvPr id="11" name="TextBox 10">
+            <a:extLst>
+              <a:ext uri="{FF2B5EF4-FFF2-40B4-BE49-F238E27FC236}">
+                <a16:creationId xmlns:a16="http://schemas.microsoft.com/office/drawing/2014/main" id="{9A39A287-EC13-6C85-B89A-F65954B9AF82}"/>
+              </a:ext>
+            </a:extLst>
+          </p:cNvPr>
+          <p:cNvSpPr txBox="1"/>
+          <p:nvPr/>
+        </p:nvSpPr>
+        <p:spPr>
+          <a:xfrm>
+            <a:off x="6424313" y="1849813"/>
+            <a:ext cx="325730" cy="369332"/>
+          </a:xfrm>
+          <a:prstGeom prst="rect">
+            <a:avLst/>
+          </a:prstGeom>
+          <a:noFill/>
+        </p:spPr>
+        <p:txBody>
+          <a:bodyPr wrap="none" rtlCol="0">
+            <a:spAutoFit/>
+          </a:bodyPr>
+          <a:lstStyle/>
+          <a:p>
+            <a:r>
+              <a:rPr lang="en-US" altLang="ko-KR" b="1" dirty="0"/>
+              <a:t>Z</a:t>
+            </a:r>
+            <a:endParaRPr lang="ko-KR" altLang="en-US" b="1" dirty="0"/>
+          </a:p>
+        </p:txBody>
+      </p:sp>
+      <p:cxnSp>
+        <p:nvCxnSpPr>
+          <p:cNvPr id="14" name="직선 화살표 연결선 13">
+            <a:extLst>
+              <a:ext uri="{FF2B5EF4-FFF2-40B4-BE49-F238E27FC236}">
+                <a16:creationId xmlns:a16="http://schemas.microsoft.com/office/drawing/2014/main" id="{51AA8257-9D87-2414-F7A7-84710F49E41D}"/>
+              </a:ext>
+            </a:extLst>
+          </p:cNvPr>
+          <p:cNvCxnSpPr>
+            <a:cxnSpLocks/>
+          </p:cNvCxnSpPr>
+          <p:nvPr/>
+        </p:nvCxnSpPr>
+        <p:spPr>
+          <a:xfrm>
+            <a:off x="4537411" y="2692400"/>
+            <a:ext cx="1767136" cy="1664200"/>
+          </a:xfrm>
+          <a:prstGeom prst="straightConnector1">
+            <a:avLst/>
+          </a:prstGeom>
+          <a:ln w="38100">
+            <a:solidFill>
+              <a:schemeClr val="tx1"/>
+            </a:solidFill>
+            <a:tailEnd type="triangle"/>
+          </a:ln>
+        </p:spPr>
+        <p:style>
+          <a:lnRef idx="2">
+            <a:schemeClr val="accent1"/>
+          </a:lnRef>
+          <a:fillRef idx="0">
+            <a:schemeClr val="accent1"/>
+          </a:fillRef>
+          <a:effectRef idx="1">
+            <a:schemeClr val="accent1"/>
+          </a:effectRef>
+          <a:fontRef idx="minor">
+            <a:schemeClr val="tx1"/>
+          </a:fontRef>
+        </p:style>
+      </p:cxnSp>
+      <p:cxnSp>
+        <p:nvCxnSpPr>
+          <p:cNvPr id="3" name="직선 화살표 연결선 2">
+            <a:extLst>
+              <a:ext uri="{FF2B5EF4-FFF2-40B4-BE49-F238E27FC236}">
+                <a16:creationId xmlns:a16="http://schemas.microsoft.com/office/drawing/2014/main" id="{80E3E26B-4D7C-4858-CD6A-4AB3057561FB}"/>
+              </a:ext>
+            </a:extLst>
+          </p:cNvPr>
+          <p:cNvCxnSpPr>
+            <a:cxnSpLocks/>
+          </p:cNvCxnSpPr>
+          <p:nvPr/>
+        </p:nvCxnSpPr>
+        <p:spPr>
+          <a:xfrm flipV="1">
+            <a:off x="4537411" y="2783029"/>
+            <a:ext cx="1767136" cy="513305"/>
+          </a:xfrm>
+          <a:prstGeom prst="straightConnector1">
+            <a:avLst/>
+          </a:prstGeom>
+          <a:ln w="38100">
+            <a:solidFill>
+              <a:schemeClr val="tx1"/>
+            </a:solidFill>
+            <a:tailEnd type="triangle"/>
+          </a:ln>
+        </p:spPr>
+        <p:style>
+          <a:lnRef idx="2">
+            <a:schemeClr val="accent1"/>
+          </a:lnRef>
+          <a:fillRef idx="0">
+            <a:schemeClr val="accent1"/>
+          </a:fillRef>
+          <a:effectRef idx="1">
+            <a:schemeClr val="accent1"/>
+          </a:effectRef>
+          <a:fontRef idx="minor">
+            <a:schemeClr val="tx1"/>
+          </a:fontRef>
+        </p:style>
+      </p:cxnSp>
+      <p:cxnSp>
+        <p:nvCxnSpPr>
+          <p:cNvPr id="6" name="직선 화살표 연결선 5">
+            <a:extLst>
+              <a:ext uri="{FF2B5EF4-FFF2-40B4-BE49-F238E27FC236}">
+                <a16:creationId xmlns:a16="http://schemas.microsoft.com/office/drawing/2014/main" id="{254F01B8-981F-4C59-3BAF-BD70E3166121}"/>
+              </a:ext>
+            </a:extLst>
+          </p:cNvPr>
+          <p:cNvCxnSpPr>
+            <a:cxnSpLocks/>
+          </p:cNvCxnSpPr>
+          <p:nvPr/>
+        </p:nvCxnSpPr>
+        <p:spPr>
+          <a:xfrm flipV="1">
+            <a:off x="4537411" y="2809036"/>
+            <a:ext cx="1767136" cy="962864"/>
+          </a:xfrm>
+          <a:prstGeom prst="straightConnector1">
+            <a:avLst/>
+          </a:prstGeom>
+          <a:ln w="38100">
+            <a:solidFill>
+              <a:schemeClr val="tx1"/>
+            </a:solidFill>
+            <a:tailEnd type="triangle"/>
+          </a:ln>
+        </p:spPr>
+        <p:style>
+          <a:lnRef idx="2">
+            <a:schemeClr val="accent1"/>
+          </a:lnRef>
+          <a:fillRef idx="0">
+            <a:schemeClr val="accent1"/>
+          </a:fillRef>
+          <a:effectRef idx="1">
+            <a:schemeClr val="accent1"/>
+          </a:effectRef>
+          <a:fontRef idx="minor">
+            <a:schemeClr val="tx1"/>
+          </a:fontRef>
+        </p:style>
+      </p:cxnSp>
+      <p:cxnSp>
+        <p:nvCxnSpPr>
+          <p:cNvPr id="15" name="직선 화살표 연결선 14">
+            <a:extLst>
+              <a:ext uri="{FF2B5EF4-FFF2-40B4-BE49-F238E27FC236}">
+                <a16:creationId xmlns:a16="http://schemas.microsoft.com/office/drawing/2014/main" id="{380BA000-CDB6-1881-F301-1D2B3DF7A05E}"/>
+              </a:ext>
+            </a:extLst>
+          </p:cNvPr>
+          <p:cNvCxnSpPr>
+            <a:cxnSpLocks/>
+          </p:cNvCxnSpPr>
+          <p:nvPr/>
+        </p:nvCxnSpPr>
+        <p:spPr>
+          <a:xfrm flipV="1">
+            <a:off x="4537410" y="2855495"/>
+            <a:ext cx="1767137" cy="1454646"/>
+          </a:xfrm>
+          <a:prstGeom prst="straightConnector1">
+            <a:avLst/>
+          </a:prstGeom>
+          <a:ln w="38100">
+            <a:solidFill>
+              <a:schemeClr val="tx1"/>
+            </a:solidFill>
+            <a:tailEnd type="triangle"/>
+          </a:ln>
+        </p:spPr>
+        <p:style>
+          <a:lnRef idx="2">
+            <a:schemeClr val="accent1"/>
+          </a:lnRef>
+          <a:fillRef idx="0">
+            <a:schemeClr val="accent1"/>
+          </a:fillRef>
+          <a:effectRef idx="1">
+            <a:schemeClr val="accent1"/>
+          </a:effectRef>
+          <a:fontRef idx="minor">
+            <a:schemeClr val="tx1"/>
+          </a:fontRef>
+        </p:style>
+      </p:cxnSp>
+      <p:sp>
+        <p:nvSpPr>
+          <p:cNvPr id="25" name="TextBox 24">
+            <a:extLst>
+              <a:ext uri="{FF2B5EF4-FFF2-40B4-BE49-F238E27FC236}">
+                <a16:creationId xmlns:a16="http://schemas.microsoft.com/office/drawing/2014/main" id="{A40E095E-1FAD-9DC0-DB47-C0D1DF8CEC87}"/>
+              </a:ext>
+            </a:extLst>
+          </p:cNvPr>
+          <p:cNvSpPr txBox="1"/>
+          <p:nvPr/>
+        </p:nvSpPr>
+        <p:spPr>
+          <a:xfrm>
+            <a:off x="4789758" y="4505058"/>
+            <a:ext cx="1164871" cy="369332"/>
+          </a:xfrm>
+          <a:prstGeom prst="rect">
+            <a:avLst/>
+          </a:prstGeom>
+          <a:noFill/>
+        </p:spPr>
+        <p:txBody>
+          <a:bodyPr wrap="none" rtlCol="0">
+            <a:spAutoFit/>
+          </a:bodyPr>
+          <a:lstStyle/>
+          <a:p>
+            <a:r>
+              <a:rPr lang="en-US" altLang="ko-KR" b="1" dirty="0"/>
+              <a:t>(g ∘ f)(x)</a:t>
+            </a:r>
+            <a:endParaRPr lang="ko-KR" altLang="en-US" b="1" dirty="0"/>
+          </a:p>
+        </p:txBody>
+      </p:sp>
+    </p:spTree>
+    <p:extLst>
+      <p:ext uri="{BB962C8B-B14F-4D97-AF65-F5344CB8AC3E}">
+        <p14:creationId xmlns:p14="http://schemas.microsoft.com/office/powerpoint/2010/main" val="2499356620"/>
+      </p:ext>
+    </p:extLst>
+  </p:cSld>
+  <p:clrMapOvr>
+    <a:masterClrMapping/>
+  </p:clrMapOvr>
+</p:sld>
+</file>
+
 <file path=ppt/slides/slide2.xml><?xml version="1.0" encoding="utf-8"?>
 <p:sld xmlns:a="http://schemas.openxmlformats.org/drawingml/2006/main" xmlns:r="http://schemas.openxmlformats.org/officeDocument/2006/relationships" xmlns:p="http://schemas.openxmlformats.org/presentationml/2006/main">
   <p:cSld>
@@ -12064,6 +13711,4644 @@
     <p:extLst>
       <p:ext uri="{BB962C8B-B14F-4D97-AF65-F5344CB8AC3E}">
         <p14:creationId xmlns:p14="http://schemas.microsoft.com/office/powerpoint/2010/main" val="2061213387"/>
+      </p:ext>
+    </p:extLst>
+  </p:cSld>
+  <p:clrMapOvr>
+    <a:masterClrMapping/>
+  </p:clrMapOvr>
+</p:sld>
+</file>
+
+<file path=ppt/slides/slide20.xml><?xml version="1.0" encoding="utf-8"?>
+<p:sld xmlns:a="http://schemas.openxmlformats.org/drawingml/2006/main" xmlns:r="http://schemas.openxmlformats.org/officeDocument/2006/relationships" xmlns:p="http://schemas.openxmlformats.org/presentationml/2006/main">
+  <p:cSld>
+    <p:spTree>
+      <p:nvGrpSpPr>
+        <p:cNvPr id="1" name="">
+          <a:extLst>
+            <a:ext uri="{FF2B5EF4-FFF2-40B4-BE49-F238E27FC236}">
+              <a16:creationId xmlns:a16="http://schemas.microsoft.com/office/drawing/2014/main" id="{2EAE5BBF-070B-C59B-1C67-B2276541F10C}"/>
+            </a:ext>
+          </a:extLst>
+        </p:cNvPr>
+        <p:cNvGrpSpPr/>
+        <p:nvPr/>
+      </p:nvGrpSpPr>
+      <p:grpSpPr>
+        <a:xfrm>
+          <a:off x="0" y="0"/>
+          <a:ext cx="0" cy="0"/>
+          <a:chOff x="0" y="0"/>
+          <a:chExt cx="0" cy="0"/>
+        </a:xfrm>
+      </p:grpSpPr>
+      <p:sp>
+        <p:nvSpPr>
+          <p:cNvPr id="19" name="직사각형 18">
+            <a:extLst>
+              <a:ext uri="{FF2B5EF4-FFF2-40B4-BE49-F238E27FC236}">
+                <a16:creationId xmlns:a16="http://schemas.microsoft.com/office/drawing/2014/main" id="{8DF80DE1-DF62-5E74-C729-674ABF07E40F}"/>
+              </a:ext>
+            </a:extLst>
+          </p:cNvPr>
+          <p:cNvSpPr/>
+          <p:nvPr/>
+        </p:nvSpPr>
+        <p:spPr>
+          <a:xfrm>
+            <a:off x="850232" y="1752600"/>
+            <a:ext cx="9079831" cy="3316706"/>
+          </a:xfrm>
+          <a:prstGeom prst="rect">
+            <a:avLst/>
+          </a:prstGeom>
+          <a:solidFill>
+            <a:schemeClr val="bg1"/>
+          </a:solidFill>
+          <a:ln>
+            <a:noFill/>
+          </a:ln>
+        </p:spPr>
+        <p:style>
+          <a:lnRef idx="2">
+            <a:schemeClr val="accent1">
+              <a:shade val="15000"/>
+            </a:schemeClr>
+          </a:lnRef>
+          <a:fillRef idx="1">
+            <a:schemeClr val="accent1"/>
+          </a:fillRef>
+          <a:effectRef idx="0">
+            <a:schemeClr val="accent1"/>
+          </a:effectRef>
+          <a:fontRef idx="minor">
+            <a:schemeClr val="lt1"/>
+          </a:fontRef>
+        </p:style>
+        <p:txBody>
+          <a:bodyPr rtlCol="0" anchor="ctr"/>
+          <a:lstStyle/>
+          <a:p>
+            <a:pPr algn="ctr"/>
+            <a:endParaRPr lang="ko-KR" altLang="en-US"/>
+          </a:p>
+        </p:txBody>
+      </p:sp>
+      <p:sp>
+        <p:nvSpPr>
+          <p:cNvPr id="2" name="타원 1">
+            <a:extLst>
+              <a:ext uri="{FF2B5EF4-FFF2-40B4-BE49-F238E27FC236}">
+                <a16:creationId xmlns:a16="http://schemas.microsoft.com/office/drawing/2014/main" id="{13AF26E3-F394-651E-1FF5-C6FBB90CE38A}"/>
+              </a:ext>
+            </a:extLst>
+          </p:cNvPr>
+          <p:cNvSpPr/>
+          <p:nvPr/>
+        </p:nvSpPr>
+        <p:spPr>
+          <a:xfrm>
+            <a:off x="3494673" y="2219145"/>
+            <a:ext cx="1315453" cy="2582779"/>
+          </a:xfrm>
+          <a:prstGeom prst="ellipse">
+            <a:avLst/>
+          </a:prstGeom>
+          <a:solidFill>
+            <a:schemeClr val="accent6">
+              <a:lumMod val="60000"/>
+              <a:lumOff val="40000"/>
+            </a:schemeClr>
+          </a:solidFill>
+        </p:spPr>
+        <p:style>
+          <a:lnRef idx="2">
+            <a:schemeClr val="accent1">
+              <a:shade val="15000"/>
+            </a:schemeClr>
+          </a:lnRef>
+          <a:fillRef idx="1">
+            <a:schemeClr val="accent1"/>
+          </a:fillRef>
+          <a:effectRef idx="0">
+            <a:schemeClr val="accent1"/>
+          </a:effectRef>
+          <a:fontRef idx="minor">
+            <a:schemeClr val="lt1"/>
+          </a:fontRef>
+        </p:style>
+        <p:txBody>
+          <a:bodyPr rtlCol="0" anchor="ctr"/>
+          <a:lstStyle/>
+          <a:p>
+            <a:pPr algn="ctr"/>
+            <a:r>
+              <a:rPr lang="en-US" altLang="ko-KR" b="1" dirty="0">
+                <a:solidFill>
+                  <a:schemeClr val="tx2"/>
+                </a:solidFill>
+              </a:rPr>
+              <a:t>1</a:t>
+            </a:r>
+            <a:br>
+              <a:rPr lang="en-US" altLang="ko-KR" b="1" dirty="0">
+                <a:solidFill>
+                  <a:schemeClr val="tx2"/>
+                </a:solidFill>
+              </a:rPr>
+            </a:br>
+            <a:br>
+              <a:rPr lang="en-US" altLang="ko-KR" b="1" dirty="0">
+                <a:solidFill>
+                  <a:schemeClr val="tx2"/>
+                </a:solidFill>
+              </a:rPr>
+            </a:br>
+            <a:r>
+              <a:rPr lang="en-US" altLang="ko-KR" b="1" dirty="0">
+                <a:solidFill>
+                  <a:schemeClr val="tx2"/>
+                </a:solidFill>
+              </a:rPr>
+              <a:t>2</a:t>
+            </a:r>
+            <a:br>
+              <a:rPr lang="en-US" altLang="ko-KR" b="1" dirty="0">
+                <a:solidFill>
+                  <a:schemeClr val="tx2"/>
+                </a:solidFill>
+              </a:rPr>
+            </a:br>
+            <a:br>
+              <a:rPr lang="en-US" altLang="ko-KR" b="1" dirty="0">
+                <a:solidFill>
+                  <a:schemeClr val="tx2"/>
+                </a:solidFill>
+              </a:rPr>
+            </a:br>
+            <a:r>
+              <a:rPr lang="en-US" altLang="ko-KR" b="1" dirty="0">
+                <a:solidFill>
+                  <a:schemeClr val="tx2"/>
+                </a:solidFill>
+              </a:rPr>
+              <a:t>3</a:t>
+            </a:r>
+            <a:br>
+              <a:rPr lang="en-US" altLang="ko-KR" b="1" dirty="0">
+                <a:solidFill>
+                  <a:schemeClr val="tx2"/>
+                </a:solidFill>
+              </a:rPr>
+            </a:br>
+            <a:br>
+              <a:rPr lang="en-US" altLang="ko-KR" b="1" dirty="0">
+                <a:solidFill>
+                  <a:schemeClr val="tx2"/>
+                </a:solidFill>
+              </a:rPr>
+            </a:br>
+            <a:r>
+              <a:rPr lang="en-US" altLang="ko-KR" b="1" dirty="0">
+                <a:solidFill>
+                  <a:schemeClr val="tx2"/>
+                </a:solidFill>
+              </a:rPr>
+              <a:t>4</a:t>
+            </a:r>
+            <a:endParaRPr lang="ko-KR" altLang="en-US" b="1" dirty="0">
+              <a:solidFill>
+                <a:schemeClr val="tx2"/>
+              </a:solidFill>
+            </a:endParaRPr>
+          </a:p>
+        </p:txBody>
+      </p:sp>
+      <p:sp>
+        <p:nvSpPr>
+          <p:cNvPr id="7" name="타원 6">
+            <a:extLst>
+              <a:ext uri="{FF2B5EF4-FFF2-40B4-BE49-F238E27FC236}">
+                <a16:creationId xmlns:a16="http://schemas.microsoft.com/office/drawing/2014/main" id="{629D4BFD-3383-8C9F-C71E-6D48E6240AE4}"/>
+              </a:ext>
+            </a:extLst>
+          </p:cNvPr>
+          <p:cNvSpPr/>
+          <p:nvPr/>
+        </p:nvSpPr>
+        <p:spPr>
+          <a:xfrm>
+            <a:off x="5934261" y="2219145"/>
+            <a:ext cx="1315453" cy="2582779"/>
+          </a:xfrm>
+          <a:prstGeom prst="ellipse">
+            <a:avLst/>
+          </a:prstGeom>
+          <a:solidFill>
+            <a:schemeClr val="bg1">
+              <a:lumMod val="75000"/>
+            </a:schemeClr>
+          </a:solidFill>
+        </p:spPr>
+        <p:style>
+          <a:lnRef idx="2">
+            <a:schemeClr val="accent1">
+              <a:shade val="15000"/>
+            </a:schemeClr>
+          </a:lnRef>
+          <a:fillRef idx="1">
+            <a:schemeClr val="accent1"/>
+          </a:fillRef>
+          <a:effectRef idx="0">
+            <a:schemeClr val="accent1"/>
+          </a:effectRef>
+          <a:fontRef idx="minor">
+            <a:schemeClr val="lt1"/>
+          </a:fontRef>
+        </p:style>
+        <p:txBody>
+          <a:bodyPr rtlCol="0" anchor="ctr"/>
+          <a:lstStyle/>
+          <a:p>
+            <a:pPr algn="ctr"/>
+            <a:r>
+              <a:rPr lang="en-US" altLang="ko-KR" b="1" dirty="0">
+                <a:solidFill>
+                  <a:schemeClr val="tx2"/>
+                </a:solidFill>
+              </a:rPr>
+              <a:t>A</a:t>
+            </a:r>
+            <a:br>
+              <a:rPr lang="en-US" altLang="ko-KR" b="1" dirty="0">
+                <a:solidFill>
+                  <a:schemeClr val="tx2"/>
+                </a:solidFill>
+              </a:rPr>
+            </a:br>
+            <a:br>
+              <a:rPr lang="en-US" altLang="ko-KR" b="1" dirty="0">
+                <a:solidFill>
+                  <a:schemeClr val="tx2"/>
+                </a:solidFill>
+              </a:rPr>
+            </a:br>
+            <a:r>
+              <a:rPr lang="en-US" altLang="ko-KR" b="1" dirty="0">
+                <a:solidFill>
+                  <a:schemeClr val="tx2"/>
+                </a:solidFill>
+              </a:rPr>
+              <a:t>B</a:t>
+            </a:r>
+            <a:br>
+              <a:rPr lang="en-US" altLang="ko-KR" b="1" dirty="0">
+                <a:solidFill>
+                  <a:schemeClr val="tx2"/>
+                </a:solidFill>
+              </a:rPr>
+            </a:br>
+            <a:br>
+              <a:rPr lang="en-US" altLang="ko-KR" b="1" dirty="0">
+                <a:solidFill>
+                  <a:schemeClr val="tx2"/>
+                </a:solidFill>
+              </a:rPr>
+            </a:br>
+            <a:r>
+              <a:rPr lang="en-US" altLang="ko-KR" b="1" dirty="0">
+                <a:solidFill>
+                  <a:schemeClr val="tx2"/>
+                </a:solidFill>
+              </a:rPr>
+              <a:t>C</a:t>
+            </a:r>
+            <a:br>
+              <a:rPr lang="en-US" altLang="ko-KR" b="1" dirty="0">
+                <a:solidFill>
+                  <a:schemeClr val="tx2"/>
+                </a:solidFill>
+              </a:rPr>
+            </a:br>
+            <a:br>
+              <a:rPr lang="en-US" altLang="ko-KR" b="1" dirty="0">
+                <a:solidFill>
+                  <a:schemeClr val="tx2"/>
+                </a:solidFill>
+              </a:rPr>
+            </a:br>
+            <a:r>
+              <a:rPr lang="en-US" altLang="ko-KR" b="1" dirty="0">
+                <a:solidFill>
+                  <a:schemeClr val="tx2"/>
+                </a:solidFill>
+              </a:rPr>
+              <a:t>D</a:t>
+            </a:r>
+            <a:endParaRPr lang="ko-KR" altLang="en-US" b="1" dirty="0">
+              <a:solidFill>
+                <a:schemeClr val="tx2"/>
+              </a:solidFill>
+            </a:endParaRPr>
+          </a:p>
+        </p:txBody>
+      </p:sp>
+      <p:sp>
+        <p:nvSpPr>
+          <p:cNvPr id="8" name="TextBox 7">
+            <a:extLst>
+              <a:ext uri="{FF2B5EF4-FFF2-40B4-BE49-F238E27FC236}">
+                <a16:creationId xmlns:a16="http://schemas.microsoft.com/office/drawing/2014/main" id="{999939EF-FE77-3610-F4CC-072E12BAF471}"/>
+              </a:ext>
+            </a:extLst>
+          </p:cNvPr>
+          <p:cNvSpPr txBox="1"/>
+          <p:nvPr/>
+        </p:nvSpPr>
+        <p:spPr>
+          <a:xfrm>
+            <a:off x="3984725" y="1849813"/>
+            <a:ext cx="335348" cy="369332"/>
+          </a:xfrm>
+          <a:prstGeom prst="rect">
+            <a:avLst/>
+          </a:prstGeom>
+          <a:noFill/>
+        </p:spPr>
+        <p:txBody>
+          <a:bodyPr wrap="none" rtlCol="0">
+            <a:spAutoFit/>
+          </a:bodyPr>
+          <a:lstStyle/>
+          <a:p>
+            <a:r>
+              <a:rPr lang="en-US" altLang="ko-KR" b="1" dirty="0"/>
+              <a:t>X</a:t>
+            </a:r>
+            <a:endParaRPr lang="ko-KR" altLang="en-US" b="1" dirty="0"/>
+          </a:p>
+        </p:txBody>
+      </p:sp>
+      <p:sp>
+        <p:nvSpPr>
+          <p:cNvPr id="11" name="TextBox 10">
+            <a:extLst>
+              <a:ext uri="{FF2B5EF4-FFF2-40B4-BE49-F238E27FC236}">
+                <a16:creationId xmlns:a16="http://schemas.microsoft.com/office/drawing/2014/main" id="{1032546C-A0F6-DC5D-6B4F-8254B4A7800B}"/>
+              </a:ext>
+            </a:extLst>
+          </p:cNvPr>
+          <p:cNvSpPr txBox="1"/>
+          <p:nvPr/>
+        </p:nvSpPr>
+        <p:spPr>
+          <a:xfrm>
+            <a:off x="6424313" y="1849813"/>
+            <a:ext cx="335348" cy="369332"/>
+          </a:xfrm>
+          <a:prstGeom prst="rect">
+            <a:avLst/>
+          </a:prstGeom>
+          <a:noFill/>
+        </p:spPr>
+        <p:txBody>
+          <a:bodyPr wrap="none" rtlCol="0">
+            <a:spAutoFit/>
+          </a:bodyPr>
+          <a:lstStyle/>
+          <a:p>
+            <a:r>
+              <a:rPr lang="en-US" altLang="ko-KR" b="1" dirty="0"/>
+              <a:t>Y</a:t>
+            </a:r>
+            <a:endParaRPr lang="ko-KR" altLang="en-US" b="1" dirty="0"/>
+          </a:p>
+        </p:txBody>
+      </p:sp>
+      <p:cxnSp>
+        <p:nvCxnSpPr>
+          <p:cNvPr id="14" name="직선 화살표 연결선 13">
+            <a:extLst>
+              <a:ext uri="{FF2B5EF4-FFF2-40B4-BE49-F238E27FC236}">
+                <a16:creationId xmlns:a16="http://schemas.microsoft.com/office/drawing/2014/main" id="{6C134DB9-4DC5-AD05-BA22-F39F53F66B9B}"/>
+              </a:ext>
+            </a:extLst>
+          </p:cNvPr>
+          <p:cNvCxnSpPr>
+            <a:cxnSpLocks/>
+          </p:cNvCxnSpPr>
+          <p:nvPr/>
+        </p:nvCxnSpPr>
+        <p:spPr>
+          <a:xfrm flipV="1">
+            <a:off x="4537411" y="2685690"/>
+            <a:ext cx="1767136" cy="6710"/>
+          </a:xfrm>
+          <a:prstGeom prst="straightConnector1">
+            <a:avLst/>
+          </a:prstGeom>
+          <a:ln w="38100">
+            <a:solidFill>
+              <a:schemeClr val="tx1"/>
+            </a:solidFill>
+            <a:tailEnd type="triangle"/>
+          </a:ln>
+        </p:spPr>
+        <p:style>
+          <a:lnRef idx="2">
+            <a:schemeClr val="accent1"/>
+          </a:lnRef>
+          <a:fillRef idx="0">
+            <a:schemeClr val="accent1"/>
+          </a:fillRef>
+          <a:effectRef idx="1">
+            <a:schemeClr val="accent1"/>
+          </a:effectRef>
+          <a:fontRef idx="minor">
+            <a:schemeClr val="tx1"/>
+          </a:fontRef>
+        </p:style>
+      </p:cxnSp>
+      <p:cxnSp>
+        <p:nvCxnSpPr>
+          <p:cNvPr id="3" name="직선 화살표 연결선 2">
+            <a:extLst>
+              <a:ext uri="{FF2B5EF4-FFF2-40B4-BE49-F238E27FC236}">
+                <a16:creationId xmlns:a16="http://schemas.microsoft.com/office/drawing/2014/main" id="{7A6B3173-B682-9F8A-0513-DF4F29B0A620}"/>
+              </a:ext>
+            </a:extLst>
+          </p:cNvPr>
+          <p:cNvCxnSpPr>
+            <a:cxnSpLocks/>
+          </p:cNvCxnSpPr>
+          <p:nvPr/>
+        </p:nvCxnSpPr>
+        <p:spPr>
+          <a:xfrm>
+            <a:off x="4537411" y="3296334"/>
+            <a:ext cx="1767136" cy="475566"/>
+          </a:xfrm>
+          <a:prstGeom prst="straightConnector1">
+            <a:avLst/>
+          </a:prstGeom>
+          <a:ln w="38100">
+            <a:solidFill>
+              <a:schemeClr val="tx1"/>
+            </a:solidFill>
+            <a:tailEnd type="triangle"/>
+          </a:ln>
+        </p:spPr>
+        <p:style>
+          <a:lnRef idx="2">
+            <a:schemeClr val="accent1"/>
+          </a:lnRef>
+          <a:fillRef idx="0">
+            <a:schemeClr val="accent1"/>
+          </a:fillRef>
+          <a:effectRef idx="1">
+            <a:schemeClr val="accent1"/>
+          </a:effectRef>
+          <a:fontRef idx="minor">
+            <a:schemeClr val="tx1"/>
+          </a:fontRef>
+        </p:style>
+      </p:cxnSp>
+      <p:cxnSp>
+        <p:nvCxnSpPr>
+          <p:cNvPr id="6" name="직선 화살표 연결선 5">
+            <a:extLst>
+              <a:ext uri="{FF2B5EF4-FFF2-40B4-BE49-F238E27FC236}">
+                <a16:creationId xmlns:a16="http://schemas.microsoft.com/office/drawing/2014/main" id="{482ED24A-7426-7B8E-DDE8-1E832364FFEE}"/>
+              </a:ext>
+            </a:extLst>
+          </p:cNvPr>
+          <p:cNvCxnSpPr>
+            <a:cxnSpLocks/>
+          </p:cNvCxnSpPr>
+          <p:nvPr/>
+        </p:nvCxnSpPr>
+        <p:spPr>
+          <a:xfrm>
+            <a:off x="4537411" y="3771900"/>
+            <a:ext cx="1767136" cy="46459"/>
+          </a:xfrm>
+          <a:prstGeom prst="straightConnector1">
+            <a:avLst/>
+          </a:prstGeom>
+          <a:ln w="38100">
+            <a:solidFill>
+              <a:schemeClr val="tx1"/>
+            </a:solidFill>
+            <a:tailEnd type="triangle"/>
+          </a:ln>
+        </p:spPr>
+        <p:style>
+          <a:lnRef idx="2">
+            <a:schemeClr val="accent1"/>
+          </a:lnRef>
+          <a:fillRef idx="0">
+            <a:schemeClr val="accent1"/>
+          </a:fillRef>
+          <a:effectRef idx="1">
+            <a:schemeClr val="accent1"/>
+          </a:effectRef>
+          <a:fontRef idx="minor">
+            <a:schemeClr val="tx1"/>
+          </a:fontRef>
+        </p:style>
+      </p:cxnSp>
+      <p:cxnSp>
+        <p:nvCxnSpPr>
+          <p:cNvPr id="15" name="직선 화살표 연결선 14">
+            <a:extLst>
+              <a:ext uri="{FF2B5EF4-FFF2-40B4-BE49-F238E27FC236}">
+                <a16:creationId xmlns:a16="http://schemas.microsoft.com/office/drawing/2014/main" id="{E50D6794-CBAB-8D8E-4296-A7AF83873CFD}"/>
+              </a:ext>
+            </a:extLst>
+          </p:cNvPr>
+          <p:cNvCxnSpPr>
+            <a:cxnSpLocks/>
+          </p:cNvCxnSpPr>
+          <p:nvPr/>
+        </p:nvCxnSpPr>
+        <p:spPr>
+          <a:xfrm>
+            <a:off x="4537410" y="4310141"/>
+            <a:ext cx="1767137" cy="0"/>
+          </a:xfrm>
+          <a:prstGeom prst="straightConnector1">
+            <a:avLst/>
+          </a:prstGeom>
+          <a:ln w="38100">
+            <a:solidFill>
+              <a:schemeClr val="tx1"/>
+            </a:solidFill>
+            <a:tailEnd type="triangle"/>
+          </a:ln>
+        </p:spPr>
+        <p:style>
+          <a:lnRef idx="2">
+            <a:schemeClr val="accent1"/>
+          </a:lnRef>
+          <a:fillRef idx="0">
+            <a:schemeClr val="accent1"/>
+          </a:fillRef>
+          <a:effectRef idx="1">
+            <a:schemeClr val="accent1"/>
+          </a:effectRef>
+          <a:fontRef idx="minor">
+            <a:schemeClr val="tx1"/>
+          </a:fontRef>
+        </p:style>
+      </p:cxnSp>
+      <p:sp>
+        <p:nvSpPr>
+          <p:cNvPr id="12" name="타원 11">
+            <a:extLst>
+              <a:ext uri="{FF2B5EF4-FFF2-40B4-BE49-F238E27FC236}">
+                <a16:creationId xmlns:a16="http://schemas.microsoft.com/office/drawing/2014/main" id="{71F7C680-E691-85A5-E348-B8D5924C2AEB}"/>
+              </a:ext>
+            </a:extLst>
+          </p:cNvPr>
+          <p:cNvSpPr/>
+          <p:nvPr/>
+        </p:nvSpPr>
+        <p:spPr>
+          <a:xfrm>
+            <a:off x="8360273" y="2219145"/>
+            <a:ext cx="1315453" cy="2582779"/>
+          </a:xfrm>
+          <a:prstGeom prst="ellipse">
+            <a:avLst/>
+          </a:prstGeom>
+          <a:solidFill>
+            <a:schemeClr val="accent4">
+              <a:lumMod val="60000"/>
+              <a:lumOff val="40000"/>
+            </a:schemeClr>
+          </a:solidFill>
+        </p:spPr>
+        <p:style>
+          <a:lnRef idx="2">
+            <a:schemeClr val="accent1">
+              <a:shade val="15000"/>
+            </a:schemeClr>
+          </a:lnRef>
+          <a:fillRef idx="1">
+            <a:schemeClr val="accent1"/>
+          </a:fillRef>
+          <a:effectRef idx="0">
+            <a:schemeClr val="accent1"/>
+          </a:effectRef>
+          <a:fontRef idx="minor">
+            <a:schemeClr val="lt1"/>
+          </a:fontRef>
+        </p:style>
+        <p:txBody>
+          <a:bodyPr rtlCol="0" anchor="ctr"/>
+          <a:lstStyle/>
+          <a:p>
+            <a:pPr algn="ctr"/>
+            <a:r>
+              <a:rPr lang="en-US" altLang="ko-KR" b="1" dirty="0">
+                <a:solidFill>
+                  <a:schemeClr val="tx2"/>
+                </a:solidFill>
+              </a:rPr>
+              <a:t>a</a:t>
+            </a:r>
+            <a:br>
+              <a:rPr lang="en-US" altLang="ko-KR" b="1" dirty="0">
+                <a:solidFill>
+                  <a:schemeClr val="tx2"/>
+                </a:solidFill>
+              </a:rPr>
+            </a:br>
+            <a:br>
+              <a:rPr lang="en-US" altLang="ko-KR" b="1" dirty="0">
+                <a:solidFill>
+                  <a:schemeClr val="tx2"/>
+                </a:solidFill>
+              </a:rPr>
+            </a:br>
+            <a:r>
+              <a:rPr lang="en-US" altLang="ko-KR" b="1" dirty="0">
+                <a:solidFill>
+                  <a:schemeClr val="tx2"/>
+                </a:solidFill>
+              </a:rPr>
+              <a:t>b</a:t>
+            </a:r>
+            <a:br>
+              <a:rPr lang="en-US" altLang="ko-KR" b="1" dirty="0">
+                <a:solidFill>
+                  <a:schemeClr val="tx2"/>
+                </a:solidFill>
+              </a:rPr>
+            </a:br>
+            <a:br>
+              <a:rPr lang="en-US" altLang="ko-KR" b="1" dirty="0">
+                <a:solidFill>
+                  <a:schemeClr val="tx2"/>
+                </a:solidFill>
+              </a:rPr>
+            </a:br>
+            <a:r>
+              <a:rPr lang="en-US" altLang="ko-KR" b="1" dirty="0">
+                <a:solidFill>
+                  <a:schemeClr val="tx2"/>
+                </a:solidFill>
+              </a:rPr>
+              <a:t>c</a:t>
+            </a:r>
+            <a:br>
+              <a:rPr lang="en-US" altLang="ko-KR" b="1" dirty="0">
+                <a:solidFill>
+                  <a:schemeClr val="tx2"/>
+                </a:solidFill>
+              </a:rPr>
+            </a:br>
+            <a:br>
+              <a:rPr lang="en-US" altLang="ko-KR" b="1" dirty="0">
+                <a:solidFill>
+                  <a:schemeClr val="tx2"/>
+                </a:solidFill>
+              </a:rPr>
+            </a:br>
+            <a:r>
+              <a:rPr lang="en-US" altLang="ko-KR" b="1" dirty="0">
+                <a:solidFill>
+                  <a:schemeClr val="tx2"/>
+                </a:solidFill>
+              </a:rPr>
+              <a:t>d</a:t>
+            </a:r>
+            <a:endParaRPr lang="ko-KR" altLang="en-US" b="1" dirty="0">
+              <a:solidFill>
+                <a:schemeClr val="tx2"/>
+              </a:solidFill>
+            </a:endParaRPr>
+          </a:p>
+        </p:txBody>
+      </p:sp>
+      <p:cxnSp>
+        <p:nvCxnSpPr>
+          <p:cNvPr id="13" name="직선 화살표 연결선 12">
+            <a:extLst>
+              <a:ext uri="{FF2B5EF4-FFF2-40B4-BE49-F238E27FC236}">
+                <a16:creationId xmlns:a16="http://schemas.microsoft.com/office/drawing/2014/main" id="{26BF8370-ED68-49A2-3FA3-D8F7735A183B}"/>
+              </a:ext>
+            </a:extLst>
+          </p:cNvPr>
+          <p:cNvCxnSpPr>
+            <a:cxnSpLocks/>
+          </p:cNvCxnSpPr>
+          <p:nvPr/>
+        </p:nvCxnSpPr>
+        <p:spPr>
+          <a:xfrm>
+            <a:off x="6990509" y="2692400"/>
+            <a:ext cx="1752438" cy="1617741"/>
+          </a:xfrm>
+          <a:prstGeom prst="straightConnector1">
+            <a:avLst/>
+          </a:prstGeom>
+          <a:ln w="38100">
+            <a:solidFill>
+              <a:schemeClr val="tx1"/>
+            </a:solidFill>
+            <a:tailEnd type="triangle"/>
+          </a:ln>
+        </p:spPr>
+        <p:style>
+          <a:lnRef idx="2">
+            <a:schemeClr val="accent1"/>
+          </a:lnRef>
+          <a:fillRef idx="0">
+            <a:schemeClr val="accent1"/>
+          </a:fillRef>
+          <a:effectRef idx="1">
+            <a:schemeClr val="accent1"/>
+          </a:effectRef>
+          <a:fontRef idx="minor">
+            <a:schemeClr val="tx1"/>
+          </a:fontRef>
+        </p:style>
+      </p:cxnSp>
+      <p:cxnSp>
+        <p:nvCxnSpPr>
+          <p:cNvPr id="17" name="직선 화살표 연결선 16">
+            <a:extLst>
+              <a:ext uri="{FF2B5EF4-FFF2-40B4-BE49-F238E27FC236}">
+                <a16:creationId xmlns:a16="http://schemas.microsoft.com/office/drawing/2014/main" id="{832BBF49-F2A5-D56A-F3F4-CB5B8C65E916}"/>
+              </a:ext>
+            </a:extLst>
+          </p:cNvPr>
+          <p:cNvCxnSpPr>
+            <a:cxnSpLocks/>
+          </p:cNvCxnSpPr>
+          <p:nvPr/>
+        </p:nvCxnSpPr>
+        <p:spPr>
+          <a:xfrm>
+            <a:off x="7005207" y="3317874"/>
+            <a:ext cx="1737740" cy="429288"/>
+          </a:xfrm>
+          <a:prstGeom prst="straightConnector1">
+            <a:avLst/>
+          </a:prstGeom>
+          <a:ln w="38100">
+            <a:solidFill>
+              <a:schemeClr val="tx1"/>
+            </a:solidFill>
+            <a:tailEnd type="triangle"/>
+          </a:ln>
+        </p:spPr>
+        <p:style>
+          <a:lnRef idx="2">
+            <a:schemeClr val="accent1"/>
+          </a:lnRef>
+          <a:fillRef idx="0">
+            <a:schemeClr val="accent1"/>
+          </a:fillRef>
+          <a:effectRef idx="1">
+            <a:schemeClr val="accent1"/>
+          </a:effectRef>
+          <a:fontRef idx="minor">
+            <a:schemeClr val="tx1"/>
+          </a:fontRef>
+        </p:style>
+      </p:cxnSp>
+      <p:cxnSp>
+        <p:nvCxnSpPr>
+          <p:cNvPr id="20" name="직선 화살표 연결선 19">
+            <a:extLst>
+              <a:ext uri="{FF2B5EF4-FFF2-40B4-BE49-F238E27FC236}">
+                <a16:creationId xmlns:a16="http://schemas.microsoft.com/office/drawing/2014/main" id="{ED8CAB42-3AA3-3C92-2551-68F4EAF2557D}"/>
+              </a:ext>
+            </a:extLst>
+          </p:cNvPr>
+          <p:cNvCxnSpPr>
+            <a:cxnSpLocks/>
+          </p:cNvCxnSpPr>
+          <p:nvPr/>
+        </p:nvCxnSpPr>
+        <p:spPr>
+          <a:xfrm flipV="1">
+            <a:off x="7005207" y="2692400"/>
+            <a:ext cx="1737740" cy="1131634"/>
+          </a:xfrm>
+          <a:prstGeom prst="straightConnector1">
+            <a:avLst/>
+          </a:prstGeom>
+          <a:ln w="38100">
+            <a:solidFill>
+              <a:schemeClr val="tx1"/>
+            </a:solidFill>
+            <a:tailEnd type="triangle"/>
+          </a:ln>
+        </p:spPr>
+        <p:style>
+          <a:lnRef idx="2">
+            <a:schemeClr val="accent1"/>
+          </a:lnRef>
+          <a:fillRef idx="0">
+            <a:schemeClr val="accent1"/>
+          </a:fillRef>
+          <a:effectRef idx="1">
+            <a:schemeClr val="accent1"/>
+          </a:effectRef>
+          <a:fontRef idx="minor">
+            <a:schemeClr val="tx1"/>
+          </a:fontRef>
+        </p:style>
+      </p:cxnSp>
+      <p:cxnSp>
+        <p:nvCxnSpPr>
+          <p:cNvPr id="22" name="직선 화살표 연결선 21">
+            <a:extLst>
+              <a:ext uri="{FF2B5EF4-FFF2-40B4-BE49-F238E27FC236}">
+                <a16:creationId xmlns:a16="http://schemas.microsoft.com/office/drawing/2014/main" id="{69192BB1-339E-5830-E39A-C1A9703E59B6}"/>
+              </a:ext>
+            </a:extLst>
+          </p:cNvPr>
+          <p:cNvCxnSpPr>
+            <a:cxnSpLocks/>
+          </p:cNvCxnSpPr>
+          <p:nvPr/>
+        </p:nvCxnSpPr>
+        <p:spPr>
+          <a:xfrm flipV="1">
+            <a:off x="7005207" y="2741876"/>
+            <a:ext cx="1737740" cy="1595841"/>
+          </a:xfrm>
+          <a:prstGeom prst="straightConnector1">
+            <a:avLst/>
+          </a:prstGeom>
+          <a:ln w="38100">
+            <a:solidFill>
+              <a:schemeClr val="tx1"/>
+            </a:solidFill>
+            <a:tailEnd type="triangle"/>
+          </a:ln>
+        </p:spPr>
+        <p:style>
+          <a:lnRef idx="2">
+            <a:schemeClr val="accent1"/>
+          </a:lnRef>
+          <a:fillRef idx="0">
+            <a:schemeClr val="accent1"/>
+          </a:fillRef>
+          <a:effectRef idx="1">
+            <a:schemeClr val="accent1"/>
+          </a:effectRef>
+          <a:fontRef idx="minor">
+            <a:schemeClr val="tx1"/>
+          </a:fontRef>
+        </p:style>
+      </p:cxnSp>
+      <p:sp>
+        <p:nvSpPr>
+          <p:cNvPr id="24" name="TextBox 23">
+            <a:extLst>
+              <a:ext uri="{FF2B5EF4-FFF2-40B4-BE49-F238E27FC236}">
+                <a16:creationId xmlns:a16="http://schemas.microsoft.com/office/drawing/2014/main" id="{F2B11A8D-32C1-CEC4-9879-D7AC79A42405}"/>
+              </a:ext>
+            </a:extLst>
+          </p:cNvPr>
+          <p:cNvSpPr txBox="1"/>
+          <p:nvPr/>
+        </p:nvSpPr>
+        <p:spPr>
+          <a:xfrm>
+            <a:off x="8850325" y="1849813"/>
+            <a:ext cx="335348" cy="369332"/>
+          </a:xfrm>
+          <a:prstGeom prst="rect">
+            <a:avLst/>
+          </a:prstGeom>
+          <a:noFill/>
+        </p:spPr>
+        <p:txBody>
+          <a:bodyPr wrap="none" rtlCol="0">
+            <a:spAutoFit/>
+          </a:bodyPr>
+          <a:lstStyle/>
+          <a:p>
+            <a:r>
+              <a:rPr lang="en-US" altLang="ko-KR" b="1" dirty="0"/>
+              <a:t>Z</a:t>
+            </a:r>
+            <a:endParaRPr lang="ko-KR" altLang="en-US" b="1" dirty="0"/>
+          </a:p>
+        </p:txBody>
+      </p:sp>
+      <p:sp>
+        <p:nvSpPr>
+          <p:cNvPr id="25" name="TextBox 24">
+            <a:extLst>
+              <a:ext uri="{FF2B5EF4-FFF2-40B4-BE49-F238E27FC236}">
+                <a16:creationId xmlns:a16="http://schemas.microsoft.com/office/drawing/2014/main" id="{75452950-72A5-4237-DCB0-32D784B17A22}"/>
+              </a:ext>
+            </a:extLst>
+          </p:cNvPr>
+          <p:cNvSpPr txBox="1"/>
+          <p:nvPr/>
+        </p:nvSpPr>
+        <p:spPr>
+          <a:xfrm>
+            <a:off x="5090706" y="4505058"/>
+            <a:ext cx="620683" cy="369332"/>
+          </a:xfrm>
+          <a:prstGeom prst="rect">
+            <a:avLst/>
+          </a:prstGeom>
+          <a:noFill/>
+        </p:spPr>
+        <p:txBody>
+          <a:bodyPr wrap="none" rtlCol="0">
+            <a:spAutoFit/>
+          </a:bodyPr>
+          <a:lstStyle/>
+          <a:p>
+            <a:r>
+              <a:rPr lang="en-US" altLang="ko-KR" b="1" dirty="0"/>
+              <a:t>g(x)</a:t>
+            </a:r>
+            <a:endParaRPr lang="ko-KR" altLang="en-US" b="1" dirty="0"/>
+          </a:p>
+        </p:txBody>
+      </p:sp>
+      <p:sp>
+        <p:nvSpPr>
+          <p:cNvPr id="26" name="TextBox 25">
+            <a:extLst>
+              <a:ext uri="{FF2B5EF4-FFF2-40B4-BE49-F238E27FC236}">
+                <a16:creationId xmlns:a16="http://schemas.microsoft.com/office/drawing/2014/main" id="{AC06BF6C-98AA-B68B-4670-15EDF3DCAD47}"/>
+              </a:ext>
+            </a:extLst>
+          </p:cNvPr>
+          <p:cNvSpPr txBox="1"/>
+          <p:nvPr/>
+        </p:nvSpPr>
+        <p:spPr>
+          <a:xfrm>
+            <a:off x="7592589" y="4505058"/>
+            <a:ext cx="614271" cy="369332"/>
+          </a:xfrm>
+          <a:prstGeom prst="rect">
+            <a:avLst/>
+          </a:prstGeom>
+          <a:noFill/>
+        </p:spPr>
+        <p:txBody>
+          <a:bodyPr wrap="none" rtlCol="0">
+            <a:spAutoFit/>
+          </a:bodyPr>
+          <a:lstStyle/>
+          <a:p>
+            <a:r>
+              <a:rPr lang="en-US" altLang="ko-KR" b="1" dirty="0"/>
+              <a:t>h(y)</a:t>
+            </a:r>
+            <a:endParaRPr lang="ko-KR" altLang="en-US" b="1" dirty="0"/>
+          </a:p>
+        </p:txBody>
+      </p:sp>
+      <p:sp>
+        <p:nvSpPr>
+          <p:cNvPr id="4" name="타원 3">
+            <a:extLst>
+              <a:ext uri="{FF2B5EF4-FFF2-40B4-BE49-F238E27FC236}">
+                <a16:creationId xmlns:a16="http://schemas.microsoft.com/office/drawing/2014/main" id="{37DB1BC0-CEFC-1CE7-D6F1-158382A128E3}"/>
+              </a:ext>
+            </a:extLst>
+          </p:cNvPr>
+          <p:cNvSpPr/>
+          <p:nvPr/>
+        </p:nvSpPr>
+        <p:spPr>
+          <a:xfrm>
+            <a:off x="1073736" y="2219145"/>
+            <a:ext cx="1315453" cy="2582779"/>
+          </a:xfrm>
+          <a:prstGeom prst="ellipse">
+            <a:avLst/>
+          </a:prstGeom>
+          <a:solidFill>
+            <a:schemeClr val="accent2">
+              <a:lumMod val="60000"/>
+              <a:lumOff val="40000"/>
+            </a:schemeClr>
+          </a:solidFill>
+        </p:spPr>
+        <p:style>
+          <a:lnRef idx="2">
+            <a:schemeClr val="accent1">
+              <a:shade val="15000"/>
+            </a:schemeClr>
+          </a:lnRef>
+          <a:fillRef idx="1">
+            <a:schemeClr val="accent1"/>
+          </a:fillRef>
+          <a:effectRef idx="0">
+            <a:schemeClr val="accent1"/>
+          </a:effectRef>
+          <a:fontRef idx="minor">
+            <a:schemeClr val="lt1"/>
+          </a:fontRef>
+        </p:style>
+        <p:txBody>
+          <a:bodyPr rtlCol="0" anchor="ctr"/>
+          <a:lstStyle/>
+          <a:p>
+            <a:pPr algn="ctr"/>
+            <a:r>
+              <a:rPr lang="el-GR" altLang="ko-KR" b="1" dirty="0">
+                <a:solidFill>
+                  <a:schemeClr val="tx2"/>
+                </a:solidFill>
+              </a:rPr>
+              <a:t>α</a:t>
+            </a:r>
+            <a:br>
+              <a:rPr lang="en-US" altLang="ko-KR" b="1" dirty="0">
+                <a:solidFill>
+                  <a:schemeClr val="tx2"/>
+                </a:solidFill>
+              </a:rPr>
+            </a:br>
+            <a:br>
+              <a:rPr lang="en-US" altLang="ko-KR" b="1" dirty="0">
+                <a:solidFill>
+                  <a:schemeClr val="tx2"/>
+                </a:solidFill>
+              </a:rPr>
+            </a:br>
+            <a:r>
+              <a:rPr lang="el-GR" altLang="ko-KR" b="1" dirty="0">
+                <a:solidFill>
+                  <a:schemeClr val="tx2"/>
+                </a:solidFill>
+              </a:rPr>
+              <a:t>β</a:t>
+            </a:r>
+            <a:br>
+              <a:rPr lang="en-US" altLang="ko-KR" b="1" dirty="0">
+                <a:solidFill>
+                  <a:schemeClr val="tx2"/>
+                </a:solidFill>
+              </a:rPr>
+            </a:br>
+            <a:br>
+              <a:rPr lang="en-US" altLang="ko-KR" b="1" dirty="0">
+                <a:solidFill>
+                  <a:schemeClr val="tx2"/>
+                </a:solidFill>
+              </a:rPr>
+            </a:br>
+            <a:r>
+              <a:rPr lang="el-GR" altLang="ko-KR" b="1" dirty="0">
+                <a:solidFill>
+                  <a:schemeClr val="tx2"/>
+                </a:solidFill>
+              </a:rPr>
+              <a:t>γ</a:t>
+            </a:r>
+            <a:br>
+              <a:rPr lang="en-US" altLang="ko-KR" b="1" dirty="0">
+                <a:solidFill>
+                  <a:schemeClr val="tx2"/>
+                </a:solidFill>
+              </a:rPr>
+            </a:br>
+            <a:br>
+              <a:rPr lang="en-US" altLang="ko-KR" b="1" dirty="0">
+                <a:solidFill>
+                  <a:schemeClr val="tx2"/>
+                </a:solidFill>
+              </a:rPr>
+            </a:br>
+            <a:r>
+              <a:rPr lang="el-GR" altLang="ko-KR" b="1" dirty="0">
+                <a:solidFill>
+                  <a:schemeClr val="tx2"/>
+                </a:solidFill>
+              </a:rPr>
+              <a:t>δ</a:t>
+            </a:r>
+            <a:endParaRPr lang="ko-KR" altLang="en-US" b="1" dirty="0">
+              <a:solidFill>
+                <a:schemeClr val="tx2"/>
+              </a:solidFill>
+            </a:endParaRPr>
+          </a:p>
+        </p:txBody>
+      </p:sp>
+      <p:cxnSp>
+        <p:nvCxnSpPr>
+          <p:cNvPr id="5" name="직선 화살표 연결선 4">
+            <a:extLst>
+              <a:ext uri="{FF2B5EF4-FFF2-40B4-BE49-F238E27FC236}">
+                <a16:creationId xmlns:a16="http://schemas.microsoft.com/office/drawing/2014/main" id="{B62014BB-D018-80F5-7CE4-831214FEA0A4}"/>
+              </a:ext>
+            </a:extLst>
+          </p:cNvPr>
+          <p:cNvCxnSpPr>
+            <a:cxnSpLocks/>
+          </p:cNvCxnSpPr>
+          <p:nvPr/>
+        </p:nvCxnSpPr>
+        <p:spPr>
+          <a:xfrm flipV="1">
+            <a:off x="2116474" y="2685690"/>
+            <a:ext cx="1767136" cy="6710"/>
+          </a:xfrm>
+          <a:prstGeom prst="straightConnector1">
+            <a:avLst/>
+          </a:prstGeom>
+          <a:ln w="38100">
+            <a:solidFill>
+              <a:schemeClr val="tx1"/>
+            </a:solidFill>
+            <a:tailEnd type="triangle"/>
+          </a:ln>
+        </p:spPr>
+        <p:style>
+          <a:lnRef idx="2">
+            <a:schemeClr val="accent1"/>
+          </a:lnRef>
+          <a:fillRef idx="0">
+            <a:schemeClr val="accent1"/>
+          </a:fillRef>
+          <a:effectRef idx="1">
+            <a:schemeClr val="accent1"/>
+          </a:effectRef>
+          <a:fontRef idx="minor">
+            <a:schemeClr val="tx1"/>
+          </a:fontRef>
+        </p:style>
+      </p:cxnSp>
+      <p:sp>
+        <p:nvSpPr>
+          <p:cNvPr id="9" name="TextBox 8">
+            <a:extLst>
+              <a:ext uri="{FF2B5EF4-FFF2-40B4-BE49-F238E27FC236}">
+                <a16:creationId xmlns:a16="http://schemas.microsoft.com/office/drawing/2014/main" id="{253F6D0E-62A7-81A0-2A6A-EAEDEFBE3D6F}"/>
+              </a:ext>
+            </a:extLst>
+          </p:cNvPr>
+          <p:cNvSpPr txBox="1"/>
+          <p:nvPr/>
+        </p:nvSpPr>
+        <p:spPr>
+          <a:xfrm>
+            <a:off x="1563788" y="1849813"/>
+            <a:ext cx="417102" cy="369332"/>
+          </a:xfrm>
+          <a:prstGeom prst="rect">
+            <a:avLst/>
+          </a:prstGeom>
+          <a:noFill/>
+        </p:spPr>
+        <p:txBody>
+          <a:bodyPr wrap="none" rtlCol="0">
+            <a:spAutoFit/>
+          </a:bodyPr>
+          <a:lstStyle/>
+          <a:p>
+            <a:r>
+              <a:rPr lang="en-US" altLang="ko-KR" b="1" dirty="0"/>
+              <a:t>W</a:t>
+            </a:r>
+            <a:endParaRPr lang="ko-KR" altLang="en-US" b="1" dirty="0"/>
+          </a:p>
+        </p:txBody>
+      </p:sp>
+      <p:cxnSp>
+        <p:nvCxnSpPr>
+          <p:cNvPr id="10" name="직선 화살표 연결선 9">
+            <a:extLst>
+              <a:ext uri="{FF2B5EF4-FFF2-40B4-BE49-F238E27FC236}">
+                <a16:creationId xmlns:a16="http://schemas.microsoft.com/office/drawing/2014/main" id="{DCCF6F2D-EADB-BFA4-D27B-721DB2C115B5}"/>
+              </a:ext>
+            </a:extLst>
+          </p:cNvPr>
+          <p:cNvCxnSpPr>
+            <a:cxnSpLocks/>
+          </p:cNvCxnSpPr>
+          <p:nvPr/>
+        </p:nvCxnSpPr>
+        <p:spPr>
+          <a:xfrm>
+            <a:off x="2116474" y="3296334"/>
+            <a:ext cx="1734975" cy="450828"/>
+          </a:xfrm>
+          <a:prstGeom prst="straightConnector1">
+            <a:avLst/>
+          </a:prstGeom>
+          <a:ln w="38100">
+            <a:solidFill>
+              <a:schemeClr val="tx1"/>
+            </a:solidFill>
+            <a:tailEnd type="triangle"/>
+          </a:ln>
+        </p:spPr>
+        <p:style>
+          <a:lnRef idx="2">
+            <a:schemeClr val="accent1"/>
+          </a:lnRef>
+          <a:fillRef idx="0">
+            <a:schemeClr val="accent1"/>
+          </a:fillRef>
+          <a:effectRef idx="1">
+            <a:schemeClr val="accent1"/>
+          </a:effectRef>
+          <a:fontRef idx="minor">
+            <a:schemeClr val="tx1"/>
+          </a:fontRef>
+        </p:style>
+      </p:cxnSp>
+      <p:cxnSp>
+        <p:nvCxnSpPr>
+          <p:cNvPr id="18" name="직선 화살표 연결선 17">
+            <a:extLst>
+              <a:ext uri="{FF2B5EF4-FFF2-40B4-BE49-F238E27FC236}">
+                <a16:creationId xmlns:a16="http://schemas.microsoft.com/office/drawing/2014/main" id="{BA339503-ECFA-E2B4-7EB8-BA0F5CB3CDD9}"/>
+              </a:ext>
+            </a:extLst>
+          </p:cNvPr>
+          <p:cNvCxnSpPr>
+            <a:cxnSpLocks/>
+          </p:cNvCxnSpPr>
+          <p:nvPr/>
+        </p:nvCxnSpPr>
+        <p:spPr>
+          <a:xfrm flipV="1">
+            <a:off x="2116474" y="3237054"/>
+            <a:ext cx="1734975" cy="558075"/>
+          </a:xfrm>
+          <a:prstGeom prst="straightConnector1">
+            <a:avLst/>
+          </a:prstGeom>
+          <a:ln w="38100">
+            <a:solidFill>
+              <a:schemeClr val="tx1"/>
+            </a:solidFill>
+            <a:tailEnd type="triangle"/>
+          </a:ln>
+        </p:spPr>
+        <p:style>
+          <a:lnRef idx="2">
+            <a:schemeClr val="accent1"/>
+          </a:lnRef>
+          <a:fillRef idx="0">
+            <a:schemeClr val="accent1"/>
+          </a:fillRef>
+          <a:effectRef idx="1">
+            <a:schemeClr val="accent1"/>
+          </a:effectRef>
+          <a:fontRef idx="minor">
+            <a:schemeClr val="tx1"/>
+          </a:fontRef>
+        </p:style>
+      </p:cxnSp>
+      <p:cxnSp>
+        <p:nvCxnSpPr>
+          <p:cNvPr id="21" name="직선 화살표 연결선 20">
+            <a:extLst>
+              <a:ext uri="{FF2B5EF4-FFF2-40B4-BE49-F238E27FC236}">
+                <a16:creationId xmlns:a16="http://schemas.microsoft.com/office/drawing/2014/main" id="{4C800545-D5D1-5059-79AE-6D843AD009E3}"/>
+              </a:ext>
+            </a:extLst>
+          </p:cNvPr>
+          <p:cNvCxnSpPr>
+            <a:cxnSpLocks/>
+          </p:cNvCxnSpPr>
+          <p:nvPr/>
+        </p:nvCxnSpPr>
+        <p:spPr>
+          <a:xfrm flipV="1">
+            <a:off x="2116474" y="3788419"/>
+            <a:ext cx="1767136" cy="558013"/>
+          </a:xfrm>
+          <a:prstGeom prst="straightConnector1">
+            <a:avLst/>
+          </a:prstGeom>
+          <a:ln w="38100">
+            <a:solidFill>
+              <a:schemeClr val="tx1"/>
+            </a:solidFill>
+            <a:tailEnd type="triangle"/>
+          </a:ln>
+        </p:spPr>
+        <p:style>
+          <a:lnRef idx="2">
+            <a:schemeClr val="accent1"/>
+          </a:lnRef>
+          <a:fillRef idx="0">
+            <a:schemeClr val="accent1"/>
+          </a:fillRef>
+          <a:effectRef idx="1">
+            <a:schemeClr val="accent1"/>
+          </a:effectRef>
+          <a:fontRef idx="minor">
+            <a:schemeClr val="tx1"/>
+          </a:fontRef>
+        </p:style>
+      </p:cxnSp>
+      <p:sp>
+        <p:nvSpPr>
+          <p:cNvPr id="29" name="TextBox 28">
+            <a:extLst>
+              <a:ext uri="{FF2B5EF4-FFF2-40B4-BE49-F238E27FC236}">
+                <a16:creationId xmlns:a16="http://schemas.microsoft.com/office/drawing/2014/main" id="{BE33E1DE-F364-82D6-93EE-0CC7564E7ED2}"/>
+              </a:ext>
+            </a:extLst>
+          </p:cNvPr>
+          <p:cNvSpPr txBox="1"/>
+          <p:nvPr/>
+        </p:nvSpPr>
+        <p:spPr>
+          <a:xfrm>
+            <a:off x="2669769" y="4505058"/>
+            <a:ext cx="622286" cy="369332"/>
+          </a:xfrm>
+          <a:prstGeom prst="rect">
+            <a:avLst/>
+          </a:prstGeom>
+          <a:noFill/>
+        </p:spPr>
+        <p:txBody>
+          <a:bodyPr wrap="none" rtlCol="0">
+            <a:spAutoFit/>
+          </a:bodyPr>
+          <a:lstStyle/>
+          <a:p>
+            <a:r>
+              <a:rPr lang="en-US" altLang="ko-KR" b="1" dirty="0"/>
+              <a:t>f(w)</a:t>
+            </a:r>
+            <a:endParaRPr lang="ko-KR" altLang="en-US" b="1" dirty="0"/>
+          </a:p>
+        </p:txBody>
+      </p:sp>
+    </p:spTree>
+    <p:extLst>
+      <p:ext uri="{BB962C8B-B14F-4D97-AF65-F5344CB8AC3E}">
+        <p14:creationId xmlns:p14="http://schemas.microsoft.com/office/powerpoint/2010/main" val="2591987902"/>
+      </p:ext>
+    </p:extLst>
+  </p:cSld>
+  <p:clrMapOvr>
+    <a:masterClrMapping/>
+  </p:clrMapOvr>
+</p:sld>
+</file>
+
+<file path=ppt/slides/slide21.xml><?xml version="1.0" encoding="utf-8"?>
+<p:sld xmlns:a="http://schemas.openxmlformats.org/drawingml/2006/main" xmlns:r="http://schemas.openxmlformats.org/officeDocument/2006/relationships" xmlns:p="http://schemas.openxmlformats.org/presentationml/2006/main">
+  <p:cSld>
+    <p:spTree>
+      <p:nvGrpSpPr>
+        <p:cNvPr id="1" name="">
+          <a:extLst>
+            <a:ext uri="{FF2B5EF4-FFF2-40B4-BE49-F238E27FC236}">
+              <a16:creationId xmlns:a16="http://schemas.microsoft.com/office/drawing/2014/main" id="{1117038D-8DE2-9107-96FE-4D7F71893DA6}"/>
+            </a:ext>
+          </a:extLst>
+        </p:cNvPr>
+        <p:cNvGrpSpPr/>
+        <p:nvPr/>
+      </p:nvGrpSpPr>
+      <p:grpSpPr>
+        <a:xfrm>
+          <a:off x="0" y="0"/>
+          <a:ext cx="0" cy="0"/>
+          <a:chOff x="0" y="0"/>
+          <a:chExt cx="0" cy="0"/>
+        </a:xfrm>
+      </p:grpSpPr>
+      <p:sp>
+        <p:nvSpPr>
+          <p:cNvPr id="19" name="직사각형 18">
+            <a:extLst>
+              <a:ext uri="{FF2B5EF4-FFF2-40B4-BE49-F238E27FC236}">
+                <a16:creationId xmlns:a16="http://schemas.microsoft.com/office/drawing/2014/main" id="{6C811143-E213-BB36-91C0-1C7EF73354D1}"/>
+              </a:ext>
+            </a:extLst>
+          </p:cNvPr>
+          <p:cNvSpPr/>
+          <p:nvPr/>
+        </p:nvSpPr>
+        <p:spPr>
+          <a:xfrm>
+            <a:off x="-855016" y="1314450"/>
+            <a:ext cx="13866166" cy="3754856"/>
+          </a:xfrm>
+          <a:prstGeom prst="rect">
+            <a:avLst/>
+          </a:prstGeom>
+          <a:solidFill>
+            <a:schemeClr val="bg1"/>
+          </a:solidFill>
+          <a:ln>
+            <a:noFill/>
+          </a:ln>
+        </p:spPr>
+        <p:style>
+          <a:lnRef idx="2">
+            <a:schemeClr val="accent1">
+              <a:shade val="15000"/>
+            </a:schemeClr>
+          </a:lnRef>
+          <a:fillRef idx="1">
+            <a:schemeClr val="accent1"/>
+          </a:fillRef>
+          <a:effectRef idx="0">
+            <a:schemeClr val="accent1"/>
+          </a:effectRef>
+          <a:fontRef idx="minor">
+            <a:schemeClr val="lt1"/>
+          </a:fontRef>
+        </p:style>
+        <p:txBody>
+          <a:bodyPr rtlCol="0" anchor="ctr"/>
+          <a:lstStyle/>
+          <a:p>
+            <a:pPr algn="ctr"/>
+            <a:endParaRPr lang="ko-KR" altLang="en-US"/>
+          </a:p>
+        </p:txBody>
+      </p:sp>
+      <p:sp>
+        <p:nvSpPr>
+          <p:cNvPr id="4" name="타원 3">
+            <a:extLst>
+              <a:ext uri="{FF2B5EF4-FFF2-40B4-BE49-F238E27FC236}">
+                <a16:creationId xmlns:a16="http://schemas.microsoft.com/office/drawing/2014/main" id="{425002B1-596C-1C2D-36DE-6A87822064C1}"/>
+              </a:ext>
+            </a:extLst>
+          </p:cNvPr>
+          <p:cNvSpPr/>
+          <p:nvPr/>
+        </p:nvSpPr>
+        <p:spPr>
+          <a:xfrm>
+            <a:off x="-566725" y="2219145"/>
+            <a:ext cx="1315453" cy="2582779"/>
+          </a:xfrm>
+          <a:prstGeom prst="ellipse">
+            <a:avLst/>
+          </a:prstGeom>
+          <a:solidFill>
+            <a:schemeClr val="accent2">
+              <a:lumMod val="60000"/>
+              <a:lumOff val="40000"/>
+            </a:schemeClr>
+          </a:solidFill>
+        </p:spPr>
+        <p:style>
+          <a:lnRef idx="2">
+            <a:schemeClr val="accent1">
+              <a:shade val="15000"/>
+            </a:schemeClr>
+          </a:lnRef>
+          <a:fillRef idx="1">
+            <a:schemeClr val="accent1"/>
+          </a:fillRef>
+          <a:effectRef idx="0">
+            <a:schemeClr val="accent1"/>
+          </a:effectRef>
+          <a:fontRef idx="minor">
+            <a:schemeClr val="lt1"/>
+          </a:fontRef>
+        </p:style>
+        <p:txBody>
+          <a:bodyPr rtlCol="0" anchor="ctr"/>
+          <a:lstStyle/>
+          <a:p>
+            <a:pPr algn="ctr"/>
+            <a:r>
+              <a:rPr lang="el-GR" altLang="ko-KR" b="1" dirty="0">
+                <a:solidFill>
+                  <a:schemeClr val="tx2"/>
+                </a:solidFill>
+              </a:rPr>
+              <a:t>α</a:t>
+            </a:r>
+            <a:br>
+              <a:rPr lang="en-US" altLang="ko-KR" b="1" dirty="0">
+                <a:solidFill>
+                  <a:schemeClr val="tx2"/>
+                </a:solidFill>
+              </a:rPr>
+            </a:br>
+            <a:br>
+              <a:rPr lang="en-US" altLang="ko-KR" b="1" dirty="0">
+                <a:solidFill>
+                  <a:schemeClr val="tx2"/>
+                </a:solidFill>
+              </a:rPr>
+            </a:br>
+            <a:r>
+              <a:rPr lang="el-GR" altLang="ko-KR" b="1" dirty="0">
+                <a:solidFill>
+                  <a:schemeClr val="tx2"/>
+                </a:solidFill>
+              </a:rPr>
+              <a:t>β</a:t>
+            </a:r>
+            <a:br>
+              <a:rPr lang="en-US" altLang="ko-KR" b="1" dirty="0">
+                <a:solidFill>
+                  <a:schemeClr val="tx2"/>
+                </a:solidFill>
+              </a:rPr>
+            </a:br>
+            <a:br>
+              <a:rPr lang="en-US" altLang="ko-KR" b="1" dirty="0">
+                <a:solidFill>
+                  <a:schemeClr val="tx2"/>
+                </a:solidFill>
+              </a:rPr>
+            </a:br>
+            <a:r>
+              <a:rPr lang="el-GR" altLang="ko-KR" b="1" dirty="0">
+                <a:solidFill>
+                  <a:schemeClr val="tx2"/>
+                </a:solidFill>
+              </a:rPr>
+              <a:t>γ</a:t>
+            </a:r>
+            <a:br>
+              <a:rPr lang="en-US" altLang="ko-KR" b="1" dirty="0">
+                <a:solidFill>
+                  <a:schemeClr val="tx2"/>
+                </a:solidFill>
+              </a:rPr>
+            </a:br>
+            <a:br>
+              <a:rPr lang="en-US" altLang="ko-KR" b="1" dirty="0">
+                <a:solidFill>
+                  <a:schemeClr val="tx2"/>
+                </a:solidFill>
+              </a:rPr>
+            </a:br>
+            <a:r>
+              <a:rPr lang="el-GR" altLang="ko-KR" b="1" dirty="0">
+                <a:solidFill>
+                  <a:schemeClr val="tx2"/>
+                </a:solidFill>
+              </a:rPr>
+              <a:t>δ</a:t>
+            </a:r>
+            <a:endParaRPr lang="ko-KR" altLang="en-US" b="1" dirty="0">
+              <a:solidFill>
+                <a:schemeClr val="tx2"/>
+              </a:solidFill>
+            </a:endParaRPr>
+          </a:p>
+        </p:txBody>
+      </p:sp>
+      <p:sp>
+        <p:nvSpPr>
+          <p:cNvPr id="9" name="TextBox 8">
+            <a:extLst>
+              <a:ext uri="{FF2B5EF4-FFF2-40B4-BE49-F238E27FC236}">
+                <a16:creationId xmlns:a16="http://schemas.microsoft.com/office/drawing/2014/main" id="{9493B9AC-2D55-7876-6F28-FDA78FAEE191}"/>
+              </a:ext>
+            </a:extLst>
+          </p:cNvPr>
+          <p:cNvSpPr txBox="1"/>
+          <p:nvPr/>
+        </p:nvSpPr>
+        <p:spPr>
+          <a:xfrm>
+            <a:off x="-76673" y="1849813"/>
+            <a:ext cx="417102" cy="369332"/>
+          </a:xfrm>
+          <a:prstGeom prst="rect">
+            <a:avLst/>
+          </a:prstGeom>
+          <a:noFill/>
+        </p:spPr>
+        <p:txBody>
+          <a:bodyPr wrap="none" rtlCol="0">
+            <a:spAutoFit/>
+          </a:bodyPr>
+          <a:lstStyle/>
+          <a:p>
+            <a:r>
+              <a:rPr lang="en-US" altLang="ko-KR" b="1" dirty="0"/>
+              <a:t>W</a:t>
+            </a:r>
+            <a:endParaRPr lang="ko-KR" altLang="en-US" b="1" dirty="0"/>
+          </a:p>
+        </p:txBody>
+      </p:sp>
+      <p:sp>
+        <p:nvSpPr>
+          <p:cNvPr id="7" name="타원 6">
+            <a:extLst>
+              <a:ext uri="{FF2B5EF4-FFF2-40B4-BE49-F238E27FC236}">
+                <a16:creationId xmlns:a16="http://schemas.microsoft.com/office/drawing/2014/main" id="{B31B4CF3-A281-8D79-4EAB-D80B9B9878C9}"/>
+              </a:ext>
+            </a:extLst>
+          </p:cNvPr>
+          <p:cNvSpPr/>
+          <p:nvPr/>
+        </p:nvSpPr>
+        <p:spPr>
+          <a:xfrm>
+            <a:off x="1854724" y="2219145"/>
+            <a:ext cx="1315453" cy="2582779"/>
+          </a:xfrm>
+          <a:prstGeom prst="ellipse">
+            <a:avLst/>
+          </a:prstGeom>
+          <a:solidFill>
+            <a:schemeClr val="accent6">
+              <a:lumMod val="60000"/>
+              <a:lumOff val="40000"/>
+            </a:schemeClr>
+          </a:solidFill>
+        </p:spPr>
+        <p:style>
+          <a:lnRef idx="2">
+            <a:schemeClr val="accent1">
+              <a:shade val="15000"/>
+            </a:schemeClr>
+          </a:lnRef>
+          <a:fillRef idx="1">
+            <a:schemeClr val="accent1"/>
+          </a:fillRef>
+          <a:effectRef idx="0">
+            <a:schemeClr val="accent1"/>
+          </a:effectRef>
+          <a:fontRef idx="minor">
+            <a:schemeClr val="lt1"/>
+          </a:fontRef>
+        </p:style>
+        <p:txBody>
+          <a:bodyPr rtlCol="0" anchor="ctr"/>
+          <a:lstStyle/>
+          <a:p>
+            <a:pPr algn="ctr"/>
+            <a:r>
+              <a:rPr lang="en-US" altLang="ko-KR" b="1" dirty="0">
+                <a:solidFill>
+                  <a:schemeClr val="tx2"/>
+                </a:solidFill>
+              </a:rPr>
+              <a:t>A</a:t>
+            </a:r>
+            <a:br>
+              <a:rPr lang="en-US" altLang="ko-KR" b="1" dirty="0">
+                <a:solidFill>
+                  <a:schemeClr val="tx2"/>
+                </a:solidFill>
+              </a:rPr>
+            </a:br>
+            <a:br>
+              <a:rPr lang="en-US" altLang="ko-KR" b="1" dirty="0">
+                <a:solidFill>
+                  <a:schemeClr val="tx2"/>
+                </a:solidFill>
+              </a:rPr>
+            </a:br>
+            <a:r>
+              <a:rPr lang="en-US" altLang="ko-KR" b="1" dirty="0">
+                <a:solidFill>
+                  <a:schemeClr val="tx2"/>
+                </a:solidFill>
+              </a:rPr>
+              <a:t>B</a:t>
+            </a:r>
+            <a:br>
+              <a:rPr lang="en-US" altLang="ko-KR" b="1" dirty="0">
+                <a:solidFill>
+                  <a:schemeClr val="tx2"/>
+                </a:solidFill>
+              </a:rPr>
+            </a:br>
+            <a:br>
+              <a:rPr lang="en-US" altLang="ko-KR" b="1" dirty="0">
+                <a:solidFill>
+                  <a:schemeClr val="tx2"/>
+                </a:solidFill>
+              </a:rPr>
+            </a:br>
+            <a:r>
+              <a:rPr lang="en-US" altLang="ko-KR" b="1" dirty="0">
+                <a:solidFill>
+                  <a:schemeClr val="tx2"/>
+                </a:solidFill>
+              </a:rPr>
+              <a:t>C</a:t>
+            </a:r>
+            <a:br>
+              <a:rPr lang="en-US" altLang="ko-KR" b="1" dirty="0">
+                <a:solidFill>
+                  <a:schemeClr val="tx2"/>
+                </a:solidFill>
+              </a:rPr>
+            </a:br>
+            <a:br>
+              <a:rPr lang="en-US" altLang="ko-KR" b="1" dirty="0">
+                <a:solidFill>
+                  <a:schemeClr val="tx2"/>
+                </a:solidFill>
+              </a:rPr>
+            </a:br>
+            <a:r>
+              <a:rPr lang="en-US" altLang="ko-KR" b="1" dirty="0">
+                <a:solidFill>
+                  <a:schemeClr val="tx2"/>
+                </a:solidFill>
+              </a:rPr>
+              <a:t>D</a:t>
+            </a:r>
+            <a:endParaRPr lang="ko-KR" altLang="en-US" b="1" dirty="0">
+              <a:solidFill>
+                <a:schemeClr val="tx2"/>
+              </a:solidFill>
+            </a:endParaRPr>
+          </a:p>
+        </p:txBody>
+      </p:sp>
+      <p:sp>
+        <p:nvSpPr>
+          <p:cNvPr id="11" name="TextBox 10">
+            <a:extLst>
+              <a:ext uri="{FF2B5EF4-FFF2-40B4-BE49-F238E27FC236}">
+                <a16:creationId xmlns:a16="http://schemas.microsoft.com/office/drawing/2014/main" id="{0307431F-FAE9-CFA4-65DF-91F3607C2CE4}"/>
+              </a:ext>
+            </a:extLst>
+          </p:cNvPr>
+          <p:cNvSpPr txBox="1"/>
+          <p:nvPr/>
+        </p:nvSpPr>
+        <p:spPr>
+          <a:xfrm>
+            <a:off x="2344776" y="1849813"/>
+            <a:ext cx="335348" cy="369332"/>
+          </a:xfrm>
+          <a:prstGeom prst="rect">
+            <a:avLst/>
+          </a:prstGeom>
+          <a:noFill/>
+        </p:spPr>
+        <p:txBody>
+          <a:bodyPr wrap="none" rtlCol="0">
+            <a:spAutoFit/>
+          </a:bodyPr>
+          <a:lstStyle/>
+          <a:p>
+            <a:r>
+              <a:rPr lang="en-US" altLang="ko-KR" b="1" dirty="0"/>
+              <a:t>Y</a:t>
+            </a:r>
+            <a:endParaRPr lang="ko-KR" altLang="en-US" b="1" dirty="0"/>
+          </a:p>
+        </p:txBody>
+      </p:sp>
+      <p:cxnSp>
+        <p:nvCxnSpPr>
+          <p:cNvPr id="14" name="직선 화살표 연결선 13">
+            <a:extLst>
+              <a:ext uri="{FF2B5EF4-FFF2-40B4-BE49-F238E27FC236}">
+                <a16:creationId xmlns:a16="http://schemas.microsoft.com/office/drawing/2014/main" id="{80432841-C5E0-A97C-B180-91785E03D76A}"/>
+              </a:ext>
+            </a:extLst>
+          </p:cNvPr>
+          <p:cNvCxnSpPr>
+            <a:cxnSpLocks/>
+          </p:cNvCxnSpPr>
+          <p:nvPr/>
+        </p:nvCxnSpPr>
+        <p:spPr>
+          <a:xfrm flipV="1">
+            <a:off x="457874" y="2685690"/>
+            <a:ext cx="1767136" cy="6710"/>
+          </a:xfrm>
+          <a:prstGeom prst="straightConnector1">
+            <a:avLst/>
+          </a:prstGeom>
+          <a:ln w="38100">
+            <a:solidFill>
+              <a:schemeClr val="tx1"/>
+            </a:solidFill>
+            <a:tailEnd type="triangle"/>
+          </a:ln>
+        </p:spPr>
+        <p:style>
+          <a:lnRef idx="2">
+            <a:schemeClr val="accent1"/>
+          </a:lnRef>
+          <a:fillRef idx="0">
+            <a:schemeClr val="accent1"/>
+          </a:fillRef>
+          <a:effectRef idx="1">
+            <a:schemeClr val="accent1"/>
+          </a:effectRef>
+          <a:fontRef idx="minor">
+            <a:schemeClr val="tx1"/>
+          </a:fontRef>
+        </p:style>
+      </p:cxnSp>
+      <p:cxnSp>
+        <p:nvCxnSpPr>
+          <p:cNvPr id="3" name="직선 화살표 연결선 2">
+            <a:extLst>
+              <a:ext uri="{FF2B5EF4-FFF2-40B4-BE49-F238E27FC236}">
+                <a16:creationId xmlns:a16="http://schemas.microsoft.com/office/drawing/2014/main" id="{F101D723-4F4B-D80E-28DD-620CC5F82BBE}"/>
+              </a:ext>
+            </a:extLst>
+          </p:cNvPr>
+          <p:cNvCxnSpPr>
+            <a:cxnSpLocks/>
+          </p:cNvCxnSpPr>
+          <p:nvPr/>
+        </p:nvCxnSpPr>
+        <p:spPr>
+          <a:xfrm>
+            <a:off x="457874" y="3296334"/>
+            <a:ext cx="1767136" cy="475566"/>
+          </a:xfrm>
+          <a:prstGeom prst="straightConnector1">
+            <a:avLst/>
+          </a:prstGeom>
+          <a:ln w="38100">
+            <a:solidFill>
+              <a:schemeClr val="tx1"/>
+            </a:solidFill>
+            <a:tailEnd type="triangle"/>
+          </a:ln>
+        </p:spPr>
+        <p:style>
+          <a:lnRef idx="2">
+            <a:schemeClr val="accent1"/>
+          </a:lnRef>
+          <a:fillRef idx="0">
+            <a:schemeClr val="accent1"/>
+          </a:fillRef>
+          <a:effectRef idx="1">
+            <a:schemeClr val="accent1"/>
+          </a:effectRef>
+          <a:fontRef idx="minor">
+            <a:schemeClr val="tx1"/>
+          </a:fontRef>
+        </p:style>
+      </p:cxnSp>
+      <p:cxnSp>
+        <p:nvCxnSpPr>
+          <p:cNvPr id="6" name="직선 화살표 연결선 5">
+            <a:extLst>
+              <a:ext uri="{FF2B5EF4-FFF2-40B4-BE49-F238E27FC236}">
+                <a16:creationId xmlns:a16="http://schemas.microsoft.com/office/drawing/2014/main" id="{52D80A5F-F7CF-907E-6334-9518096764C9}"/>
+              </a:ext>
+            </a:extLst>
+          </p:cNvPr>
+          <p:cNvCxnSpPr>
+            <a:cxnSpLocks/>
+          </p:cNvCxnSpPr>
+          <p:nvPr/>
+        </p:nvCxnSpPr>
+        <p:spPr>
+          <a:xfrm>
+            <a:off x="457874" y="3771900"/>
+            <a:ext cx="1767136" cy="46459"/>
+          </a:xfrm>
+          <a:prstGeom prst="straightConnector1">
+            <a:avLst/>
+          </a:prstGeom>
+          <a:ln w="38100">
+            <a:solidFill>
+              <a:schemeClr val="tx1"/>
+            </a:solidFill>
+            <a:tailEnd type="triangle"/>
+          </a:ln>
+        </p:spPr>
+        <p:style>
+          <a:lnRef idx="2">
+            <a:schemeClr val="accent1"/>
+          </a:lnRef>
+          <a:fillRef idx="0">
+            <a:schemeClr val="accent1"/>
+          </a:fillRef>
+          <a:effectRef idx="1">
+            <a:schemeClr val="accent1"/>
+          </a:effectRef>
+          <a:fontRef idx="minor">
+            <a:schemeClr val="tx1"/>
+          </a:fontRef>
+        </p:style>
+      </p:cxnSp>
+      <p:cxnSp>
+        <p:nvCxnSpPr>
+          <p:cNvPr id="15" name="직선 화살표 연결선 14">
+            <a:extLst>
+              <a:ext uri="{FF2B5EF4-FFF2-40B4-BE49-F238E27FC236}">
+                <a16:creationId xmlns:a16="http://schemas.microsoft.com/office/drawing/2014/main" id="{5986BC43-A58F-7CF0-EDE2-887C73C5225E}"/>
+              </a:ext>
+            </a:extLst>
+          </p:cNvPr>
+          <p:cNvCxnSpPr>
+            <a:cxnSpLocks/>
+          </p:cNvCxnSpPr>
+          <p:nvPr/>
+        </p:nvCxnSpPr>
+        <p:spPr>
+          <a:xfrm flipV="1">
+            <a:off x="457873" y="3818359"/>
+            <a:ext cx="1767137" cy="491782"/>
+          </a:xfrm>
+          <a:prstGeom prst="straightConnector1">
+            <a:avLst/>
+          </a:prstGeom>
+          <a:ln w="38100">
+            <a:solidFill>
+              <a:schemeClr val="tx1"/>
+            </a:solidFill>
+            <a:tailEnd type="triangle"/>
+          </a:ln>
+        </p:spPr>
+        <p:style>
+          <a:lnRef idx="2">
+            <a:schemeClr val="accent1"/>
+          </a:lnRef>
+          <a:fillRef idx="0">
+            <a:schemeClr val="accent1"/>
+          </a:fillRef>
+          <a:effectRef idx="1">
+            <a:schemeClr val="accent1"/>
+          </a:effectRef>
+          <a:fontRef idx="minor">
+            <a:schemeClr val="tx1"/>
+          </a:fontRef>
+        </p:style>
+      </p:cxnSp>
+      <p:sp>
+        <p:nvSpPr>
+          <p:cNvPr id="12" name="타원 11">
+            <a:extLst>
+              <a:ext uri="{FF2B5EF4-FFF2-40B4-BE49-F238E27FC236}">
+                <a16:creationId xmlns:a16="http://schemas.microsoft.com/office/drawing/2014/main" id="{75109B2E-E068-8EBA-3643-3A989C80F3C4}"/>
+              </a:ext>
+            </a:extLst>
+          </p:cNvPr>
+          <p:cNvSpPr/>
+          <p:nvPr/>
+        </p:nvSpPr>
+        <p:spPr>
+          <a:xfrm>
+            <a:off x="4280736" y="2219145"/>
+            <a:ext cx="1315453" cy="2582779"/>
+          </a:xfrm>
+          <a:prstGeom prst="ellipse">
+            <a:avLst/>
+          </a:prstGeom>
+          <a:solidFill>
+            <a:schemeClr val="accent4">
+              <a:lumMod val="60000"/>
+              <a:lumOff val="40000"/>
+            </a:schemeClr>
+          </a:solidFill>
+        </p:spPr>
+        <p:style>
+          <a:lnRef idx="2">
+            <a:schemeClr val="accent1">
+              <a:shade val="15000"/>
+            </a:schemeClr>
+          </a:lnRef>
+          <a:fillRef idx="1">
+            <a:schemeClr val="accent1"/>
+          </a:fillRef>
+          <a:effectRef idx="0">
+            <a:schemeClr val="accent1"/>
+          </a:effectRef>
+          <a:fontRef idx="minor">
+            <a:schemeClr val="lt1"/>
+          </a:fontRef>
+        </p:style>
+        <p:txBody>
+          <a:bodyPr rtlCol="0" anchor="ctr"/>
+          <a:lstStyle/>
+          <a:p>
+            <a:pPr algn="ctr"/>
+            <a:r>
+              <a:rPr lang="en-US" altLang="ko-KR" b="1" dirty="0">
+                <a:solidFill>
+                  <a:schemeClr val="tx2"/>
+                </a:solidFill>
+              </a:rPr>
+              <a:t>a</a:t>
+            </a:r>
+            <a:br>
+              <a:rPr lang="en-US" altLang="ko-KR" b="1" dirty="0">
+                <a:solidFill>
+                  <a:schemeClr val="tx2"/>
+                </a:solidFill>
+              </a:rPr>
+            </a:br>
+            <a:br>
+              <a:rPr lang="en-US" altLang="ko-KR" b="1" dirty="0">
+                <a:solidFill>
+                  <a:schemeClr val="tx2"/>
+                </a:solidFill>
+              </a:rPr>
+            </a:br>
+            <a:r>
+              <a:rPr lang="en-US" altLang="ko-KR" b="1" dirty="0">
+                <a:solidFill>
+                  <a:schemeClr val="tx2"/>
+                </a:solidFill>
+              </a:rPr>
+              <a:t>b</a:t>
+            </a:r>
+            <a:br>
+              <a:rPr lang="en-US" altLang="ko-KR" b="1" dirty="0">
+                <a:solidFill>
+                  <a:schemeClr val="tx2"/>
+                </a:solidFill>
+              </a:rPr>
+            </a:br>
+            <a:br>
+              <a:rPr lang="en-US" altLang="ko-KR" b="1" dirty="0">
+                <a:solidFill>
+                  <a:schemeClr val="tx2"/>
+                </a:solidFill>
+              </a:rPr>
+            </a:br>
+            <a:r>
+              <a:rPr lang="en-US" altLang="ko-KR" b="1" dirty="0">
+                <a:solidFill>
+                  <a:schemeClr val="tx2"/>
+                </a:solidFill>
+              </a:rPr>
+              <a:t>c</a:t>
+            </a:r>
+            <a:br>
+              <a:rPr lang="en-US" altLang="ko-KR" b="1" dirty="0">
+                <a:solidFill>
+                  <a:schemeClr val="tx2"/>
+                </a:solidFill>
+              </a:rPr>
+            </a:br>
+            <a:br>
+              <a:rPr lang="en-US" altLang="ko-KR" b="1" dirty="0">
+                <a:solidFill>
+                  <a:schemeClr val="tx2"/>
+                </a:solidFill>
+              </a:rPr>
+            </a:br>
+            <a:r>
+              <a:rPr lang="en-US" altLang="ko-KR" b="1" dirty="0">
+                <a:solidFill>
+                  <a:schemeClr val="tx2"/>
+                </a:solidFill>
+              </a:rPr>
+              <a:t>d</a:t>
+            </a:r>
+            <a:endParaRPr lang="ko-KR" altLang="en-US" b="1" dirty="0">
+              <a:solidFill>
+                <a:schemeClr val="tx2"/>
+              </a:solidFill>
+            </a:endParaRPr>
+          </a:p>
+        </p:txBody>
+      </p:sp>
+      <p:cxnSp>
+        <p:nvCxnSpPr>
+          <p:cNvPr id="13" name="직선 화살표 연결선 12">
+            <a:extLst>
+              <a:ext uri="{FF2B5EF4-FFF2-40B4-BE49-F238E27FC236}">
+                <a16:creationId xmlns:a16="http://schemas.microsoft.com/office/drawing/2014/main" id="{4BED6499-E901-FE4E-9A6F-C3B57F1C75C0}"/>
+              </a:ext>
+            </a:extLst>
+          </p:cNvPr>
+          <p:cNvCxnSpPr>
+            <a:cxnSpLocks/>
+          </p:cNvCxnSpPr>
+          <p:nvPr/>
+        </p:nvCxnSpPr>
+        <p:spPr>
+          <a:xfrm>
+            <a:off x="2910972" y="2692400"/>
+            <a:ext cx="1752438" cy="1617741"/>
+          </a:xfrm>
+          <a:prstGeom prst="straightConnector1">
+            <a:avLst/>
+          </a:prstGeom>
+          <a:ln w="38100">
+            <a:solidFill>
+              <a:schemeClr val="tx1"/>
+            </a:solidFill>
+            <a:tailEnd type="triangle"/>
+          </a:ln>
+        </p:spPr>
+        <p:style>
+          <a:lnRef idx="2">
+            <a:schemeClr val="accent1"/>
+          </a:lnRef>
+          <a:fillRef idx="0">
+            <a:schemeClr val="accent1"/>
+          </a:fillRef>
+          <a:effectRef idx="1">
+            <a:schemeClr val="accent1"/>
+          </a:effectRef>
+          <a:fontRef idx="minor">
+            <a:schemeClr val="tx1"/>
+          </a:fontRef>
+        </p:style>
+      </p:cxnSp>
+      <p:cxnSp>
+        <p:nvCxnSpPr>
+          <p:cNvPr id="17" name="직선 화살표 연결선 16">
+            <a:extLst>
+              <a:ext uri="{FF2B5EF4-FFF2-40B4-BE49-F238E27FC236}">
+                <a16:creationId xmlns:a16="http://schemas.microsoft.com/office/drawing/2014/main" id="{A0E44DCA-8375-99CB-E798-BE828A690587}"/>
+              </a:ext>
+            </a:extLst>
+          </p:cNvPr>
+          <p:cNvCxnSpPr>
+            <a:cxnSpLocks/>
+          </p:cNvCxnSpPr>
+          <p:nvPr/>
+        </p:nvCxnSpPr>
+        <p:spPr>
+          <a:xfrm>
+            <a:off x="2925670" y="3317874"/>
+            <a:ext cx="1737740" cy="429288"/>
+          </a:xfrm>
+          <a:prstGeom prst="straightConnector1">
+            <a:avLst/>
+          </a:prstGeom>
+          <a:ln w="38100">
+            <a:solidFill>
+              <a:schemeClr val="tx1"/>
+            </a:solidFill>
+            <a:tailEnd type="triangle"/>
+          </a:ln>
+        </p:spPr>
+        <p:style>
+          <a:lnRef idx="2">
+            <a:schemeClr val="accent1"/>
+          </a:lnRef>
+          <a:fillRef idx="0">
+            <a:schemeClr val="accent1"/>
+          </a:fillRef>
+          <a:effectRef idx="1">
+            <a:schemeClr val="accent1"/>
+          </a:effectRef>
+          <a:fontRef idx="minor">
+            <a:schemeClr val="tx1"/>
+          </a:fontRef>
+        </p:style>
+      </p:cxnSp>
+      <p:cxnSp>
+        <p:nvCxnSpPr>
+          <p:cNvPr id="20" name="직선 화살표 연결선 19">
+            <a:extLst>
+              <a:ext uri="{FF2B5EF4-FFF2-40B4-BE49-F238E27FC236}">
+                <a16:creationId xmlns:a16="http://schemas.microsoft.com/office/drawing/2014/main" id="{04BCBF9C-0E13-CF2C-7348-8B964AC349DA}"/>
+              </a:ext>
+            </a:extLst>
+          </p:cNvPr>
+          <p:cNvCxnSpPr>
+            <a:cxnSpLocks/>
+          </p:cNvCxnSpPr>
+          <p:nvPr/>
+        </p:nvCxnSpPr>
+        <p:spPr>
+          <a:xfrm flipV="1">
+            <a:off x="2925670" y="2692400"/>
+            <a:ext cx="1737740" cy="1131634"/>
+          </a:xfrm>
+          <a:prstGeom prst="straightConnector1">
+            <a:avLst/>
+          </a:prstGeom>
+          <a:ln w="38100">
+            <a:solidFill>
+              <a:schemeClr val="tx1"/>
+            </a:solidFill>
+            <a:tailEnd type="triangle"/>
+          </a:ln>
+        </p:spPr>
+        <p:style>
+          <a:lnRef idx="2">
+            <a:schemeClr val="accent1"/>
+          </a:lnRef>
+          <a:fillRef idx="0">
+            <a:schemeClr val="accent1"/>
+          </a:fillRef>
+          <a:effectRef idx="1">
+            <a:schemeClr val="accent1"/>
+          </a:effectRef>
+          <a:fontRef idx="minor">
+            <a:schemeClr val="tx1"/>
+          </a:fontRef>
+        </p:style>
+      </p:cxnSp>
+      <p:cxnSp>
+        <p:nvCxnSpPr>
+          <p:cNvPr id="22" name="직선 화살표 연결선 21">
+            <a:extLst>
+              <a:ext uri="{FF2B5EF4-FFF2-40B4-BE49-F238E27FC236}">
+                <a16:creationId xmlns:a16="http://schemas.microsoft.com/office/drawing/2014/main" id="{2122F529-02C9-6FBE-123F-8B492AC5777C}"/>
+              </a:ext>
+            </a:extLst>
+          </p:cNvPr>
+          <p:cNvCxnSpPr>
+            <a:cxnSpLocks/>
+          </p:cNvCxnSpPr>
+          <p:nvPr/>
+        </p:nvCxnSpPr>
+        <p:spPr>
+          <a:xfrm flipV="1">
+            <a:off x="2925670" y="2741876"/>
+            <a:ext cx="1737740" cy="1595841"/>
+          </a:xfrm>
+          <a:prstGeom prst="straightConnector1">
+            <a:avLst/>
+          </a:prstGeom>
+          <a:ln w="38100">
+            <a:solidFill>
+              <a:schemeClr val="tx1"/>
+            </a:solidFill>
+            <a:tailEnd type="triangle"/>
+          </a:ln>
+        </p:spPr>
+        <p:style>
+          <a:lnRef idx="2">
+            <a:schemeClr val="accent1"/>
+          </a:lnRef>
+          <a:fillRef idx="0">
+            <a:schemeClr val="accent1"/>
+          </a:fillRef>
+          <a:effectRef idx="1">
+            <a:schemeClr val="accent1"/>
+          </a:effectRef>
+          <a:fontRef idx="minor">
+            <a:schemeClr val="tx1"/>
+          </a:fontRef>
+        </p:style>
+      </p:cxnSp>
+      <p:sp>
+        <p:nvSpPr>
+          <p:cNvPr id="24" name="TextBox 23">
+            <a:extLst>
+              <a:ext uri="{FF2B5EF4-FFF2-40B4-BE49-F238E27FC236}">
+                <a16:creationId xmlns:a16="http://schemas.microsoft.com/office/drawing/2014/main" id="{4CF8FFA5-6E3B-2098-2239-28017DD55FB7}"/>
+              </a:ext>
+            </a:extLst>
+          </p:cNvPr>
+          <p:cNvSpPr txBox="1"/>
+          <p:nvPr/>
+        </p:nvSpPr>
+        <p:spPr>
+          <a:xfrm>
+            <a:off x="4770788" y="1849813"/>
+            <a:ext cx="335348" cy="369332"/>
+          </a:xfrm>
+          <a:prstGeom prst="rect">
+            <a:avLst/>
+          </a:prstGeom>
+          <a:noFill/>
+        </p:spPr>
+        <p:txBody>
+          <a:bodyPr wrap="none" rtlCol="0">
+            <a:spAutoFit/>
+          </a:bodyPr>
+          <a:lstStyle/>
+          <a:p>
+            <a:r>
+              <a:rPr lang="en-US" altLang="ko-KR" b="1" dirty="0"/>
+              <a:t>Z</a:t>
+            </a:r>
+            <a:endParaRPr lang="ko-KR" altLang="en-US" b="1" dirty="0"/>
+          </a:p>
+        </p:txBody>
+      </p:sp>
+      <p:sp>
+        <p:nvSpPr>
+          <p:cNvPr id="25" name="TextBox 24">
+            <a:extLst>
+              <a:ext uri="{FF2B5EF4-FFF2-40B4-BE49-F238E27FC236}">
+                <a16:creationId xmlns:a16="http://schemas.microsoft.com/office/drawing/2014/main" id="{667C09EA-9B47-4AAF-7047-988595672155}"/>
+              </a:ext>
+            </a:extLst>
+          </p:cNvPr>
+          <p:cNvSpPr txBox="1"/>
+          <p:nvPr/>
+        </p:nvSpPr>
+        <p:spPr>
+          <a:xfrm>
+            <a:off x="720619" y="4505058"/>
+            <a:ext cx="1164871" cy="369332"/>
+          </a:xfrm>
+          <a:prstGeom prst="rect">
+            <a:avLst/>
+          </a:prstGeom>
+          <a:noFill/>
+        </p:spPr>
+        <p:txBody>
+          <a:bodyPr wrap="none" rtlCol="0">
+            <a:spAutoFit/>
+          </a:bodyPr>
+          <a:lstStyle/>
+          <a:p>
+            <a:r>
+              <a:rPr lang="en-US" altLang="ko-KR" b="1" dirty="0"/>
+              <a:t>(g ∘ f)(x)</a:t>
+            </a:r>
+            <a:endParaRPr lang="ko-KR" altLang="en-US" b="1" dirty="0"/>
+          </a:p>
+        </p:txBody>
+      </p:sp>
+      <p:sp>
+        <p:nvSpPr>
+          <p:cNvPr id="26" name="TextBox 25">
+            <a:extLst>
+              <a:ext uri="{FF2B5EF4-FFF2-40B4-BE49-F238E27FC236}">
+                <a16:creationId xmlns:a16="http://schemas.microsoft.com/office/drawing/2014/main" id="{03F4E534-DFDE-FE65-A45A-50DE842160D3}"/>
+              </a:ext>
+            </a:extLst>
+          </p:cNvPr>
+          <p:cNvSpPr txBox="1"/>
+          <p:nvPr/>
+        </p:nvSpPr>
+        <p:spPr>
+          <a:xfrm>
+            <a:off x="3513052" y="4505058"/>
+            <a:ext cx="614271" cy="369332"/>
+          </a:xfrm>
+          <a:prstGeom prst="rect">
+            <a:avLst/>
+          </a:prstGeom>
+          <a:noFill/>
+        </p:spPr>
+        <p:txBody>
+          <a:bodyPr wrap="none" rtlCol="0">
+            <a:spAutoFit/>
+          </a:bodyPr>
+          <a:lstStyle/>
+          <a:p>
+            <a:r>
+              <a:rPr lang="en-US" altLang="ko-KR" b="1" dirty="0"/>
+              <a:t>h(y)</a:t>
+            </a:r>
+            <a:endParaRPr lang="ko-KR" altLang="en-US" b="1" dirty="0"/>
+          </a:p>
+        </p:txBody>
+      </p:sp>
+      <p:sp>
+        <p:nvSpPr>
+          <p:cNvPr id="28" name="타원 27">
+            <a:extLst>
+              <a:ext uri="{FF2B5EF4-FFF2-40B4-BE49-F238E27FC236}">
+                <a16:creationId xmlns:a16="http://schemas.microsoft.com/office/drawing/2014/main" id="{7E75A260-716F-5808-BD40-735DF3FE0108}"/>
+              </a:ext>
+            </a:extLst>
+          </p:cNvPr>
+          <p:cNvSpPr/>
+          <p:nvPr/>
+        </p:nvSpPr>
+        <p:spPr>
+          <a:xfrm>
+            <a:off x="8852790" y="2219145"/>
+            <a:ext cx="1315453" cy="2582779"/>
+          </a:xfrm>
+          <a:prstGeom prst="ellipse">
+            <a:avLst/>
+          </a:prstGeom>
+          <a:solidFill>
+            <a:schemeClr val="bg1">
+              <a:lumMod val="75000"/>
+            </a:schemeClr>
+          </a:solidFill>
+        </p:spPr>
+        <p:style>
+          <a:lnRef idx="2">
+            <a:schemeClr val="accent1">
+              <a:shade val="15000"/>
+            </a:schemeClr>
+          </a:lnRef>
+          <a:fillRef idx="1">
+            <a:schemeClr val="accent1"/>
+          </a:fillRef>
+          <a:effectRef idx="0">
+            <a:schemeClr val="accent1"/>
+          </a:effectRef>
+          <a:fontRef idx="minor">
+            <a:schemeClr val="lt1"/>
+          </a:fontRef>
+        </p:style>
+        <p:txBody>
+          <a:bodyPr rtlCol="0" anchor="ctr"/>
+          <a:lstStyle/>
+          <a:p>
+            <a:pPr algn="ctr"/>
+            <a:r>
+              <a:rPr lang="en-US" altLang="ko-KR" b="1" dirty="0">
+                <a:solidFill>
+                  <a:schemeClr val="tx2"/>
+                </a:solidFill>
+              </a:rPr>
+              <a:t>1</a:t>
+            </a:r>
+            <a:br>
+              <a:rPr lang="en-US" altLang="ko-KR" b="1" dirty="0">
+                <a:solidFill>
+                  <a:schemeClr val="tx2"/>
+                </a:solidFill>
+              </a:rPr>
+            </a:br>
+            <a:br>
+              <a:rPr lang="en-US" altLang="ko-KR" b="1" dirty="0">
+                <a:solidFill>
+                  <a:schemeClr val="tx2"/>
+                </a:solidFill>
+              </a:rPr>
+            </a:br>
+            <a:r>
+              <a:rPr lang="en-US" altLang="ko-KR" b="1" dirty="0">
+                <a:solidFill>
+                  <a:schemeClr val="tx2"/>
+                </a:solidFill>
+              </a:rPr>
+              <a:t>2</a:t>
+            </a:r>
+            <a:br>
+              <a:rPr lang="en-US" altLang="ko-KR" b="1" dirty="0">
+                <a:solidFill>
+                  <a:schemeClr val="tx2"/>
+                </a:solidFill>
+              </a:rPr>
+            </a:br>
+            <a:br>
+              <a:rPr lang="en-US" altLang="ko-KR" b="1" dirty="0">
+                <a:solidFill>
+                  <a:schemeClr val="tx2"/>
+                </a:solidFill>
+              </a:rPr>
+            </a:br>
+            <a:r>
+              <a:rPr lang="en-US" altLang="ko-KR" b="1" dirty="0">
+                <a:solidFill>
+                  <a:schemeClr val="tx2"/>
+                </a:solidFill>
+              </a:rPr>
+              <a:t>3</a:t>
+            </a:r>
+            <a:br>
+              <a:rPr lang="en-US" altLang="ko-KR" b="1" dirty="0">
+                <a:solidFill>
+                  <a:schemeClr val="tx2"/>
+                </a:solidFill>
+              </a:rPr>
+            </a:br>
+            <a:br>
+              <a:rPr lang="en-US" altLang="ko-KR" b="1" dirty="0">
+                <a:solidFill>
+                  <a:schemeClr val="tx2"/>
+                </a:solidFill>
+              </a:rPr>
+            </a:br>
+            <a:r>
+              <a:rPr lang="en-US" altLang="ko-KR" b="1" dirty="0">
+                <a:solidFill>
+                  <a:schemeClr val="tx2"/>
+                </a:solidFill>
+              </a:rPr>
+              <a:t>4</a:t>
+            </a:r>
+            <a:endParaRPr lang="ko-KR" altLang="en-US" b="1" dirty="0">
+              <a:solidFill>
+                <a:schemeClr val="tx2"/>
+              </a:solidFill>
+            </a:endParaRPr>
+          </a:p>
+        </p:txBody>
+      </p:sp>
+      <p:sp>
+        <p:nvSpPr>
+          <p:cNvPr id="31" name="TextBox 30">
+            <a:extLst>
+              <a:ext uri="{FF2B5EF4-FFF2-40B4-BE49-F238E27FC236}">
+                <a16:creationId xmlns:a16="http://schemas.microsoft.com/office/drawing/2014/main" id="{D4FB0B1F-EF88-F448-ABDD-7004C2C2C09A}"/>
+              </a:ext>
+            </a:extLst>
+          </p:cNvPr>
+          <p:cNvSpPr txBox="1"/>
+          <p:nvPr/>
+        </p:nvSpPr>
+        <p:spPr>
+          <a:xfrm>
+            <a:off x="9342842" y="1849813"/>
+            <a:ext cx="335348" cy="369332"/>
+          </a:xfrm>
+          <a:prstGeom prst="rect">
+            <a:avLst/>
+          </a:prstGeom>
+          <a:noFill/>
+        </p:spPr>
+        <p:txBody>
+          <a:bodyPr wrap="none" rtlCol="0">
+            <a:spAutoFit/>
+          </a:bodyPr>
+          <a:lstStyle/>
+          <a:p>
+            <a:r>
+              <a:rPr lang="en-US" altLang="ko-KR" b="1" dirty="0"/>
+              <a:t>X</a:t>
+            </a:r>
+            <a:endParaRPr lang="ko-KR" altLang="en-US" b="1" dirty="0"/>
+          </a:p>
+        </p:txBody>
+      </p:sp>
+      <p:sp>
+        <p:nvSpPr>
+          <p:cNvPr id="37" name="타원 36">
+            <a:extLst>
+              <a:ext uri="{FF2B5EF4-FFF2-40B4-BE49-F238E27FC236}">
+                <a16:creationId xmlns:a16="http://schemas.microsoft.com/office/drawing/2014/main" id="{9C29C68A-434C-3C91-1F37-E08DE1F510A5}"/>
+              </a:ext>
+            </a:extLst>
+          </p:cNvPr>
+          <p:cNvSpPr/>
+          <p:nvPr/>
+        </p:nvSpPr>
+        <p:spPr>
+          <a:xfrm>
+            <a:off x="11350086" y="2219145"/>
+            <a:ext cx="1315453" cy="2582779"/>
+          </a:xfrm>
+          <a:prstGeom prst="ellipse">
+            <a:avLst/>
+          </a:prstGeom>
+          <a:solidFill>
+            <a:schemeClr val="accent4">
+              <a:lumMod val="60000"/>
+              <a:lumOff val="40000"/>
+            </a:schemeClr>
+          </a:solidFill>
+        </p:spPr>
+        <p:style>
+          <a:lnRef idx="2">
+            <a:schemeClr val="accent1">
+              <a:shade val="15000"/>
+            </a:schemeClr>
+          </a:lnRef>
+          <a:fillRef idx="1">
+            <a:schemeClr val="accent1"/>
+          </a:fillRef>
+          <a:effectRef idx="0">
+            <a:schemeClr val="accent1"/>
+          </a:effectRef>
+          <a:fontRef idx="minor">
+            <a:schemeClr val="lt1"/>
+          </a:fontRef>
+        </p:style>
+        <p:txBody>
+          <a:bodyPr rtlCol="0" anchor="ctr"/>
+          <a:lstStyle/>
+          <a:p>
+            <a:pPr algn="ctr"/>
+            <a:r>
+              <a:rPr lang="en-US" altLang="ko-KR" b="1" dirty="0">
+                <a:solidFill>
+                  <a:schemeClr val="tx2"/>
+                </a:solidFill>
+              </a:rPr>
+              <a:t>a</a:t>
+            </a:r>
+            <a:br>
+              <a:rPr lang="en-US" altLang="ko-KR" b="1" dirty="0">
+                <a:solidFill>
+                  <a:schemeClr val="tx2"/>
+                </a:solidFill>
+              </a:rPr>
+            </a:br>
+            <a:br>
+              <a:rPr lang="en-US" altLang="ko-KR" b="1" dirty="0">
+                <a:solidFill>
+                  <a:schemeClr val="tx2"/>
+                </a:solidFill>
+              </a:rPr>
+            </a:br>
+            <a:r>
+              <a:rPr lang="en-US" altLang="ko-KR" b="1" dirty="0">
+                <a:solidFill>
+                  <a:schemeClr val="tx2"/>
+                </a:solidFill>
+              </a:rPr>
+              <a:t>b</a:t>
+            </a:r>
+            <a:br>
+              <a:rPr lang="en-US" altLang="ko-KR" b="1" dirty="0">
+                <a:solidFill>
+                  <a:schemeClr val="tx2"/>
+                </a:solidFill>
+              </a:rPr>
+            </a:br>
+            <a:br>
+              <a:rPr lang="en-US" altLang="ko-KR" b="1" dirty="0">
+                <a:solidFill>
+                  <a:schemeClr val="tx2"/>
+                </a:solidFill>
+              </a:rPr>
+            </a:br>
+            <a:r>
+              <a:rPr lang="en-US" altLang="ko-KR" b="1" dirty="0">
+                <a:solidFill>
+                  <a:schemeClr val="tx2"/>
+                </a:solidFill>
+              </a:rPr>
+              <a:t>c</a:t>
+            </a:r>
+            <a:br>
+              <a:rPr lang="en-US" altLang="ko-KR" b="1" dirty="0">
+                <a:solidFill>
+                  <a:schemeClr val="tx2"/>
+                </a:solidFill>
+              </a:rPr>
+            </a:br>
+            <a:br>
+              <a:rPr lang="en-US" altLang="ko-KR" b="1" dirty="0">
+                <a:solidFill>
+                  <a:schemeClr val="tx2"/>
+                </a:solidFill>
+              </a:rPr>
+            </a:br>
+            <a:r>
+              <a:rPr lang="en-US" altLang="ko-KR" b="1" dirty="0">
+                <a:solidFill>
+                  <a:schemeClr val="tx2"/>
+                </a:solidFill>
+              </a:rPr>
+              <a:t>d</a:t>
+            </a:r>
+            <a:endParaRPr lang="ko-KR" altLang="en-US" b="1" dirty="0">
+              <a:solidFill>
+                <a:schemeClr val="tx2"/>
+              </a:solidFill>
+            </a:endParaRPr>
+          </a:p>
+        </p:txBody>
+      </p:sp>
+      <p:sp>
+        <p:nvSpPr>
+          <p:cNvPr id="42" name="TextBox 41">
+            <a:extLst>
+              <a:ext uri="{FF2B5EF4-FFF2-40B4-BE49-F238E27FC236}">
+                <a16:creationId xmlns:a16="http://schemas.microsoft.com/office/drawing/2014/main" id="{8DCA3FB4-93D5-F6B4-7B41-965323D7CD1E}"/>
+              </a:ext>
+            </a:extLst>
+          </p:cNvPr>
+          <p:cNvSpPr txBox="1"/>
+          <p:nvPr/>
+        </p:nvSpPr>
+        <p:spPr>
+          <a:xfrm>
+            <a:off x="11840138" y="1849813"/>
+            <a:ext cx="335348" cy="369332"/>
+          </a:xfrm>
+          <a:prstGeom prst="rect">
+            <a:avLst/>
+          </a:prstGeom>
+          <a:noFill/>
+        </p:spPr>
+        <p:txBody>
+          <a:bodyPr wrap="none" rtlCol="0">
+            <a:spAutoFit/>
+          </a:bodyPr>
+          <a:lstStyle/>
+          <a:p>
+            <a:r>
+              <a:rPr lang="en-US" altLang="ko-KR" b="1" dirty="0"/>
+              <a:t>Z</a:t>
+            </a:r>
+            <a:endParaRPr lang="ko-KR" altLang="en-US" b="1" dirty="0"/>
+          </a:p>
+        </p:txBody>
+      </p:sp>
+      <p:cxnSp>
+        <p:nvCxnSpPr>
+          <p:cNvPr id="33" name="직선 화살표 연결선 32">
+            <a:extLst>
+              <a:ext uri="{FF2B5EF4-FFF2-40B4-BE49-F238E27FC236}">
+                <a16:creationId xmlns:a16="http://schemas.microsoft.com/office/drawing/2014/main" id="{942E8FAC-18C7-7D24-8440-49A2A6E8FA30}"/>
+              </a:ext>
+            </a:extLst>
+          </p:cNvPr>
+          <p:cNvCxnSpPr>
+            <a:cxnSpLocks/>
+          </p:cNvCxnSpPr>
+          <p:nvPr/>
+        </p:nvCxnSpPr>
+        <p:spPr>
+          <a:xfrm>
+            <a:off x="9895528" y="2692400"/>
+            <a:ext cx="1767136" cy="1617741"/>
+          </a:xfrm>
+          <a:prstGeom prst="straightConnector1">
+            <a:avLst/>
+          </a:prstGeom>
+          <a:ln w="38100">
+            <a:solidFill>
+              <a:schemeClr val="tx1"/>
+            </a:solidFill>
+            <a:tailEnd type="triangle"/>
+          </a:ln>
+        </p:spPr>
+        <p:style>
+          <a:lnRef idx="2">
+            <a:schemeClr val="accent1"/>
+          </a:lnRef>
+          <a:fillRef idx="0">
+            <a:schemeClr val="accent1"/>
+          </a:fillRef>
+          <a:effectRef idx="1">
+            <a:schemeClr val="accent1"/>
+          </a:effectRef>
+          <a:fontRef idx="minor">
+            <a:schemeClr val="tx1"/>
+          </a:fontRef>
+        </p:style>
+      </p:cxnSp>
+      <p:cxnSp>
+        <p:nvCxnSpPr>
+          <p:cNvPr id="34" name="직선 화살표 연결선 33">
+            <a:extLst>
+              <a:ext uri="{FF2B5EF4-FFF2-40B4-BE49-F238E27FC236}">
+                <a16:creationId xmlns:a16="http://schemas.microsoft.com/office/drawing/2014/main" id="{EAF32C83-9E3F-343D-25D6-8E5448B707D1}"/>
+              </a:ext>
+            </a:extLst>
+          </p:cNvPr>
+          <p:cNvCxnSpPr>
+            <a:cxnSpLocks/>
+          </p:cNvCxnSpPr>
+          <p:nvPr/>
+        </p:nvCxnSpPr>
+        <p:spPr>
+          <a:xfrm flipV="1">
+            <a:off x="9895528" y="2741876"/>
+            <a:ext cx="1767136" cy="554458"/>
+          </a:xfrm>
+          <a:prstGeom prst="straightConnector1">
+            <a:avLst/>
+          </a:prstGeom>
+          <a:ln w="38100">
+            <a:solidFill>
+              <a:schemeClr val="tx1"/>
+            </a:solidFill>
+            <a:tailEnd type="triangle"/>
+          </a:ln>
+        </p:spPr>
+        <p:style>
+          <a:lnRef idx="2">
+            <a:schemeClr val="accent1"/>
+          </a:lnRef>
+          <a:fillRef idx="0">
+            <a:schemeClr val="accent1"/>
+          </a:fillRef>
+          <a:effectRef idx="1">
+            <a:schemeClr val="accent1"/>
+          </a:effectRef>
+          <a:fontRef idx="minor">
+            <a:schemeClr val="tx1"/>
+          </a:fontRef>
+        </p:style>
+      </p:cxnSp>
+      <p:cxnSp>
+        <p:nvCxnSpPr>
+          <p:cNvPr id="35" name="직선 화살표 연결선 34">
+            <a:extLst>
+              <a:ext uri="{FF2B5EF4-FFF2-40B4-BE49-F238E27FC236}">
+                <a16:creationId xmlns:a16="http://schemas.microsoft.com/office/drawing/2014/main" id="{A8695043-390A-B117-3767-9E75BC18CB5E}"/>
+              </a:ext>
+            </a:extLst>
+          </p:cNvPr>
+          <p:cNvCxnSpPr>
+            <a:cxnSpLocks/>
+          </p:cNvCxnSpPr>
+          <p:nvPr/>
+        </p:nvCxnSpPr>
+        <p:spPr>
+          <a:xfrm flipV="1">
+            <a:off x="9895528" y="2741875"/>
+            <a:ext cx="1767136" cy="1030025"/>
+          </a:xfrm>
+          <a:prstGeom prst="straightConnector1">
+            <a:avLst/>
+          </a:prstGeom>
+          <a:ln w="38100">
+            <a:solidFill>
+              <a:schemeClr val="tx1"/>
+            </a:solidFill>
+            <a:tailEnd type="triangle"/>
+          </a:ln>
+        </p:spPr>
+        <p:style>
+          <a:lnRef idx="2">
+            <a:schemeClr val="accent1"/>
+          </a:lnRef>
+          <a:fillRef idx="0">
+            <a:schemeClr val="accent1"/>
+          </a:fillRef>
+          <a:effectRef idx="1">
+            <a:schemeClr val="accent1"/>
+          </a:effectRef>
+          <a:fontRef idx="minor">
+            <a:schemeClr val="tx1"/>
+          </a:fontRef>
+        </p:style>
+      </p:cxnSp>
+      <p:cxnSp>
+        <p:nvCxnSpPr>
+          <p:cNvPr id="36" name="직선 화살표 연결선 35">
+            <a:extLst>
+              <a:ext uri="{FF2B5EF4-FFF2-40B4-BE49-F238E27FC236}">
+                <a16:creationId xmlns:a16="http://schemas.microsoft.com/office/drawing/2014/main" id="{075D44BA-AA84-DEB0-5FFF-97CE1933BB75}"/>
+              </a:ext>
+            </a:extLst>
+          </p:cNvPr>
+          <p:cNvCxnSpPr>
+            <a:cxnSpLocks/>
+          </p:cNvCxnSpPr>
+          <p:nvPr/>
+        </p:nvCxnSpPr>
+        <p:spPr>
+          <a:xfrm flipV="1">
+            <a:off x="9895527" y="2876550"/>
+            <a:ext cx="1767137" cy="1433591"/>
+          </a:xfrm>
+          <a:prstGeom prst="straightConnector1">
+            <a:avLst/>
+          </a:prstGeom>
+          <a:ln w="38100">
+            <a:solidFill>
+              <a:schemeClr val="tx1"/>
+            </a:solidFill>
+            <a:tailEnd type="triangle"/>
+          </a:ln>
+        </p:spPr>
+        <p:style>
+          <a:lnRef idx="2">
+            <a:schemeClr val="accent1"/>
+          </a:lnRef>
+          <a:fillRef idx="0">
+            <a:schemeClr val="accent1"/>
+          </a:fillRef>
+          <a:effectRef idx="1">
+            <a:schemeClr val="accent1"/>
+          </a:effectRef>
+          <a:fontRef idx="minor">
+            <a:schemeClr val="tx1"/>
+          </a:fontRef>
+        </p:style>
+      </p:cxnSp>
+      <p:sp>
+        <p:nvSpPr>
+          <p:cNvPr id="43" name="TextBox 42">
+            <a:extLst>
+              <a:ext uri="{FF2B5EF4-FFF2-40B4-BE49-F238E27FC236}">
+                <a16:creationId xmlns:a16="http://schemas.microsoft.com/office/drawing/2014/main" id="{645C01D0-8961-7EDA-8EE8-49C8569F9CD5}"/>
+              </a:ext>
+            </a:extLst>
+          </p:cNvPr>
+          <p:cNvSpPr txBox="1"/>
+          <p:nvPr/>
+        </p:nvSpPr>
+        <p:spPr>
+          <a:xfrm>
+            <a:off x="10138831" y="4505058"/>
+            <a:ext cx="1207382" cy="369332"/>
+          </a:xfrm>
+          <a:prstGeom prst="rect">
+            <a:avLst/>
+          </a:prstGeom>
+          <a:noFill/>
+        </p:spPr>
+        <p:txBody>
+          <a:bodyPr wrap="none" rtlCol="0">
+            <a:spAutoFit/>
+          </a:bodyPr>
+          <a:lstStyle/>
+          <a:p>
+            <a:r>
+              <a:rPr lang="en-US" altLang="ko-KR" b="1" dirty="0"/>
+              <a:t>(h ∘ g)(x)</a:t>
+            </a:r>
+            <a:endParaRPr lang="ko-KR" altLang="en-US" b="1" dirty="0"/>
+          </a:p>
+        </p:txBody>
+      </p:sp>
+      <p:sp>
+        <p:nvSpPr>
+          <p:cNvPr id="45" name="타원 44">
+            <a:extLst>
+              <a:ext uri="{FF2B5EF4-FFF2-40B4-BE49-F238E27FC236}">
+                <a16:creationId xmlns:a16="http://schemas.microsoft.com/office/drawing/2014/main" id="{23CEE9FC-C478-AFAB-3E0D-AD59EB245124}"/>
+              </a:ext>
+            </a:extLst>
+          </p:cNvPr>
+          <p:cNvSpPr/>
+          <p:nvPr/>
+        </p:nvSpPr>
+        <p:spPr>
+          <a:xfrm>
+            <a:off x="6431853" y="2219145"/>
+            <a:ext cx="1315453" cy="2582779"/>
+          </a:xfrm>
+          <a:prstGeom prst="ellipse">
+            <a:avLst/>
+          </a:prstGeom>
+          <a:solidFill>
+            <a:schemeClr val="accent2">
+              <a:lumMod val="60000"/>
+              <a:lumOff val="40000"/>
+            </a:schemeClr>
+          </a:solidFill>
+        </p:spPr>
+        <p:style>
+          <a:lnRef idx="2">
+            <a:schemeClr val="accent1">
+              <a:shade val="15000"/>
+            </a:schemeClr>
+          </a:lnRef>
+          <a:fillRef idx="1">
+            <a:schemeClr val="accent1"/>
+          </a:fillRef>
+          <a:effectRef idx="0">
+            <a:schemeClr val="accent1"/>
+          </a:effectRef>
+          <a:fontRef idx="minor">
+            <a:schemeClr val="lt1"/>
+          </a:fontRef>
+        </p:style>
+        <p:txBody>
+          <a:bodyPr rtlCol="0" anchor="ctr"/>
+          <a:lstStyle/>
+          <a:p>
+            <a:pPr algn="ctr"/>
+            <a:r>
+              <a:rPr lang="el-GR" altLang="ko-KR" b="1" dirty="0">
+                <a:solidFill>
+                  <a:schemeClr val="tx2"/>
+                </a:solidFill>
+              </a:rPr>
+              <a:t>α</a:t>
+            </a:r>
+            <a:br>
+              <a:rPr lang="en-US" altLang="ko-KR" b="1" dirty="0">
+                <a:solidFill>
+                  <a:schemeClr val="tx2"/>
+                </a:solidFill>
+              </a:rPr>
+            </a:br>
+            <a:br>
+              <a:rPr lang="en-US" altLang="ko-KR" b="1" dirty="0">
+                <a:solidFill>
+                  <a:schemeClr val="tx2"/>
+                </a:solidFill>
+              </a:rPr>
+            </a:br>
+            <a:r>
+              <a:rPr lang="el-GR" altLang="ko-KR" b="1" dirty="0">
+                <a:solidFill>
+                  <a:schemeClr val="tx2"/>
+                </a:solidFill>
+              </a:rPr>
+              <a:t>β</a:t>
+            </a:r>
+            <a:br>
+              <a:rPr lang="en-US" altLang="ko-KR" b="1" dirty="0">
+                <a:solidFill>
+                  <a:schemeClr val="tx2"/>
+                </a:solidFill>
+              </a:rPr>
+            </a:br>
+            <a:br>
+              <a:rPr lang="en-US" altLang="ko-KR" b="1" dirty="0">
+                <a:solidFill>
+                  <a:schemeClr val="tx2"/>
+                </a:solidFill>
+              </a:rPr>
+            </a:br>
+            <a:r>
+              <a:rPr lang="el-GR" altLang="ko-KR" b="1" dirty="0">
+                <a:solidFill>
+                  <a:schemeClr val="tx2"/>
+                </a:solidFill>
+              </a:rPr>
+              <a:t>γ</a:t>
+            </a:r>
+            <a:br>
+              <a:rPr lang="en-US" altLang="ko-KR" b="1" dirty="0">
+                <a:solidFill>
+                  <a:schemeClr val="tx2"/>
+                </a:solidFill>
+              </a:rPr>
+            </a:br>
+            <a:br>
+              <a:rPr lang="en-US" altLang="ko-KR" b="1" dirty="0">
+                <a:solidFill>
+                  <a:schemeClr val="tx2"/>
+                </a:solidFill>
+              </a:rPr>
+            </a:br>
+            <a:r>
+              <a:rPr lang="el-GR" altLang="ko-KR" b="1" dirty="0">
+                <a:solidFill>
+                  <a:schemeClr val="tx2"/>
+                </a:solidFill>
+              </a:rPr>
+              <a:t>δ</a:t>
+            </a:r>
+            <a:endParaRPr lang="ko-KR" altLang="en-US" b="1" dirty="0">
+              <a:solidFill>
+                <a:schemeClr val="tx2"/>
+              </a:solidFill>
+            </a:endParaRPr>
+          </a:p>
+        </p:txBody>
+      </p:sp>
+      <p:cxnSp>
+        <p:nvCxnSpPr>
+          <p:cNvPr id="46" name="직선 화살표 연결선 45">
+            <a:extLst>
+              <a:ext uri="{FF2B5EF4-FFF2-40B4-BE49-F238E27FC236}">
+                <a16:creationId xmlns:a16="http://schemas.microsoft.com/office/drawing/2014/main" id="{7AB408DC-9B0E-AE41-9128-A445146E92D9}"/>
+              </a:ext>
+            </a:extLst>
+          </p:cNvPr>
+          <p:cNvCxnSpPr>
+            <a:cxnSpLocks/>
+          </p:cNvCxnSpPr>
+          <p:nvPr/>
+        </p:nvCxnSpPr>
+        <p:spPr>
+          <a:xfrm flipV="1">
+            <a:off x="7474591" y="2685690"/>
+            <a:ext cx="1767136" cy="6710"/>
+          </a:xfrm>
+          <a:prstGeom prst="straightConnector1">
+            <a:avLst/>
+          </a:prstGeom>
+          <a:ln w="38100">
+            <a:solidFill>
+              <a:schemeClr val="tx1"/>
+            </a:solidFill>
+            <a:tailEnd type="triangle"/>
+          </a:ln>
+        </p:spPr>
+        <p:style>
+          <a:lnRef idx="2">
+            <a:schemeClr val="accent1"/>
+          </a:lnRef>
+          <a:fillRef idx="0">
+            <a:schemeClr val="accent1"/>
+          </a:fillRef>
+          <a:effectRef idx="1">
+            <a:schemeClr val="accent1"/>
+          </a:effectRef>
+          <a:fontRef idx="minor">
+            <a:schemeClr val="tx1"/>
+          </a:fontRef>
+        </p:style>
+      </p:cxnSp>
+      <p:sp>
+        <p:nvSpPr>
+          <p:cNvPr id="47" name="TextBox 46">
+            <a:extLst>
+              <a:ext uri="{FF2B5EF4-FFF2-40B4-BE49-F238E27FC236}">
+                <a16:creationId xmlns:a16="http://schemas.microsoft.com/office/drawing/2014/main" id="{F446367A-ED8F-B053-7BFC-37BE9F2DC056}"/>
+              </a:ext>
+            </a:extLst>
+          </p:cNvPr>
+          <p:cNvSpPr txBox="1"/>
+          <p:nvPr/>
+        </p:nvSpPr>
+        <p:spPr>
+          <a:xfrm>
+            <a:off x="6921905" y="1849813"/>
+            <a:ext cx="417102" cy="369332"/>
+          </a:xfrm>
+          <a:prstGeom prst="rect">
+            <a:avLst/>
+          </a:prstGeom>
+          <a:noFill/>
+        </p:spPr>
+        <p:txBody>
+          <a:bodyPr wrap="none" rtlCol="0">
+            <a:spAutoFit/>
+          </a:bodyPr>
+          <a:lstStyle/>
+          <a:p>
+            <a:r>
+              <a:rPr lang="en-US" altLang="ko-KR" b="1" dirty="0"/>
+              <a:t>W</a:t>
+            </a:r>
+            <a:endParaRPr lang="ko-KR" altLang="en-US" b="1" dirty="0"/>
+          </a:p>
+        </p:txBody>
+      </p:sp>
+      <p:cxnSp>
+        <p:nvCxnSpPr>
+          <p:cNvPr id="48" name="직선 화살표 연결선 47">
+            <a:extLst>
+              <a:ext uri="{FF2B5EF4-FFF2-40B4-BE49-F238E27FC236}">
+                <a16:creationId xmlns:a16="http://schemas.microsoft.com/office/drawing/2014/main" id="{4590722F-5EBE-07D8-8CA5-391F98BA5DD5}"/>
+              </a:ext>
+            </a:extLst>
+          </p:cNvPr>
+          <p:cNvCxnSpPr>
+            <a:cxnSpLocks/>
+          </p:cNvCxnSpPr>
+          <p:nvPr/>
+        </p:nvCxnSpPr>
+        <p:spPr>
+          <a:xfrm>
+            <a:off x="7474591" y="3296334"/>
+            <a:ext cx="1734975" cy="450828"/>
+          </a:xfrm>
+          <a:prstGeom prst="straightConnector1">
+            <a:avLst/>
+          </a:prstGeom>
+          <a:ln w="38100">
+            <a:solidFill>
+              <a:schemeClr val="tx1"/>
+            </a:solidFill>
+            <a:tailEnd type="triangle"/>
+          </a:ln>
+        </p:spPr>
+        <p:style>
+          <a:lnRef idx="2">
+            <a:schemeClr val="accent1"/>
+          </a:lnRef>
+          <a:fillRef idx="0">
+            <a:schemeClr val="accent1"/>
+          </a:fillRef>
+          <a:effectRef idx="1">
+            <a:schemeClr val="accent1"/>
+          </a:effectRef>
+          <a:fontRef idx="minor">
+            <a:schemeClr val="tx1"/>
+          </a:fontRef>
+        </p:style>
+      </p:cxnSp>
+      <p:cxnSp>
+        <p:nvCxnSpPr>
+          <p:cNvPr id="49" name="직선 화살표 연결선 48">
+            <a:extLst>
+              <a:ext uri="{FF2B5EF4-FFF2-40B4-BE49-F238E27FC236}">
+                <a16:creationId xmlns:a16="http://schemas.microsoft.com/office/drawing/2014/main" id="{18DEC571-3336-39BD-92FD-EBBE8785A3FF}"/>
+              </a:ext>
+            </a:extLst>
+          </p:cNvPr>
+          <p:cNvCxnSpPr>
+            <a:cxnSpLocks/>
+          </p:cNvCxnSpPr>
+          <p:nvPr/>
+        </p:nvCxnSpPr>
+        <p:spPr>
+          <a:xfrm flipV="1">
+            <a:off x="7474591" y="3237054"/>
+            <a:ext cx="1734975" cy="558075"/>
+          </a:xfrm>
+          <a:prstGeom prst="straightConnector1">
+            <a:avLst/>
+          </a:prstGeom>
+          <a:ln w="38100">
+            <a:solidFill>
+              <a:schemeClr val="tx1"/>
+            </a:solidFill>
+            <a:tailEnd type="triangle"/>
+          </a:ln>
+        </p:spPr>
+        <p:style>
+          <a:lnRef idx="2">
+            <a:schemeClr val="accent1"/>
+          </a:lnRef>
+          <a:fillRef idx="0">
+            <a:schemeClr val="accent1"/>
+          </a:fillRef>
+          <a:effectRef idx="1">
+            <a:schemeClr val="accent1"/>
+          </a:effectRef>
+          <a:fontRef idx="minor">
+            <a:schemeClr val="tx1"/>
+          </a:fontRef>
+        </p:style>
+      </p:cxnSp>
+      <p:cxnSp>
+        <p:nvCxnSpPr>
+          <p:cNvPr id="50" name="직선 화살표 연결선 49">
+            <a:extLst>
+              <a:ext uri="{FF2B5EF4-FFF2-40B4-BE49-F238E27FC236}">
+                <a16:creationId xmlns:a16="http://schemas.microsoft.com/office/drawing/2014/main" id="{13C6D6C2-1E13-9AE8-DA52-F433FE704946}"/>
+              </a:ext>
+            </a:extLst>
+          </p:cNvPr>
+          <p:cNvCxnSpPr>
+            <a:cxnSpLocks/>
+          </p:cNvCxnSpPr>
+          <p:nvPr/>
+        </p:nvCxnSpPr>
+        <p:spPr>
+          <a:xfrm flipV="1">
+            <a:off x="7474591" y="3788419"/>
+            <a:ext cx="1767136" cy="558013"/>
+          </a:xfrm>
+          <a:prstGeom prst="straightConnector1">
+            <a:avLst/>
+          </a:prstGeom>
+          <a:ln w="38100">
+            <a:solidFill>
+              <a:schemeClr val="tx1"/>
+            </a:solidFill>
+            <a:tailEnd type="triangle"/>
+          </a:ln>
+        </p:spPr>
+        <p:style>
+          <a:lnRef idx="2">
+            <a:schemeClr val="accent1"/>
+          </a:lnRef>
+          <a:fillRef idx="0">
+            <a:schemeClr val="accent1"/>
+          </a:fillRef>
+          <a:effectRef idx="1">
+            <a:schemeClr val="accent1"/>
+          </a:effectRef>
+          <a:fontRef idx="minor">
+            <a:schemeClr val="tx1"/>
+          </a:fontRef>
+        </p:style>
+      </p:cxnSp>
+      <p:sp>
+        <p:nvSpPr>
+          <p:cNvPr id="51" name="TextBox 50">
+            <a:extLst>
+              <a:ext uri="{FF2B5EF4-FFF2-40B4-BE49-F238E27FC236}">
+                <a16:creationId xmlns:a16="http://schemas.microsoft.com/office/drawing/2014/main" id="{42251EBC-192A-812F-3AAD-B80D4AC6FE47}"/>
+              </a:ext>
+            </a:extLst>
+          </p:cNvPr>
+          <p:cNvSpPr txBox="1"/>
+          <p:nvPr/>
+        </p:nvSpPr>
+        <p:spPr>
+          <a:xfrm>
+            <a:off x="8027886" y="4505058"/>
+            <a:ext cx="622286" cy="369332"/>
+          </a:xfrm>
+          <a:prstGeom prst="rect">
+            <a:avLst/>
+          </a:prstGeom>
+          <a:noFill/>
+        </p:spPr>
+        <p:txBody>
+          <a:bodyPr wrap="none" rtlCol="0">
+            <a:spAutoFit/>
+          </a:bodyPr>
+          <a:lstStyle/>
+          <a:p>
+            <a:r>
+              <a:rPr lang="en-US" altLang="ko-KR" b="1" dirty="0"/>
+              <a:t>f(w)</a:t>
+            </a:r>
+            <a:endParaRPr lang="ko-KR" altLang="en-US" b="1" dirty="0"/>
+          </a:p>
+        </p:txBody>
+      </p:sp>
+      <p:sp>
+        <p:nvSpPr>
+          <p:cNvPr id="56" name="TextBox 55">
+            <a:extLst>
+              <a:ext uri="{FF2B5EF4-FFF2-40B4-BE49-F238E27FC236}">
+                <a16:creationId xmlns:a16="http://schemas.microsoft.com/office/drawing/2014/main" id="{33848EBF-8BB7-9B2C-F799-5657B89A3837}"/>
+              </a:ext>
+            </a:extLst>
+          </p:cNvPr>
+          <p:cNvSpPr txBox="1"/>
+          <p:nvPr/>
+        </p:nvSpPr>
+        <p:spPr>
+          <a:xfrm>
+            <a:off x="-706998" y="1480481"/>
+            <a:ext cx="476412" cy="369332"/>
+          </a:xfrm>
+          <a:prstGeom prst="rect">
+            <a:avLst/>
+          </a:prstGeom>
+          <a:noFill/>
+        </p:spPr>
+        <p:txBody>
+          <a:bodyPr wrap="none" rtlCol="0">
+            <a:spAutoFit/>
+          </a:bodyPr>
+          <a:lstStyle/>
+          <a:p>
+            <a:r>
+              <a:rPr lang="en-US" altLang="ko-KR" b="1" dirty="0"/>
+              <a:t>(a)</a:t>
+            </a:r>
+            <a:endParaRPr lang="ko-KR" altLang="en-US" b="1" dirty="0"/>
+          </a:p>
+        </p:txBody>
+      </p:sp>
+      <p:sp>
+        <p:nvSpPr>
+          <p:cNvPr id="57" name="TextBox 56">
+            <a:extLst>
+              <a:ext uri="{FF2B5EF4-FFF2-40B4-BE49-F238E27FC236}">
+                <a16:creationId xmlns:a16="http://schemas.microsoft.com/office/drawing/2014/main" id="{F739BF41-BB81-421B-B3AC-560A678762FD}"/>
+              </a:ext>
+            </a:extLst>
+          </p:cNvPr>
+          <p:cNvSpPr txBox="1"/>
+          <p:nvPr/>
+        </p:nvSpPr>
+        <p:spPr>
+          <a:xfrm>
+            <a:off x="6431852" y="1480481"/>
+            <a:ext cx="495649" cy="369332"/>
+          </a:xfrm>
+          <a:prstGeom prst="rect">
+            <a:avLst/>
+          </a:prstGeom>
+          <a:noFill/>
+        </p:spPr>
+        <p:txBody>
+          <a:bodyPr wrap="none" rtlCol="0">
+            <a:spAutoFit/>
+          </a:bodyPr>
+          <a:lstStyle/>
+          <a:p>
+            <a:r>
+              <a:rPr lang="en-US" altLang="ko-KR" b="1" dirty="0"/>
+              <a:t>(b)</a:t>
+            </a:r>
+            <a:endParaRPr lang="ko-KR" altLang="en-US" b="1" dirty="0"/>
+          </a:p>
+        </p:txBody>
+      </p:sp>
+    </p:spTree>
+    <p:extLst>
+      <p:ext uri="{BB962C8B-B14F-4D97-AF65-F5344CB8AC3E}">
+        <p14:creationId xmlns:p14="http://schemas.microsoft.com/office/powerpoint/2010/main" val="1797862387"/>
+      </p:ext>
+    </p:extLst>
+  </p:cSld>
+  <p:clrMapOvr>
+    <a:masterClrMapping/>
+  </p:clrMapOvr>
+</p:sld>
+</file>
+
+<file path=ppt/slides/slide22.xml><?xml version="1.0" encoding="utf-8"?>
+<p:sld xmlns:a="http://schemas.openxmlformats.org/drawingml/2006/main" xmlns:r="http://schemas.openxmlformats.org/officeDocument/2006/relationships" xmlns:p="http://schemas.openxmlformats.org/presentationml/2006/main">
+  <p:cSld>
+    <p:spTree>
+      <p:nvGrpSpPr>
+        <p:cNvPr id="1" name="">
+          <a:extLst>
+            <a:ext uri="{FF2B5EF4-FFF2-40B4-BE49-F238E27FC236}">
+              <a16:creationId xmlns:a16="http://schemas.microsoft.com/office/drawing/2014/main" id="{5AC284D6-A4FC-8C7E-9D65-7EE1427AD1C4}"/>
+            </a:ext>
+          </a:extLst>
+        </p:cNvPr>
+        <p:cNvGrpSpPr/>
+        <p:nvPr/>
+      </p:nvGrpSpPr>
+      <p:grpSpPr>
+        <a:xfrm>
+          <a:off x="0" y="0"/>
+          <a:ext cx="0" cy="0"/>
+          <a:chOff x="0" y="0"/>
+          <a:chExt cx="0" cy="0"/>
+        </a:xfrm>
+      </p:grpSpPr>
+      <p:sp>
+        <p:nvSpPr>
+          <p:cNvPr id="19" name="직사각형 18">
+            <a:extLst>
+              <a:ext uri="{FF2B5EF4-FFF2-40B4-BE49-F238E27FC236}">
+                <a16:creationId xmlns:a16="http://schemas.microsoft.com/office/drawing/2014/main" id="{DFD20A0A-4E03-5051-E161-CD5B704D97C5}"/>
+              </a:ext>
+            </a:extLst>
+          </p:cNvPr>
+          <p:cNvSpPr/>
+          <p:nvPr/>
+        </p:nvSpPr>
+        <p:spPr>
+          <a:xfrm>
+            <a:off x="1626540" y="1123950"/>
+            <a:ext cx="9251010" cy="3945356"/>
+          </a:xfrm>
+          <a:prstGeom prst="rect">
+            <a:avLst/>
+          </a:prstGeom>
+          <a:solidFill>
+            <a:schemeClr val="bg1"/>
+          </a:solidFill>
+          <a:ln>
+            <a:noFill/>
+          </a:ln>
+        </p:spPr>
+        <p:style>
+          <a:lnRef idx="2">
+            <a:schemeClr val="accent1">
+              <a:shade val="15000"/>
+            </a:schemeClr>
+          </a:lnRef>
+          <a:fillRef idx="1">
+            <a:schemeClr val="accent1"/>
+          </a:fillRef>
+          <a:effectRef idx="0">
+            <a:schemeClr val="accent1"/>
+          </a:effectRef>
+          <a:fontRef idx="minor">
+            <a:schemeClr val="lt1"/>
+          </a:fontRef>
+        </p:style>
+        <p:txBody>
+          <a:bodyPr rtlCol="0" anchor="ctr"/>
+          <a:lstStyle/>
+          <a:p>
+            <a:pPr algn="ctr"/>
+            <a:endParaRPr lang="ko-KR" altLang="en-US"/>
+          </a:p>
+        </p:txBody>
+      </p:sp>
+      <p:sp>
+        <p:nvSpPr>
+          <p:cNvPr id="2" name="타원 1">
+            <a:extLst>
+              <a:ext uri="{FF2B5EF4-FFF2-40B4-BE49-F238E27FC236}">
+                <a16:creationId xmlns:a16="http://schemas.microsoft.com/office/drawing/2014/main" id="{5CCEE975-3291-5B6A-0117-5E690FD69EB2}"/>
+              </a:ext>
+            </a:extLst>
+          </p:cNvPr>
+          <p:cNvSpPr/>
+          <p:nvPr/>
+        </p:nvSpPr>
+        <p:spPr>
+          <a:xfrm>
+            <a:off x="1931243" y="2219145"/>
+            <a:ext cx="1315453" cy="2582779"/>
+          </a:xfrm>
+          <a:prstGeom prst="ellipse">
+            <a:avLst/>
+          </a:prstGeom>
+          <a:solidFill>
+            <a:schemeClr val="accent2">
+              <a:lumMod val="60000"/>
+              <a:lumOff val="40000"/>
+            </a:schemeClr>
+          </a:solidFill>
+        </p:spPr>
+        <p:style>
+          <a:lnRef idx="2">
+            <a:schemeClr val="accent1">
+              <a:shade val="15000"/>
+            </a:schemeClr>
+          </a:lnRef>
+          <a:fillRef idx="1">
+            <a:schemeClr val="accent1"/>
+          </a:fillRef>
+          <a:effectRef idx="0">
+            <a:schemeClr val="accent1"/>
+          </a:effectRef>
+          <a:fontRef idx="minor">
+            <a:schemeClr val="lt1"/>
+          </a:fontRef>
+        </p:style>
+        <p:txBody>
+          <a:bodyPr rtlCol="0" anchor="ctr"/>
+          <a:lstStyle/>
+          <a:p>
+            <a:pPr algn="ctr"/>
+            <a:r>
+              <a:rPr lang="el-GR" altLang="ko-KR" b="1" dirty="0">
+                <a:solidFill>
+                  <a:schemeClr val="tx2"/>
+                </a:solidFill>
+              </a:rPr>
+              <a:t>α</a:t>
+            </a:r>
+            <a:br>
+              <a:rPr lang="en-US" altLang="ko-KR" b="1" dirty="0">
+                <a:solidFill>
+                  <a:schemeClr val="tx2"/>
+                </a:solidFill>
+              </a:rPr>
+            </a:br>
+            <a:br>
+              <a:rPr lang="en-US" altLang="ko-KR" b="1" dirty="0">
+                <a:solidFill>
+                  <a:schemeClr val="tx2"/>
+                </a:solidFill>
+              </a:rPr>
+            </a:br>
+            <a:r>
+              <a:rPr lang="el-GR" altLang="ko-KR" b="1" dirty="0">
+                <a:solidFill>
+                  <a:schemeClr val="tx2"/>
+                </a:solidFill>
+              </a:rPr>
+              <a:t>β</a:t>
+            </a:r>
+            <a:br>
+              <a:rPr lang="en-US" altLang="ko-KR" b="1" dirty="0">
+                <a:solidFill>
+                  <a:schemeClr val="tx2"/>
+                </a:solidFill>
+              </a:rPr>
+            </a:br>
+            <a:br>
+              <a:rPr lang="en-US" altLang="ko-KR" b="1" dirty="0">
+                <a:solidFill>
+                  <a:schemeClr val="tx2"/>
+                </a:solidFill>
+              </a:rPr>
+            </a:br>
+            <a:r>
+              <a:rPr lang="el-GR" altLang="ko-KR" b="1" dirty="0">
+                <a:solidFill>
+                  <a:schemeClr val="tx2"/>
+                </a:solidFill>
+              </a:rPr>
+              <a:t>γ</a:t>
+            </a:r>
+            <a:br>
+              <a:rPr lang="en-US" altLang="ko-KR" b="1" dirty="0">
+                <a:solidFill>
+                  <a:schemeClr val="tx2"/>
+                </a:solidFill>
+              </a:rPr>
+            </a:br>
+            <a:br>
+              <a:rPr lang="en-US" altLang="ko-KR" b="1" dirty="0">
+                <a:solidFill>
+                  <a:schemeClr val="tx2"/>
+                </a:solidFill>
+              </a:rPr>
+            </a:br>
+            <a:r>
+              <a:rPr lang="el-GR" altLang="ko-KR" b="1" dirty="0">
+                <a:solidFill>
+                  <a:schemeClr val="tx2"/>
+                </a:solidFill>
+              </a:rPr>
+              <a:t>δ</a:t>
+            </a:r>
+            <a:endParaRPr lang="ko-KR" altLang="en-US" b="1" dirty="0">
+              <a:solidFill>
+                <a:schemeClr val="tx2"/>
+              </a:solidFill>
+            </a:endParaRPr>
+          </a:p>
+        </p:txBody>
+      </p:sp>
+      <p:sp>
+        <p:nvSpPr>
+          <p:cNvPr id="7" name="타원 6">
+            <a:extLst>
+              <a:ext uri="{FF2B5EF4-FFF2-40B4-BE49-F238E27FC236}">
+                <a16:creationId xmlns:a16="http://schemas.microsoft.com/office/drawing/2014/main" id="{82886ED8-B689-7F2C-91F6-A0D47DEF8986}"/>
+              </a:ext>
+            </a:extLst>
+          </p:cNvPr>
+          <p:cNvSpPr/>
+          <p:nvPr/>
+        </p:nvSpPr>
+        <p:spPr>
+          <a:xfrm>
+            <a:off x="4370831" y="2219145"/>
+            <a:ext cx="1315453" cy="2582779"/>
+          </a:xfrm>
+          <a:prstGeom prst="ellipse">
+            <a:avLst/>
+          </a:prstGeom>
+          <a:solidFill>
+            <a:schemeClr val="accent4">
+              <a:lumMod val="60000"/>
+              <a:lumOff val="40000"/>
+            </a:schemeClr>
+          </a:solidFill>
+        </p:spPr>
+        <p:style>
+          <a:lnRef idx="2">
+            <a:schemeClr val="accent1">
+              <a:shade val="15000"/>
+            </a:schemeClr>
+          </a:lnRef>
+          <a:fillRef idx="1">
+            <a:schemeClr val="accent1"/>
+          </a:fillRef>
+          <a:effectRef idx="0">
+            <a:schemeClr val="accent1"/>
+          </a:effectRef>
+          <a:fontRef idx="minor">
+            <a:schemeClr val="lt1"/>
+          </a:fontRef>
+        </p:style>
+        <p:txBody>
+          <a:bodyPr rtlCol="0" anchor="ctr"/>
+          <a:lstStyle/>
+          <a:p>
+            <a:pPr algn="ctr"/>
+            <a:r>
+              <a:rPr lang="en-US" altLang="ko-KR" b="1" dirty="0">
+                <a:solidFill>
+                  <a:schemeClr val="tx2"/>
+                </a:solidFill>
+              </a:rPr>
+              <a:t>a</a:t>
+            </a:r>
+            <a:br>
+              <a:rPr lang="en-US" altLang="ko-KR" b="1" dirty="0">
+                <a:solidFill>
+                  <a:schemeClr val="tx2"/>
+                </a:solidFill>
+              </a:rPr>
+            </a:br>
+            <a:br>
+              <a:rPr lang="en-US" altLang="ko-KR" b="1" dirty="0">
+                <a:solidFill>
+                  <a:schemeClr val="tx2"/>
+                </a:solidFill>
+              </a:rPr>
+            </a:br>
+            <a:r>
+              <a:rPr lang="en-US" altLang="ko-KR" b="1" dirty="0">
+                <a:solidFill>
+                  <a:schemeClr val="tx2"/>
+                </a:solidFill>
+              </a:rPr>
+              <a:t>b</a:t>
+            </a:r>
+            <a:br>
+              <a:rPr lang="en-US" altLang="ko-KR" b="1" dirty="0">
+                <a:solidFill>
+                  <a:schemeClr val="tx2"/>
+                </a:solidFill>
+              </a:rPr>
+            </a:br>
+            <a:br>
+              <a:rPr lang="en-US" altLang="ko-KR" b="1" dirty="0">
+                <a:solidFill>
+                  <a:schemeClr val="tx2"/>
+                </a:solidFill>
+              </a:rPr>
+            </a:br>
+            <a:r>
+              <a:rPr lang="en-US" altLang="ko-KR" b="1" dirty="0">
+                <a:solidFill>
+                  <a:schemeClr val="tx2"/>
+                </a:solidFill>
+              </a:rPr>
+              <a:t>c</a:t>
+            </a:r>
+            <a:br>
+              <a:rPr lang="en-US" altLang="ko-KR" b="1" dirty="0">
+                <a:solidFill>
+                  <a:schemeClr val="tx2"/>
+                </a:solidFill>
+              </a:rPr>
+            </a:br>
+            <a:br>
+              <a:rPr lang="en-US" altLang="ko-KR" b="1" dirty="0">
+                <a:solidFill>
+                  <a:schemeClr val="tx2"/>
+                </a:solidFill>
+              </a:rPr>
+            </a:br>
+            <a:r>
+              <a:rPr lang="en-US" altLang="ko-KR" b="1" dirty="0">
+                <a:solidFill>
+                  <a:schemeClr val="tx2"/>
+                </a:solidFill>
+              </a:rPr>
+              <a:t>d</a:t>
+            </a:r>
+            <a:endParaRPr lang="ko-KR" altLang="en-US" b="1" dirty="0">
+              <a:solidFill>
+                <a:schemeClr val="tx2"/>
+              </a:solidFill>
+            </a:endParaRPr>
+          </a:p>
+        </p:txBody>
+      </p:sp>
+      <p:sp>
+        <p:nvSpPr>
+          <p:cNvPr id="8" name="TextBox 7">
+            <a:extLst>
+              <a:ext uri="{FF2B5EF4-FFF2-40B4-BE49-F238E27FC236}">
+                <a16:creationId xmlns:a16="http://schemas.microsoft.com/office/drawing/2014/main" id="{7E21C4F9-9545-D8D6-8E1C-830183D8C087}"/>
+              </a:ext>
+            </a:extLst>
+          </p:cNvPr>
+          <p:cNvSpPr txBox="1"/>
+          <p:nvPr/>
+        </p:nvSpPr>
+        <p:spPr>
+          <a:xfrm>
+            <a:off x="2421295" y="1849813"/>
+            <a:ext cx="417102" cy="369332"/>
+          </a:xfrm>
+          <a:prstGeom prst="rect">
+            <a:avLst/>
+          </a:prstGeom>
+          <a:noFill/>
+        </p:spPr>
+        <p:txBody>
+          <a:bodyPr wrap="none" rtlCol="0">
+            <a:spAutoFit/>
+          </a:bodyPr>
+          <a:lstStyle/>
+          <a:p>
+            <a:r>
+              <a:rPr lang="en-US" altLang="ko-KR" b="1" dirty="0"/>
+              <a:t>W</a:t>
+            </a:r>
+            <a:endParaRPr lang="ko-KR" altLang="en-US" b="1" dirty="0"/>
+          </a:p>
+        </p:txBody>
+      </p:sp>
+      <p:sp>
+        <p:nvSpPr>
+          <p:cNvPr id="11" name="TextBox 10">
+            <a:extLst>
+              <a:ext uri="{FF2B5EF4-FFF2-40B4-BE49-F238E27FC236}">
+                <a16:creationId xmlns:a16="http://schemas.microsoft.com/office/drawing/2014/main" id="{302CE977-2D4A-A85F-B83E-EA65594D9D7C}"/>
+              </a:ext>
+            </a:extLst>
+          </p:cNvPr>
+          <p:cNvSpPr txBox="1"/>
+          <p:nvPr/>
+        </p:nvSpPr>
+        <p:spPr>
+          <a:xfrm>
+            <a:off x="4860883" y="1849813"/>
+            <a:ext cx="325730" cy="369332"/>
+          </a:xfrm>
+          <a:prstGeom prst="rect">
+            <a:avLst/>
+          </a:prstGeom>
+          <a:noFill/>
+        </p:spPr>
+        <p:txBody>
+          <a:bodyPr wrap="none" rtlCol="0">
+            <a:spAutoFit/>
+          </a:bodyPr>
+          <a:lstStyle/>
+          <a:p>
+            <a:r>
+              <a:rPr lang="en-US" altLang="ko-KR" b="1" dirty="0"/>
+              <a:t>Z</a:t>
+            </a:r>
+            <a:endParaRPr lang="ko-KR" altLang="en-US" b="1" dirty="0"/>
+          </a:p>
+        </p:txBody>
+      </p:sp>
+      <p:cxnSp>
+        <p:nvCxnSpPr>
+          <p:cNvPr id="14" name="직선 화살표 연결선 13">
+            <a:extLst>
+              <a:ext uri="{FF2B5EF4-FFF2-40B4-BE49-F238E27FC236}">
+                <a16:creationId xmlns:a16="http://schemas.microsoft.com/office/drawing/2014/main" id="{18A65A41-2965-5597-F3AA-BC67099E0A1F}"/>
+              </a:ext>
+            </a:extLst>
+          </p:cNvPr>
+          <p:cNvCxnSpPr>
+            <a:cxnSpLocks/>
+          </p:cNvCxnSpPr>
+          <p:nvPr/>
+        </p:nvCxnSpPr>
+        <p:spPr>
+          <a:xfrm>
+            <a:off x="2973981" y="2692400"/>
+            <a:ext cx="1767136" cy="1664200"/>
+          </a:xfrm>
+          <a:prstGeom prst="straightConnector1">
+            <a:avLst/>
+          </a:prstGeom>
+          <a:ln w="38100">
+            <a:solidFill>
+              <a:schemeClr val="tx1"/>
+            </a:solidFill>
+            <a:tailEnd type="triangle"/>
+          </a:ln>
+        </p:spPr>
+        <p:style>
+          <a:lnRef idx="2">
+            <a:schemeClr val="accent1"/>
+          </a:lnRef>
+          <a:fillRef idx="0">
+            <a:schemeClr val="accent1"/>
+          </a:fillRef>
+          <a:effectRef idx="1">
+            <a:schemeClr val="accent1"/>
+          </a:effectRef>
+          <a:fontRef idx="minor">
+            <a:schemeClr val="tx1"/>
+          </a:fontRef>
+        </p:style>
+      </p:cxnSp>
+      <p:cxnSp>
+        <p:nvCxnSpPr>
+          <p:cNvPr id="3" name="직선 화살표 연결선 2">
+            <a:extLst>
+              <a:ext uri="{FF2B5EF4-FFF2-40B4-BE49-F238E27FC236}">
+                <a16:creationId xmlns:a16="http://schemas.microsoft.com/office/drawing/2014/main" id="{BB9836E0-870D-F383-EC14-46C72B160996}"/>
+              </a:ext>
+            </a:extLst>
+          </p:cNvPr>
+          <p:cNvCxnSpPr>
+            <a:cxnSpLocks/>
+          </p:cNvCxnSpPr>
+          <p:nvPr/>
+        </p:nvCxnSpPr>
+        <p:spPr>
+          <a:xfrm flipV="1">
+            <a:off x="2973981" y="2783029"/>
+            <a:ext cx="1767136" cy="513305"/>
+          </a:xfrm>
+          <a:prstGeom prst="straightConnector1">
+            <a:avLst/>
+          </a:prstGeom>
+          <a:ln w="38100">
+            <a:solidFill>
+              <a:schemeClr val="tx1"/>
+            </a:solidFill>
+            <a:tailEnd type="triangle"/>
+          </a:ln>
+        </p:spPr>
+        <p:style>
+          <a:lnRef idx="2">
+            <a:schemeClr val="accent1"/>
+          </a:lnRef>
+          <a:fillRef idx="0">
+            <a:schemeClr val="accent1"/>
+          </a:fillRef>
+          <a:effectRef idx="1">
+            <a:schemeClr val="accent1"/>
+          </a:effectRef>
+          <a:fontRef idx="minor">
+            <a:schemeClr val="tx1"/>
+          </a:fontRef>
+        </p:style>
+      </p:cxnSp>
+      <p:cxnSp>
+        <p:nvCxnSpPr>
+          <p:cNvPr id="6" name="직선 화살표 연결선 5">
+            <a:extLst>
+              <a:ext uri="{FF2B5EF4-FFF2-40B4-BE49-F238E27FC236}">
+                <a16:creationId xmlns:a16="http://schemas.microsoft.com/office/drawing/2014/main" id="{68EFCCD9-FB52-EF74-A340-9EDD0B0EC01E}"/>
+              </a:ext>
+            </a:extLst>
+          </p:cNvPr>
+          <p:cNvCxnSpPr>
+            <a:cxnSpLocks/>
+          </p:cNvCxnSpPr>
+          <p:nvPr/>
+        </p:nvCxnSpPr>
+        <p:spPr>
+          <a:xfrm flipV="1">
+            <a:off x="2973981" y="2809036"/>
+            <a:ext cx="1767136" cy="962864"/>
+          </a:xfrm>
+          <a:prstGeom prst="straightConnector1">
+            <a:avLst/>
+          </a:prstGeom>
+          <a:ln w="38100">
+            <a:solidFill>
+              <a:schemeClr val="tx1"/>
+            </a:solidFill>
+            <a:tailEnd type="triangle"/>
+          </a:ln>
+        </p:spPr>
+        <p:style>
+          <a:lnRef idx="2">
+            <a:schemeClr val="accent1"/>
+          </a:lnRef>
+          <a:fillRef idx="0">
+            <a:schemeClr val="accent1"/>
+          </a:fillRef>
+          <a:effectRef idx="1">
+            <a:schemeClr val="accent1"/>
+          </a:effectRef>
+          <a:fontRef idx="minor">
+            <a:schemeClr val="tx1"/>
+          </a:fontRef>
+        </p:style>
+      </p:cxnSp>
+      <p:cxnSp>
+        <p:nvCxnSpPr>
+          <p:cNvPr id="15" name="직선 화살표 연결선 14">
+            <a:extLst>
+              <a:ext uri="{FF2B5EF4-FFF2-40B4-BE49-F238E27FC236}">
+                <a16:creationId xmlns:a16="http://schemas.microsoft.com/office/drawing/2014/main" id="{59272B56-8119-6364-954F-59E825A1E59E}"/>
+              </a:ext>
+            </a:extLst>
+          </p:cNvPr>
+          <p:cNvCxnSpPr>
+            <a:cxnSpLocks/>
+          </p:cNvCxnSpPr>
+          <p:nvPr/>
+        </p:nvCxnSpPr>
+        <p:spPr>
+          <a:xfrm flipV="1">
+            <a:off x="2973980" y="2855495"/>
+            <a:ext cx="1767137" cy="1454646"/>
+          </a:xfrm>
+          <a:prstGeom prst="straightConnector1">
+            <a:avLst/>
+          </a:prstGeom>
+          <a:ln w="38100">
+            <a:solidFill>
+              <a:schemeClr val="tx1"/>
+            </a:solidFill>
+            <a:tailEnd type="triangle"/>
+          </a:ln>
+        </p:spPr>
+        <p:style>
+          <a:lnRef idx="2">
+            <a:schemeClr val="accent1"/>
+          </a:lnRef>
+          <a:fillRef idx="0">
+            <a:schemeClr val="accent1"/>
+          </a:fillRef>
+          <a:effectRef idx="1">
+            <a:schemeClr val="accent1"/>
+          </a:effectRef>
+          <a:fontRef idx="minor">
+            <a:schemeClr val="tx1"/>
+          </a:fontRef>
+        </p:style>
+      </p:cxnSp>
+      <p:sp>
+        <p:nvSpPr>
+          <p:cNvPr id="25" name="TextBox 24">
+            <a:extLst>
+              <a:ext uri="{FF2B5EF4-FFF2-40B4-BE49-F238E27FC236}">
+                <a16:creationId xmlns:a16="http://schemas.microsoft.com/office/drawing/2014/main" id="{1AD45410-501E-B7BD-D1CF-198CA2E68AF0}"/>
+              </a:ext>
+            </a:extLst>
+          </p:cNvPr>
+          <p:cNvSpPr txBox="1"/>
+          <p:nvPr/>
+        </p:nvSpPr>
+        <p:spPr>
+          <a:xfrm>
+            <a:off x="2903324" y="4505058"/>
+            <a:ext cx="1810880" cy="369332"/>
+          </a:xfrm>
+          <a:prstGeom prst="rect">
+            <a:avLst/>
+          </a:prstGeom>
+          <a:noFill/>
+        </p:spPr>
+        <p:txBody>
+          <a:bodyPr wrap="none" rtlCol="0">
+            <a:spAutoFit/>
+          </a:bodyPr>
+          <a:lstStyle/>
+          <a:p>
+            <a:r>
+              <a:rPr lang="en-US" altLang="ko-KR" b="1" dirty="0"/>
+              <a:t>(h ∘ (g ∘ f))(w)</a:t>
+            </a:r>
+            <a:endParaRPr lang="ko-KR" altLang="en-US" b="1" dirty="0"/>
+          </a:p>
+        </p:txBody>
+      </p:sp>
+      <p:sp>
+        <p:nvSpPr>
+          <p:cNvPr id="5" name="타원 4">
+            <a:extLst>
+              <a:ext uri="{FF2B5EF4-FFF2-40B4-BE49-F238E27FC236}">
+                <a16:creationId xmlns:a16="http://schemas.microsoft.com/office/drawing/2014/main" id="{E41E2C91-A608-F3CF-DB59-6366948C8239}"/>
+              </a:ext>
+            </a:extLst>
+          </p:cNvPr>
+          <p:cNvSpPr/>
+          <p:nvPr/>
+        </p:nvSpPr>
+        <p:spPr>
+          <a:xfrm>
+            <a:off x="6810419" y="2219145"/>
+            <a:ext cx="1315453" cy="2582779"/>
+          </a:xfrm>
+          <a:prstGeom prst="ellipse">
+            <a:avLst/>
+          </a:prstGeom>
+          <a:solidFill>
+            <a:schemeClr val="accent2">
+              <a:lumMod val="60000"/>
+              <a:lumOff val="40000"/>
+            </a:schemeClr>
+          </a:solidFill>
+        </p:spPr>
+        <p:style>
+          <a:lnRef idx="2">
+            <a:schemeClr val="accent1">
+              <a:shade val="15000"/>
+            </a:schemeClr>
+          </a:lnRef>
+          <a:fillRef idx="1">
+            <a:schemeClr val="accent1"/>
+          </a:fillRef>
+          <a:effectRef idx="0">
+            <a:schemeClr val="accent1"/>
+          </a:effectRef>
+          <a:fontRef idx="minor">
+            <a:schemeClr val="lt1"/>
+          </a:fontRef>
+        </p:style>
+        <p:txBody>
+          <a:bodyPr rtlCol="0" anchor="ctr"/>
+          <a:lstStyle/>
+          <a:p>
+            <a:pPr algn="ctr"/>
+            <a:r>
+              <a:rPr lang="el-GR" altLang="ko-KR" b="1" dirty="0">
+                <a:solidFill>
+                  <a:schemeClr val="tx2"/>
+                </a:solidFill>
+              </a:rPr>
+              <a:t>α</a:t>
+            </a:r>
+            <a:br>
+              <a:rPr lang="en-US" altLang="ko-KR" b="1" dirty="0">
+                <a:solidFill>
+                  <a:schemeClr val="tx2"/>
+                </a:solidFill>
+              </a:rPr>
+            </a:br>
+            <a:br>
+              <a:rPr lang="en-US" altLang="ko-KR" b="1" dirty="0">
+                <a:solidFill>
+                  <a:schemeClr val="tx2"/>
+                </a:solidFill>
+              </a:rPr>
+            </a:br>
+            <a:r>
+              <a:rPr lang="el-GR" altLang="ko-KR" b="1" dirty="0">
+                <a:solidFill>
+                  <a:schemeClr val="tx2"/>
+                </a:solidFill>
+              </a:rPr>
+              <a:t>β</a:t>
+            </a:r>
+            <a:br>
+              <a:rPr lang="en-US" altLang="ko-KR" b="1" dirty="0">
+                <a:solidFill>
+                  <a:schemeClr val="tx2"/>
+                </a:solidFill>
+              </a:rPr>
+            </a:br>
+            <a:br>
+              <a:rPr lang="en-US" altLang="ko-KR" b="1" dirty="0">
+                <a:solidFill>
+                  <a:schemeClr val="tx2"/>
+                </a:solidFill>
+              </a:rPr>
+            </a:br>
+            <a:r>
+              <a:rPr lang="el-GR" altLang="ko-KR" b="1" dirty="0">
+                <a:solidFill>
+                  <a:schemeClr val="tx2"/>
+                </a:solidFill>
+              </a:rPr>
+              <a:t>γ</a:t>
+            </a:r>
+            <a:br>
+              <a:rPr lang="en-US" altLang="ko-KR" b="1" dirty="0">
+                <a:solidFill>
+                  <a:schemeClr val="tx2"/>
+                </a:solidFill>
+              </a:rPr>
+            </a:br>
+            <a:br>
+              <a:rPr lang="en-US" altLang="ko-KR" b="1" dirty="0">
+                <a:solidFill>
+                  <a:schemeClr val="tx2"/>
+                </a:solidFill>
+              </a:rPr>
+            </a:br>
+            <a:r>
+              <a:rPr lang="el-GR" altLang="ko-KR" b="1" dirty="0">
+                <a:solidFill>
+                  <a:schemeClr val="tx2"/>
+                </a:solidFill>
+              </a:rPr>
+              <a:t>δ</a:t>
+            </a:r>
+            <a:endParaRPr lang="ko-KR" altLang="en-US" b="1" dirty="0">
+              <a:solidFill>
+                <a:schemeClr val="tx2"/>
+              </a:solidFill>
+            </a:endParaRPr>
+          </a:p>
+        </p:txBody>
+      </p:sp>
+      <p:sp>
+        <p:nvSpPr>
+          <p:cNvPr id="9" name="타원 8">
+            <a:extLst>
+              <a:ext uri="{FF2B5EF4-FFF2-40B4-BE49-F238E27FC236}">
+                <a16:creationId xmlns:a16="http://schemas.microsoft.com/office/drawing/2014/main" id="{7D625CCF-D174-E990-26FC-00D0E93BA4B8}"/>
+              </a:ext>
+            </a:extLst>
+          </p:cNvPr>
+          <p:cNvSpPr/>
+          <p:nvPr/>
+        </p:nvSpPr>
+        <p:spPr>
+          <a:xfrm>
+            <a:off x="9250007" y="2219145"/>
+            <a:ext cx="1315453" cy="2582779"/>
+          </a:xfrm>
+          <a:prstGeom prst="ellipse">
+            <a:avLst/>
+          </a:prstGeom>
+          <a:solidFill>
+            <a:schemeClr val="accent4">
+              <a:lumMod val="60000"/>
+              <a:lumOff val="40000"/>
+            </a:schemeClr>
+          </a:solidFill>
+        </p:spPr>
+        <p:style>
+          <a:lnRef idx="2">
+            <a:schemeClr val="accent1">
+              <a:shade val="15000"/>
+            </a:schemeClr>
+          </a:lnRef>
+          <a:fillRef idx="1">
+            <a:schemeClr val="accent1"/>
+          </a:fillRef>
+          <a:effectRef idx="0">
+            <a:schemeClr val="accent1"/>
+          </a:effectRef>
+          <a:fontRef idx="minor">
+            <a:schemeClr val="lt1"/>
+          </a:fontRef>
+        </p:style>
+        <p:txBody>
+          <a:bodyPr rtlCol="0" anchor="ctr"/>
+          <a:lstStyle/>
+          <a:p>
+            <a:pPr algn="ctr"/>
+            <a:r>
+              <a:rPr lang="en-US" altLang="ko-KR" b="1" dirty="0">
+                <a:solidFill>
+                  <a:schemeClr val="tx2"/>
+                </a:solidFill>
+              </a:rPr>
+              <a:t>a</a:t>
+            </a:r>
+            <a:br>
+              <a:rPr lang="en-US" altLang="ko-KR" b="1" dirty="0">
+                <a:solidFill>
+                  <a:schemeClr val="tx2"/>
+                </a:solidFill>
+              </a:rPr>
+            </a:br>
+            <a:br>
+              <a:rPr lang="en-US" altLang="ko-KR" b="1" dirty="0">
+                <a:solidFill>
+                  <a:schemeClr val="tx2"/>
+                </a:solidFill>
+              </a:rPr>
+            </a:br>
+            <a:r>
+              <a:rPr lang="en-US" altLang="ko-KR" b="1" dirty="0">
+                <a:solidFill>
+                  <a:schemeClr val="tx2"/>
+                </a:solidFill>
+              </a:rPr>
+              <a:t>b</a:t>
+            </a:r>
+            <a:br>
+              <a:rPr lang="en-US" altLang="ko-KR" b="1" dirty="0">
+                <a:solidFill>
+                  <a:schemeClr val="tx2"/>
+                </a:solidFill>
+              </a:rPr>
+            </a:br>
+            <a:br>
+              <a:rPr lang="en-US" altLang="ko-KR" b="1" dirty="0">
+                <a:solidFill>
+                  <a:schemeClr val="tx2"/>
+                </a:solidFill>
+              </a:rPr>
+            </a:br>
+            <a:r>
+              <a:rPr lang="en-US" altLang="ko-KR" b="1" dirty="0">
+                <a:solidFill>
+                  <a:schemeClr val="tx2"/>
+                </a:solidFill>
+              </a:rPr>
+              <a:t>c</a:t>
+            </a:r>
+            <a:br>
+              <a:rPr lang="en-US" altLang="ko-KR" b="1" dirty="0">
+                <a:solidFill>
+                  <a:schemeClr val="tx2"/>
+                </a:solidFill>
+              </a:rPr>
+            </a:br>
+            <a:br>
+              <a:rPr lang="en-US" altLang="ko-KR" b="1" dirty="0">
+                <a:solidFill>
+                  <a:schemeClr val="tx2"/>
+                </a:solidFill>
+              </a:rPr>
+            </a:br>
+            <a:r>
+              <a:rPr lang="en-US" altLang="ko-KR" b="1" dirty="0">
+                <a:solidFill>
+                  <a:schemeClr val="tx2"/>
+                </a:solidFill>
+              </a:rPr>
+              <a:t>d</a:t>
+            </a:r>
+            <a:endParaRPr lang="ko-KR" altLang="en-US" b="1" dirty="0">
+              <a:solidFill>
+                <a:schemeClr val="tx2"/>
+              </a:solidFill>
+            </a:endParaRPr>
+          </a:p>
+        </p:txBody>
+      </p:sp>
+      <p:sp>
+        <p:nvSpPr>
+          <p:cNvPr id="10" name="TextBox 9">
+            <a:extLst>
+              <a:ext uri="{FF2B5EF4-FFF2-40B4-BE49-F238E27FC236}">
+                <a16:creationId xmlns:a16="http://schemas.microsoft.com/office/drawing/2014/main" id="{24958DB3-34C4-E5BF-5992-3341FED463F5}"/>
+              </a:ext>
+            </a:extLst>
+          </p:cNvPr>
+          <p:cNvSpPr txBox="1"/>
+          <p:nvPr/>
+        </p:nvSpPr>
+        <p:spPr>
+          <a:xfrm>
+            <a:off x="7300471" y="1849813"/>
+            <a:ext cx="417102" cy="369332"/>
+          </a:xfrm>
+          <a:prstGeom prst="rect">
+            <a:avLst/>
+          </a:prstGeom>
+          <a:noFill/>
+        </p:spPr>
+        <p:txBody>
+          <a:bodyPr wrap="none" rtlCol="0">
+            <a:spAutoFit/>
+          </a:bodyPr>
+          <a:lstStyle/>
+          <a:p>
+            <a:r>
+              <a:rPr lang="en-US" altLang="ko-KR" b="1" dirty="0"/>
+              <a:t>W</a:t>
+            </a:r>
+            <a:endParaRPr lang="ko-KR" altLang="en-US" b="1" dirty="0"/>
+          </a:p>
+        </p:txBody>
+      </p:sp>
+      <p:sp>
+        <p:nvSpPr>
+          <p:cNvPr id="12" name="TextBox 11">
+            <a:extLst>
+              <a:ext uri="{FF2B5EF4-FFF2-40B4-BE49-F238E27FC236}">
+                <a16:creationId xmlns:a16="http://schemas.microsoft.com/office/drawing/2014/main" id="{D40EC786-6A5C-AFB1-5900-8D1F3C440755}"/>
+              </a:ext>
+            </a:extLst>
+          </p:cNvPr>
+          <p:cNvSpPr txBox="1"/>
+          <p:nvPr/>
+        </p:nvSpPr>
+        <p:spPr>
+          <a:xfrm>
+            <a:off x="9740059" y="1849813"/>
+            <a:ext cx="325730" cy="369332"/>
+          </a:xfrm>
+          <a:prstGeom prst="rect">
+            <a:avLst/>
+          </a:prstGeom>
+          <a:noFill/>
+        </p:spPr>
+        <p:txBody>
+          <a:bodyPr wrap="none" rtlCol="0">
+            <a:spAutoFit/>
+          </a:bodyPr>
+          <a:lstStyle/>
+          <a:p>
+            <a:r>
+              <a:rPr lang="en-US" altLang="ko-KR" b="1" dirty="0"/>
+              <a:t>Z</a:t>
+            </a:r>
+            <a:endParaRPr lang="ko-KR" altLang="en-US" b="1" dirty="0"/>
+          </a:p>
+        </p:txBody>
+      </p:sp>
+      <p:cxnSp>
+        <p:nvCxnSpPr>
+          <p:cNvPr id="13" name="직선 화살표 연결선 12">
+            <a:extLst>
+              <a:ext uri="{FF2B5EF4-FFF2-40B4-BE49-F238E27FC236}">
+                <a16:creationId xmlns:a16="http://schemas.microsoft.com/office/drawing/2014/main" id="{F6DD8F74-E679-39FA-F112-5F94DB7D0457}"/>
+              </a:ext>
+            </a:extLst>
+          </p:cNvPr>
+          <p:cNvCxnSpPr>
+            <a:cxnSpLocks/>
+          </p:cNvCxnSpPr>
+          <p:nvPr/>
+        </p:nvCxnSpPr>
+        <p:spPr>
+          <a:xfrm>
+            <a:off x="7853157" y="2692400"/>
+            <a:ext cx="1767136" cy="1664200"/>
+          </a:xfrm>
+          <a:prstGeom prst="straightConnector1">
+            <a:avLst/>
+          </a:prstGeom>
+          <a:ln w="38100">
+            <a:solidFill>
+              <a:schemeClr val="tx1"/>
+            </a:solidFill>
+            <a:tailEnd type="triangle"/>
+          </a:ln>
+        </p:spPr>
+        <p:style>
+          <a:lnRef idx="2">
+            <a:schemeClr val="accent1"/>
+          </a:lnRef>
+          <a:fillRef idx="0">
+            <a:schemeClr val="accent1"/>
+          </a:fillRef>
+          <a:effectRef idx="1">
+            <a:schemeClr val="accent1"/>
+          </a:effectRef>
+          <a:fontRef idx="minor">
+            <a:schemeClr val="tx1"/>
+          </a:fontRef>
+        </p:style>
+      </p:cxnSp>
+      <p:cxnSp>
+        <p:nvCxnSpPr>
+          <p:cNvPr id="16" name="직선 화살표 연결선 15">
+            <a:extLst>
+              <a:ext uri="{FF2B5EF4-FFF2-40B4-BE49-F238E27FC236}">
+                <a16:creationId xmlns:a16="http://schemas.microsoft.com/office/drawing/2014/main" id="{6FF0FC7F-9539-093E-DFBE-4EB51BBA5010}"/>
+              </a:ext>
+            </a:extLst>
+          </p:cNvPr>
+          <p:cNvCxnSpPr>
+            <a:cxnSpLocks/>
+          </p:cNvCxnSpPr>
+          <p:nvPr/>
+        </p:nvCxnSpPr>
+        <p:spPr>
+          <a:xfrm flipV="1">
+            <a:off x="7853157" y="2783029"/>
+            <a:ext cx="1767136" cy="513305"/>
+          </a:xfrm>
+          <a:prstGeom prst="straightConnector1">
+            <a:avLst/>
+          </a:prstGeom>
+          <a:ln w="38100">
+            <a:solidFill>
+              <a:schemeClr val="tx1"/>
+            </a:solidFill>
+            <a:tailEnd type="triangle"/>
+          </a:ln>
+        </p:spPr>
+        <p:style>
+          <a:lnRef idx="2">
+            <a:schemeClr val="accent1"/>
+          </a:lnRef>
+          <a:fillRef idx="0">
+            <a:schemeClr val="accent1"/>
+          </a:fillRef>
+          <a:effectRef idx="1">
+            <a:schemeClr val="accent1"/>
+          </a:effectRef>
+          <a:fontRef idx="minor">
+            <a:schemeClr val="tx1"/>
+          </a:fontRef>
+        </p:style>
+      </p:cxnSp>
+      <p:cxnSp>
+        <p:nvCxnSpPr>
+          <p:cNvPr id="17" name="직선 화살표 연결선 16">
+            <a:extLst>
+              <a:ext uri="{FF2B5EF4-FFF2-40B4-BE49-F238E27FC236}">
+                <a16:creationId xmlns:a16="http://schemas.microsoft.com/office/drawing/2014/main" id="{19700F67-0ED2-A0CE-F5FF-1E8B7DA437CE}"/>
+              </a:ext>
+            </a:extLst>
+          </p:cNvPr>
+          <p:cNvCxnSpPr>
+            <a:cxnSpLocks/>
+          </p:cNvCxnSpPr>
+          <p:nvPr/>
+        </p:nvCxnSpPr>
+        <p:spPr>
+          <a:xfrm flipV="1">
+            <a:off x="7853157" y="2809036"/>
+            <a:ext cx="1767136" cy="962864"/>
+          </a:xfrm>
+          <a:prstGeom prst="straightConnector1">
+            <a:avLst/>
+          </a:prstGeom>
+          <a:ln w="38100">
+            <a:solidFill>
+              <a:schemeClr val="tx1"/>
+            </a:solidFill>
+            <a:tailEnd type="triangle"/>
+          </a:ln>
+        </p:spPr>
+        <p:style>
+          <a:lnRef idx="2">
+            <a:schemeClr val="accent1"/>
+          </a:lnRef>
+          <a:fillRef idx="0">
+            <a:schemeClr val="accent1"/>
+          </a:fillRef>
+          <a:effectRef idx="1">
+            <a:schemeClr val="accent1"/>
+          </a:effectRef>
+          <a:fontRef idx="minor">
+            <a:schemeClr val="tx1"/>
+          </a:fontRef>
+        </p:style>
+      </p:cxnSp>
+      <p:cxnSp>
+        <p:nvCxnSpPr>
+          <p:cNvPr id="18" name="직선 화살표 연결선 17">
+            <a:extLst>
+              <a:ext uri="{FF2B5EF4-FFF2-40B4-BE49-F238E27FC236}">
+                <a16:creationId xmlns:a16="http://schemas.microsoft.com/office/drawing/2014/main" id="{D0F62A7C-5E43-6CE3-081F-E6C2E054ACB7}"/>
+              </a:ext>
+            </a:extLst>
+          </p:cNvPr>
+          <p:cNvCxnSpPr>
+            <a:cxnSpLocks/>
+          </p:cNvCxnSpPr>
+          <p:nvPr/>
+        </p:nvCxnSpPr>
+        <p:spPr>
+          <a:xfrm flipV="1">
+            <a:off x="7853156" y="2855495"/>
+            <a:ext cx="1767137" cy="1454646"/>
+          </a:xfrm>
+          <a:prstGeom prst="straightConnector1">
+            <a:avLst/>
+          </a:prstGeom>
+          <a:ln w="38100">
+            <a:solidFill>
+              <a:schemeClr val="tx1"/>
+            </a:solidFill>
+            <a:tailEnd type="triangle"/>
+          </a:ln>
+        </p:spPr>
+        <p:style>
+          <a:lnRef idx="2">
+            <a:schemeClr val="accent1"/>
+          </a:lnRef>
+          <a:fillRef idx="0">
+            <a:schemeClr val="accent1"/>
+          </a:fillRef>
+          <a:effectRef idx="1">
+            <a:schemeClr val="accent1"/>
+          </a:effectRef>
+          <a:fontRef idx="minor">
+            <a:schemeClr val="tx1"/>
+          </a:fontRef>
+        </p:style>
+      </p:cxnSp>
+      <p:sp>
+        <p:nvSpPr>
+          <p:cNvPr id="20" name="TextBox 19">
+            <a:extLst>
+              <a:ext uri="{FF2B5EF4-FFF2-40B4-BE49-F238E27FC236}">
+                <a16:creationId xmlns:a16="http://schemas.microsoft.com/office/drawing/2014/main" id="{3B948E47-468B-6B05-BFF1-FE96D5789057}"/>
+              </a:ext>
+            </a:extLst>
+          </p:cNvPr>
+          <p:cNvSpPr txBox="1"/>
+          <p:nvPr/>
+        </p:nvSpPr>
+        <p:spPr>
+          <a:xfrm>
+            <a:off x="7839125" y="4505058"/>
+            <a:ext cx="1810880" cy="369332"/>
+          </a:xfrm>
+          <a:prstGeom prst="rect">
+            <a:avLst/>
+          </a:prstGeom>
+          <a:noFill/>
+        </p:spPr>
+        <p:txBody>
+          <a:bodyPr wrap="none" rtlCol="0">
+            <a:spAutoFit/>
+          </a:bodyPr>
+          <a:lstStyle/>
+          <a:p>
+            <a:r>
+              <a:rPr lang="en-US" altLang="ko-KR" b="1" dirty="0"/>
+              <a:t>((h ∘ g) ∘ f)(w)</a:t>
+            </a:r>
+            <a:endParaRPr lang="ko-KR" altLang="en-US" b="1" dirty="0"/>
+          </a:p>
+        </p:txBody>
+      </p:sp>
+      <p:sp>
+        <p:nvSpPr>
+          <p:cNvPr id="21" name="TextBox 20">
+            <a:extLst>
+              <a:ext uri="{FF2B5EF4-FFF2-40B4-BE49-F238E27FC236}">
+                <a16:creationId xmlns:a16="http://schemas.microsoft.com/office/drawing/2014/main" id="{8D472010-9400-159A-097D-413760233159}"/>
+              </a:ext>
+            </a:extLst>
+          </p:cNvPr>
+          <p:cNvSpPr txBox="1"/>
+          <p:nvPr/>
+        </p:nvSpPr>
+        <p:spPr>
+          <a:xfrm>
+            <a:off x="1693037" y="1383268"/>
+            <a:ext cx="476412" cy="369332"/>
+          </a:xfrm>
+          <a:prstGeom prst="rect">
+            <a:avLst/>
+          </a:prstGeom>
+          <a:noFill/>
+        </p:spPr>
+        <p:txBody>
+          <a:bodyPr wrap="none" rtlCol="0">
+            <a:spAutoFit/>
+          </a:bodyPr>
+          <a:lstStyle/>
+          <a:p>
+            <a:r>
+              <a:rPr lang="en-US" altLang="ko-KR" b="1" dirty="0"/>
+              <a:t>(a)</a:t>
+            </a:r>
+            <a:endParaRPr lang="ko-KR" altLang="en-US" b="1" dirty="0"/>
+          </a:p>
+        </p:txBody>
+      </p:sp>
+      <p:sp>
+        <p:nvSpPr>
+          <p:cNvPr id="22" name="TextBox 21">
+            <a:extLst>
+              <a:ext uri="{FF2B5EF4-FFF2-40B4-BE49-F238E27FC236}">
+                <a16:creationId xmlns:a16="http://schemas.microsoft.com/office/drawing/2014/main" id="{8E11352D-63D3-7D64-4C3E-351109267EAD}"/>
+              </a:ext>
+            </a:extLst>
+          </p:cNvPr>
+          <p:cNvSpPr txBox="1"/>
+          <p:nvPr/>
+        </p:nvSpPr>
+        <p:spPr>
+          <a:xfrm>
+            <a:off x="6810419" y="1383268"/>
+            <a:ext cx="495649" cy="369332"/>
+          </a:xfrm>
+          <a:prstGeom prst="rect">
+            <a:avLst/>
+          </a:prstGeom>
+          <a:noFill/>
+        </p:spPr>
+        <p:txBody>
+          <a:bodyPr wrap="none" rtlCol="0">
+            <a:spAutoFit/>
+          </a:bodyPr>
+          <a:lstStyle/>
+          <a:p>
+            <a:r>
+              <a:rPr lang="en-US" altLang="ko-KR" b="1" dirty="0"/>
+              <a:t>(b)</a:t>
+            </a:r>
+            <a:endParaRPr lang="ko-KR" altLang="en-US" b="1" dirty="0"/>
+          </a:p>
+        </p:txBody>
+      </p:sp>
+    </p:spTree>
+    <p:extLst>
+      <p:ext uri="{BB962C8B-B14F-4D97-AF65-F5344CB8AC3E}">
+        <p14:creationId xmlns:p14="http://schemas.microsoft.com/office/powerpoint/2010/main" val="1623103707"/>
       </p:ext>
     </p:extLst>
   </p:cSld>

--- a/img/그림.pptx
+++ b/img/그림.pptx
@@ -36,6 +36,8 @@
     <p:sldId id="285" r:id="rId30"/>
     <p:sldId id="286" r:id="rId31"/>
     <p:sldId id="287" r:id="rId32"/>
+    <p:sldId id="288" r:id="rId33"/>
+    <p:sldId id="289" r:id="rId34"/>
   </p:sldIdLst>
   <p:sldSz cx="12192000" cy="6858000"/>
   <p:notesSz cx="6858000" cy="9144000"/>
@@ -289,7 +291,7 @@
           <a:p>
             <a:fld id="{8B2C37CC-0247-44E8-BA9D-22109B3A8D72}" type="datetimeFigureOut">
               <a:rPr lang="ko-KR" altLang="en-US" smtClean="0"/>
-              <a:t>2024-02-17</a:t>
+              <a:t>2024-02-18</a:t>
             </a:fld>
             <a:endParaRPr lang="ko-KR" altLang="en-US"/>
           </a:p>
@@ -487,7 +489,7 @@
           <a:p>
             <a:fld id="{8B2C37CC-0247-44E8-BA9D-22109B3A8D72}" type="datetimeFigureOut">
               <a:rPr lang="ko-KR" altLang="en-US" smtClean="0"/>
-              <a:t>2024-02-17</a:t>
+              <a:t>2024-02-18</a:t>
             </a:fld>
             <a:endParaRPr lang="ko-KR" altLang="en-US"/>
           </a:p>
@@ -695,7 +697,7 @@
           <a:p>
             <a:fld id="{8B2C37CC-0247-44E8-BA9D-22109B3A8D72}" type="datetimeFigureOut">
               <a:rPr lang="ko-KR" altLang="en-US" smtClean="0"/>
-              <a:t>2024-02-17</a:t>
+              <a:t>2024-02-18</a:t>
             </a:fld>
             <a:endParaRPr lang="ko-KR" altLang="en-US"/>
           </a:p>
@@ -893,7 +895,7 @@
           <a:p>
             <a:fld id="{8B2C37CC-0247-44E8-BA9D-22109B3A8D72}" type="datetimeFigureOut">
               <a:rPr lang="ko-KR" altLang="en-US" smtClean="0"/>
-              <a:t>2024-02-17</a:t>
+              <a:t>2024-02-18</a:t>
             </a:fld>
             <a:endParaRPr lang="ko-KR" altLang="en-US"/>
           </a:p>
@@ -1168,7 +1170,7 @@
           <a:p>
             <a:fld id="{8B2C37CC-0247-44E8-BA9D-22109B3A8D72}" type="datetimeFigureOut">
               <a:rPr lang="ko-KR" altLang="en-US" smtClean="0"/>
-              <a:t>2024-02-17</a:t>
+              <a:t>2024-02-18</a:t>
             </a:fld>
             <a:endParaRPr lang="ko-KR" altLang="en-US"/>
           </a:p>
@@ -1433,7 +1435,7 @@
           <a:p>
             <a:fld id="{8B2C37CC-0247-44E8-BA9D-22109B3A8D72}" type="datetimeFigureOut">
               <a:rPr lang="ko-KR" altLang="en-US" smtClean="0"/>
-              <a:t>2024-02-17</a:t>
+              <a:t>2024-02-18</a:t>
             </a:fld>
             <a:endParaRPr lang="ko-KR" altLang="en-US"/>
           </a:p>
@@ -1845,7 +1847,7 @@
           <a:p>
             <a:fld id="{8B2C37CC-0247-44E8-BA9D-22109B3A8D72}" type="datetimeFigureOut">
               <a:rPr lang="ko-KR" altLang="en-US" smtClean="0"/>
-              <a:t>2024-02-17</a:t>
+              <a:t>2024-02-18</a:t>
             </a:fld>
             <a:endParaRPr lang="ko-KR" altLang="en-US"/>
           </a:p>
@@ -1986,7 +1988,7 @@
           <a:p>
             <a:fld id="{8B2C37CC-0247-44E8-BA9D-22109B3A8D72}" type="datetimeFigureOut">
               <a:rPr lang="ko-KR" altLang="en-US" smtClean="0"/>
-              <a:t>2024-02-17</a:t>
+              <a:t>2024-02-18</a:t>
             </a:fld>
             <a:endParaRPr lang="ko-KR" altLang="en-US"/>
           </a:p>
@@ -2099,7 +2101,7 @@
           <a:p>
             <a:fld id="{8B2C37CC-0247-44E8-BA9D-22109B3A8D72}" type="datetimeFigureOut">
               <a:rPr lang="ko-KR" altLang="en-US" smtClean="0"/>
-              <a:t>2024-02-17</a:t>
+              <a:t>2024-02-18</a:t>
             </a:fld>
             <a:endParaRPr lang="ko-KR" altLang="en-US"/>
           </a:p>
@@ -2410,7 +2412,7 @@
           <a:p>
             <a:fld id="{8B2C37CC-0247-44E8-BA9D-22109B3A8D72}" type="datetimeFigureOut">
               <a:rPr lang="ko-KR" altLang="en-US" smtClean="0"/>
-              <a:t>2024-02-17</a:t>
+              <a:t>2024-02-18</a:t>
             </a:fld>
             <a:endParaRPr lang="ko-KR" altLang="en-US"/>
           </a:p>
@@ -2698,7 +2700,7 @@
           <a:p>
             <a:fld id="{8B2C37CC-0247-44E8-BA9D-22109B3A8D72}" type="datetimeFigureOut">
               <a:rPr lang="ko-KR" altLang="en-US" smtClean="0"/>
-              <a:t>2024-02-17</a:t>
+              <a:t>2024-02-18</a:t>
             </a:fld>
             <a:endParaRPr lang="ko-KR" altLang="en-US"/>
           </a:p>
@@ -2939,7 +2941,7 @@
           <a:p>
             <a:fld id="{8B2C37CC-0247-44E8-BA9D-22109B3A8D72}" type="datetimeFigureOut">
               <a:rPr lang="ko-KR" altLang="en-US" smtClean="0"/>
-              <a:t>2024-02-17</a:t>
+              <a:t>2024-02-18</a:t>
             </a:fld>
             <a:endParaRPr lang="ko-KR" altLang="en-US"/>
           </a:p>
@@ -23023,8 +23025,8 @@
           </a:fontRef>
         </p:style>
       </p:cxnSp>
-      <mc:AlternateContent xmlns:mc="http://schemas.openxmlformats.org/markup-compatibility/2006">
-        <mc:Choice xmlns:a14="http://schemas.microsoft.com/office/drawing/2010/main" Requires="a14">
+      <mc:AlternateContent xmlns:mc="http://schemas.openxmlformats.org/markup-compatibility/2006" xmlns:a14="http://schemas.microsoft.com/office/drawing/2010/main">
+        <mc:Choice Requires="a14">
           <p:sp>
             <p:nvSpPr>
               <p:cNvPr id="9" name="TextBox 8">
@@ -23101,7 +23103,7 @@
             </p:txBody>
           </p:sp>
         </mc:Choice>
-        <mc:Fallback>
+        <mc:Fallback xmlns="">
           <p:sp>
             <p:nvSpPr>
               <p:cNvPr id="9" name="TextBox 8">
@@ -30281,8 +30283,8 @@
           </a:fontRef>
         </p:style>
       </p:cxnSp>
-      <mc:AlternateContent xmlns:mc="http://schemas.openxmlformats.org/markup-compatibility/2006">
-        <mc:Choice xmlns:a14="http://schemas.microsoft.com/office/drawing/2010/main" Requires="a14">
+      <mc:AlternateContent xmlns:mc="http://schemas.openxmlformats.org/markup-compatibility/2006" xmlns:a14="http://schemas.microsoft.com/office/drawing/2010/main">
+        <mc:Choice Requires="a14">
           <p:sp>
             <p:nvSpPr>
               <p:cNvPr id="12" name="TextBox 11">
@@ -30311,6 +30313,7 @@
               </a:bodyPr>
               <a:lstStyle/>
               <a:p>
+                <a:pPr/>
                 <a14:m>
                   <m:oMathPara xmlns:m="http://schemas.openxmlformats.org/officeDocument/2006/math">
                     <m:oMathParaPr>
@@ -30396,7 +30399,7 @@
             </p:txBody>
           </p:sp>
         </mc:Choice>
-        <mc:Fallback>
+        <mc:Fallback xmlns="">
           <p:sp>
             <p:nvSpPr>
               <p:cNvPr id="12" name="TextBox 11">
@@ -31379,8 +31382,8 @@
           </a:p>
         </p:txBody>
       </p:sp>
-      <mc:AlternateContent xmlns:mc="http://schemas.openxmlformats.org/markup-compatibility/2006">
-        <mc:Choice xmlns:a14="http://schemas.microsoft.com/office/drawing/2010/main" Requires="a14">
+      <mc:AlternateContent xmlns:mc="http://schemas.openxmlformats.org/markup-compatibility/2006" xmlns:a14="http://schemas.microsoft.com/office/drawing/2010/main">
+        <mc:Choice Requires="a14">
           <p:sp>
             <p:nvSpPr>
               <p:cNvPr id="18" name="TextBox 17">
@@ -31409,6 +31412,7 @@
               </a:bodyPr>
               <a:lstStyle/>
               <a:p>
+                <a:pPr/>
                 <a14:m>
                   <m:oMathPara xmlns:m="http://schemas.openxmlformats.org/officeDocument/2006/math">
                     <m:oMathParaPr>
@@ -31454,7 +31458,7 @@
             </p:txBody>
           </p:sp>
         </mc:Choice>
-        <mc:Fallback>
+        <mc:Fallback xmlns="">
           <p:sp>
             <p:nvSpPr>
               <p:cNvPr id="18" name="TextBox 17">
@@ -31499,8 +31503,8 @@
           </p:sp>
         </mc:Fallback>
       </mc:AlternateContent>
-      <mc:AlternateContent xmlns:mc="http://schemas.openxmlformats.org/markup-compatibility/2006">
-        <mc:Choice xmlns:a14="http://schemas.microsoft.com/office/drawing/2010/main" Requires="a14">
+      <mc:AlternateContent xmlns:mc="http://schemas.openxmlformats.org/markup-compatibility/2006" xmlns:a14="http://schemas.microsoft.com/office/drawing/2010/main">
+        <mc:Choice Requires="a14">
           <p:sp>
             <p:nvSpPr>
               <p:cNvPr id="19" name="TextBox 18">
@@ -31529,6 +31533,7 @@
               </a:bodyPr>
               <a:lstStyle/>
               <a:p>
+                <a:pPr/>
                 <a14:m>
                   <m:oMathPara xmlns:m="http://schemas.openxmlformats.org/officeDocument/2006/math">
                     <m:oMathParaPr>
@@ -31574,7 +31579,7 @@
             </p:txBody>
           </p:sp>
         </mc:Choice>
-        <mc:Fallback>
+        <mc:Fallback xmlns="">
           <p:sp>
             <p:nvSpPr>
               <p:cNvPr id="19" name="TextBox 18">
@@ -31623,6 +31628,3468 @@
     <p:extLst>
       <p:ext uri="{BB962C8B-B14F-4D97-AF65-F5344CB8AC3E}">
         <p14:creationId xmlns:p14="http://schemas.microsoft.com/office/powerpoint/2010/main" val="3402000660"/>
+      </p:ext>
+    </p:extLst>
+  </p:cSld>
+  <p:clrMapOvr>
+    <a:masterClrMapping/>
+  </p:clrMapOvr>
+</p:sld>
+</file>
+
+<file path=ppt/slides/slide32.xml><?xml version="1.0" encoding="utf-8"?>
+<p:sld xmlns:a="http://schemas.openxmlformats.org/drawingml/2006/main" xmlns:r="http://schemas.openxmlformats.org/officeDocument/2006/relationships" xmlns:p="http://schemas.openxmlformats.org/presentationml/2006/main">
+  <p:cSld>
+    <p:spTree>
+      <p:nvGrpSpPr>
+        <p:cNvPr id="1" name="">
+          <a:extLst>
+            <a:ext uri="{FF2B5EF4-FFF2-40B4-BE49-F238E27FC236}">
+              <a16:creationId xmlns:a16="http://schemas.microsoft.com/office/drawing/2014/main" id="{89195EFF-C454-B2EF-0B0D-DDBBDBC97820}"/>
+            </a:ext>
+          </a:extLst>
+        </p:cNvPr>
+        <p:cNvGrpSpPr/>
+        <p:nvPr/>
+      </p:nvGrpSpPr>
+      <p:grpSpPr>
+        <a:xfrm>
+          <a:off x="0" y="0"/>
+          <a:ext cx="0" cy="0"/>
+          <a:chOff x="0" y="0"/>
+          <a:chExt cx="0" cy="0"/>
+        </a:xfrm>
+      </p:grpSpPr>
+      <p:sp>
+        <p:nvSpPr>
+          <p:cNvPr id="65" name="직사각형 64">
+            <a:extLst>
+              <a:ext uri="{FF2B5EF4-FFF2-40B4-BE49-F238E27FC236}">
+                <a16:creationId xmlns:a16="http://schemas.microsoft.com/office/drawing/2014/main" id="{3708D811-74E6-C36B-B53C-4119EA82E2C1}"/>
+              </a:ext>
+            </a:extLst>
+          </p:cNvPr>
+          <p:cNvSpPr/>
+          <p:nvPr/>
+        </p:nvSpPr>
+        <p:spPr>
+          <a:xfrm>
+            <a:off x="3714750" y="200526"/>
+            <a:ext cx="3752850" cy="6456947"/>
+          </a:xfrm>
+          <a:prstGeom prst="rect">
+            <a:avLst/>
+          </a:prstGeom>
+          <a:solidFill>
+            <a:schemeClr val="bg1"/>
+          </a:solidFill>
+          <a:ln>
+            <a:noFill/>
+          </a:ln>
+        </p:spPr>
+        <p:style>
+          <a:lnRef idx="2">
+            <a:schemeClr val="accent1">
+              <a:shade val="15000"/>
+            </a:schemeClr>
+          </a:lnRef>
+          <a:fillRef idx="1">
+            <a:schemeClr val="accent1"/>
+          </a:fillRef>
+          <a:effectRef idx="0">
+            <a:schemeClr val="accent1"/>
+          </a:effectRef>
+          <a:fontRef idx="minor">
+            <a:schemeClr val="lt1"/>
+          </a:fontRef>
+        </p:style>
+        <p:txBody>
+          <a:bodyPr rtlCol="0" anchor="ctr"/>
+          <a:lstStyle/>
+          <a:p>
+            <a:pPr algn="ctr"/>
+            <a:endParaRPr lang="ko-KR" altLang="en-US"/>
+          </a:p>
+        </p:txBody>
+      </p:sp>
+      <p:sp>
+        <p:nvSpPr>
+          <p:cNvPr id="53" name="사각형: 둥근 모서리 52">
+            <a:extLst>
+              <a:ext uri="{FF2B5EF4-FFF2-40B4-BE49-F238E27FC236}">
+                <a16:creationId xmlns:a16="http://schemas.microsoft.com/office/drawing/2014/main" id="{B98603E1-26C8-43D1-74A8-2B5858B52F96}"/>
+              </a:ext>
+            </a:extLst>
+          </p:cNvPr>
+          <p:cNvSpPr/>
+          <p:nvPr/>
+        </p:nvSpPr>
+        <p:spPr>
+          <a:xfrm>
+            <a:off x="4810621" y="4805944"/>
+            <a:ext cx="1626939" cy="1219200"/>
+          </a:xfrm>
+          <a:prstGeom prst="roundRect">
+            <a:avLst/>
+          </a:prstGeom>
+          <a:solidFill>
+            <a:srgbClr val="B4E5A2"/>
+          </a:solidFill>
+          <a:ln>
+            <a:noFill/>
+          </a:ln>
+        </p:spPr>
+        <p:style>
+          <a:lnRef idx="2">
+            <a:schemeClr val="accent1">
+              <a:shade val="15000"/>
+            </a:schemeClr>
+          </a:lnRef>
+          <a:fillRef idx="1">
+            <a:schemeClr val="accent1"/>
+          </a:fillRef>
+          <a:effectRef idx="0">
+            <a:schemeClr val="accent1"/>
+          </a:effectRef>
+          <a:fontRef idx="minor">
+            <a:schemeClr val="lt1"/>
+          </a:fontRef>
+        </p:style>
+        <p:txBody>
+          <a:bodyPr rtlCol="0" anchor="ctr"/>
+          <a:lstStyle/>
+          <a:p>
+            <a:pPr algn="ctr"/>
+            <a:endParaRPr lang="ko-KR" altLang="en-US" dirty="0"/>
+          </a:p>
+        </p:txBody>
+      </p:sp>
+      <p:sp>
+        <p:nvSpPr>
+          <p:cNvPr id="4" name="직사각형 3">
+            <a:extLst>
+              <a:ext uri="{FF2B5EF4-FFF2-40B4-BE49-F238E27FC236}">
+                <a16:creationId xmlns:a16="http://schemas.microsoft.com/office/drawing/2014/main" id="{89B4F531-AF7E-F50B-9BA6-5EE248E706A5}"/>
+              </a:ext>
+            </a:extLst>
+          </p:cNvPr>
+          <p:cNvSpPr/>
+          <p:nvPr/>
+        </p:nvSpPr>
+        <p:spPr>
+          <a:xfrm>
+            <a:off x="3898230" y="2852486"/>
+            <a:ext cx="3433011" cy="1780674"/>
+          </a:xfrm>
+          <a:prstGeom prst="rect">
+            <a:avLst/>
+          </a:prstGeom>
+          <a:solidFill>
+            <a:schemeClr val="bg2"/>
+          </a:solidFill>
+          <a:ln>
+            <a:noFill/>
+          </a:ln>
+        </p:spPr>
+        <p:style>
+          <a:lnRef idx="2">
+            <a:schemeClr val="accent1">
+              <a:shade val="15000"/>
+            </a:schemeClr>
+          </a:lnRef>
+          <a:fillRef idx="1">
+            <a:schemeClr val="accent1"/>
+          </a:fillRef>
+          <a:effectRef idx="0">
+            <a:schemeClr val="accent1"/>
+          </a:effectRef>
+          <a:fontRef idx="minor">
+            <a:schemeClr val="lt1"/>
+          </a:fontRef>
+        </p:style>
+        <p:txBody>
+          <a:bodyPr rtlCol="0" anchor="ctr"/>
+          <a:lstStyle/>
+          <a:p>
+            <a:pPr algn="ctr"/>
+            <a:r>
+              <a:rPr lang="en-US" altLang="ko-KR" b="1" dirty="0">
+                <a:solidFill>
+                  <a:schemeClr val="tx1"/>
+                </a:solidFill>
+              </a:rPr>
+              <a:t>z = f(x, y)</a:t>
+            </a:r>
+            <a:endParaRPr lang="ko-KR" altLang="en-US" b="1" dirty="0">
+              <a:solidFill>
+                <a:schemeClr val="tx1"/>
+              </a:solidFill>
+            </a:endParaRPr>
+          </a:p>
+        </p:txBody>
+      </p:sp>
+      <p:cxnSp>
+        <p:nvCxnSpPr>
+          <p:cNvPr id="7" name="직선 연결선 6">
+            <a:extLst>
+              <a:ext uri="{FF2B5EF4-FFF2-40B4-BE49-F238E27FC236}">
+                <a16:creationId xmlns:a16="http://schemas.microsoft.com/office/drawing/2014/main" id="{054C2C29-2B6D-A358-86BD-FAF02F47B33A}"/>
+              </a:ext>
+            </a:extLst>
+          </p:cNvPr>
+          <p:cNvCxnSpPr>
+            <a:cxnSpLocks/>
+          </p:cNvCxnSpPr>
+          <p:nvPr/>
+        </p:nvCxnSpPr>
+        <p:spPr>
+          <a:xfrm>
+            <a:off x="7331241" y="2852486"/>
+            <a:ext cx="0" cy="1780674"/>
+          </a:xfrm>
+          <a:prstGeom prst="line">
+            <a:avLst/>
+          </a:prstGeom>
+          <a:ln w="28575">
+            <a:solidFill>
+              <a:schemeClr val="tx1"/>
+            </a:solidFill>
+          </a:ln>
+        </p:spPr>
+        <p:style>
+          <a:lnRef idx="2">
+            <a:schemeClr val="accent1"/>
+          </a:lnRef>
+          <a:fillRef idx="0">
+            <a:schemeClr val="accent1"/>
+          </a:fillRef>
+          <a:effectRef idx="1">
+            <a:schemeClr val="accent1"/>
+          </a:effectRef>
+          <a:fontRef idx="minor">
+            <a:schemeClr val="tx1"/>
+          </a:fontRef>
+        </p:style>
+      </p:cxnSp>
+      <p:cxnSp>
+        <p:nvCxnSpPr>
+          <p:cNvPr id="10" name="직선 연결선 9">
+            <a:extLst>
+              <a:ext uri="{FF2B5EF4-FFF2-40B4-BE49-F238E27FC236}">
+                <a16:creationId xmlns:a16="http://schemas.microsoft.com/office/drawing/2014/main" id="{5FBE8E07-DD3C-AB9D-70D0-98689D6FBF60}"/>
+              </a:ext>
+            </a:extLst>
+          </p:cNvPr>
+          <p:cNvCxnSpPr>
+            <a:cxnSpLocks/>
+          </p:cNvCxnSpPr>
+          <p:nvPr/>
+        </p:nvCxnSpPr>
+        <p:spPr>
+          <a:xfrm>
+            <a:off x="3914271" y="2852486"/>
+            <a:ext cx="0" cy="1780674"/>
+          </a:xfrm>
+          <a:prstGeom prst="line">
+            <a:avLst/>
+          </a:prstGeom>
+          <a:ln w="28575">
+            <a:solidFill>
+              <a:schemeClr val="tx1"/>
+            </a:solidFill>
+          </a:ln>
+        </p:spPr>
+        <p:style>
+          <a:lnRef idx="2">
+            <a:schemeClr val="accent1"/>
+          </a:lnRef>
+          <a:fillRef idx="0">
+            <a:schemeClr val="accent1"/>
+          </a:fillRef>
+          <a:effectRef idx="1">
+            <a:schemeClr val="accent1"/>
+          </a:effectRef>
+          <a:fontRef idx="minor">
+            <a:schemeClr val="tx1"/>
+          </a:fontRef>
+        </p:style>
+      </p:cxnSp>
+      <p:grpSp>
+        <p:nvGrpSpPr>
+          <p:cNvPr id="17" name="그룹 16">
+            <a:extLst>
+              <a:ext uri="{FF2B5EF4-FFF2-40B4-BE49-F238E27FC236}">
+                <a16:creationId xmlns:a16="http://schemas.microsoft.com/office/drawing/2014/main" id="{CD170934-EB65-AACE-BA61-5A2BA140FEA4}"/>
+              </a:ext>
+            </a:extLst>
+          </p:cNvPr>
+          <p:cNvGrpSpPr/>
+          <p:nvPr/>
+        </p:nvGrpSpPr>
+        <p:grpSpPr>
+          <a:xfrm>
+            <a:off x="5366082" y="4633160"/>
+            <a:ext cx="497306" cy="409074"/>
+            <a:chOff x="5366081" y="4243137"/>
+            <a:chExt cx="497306" cy="1780674"/>
+          </a:xfrm>
+        </p:grpSpPr>
+        <p:cxnSp>
+          <p:nvCxnSpPr>
+            <p:cNvPr id="11" name="직선 연결선 10">
+              <a:extLst>
+                <a:ext uri="{FF2B5EF4-FFF2-40B4-BE49-F238E27FC236}">
+                  <a16:creationId xmlns:a16="http://schemas.microsoft.com/office/drawing/2014/main" id="{389EE45A-1595-FCD8-4DF4-8135309E98FA}"/>
+                </a:ext>
+              </a:extLst>
+            </p:cNvPr>
+            <p:cNvCxnSpPr>
+              <a:cxnSpLocks/>
+            </p:cNvCxnSpPr>
+            <p:nvPr/>
+          </p:nvCxnSpPr>
+          <p:spPr>
+            <a:xfrm>
+              <a:off x="5366081" y="4243137"/>
+              <a:ext cx="0" cy="1780674"/>
+            </a:xfrm>
+            <a:prstGeom prst="line">
+              <a:avLst/>
+            </a:prstGeom>
+            <a:ln w="28575">
+              <a:solidFill>
+                <a:schemeClr val="tx1"/>
+              </a:solidFill>
+            </a:ln>
+          </p:spPr>
+          <p:style>
+            <a:lnRef idx="2">
+              <a:schemeClr val="accent1"/>
+            </a:lnRef>
+            <a:fillRef idx="0">
+              <a:schemeClr val="accent1"/>
+            </a:fillRef>
+            <a:effectRef idx="1">
+              <a:schemeClr val="accent1"/>
+            </a:effectRef>
+            <a:fontRef idx="minor">
+              <a:schemeClr val="tx1"/>
+            </a:fontRef>
+          </p:style>
+        </p:cxnSp>
+        <p:cxnSp>
+          <p:nvCxnSpPr>
+            <p:cNvPr id="12" name="직선 연결선 11">
+              <a:extLst>
+                <a:ext uri="{FF2B5EF4-FFF2-40B4-BE49-F238E27FC236}">
+                  <a16:creationId xmlns:a16="http://schemas.microsoft.com/office/drawing/2014/main" id="{9C317089-96C8-8CB1-1769-E112A42C18D2}"/>
+                </a:ext>
+              </a:extLst>
+            </p:cNvPr>
+            <p:cNvCxnSpPr>
+              <a:cxnSpLocks/>
+            </p:cNvCxnSpPr>
+            <p:nvPr/>
+          </p:nvCxnSpPr>
+          <p:spPr>
+            <a:xfrm>
+              <a:off x="5863387" y="4243137"/>
+              <a:ext cx="0" cy="1780674"/>
+            </a:xfrm>
+            <a:prstGeom prst="line">
+              <a:avLst/>
+            </a:prstGeom>
+            <a:ln w="28575">
+              <a:solidFill>
+                <a:schemeClr val="tx1"/>
+              </a:solidFill>
+            </a:ln>
+          </p:spPr>
+          <p:style>
+            <a:lnRef idx="2">
+              <a:schemeClr val="accent1"/>
+            </a:lnRef>
+            <a:fillRef idx="0">
+              <a:schemeClr val="accent1"/>
+            </a:fillRef>
+            <a:effectRef idx="1">
+              <a:schemeClr val="accent1"/>
+            </a:effectRef>
+            <a:fontRef idx="minor">
+              <a:schemeClr val="tx1"/>
+            </a:fontRef>
+          </p:style>
+        </p:cxnSp>
+      </p:grpSp>
+      <p:cxnSp>
+        <p:nvCxnSpPr>
+          <p:cNvPr id="18" name="직선 연결선 17">
+            <a:extLst>
+              <a:ext uri="{FF2B5EF4-FFF2-40B4-BE49-F238E27FC236}">
+                <a16:creationId xmlns:a16="http://schemas.microsoft.com/office/drawing/2014/main" id="{44BC3F99-39E5-8BFB-2220-B1CCD2C369EF}"/>
+              </a:ext>
+            </a:extLst>
+          </p:cNvPr>
+          <p:cNvCxnSpPr>
+            <a:cxnSpLocks/>
+          </p:cNvCxnSpPr>
+          <p:nvPr/>
+        </p:nvCxnSpPr>
+        <p:spPr>
+          <a:xfrm flipH="1">
+            <a:off x="5863388" y="4633160"/>
+            <a:ext cx="1467853" cy="0"/>
+          </a:xfrm>
+          <a:prstGeom prst="line">
+            <a:avLst/>
+          </a:prstGeom>
+          <a:ln w="28575">
+            <a:solidFill>
+              <a:schemeClr val="tx1"/>
+            </a:solidFill>
+          </a:ln>
+        </p:spPr>
+        <p:style>
+          <a:lnRef idx="2">
+            <a:schemeClr val="accent1"/>
+          </a:lnRef>
+          <a:fillRef idx="0">
+            <a:schemeClr val="accent1"/>
+          </a:fillRef>
+          <a:effectRef idx="1">
+            <a:schemeClr val="accent1"/>
+          </a:effectRef>
+          <a:fontRef idx="minor">
+            <a:schemeClr val="tx1"/>
+          </a:fontRef>
+        </p:style>
+      </p:cxnSp>
+      <p:sp>
+        <p:nvSpPr>
+          <p:cNvPr id="46" name="사각형: 둥근 모서리 45">
+            <a:extLst>
+              <a:ext uri="{FF2B5EF4-FFF2-40B4-BE49-F238E27FC236}">
+                <a16:creationId xmlns:a16="http://schemas.microsoft.com/office/drawing/2014/main" id="{AFA20D19-3E8E-1F8F-1F3A-A58BDB40AABB}"/>
+              </a:ext>
+            </a:extLst>
+          </p:cNvPr>
+          <p:cNvSpPr/>
+          <p:nvPr/>
+        </p:nvSpPr>
+        <p:spPr>
+          <a:xfrm>
+            <a:off x="4777704" y="837818"/>
+            <a:ext cx="1626939" cy="1219200"/>
+          </a:xfrm>
+          <a:prstGeom prst="roundRect">
+            <a:avLst/>
+          </a:prstGeom>
+          <a:solidFill>
+            <a:schemeClr val="accent4">
+              <a:lumMod val="40000"/>
+              <a:lumOff val="60000"/>
+            </a:schemeClr>
+          </a:solidFill>
+          <a:ln>
+            <a:noFill/>
+          </a:ln>
+        </p:spPr>
+        <p:style>
+          <a:lnRef idx="2">
+            <a:schemeClr val="accent1">
+              <a:shade val="15000"/>
+            </a:schemeClr>
+          </a:lnRef>
+          <a:fillRef idx="1">
+            <a:schemeClr val="accent1"/>
+          </a:fillRef>
+          <a:effectRef idx="0">
+            <a:schemeClr val="accent1"/>
+          </a:effectRef>
+          <a:fontRef idx="minor">
+            <a:schemeClr val="lt1"/>
+          </a:fontRef>
+        </p:style>
+        <p:txBody>
+          <a:bodyPr rtlCol="0" anchor="ctr"/>
+          <a:lstStyle/>
+          <a:p>
+            <a:pPr algn="ctr"/>
+            <a:endParaRPr lang="ko-KR" altLang="en-US" dirty="0"/>
+          </a:p>
+        </p:txBody>
+      </p:sp>
+      <p:cxnSp>
+        <p:nvCxnSpPr>
+          <p:cNvPr id="21" name="직선 연결선 20">
+            <a:extLst>
+              <a:ext uri="{FF2B5EF4-FFF2-40B4-BE49-F238E27FC236}">
+                <a16:creationId xmlns:a16="http://schemas.microsoft.com/office/drawing/2014/main" id="{164D93EB-2E18-533C-2E59-9D91E64591DD}"/>
+              </a:ext>
+            </a:extLst>
+          </p:cNvPr>
+          <p:cNvCxnSpPr>
+            <a:cxnSpLocks/>
+          </p:cNvCxnSpPr>
+          <p:nvPr/>
+        </p:nvCxnSpPr>
+        <p:spPr>
+          <a:xfrm flipH="1">
+            <a:off x="3898229" y="4633160"/>
+            <a:ext cx="1467853" cy="0"/>
+          </a:xfrm>
+          <a:prstGeom prst="line">
+            <a:avLst/>
+          </a:prstGeom>
+          <a:ln w="28575">
+            <a:solidFill>
+              <a:schemeClr val="tx1"/>
+            </a:solidFill>
+          </a:ln>
+        </p:spPr>
+        <p:style>
+          <a:lnRef idx="2">
+            <a:schemeClr val="accent1"/>
+          </a:lnRef>
+          <a:fillRef idx="0">
+            <a:schemeClr val="accent1"/>
+          </a:fillRef>
+          <a:effectRef idx="1">
+            <a:schemeClr val="accent1"/>
+          </a:effectRef>
+          <a:fontRef idx="minor">
+            <a:schemeClr val="tx1"/>
+          </a:fontRef>
+        </p:style>
+      </p:cxnSp>
+      <p:cxnSp>
+        <p:nvCxnSpPr>
+          <p:cNvPr id="22" name="직선 연결선 21">
+            <a:extLst>
+              <a:ext uri="{FF2B5EF4-FFF2-40B4-BE49-F238E27FC236}">
+                <a16:creationId xmlns:a16="http://schemas.microsoft.com/office/drawing/2014/main" id="{BBE7DBF4-95B3-507E-72DC-0DBB5C36DC1F}"/>
+              </a:ext>
+            </a:extLst>
+          </p:cNvPr>
+          <p:cNvCxnSpPr>
+            <a:cxnSpLocks/>
+          </p:cNvCxnSpPr>
+          <p:nvPr/>
+        </p:nvCxnSpPr>
+        <p:spPr>
+          <a:xfrm rot="2700000">
+            <a:off x="5221452" y="4982326"/>
+            <a:ext cx="0" cy="409074"/>
+          </a:xfrm>
+          <a:prstGeom prst="line">
+            <a:avLst/>
+          </a:prstGeom>
+          <a:ln w="28575">
+            <a:solidFill>
+              <a:schemeClr val="tx1"/>
+            </a:solidFill>
+          </a:ln>
+        </p:spPr>
+        <p:style>
+          <a:lnRef idx="2">
+            <a:schemeClr val="accent1"/>
+          </a:lnRef>
+          <a:fillRef idx="0">
+            <a:schemeClr val="accent1"/>
+          </a:fillRef>
+          <a:effectRef idx="1">
+            <a:schemeClr val="accent1"/>
+          </a:effectRef>
+          <a:fontRef idx="minor">
+            <a:schemeClr val="tx1"/>
+          </a:fontRef>
+        </p:style>
+      </p:cxnSp>
+      <p:cxnSp>
+        <p:nvCxnSpPr>
+          <p:cNvPr id="23" name="직선 연결선 22">
+            <a:extLst>
+              <a:ext uri="{FF2B5EF4-FFF2-40B4-BE49-F238E27FC236}">
+                <a16:creationId xmlns:a16="http://schemas.microsoft.com/office/drawing/2014/main" id="{71F814C6-4572-ADCC-75AF-C756D9EA5E70}"/>
+              </a:ext>
+            </a:extLst>
+          </p:cNvPr>
+          <p:cNvCxnSpPr>
+            <a:cxnSpLocks/>
+          </p:cNvCxnSpPr>
+          <p:nvPr/>
+        </p:nvCxnSpPr>
+        <p:spPr>
+          <a:xfrm rot="18900000">
+            <a:off x="6008017" y="4982328"/>
+            <a:ext cx="0" cy="409074"/>
+          </a:xfrm>
+          <a:prstGeom prst="line">
+            <a:avLst/>
+          </a:prstGeom>
+          <a:ln w="28575">
+            <a:solidFill>
+              <a:schemeClr val="tx1"/>
+            </a:solidFill>
+          </a:ln>
+        </p:spPr>
+        <p:style>
+          <a:lnRef idx="2">
+            <a:schemeClr val="accent1"/>
+          </a:lnRef>
+          <a:fillRef idx="0">
+            <a:schemeClr val="accent1"/>
+          </a:fillRef>
+          <a:effectRef idx="1">
+            <a:schemeClr val="accent1"/>
+          </a:effectRef>
+          <a:fontRef idx="minor">
+            <a:schemeClr val="tx1"/>
+          </a:fontRef>
+        </p:style>
+      </p:cxnSp>
+      <p:grpSp>
+        <p:nvGrpSpPr>
+          <p:cNvPr id="31" name="그룹 30">
+            <a:extLst>
+              <a:ext uri="{FF2B5EF4-FFF2-40B4-BE49-F238E27FC236}">
+                <a16:creationId xmlns:a16="http://schemas.microsoft.com/office/drawing/2014/main" id="{1E81851F-DB4A-7EB9-A0FC-EA0DD7698824}"/>
+              </a:ext>
+            </a:extLst>
+          </p:cNvPr>
+          <p:cNvGrpSpPr/>
+          <p:nvPr/>
+        </p:nvGrpSpPr>
+        <p:grpSpPr>
+          <a:xfrm rot="10800000">
+            <a:off x="4297479" y="2094242"/>
+            <a:ext cx="991102" cy="758242"/>
+            <a:chOff x="4645916" y="1447800"/>
+            <a:chExt cx="991102" cy="758242"/>
+          </a:xfrm>
+        </p:grpSpPr>
+        <p:grpSp>
+          <p:nvGrpSpPr>
+            <p:cNvPr id="24" name="그룹 23">
+              <a:extLst>
+                <a:ext uri="{FF2B5EF4-FFF2-40B4-BE49-F238E27FC236}">
+                  <a16:creationId xmlns:a16="http://schemas.microsoft.com/office/drawing/2014/main" id="{A59D3D4D-9815-56AE-97F5-FF3F0285FC44}"/>
+                </a:ext>
+              </a:extLst>
+            </p:cNvPr>
+            <p:cNvGrpSpPr/>
+            <p:nvPr/>
+          </p:nvGrpSpPr>
+          <p:grpSpPr>
+            <a:xfrm>
+              <a:off x="4995083" y="1447800"/>
+              <a:ext cx="497306" cy="409074"/>
+              <a:chOff x="5366081" y="4243137"/>
+              <a:chExt cx="497306" cy="1780674"/>
+            </a:xfrm>
+          </p:grpSpPr>
+          <p:cxnSp>
+            <p:nvCxnSpPr>
+              <p:cNvPr id="25" name="직선 연결선 24">
+                <a:extLst>
+                  <a:ext uri="{FF2B5EF4-FFF2-40B4-BE49-F238E27FC236}">
+                    <a16:creationId xmlns:a16="http://schemas.microsoft.com/office/drawing/2014/main" id="{0941BAB4-353C-498F-A545-4D88C29C9B9A}"/>
+                  </a:ext>
+                </a:extLst>
+              </p:cNvPr>
+              <p:cNvCxnSpPr>
+                <a:cxnSpLocks/>
+              </p:cNvCxnSpPr>
+              <p:nvPr/>
+            </p:nvCxnSpPr>
+            <p:spPr>
+              <a:xfrm>
+                <a:off x="5366081" y="4243137"/>
+                <a:ext cx="0" cy="1780674"/>
+              </a:xfrm>
+              <a:prstGeom prst="line">
+                <a:avLst/>
+              </a:prstGeom>
+              <a:ln w="28575">
+                <a:solidFill>
+                  <a:schemeClr val="tx1"/>
+                </a:solidFill>
+              </a:ln>
+            </p:spPr>
+            <p:style>
+              <a:lnRef idx="2">
+                <a:schemeClr val="accent1"/>
+              </a:lnRef>
+              <a:fillRef idx="0">
+                <a:schemeClr val="accent1"/>
+              </a:fillRef>
+              <a:effectRef idx="1">
+                <a:schemeClr val="accent1"/>
+              </a:effectRef>
+              <a:fontRef idx="minor">
+                <a:schemeClr val="tx1"/>
+              </a:fontRef>
+            </p:style>
+          </p:cxnSp>
+          <p:cxnSp>
+            <p:nvCxnSpPr>
+              <p:cNvPr id="26" name="직선 연결선 25">
+                <a:extLst>
+                  <a:ext uri="{FF2B5EF4-FFF2-40B4-BE49-F238E27FC236}">
+                    <a16:creationId xmlns:a16="http://schemas.microsoft.com/office/drawing/2014/main" id="{5E9883BA-8CAA-3E42-EDA1-F61EA135F7EC}"/>
+                  </a:ext>
+                </a:extLst>
+              </p:cNvPr>
+              <p:cNvCxnSpPr>
+                <a:cxnSpLocks/>
+              </p:cNvCxnSpPr>
+              <p:nvPr/>
+            </p:nvCxnSpPr>
+            <p:spPr>
+              <a:xfrm>
+                <a:off x="5863387" y="4243137"/>
+                <a:ext cx="0" cy="1780674"/>
+              </a:xfrm>
+              <a:prstGeom prst="line">
+                <a:avLst/>
+              </a:prstGeom>
+              <a:ln w="28575">
+                <a:solidFill>
+                  <a:schemeClr val="tx1"/>
+                </a:solidFill>
+              </a:ln>
+            </p:spPr>
+            <p:style>
+              <a:lnRef idx="2">
+                <a:schemeClr val="accent1"/>
+              </a:lnRef>
+              <a:fillRef idx="0">
+                <a:schemeClr val="accent1"/>
+              </a:fillRef>
+              <a:effectRef idx="1">
+                <a:schemeClr val="accent1"/>
+              </a:effectRef>
+              <a:fontRef idx="minor">
+                <a:schemeClr val="tx1"/>
+              </a:fontRef>
+            </p:style>
+          </p:cxnSp>
+        </p:grpSp>
+        <p:cxnSp>
+          <p:nvCxnSpPr>
+            <p:cNvPr id="27" name="직선 연결선 26">
+              <a:extLst>
+                <a:ext uri="{FF2B5EF4-FFF2-40B4-BE49-F238E27FC236}">
+                  <a16:creationId xmlns:a16="http://schemas.microsoft.com/office/drawing/2014/main" id="{2D8CDA0C-CAE8-9FF1-0C8C-779C58D4F345}"/>
+                </a:ext>
+              </a:extLst>
+            </p:cNvPr>
+            <p:cNvCxnSpPr>
+              <a:cxnSpLocks/>
+            </p:cNvCxnSpPr>
+            <p:nvPr/>
+          </p:nvCxnSpPr>
+          <p:spPr>
+            <a:xfrm rot="2700000">
+              <a:off x="4850453" y="1796966"/>
+              <a:ext cx="0" cy="409074"/>
+            </a:xfrm>
+            <a:prstGeom prst="line">
+              <a:avLst/>
+            </a:prstGeom>
+            <a:ln w="28575">
+              <a:solidFill>
+                <a:schemeClr val="tx1"/>
+              </a:solidFill>
+            </a:ln>
+          </p:spPr>
+          <p:style>
+            <a:lnRef idx="2">
+              <a:schemeClr val="accent1"/>
+            </a:lnRef>
+            <a:fillRef idx="0">
+              <a:schemeClr val="accent1"/>
+            </a:fillRef>
+            <a:effectRef idx="1">
+              <a:schemeClr val="accent1"/>
+            </a:effectRef>
+            <a:fontRef idx="minor">
+              <a:schemeClr val="tx1"/>
+            </a:fontRef>
+          </p:style>
+        </p:cxnSp>
+        <p:cxnSp>
+          <p:nvCxnSpPr>
+            <p:cNvPr id="28" name="직선 연결선 27">
+              <a:extLst>
+                <a:ext uri="{FF2B5EF4-FFF2-40B4-BE49-F238E27FC236}">
+                  <a16:creationId xmlns:a16="http://schemas.microsoft.com/office/drawing/2014/main" id="{69F15010-E993-86F9-B354-0ECB91B28157}"/>
+                </a:ext>
+              </a:extLst>
+            </p:cNvPr>
+            <p:cNvCxnSpPr>
+              <a:cxnSpLocks/>
+            </p:cNvCxnSpPr>
+            <p:nvPr/>
+          </p:nvCxnSpPr>
+          <p:spPr>
+            <a:xfrm rot="18900000">
+              <a:off x="5637018" y="1796968"/>
+              <a:ext cx="0" cy="409074"/>
+            </a:xfrm>
+            <a:prstGeom prst="line">
+              <a:avLst/>
+            </a:prstGeom>
+            <a:ln w="28575">
+              <a:solidFill>
+                <a:schemeClr val="tx1"/>
+              </a:solidFill>
+            </a:ln>
+          </p:spPr>
+          <p:style>
+            <a:lnRef idx="2">
+              <a:schemeClr val="accent1"/>
+            </a:lnRef>
+            <a:fillRef idx="0">
+              <a:schemeClr val="accent1"/>
+            </a:fillRef>
+            <a:effectRef idx="1">
+              <a:schemeClr val="accent1"/>
+            </a:effectRef>
+            <a:fontRef idx="minor">
+              <a:schemeClr val="tx1"/>
+            </a:fontRef>
+          </p:style>
+        </p:cxnSp>
+      </p:grpSp>
+      <p:grpSp>
+        <p:nvGrpSpPr>
+          <p:cNvPr id="32" name="그룹 31">
+            <a:extLst>
+              <a:ext uri="{FF2B5EF4-FFF2-40B4-BE49-F238E27FC236}">
+                <a16:creationId xmlns:a16="http://schemas.microsoft.com/office/drawing/2014/main" id="{F08CF2BB-75E5-83AB-A046-F1380024015E}"/>
+              </a:ext>
+            </a:extLst>
+          </p:cNvPr>
+          <p:cNvGrpSpPr/>
+          <p:nvPr/>
+        </p:nvGrpSpPr>
+        <p:grpSpPr>
+          <a:xfrm rot="10800000">
+            <a:off x="6110064" y="2094243"/>
+            <a:ext cx="991102" cy="758242"/>
+            <a:chOff x="4645916" y="1447800"/>
+            <a:chExt cx="991102" cy="758242"/>
+          </a:xfrm>
+        </p:grpSpPr>
+        <p:grpSp>
+          <p:nvGrpSpPr>
+            <p:cNvPr id="33" name="그룹 32">
+              <a:extLst>
+                <a:ext uri="{FF2B5EF4-FFF2-40B4-BE49-F238E27FC236}">
+                  <a16:creationId xmlns:a16="http://schemas.microsoft.com/office/drawing/2014/main" id="{015D0F54-D831-860A-5D03-FD909CDFAA9C}"/>
+                </a:ext>
+              </a:extLst>
+            </p:cNvPr>
+            <p:cNvGrpSpPr/>
+            <p:nvPr/>
+          </p:nvGrpSpPr>
+          <p:grpSpPr>
+            <a:xfrm>
+              <a:off x="4995083" y="1447800"/>
+              <a:ext cx="497306" cy="409074"/>
+              <a:chOff x="5366081" y="4243137"/>
+              <a:chExt cx="497306" cy="1780674"/>
+            </a:xfrm>
+          </p:grpSpPr>
+          <p:cxnSp>
+            <p:nvCxnSpPr>
+              <p:cNvPr id="36" name="직선 연결선 35">
+                <a:extLst>
+                  <a:ext uri="{FF2B5EF4-FFF2-40B4-BE49-F238E27FC236}">
+                    <a16:creationId xmlns:a16="http://schemas.microsoft.com/office/drawing/2014/main" id="{E949E437-0DC2-5700-0B19-1349DB2074C0}"/>
+                  </a:ext>
+                </a:extLst>
+              </p:cNvPr>
+              <p:cNvCxnSpPr>
+                <a:cxnSpLocks/>
+              </p:cNvCxnSpPr>
+              <p:nvPr/>
+            </p:nvCxnSpPr>
+            <p:spPr>
+              <a:xfrm>
+                <a:off x="5366081" y="4243137"/>
+                <a:ext cx="0" cy="1780674"/>
+              </a:xfrm>
+              <a:prstGeom prst="line">
+                <a:avLst/>
+              </a:prstGeom>
+              <a:ln w="28575">
+                <a:solidFill>
+                  <a:schemeClr val="tx1"/>
+                </a:solidFill>
+              </a:ln>
+            </p:spPr>
+            <p:style>
+              <a:lnRef idx="2">
+                <a:schemeClr val="accent1"/>
+              </a:lnRef>
+              <a:fillRef idx="0">
+                <a:schemeClr val="accent1"/>
+              </a:fillRef>
+              <a:effectRef idx="1">
+                <a:schemeClr val="accent1"/>
+              </a:effectRef>
+              <a:fontRef idx="minor">
+                <a:schemeClr val="tx1"/>
+              </a:fontRef>
+            </p:style>
+          </p:cxnSp>
+          <p:cxnSp>
+            <p:nvCxnSpPr>
+              <p:cNvPr id="37" name="직선 연결선 36">
+                <a:extLst>
+                  <a:ext uri="{FF2B5EF4-FFF2-40B4-BE49-F238E27FC236}">
+                    <a16:creationId xmlns:a16="http://schemas.microsoft.com/office/drawing/2014/main" id="{9BC28850-9AA7-6F89-5FEE-A9FEC4B2578A}"/>
+                  </a:ext>
+                </a:extLst>
+              </p:cNvPr>
+              <p:cNvCxnSpPr>
+                <a:cxnSpLocks/>
+              </p:cNvCxnSpPr>
+              <p:nvPr/>
+            </p:nvCxnSpPr>
+            <p:spPr>
+              <a:xfrm>
+                <a:off x="5863387" y="4243137"/>
+                <a:ext cx="0" cy="1780674"/>
+              </a:xfrm>
+              <a:prstGeom prst="line">
+                <a:avLst/>
+              </a:prstGeom>
+              <a:ln w="28575">
+                <a:solidFill>
+                  <a:schemeClr val="tx1"/>
+                </a:solidFill>
+              </a:ln>
+            </p:spPr>
+            <p:style>
+              <a:lnRef idx="2">
+                <a:schemeClr val="accent1"/>
+              </a:lnRef>
+              <a:fillRef idx="0">
+                <a:schemeClr val="accent1"/>
+              </a:fillRef>
+              <a:effectRef idx="1">
+                <a:schemeClr val="accent1"/>
+              </a:effectRef>
+              <a:fontRef idx="minor">
+                <a:schemeClr val="tx1"/>
+              </a:fontRef>
+            </p:style>
+          </p:cxnSp>
+        </p:grpSp>
+        <p:cxnSp>
+          <p:nvCxnSpPr>
+            <p:cNvPr id="34" name="직선 연결선 33">
+              <a:extLst>
+                <a:ext uri="{FF2B5EF4-FFF2-40B4-BE49-F238E27FC236}">
+                  <a16:creationId xmlns:a16="http://schemas.microsoft.com/office/drawing/2014/main" id="{83847CC2-FE3F-B684-79BB-6A1327F8D116}"/>
+                </a:ext>
+              </a:extLst>
+            </p:cNvPr>
+            <p:cNvCxnSpPr>
+              <a:cxnSpLocks/>
+            </p:cNvCxnSpPr>
+            <p:nvPr/>
+          </p:nvCxnSpPr>
+          <p:spPr>
+            <a:xfrm rot="2700000">
+              <a:off x="4850453" y="1796966"/>
+              <a:ext cx="0" cy="409074"/>
+            </a:xfrm>
+            <a:prstGeom prst="line">
+              <a:avLst/>
+            </a:prstGeom>
+            <a:ln w="28575">
+              <a:solidFill>
+                <a:schemeClr val="tx1"/>
+              </a:solidFill>
+            </a:ln>
+          </p:spPr>
+          <p:style>
+            <a:lnRef idx="2">
+              <a:schemeClr val="accent1"/>
+            </a:lnRef>
+            <a:fillRef idx="0">
+              <a:schemeClr val="accent1"/>
+            </a:fillRef>
+            <a:effectRef idx="1">
+              <a:schemeClr val="accent1"/>
+            </a:effectRef>
+            <a:fontRef idx="minor">
+              <a:schemeClr val="tx1"/>
+            </a:fontRef>
+          </p:style>
+        </p:cxnSp>
+        <p:cxnSp>
+          <p:nvCxnSpPr>
+            <p:cNvPr id="35" name="직선 연결선 34">
+              <a:extLst>
+                <a:ext uri="{FF2B5EF4-FFF2-40B4-BE49-F238E27FC236}">
+                  <a16:creationId xmlns:a16="http://schemas.microsoft.com/office/drawing/2014/main" id="{88174281-4D16-E904-CFEC-0AAA8165EC4E}"/>
+                </a:ext>
+              </a:extLst>
+            </p:cNvPr>
+            <p:cNvCxnSpPr>
+              <a:cxnSpLocks/>
+            </p:cNvCxnSpPr>
+            <p:nvPr/>
+          </p:nvCxnSpPr>
+          <p:spPr>
+            <a:xfrm rot="18900000">
+              <a:off x="5637018" y="1796968"/>
+              <a:ext cx="0" cy="409074"/>
+            </a:xfrm>
+            <a:prstGeom prst="line">
+              <a:avLst/>
+            </a:prstGeom>
+            <a:ln w="28575">
+              <a:solidFill>
+                <a:schemeClr val="tx1"/>
+              </a:solidFill>
+            </a:ln>
+          </p:spPr>
+          <p:style>
+            <a:lnRef idx="2">
+              <a:schemeClr val="accent1"/>
+            </a:lnRef>
+            <a:fillRef idx="0">
+              <a:schemeClr val="accent1"/>
+            </a:fillRef>
+            <a:effectRef idx="1">
+              <a:schemeClr val="accent1"/>
+            </a:effectRef>
+            <a:fontRef idx="minor">
+              <a:schemeClr val="tx1"/>
+            </a:fontRef>
+          </p:style>
+        </p:cxnSp>
+      </p:grpSp>
+      <p:cxnSp>
+        <p:nvCxnSpPr>
+          <p:cNvPr id="39" name="직선 연결선 38">
+            <a:extLst>
+              <a:ext uri="{FF2B5EF4-FFF2-40B4-BE49-F238E27FC236}">
+                <a16:creationId xmlns:a16="http://schemas.microsoft.com/office/drawing/2014/main" id="{D8B3C574-D4DC-CCBE-5F35-F994C2151576}"/>
+              </a:ext>
+            </a:extLst>
+          </p:cNvPr>
+          <p:cNvCxnSpPr>
+            <a:cxnSpLocks/>
+          </p:cNvCxnSpPr>
+          <p:nvPr/>
+        </p:nvCxnSpPr>
+        <p:spPr>
+          <a:xfrm flipH="1">
+            <a:off x="3914271" y="2852485"/>
+            <a:ext cx="527837" cy="1"/>
+          </a:xfrm>
+          <a:prstGeom prst="line">
+            <a:avLst/>
+          </a:prstGeom>
+          <a:ln w="28575">
+            <a:solidFill>
+              <a:schemeClr val="tx1"/>
+            </a:solidFill>
+          </a:ln>
+        </p:spPr>
+        <p:style>
+          <a:lnRef idx="2">
+            <a:schemeClr val="accent1"/>
+          </a:lnRef>
+          <a:fillRef idx="0">
+            <a:schemeClr val="accent1"/>
+          </a:fillRef>
+          <a:effectRef idx="1">
+            <a:schemeClr val="accent1"/>
+          </a:effectRef>
+          <a:fontRef idx="minor">
+            <a:schemeClr val="tx1"/>
+          </a:fontRef>
+        </p:style>
+      </p:cxnSp>
+      <p:cxnSp>
+        <p:nvCxnSpPr>
+          <p:cNvPr id="41" name="직선 연결선 40">
+            <a:extLst>
+              <a:ext uri="{FF2B5EF4-FFF2-40B4-BE49-F238E27FC236}">
+                <a16:creationId xmlns:a16="http://schemas.microsoft.com/office/drawing/2014/main" id="{2A7C66B6-4AAA-A5B9-46FA-D04ED43D5A7C}"/>
+              </a:ext>
+            </a:extLst>
+          </p:cNvPr>
+          <p:cNvCxnSpPr>
+            <a:cxnSpLocks/>
+          </p:cNvCxnSpPr>
+          <p:nvPr/>
+        </p:nvCxnSpPr>
+        <p:spPr>
+          <a:xfrm flipH="1">
+            <a:off x="4939414" y="2852485"/>
+            <a:ext cx="1315279" cy="1"/>
+          </a:xfrm>
+          <a:prstGeom prst="line">
+            <a:avLst/>
+          </a:prstGeom>
+          <a:ln w="28575">
+            <a:solidFill>
+              <a:schemeClr val="tx1"/>
+            </a:solidFill>
+          </a:ln>
+        </p:spPr>
+        <p:style>
+          <a:lnRef idx="2">
+            <a:schemeClr val="accent1"/>
+          </a:lnRef>
+          <a:fillRef idx="0">
+            <a:schemeClr val="accent1"/>
+          </a:fillRef>
+          <a:effectRef idx="1">
+            <a:schemeClr val="accent1"/>
+          </a:effectRef>
+          <a:fontRef idx="minor">
+            <a:schemeClr val="tx1"/>
+          </a:fontRef>
+        </p:style>
+      </p:cxnSp>
+      <p:cxnSp>
+        <p:nvCxnSpPr>
+          <p:cNvPr id="43" name="직선 연결선 42">
+            <a:extLst>
+              <a:ext uri="{FF2B5EF4-FFF2-40B4-BE49-F238E27FC236}">
+                <a16:creationId xmlns:a16="http://schemas.microsoft.com/office/drawing/2014/main" id="{17D0683F-988A-4C3C-9B96-9AB801E0BD67}"/>
+              </a:ext>
+            </a:extLst>
+          </p:cNvPr>
+          <p:cNvCxnSpPr>
+            <a:cxnSpLocks/>
+          </p:cNvCxnSpPr>
+          <p:nvPr/>
+        </p:nvCxnSpPr>
+        <p:spPr>
+          <a:xfrm flipH="1">
+            <a:off x="6751999" y="2852485"/>
+            <a:ext cx="579242" cy="0"/>
+          </a:xfrm>
+          <a:prstGeom prst="line">
+            <a:avLst/>
+          </a:prstGeom>
+          <a:ln w="28575">
+            <a:solidFill>
+              <a:schemeClr val="tx1"/>
+            </a:solidFill>
+          </a:ln>
+        </p:spPr>
+        <p:style>
+          <a:lnRef idx="2">
+            <a:schemeClr val="accent1"/>
+          </a:lnRef>
+          <a:fillRef idx="0">
+            <a:schemeClr val="accent1"/>
+          </a:fillRef>
+          <a:effectRef idx="1">
+            <a:schemeClr val="accent1"/>
+          </a:effectRef>
+          <a:fontRef idx="minor">
+            <a:schemeClr val="tx1"/>
+          </a:fontRef>
+        </p:style>
+      </p:cxnSp>
+      <p:cxnSp>
+        <p:nvCxnSpPr>
+          <p:cNvPr id="57" name="직선 화살표 연결선 56">
+            <a:extLst>
+              <a:ext uri="{FF2B5EF4-FFF2-40B4-BE49-F238E27FC236}">
+                <a16:creationId xmlns:a16="http://schemas.microsoft.com/office/drawing/2014/main" id="{1C1CEEB6-B1FA-0F18-9A34-0FA957A24906}"/>
+              </a:ext>
+            </a:extLst>
+          </p:cNvPr>
+          <p:cNvCxnSpPr>
+            <a:cxnSpLocks/>
+          </p:cNvCxnSpPr>
+          <p:nvPr/>
+        </p:nvCxnSpPr>
+        <p:spPr>
+          <a:xfrm>
+            <a:off x="6096000" y="1849855"/>
+            <a:ext cx="421771" cy="686210"/>
+          </a:xfrm>
+          <a:prstGeom prst="straightConnector1">
+            <a:avLst/>
+          </a:prstGeom>
+          <a:ln w="28575">
+            <a:solidFill>
+              <a:schemeClr val="tx1"/>
+            </a:solidFill>
+            <a:tailEnd type="triangle"/>
+          </a:ln>
+        </p:spPr>
+        <p:style>
+          <a:lnRef idx="2">
+            <a:schemeClr val="accent1"/>
+          </a:lnRef>
+          <a:fillRef idx="0">
+            <a:schemeClr val="accent1"/>
+          </a:fillRef>
+          <a:effectRef idx="1">
+            <a:schemeClr val="accent1"/>
+          </a:effectRef>
+          <a:fontRef idx="minor">
+            <a:schemeClr val="tx1"/>
+          </a:fontRef>
+        </p:style>
+      </p:cxnSp>
+      <p:cxnSp>
+        <p:nvCxnSpPr>
+          <p:cNvPr id="59" name="직선 화살표 연결선 58">
+            <a:extLst>
+              <a:ext uri="{FF2B5EF4-FFF2-40B4-BE49-F238E27FC236}">
+                <a16:creationId xmlns:a16="http://schemas.microsoft.com/office/drawing/2014/main" id="{27E76BE3-38A1-3B24-03BA-F260EF510F91}"/>
+              </a:ext>
+            </a:extLst>
+          </p:cNvPr>
+          <p:cNvCxnSpPr>
+            <a:cxnSpLocks/>
+          </p:cNvCxnSpPr>
+          <p:nvPr/>
+        </p:nvCxnSpPr>
+        <p:spPr>
+          <a:xfrm flipH="1">
+            <a:off x="4711698" y="1849855"/>
+            <a:ext cx="372346" cy="686210"/>
+          </a:xfrm>
+          <a:prstGeom prst="straightConnector1">
+            <a:avLst/>
+          </a:prstGeom>
+          <a:ln w="28575">
+            <a:solidFill>
+              <a:schemeClr val="tx1"/>
+            </a:solidFill>
+            <a:tailEnd type="triangle"/>
+          </a:ln>
+        </p:spPr>
+        <p:style>
+          <a:lnRef idx="2">
+            <a:schemeClr val="accent1"/>
+          </a:lnRef>
+          <a:fillRef idx="0">
+            <a:schemeClr val="accent1"/>
+          </a:fillRef>
+          <a:effectRef idx="1">
+            <a:schemeClr val="accent1"/>
+          </a:effectRef>
+          <a:fontRef idx="minor">
+            <a:schemeClr val="tx1"/>
+          </a:fontRef>
+        </p:style>
+      </p:cxnSp>
+      <p:cxnSp>
+        <p:nvCxnSpPr>
+          <p:cNvPr id="60" name="직선 화살표 연결선 59">
+            <a:extLst>
+              <a:ext uri="{FF2B5EF4-FFF2-40B4-BE49-F238E27FC236}">
+                <a16:creationId xmlns:a16="http://schemas.microsoft.com/office/drawing/2014/main" id="{0E88FDBD-28B2-1246-C491-5FD930E40659}"/>
+              </a:ext>
+            </a:extLst>
+          </p:cNvPr>
+          <p:cNvCxnSpPr>
+            <a:cxnSpLocks/>
+          </p:cNvCxnSpPr>
+          <p:nvPr/>
+        </p:nvCxnSpPr>
+        <p:spPr>
+          <a:xfrm>
+            <a:off x="5626761" y="5000209"/>
+            <a:ext cx="0" cy="373308"/>
+          </a:xfrm>
+          <a:prstGeom prst="straightConnector1">
+            <a:avLst/>
+          </a:prstGeom>
+          <a:ln w="28575">
+            <a:solidFill>
+              <a:schemeClr val="tx1"/>
+            </a:solidFill>
+            <a:tailEnd type="triangle"/>
+          </a:ln>
+        </p:spPr>
+        <p:style>
+          <a:lnRef idx="2">
+            <a:schemeClr val="accent1"/>
+          </a:lnRef>
+          <a:fillRef idx="0">
+            <a:schemeClr val="accent1"/>
+          </a:fillRef>
+          <a:effectRef idx="1">
+            <a:schemeClr val="accent1"/>
+          </a:effectRef>
+          <a:fontRef idx="minor">
+            <a:schemeClr val="tx1"/>
+          </a:fontRef>
+        </p:style>
+      </p:cxnSp>
+      <p:sp>
+        <p:nvSpPr>
+          <p:cNvPr id="61" name="TextBox 60">
+            <a:extLst>
+              <a:ext uri="{FF2B5EF4-FFF2-40B4-BE49-F238E27FC236}">
+                <a16:creationId xmlns:a16="http://schemas.microsoft.com/office/drawing/2014/main" id="{84BA4592-CB34-FD97-A7A4-344DA2D4628D}"/>
+              </a:ext>
+            </a:extLst>
+          </p:cNvPr>
+          <p:cNvSpPr txBox="1"/>
+          <p:nvPr/>
+        </p:nvSpPr>
+        <p:spPr>
+          <a:xfrm>
+            <a:off x="5448401" y="5433723"/>
+            <a:ext cx="333746" cy="461665"/>
+          </a:xfrm>
+          <a:prstGeom prst="rect">
+            <a:avLst/>
+          </a:prstGeom>
+          <a:noFill/>
+        </p:spPr>
+        <p:txBody>
+          <a:bodyPr wrap="none" rtlCol="0">
+            <a:spAutoFit/>
+          </a:bodyPr>
+          <a:lstStyle/>
+          <a:p>
+            <a:r>
+              <a:rPr lang="en-US" altLang="ko-KR" sz="2400" b="1" dirty="0"/>
+              <a:t>z</a:t>
+            </a:r>
+            <a:endParaRPr lang="ko-KR" altLang="en-US" sz="2400" b="1" dirty="0"/>
+          </a:p>
+        </p:txBody>
+      </p:sp>
+      <p:sp>
+        <p:nvSpPr>
+          <p:cNvPr id="3" name="TextBox 2">
+            <a:extLst>
+              <a:ext uri="{FF2B5EF4-FFF2-40B4-BE49-F238E27FC236}">
+                <a16:creationId xmlns:a16="http://schemas.microsoft.com/office/drawing/2014/main" id="{1C2339D6-6693-DCF3-D876-64554DE162AD}"/>
+              </a:ext>
+            </a:extLst>
+          </p:cNvPr>
+          <p:cNvSpPr txBox="1"/>
+          <p:nvPr/>
+        </p:nvSpPr>
+        <p:spPr>
+          <a:xfrm>
+            <a:off x="5241441" y="1242019"/>
+            <a:ext cx="742511" cy="369332"/>
+          </a:xfrm>
+          <a:prstGeom prst="rect">
+            <a:avLst/>
+          </a:prstGeom>
+          <a:noFill/>
+        </p:spPr>
+        <p:txBody>
+          <a:bodyPr wrap="none" rtlCol="0">
+            <a:spAutoFit/>
+          </a:bodyPr>
+          <a:lstStyle/>
+          <a:p>
+            <a:r>
+              <a:rPr lang="en-US" altLang="ko-KR" b="1" dirty="0"/>
+              <a:t>(x, y)</a:t>
+            </a:r>
+            <a:endParaRPr lang="ko-KR" altLang="en-US" b="1" dirty="0"/>
+          </a:p>
+        </p:txBody>
+      </p:sp>
+      <p:sp>
+        <p:nvSpPr>
+          <p:cNvPr id="6" name="TextBox 5">
+            <a:extLst>
+              <a:ext uri="{FF2B5EF4-FFF2-40B4-BE49-F238E27FC236}">
+                <a16:creationId xmlns:a16="http://schemas.microsoft.com/office/drawing/2014/main" id="{BC70D170-EABA-FFDA-F254-013DBAA3624F}"/>
+              </a:ext>
+            </a:extLst>
+          </p:cNvPr>
+          <p:cNvSpPr txBox="1"/>
+          <p:nvPr/>
+        </p:nvSpPr>
+        <p:spPr>
+          <a:xfrm>
+            <a:off x="5173312" y="6158715"/>
+            <a:ext cx="878767" cy="369332"/>
+          </a:xfrm>
+          <a:prstGeom prst="rect">
+            <a:avLst/>
+          </a:prstGeom>
+          <a:noFill/>
+        </p:spPr>
+        <p:txBody>
+          <a:bodyPr wrap="none" rtlCol="0">
+            <a:spAutoFit/>
+          </a:bodyPr>
+          <a:lstStyle/>
+          <a:p>
+            <a:r>
+              <a:rPr lang="ko-KR" altLang="en-US" b="1" dirty="0"/>
+              <a:t>공역 </a:t>
+            </a:r>
+            <a:r>
+              <a:rPr lang="en-US" altLang="ko-KR" b="1" dirty="0"/>
+              <a:t>R</a:t>
+            </a:r>
+            <a:endParaRPr lang="ko-KR" altLang="en-US" b="1" dirty="0"/>
+          </a:p>
+        </p:txBody>
+      </p:sp>
+      <mc:AlternateContent xmlns:mc="http://schemas.openxmlformats.org/markup-compatibility/2006">
+        <mc:Choice xmlns:a14="http://schemas.microsoft.com/office/drawing/2010/main" Requires="a14">
+          <p:sp>
+            <p:nvSpPr>
+              <p:cNvPr id="14" name="TextBox 13">
+                <a:extLst>
+                  <a:ext uri="{FF2B5EF4-FFF2-40B4-BE49-F238E27FC236}">
+                    <a16:creationId xmlns:a16="http://schemas.microsoft.com/office/drawing/2014/main" id="{92BF140D-60CE-E4C2-EA8D-62594C99E425}"/>
+                  </a:ext>
+                </a:extLst>
+              </p:cNvPr>
+              <p:cNvSpPr txBox="1"/>
+              <p:nvPr/>
+            </p:nvSpPr>
+            <p:spPr>
+              <a:xfrm>
+                <a:off x="4911395" y="350341"/>
+                <a:ext cx="1425390" cy="369332"/>
+              </a:xfrm>
+              <a:prstGeom prst="rect">
+                <a:avLst/>
+              </a:prstGeom>
+              <a:noFill/>
+            </p:spPr>
+            <p:txBody>
+              <a:bodyPr wrap="none" rtlCol="0">
+                <a:spAutoFit/>
+              </a:bodyPr>
+              <a:lstStyle/>
+              <a:p>
+                <a:r>
+                  <a:rPr lang="ko-KR" altLang="en-US" b="1" dirty="0" err="1"/>
+                  <a:t>정의역</a:t>
+                </a:r>
+                <a:r>
+                  <a:rPr lang="ko-KR" altLang="en-US" b="1" dirty="0"/>
+                  <a:t> </a:t>
+                </a:r>
+                <a:r>
+                  <a:rPr lang="en-US" altLang="ko-KR" b="1" dirty="0"/>
+                  <a:t>R</a:t>
+                </a:r>
+                <a14:m>
+                  <m:oMath xmlns:m="http://schemas.openxmlformats.org/officeDocument/2006/math">
+                    <m:r>
+                      <a:rPr lang="en-US" altLang="ko-KR" b="1" i="1" smtClean="0">
+                        <a:latin typeface="Cambria Math" panose="02040503050406030204" pitchFamily="18" charset="0"/>
+                        <a:ea typeface="Cambria Math" panose="02040503050406030204" pitchFamily="18" charset="0"/>
+                      </a:rPr>
+                      <m:t>×</m:t>
+                    </m:r>
+                  </m:oMath>
+                </a14:m>
+                <a:r>
+                  <a:rPr lang="en-US" altLang="ko-KR" b="1" dirty="0"/>
+                  <a:t>R</a:t>
+                </a:r>
+                <a:endParaRPr lang="ko-KR" altLang="en-US" b="1" dirty="0"/>
+              </a:p>
+            </p:txBody>
+          </p:sp>
+        </mc:Choice>
+        <mc:Fallback>
+          <p:sp>
+            <p:nvSpPr>
+              <p:cNvPr id="14" name="TextBox 13">
+                <a:extLst>
+                  <a:ext uri="{FF2B5EF4-FFF2-40B4-BE49-F238E27FC236}">
+                    <a16:creationId xmlns:a16="http://schemas.microsoft.com/office/drawing/2014/main" id="{92BF140D-60CE-E4C2-EA8D-62594C99E425}"/>
+                  </a:ext>
+                </a:extLst>
+              </p:cNvPr>
+              <p:cNvSpPr txBox="1">
+                <a:spLocks noRot="1" noChangeAspect="1" noMove="1" noResize="1" noEditPoints="1" noAdjustHandles="1" noChangeArrowheads="1" noChangeShapeType="1" noTextEdit="1"/>
+              </p:cNvSpPr>
+              <p:nvPr/>
+            </p:nvSpPr>
+            <p:spPr>
+              <a:xfrm>
+                <a:off x="4911395" y="350341"/>
+                <a:ext cx="1425390" cy="369332"/>
+              </a:xfrm>
+              <a:prstGeom prst="rect">
+                <a:avLst/>
+              </a:prstGeom>
+              <a:blipFill>
+                <a:blip r:embed="rId2"/>
+                <a:stretch>
+                  <a:fillRect l="-3863" t="-8197" r="-3433" b="-24590"/>
+                </a:stretch>
+              </a:blipFill>
+            </p:spPr>
+            <p:txBody>
+              <a:bodyPr/>
+              <a:lstStyle/>
+              <a:p>
+                <a:r>
+                  <a:rPr lang="ko-KR" altLang="en-US">
+                    <a:noFill/>
+                  </a:rPr>
+                  <a:t> </a:t>
+                </a:r>
+              </a:p>
+            </p:txBody>
+          </p:sp>
+        </mc:Fallback>
+      </mc:AlternateContent>
+    </p:spTree>
+    <p:extLst>
+      <p:ext uri="{BB962C8B-B14F-4D97-AF65-F5344CB8AC3E}">
+        <p14:creationId xmlns:p14="http://schemas.microsoft.com/office/powerpoint/2010/main" val="799387067"/>
+      </p:ext>
+    </p:extLst>
+  </p:cSld>
+  <p:clrMapOvr>
+    <a:masterClrMapping/>
+  </p:clrMapOvr>
+</p:sld>
+</file>
+
+<file path=ppt/slides/slide33.xml><?xml version="1.0" encoding="utf-8"?>
+<p:sld xmlns:a="http://schemas.openxmlformats.org/drawingml/2006/main" xmlns:r="http://schemas.openxmlformats.org/officeDocument/2006/relationships" xmlns:p="http://schemas.openxmlformats.org/presentationml/2006/main">
+  <p:cSld>
+    <p:spTree>
+      <p:nvGrpSpPr>
+        <p:cNvPr id="1" name="">
+          <a:extLst>
+            <a:ext uri="{FF2B5EF4-FFF2-40B4-BE49-F238E27FC236}">
+              <a16:creationId xmlns:a16="http://schemas.microsoft.com/office/drawing/2014/main" id="{305C16AF-A0FA-AF19-6627-212DCE78F068}"/>
+            </a:ext>
+          </a:extLst>
+        </p:cNvPr>
+        <p:cNvGrpSpPr/>
+        <p:nvPr/>
+      </p:nvGrpSpPr>
+      <p:grpSpPr>
+        <a:xfrm>
+          <a:off x="0" y="0"/>
+          <a:ext cx="0" cy="0"/>
+          <a:chOff x="0" y="0"/>
+          <a:chExt cx="0" cy="0"/>
+        </a:xfrm>
+      </p:grpSpPr>
+      <p:sp>
+        <p:nvSpPr>
+          <p:cNvPr id="154" name="직사각형 153">
+            <a:extLst>
+              <a:ext uri="{FF2B5EF4-FFF2-40B4-BE49-F238E27FC236}">
+                <a16:creationId xmlns:a16="http://schemas.microsoft.com/office/drawing/2014/main" id="{0AFB1FAF-711A-E960-D77F-8B4562A1285F}"/>
+              </a:ext>
+            </a:extLst>
+          </p:cNvPr>
+          <p:cNvSpPr/>
+          <p:nvPr/>
+        </p:nvSpPr>
+        <p:spPr>
+          <a:xfrm>
+            <a:off x="1885950" y="-882315"/>
+            <a:ext cx="8801100" cy="9015660"/>
+          </a:xfrm>
+          <a:prstGeom prst="rect">
+            <a:avLst/>
+          </a:prstGeom>
+          <a:solidFill>
+            <a:schemeClr val="bg1"/>
+          </a:solidFill>
+          <a:ln>
+            <a:noFill/>
+          </a:ln>
+        </p:spPr>
+        <p:style>
+          <a:lnRef idx="2">
+            <a:schemeClr val="accent1">
+              <a:shade val="15000"/>
+            </a:schemeClr>
+          </a:lnRef>
+          <a:fillRef idx="1">
+            <a:schemeClr val="accent1"/>
+          </a:fillRef>
+          <a:effectRef idx="0">
+            <a:schemeClr val="accent1"/>
+          </a:effectRef>
+          <a:fontRef idx="minor">
+            <a:schemeClr val="lt1"/>
+          </a:fontRef>
+        </p:style>
+        <p:txBody>
+          <a:bodyPr rtlCol="0" anchor="ctr"/>
+          <a:lstStyle/>
+          <a:p>
+            <a:pPr algn="ctr"/>
+            <a:endParaRPr lang="ko-KR" altLang="en-US"/>
+          </a:p>
+        </p:txBody>
+      </p:sp>
+      <p:grpSp>
+        <p:nvGrpSpPr>
+          <p:cNvPr id="87" name="그룹 86">
+            <a:extLst>
+              <a:ext uri="{FF2B5EF4-FFF2-40B4-BE49-F238E27FC236}">
+                <a16:creationId xmlns:a16="http://schemas.microsoft.com/office/drawing/2014/main" id="{66EC656B-A4A8-36F9-F775-A1A742098807}"/>
+              </a:ext>
+            </a:extLst>
+          </p:cNvPr>
+          <p:cNvGrpSpPr/>
+          <p:nvPr/>
+        </p:nvGrpSpPr>
+        <p:grpSpPr>
+          <a:xfrm>
+            <a:off x="2366913" y="3584182"/>
+            <a:ext cx="7700210" cy="0"/>
+            <a:chOff x="2374232" y="3441032"/>
+            <a:chExt cx="7700210" cy="0"/>
+          </a:xfrm>
+        </p:grpSpPr>
+        <p:cxnSp>
+          <p:nvCxnSpPr>
+            <p:cNvPr id="9" name="직선 화살표 연결선 8">
+              <a:extLst>
+                <a:ext uri="{FF2B5EF4-FFF2-40B4-BE49-F238E27FC236}">
+                  <a16:creationId xmlns:a16="http://schemas.microsoft.com/office/drawing/2014/main" id="{BF1BF397-81EA-E2AD-14C4-E482A6A26081}"/>
+                </a:ext>
+              </a:extLst>
+            </p:cNvPr>
+            <p:cNvCxnSpPr/>
+            <p:nvPr/>
+          </p:nvCxnSpPr>
+          <p:spPr>
+            <a:xfrm>
+              <a:off x="6224337" y="3441032"/>
+              <a:ext cx="3850105" cy="0"/>
+            </a:xfrm>
+            <a:prstGeom prst="straightConnector1">
+              <a:avLst/>
+            </a:prstGeom>
+            <a:ln w="38100">
+              <a:solidFill>
+                <a:schemeClr val="accent2">
+                  <a:lumMod val="60000"/>
+                  <a:lumOff val="40000"/>
+                </a:schemeClr>
+              </a:solidFill>
+              <a:tailEnd type="triangle"/>
+            </a:ln>
+          </p:spPr>
+          <p:style>
+            <a:lnRef idx="2">
+              <a:schemeClr val="accent1"/>
+            </a:lnRef>
+            <a:fillRef idx="0">
+              <a:schemeClr val="accent1"/>
+            </a:fillRef>
+            <a:effectRef idx="1">
+              <a:schemeClr val="accent1"/>
+            </a:effectRef>
+            <a:fontRef idx="minor">
+              <a:schemeClr val="tx1"/>
+            </a:fontRef>
+          </p:style>
+        </p:cxnSp>
+        <p:cxnSp>
+          <p:nvCxnSpPr>
+            <p:cNvPr id="86" name="직선 화살표 연결선 85">
+              <a:extLst>
+                <a:ext uri="{FF2B5EF4-FFF2-40B4-BE49-F238E27FC236}">
+                  <a16:creationId xmlns:a16="http://schemas.microsoft.com/office/drawing/2014/main" id="{4B670E1A-F130-D8D2-3F9B-C6E88C78AF9D}"/>
+                </a:ext>
+              </a:extLst>
+            </p:cNvPr>
+            <p:cNvCxnSpPr>
+              <a:cxnSpLocks/>
+            </p:cNvCxnSpPr>
+            <p:nvPr/>
+          </p:nvCxnSpPr>
+          <p:spPr>
+            <a:xfrm rot="10800000">
+              <a:off x="2374232" y="3441032"/>
+              <a:ext cx="3850105" cy="0"/>
+            </a:xfrm>
+            <a:prstGeom prst="straightConnector1">
+              <a:avLst/>
+            </a:prstGeom>
+            <a:ln w="38100">
+              <a:solidFill>
+                <a:schemeClr val="accent2">
+                  <a:lumMod val="60000"/>
+                  <a:lumOff val="40000"/>
+                </a:schemeClr>
+              </a:solidFill>
+              <a:tailEnd type="triangle"/>
+            </a:ln>
+          </p:spPr>
+          <p:style>
+            <a:lnRef idx="2">
+              <a:schemeClr val="accent1"/>
+            </a:lnRef>
+            <a:fillRef idx="0">
+              <a:schemeClr val="accent1"/>
+            </a:fillRef>
+            <a:effectRef idx="1">
+              <a:schemeClr val="accent1"/>
+            </a:effectRef>
+            <a:fontRef idx="minor">
+              <a:schemeClr val="tx1"/>
+            </a:fontRef>
+          </p:style>
+        </p:cxnSp>
+      </p:grpSp>
+      <p:cxnSp>
+        <p:nvCxnSpPr>
+          <p:cNvPr id="92" name="직선 연결선 91">
+            <a:extLst>
+              <a:ext uri="{FF2B5EF4-FFF2-40B4-BE49-F238E27FC236}">
+                <a16:creationId xmlns:a16="http://schemas.microsoft.com/office/drawing/2014/main" id="{818B0567-19C9-C6F9-BA99-9345578B09E1}"/>
+              </a:ext>
+            </a:extLst>
+          </p:cNvPr>
+          <p:cNvCxnSpPr>
+            <a:cxnSpLocks/>
+          </p:cNvCxnSpPr>
+          <p:nvPr/>
+        </p:nvCxnSpPr>
+        <p:spPr>
+          <a:xfrm flipV="1">
+            <a:off x="7921993" y="3584182"/>
+            <a:ext cx="0" cy="208547"/>
+          </a:xfrm>
+          <a:prstGeom prst="line">
+            <a:avLst/>
+          </a:prstGeom>
+          <a:ln w="38100">
+            <a:solidFill>
+              <a:schemeClr val="tx1"/>
+            </a:solidFill>
+          </a:ln>
+        </p:spPr>
+        <p:style>
+          <a:lnRef idx="2">
+            <a:schemeClr val="accent1"/>
+          </a:lnRef>
+          <a:fillRef idx="0">
+            <a:schemeClr val="accent1"/>
+          </a:fillRef>
+          <a:effectRef idx="1">
+            <a:schemeClr val="accent1"/>
+          </a:effectRef>
+          <a:fontRef idx="minor">
+            <a:schemeClr val="tx1"/>
+          </a:fontRef>
+        </p:style>
+      </p:cxnSp>
+      <p:cxnSp>
+        <p:nvCxnSpPr>
+          <p:cNvPr id="94" name="직선 연결선 93">
+            <a:extLst>
+              <a:ext uri="{FF2B5EF4-FFF2-40B4-BE49-F238E27FC236}">
+                <a16:creationId xmlns:a16="http://schemas.microsoft.com/office/drawing/2014/main" id="{375DE57E-CE36-9452-C26F-6D90BD648A4D}"/>
+              </a:ext>
+            </a:extLst>
+          </p:cNvPr>
+          <p:cNvCxnSpPr>
+            <a:cxnSpLocks/>
+          </p:cNvCxnSpPr>
+          <p:nvPr/>
+        </p:nvCxnSpPr>
+        <p:spPr>
+          <a:xfrm flipV="1">
+            <a:off x="7071093" y="3584182"/>
+            <a:ext cx="0" cy="208547"/>
+          </a:xfrm>
+          <a:prstGeom prst="line">
+            <a:avLst/>
+          </a:prstGeom>
+          <a:ln w="38100">
+            <a:solidFill>
+              <a:schemeClr val="tx1"/>
+            </a:solidFill>
+          </a:ln>
+        </p:spPr>
+        <p:style>
+          <a:lnRef idx="2">
+            <a:schemeClr val="accent1"/>
+          </a:lnRef>
+          <a:fillRef idx="0">
+            <a:schemeClr val="accent1"/>
+          </a:fillRef>
+          <a:effectRef idx="1">
+            <a:schemeClr val="accent1"/>
+          </a:effectRef>
+          <a:fontRef idx="minor">
+            <a:schemeClr val="tx1"/>
+          </a:fontRef>
+        </p:style>
+      </p:cxnSp>
+      <p:cxnSp>
+        <p:nvCxnSpPr>
+          <p:cNvPr id="96" name="직선 연결선 95">
+            <a:extLst>
+              <a:ext uri="{FF2B5EF4-FFF2-40B4-BE49-F238E27FC236}">
+                <a16:creationId xmlns:a16="http://schemas.microsoft.com/office/drawing/2014/main" id="{E67EA19C-1A10-5006-13B7-839FDF1C5D2D}"/>
+              </a:ext>
+            </a:extLst>
+          </p:cNvPr>
+          <p:cNvCxnSpPr>
+            <a:cxnSpLocks/>
+          </p:cNvCxnSpPr>
+          <p:nvPr/>
+        </p:nvCxnSpPr>
+        <p:spPr>
+          <a:xfrm flipV="1">
+            <a:off x="7921993" y="3584182"/>
+            <a:ext cx="0" cy="208547"/>
+          </a:xfrm>
+          <a:prstGeom prst="line">
+            <a:avLst/>
+          </a:prstGeom>
+          <a:ln w="38100">
+            <a:solidFill>
+              <a:schemeClr val="tx1"/>
+            </a:solidFill>
+          </a:ln>
+        </p:spPr>
+        <p:style>
+          <a:lnRef idx="2">
+            <a:schemeClr val="accent1"/>
+          </a:lnRef>
+          <a:fillRef idx="0">
+            <a:schemeClr val="accent1"/>
+          </a:fillRef>
+          <a:effectRef idx="1">
+            <a:schemeClr val="accent1"/>
+          </a:effectRef>
+          <a:fontRef idx="minor">
+            <a:schemeClr val="tx1"/>
+          </a:fontRef>
+        </p:style>
+      </p:cxnSp>
+      <p:cxnSp>
+        <p:nvCxnSpPr>
+          <p:cNvPr id="97" name="직선 연결선 96">
+            <a:extLst>
+              <a:ext uri="{FF2B5EF4-FFF2-40B4-BE49-F238E27FC236}">
+                <a16:creationId xmlns:a16="http://schemas.microsoft.com/office/drawing/2014/main" id="{C01E544F-A5E3-52B8-091F-6A29DD08E6FB}"/>
+              </a:ext>
+            </a:extLst>
+          </p:cNvPr>
+          <p:cNvCxnSpPr>
+            <a:cxnSpLocks/>
+          </p:cNvCxnSpPr>
+          <p:nvPr/>
+        </p:nvCxnSpPr>
+        <p:spPr>
+          <a:xfrm flipV="1">
+            <a:off x="9623793" y="3584182"/>
+            <a:ext cx="0" cy="208547"/>
+          </a:xfrm>
+          <a:prstGeom prst="line">
+            <a:avLst/>
+          </a:prstGeom>
+          <a:ln w="38100">
+            <a:solidFill>
+              <a:schemeClr val="tx1"/>
+            </a:solidFill>
+          </a:ln>
+        </p:spPr>
+        <p:style>
+          <a:lnRef idx="2">
+            <a:schemeClr val="accent1"/>
+          </a:lnRef>
+          <a:fillRef idx="0">
+            <a:schemeClr val="accent1"/>
+          </a:fillRef>
+          <a:effectRef idx="1">
+            <a:schemeClr val="accent1"/>
+          </a:effectRef>
+          <a:fontRef idx="minor">
+            <a:schemeClr val="tx1"/>
+          </a:fontRef>
+        </p:style>
+      </p:cxnSp>
+      <p:cxnSp>
+        <p:nvCxnSpPr>
+          <p:cNvPr id="98" name="직선 연결선 97">
+            <a:extLst>
+              <a:ext uri="{FF2B5EF4-FFF2-40B4-BE49-F238E27FC236}">
+                <a16:creationId xmlns:a16="http://schemas.microsoft.com/office/drawing/2014/main" id="{0FA07DB5-6208-B52F-62A5-2A5BC6D3AB0E}"/>
+              </a:ext>
+            </a:extLst>
+          </p:cNvPr>
+          <p:cNvCxnSpPr>
+            <a:cxnSpLocks/>
+          </p:cNvCxnSpPr>
+          <p:nvPr/>
+        </p:nvCxnSpPr>
+        <p:spPr>
+          <a:xfrm flipV="1">
+            <a:off x="8772893" y="3584182"/>
+            <a:ext cx="0" cy="208547"/>
+          </a:xfrm>
+          <a:prstGeom prst="line">
+            <a:avLst/>
+          </a:prstGeom>
+          <a:ln w="38100">
+            <a:solidFill>
+              <a:schemeClr val="tx1"/>
+            </a:solidFill>
+          </a:ln>
+        </p:spPr>
+        <p:style>
+          <a:lnRef idx="2">
+            <a:schemeClr val="accent1"/>
+          </a:lnRef>
+          <a:fillRef idx="0">
+            <a:schemeClr val="accent1"/>
+          </a:fillRef>
+          <a:effectRef idx="1">
+            <a:schemeClr val="accent1"/>
+          </a:effectRef>
+          <a:fontRef idx="minor">
+            <a:schemeClr val="tx1"/>
+          </a:fontRef>
+        </p:style>
+      </p:cxnSp>
+      <p:cxnSp>
+        <p:nvCxnSpPr>
+          <p:cNvPr id="131" name="직선 연결선 130">
+            <a:extLst>
+              <a:ext uri="{FF2B5EF4-FFF2-40B4-BE49-F238E27FC236}">
+                <a16:creationId xmlns:a16="http://schemas.microsoft.com/office/drawing/2014/main" id="{03C61984-55FE-5A4C-CC49-74A7EE2C6B64}"/>
+              </a:ext>
+            </a:extLst>
+          </p:cNvPr>
+          <p:cNvCxnSpPr>
+            <a:cxnSpLocks/>
+          </p:cNvCxnSpPr>
+          <p:nvPr/>
+        </p:nvCxnSpPr>
+        <p:spPr>
+          <a:xfrm flipV="1">
+            <a:off x="2810243" y="3584182"/>
+            <a:ext cx="0" cy="208547"/>
+          </a:xfrm>
+          <a:prstGeom prst="line">
+            <a:avLst/>
+          </a:prstGeom>
+          <a:ln w="38100">
+            <a:solidFill>
+              <a:schemeClr val="tx1"/>
+            </a:solidFill>
+          </a:ln>
+        </p:spPr>
+        <p:style>
+          <a:lnRef idx="2">
+            <a:schemeClr val="accent1"/>
+          </a:lnRef>
+          <a:fillRef idx="0">
+            <a:schemeClr val="accent1"/>
+          </a:fillRef>
+          <a:effectRef idx="1">
+            <a:schemeClr val="accent1"/>
+          </a:effectRef>
+          <a:fontRef idx="minor">
+            <a:schemeClr val="tx1"/>
+          </a:fontRef>
+        </p:style>
+      </p:cxnSp>
+      <p:cxnSp>
+        <p:nvCxnSpPr>
+          <p:cNvPr id="132" name="직선 연결선 131">
+            <a:extLst>
+              <a:ext uri="{FF2B5EF4-FFF2-40B4-BE49-F238E27FC236}">
+                <a16:creationId xmlns:a16="http://schemas.microsoft.com/office/drawing/2014/main" id="{33F7E069-2825-E366-E93E-38748672D1CA}"/>
+              </a:ext>
+            </a:extLst>
+          </p:cNvPr>
+          <p:cNvCxnSpPr>
+            <a:cxnSpLocks/>
+          </p:cNvCxnSpPr>
+          <p:nvPr/>
+        </p:nvCxnSpPr>
+        <p:spPr>
+          <a:xfrm flipV="1">
+            <a:off x="4512043" y="3584182"/>
+            <a:ext cx="0" cy="208547"/>
+          </a:xfrm>
+          <a:prstGeom prst="line">
+            <a:avLst/>
+          </a:prstGeom>
+          <a:ln w="38100">
+            <a:solidFill>
+              <a:schemeClr val="tx1"/>
+            </a:solidFill>
+          </a:ln>
+        </p:spPr>
+        <p:style>
+          <a:lnRef idx="2">
+            <a:schemeClr val="accent1"/>
+          </a:lnRef>
+          <a:fillRef idx="0">
+            <a:schemeClr val="accent1"/>
+          </a:fillRef>
+          <a:effectRef idx="1">
+            <a:schemeClr val="accent1"/>
+          </a:effectRef>
+          <a:fontRef idx="minor">
+            <a:schemeClr val="tx1"/>
+          </a:fontRef>
+        </p:style>
+      </p:cxnSp>
+      <p:cxnSp>
+        <p:nvCxnSpPr>
+          <p:cNvPr id="133" name="직선 연결선 132">
+            <a:extLst>
+              <a:ext uri="{FF2B5EF4-FFF2-40B4-BE49-F238E27FC236}">
+                <a16:creationId xmlns:a16="http://schemas.microsoft.com/office/drawing/2014/main" id="{9A65B89A-C1A4-3149-E247-5E0016A1B037}"/>
+              </a:ext>
+            </a:extLst>
+          </p:cNvPr>
+          <p:cNvCxnSpPr>
+            <a:cxnSpLocks/>
+          </p:cNvCxnSpPr>
+          <p:nvPr/>
+        </p:nvCxnSpPr>
+        <p:spPr>
+          <a:xfrm flipV="1">
+            <a:off x="3661143" y="3584182"/>
+            <a:ext cx="0" cy="208547"/>
+          </a:xfrm>
+          <a:prstGeom prst="line">
+            <a:avLst/>
+          </a:prstGeom>
+          <a:ln w="38100">
+            <a:solidFill>
+              <a:schemeClr val="tx1"/>
+            </a:solidFill>
+          </a:ln>
+        </p:spPr>
+        <p:style>
+          <a:lnRef idx="2">
+            <a:schemeClr val="accent1"/>
+          </a:lnRef>
+          <a:fillRef idx="0">
+            <a:schemeClr val="accent1"/>
+          </a:fillRef>
+          <a:effectRef idx="1">
+            <a:schemeClr val="accent1"/>
+          </a:effectRef>
+          <a:fontRef idx="minor">
+            <a:schemeClr val="tx1"/>
+          </a:fontRef>
+        </p:style>
+      </p:cxnSp>
+      <p:cxnSp>
+        <p:nvCxnSpPr>
+          <p:cNvPr id="134" name="직선 연결선 133">
+            <a:extLst>
+              <a:ext uri="{FF2B5EF4-FFF2-40B4-BE49-F238E27FC236}">
+                <a16:creationId xmlns:a16="http://schemas.microsoft.com/office/drawing/2014/main" id="{EFE8A5CA-A36D-1DDB-4516-9B9AB0EBA8F3}"/>
+              </a:ext>
+            </a:extLst>
+          </p:cNvPr>
+          <p:cNvCxnSpPr>
+            <a:cxnSpLocks/>
+          </p:cNvCxnSpPr>
+          <p:nvPr/>
+        </p:nvCxnSpPr>
+        <p:spPr>
+          <a:xfrm flipV="1">
+            <a:off x="4512043" y="3584182"/>
+            <a:ext cx="0" cy="208547"/>
+          </a:xfrm>
+          <a:prstGeom prst="line">
+            <a:avLst/>
+          </a:prstGeom>
+          <a:ln w="38100">
+            <a:solidFill>
+              <a:schemeClr val="tx1"/>
+            </a:solidFill>
+          </a:ln>
+        </p:spPr>
+        <p:style>
+          <a:lnRef idx="2">
+            <a:schemeClr val="accent1"/>
+          </a:lnRef>
+          <a:fillRef idx="0">
+            <a:schemeClr val="accent1"/>
+          </a:fillRef>
+          <a:effectRef idx="1">
+            <a:schemeClr val="accent1"/>
+          </a:effectRef>
+          <a:fontRef idx="minor">
+            <a:schemeClr val="tx1"/>
+          </a:fontRef>
+        </p:style>
+      </p:cxnSp>
+      <p:cxnSp>
+        <p:nvCxnSpPr>
+          <p:cNvPr id="136" name="직선 연결선 135">
+            <a:extLst>
+              <a:ext uri="{FF2B5EF4-FFF2-40B4-BE49-F238E27FC236}">
+                <a16:creationId xmlns:a16="http://schemas.microsoft.com/office/drawing/2014/main" id="{1AF91B63-1AA7-1D37-B056-47F9460D7DE6}"/>
+              </a:ext>
+            </a:extLst>
+          </p:cNvPr>
+          <p:cNvCxnSpPr>
+            <a:cxnSpLocks/>
+          </p:cNvCxnSpPr>
+          <p:nvPr/>
+        </p:nvCxnSpPr>
+        <p:spPr>
+          <a:xfrm flipV="1">
+            <a:off x="5362943" y="3584182"/>
+            <a:ext cx="0" cy="208547"/>
+          </a:xfrm>
+          <a:prstGeom prst="line">
+            <a:avLst/>
+          </a:prstGeom>
+          <a:ln w="38100">
+            <a:solidFill>
+              <a:schemeClr val="tx1"/>
+            </a:solidFill>
+          </a:ln>
+        </p:spPr>
+        <p:style>
+          <a:lnRef idx="2">
+            <a:schemeClr val="accent1"/>
+          </a:lnRef>
+          <a:fillRef idx="0">
+            <a:schemeClr val="accent1"/>
+          </a:fillRef>
+          <a:effectRef idx="1">
+            <a:schemeClr val="accent1"/>
+          </a:effectRef>
+          <a:fontRef idx="minor">
+            <a:schemeClr val="tx1"/>
+          </a:fontRef>
+        </p:style>
+      </p:cxnSp>
+      <p:sp>
+        <p:nvSpPr>
+          <p:cNvPr id="138" name="TextBox 137">
+            <a:extLst>
+              <a:ext uri="{FF2B5EF4-FFF2-40B4-BE49-F238E27FC236}">
+                <a16:creationId xmlns:a16="http://schemas.microsoft.com/office/drawing/2014/main" id="{3F80EEF1-A58B-91A5-DBF6-E816B61AF07F}"/>
+              </a:ext>
+            </a:extLst>
+          </p:cNvPr>
+          <p:cNvSpPr txBox="1"/>
+          <p:nvPr/>
+        </p:nvSpPr>
+        <p:spPr>
+          <a:xfrm>
+            <a:off x="10113098" y="3329285"/>
+            <a:ext cx="405880" cy="461665"/>
+          </a:xfrm>
+          <a:prstGeom prst="rect">
+            <a:avLst/>
+          </a:prstGeom>
+          <a:noFill/>
+        </p:spPr>
+        <p:txBody>
+          <a:bodyPr wrap="none" rtlCol="0">
+            <a:spAutoFit/>
+          </a:bodyPr>
+          <a:lstStyle/>
+          <a:p>
+            <a:r>
+              <a:rPr lang="en-US" altLang="ko-KR" sz="2400" b="1" dirty="0"/>
+              <a:t>+</a:t>
+            </a:r>
+            <a:endParaRPr lang="ko-KR" altLang="en-US" sz="2400" b="1" dirty="0"/>
+          </a:p>
+        </p:txBody>
+      </p:sp>
+      <p:sp>
+        <p:nvSpPr>
+          <p:cNvPr id="139" name="TextBox 138">
+            <a:extLst>
+              <a:ext uri="{FF2B5EF4-FFF2-40B4-BE49-F238E27FC236}">
+                <a16:creationId xmlns:a16="http://schemas.microsoft.com/office/drawing/2014/main" id="{895114C9-59A1-3788-8B36-3BE58BEBD5F1}"/>
+              </a:ext>
+            </a:extLst>
+          </p:cNvPr>
+          <p:cNvSpPr txBox="1"/>
+          <p:nvPr/>
+        </p:nvSpPr>
+        <p:spPr>
+          <a:xfrm>
+            <a:off x="2054022" y="3329285"/>
+            <a:ext cx="311304" cy="461665"/>
+          </a:xfrm>
+          <a:prstGeom prst="rect">
+            <a:avLst/>
+          </a:prstGeom>
+          <a:noFill/>
+        </p:spPr>
+        <p:txBody>
+          <a:bodyPr wrap="none" rtlCol="0">
+            <a:spAutoFit/>
+          </a:bodyPr>
+          <a:lstStyle/>
+          <a:p>
+            <a:r>
+              <a:rPr lang="en-US" altLang="ko-KR" sz="2400" b="1" dirty="0"/>
+              <a:t>-</a:t>
+            </a:r>
+            <a:endParaRPr lang="ko-KR" altLang="en-US" sz="2400" b="1" dirty="0"/>
+          </a:p>
+        </p:txBody>
+      </p:sp>
+      <p:sp>
+        <p:nvSpPr>
+          <p:cNvPr id="141" name="TextBox 140">
+            <a:extLst>
+              <a:ext uri="{FF2B5EF4-FFF2-40B4-BE49-F238E27FC236}">
+                <a16:creationId xmlns:a16="http://schemas.microsoft.com/office/drawing/2014/main" id="{AF66E867-BA6E-2EB6-048C-D67F3B012625}"/>
+              </a:ext>
+            </a:extLst>
+          </p:cNvPr>
+          <p:cNvSpPr txBox="1"/>
+          <p:nvPr/>
+        </p:nvSpPr>
+        <p:spPr>
+          <a:xfrm>
+            <a:off x="6901753" y="3790950"/>
+            <a:ext cx="362600" cy="461665"/>
+          </a:xfrm>
+          <a:prstGeom prst="rect">
+            <a:avLst/>
+          </a:prstGeom>
+          <a:noFill/>
+        </p:spPr>
+        <p:txBody>
+          <a:bodyPr wrap="none" rtlCol="0">
+            <a:spAutoFit/>
+          </a:bodyPr>
+          <a:lstStyle/>
+          <a:p>
+            <a:r>
+              <a:rPr lang="en-US" altLang="ko-KR" sz="2400" b="1" dirty="0"/>
+              <a:t>1</a:t>
+            </a:r>
+            <a:endParaRPr lang="ko-KR" altLang="en-US" sz="2400" b="1" dirty="0"/>
+          </a:p>
+        </p:txBody>
+      </p:sp>
+      <p:sp>
+        <p:nvSpPr>
+          <p:cNvPr id="143" name="TextBox 142">
+            <a:extLst>
+              <a:ext uri="{FF2B5EF4-FFF2-40B4-BE49-F238E27FC236}">
+                <a16:creationId xmlns:a16="http://schemas.microsoft.com/office/drawing/2014/main" id="{1B1ECC04-3F8A-3731-CCD4-E911C80E0CD5}"/>
+              </a:ext>
+            </a:extLst>
+          </p:cNvPr>
+          <p:cNvSpPr txBox="1"/>
+          <p:nvPr/>
+        </p:nvSpPr>
+        <p:spPr>
+          <a:xfrm>
+            <a:off x="7758264" y="3790950"/>
+            <a:ext cx="362600" cy="461665"/>
+          </a:xfrm>
+          <a:prstGeom prst="rect">
+            <a:avLst/>
+          </a:prstGeom>
+          <a:noFill/>
+        </p:spPr>
+        <p:txBody>
+          <a:bodyPr wrap="none" rtlCol="0">
+            <a:spAutoFit/>
+          </a:bodyPr>
+          <a:lstStyle/>
+          <a:p>
+            <a:r>
+              <a:rPr lang="en-US" altLang="ko-KR" sz="2400" b="1" dirty="0"/>
+              <a:t>2</a:t>
+            </a:r>
+            <a:endParaRPr lang="ko-KR" altLang="en-US" sz="2400" b="1" dirty="0"/>
+          </a:p>
+        </p:txBody>
+      </p:sp>
+      <p:sp>
+        <p:nvSpPr>
+          <p:cNvPr id="145" name="TextBox 144">
+            <a:extLst>
+              <a:ext uri="{FF2B5EF4-FFF2-40B4-BE49-F238E27FC236}">
+                <a16:creationId xmlns:a16="http://schemas.microsoft.com/office/drawing/2014/main" id="{D7981D12-1698-B7B8-E0F9-3E421ADAF8F0}"/>
+              </a:ext>
+            </a:extLst>
+          </p:cNvPr>
+          <p:cNvSpPr txBox="1"/>
+          <p:nvPr/>
+        </p:nvSpPr>
+        <p:spPr>
+          <a:xfrm>
+            <a:off x="8614775" y="3790950"/>
+            <a:ext cx="362600" cy="461665"/>
+          </a:xfrm>
+          <a:prstGeom prst="rect">
+            <a:avLst/>
+          </a:prstGeom>
+          <a:noFill/>
+        </p:spPr>
+        <p:txBody>
+          <a:bodyPr wrap="none" rtlCol="0">
+            <a:spAutoFit/>
+          </a:bodyPr>
+          <a:lstStyle/>
+          <a:p>
+            <a:r>
+              <a:rPr lang="en-US" altLang="ko-KR" sz="2400" b="1" dirty="0"/>
+              <a:t>3</a:t>
+            </a:r>
+            <a:endParaRPr lang="ko-KR" altLang="en-US" sz="2400" b="1" dirty="0"/>
+          </a:p>
+        </p:txBody>
+      </p:sp>
+      <p:sp>
+        <p:nvSpPr>
+          <p:cNvPr id="146" name="TextBox 145">
+            <a:extLst>
+              <a:ext uri="{FF2B5EF4-FFF2-40B4-BE49-F238E27FC236}">
+                <a16:creationId xmlns:a16="http://schemas.microsoft.com/office/drawing/2014/main" id="{BAB4E0A0-D0C8-E484-3F14-058F9275C2BA}"/>
+              </a:ext>
+            </a:extLst>
+          </p:cNvPr>
+          <p:cNvSpPr txBox="1"/>
+          <p:nvPr/>
+        </p:nvSpPr>
+        <p:spPr>
+          <a:xfrm>
+            <a:off x="9471286" y="3790950"/>
+            <a:ext cx="362600" cy="461665"/>
+          </a:xfrm>
+          <a:prstGeom prst="rect">
+            <a:avLst/>
+          </a:prstGeom>
+          <a:noFill/>
+        </p:spPr>
+        <p:txBody>
+          <a:bodyPr wrap="none" rtlCol="0">
+            <a:spAutoFit/>
+          </a:bodyPr>
+          <a:lstStyle/>
+          <a:p>
+            <a:r>
+              <a:rPr lang="en-US" altLang="ko-KR" sz="2400" b="1" dirty="0"/>
+              <a:t>4</a:t>
+            </a:r>
+            <a:endParaRPr lang="ko-KR" altLang="en-US" sz="2400" b="1" dirty="0"/>
+          </a:p>
+        </p:txBody>
+      </p:sp>
+      <p:sp>
+        <p:nvSpPr>
+          <p:cNvPr id="147" name="TextBox 146">
+            <a:extLst>
+              <a:ext uri="{FF2B5EF4-FFF2-40B4-BE49-F238E27FC236}">
+                <a16:creationId xmlns:a16="http://schemas.microsoft.com/office/drawing/2014/main" id="{999AEA4D-BC4A-6761-6DAF-A7E569953894}"/>
+              </a:ext>
+            </a:extLst>
+          </p:cNvPr>
+          <p:cNvSpPr txBox="1"/>
+          <p:nvPr/>
+        </p:nvSpPr>
+        <p:spPr>
+          <a:xfrm>
+            <a:off x="2611690" y="3790950"/>
+            <a:ext cx="489236" cy="461665"/>
+          </a:xfrm>
+          <a:prstGeom prst="rect">
+            <a:avLst/>
+          </a:prstGeom>
+          <a:noFill/>
+        </p:spPr>
+        <p:txBody>
+          <a:bodyPr wrap="none" rtlCol="0">
+            <a:spAutoFit/>
+          </a:bodyPr>
+          <a:lstStyle/>
+          <a:p>
+            <a:r>
+              <a:rPr lang="en-US" altLang="ko-KR" sz="2400" b="1" dirty="0"/>
+              <a:t>-4</a:t>
+            </a:r>
+            <a:endParaRPr lang="ko-KR" altLang="en-US" sz="2400" b="1" dirty="0"/>
+          </a:p>
+        </p:txBody>
+      </p:sp>
+      <p:sp>
+        <p:nvSpPr>
+          <p:cNvPr id="148" name="TextBox 147">
+            <a:extLst>
+              <a:ext uri="{FF2B5EF4-FFF2-40B4-BE49-F238E27FC236}">
+                <a16:creationId xmlns:a16="http://schemas.microsoft.com/office/drawing/2014/main" id="{D6F93B99-2FE4-7D12-97CB-C5621D4A2214}"/>
+              </a:ext>
+            </a:extLst>
+          </p:cNvPr>
+          <p:cNvSpPr txBox="1"/>
+          <p:nvPr/>
+        </p:nvSpPr>
+        <p:spPr>
+          <a:xfrm>
+            <a:off x="3468939" y="3790950"/>
+            <a:ext cx="489236" cy="461665"/>
+          </a:xfrm>
+          <a:prstGeom prst="rect">
+            <a:avLst/>
+          </a:prstGeom>
+          <a:noFill/>
+        </p:spPr>
+        <p:txBody>
+          <a:bodyPr wrap="none" rtlCol="0">
+            <a:spAutoFit/>
+          </a:bodyPr>
+          <a:lstStyle/>
+          <a:p>
+            <a:r>
+              <a:rPr lang="en-US" altLang="ko-KR" sz="2400" b="1" dirty="0"/>
+              <a:t>-3</a:t>
+            </a:r>
+            <a:endParaRPr lang="ko-KR" altLang="en-US" sz="2400" b="1" dirty="0"/>
+          </a:p>
+        </p:txBody>
+      </p:sp>
+      <p:sp>
+        <p:nvSpPr>
+          <p:cNvPr id="149" name="TextBox 148">
+            <a:extLst>
+              <a:ext uri="{FF2B5EF4-FFF2-40B4-BE49-F238E27FC236}">
+                <a16:creationId xmlns:a16="http://schemas.microsoft.com/office/drawing/2014/main" id="{816600E9-1307-B74E-9137-3D99E73FE90F}"/>
+              </a:ext>
+            </a:extLst>
+          </p:cNvPr>
+          <p:cNvSpPr txBox="1"/>
+          <p:nvPr/>
+        </p:nvSpPr>
+        <p:spPr>
+          <a:xfrm>
+            <a:off x="4325450" y="3790950"/>
+            <a:ext cx="489236" cy="461665"/>
+          </a:xfrm>
+          <a:prstGeom prst="rect">
+            <a:avLst/>
+          </a:prstGeom>
+          <a:noFill/>
+        </p:spPr>
+        <p:txBody>
+          <a:bodyPr wrap="none" rtlCol="0">
+            <a:spAutoFit/>
+          </a:bodyPr>
+          <a:lstStyle/>
+          <a:p>
+            <a:r>
+              <a:rPr lang="en-US" altLang="ko-KR" sz="2400" b="1" dirty="0"/>
+              <a:t>-2</a:t>
+            </a:r>
+            <a:endParaRPr lang="ko-KR" altLang="en-US" sz="2400" b="1" dirty="0"/>
+          </a:p>
+        </p:txBody>
+      </p:sp>
+      <p:sp>
+        <p:nvSpPr>
+          <p:cNvPr id="150" name="TextBox 149">
+            <a:extLst>
+              <a:ext uri="{FF2B5EF4-FFF2-40B4-BE49-F238E27FC236}">
+                <a16:creationId xmlns:a16="http://schemas.microsoft.com/office/drawing/2014/main" id="{C28A813E-2D02-2F78-D359-52A419E7C32A}"/>
+              </a:ext>
+            </a:extLst>
+          </p:cNvPr>
+          <p:cNvSpPr txBox="1"/>
+          <p:nvPr/>
+        </p:nvSpPr>
+        <p:spPr>
+          <a:xfrm>
+            <a:off x="5181961" y="3790950"/>
+            <a:ext cx="489236" cy="461665"/>
+          </a:xfrm>
+          <a:prstGeom prst="rect">
+            <a:avLst/>
+          </a:prstGeom>
+          <a:noFill/>
+        </p:spPr>
+        <p:txBody>
+          <a:bodyPr wrap="none" rtlCol="0">
+            <a:spAutoFit/>
+          </a:bodyPr>
+          <a:lstStyle/>
+          <a:p>
+            <a:r>
+              <a:rPr lang="en-US" altLang="ko-KR" sz="2400" b="1" dirty="0"/>
+              <a:t>-1</a:t>
+            </a:r>
+            <a:endParaRPr lang="ko-KR" altLang="en-US" sz="2400" b="1" dirty="0"/>
+          </a:p>
+        </p:txBody>
+      </p:sp>
+      <p:sp>
+        <p:nvSpPr>
+          <p:cNvPr id="29" name="TextBox 28">
+            <a:extLst>
+              <a:ext uri="{FF2B5EF4-FFF2-40B4-BE49-F238E27FC236}">
+                <a16:creationId xmlns:a16="http://schemas.microsoft.com/office/drawing/2014/main" id="{4A92DFCA-1638-48A3-BDAC-45EECDE1AC31}"/>
+              </a:ext>
+            </a:extLst>
+          </p:cNvPr>
+          <p:cNvSpPr txBox="1"/>
+          <p:nvPr/>
+        </p:nvSpPr>
+        <p:spPr>
+          <a:xfrm>
+            <a:off x="6292198" y="3648089"/>
+            <a:ext cx="362600" cy="461665"/>
+          </a:xfrm>
+          <a:prstGeom prst="rect">
+            <a:avLst/>
+          </a:prstGeom>
+          <a:noFill/>
+        </p:spPr>
+        <p:txBody>
+          <a:bodyPr wrap="none" rtlCol="0">
+            <a:spAutoFit/>
+          </a:bodyPr>
+          <a:lstStyle/>
+          <a:p>
+            <a:r>
+              <a:rPr lang="en-US" altLang="ko-KR" sz="2400" b="1" dirty="0"/>
+              <a:t>0</a:t>
+            </a:r>
+            <a:endParaRPr lang="ko-KR" altLang="en-US" sz="2400" b="1" dirty="0"/>
+          </a:p>
+        </p:txBody>
+      </p:sp>
+      <p:grpSp>
+        <p:nvGrpSpPr>
+          <p:cNvPr id="5" name="그룹 4">
+            <a:extLst>
+              <a:ext uri="{FF2B5EF4-FFF2-40B4-BE49-F238E27FC236}">
+                <a16:creationId xmlns:a16="http://schemas.microsoft.com/office/drawing/2014/main" id="{971BD7C8-0C83-1181-41E7-EB06F8AD0295}"/>
+              </a:ext>
+            </a:extLst>
+          </p:cNvPr>
+          <p:cNvGrpSpPr/>
+          <p:nvPr/>
+        </p:nvGrpSpPr>
+        <p:grpSpPr>
+          <a:xfrm rot="5400000">
+            <a:off x="2391422" y="3584182"/>
+            <a:ext cx="7700210" cy="0"/>
+            <a:chOff x="2374232" y="3441032"/>
+            <a:chExt cx="7700210" cy="0"/>
+          </a:xfrm>
+        </p:grpSpPr>
+        <p:cxnSp>
+          <p:nvCxnSpPr>
+            <p:cNvPr id="27" name="직선 화살표 연결선 26">
+              <a:extLst>
+                <a:ext uri="{FF2B5EF4-FFF2-40B4-BE49-F238E27FC236}">
+                  <a16:creationId xmlns:a16="http://schemas.microsoft.com/office/drawing/2014/main" id="{4AA0BC87-8385-AEDB-3CA6-FC39B6D4A868}"/>
+                </a:ext>
+              </a:extLst>
+            </p:cNvPr>
+            <p:cNvCxnSpPr/>
+            <p:nvPr/>
+          </p:nvCxnSpPr>
+          <p:spPr>
+            <a:xfrm>
+              <a:off x="6224337" y="3441032"/>
+              <a:ext cx="3850105" cy="0"/>
+            </a:xfrm>
+            <a:prstGeom prst="straightConnector1">
+              <a:avLst/>
+            </a:prstGeom>
+            <a:ln w="38100">
+              <a:solidFill>
+                <a:schemeClr val="accent1">
+                  <a:lumMod val="60000"/>
+                  <a:lumOff val="40000"/>
+                </a:schemeClr>
+              </a:solidFill>
+              <a:tailEnd type="triangle"/>
+            </a:ln>
+          </p:spPr>
+          <p:style>
+            <a:lnRef idx="2">
+              <a:schemeClr val="accent1"/>
+            </a:lnRef>
+            <a:fillRef idx="0">
+              <a:schemeClr val="accent1"/>
+            </a:fillRef>
+            <a:effectRef idx="1">
+              <a:schemeClr val="accent1"/>
+            </a:effectRef>
+            <a:fontRef idx="minor">
+              <a:schemeClr val="tx1"/>
+            </a:fontRef>
+          </p:style>
+        </p:cxnSp>
+        <p:cxnSp>
+          <p:nvCxnSpPr>
+            <p:cNvPr id="28" name="직선 화살표 연결선 27">
+              <a:extLst>
+                <a:ext uri="{FF2B5EF4-FFF2-40B4-BE49-F238E27FC236}">
+                  <a16:creationId xmlns:a16="http://schemas.microsoft.com/office/drawing/2014/main" id="{158BC5C9-B19F-0BD1-D294-6A3F45C6F300}"/>
+                </a:ext>
+              </a:extLst>
+            </p:cNvPr>
+            <p:cNvCxnSpPr>
+              <a:cxnSpLocks/>
+            </p:cNvCxnSpPr>
+            <p:nvPr/>
+          </p:nvCxnSpPr>
+          <p:spPr>
+            <a:xfrm rot="10800000">
+              <a:off x="2374232" y="3441032"/>
+              <a:ext cx="3850105" cy="0"/>
+            </a:xfrm>
+            <a:prstGeom prst="straightConnector1">
+              <a:avLst/>
+            </a:prstGeom>
+            <a:ln w="38100">
+              <a:solidFill>
+                <a:schemeClr val="accent1">
+                  <a:lumMod val="60000"/>
+                  <a:lumOff val="40000"/>
+                </a:schemeClr>
+              </a:solidFill>
+              <a:tailEnd type="triangle"/>
+            </a:ln>
+          </p:spPr>
+          <p:style>
+            <a:lnRef idx="2">
+              <a:schemeClr val="accent1"/>
+            </a:lnRef>
+            <a:fillRef idx="0">
+              <a:schemeClr val="accent1"/>
+            </a:fillRef>
+            <a:effectRef idx="1">
+              <a:schemeClr val="accent1"/>
+            </a:effectRef>
+            <a:fontRef idx="minor">
+              <a:schemeClr val="tx1"/>
+            </a:fontRef>
+          </p:style>
+        </p:cxnSp>
+      </p:grpSp>
+      <p:cxnSp>
+        <p:nvCxnSpPr>
+          <p:cNvPr id="6" name="직선 연결선 5">
+            <a:extLst>
+              <a:ext uri="{FF2B5EF4-FFF2-40B4-BE49-F238E27FC236}">
+                <a16:creationId xmlns:a16="http://schemas.microsoft.com/office/drawing/2014/main" id="{7F650109-B427-F92D-BAAC-A5ABB22FB822}"/>
+              </a:ext>
+            </a:extLst>
+          </p:cNvPr>
+          <p:cNvCxnSpPr>
+            <a:cxnSpLocks/>
+          </p:cNvCxnSpPr>
+          <p:nvPr/>
+        </p:nvCxnSpPr>
+        <p:spPr>
+          <a:xfrm rot="5400000" flipV="1">
+            <a:off x="6137254" y="5184884"/>
+            <a:ext cx="0" cy="208547"/>
+          </a:xfrm>
+          <a:prstGeom prst="line">
+            <a:avLst/>
+          </a:prstGeom>
+          <a:ln w="38100">
+            <a:solidFill>
+              <a:schemeClr val="tx1"/>
+            </a:solidFill>
+          </a:ln>
+        </p:spPr>
+        <p:style>
+          <a:lnRef idx="2">
+            <a:schemeClr val="accent1"/>
+          </a:lnRef>
+          <a:fillRef idx="0">
+            <a:schemeClr val="accent1"/>
+          </a:fillRef>
+          <a:effectRef idx="1">
+            <a:schemeClr val="accent1"/>
+          </a:effectRef>
+          <a:fontRef idx="minor">
+            <a:schemeClr val="tx1"/>
+          </a:fontRef>
+        </p:style>
+      </p:cxnSp>
+      <p:cxnSp>
+        <p:nvCxnSpPr>
+          <p:cNvPr id="7" name="직선 연결선 6">
+            <a:extLst>
+              <a:ext uri="{FF2B5EF4-FFF2-40B4-BE49-F238E27FC236}">
+                <a16:creationId xmlns:a16="http://schemas.microsoft.com/office/drawing/2014/main" id="{04CE8FA1-1F5A-4E56-D34C-11988CD36255}"/>
+              </a:ext>
+            </a:extLst>
+          </p:cNvPr>
+          <p:cNvCxnSpPr>
+            <a:cxnSpLocks/>
+          </p:cNvCxnSpPr>
+          <p:nvPr/>
+        </p:nvCxnSpPr>
+        <p:spPr>
+          <a:xfrm rot="5400000" flipV="1">
+            <a:off x="6137254" y="4333984"/>
+            <a:ext cx="0" cy="208547"/>
+          </a:xfrm>
+          <a:prstGeom prst="line">
+            <a:avLst/>
+          </a:prstGeom>
+          <a:ln w="38100">
+            <a:solidFill>
+              <a:schemeClr val="tx1"/>
+            </a:solidFill>
+          </a:ln>
+        </p:spPr>
+        <p:style>
+          <a:lnRef idx="2">
+            <a:schemeClr val="accent1"/>
+          </a:lnRef>
+          <a:fillRef idx="0">
+            <a:schemeClr val="accent1"/>
+          </a:fillRef>
+          <a:effectRef idx="1">
+            <a:schemeClr val="accent1"/>
+          </a:effectRef>
+          <a:fontRef idx="minor">
+            <a:schemeClr val="tx1"/>
+          </a:fontRef>
+        </p:style>
+      </p:cxnSp>
+      <p:cxnSp>
+        <p:nvCxnSpPr>
+          <p:cNvPr id="8" name="직선 연결선 7">
+            <a:extLst>
+              <a:ext uri="{FF2B5EF4-FFF2-40B4-BE49-F238E27FC236}">
+                <a16:creationId xmlns:a16="http://schemas.microsoft.com/office/drawing/2014/main" id="{7791404F-0F6F-6AE8-4579-AF3B436B069A}"/>
+              </a:ext>
+            </a:extLst>
+          </p:cNvPr>
+          <p:cNvCxnSpPr>
+            <a:cxnSpLocks/>
+          </p:cNvCxnSpPr>
+          <p:nvPr/>
+        </p:nvCxnSpPr>
+        <p:spPr>
+          <a:xfrm rot="5400000" flipV="1">
+            <a:off x="6137254" y="5184884"/>
+            <a:ext cx="0" cy="208547"/>
+          </a:xfrm>
+          <a:prstGeom prst="line">
+            <a:avLst/>
+          </a:prstGeom>
+          <a:ln w="38100">
+            <a:solidFill>
+              <a:schemeClr val="tx1"/>
+            </a:solidFill>
+          </a:ln>
+        </p:spPr>
+        <p:style>
+          <a:lnRef idx="2">
+            <a:schemeClr val="accent1"/>
+          </a:lnRef>
+          <a:fillRef idx="0">
+            <a:schemeClr val="accent1"/>
+          </a:fillRef>
+          <a:effectRef idx="1">
+            <a:schemeClr val="accent1"/>
+          </a:effectRef>
+          <a:fontRef idx="minor">
+            <a:schemeClr val="tx1"/>
+          </a:fontRef>
+        </p:style>
+      </p:cxnSp>
+      <p:cxnSp>
+        <p:nvCxnSpPr>
+          <p:cNvPr id="10" name="직선 연결선 9">
+            <a:extLst>
+              <a:ext uri="{FF2B5EF4-FFF2-40B4-BE49-F238E27FC236}">
+                <a16:creationId xmlns:a16="http://schemas.microsoft.com/office/drawing/2014/main" id="{4DD410ED-0145-B448-3A5E-1E05961FCCD1}"/>
+              </a:ext>
+            </a:extLst>
+          </p:cNvPr>
+          <p:cNvCxnSpPr>
+            <a:cxnSpLocks/>
+          </p:cNvCxnSpPr>
+          <p:nvPr/>
+        </p:nvCxnSpPr>
+        <p:spPr>
+          <a:xfrm rot="5400000" flipV="1">
+            <a:off x="6137254" y="6886684"/>
+            <a:ext cx="0" cy="208547"/>
+          </a:xfrm>
+          <a:prstGeom prst="line">
+            <a:avLst/>
+          </a:prstGeom>
+          <a:ln w="38100">
+            <a:solidFill>
+              <a:schemeClr val="tx1"/>
+            </a:solidFill>
+          </a:ln>
+        </p:spPr>
+        <p:style>
+          <a:lnRef idx="2">
+            <a:schemeClr val="accent1"/>
+          </a:lnRef>
+          <a:fillRef idx="0">
+            <a:schemeClr val="accent1"/>
+          </a:fillRef>
+          <a:effectRef idx="1">
+            <a:schemeClr val="accent1"/>
+          </a:effectRef>
+          <a:fontRef idx="minor">
+            <a:schemeClr val="tx1"/>
+          </a:fontRef>
+        </p:style>
+      </p:cxnSp>
+      <p:cxnSp>
+        <p:nvCxnSpPr>
+          <p:cNvPr id="11" name="직선 연결선 10">
+            <a:extLst>
+              <a:ext uri="{FF2B5EF4-FFF2-40B4-BE49-F238E27FC236}">
+                <a16:creationId xmlns:a16="http://schemas.microsoft.com/office/drawing/2014/main" id="{F02660C3-C0F0-342E-241C-D0C452A007ED}"/>
+              </a:ext>
+            </a:extLst>
+          </p:cNvPr>
+          <p:cNvCxnSpPr>
+            <a:cxnSpLocks/>
+          </p:cNvCxnSpPr>
+          <p:nvPr/>
+        </p:nvCxnSpPr>
+        <p:spPr>
+          <a:xfrm rot="5400000" flipV="1">
+            <a:off x="6137254" y="6035784"/>
+            <a:ext cx="0" cy="208547"/>
+          </a:xfrm>
+          <a:prstGeom prst="line">
+            <a:avLst/>
+          </a:prstGeom>
+          <a:ln w="38100">
+            <a:solidFill>
+              <a:schemeClr val="tx1"/>
+            </a:solidFill>
+          </a:ln>
+        </p:spPr>
+        <p:style>
+          <a:lnRef idx="2">
+            <a:schemeClr val="accent1"/>
+          </a:lnRef>
+          <a:fillRef idx="0">
+            <a:schemeClr val="accent1"/>
+          </a:fillRef>
+          <a:effectRef idx="1">
+            <a:schemeClr val="accent1"/>
+          </a:effectRef>
+          <a:fontRef idx="minor">
+            <a:schemeClr val="tx1"/>
+          </a:fontRef>
+        </p:style>
+      </p:cxnSp>
+      <p:cxnSp>
+        <p:nvCxnSpPr>
+          <p:cNvPr id="12" name="직선 연결선 11">
+            <a:extLst>
+              <a:ext uri="{FF2B5EF4-FFF2-40B4-BE49-F238E27FC236}">
+                <a16:creationId xmlns:a16="http://schemas.microsoft.com/office/drawing/2014/main" id="{5F394DBE-D97B-2135-085E-8A694C895F4C}"/>
+              </a:ext>
+            </a:extLst>
+          </p:cNvPr>
+          <p:cNvCxnSpPr>
+            <a:cxnSpLocks/>
+          </p:cNvCxnSpPr>
+          <p:nvPr/>
+        </p:nvCxnSpPr>
+        <p:spPr>
+          <a:xfrm rot="5400000" flipV="1">
+            <a:off x="6137254" y="73134"/>
+            <a:ext cx="0" cy="208547"/>
+          </a:xfrm>
+          <a:prstGeom prst="line">
+            <a:avLst/>
+          </a:prstGeom>
+          <a:ln w="38100">
+            <a:solidFill>
+              <a:schemeClr val="tx1"/>
+            </a:solidFill>
+          </a:ln>
+        </p:spPr>
+        <p:style>
+          <a:lnRef idx="2">
+            <a:schemeClr val="accent1"/>
+          </a:lnRef>
+          <a:fillRef idx="0">
+            <a:schemeClr val="accent1"/>
+          </a:fillRef>
+          <a:effectRef idx="1">
+            <a:schemeClr val="accent1"/>
+          </a:effectRef>
+          <a:fontRef idx="minor">
+            <a:schemeClr val="tx1"/>
+          </a:fontRef>
+        </p:style>
+      </p:cxnSp>
+      <p:cxnSp>
+        <p:nvCxnSpPr>
+          <p:cNvPr id="13" name="직선 연결선 12">
+            <a:extLst>
+              <a:ext uri="{FF2B5EF4-FFF2-40B4-BE49-F238E27FC236}">
+                <a16:creationId xmlns:a16="http://schemas.microsoft.com/office/drawing/2014/main" id="{33B1E73C-B565-349A-FB6A-1320DB70C011}"/>
+              </a:ext>
+            </a:extLst>
+          </p:cNvPr>
+          <p:cNvCxnSpPr>
+            <a:cxnSpLocks/>
+          </p:cNvCxnSpPr>
+          <p:nvPr/>
+        </p:nvCxnSpPr>
+        <p:spPr>
+          <a:xfrm rot="5400000" flipV="1">
+            <a:off x="6137254" y="1774934"/>
+            <a:ext cx="0" cy="208547"/>
+          </a:xfrm>
+          <a:prstGeom prst="line">
+            <a:avLst/>
+          </a:prstGeom>
+          <a:ln w="38100">
+            <a:solidFill>
+              <a:schemeClr val="tx1"/>
+            </a:solidFill>
+          </a:ln>
+        </p:spPr>
+        <p:style>
+          <a:lnRef idx="2">
+            <a:schemeClr val="accent1"/>
+          </a:lnRef>
+          <a:fillRef idx="0">
+            <a:schemeClr val="accent1"/>
+          </a:fillRef>
+          <a:effectRef idx="1">
+            <a:schemeClr val="accent1"/>
+          </a:effectRef>
+          <a:fontRef idx="minor">
+            <a:schemeClr val="tx1"/>
+          </a:fontRef>
+        </p:style>
+      </p:cxnSp>
+      <p:cxnSp>
+        <p:nvCxnSpPr>
+          <p:cNvPr id="14" name="직선 연결선 13">
+            <a:extLst>
+              <a:ext uri="{FF2B5EF4-FFF2-40B4-BE49-F238E27FC236}">
+                <a16:creationId xmlns:a16="http://schemas.microsoft.com/office/drawing/2014/main" id="{FEB5BF82-A951-CD78-87CF-319F582EC22C}"/>
+              </a:ext>
+            </a:extLst>
+          </p:cNvPr>
+          <p:cNvCxnSpPr>
+            <a:cxnSpLocks/>
+          </p:cNvCxnSpPr>
+          <p:nvPr/>
+        </p:nvCxnSpPr>
+        <p:spPr>
+          <a:xfrm rot="5400000" flipV="1">
+            <a:off x="6137254" y="924034"/>
+            <a:ext cx="0" cy="208547"/>
+          </a:xfrm>
+          <a:prstGeom prst="line">
+            <a:avLst/>
+          </a:prstGeom>
+          <a:ln w="38100">
+            <a:solidFill>
+              <a:schemeClr val="tx1"/>
+            </a:solidFill>
+          </a:ln>
+        </p:spPr>
+        <p:style>
+          <a:lnRef idx="2">
+            <a:schemeClr val="accent1"/>
+          </a:lnRef>
+          <a:fillRef idx="0">
+            <a:schemeClr val="accent1"/>
+          </a:fillRef>
+          <a:effectRef idx="1">
+            <a:schemeClr val="accent1"/>
+          </a:effectRef>
+          <a:fontRef idx="minor">
+            <a:schemeClr val="tx1"/>
+          </a:fontRef>
+        </p:style>
+      </p:cxnSp>
+      <p:cxnSp>
+        <p:nvCxnSpPr>
+          <p:cNvPr id="15" name="직선 연결선 14">
+            <a:extLst>
+              <a:ext uri="{FF2B5EF4-FFF2-40B4-BE49-F238E27FC236}">
+                <a16:creationId xmlns:a16="http://schemas.microsoft.com/office/drawing/2014/main" id="{82686CB2-0FB1-2813-5F1A-B8A55E1DAB10}"/>
+              </a:ext>
+            </a:extLst>
+          </p:cNvPr>
+          <p:cNvCxnSpPr>
+            <a:cxnSpLocks/>
+          </p:cNvCxnSpPr>
+          <p:nvPr/>
+        </p:nvCxnSpPr>
+        <p:spPr>
+          <a:xfrm rot="5400000" flipV="1">
+            <a:off x="6137254" y="1774934"/>
+            <a:ext cx="0" cy="208547"/>
+          </a:xfrm>
+          <a:prstGeom prst="line">
+            <a:avLst/>
+          </a:prstGeom>
+          <a:ln w="38100">
+            <a:solidFill>
+              <a:schemeClr val="tx1"/>
+            </a:solidFill>
+          </a:ln>
+        </p:spPr>
+        <p:style>
+          <a:lnRef idx="2">
+            <a:schemeClr val="accent1"/>
+          </a:lnRef>
+          <a:fillRef idx="0">
+            <a:schemeClr val="accent1"/>
+          </a:fillRef>
+          <a:effectRef idx="1">
+            <a:schemeClr val="accent1"/>
+          </a:effectRef>
+          <a:fontRef idx="minor">
+            <a:schemeClr val="tx1"/>
+          </a:fontRef>
+        </p:style>
+      </p:cxnSp>
+      <p:cxnSp>
+        <p:nvCxnSpPr>
+          <p:cNvPr id="16" name="직선 연결선 15">
+            <a:extLst>
+              <a:ext uri="{FF2B5EF4-FFF2-40B4-BE49-F238E27FC236}">
+                <a16:creationId xmlns:a16="http://schemas.microsoft.com/office/drawing/2014/main" id="{5B88F8BA-B9BF-D16E-D019-1E497D968618}"/>
+              </a:ext>
+            </a:extLst>
+          </p:cNvPr>
+          <p:cNvCxnSpPr>
+            <a:cxnSpLocks/>
+          </p:cNvCxnSpPr>
+          <p:nvPr/>
+        </p:nvCxnSpPr>
+        <p:spPr>
+          <a:xfrm rot="5400000" flipV="1">
+            <a:off x="6137254" y="2625834"/>
+            <a:ext cx="0" cy="208547"/>
+          </a:xfrm>
+          <a:prstGeom prst="line">
+            <a:avLst/>
+          </a:prstGeom>
+          <a:ln w="38100">
+            <a:solidFill>
+              <a:schemeClr val="tx1"/>
+            </a:solidFill>
+          </a:ln>
+        </p:spPr>
+        <p:style>
+          <a:lnRef idx="2">
+            <a:schemeClr val="accent1"/>
+          </a:lnRef>
+          <a:fillRef idx="0">
+            <a:schemeClr val="accent1"/>
+          </a:fillRef>
+          <a:effectRef idx="1">
+            <a:schemeClr val="accent1"/>
+          </a:effectRef>
+          <a:fontRef idx="minor">
+            <a:schemeClr val="tx1"/>
+          </a:fontRef>
+        </p:style>
+      </p:cxnSp>
+      <p:sp>
+        <p:nvSpPr>
+          <p:cNvPr id="17" name="TextBox 16">
+            <a:extLst>
+              <a:ext uri="{FF2B5EF4-FFF2-40B4-BE49-F238E27FC236}">
+                <a16:creationId xmlns:a16="http://schemas.microsoft.com/office/drawing/2014/main" id="{D97DD66E-6FFB-25FC-94E3-21BF3323E486}"/>
+              </a:ext>
+            </a:extLst>
+          </p:cNvPr>
+          <p:cNvSpPr txBox="1"/>
+          <p:nvPr/>
+        </p:nvSpPr>
+        <p:spPr>
+          <a:xfrm>
+            <a:off x="6096000" y="7458352"/>
+            <a:ext cx="311304" cy="461665"/>
+          </a:xfrm>
+          <a:prstGeom prst="rect">
+            <a:avLst/>
+          </a:prstGeom>
+          <a:noFill/>
+        </p:spPr>
+        <p:txBody>
+          <a:bodyPr wrap="none" rtlCol="0">
+            <a:spAutoFit/>
+          </a:bodyPr>
+          <a:lstStyle/>
+          <a:p>
+            <a:r>
+              <a:rPr lang="en-US" altLang="ko-KR" sz="2400" b="1" dirty="0"/>
+              <a:t>-</a:t>
+            </a:r>
+            <a:endParaRPr lang="ko-KR" altLang="en-US" sz="2400" b="1" dirty="0"/>
+          </a:p>
+        </p:txBody>
+      </p:sp>
+      <p:sp>
+        <p:nvSpPr>
+          <p:cNvPr id="18" name="TextBox 17">
+            <a:extLst>
+              <a:ext uri="{FF2B5EF4-FFF2-40B4-BE49-F238E27FC236}">
+                <a16:creationId xmlns:a16="http://schemas.microsoft.com/office/drawing/2014/main" id="{AA4CD5A4-4CDF-184B-FE19-608777090D34}"/>
+              </a:ext>
+            </a:extLst>
+          </p:cNvPr>
+          <p:cNvSpPr txBox="1"/>
+          <p:nvPr/>
+        </p:nvSpPr>
+        <p:spPr>
+          <a:xfrm>
+            <a:off x="6032980" y="-733192"/>
+            <a:ext cx="405880" cy="461665"/>
+          </a:xfrm>
+          <a:prstGeom prst="rect">
+            <a:avLst/>
+          </a:prstGeom>
+          <a:noFill/>
+        </p:spPr>
+        <p:txBody>
+          <a:bodyPr wrap="none" rtlCol="0">
+            <a:spAutoFit/>
+          </a:bodyPr>
+          <a:lstStyle/>
+          <a:p>
+            <a:r>
+              <a:rPr lang="en-US" altLang="ko-KR" sz="2400" b="1" dirty="0"/>
+              <a:t>+</a:t>
+            </a:r>
+            <a:endParaRPr lang="ko-KR" altLang="en-US" sz="2400" b="1" dirty="0"/>
+          </a:p>
+        </p:txBody>
+      </p:sp>
+      <p:sp>
+        <p:nvSpPr>
+          <p:cNvPr id="19" name="TextBox 18">
+            <a:extLst>
+              <a:ext uri="{FF2B5EF4-FFF2-40B4-BE49-F238E27FC236}">
+                <a16:creationId xmlns:a16="http://schemas.microsoft.com/office/drawing/2014/main" id="{60EFDAD8-78BD-80F3-9EE2-D4DE4F3AAEE7}"/>
+              </a:ext>
+            </a:extLst>
+          </p:cNvPr>
+          <p:cNvSpPr txBox="1"/>
+          <p:nvPr/>
+        </p:nvSpPr>
+        <p:spPr>
+          <a:xfrm>
+            <a:off x="5622627" y="4219385"/>
+            <a:ext cx="489236" cy="461665"/>
+          </a:xfrm>
+          <a:prstGeom prst="rect">
+            <a:avLst/>
+          </a:prstGeom>
+          <a:noFill/>
+        </p:spPr>
+        <p:txBody>
+          <a:bodyPr wrap="none" rtlCol="0">
+            <a:spAutoFit/>
+          </a:bodyPr>
+          <a:lstStyle/>
+          <a:p>
+            <a:r>
+              <a:rPr lang="en-US" altLang="ko-KR" sz="2400" b="1" dirty="0"/>
+              <a:t>-1</a:t>
+            </a:r>
+            <a:endParaRPr lang="ko-KR" altLang="en-US" sz="2400" b="1" dirty="0"/>
+          </a:p>
+        </p:txBody>
+      </p:sp>
+      <p:sp>
+        <p:nvSpPr>
+          <p:cNvPr id="20" name="TextBox 19">
+            <a:extLst>
+              <a:ext uri="{FF2B5EF4-FFF2-40B4-BE49-F238E27FC236}">
+                <a16:creationId xmlns:a16="http://schemas.microsoft.com/office/drawing/2014/main" id="{D590656B-3344-FBD6-0B5D-AE673EB603B3}"/>
+              </a:ext>
+            </a:extLst>
+          </p:cNvPr>
+          <p:cNvSpPr txBox="1"/>
+          <p:nvPr/>
+        </p:nvSpPr>
+        <p:spPr>
+          <a:xfrm>
+            <a:off x="5622627" y="5075896"/>
+            <a:ext cx="489236" cy="461665"/>
+          </a:xfrm>
+          <a:prstGeom prst="rect">
+            <a:avLst/>
+          </a:prstGeom>
+          <a:noFill/>
+        </p:spPr>
+        <p:txBody>
+          <a:bodyPr wrap="none" rtlCol="0">
+            <a:spAutoFit/>
+          </a:bodyPr>
+          <a:lstStyle/>
+          <a:p>
+            <a:r>
+              <a:rPr lang="en-US" altLang="ko-KR" sz="2400" b="1" dirty="0"/>
+              <a:t>-2</a:t>
+            </a:r>
+            <a:endParaRPr lang="ko-KR" altLang="en-US" sz="2400" b="1" dirty="0"/>
+          </a:p>
+        </p:txBody>
+      </p:sp>
+      <p:sp>
+        <p:nvSpPr>
+          <p:cNvPr id="21" name="TextBox 20">
+            <a:extLst>
+              <a:ext uri="{FF2B5EF4-FFF2-40B4-BE49-F238E27FC236}">
+                <a16:creationId xmlns:a16="http://schemas.microsoft.com/office/drawing/2014/main" id="{BD4A3FF6-3C3E-AC87-FEF6-86A6F8E19C02}"/>
+              </a:ext>
+            </a:extLst>
+          </p:cNvPr>
+          <p:cNvSpPr txBox="1"/>
+          <p:nvPr/>
+        </p:nvSpPr>
+        <p:spPr>
+          <a:xfrm>
+            <a:off x="5622627" y="5932407"/>
+            <a:ext cx="489236" cy="461665"/>
+          </a:xfrm>
+          <a:prstGeom prst="rect">
+            <a:avLst/>
+          </a:prstGeom>
+          <a:noFill/>
+        </p:spPr>
+        <p:txBody>
+          <a:bodyPr wrap="none" rtlCol="0">
+            <a:spAutoFit/>
+          </a:bodyPr>
+          <a:lstStyle/>
+          <a:p>
+            <a:r>
+              <a:rPr lang="en-US" altLang="ko-KR" sz="2400" b="1" dirty="0"/>
+              <a:t>-3</a:t>
+            </a:r>
+            <a:endParaRPr lang="ko-KR" altLang="en-US" sz="2400" b="1" dirty="0"/>
+          </a:p>
+        </p:txBody>
+      </p:sp>
+      <p:sp>
+        <p:nvSpPr>
+          <p:cNvPr id="22" name="TextBox 21">
+            <a:extLst>
+              <a:ext uri="{FF2B5EF4-FFF2-40B4-BE49-F238E27FC236}">
+                <a16:creationId xmlns:a16="http://schemas.microsoft.com/office/drawing/2014/main" id="{CF075567-FE54-AE16-03FB-866127AFED00}"/>
+              </a:ext>
+            </a:extLst>
+          </p:cNvPr>
+          <p:cNvSpPr txBox="1"/>
+          <p:nvPr/>
+        </p:nvSpPr>
+        <p:spPr>
+          <a:xfrm>
+            <a:off x="5622627" y="6788918"/>
+            <a:ext cx="489236" cy="461665"/>
+          </a:xfrm>
+          <a:prstGeom prst="rect">
+            <a:avLst/>
+          </a:prstGeom>
+          <a:noFill/>
+        </p:spPr>
+        <p:txBody>
+          <a:bodyPr wrap="none" rtlCol="0">
+            <a:spAutoFit/>
+          </a:bodyPr>
+          <a:lstStyle/>
+          <a:p>
+            <a:r>
+              <a:rPr lang="en-US" altLang="ko-KR" sz="2400" b="1" dirty="0"/>
+              <a:t>-4</a:t>
+            </a:r>
+            <a:endParaRPr lang="ko-KR" altLang="en-US" sz="2400" b="1" dirty="0"/>
+          </a:p>
+        </p:txBody>
+      </p:sp>
+      <p:sp>
+        <p:nvSpPr>
+          <p:cNvPr id="23" name="TextBox 22">
+            <a:extLst>
+              <a:ext uri="{FF2B5EF4-FFF2-40B4-BE49-F238E27FC236}">
+                <a16:creationId xmlns:a16="http://schemas.microsoft.com/office/drawing/2014/main" id="{A483CDC7-D501-D93D-84A8-542DE9054342}"/>
+              </a:ext>
+            </a:extLst>
+          </p:cNvPr>
+          <p:cNvSpPr txBox="1"/>
+          <p:nvPr/>
+        </p:nvSpPr>
+        <p:spPr>
+          <a:xfrm>
+            <a:off x="5559309" y="-7360"/>
+            <a:ext cx="362600" cy="461665"/>
+          </a:xfrm>
+          <a:prstGeom prst="rect">
+            <a:avLst/>
+          </a:prstGeom>
+          <a:noFill/>
+        </p:spPr>
+        <p:txBody>
+          <a:bodyPr wrap="none" rtlCol="0">
+            <a:spAutoFit/>
+          </a:bodyPr>
+          <a:lstStyle/>
+          <a:p>
+            <a:r>
+              <a:rPr lang="en-US" altLang="ko-KR" sz="2400" b="1" dirty="0"/>
+              <a:t>4</a:t>
+            </a:r>
+            <a:endParaRPr lang="ko-KR" altLang="en-US" sz="2400" b="1" dirty="0"/>
+          </a:p>
+        </p:txBody>
+      </p:sp>
+      <p:sp>
+        <p:nvSpPr>
+          <p:cNvPr id="24" name="TextBox 23">
+            <a:extLst>
+              <a:ext uri="{FF2B5EF4-FFF2-40B4-BE49-F238E27FC236}">
+                <a16:creationId xmlns:a16="http://schemas.microsoft.com/office/drawing/2014/main" id="{C0EFFB9C-B342-D820-87AD-467B23C74829}"/>
+              </a:ext>
+            </a:extLst>
+          </p:cNvPr>
+          <p:cNvSpPr txBox="1"/>
+          <p:nvPr/>
+        </p:nvSpPr>
+        <p:spPr>
+          <a:xfrm>
+            <a:off x="5559309" y="849889"/>
+            <a:ext cx="362600" cy="461665"/>
+          </a:xfrm>
+          <a:prstGeom prst="rect">
+            <a:avLst/>
+          </a:prstGeom>
+          <a:noFill/>
+        </p:spPr>
+        <p:txBody>
+          <a:bodyPr wrap="none" rtlCol="0">
+            <a:spAutoFit/>
+          </a:bodyPr>
+          <a:lstStyle/>
+          <a:p>
+            <a:r>
+              <a:rPr lang="en-US" altLang="ko-KR" sz="2400" b="1" dirty="0"/>
+              <a:t>3</a:t>
+            </a:r>
+            <a:endParaRPr lang="ko-KR" altLang="en-US" sz="2400" b="1" dirty="0"/>
+          </a:p>
+        </p:txBody>
+      </p:sp>
+      <p:sp>
+        <p:nvSpPr>
+          <p:cNvPr id="25" name="TextBox 24">
+            <a:extLst>
+              <a:ext uri="{FF2B5EF4-FFF2-40B4-BE49-F238E27FC236}">
+                <a16:creationId xmlns:a16="http://schemas.microsoft.com/office/drawing/2014/main" id="{5957C344-F705-99FC-F6A2-304F5730908B}"/>
+              </a:ext>
+            </a:extLst>
+          </p:cNvPr>
+          <p:cNvSpPr txBox="1"/>
+          <p:nvPr/>
+        </p:nvSpPr>
+        <p:spPr>
+          <a:xfrm>
+            <a:off x="5559309" y="1706400"/>
+            <a:ext cx="362600" cy="461665"/>
+          </a:xfrm>
+          <a:prstGeom prst="rect">
+            <a:avLst/>
+          </a:prstGeom>
+          <a:noFill/>
+        </p:spPr>
+        <p:txBody>
+          <a:bodyPr wrap="none" rtlCol="0">
+            <a:spAutoFit/>
+          </a:bodyPr>
+          <a:lstStyle/>
+          <a:p>
+            <a:r>
+              <a:rPr lang="en-US" altLang="ko-KR" sz="2400" b="1" dirty="0"/>
+              <a:t>2</a:t>
+            </a:r>
+            <a:endParaRPr lang="ko-KR" altLang="en-US" sz="2400" b="1" dirty="0"/>
+          </a:p>
+        </p:txBody>
+      </p:sp>
+      <p:sp>
+        <p:nvSpPr>
+          <p:cNvPr id="26" name="TextBox 25">
+            <a:extLst>
+              <a:ext uri="{FF2B5EF4-FFF2-40B4-BE49-F238E27FC236}">
+                <a16:creationId xmlns:a16="http://schemas.microsoft.com/office/drawing/2014/main" id="{A77FACF0-9913-2962-C2A3-AAC55FE351CF}"/>
+              </a:ext>
+            </a:extLst>
+          </p:cNvPr>
+          <p:cNvSpPr txBox="1"/>
+          <p:nvPr/>
+        </p:nvSpPr>
+        <p:spPr>
+          <a:xfrm>
+            <a:off x="5559309" y="2562911"/>
+            <a:ext cx="362600" cy="461665"/>
+          </a:xfrm>
+          <a:prstGeom prst="rect">
+            <a:avLst/>
+          </a:prstGeom>
+          <a:noFill/>
+        </p:spPr>
+        <p:txBody>
+          <a:bodyPr wrap="none" rtlCol="0">
+            <a:spAutoFit/>
+          </a:bodyPr>
+          <a:lstStyle/>
+          <a:p>
+            <a:r>
+              <a:rPr lang="en-US" altLang="ko-KR" sz="2400" b="1" dirty="0"/>
+              <a:t>1</a:t>
+            </a:r>
+            <a:endParaRPr lang="ko-KR" altLang="en-US" sz="2400" b="1" dirty="0"/>
+          </a:p>
+        </p:txBody>
+      </p:sp>
+    </p:spTree>
+    <p:extLst>
+      <p:ext uri="{BB962C8B-B14F-4D97-AF65-F5344CB8AC3E}">
+        <p14:creationId xmlns:p14="http://schemas.microsoft.com/office/powerpoint/2010/main" val="1638398594"/>
       </p:ext>
     </p:extLst>
   </p:cSld>

--- a/img/그림.pptx
+++ b/img/그림.pptx
@@ -38,6 +38,8 @@
     <p:sldId id="287" r:id="rId32"/>
     <p:sldId id="288" r:id="rId33"/>
     <p:sldId id="289" r:id="rId34"/>
+    <p:sldId id="290" r:id="rId35"/>
+    <p:sldId id="291" r:id="rId36"/>
   </p:sldIdLst>
   <p:sldSz cx="12192000" cy="6858000"/>
   <p:notesSz cx="6858000" cy="9144000"/>
@@ -291,7 +293,7 @@
           <a:p>
             <a:fld id="{8B2C37CC-0247-44E8-BA9D-22109B3A8D72}" type="datetimeFigureOut">
               <a:rPr lang="ko-KR" altLang="en-US" smtClean="0"/>
-              <a:t>2024-02-18</a:t>
+              <a:t>2024-03-03</a:t>
             </a:fld>
             <a:endParaRPr lang="ko-KR" altLang="en-US"/>
           </a:p>
@@ -489,7 +491,7 @@
           <a:p>
             <a:fld id="{8B2C37CC-0247-44E8-BA9D-22109B3A8D72}" type="datetimeFigureOut">
               <a:rPr lang="ko-KR" altLang="en-US" smtClean="0"/>
-              <a:t>2024-02-18</a:t>
+              <a:t>2024-03-03</a:t>
             </a:fld>
             <a:endParaRPr lang="ko-KR" altLang="en-US"/>
           </a:p>
@@ -697,7 +699,7 @@
           <a:p>
             <a:fld id="{8B2C37CC-0247-44E8-BA9D-22109B3A8D72}" type="datetimeFigureOut">
               <a:rPr lang="ko-KR" altLang="en-US" smtClean="0"/>
-              <a:t>2024-02-18</a:t>
+              <a:t>2024-03-03</a:t>
             </a:fld>
             <a:endParaRPr lang="ko-KR" altLang="en-US"/>
           </a:p>
@@ -895,7 +897,7 @@
           <a:p>
             <a:fld id="{8B2C37CC-0247-44E8-BA9D-22109B3A8D72}" type="datetimeFigureOut">
               <a:rPr lang="ko-KR" altLang="en-US" smtClean="0"/>
-              <a:t>2024-02-18</a:t>
+              <a:t>2024-03-03</a:t>
             </a:fld>
             <a:endParaRPr lang="ko-KR" altLang="en-US"/>
           </a:p>
@@ -1170,7 +1172,7 @@
           <a:p>
             <a:fld id="{8B2C37CC-0247-44E8-BA9D-22109B3A8D72}" type="datetimeFigureOut">
               <a:rPr lang="ko-KR" altLang="en-US" smtClean="0"/>
-              <a:t>2024-02-18</a:t>
+              <a:t>2024-03-03</a:t>
             </a:fld>
             <a:endParaRPr lang="ko-KR" altLang="en-US"/>
           </a:p>
@@ -1435,7 +1437,7 @@
           <a:p>
             <a:fld id="{8B2C37CC-0247-44E8-BA9D-22109B3A8D72}" type="datetimeFigureOut">
               <a:rPr lang="ko-KR" altLang="en-US" smtClean="0"/>
-              <a:t>2024-02-18</a:t>
+              <a:t>2024-03-03</a:t>
             </a:fld>
             <a:endParaRPr lang="ko-KR" altLang="en-US"/>
           </a:p>
@@ -1847,7 +1849,7 @@
           <a:p>
             <a:fld id="{8B2C37CC-0247-44E8-BA9D-22109B3A8D72}" type="datetimeFigureOut">
               <a:rPr lang="ko-KR" altLang="en-US" smtClean="0"/>
-              <a:t>2024-02-18</a:t>
+              <a:t>2024-03-03</a:t>
             </a:fld>
             <a:endParaRPr lang="ko-KR" altLang="en-US"/>
           </a:p>
@@ -1988,7 +1990,7 @@
           <a:p>
             <a:fld id="{8B2C37CC-0247-44E8-BA9D-22109B3A8D72}" type="datetimeFigureOut">
               <a:rPr lang="ko-KR" altLang="en-US" smtClean="0"/>
-              <a:t>2024-02-18</a:t>
+              <a:t>2024-03-03</a:t>
             </a:fld>
             <a:endParaRPr lang="ko-KR" altLang="en-US"/>
           </a:p>
@@ -2101,7 +2103,7 @@
           <a:p>
             <a:fld id="{8B2C37CC-0247-44E8-BA9D-22109B3A8D72}" type="datetimeFigureOut">
               <a:rPr lang="ko-KR" altLang="en-US" smtClean="0"/>
-              <a:t>2024-02-18</a:t>
+              <a:t>2024-03-03</a:t>
             </a:fld>
             <a:endParaRPr lang="ko-KR" altLang="en-US"/>
           </a:p>
@@ -2412,7 +2414,7 @@
           <a:p>
             <a:fld id="{8B2C37CC-0247-44E8-BA9D-22109B3A8D72}" type="datetimeFigureOut">
               <a:rPr lang="ko-KR" altLang="en-US" smtClean="0"/>
-              <a:t>2024-02-18</a:t>
+              <a:t>2024-03-03</a:t>
             </a:fld>
             <a:endParaRPr lang="ko-KR" altLang="en-US"/>
           </a:p>
@@ -2700,7 +2702,7 @@
           <a:p>
             <a:fld id="{8B2C37CC-0247-44E8-BA9D-22109B3A8D72}" type="datetimeFigureOut">
               <a:rPr lang="ko-KR" altLang="en-US" smtClean="0"/>
-              <a:t>2024-02-18</a:t>
+              <a:t>2024-03-03</a:t>
             </a:fld>
             <a:endParaRPr lang="ko-KR" altLang="en-US"/>
           </a:p>
@@ -2941,7 +2943,7 @@
           <a:p>
             <a:fld id="{8B2C37CC-0247-44E8-BA9D-22109B3A8D72}" type="datetimeFigureOut">
               <a:rPr lang="ko-KR" altLang="en-US" smtClean="0"/>
-              <a:t>2024-02-18</a:t>
+              <a:t>2024-03-03</a:t>
             </a:fld>
             <a:endParaRPr lang="ko-KR" altLang="en-US"/>
           </a:p>
@@ -33049,8 +33051,8 @@
           </a:p>
         </p:txBody>
       </p:sp>
-      <mc:AlternateContent xmlns:mc="http://schemas.openxmlformats.org/markup-compatibility/2006">
-        <mc:Choice xmlns:a14="http://schemas.microsoft.com/office/drawing/2010/main" Requires="a14">
+      <mc:AlternateContent xmlns:mc="http://schemas.openxmlformats.org/markup-compatibility/2006" xmlns:a14="http://schemas.microsoft.com/office/drawing/2010/main">
+        <mc:Choice Requires="a14">
           <p:sp>
             <p:nvSpPr>
               <p:cNvPr id="14" name="TextBox 13">
@@ -33111,7 +33113,7 @@
             </p:txBody>
           </p:sp>
         </mc:Choice>
-        <mc:Fallback>
+        <mc:Fallback xmlns="">
           <p:sp>
             <p:nvSpPr>
               <p:cNvPr id="14" name="TextBox 13">
@@ -35090,6 +35092,4110 @@
     <p:extLst>
       <p:ext uri="{BB962C8B-B14F-4D97-AF65-F5344CB8AC3E}">
         <p14:creationId xmlns:p14="http://schemas.microsoft.com/office/powerpoint/2010/main" val="1638398594"/>
+      </p:ext>
+    </p:extLst>
+  </p:cSld>
+  <p:clrMapOvr>
+    <a:masterClrMapping/>
+  </p:clrMapOvr>
+</p:sld>
+</file>
+
+<file path=ppt/slides/slide34.xml><?xml version="1.0" encoding="utf-8"?>
+<p:sld xmlns:a="http://schemas.openxmlformats.org/drawingml/2006/main" xmlns:r="http://schemas.openxmlformats.org/officeDocument/2006/relationships" xmlns:p="http://schemas.openxmlformats.org/presentationml/2006/main">
+  <p:cSld>
+    <p:spTree>
+      <p:nvGrpSpPr>
+        <p:cNvPr id="1" name="">
+          <a:extLst>
+            <a:ext uri="{FF2B5EF4-FFF2-40B4-BE49-F238E27FC236}">
+              <a16:creationId xmlns:a16="http://schemas.microsoft.com/office/drawing/2014/main" id="{E3E5B8D1-039A-D116-8711-86975D715430}"/>
+            </a:ext>
+          </a:extLst>
+        </p:cNvPr>
+        <p:cNvGrpSpPr/>
+        <p:nvPr/>
+      </p:nvGrpSpPr>
+      <p:grpSpPr>
+        <a:xfrm>
+          <a:off x="0" y="0"/>
+          <a:ext cx="0" cy="0"/>
+          <a:chOff x="0" y="0"/>
+          <a:chExt cx="0" cy="0"/>
+        </a:xfrm>
+      </p:grpSpPr>
+      <p:sp>
+        <p:nvSpPr>
+          <p:cNvPr id="154" name="직사각형 153">
+            <a:extLst>
+              <a:ext uri="{FF2B5EF4-FFF2-40B4-BE49-F238E27FC236}">
+                <a16:creationId xmlns:a16="http://schemas.microsoft.com/office/drawing/2014/main" id="{51D85DBB-698E-1EB8-385A-5B9608A43E26}"/>
+              </a:ext>
+            </a:extLst>
+          </p:cNvPr>
+          <p:cNvSpPr/>
+          <p:nvPr/>
+        </p:nvSpPr>
+        <p:spPr>
+          <a:xfrm>
+            <a:off x="1885950" y="-882315"/>
+            <a:ext cx="8801100" cy="9015660"/>
+          </a:xfrm>
+          <a:prstGeom prst="rect">
+            <a:avLst/>
+          </a:prstGeom>
+          <a:solidFill>
+            <a:schemeClr val="bg1"/>
+          </a:solidFill>
+          <a:ln>
+            <a:noFill/>
+          </a:ln>
+        </p:spPr>
+        <p:style>
+          <a:lnRef idx="2">
+            <a:schemeClr val="accent1">
+              <a:shade val="15000"/>
+            </a:schemeClr>
+          </a:lnRef>
+          <a:fillRef idx="1">
+            <a:schemeClr val="accent1"/>
+          </a:fillRef>
+          <a:effectRef idx="0">
+            <a:schemeClr val="accent1"/>
+          </a:effectRef>
+          <a:fontRef idx="minor">
+            <a:schemeClr val="lt1"/>
+          </a:fontRef>
+        </p:style>
+        <p:txBody>
+          <a:bodyPr rtlCol="0" anchor="ctr"/>
+          <a:lstStyle/>
+          <a:p>
+            <a:pPr algn="ctr"/>
+            <a:endParaRPr lang="ko-KR" altLang="en-US"/>
+          </a:p>
+        </p:txBody>
+      </p:sp>
+      <p:grpSp>
+        <p:nvGrpSpPr>
+          <p:cNvPr id="87" name="그룹 86">
+            <a:extLst>
+              <a:ext uri="{FF2B5EF4-FFF2-40B4-BE49-F238E27FC236}">
+                <a16:creationId xmlns:a16="http://schemas.microsoft.com/office/drawing/2014/main" id="{8517CD55-3A78-7F54-E6AD-150ABEC7F10F}"/>
+              </a:ext>
+            </a:extLst>
+          </p:cNvPr>
+          <p:cNvGrpSpPr/>
+          <p:nvPr/>
+        </p:nvGrpSpPr>
+        <p:grpSpPr>
+          <a:xfrm>
+            <a:off x="2366913" y="3584182"/>
+            <a:ext cx="7700210" cy="0"/>
+            <a:chOff x="2374232" y="3441032"/>
+            <a:chExt cx="7700210" cy="0"/>
+          </a:xfrm>
+        </p:grpSpPr>
+        <p:cxnSp>
+          <p:nvCxnSpPr>
+            <p:cNvPr id="9" name="직선 화살표 연결선 8">
+              <a:extLst>
+                <a:ext uri="{FF2B5EF4-FFF2-40B4-BE49-F238E27FC236}">
+                  <a16:creationId xmlns:a16="http://schemas.microsoft.com/office/drawing/2014/main" id="{08C62664-6957-5E93-F881-0910D8F354F0}"/>
+                </a:ext>
+              </a:extLst>
+            </p:cNvPr>
+            <p:cNvCxnSpPr/>
+            <p:nvPr/>
+          </p:nvCxnSpPr>
+          <p:spPr>
+            <a:xfrm>
+              <a:off x="6224337" y="3441032"/>
+              <a:ext cx="3850105" cy="0"/>
+            </a:xfrm>
+            <a:prstGeom prst="straightConnector1">
+              <a:avLst/>
+            </a:prstGeom>
+            <a:ln w="38100">
+              <a:solidFill>
+                <a:schemeClr val="accent2">
+                  <a:lumMod val="60000"/>
+                  <a:lumOff val="40000"/>
+                </a:schemeClr>
+              </a:solidFill>
+              <a:tailEnd type="triangle"/>
+            </a:ln>
+          </p:spPr>
+          <p:style>
+            <a:lnRef idx="2">
+              <a:schemeClr val="accent1"/>
+            </a:lnRef>
+            <a:fillRef idx="0">
+              <a:schemeClr val="accent1"/>
+            </a:fillRef>
+            <a:effectRef idx="1">
+              <a:schemeClr val="accent1"/>
+            </a:effectRef>
+            <a:fontRef idx="minor">
+              <a:schemeClr val="tx1"/>
+            </a:fontRef>
+          </p:style>
+        </p:cxnSp>
+        <p:cxnSp>
+          <p:nvCxnSpPr>
+            <p:cNvPr id="86" name="직선 화살표 연결선 85">
+              <a:extLst>
+                <a:ext uri="{FF2B5EF4-FFF2-40B4-BE49-F238E27FC236}">
+                  <a16:creationId xmlns:a16="http://schemas.microsoft.com/office/drawing/2014/main" id="{BBD4B66C-6193-B9AE-47E9-9B9DB6F851C8}"/>
+                </a:ext>
+              </a:extLst>
+            </p:cNvPr>
+            <p:cNvCxnSpPr>
+              <a:cxnSpLocks/>
+            </p:cNvCxnSpPr>
+            <p:nvPr/>
+          </p:nvCxnSpPr>
+          <p:spPr>
+            <a:xfrm rot="10800000">
+              <a:off x="2374232" y="3441032"/>
+              <a:ext cx="3850105" cy="0"/>
+            </a:xfrm>
+            <a:prstGeom prst="straightConnector1">
+              <a:avLst/>
+            </a:prstGeom>
+            <a:ln w="38100">
+              <a:solidFill>
+                <a:schemeClr val="accent2">
+                  <a:lumMod val="60000"/>
+                  <a:lumOff val="40000"/>
+                </a:schemeClr>
+              </a:solidFill>
+              <a:tailEnd type="triangle"/>
+            </a:ln>
+          </p:spPr>
+          <p:style>
+            <a:lnRef idx="2">
+              <a:schemeClr val="accent1"/>
+            </a:lnRef>
+            <a:fillRef idx="0">
+              <a:schemeClr val="accent1"/>
+            </a:fillRef>
+            <a:effectRef idx="1">
+              <a:schemeClr val="accent1"/>
+            </a:effectRef>
+            <a:fontRef idx="minor">
+              <a:schemeClr val="tx1"/>
+            </a:fontRef>
+          </p:style>
+        </p:cxnSp>
+      </p:grpSp>
+      <p:cxnSp>
+        <p:nvCxnSpPr>
+          <p:cNvPr id="92" name="직선 연결선 91">
+            <a:extLst>
+              <a:ext uri="{FF2B5EF4-FFF2-40B4-BE49-F238E27FC236}">
+                <a16:creationId xmlns:a16="http://schemas.microsoft.com/office/drawing/2014/main" id="{BDF9672E-9827-47A5-A05F-0EA2F309E156}"/>
+              </a:ext>
+            </a:extLst>
+          </p:cNvPr>
+          <p:cNvCxnSpPr>
+            <a:cxnSpLocks/>
+          </p:cNvCxnSpPr>
+          <p:nvPr/>
+        </p:nvCxnSpPr>
+        <p:spPr>
+          <a:xfrm flipV="1">
+            <a:off x="7921993" y="3584182"/>
+            <a:ext cx="0" cy="208547"/>
+          </a:xfrm>
+          <a:prstGeom prst="line">
+            <a:avLst/>
+          </a:prstGeom>
+          <a:ln w="38100">
+            <a:solidFill>
+              <a:schemeClr val="tx1"/>
+            </a:solidFill>
+          </a:ln>
+        </p:spPr>
+        <p:style>
+          <a:lnRef idx="2">
+            <a:schemeClr val="accent1"/>
+          </a:lnRef>
+          <a:fillRef idx="0">
+            <a:schemeClr val="accent1"/>
+          </a:fillRef>
+          <a:effectRef idx="1">
+            <a:schemeClr val="accent1"/>
+          </a:effectRef>
+          <a:fontRef idx="minor">
+            <a:schemeClr val="tx1"/>
+          </a:fontRef>
+        </p:style>
+      </p:cxnSp>
+      <p:cxnSp>
+        <p:nvCxnSpPr>
+          <p:cNvPr id="94" name="직선 연결선 93">
+            <a:extLst>
+              <a:ext uri="{FF2B5EF4-FFF2-40B4-BE49-F238E27FC236}">
+                <a16:creationId xmlns:a16="http://schemas.microsoft.com/office/drawing/2014/main" id="{3DD11C2E-CDEE-E7C3-773A-0185ACC485C3}"/>
+              </a:ext>
+            </a:extLst>
+          </p:cNvPr>
+          <p:cNvCxnSpPr>
+            <a:cxnSpLocks/>
+          </p:cNvCxnSpPr>
+          <p:nvPr/>
+        </p:nvCxnSpPr>
+        <p:spPr>
+          <a:xfrm flipV="1">
+            <a:off x="7071093" y="3584182"/>
+            <a:ext cx="0" cy="208547"/>
+          </a:xfrm>
+          <a:prstGeom prst="line">
+            <a:avLst/>
+          </a:prstGeom>
+          <a:ln w="38100">
+            <a:solidFill>
+              <a:schemeClr val="tx1"/>
+            </a:solidFill>
+          </a:ln>
+        </p:spPr>
+        <p:style>
+          <a:lnRef idx="2">
+            <a:schemeClr val="accent1"/>
+          </a:lnRef>
+          <a:fillRef idx="0">
+            <a:schemeClr val="accent1"/>
+          </a:fillRef>
+          <a:effectRef idx="1">
+            <a:schemeClr val="accent1"/>
+          </a:effectRef>
+          <a:fontRef idx="minor">
+            <a:schemeClr val="tx1"/>
+          </a:fontRef>
+        </p:style>
+      </p:cxnSp>
+      <p:cxnSp>
+        <p:nvCxnSpPr>
+          <p:cNvPr id="96" name="직선 연결선 95">
+            <a:extLst>
+              <a:ext uri="{FF2B5EF4-FFF2-40B4-BE49-F238E27FC236}">
+                <a16:creationId xmlns:a16="http://schemas.microsoft.com/office/drawing/2014/main" id="{08646BA9-B3C8-4019-2AFF-DD40C096BD86}"/>
+              </a:ext>
+            </a:extLst>
+          </p:cNvPr>
+          <p:cNvCxnSpPr>
+            <a:cxnSpLocks/>
+          </p:cNvCxnSpPr>
+          <p:nvPr/>
+        </p:nvCxnSpPr>
+        <p:spPr>
+          <a:xfrm flipV="1">
+            <a:off x="7921993" y="3584182"/>
+            <a:ext cx="0" cy="208547"/>
+          </a:xfrm>
+          <a:prstGeom prst="line">
+            <a:avLst/>
+          </a:prstGeom>
+          <a:ln w="38100">
+            <a:solidFill>
+              <a:schemeClr val="tx1"/>
+            </a:solidFill>
+          </a:ln>
+        </p:spPr>
+        <p:style>
+          <a:lnRef idx="2">
+            <a:schemeClr val="accent1"/>
+          </a:lnRef>
+          <a:fillRef idx="0">
+            <a:schemeClr val="accent1"/>
+          </a:fillRef>
+          <a:effectRef idx="1">
+            <a:schemeClr val="accent1"/>
+          </a:effectRef>
+          <a:fontRef idx="minor">
+            <a:schemeClr val="tx1"/>
+          </a:fontRef>
+        </p:style>
+      </p:cxnSp>
+      <p:cxnSp>
+        <p:nvCxnSpPr>
+          <p:cNvPr id="97" name="직선 연결선 96">
+            <a:extLst>
+              <a:ext uri="{FF2B5EF4-FFF2-40B4-BE49-F238E27FC236}">
+                <a16:creationId xmlns:a16="http://schemas.microsoft.com/office/drawing/2014/main" id="{23B0BF28-D850-32DE-C4CC-882D172A355E}"/>
+              </a:ext>
+            </a:extLst>
+          </p:cNvPr>
+          <p:cNvCxnSpPr>
+            <a:cxnSpLocks/>
+          </p:cNvCxnSpPr>
+          <p:nvPr/>
+        </p:nvCxnSpPr>
+        <p:spPr>
+          <a:xfrm flipV="1">
+            <a:off x="9623793" y="3584182"/>
+            <a:ext cx="0" cy="208547"/>
+          </a:xfrm>
+          <a:prstGeom prst="line">
+            <a:avLst/>
+          </a:prstGeom>
+          <a:ln w="38100">
+            <a:solidFill>
+              <a:schemeClr val="tx1"/>
+            </a:solidFill>
+          </a:ln>
+        </p:spPr>
+        <p:style>
+          <a:lnRef idx="2">
+            <a:schemeClr val="accent1"/>
+          </a:lnRef>
+          <a:fillRef idx="0">
+            <a:schemeClr val="accent1"/>
+          </a:fillRef>
+          <a:effectRef idx="1">
+            <a:schemeClr val="accent1"/>
+          </a:effectRef>
+          <a:fontRef idx="minor">
+            <a:schemeClr val="tx1"/>
+          </a:fontRef>
+        </p:style>
+      </p:cxnSp>
+      <p:cxnSp>
+        <p:nvCxnSpPr>
+          <p:cNvPr id="98" name="직선 연결선 97">
+            <a:extLst>
+              <a:ext uri="{FF2B5EF4-FFF2-40B4-BE49-F238E27FC236}">
+                <a16:creationId xmlns:a16="http://schemas.microsoft.com/office/drawing/2014/main" id="{6D302C22-4365-FDBC-1BC3-EC9B31B9C030}"/>
+              </a:ext>
+            </a:extLst>
+          </p:cNvPr>
+          <p:cNvCxnSpPr>
+            <a:cxnSpLocks/>
+          </p:cNvCxnSpPr>
+          <p:nvPr/>
+        </p:nvCxnSpPr>
+        <p:spPr>
+          <a:xfrm flipV="1">
+            <a:off x="8772893" y="3584182"/>
+            <a:ext cx="0" cy="208547"/>
+          </a:xfrm>
+          <a:prstGeom prst="line">
+            <a:avLst/>
+          </a:prstGeom>
+          <a:ln w="38100">
+            <a:solidFill>
+              <a:schemeClr val="tx1"/>
+            </a:solidFill>
+          </a:ln>
+        </p:spPr>
+        <p:style>
+          <a:lnRef idx="2">
+            <a:schemeClr val="accent1"/>
+          </a:lnRef>
+          <a:fillRef idx="0">
+            <a:schemeClr val="accent1"/>
+          </a:fillRef>
+          <a:effectRef idx="1">
+            <a:schemeClr val="accent1"/>
+          </a:effectRef>
+          <a:fontRef idx="minor">
+            <a:schemeClr val="tx1"/>
+          </a:fontRef>
+        </p:style>
+      </p:cxnSp>
+      <p:cxnSp>
+        <p:nvCxnSpPr>
+          <p:cNvPr id="131" name="직선 연결선 130">
+            <a:extLst>
+              <a:ext uri="{FF2B5EF4-FFF2-40B4-BE49-F238E27FC236}">
+                <a16:creationId xmlns:a16="http://schemas.microsoft.com/office/drawing/2014/main" id="{5060B188-A53D-5303-379F-501726CBD9D8}"/>
+              </a:ext>
+            </a:extLst>
+          </p:cNvPr>
+          <p:cNvCxnSpPr>
+            <a:cxnSpLocks/>
+          </p:cNvCxnSpPr>
+          <p:nvPr/>
+        </p:nvCxnSpPr>
+        <p:spPr>
+          <a:xfrm flipV="1">
+            <a:off x="2810243" y="3584182"/>
+            <a:ext cx="0" cy="208547"/>
+          </a:xfrm>
+          <a:prstGeom prst="line">
+            <a:avLst/>
+          </a:prstGeom>
+          <a:ln w="38100">
+            <a:solidFill>
+              <a:schemeClr val="tx1"/>
+            </a:solidFill>
+          </a:ln>
+        </p:spPr>
+        <p:style>
+          <a:lnRef idx="2">
+            <a:schemeClr val="accent1"/>
+          </a:lnRef>
+          <a:fillRef idx="0">
+            <a:schemeClr val="accent1"/>
+          </a:fillRef>
+          <a:effectRef idx="1">
+            <a:schemeClr val="accent1"/>
+          </a:effectRef>
+          <a:fontRef idx="minor">
+            <a:schemeClr val="tx1"/>
+          </a:fontRef>
+        </p:style>
+      </p:cxnSp>
+      <p:cxnSp>
+        <p:nvCxnSpPr>
+          <p:cNvPr id="132" name="직선 연결선 131">
+            <a:extLst>
+              <a:ext uri="{FF2B5EF4-FFF2-40B4-BE49-F238E27FC236}">
+                <a16:creationId xmlns:a16="http://schemas.microsoft.com/office/drawing/2014/main" id="{2C338578-CE87-CFE6-20FF-E79036BCD137}"/>
+              </a:ext>
+            </a:extLst>
+          </p:cNvPr>
+          <p:cNvCxnSpPr>
+            <a:cxnSpLocks/>
+          </p:cNvCxnSpPr>
+          <p:nvPr/>
+        </p:nvCxnSpPr>
+        <p:spPr>
+          <a:xfrm flipV="1">
+            <a:off x="4512043" y="3584182"/>
+            <a:ext cx="0" cy="208547"/>
+          </a:xfrm>
+          <a:prstGeom prst="line">
+            <a:avLst/>
+          </a:prstGeom>
+          <a:ln w="38100">
+            <a:solidFill>
+              <a:schemeClr val="tx1"/>
+            </a:solidFill>
+          </a:ln>
+        </p:spPr>
+        <p:style>
+          <a:lnRef idx="2">
+            <a:schemeClr val="accent1"/>
+          </a:lnRef>
+          <a:fillRef idx="0">
+            <a:schemeClr val="accent1"/>
+          </a:fillRef>
+          <a:effectRef idx="1">
+            <a:schemeClr val="accent1"/>
+          </a:effectRef>
+          <a:fontRef idx="minor">
+            <a:schemeClr val="tx1"/>
+          </a:fontRef>
+        </p:style>
+      </p:cxnSp>
+      <p:cxnSp>
+        <p:nvCxnSpPr>
+          <p:cNvPr id="133" name="직선 연결선 132">
+            <a:extLst>
+              <a:ext uri="{FF2B5EF4-FFF2-40B4-BE49-F238E27FC236}">
+                <a16:creationId xmlns:a16="http://schemas.microsoft.com/office/drawing/2014/main" id="{B71AC71E-AF1A-BB23-B192-006D7E428948}"/>
+              </a:ext>
+            </a:extLst>
+          </p:cNvPr>
+          <p:cNvCxnSpPr>
+            <a:cxnSpLocks/>
+          </p:cNvCxnSpPr>
+          <p:nvPr/>
+        </p:nvCxnSpPr>
+        <p:spPr>
+          <a:xfrm flipV="1">
+            <a:off x="3661143" y="3584182"/>
+            <a:ext cx="0" cy="208547"/>
+          </a:xfrm>
+          <a:prstGeom prst="line">
+            <a:avLst/>
+          </a:prstGeom>
+          <a:ln w="38100">
+            <a:solidFill>
+              <a:schemeClr val="tx1"/>
+            </a:solidFill>
+          </a:ln>
+        </p:spPr>
+        <p:style>
+          <a:lnRef idx="2">
+            <a:schemeClr val="accent1"/>
+          </a:lnRef>
+          <a:fillRef idx="0">
+            <a:schemeClr val="accent1"/>
+          </a:fillRef>
+          <a:effectRef idx="1">
+            <a:schemeClr val="accent1"/>
+          </a:effectRef>
+          <a:fontRef idx="minor">
+            <a:schemeClr val="tx1"/>
+          </a:fontRef>
+        </p:style>
+      </p:cxnSp>
+      <p:cxnSp>
+        <p:nvCxnSpPr>
+          <p:cNvPr id="134" name="직선 연결선 133">
+            <a:extLst>
+              <a:ext uri="{FF2B5EF4-FFF2-40B4-BE49-F238E27FC236}">
+                <a16:creationId xmlns:a16="http://schemas.microsoft.com/office/drawing/2014/main" id="{A570CDB1-54AE-8A12-25A3-07C81B7A233E}"/>
+              </a:ext>
+            </a:extLst>
+          </p:cNvPr>
+          <p:cNvCxnSpPr>
+            <a:cxnSpLocks/>
+          </p:cNvCxnSpPr>
+          <p:nvPr/>
+        </p:nvCxnSpPr>
+        <p:spPr>
+          <a:xfrm flipV="1">
+            <a:off x="4512043" y="3584182"/>
+            <a:ext cx="0" cy="208547"/>
+          </a:xfrm>
+          <a:prstGeom prst="line">
+            <a:avLst/>
+          </a:prstGeom>
+          <a:ln w="38100">
+            <a:solidFill>
+              <a:schemeClr val="tx1"/>
+            </a:solidFill>
+          </a:ln>
+        </p:spPr>
+        <p:style>
+          <a:lnRef idx="2">
+            <a:schemeClr val="accent1"/>
+          </a:lnRef>
+          <a:fillRef idx="0">
+            <a:schemeClr val="accent1"/>
+          </a:fillRef>
+          <a:effectRef idx="1">
+            <a:schemeClr val="accent1"/>
+          </a:effectRef>
+          <a:fontRef idx="minor">
+            <a:schemeClr val="tx1"/>
+          </a:fontRef>
+        </p:style>
+      </p:cxnSp>
+      <p:cxnSp>
+        <p:nvCxnSpPr>
+          <p:cNvPr id="136" name="직선 연결선 135">
+            <a:extLst>
+              <a:ext uri="{FF2B5EF4-FFF2-40B4-BE49-F238E27FC236}">
+                <a16:creationId xmlns:a16="http://schemas.microsoft.com/office/drawing/2014/main" id="{7B574BFE-3287-B982-01E3-205E9691A73F}"/>
+              </a:ext>
+            </a:extLst>
+          </p:cNvPr>
+          <p:cNvCxnSpPr>
+            <a:cxnSpLocks/>
+          </p:cNvCxnSpPr>
+          <p:nvPr/>
+        </p:nvCxnSpPr>
+        <p:spPr>
+          <a:xfrm flipV="1">
+            <a:off x="5362943" y="3584182"/>
+            <a:ext cx="0" cy="208547"/>
+          </a:xfrm>
+          <a:prstGeom prst="line">
+            <a:avLst/>
+          </a:prstGeom>
+          <a:ln w="38100">
+            <a:solidFill>
+              <a:schemeClr val="tx1"/>
+            </a:solidFill>
+          </a:ln>
+        </p:spPr>
+        <p:style>
+          <a:lnRef idx="2">
+            <a:schemeClr val="accent1"/>
+          </a:lnRef>
+          <a:fillRef idx="0">
+            <a:schemeClr val="accent1"/>
+          </a:fillRef>
+          <a:effectRef idx="1">
+            <a:schemeClr val="accent1"/>
+          </a:effectRef>
+          <a:fontRef idx="minor">
+            <a:schemeClr val="tx1"/>
+          </a:fontRef>
+        </p:style>
+      </p:cxnSp>
+      <p:sp>
+        <p:nvSpPr>
+          <p:cNvPr id="138" name="TextBox 137">
+            <a:extLst>
+              <a:ext uri="{FF2B5EF4-FFF2-40B4-BE49-F238E27FC236}">
+                <a16:creationId xmlns:a16="http://schemas.microsoft.com/office/drawing/2014/main" id="{7A9005C0-D1A0-3C1D-1BB8-6995FAFF64D5}"/>
+              </a:ext>
+            </a:extLst>
+          </p:cNvPr>
+          <p:cNvSpPr txBox="1"/>
+          <p:nvPr/>
+        </p:nvSpPr>
+        <p:spPr>
+          <a:xfrm>
+            <a:off x="10113098" y="3329285"/>
+            <a:ext cx="349776" cy="461665"/>
+          </a:xfrm>
+          <a:prstGeom prst="rect">
+            <a:avLst/>
+          </a:prstGeom>
+          <a:noFill/>
+        </p:spPr>
+        <p:txBody>
+          <a:bodyPr wrap="none" rtlCol="0">
+            <a:spAutoFit/>
+          </a:bodyPr>
+          <a:lstStyle/>
+          <a:p>
+            <a:r>
+              <a:rPr lang="en-US" altLang="ko-KR" sz="2400" b="1" dirty="0"/>
+              <a:t>x</a:t>
+            </a:r>
+            <a:endParaRPr lang="ko-KR" altLang="en-US" sz="2400" b="1" dirty="0"/>
+          </a:p>
+        </p:txBody>
+      </p:sp>
+      <p:sp>
+        <p:nvSpPr>
+          <p:cNvPr id="141" name="TextBox 140">
+            <a:extLst>
+              <a:ext uri="{FF2B5EF4-FFF2-40B4-BE49-F238E27FC236}">
+                <a16:creationId xmlns:a16="http://schemas.microsoft.com/office/drawing/2014/main" id="{372B8496-0726-83E3-B747-273CAED67037}"/>
+              </a:ext>
+            </a:extLst>
+          </p:cNvPr>
+          <p:cNvSpPr txBox="1"/>
+          <p:nvPr/>
+        </p:nvSpPr>
+        <p:spPr>
+          <a:xfrm>
+            <a:off x="6901753" y="3790950"/>
+            <a:ext cx="362600" cy="461665"/>
+          </a:xfrm>
+          <a:prstGeom prst="rect">
+            <a:avLst/>
+          </a:prstGeom>
+          <a:noFill/>
+        </p:spPr>
+        <p:txBody>
+          <a:bodyPr wrap="none" rtlCol="0">
+            <a:spAutoFit/>
+          </a:bodyPr>
+          <a:lstStyle/>
+          <a:p>
+            <a:r>
+              <a:rPr lang="en-US" altLang="ko-KR" sz="2400" b="1" dirty="0"/>
+              <a:t>1</a:t>
+            </a:r>
+            <a:endParaRPr lang="ko-KR" altLang="en-US" sz="2400" b="1" dirty="0"/>
+          </a:p>
+        </p:txBody>
+      </p:sp>
+      <p:sp>
+        <p:nvSpPr>
+          <p:cNvPr id="143" name="TextBox 142">
+            <a:extLst>
+              <a:ext uri="{FF2B5EF4-FFF2-40B4-BE49-F238E27FC236}">
+                <a16:creationId xmlns:a16="http://schemas.microsoft.com/office/drawing/2014/main" id="{BF9AE673-D086-A4BB-1E2A-0D3291F7CFB3}"/>
+              </a:ext>
+            </a:extLst>
+          </p:cNvPr>
+          <p:cNvSpPr txBox="1"/>
+          <p:nvPr/>
+        </p:nvSpPr>
+        <p:spPr>
+          <a:xfrm>
+            <a:off x="7758264" y="3790950"/>
+            <a:ext cx="362600" cy="461665"/>
+          </a:xfrm>
+          <a:prstGeom prst="rect">
+            <a:avLst/>
+          </a:prstGeom>
+          <a:noFill/>
+        </p:spPr>
+        <p:txBody>
+          <a:bodyPr wrap="none" rtlCol="0">
+            <a:spAutoFit/>
+          </a:bodyPr>
+          <a:lstStyle/>
+          <a:p>
+            <a:r>
+              <a:rPr lang="en-US" altLang="ko-KR" sz="2400" b="1" dirty="0"/>
+              <a:t>2</a:t>
+            </a:r>
+            <a:endParaRPr lang="ko-KR" altLang="en-US" sz="2400" b="1" dirty="0"/>
+          </a:p>
+        </p:txBody>
+      </p:sp>
+      <p:sp>
+        <p:nvSpPr>
+          <p:cNvPr id="145" name="TextBox 144">
+            <a:extLst>
+              <a:ext uri="{FF2B5EF4-FFF2-40B4-BE49-F238E27FC236}">
+                <a16:creationId xmlns:a16="http://schemas.microsoft.com/office/drawing/2014/main" id="{A9452D43-E680-D1B0-8941-46B802373D3D}"/>
+              </a:ext>
+            </a:extLst>
+          </p:cNvPr>
+          <p:cNvSpPr txBox="1"/>
+          <p:nvPr/>
+        </p:nvSpPr>
+        <p:spPr>
+          <a:xfrm>
+            <a:off x="8614775" y="3790950"/>
+            <a:ext cx="362600" cy="461665"/>
+          </a:xfrm>
+          <a:prstGeom prst="rect">
+            <a:avLst/>
+          </a:prstGeom>
+          <a:noFill/>
+        </p:spPr>
+        <p:txBody>
+          <a:bodyPr wrap="none" rtlCol="0">
+            <a:spAutoFit/>
+          </a:bodyPr>
+          <a:lstStyle/>
+          <a:p>
+            <a:r>
+              <a:rPr lang="en-US" altLang="ko-KR" sz="2400" b="1" dirty="0"/>
+              <a:t>3</a:t>
+            </a:r>
+            <a:endParaRPr lang="ko-KR" altLang="en-US" sz="2400" b="1" dirty="0"/>
+          </a:p>
+        </p:txBody>
+      </p:sp>
+      <p:sp>
+        <p:nvSpPr>
+          <p:cNvPr id="146" name="TextBox 145">
+            <a:extLst>
+              <a:ext uri="{FF2B5EF4-FFF2-40B4-BE49-F238E27FC236}">
+                <a16:creationId xmlns:a16="http://schemas.microsoft.com/office/drawing/2014/main" id="{75DC9A7B-D153-7E3D-8F2C-79B413257A6F}"/>
+              </a:ext>
+            </a:extLst>
+          </p:cNvPr>
+          <p:cNvSpPr txBox="1"/>
+          <p:nvPr/>
+        </p:nvSpPr>
+        <p:spPr>
+          <a:xfrm>
+            <a:off x="9471286" y="3790950"/>
+            <a:ext cx="362600" cy="461665"/>
+          </a:xfrm>
+          <a:prstGeom prst="rect">
+            <a:avLst/>
+          </a:prstGeom>
+          <a:noFill/>
+        </p:spPr>
+        <p:txBody>
+          <a:bodyPr wrap="none" rtlCol="0">
+            <a:spAutoFit/>
+          </a:bodyPr>
+          <a:lstStyle/>
+          <a:p>
+            <a:r>
+              <a:rPr lang="en-US" altLang="ko-KR" sz="2400" b="1" dirty="0"/>
+              <a:t>4</a:t>
+            </a:r>
+            <a:endParaRPr lang="ko-KR" altLang="en-US" sz="2400" b="1" dirty="0"/>
+          </a:p>
+        </p:txBody>
+      </p:sp>
+      <p:sp>
+        <p:nvSpPr>
+          <p:cNvPr id="147" name="TextBox 146">
+            <a:extLst>
+              <a:ext uri="{FF2B5EF4-FFF2-40B4-BE49-F238E27FC236}">
+                <a16:creationId xmlns:a16="http://schemas.microsoft.com/office/drawing/2014/main" id="{1606A42B-97C6-5F28-A3F0-2A19D6113473}"/>
+              </a:ext>
+            </a:extLst>
+          </p:cNvPr>
+          <p:cNvSpPr txBox="1"/>
+          <p:nvPr/>
+        </p:nvSpPr>
+        <p:spPr>
+          <a:xfrm>
+            <a:off x="2611690" y="3790950"/>
+            <a:ext cx="489236" cy="461665"/>
+          </a:xfrm>
+          <a:prstGeom prst="rect">
+            <a:avLst/>
+          </a:prstGeom>
+          <a:noFill/>
+        </p:spPr>
+        <p:txBody>
+          <a:bodyPr wrap="none" rtlCol="0">
+            <a:spAutoFit/>
+          </a:bodyPr>
+          <a:lstStyle/>
+          <a:p>
+            <a:r>
+              <a:rPr lang="en-US" altLang="ko-KR" sz="2400" b="1" dirty="0"/>
+              <a:t>-4</a:t>
+            </a:r>
+            <a:endParaRPr lang="ko-KR" altLang="en-US" sz="2400" b="1" dirty="0"/>
+          </a:p>
+        </p:txBody>
+      </p:sp>
+      <p:sp>
+        <p:nvSpPr>
+          <p:cNvPr id="148" name="TextBox 147">
+            <a:extLst>
+              <a:ext uri="{FF2B5EF4-FFF2-40B4-BE49-F238E27FC236}">
+                <a16:creationId xmlns:a16="http://schemas.microsoft.com/office/drawing/2014/main" id="{A58B9DE4-B015-C3DA-4A7E-D19CC484FC8F}"/>
+              </a:ext>
+            </a:extLst>
+          </p:cNvPr>
+          <p:cNvSpPr txBox="1"/>
+          <p:nvPr/>
+        </p:nvSpPr>
+        <p:spPr>
+          <a:xfrm>
+            <a:off x="3468939" y="3790950"/>
+            <a:ext cx="489236" cy="461665"/>
+          </a:xfrm>
+          <a:prstGeom prst="rect">
+            <a:avLst/>
+          </a:prstGeom>
+          <a:noFill/>
+        </p:spPr>
+        <p:txBody>
+          <a:bodyPr wrap="none" rtlCol="0">
+            <a:spAutoFit/>
+          </a:bodyPr>
+          <a:lstStyle/>
+          <a:p>
+            <a:r>
+              <a:rPr lang="en-US" altLang="ko-KR" sz="2400" b="1" dirty="0"/>
+              <a:t>-3</a:t>
+            </a:r>
+            <a:endParaRPr lang="ko-KR" altLang="en-US" sz="2400" b="1" dirty="0"/>
+          </a:p>
+        </p:txBody>
+      </p:sp>
+      <p:sp>
+        <p:nvSpPr>
+          <p:cNvPr id="149" name="TextBox 148">
+            <a:extLst>
+              <a:ext uri="{FF2B5EF4-FFF2-40B4-BE49-F238E27FC236}">
+                <a16:creationId xmlns:a16="http://schemas.microsoft.com/office/drawing/2014/main" id="{1D012B28-3FAA-0946-2BD0-0C647CAE5176}"/>
+              </a:ext>
+            </a:extLst>
+          </p:cNvPr>
+          <p:cNvSpPr txBox="1"/>
+          <p:nvPr/>
+        </p:nvSpPr>
+        <p:spPr>
+          <a:xfrm>
+            <a:off x="4325450" y="3790950"/>
+            <a:ext cx="489236" cy="461665"/>
+          </a:xfrm>
+          <a:prstGeom prst="rect">
+            <a:avLst/>
+          </a:prstGeom>
+          <a:noFill/>
+        </p:spPr>
+        <p:txBody>
+          <a:bodyPr wrap="none" rtlCol="0">
+            <a:spAutoFit/>
+          </a:bodyPr>
+          <a:lstStyle/>
+          <a:p>
+            <a:r>
+              <a:rPr lang="en-US" altLang="ko-KR" sz="2400" b="1" dirty="0"/>
+              <a:t>-2</a:t>
+            </a:r>
+            <a:endParaRPr lang="ko-KR" altLang="en-US" sz="2400" b="1" dirty="0"/>
+          </a:p>
+        </p:txBody>
+      </p:sp>
+      <p:sp>
+        <p:nvSpPr>
+          <p:cNvPr id="150" name="TextBox 149">
+            <a:extLst>
+              <a:ext uri="{FF2B5EF4-FFF2-40B4-BE49-F238E27FC236}">
+                <a16:creationId xmlns:a16="http://schemas.microsoft.com/office/drawing/2014/main" id="{928F426B-6747-1D49-BC1B-DFB196AD1BC5}"/>
+              </a:ext>
+            </a:extLst>
+          </p:cNvPr>
+          <p:cNvSpPr txBox="1"/>
+          <p:nvPr/>
+        </p:nvSpPr>
+        <p:spPr>
+          <a:xfrm>
+            <a:off x="5181961" y="3790950"/>
+            <a:ext cx="489236" cy="461665"/>
+          </a:xfrm>
+          <a:prstGeom prst="rect">
+            <a:avLst/>
+          </a:prstGeom>
+          <a:noFill/>
+        </p:spPr>
+        <p:txBody>
+          <a:bodyPr wrap="none" rtlCol="0">
+            <a:spAutoFit/>
+          </a:bodyPr>
+          <a:lstStyle/>
+          <a:p>
+            <a:r>
+              <a:rPr lang="en-US" altLang="ko-KR" sz="2400" b="1" dirty="0"/>
+              <a:t>-1</a:t>
+            </a:r>
+            <a:endParaRPr lang="ko-KR" altLang="en-US" sz="2400" b="1" dirty="0"/>
+          </a:p>
+        </p:txBody>
+      </p:sp>
+      <p:sp>
+        <p:nvSpPr>
+          <p:cNvPr id="29" name="TextBox 28">
+            <a:extLst>
+              <a:ext uri="{FF2B5EF4-FFF2-40B4-BE49-F238E27FC236}">
+                <a16:creationId xmlns:a16="http://schemas.microsoft.com/office/drawing/2014/main" id="{64809E19-F708-827D-A0BB-026236714213}"/>
+              </a:ext>
+            </a:extLst>
+          </p:cNvPr>
+          <p:cNvSpPr txBox="1"/>
+          <p:nvPr/>
+        </p:nvSpPr>
+        <p:spPr>
+          <a:xfrm>
+            <a:off x="6292198" y="3648089"/>
+            <a:ext cx="362600" cy="461665"/>
+          </a:xfrm>
+          <a:prstGeom prst="rect">
+            <a:avLst/>
+          </a:prstGeom>
+          <a:noFill/>
+        </p:spPr>
+        <p:txBody>
+          <a:bodyPr wrap="none" rtlCol="0">
+            <a:spAutoFit/>
+          </a:bodyPr>
+          <a:lstStyle/>
+          <a:p>
+            <a:r>
+              <a:rPr lang="en-US" altLang="ko-KR" sz="2400" b="1" dirty="0"/>
+              <a:t>0</a:t>
+            </a:r>
+            <a:endParaRPr lang="ko-KR" altLang="en-US" sz="2400" b="1" dirty="0"/>
+          </a:p>
+        </p:txBody>
+      </p:sp>
+      <p:grpSp>
+        <p:nvGrpSpPr>
+          <p:cNvPr id="5" name="그룹 4">
+            <a:extLst>
+              <a:ext uri="{FF2B5EF4-FFF2-40B4-BE49-F238E27FC236}">
+                <a16:creationId xmlns:a16="http://schemas.microsoft.com/office/drawing/2014/main" id="{943A615E-6256-F60B-C2AE-8CAF4C39C06A}"/>
+              </a:ext>
+            </a:extLst>
+          </p:cNvPr>
+          <p:cNvGrpSpPr/>
+          <p:nvPr/>
+        </p:nvGrpSpPr>
+        <p:grpSpPr>
+          <a:xfrm rot="5400000">
+            <a:off x="2391422" y="3584182"/>
+            <a:ext cx="7700210" cy="0"/>
+            <a:chOff x="2374232" y="3441032"/>
+            <a:chExt cx="7700210" cy="0"/>
+          </a:xfrm>
+        </p:grpSpPr>
+        <p:cxnSp>
+          <p:nvCxnSpPr>
+            <p:cNvPr id="27" name="직선 화살표 연결선 26">
+              <a:extLst>
+                <a:ext uri="{FF2B5EF4-FFF2-40B4-BE49-F238E27FC236}">
+                  <a16:creationId xmlns:a16="http://schemas.microsoft.com/office/drawing/2014/main" id="{F26C8503-36F8-688A-7026-BDC98E8FF4D6}"/>
+                </a:ext>
+              </a:extLst>
+            </p:cNvPr>
+            <p:cNvCxnSpPr/>
+            <p:nvPr/>
+          </p:nvCxnSpPr>
+          <p:spPr>
+            <a:xfrm>
+              <a:off x="6224337" y="3441032"/>
+              <a:ext cx="3850105" cy="0"/>
+            </a:xfrm>
+            <a:prstGeom prst="straightConnector1">
+              <a:avLst/>
+            </a:prstGeom>
+            <a:ln w="38100">
+              <a:solidFill>
+                <a:schemeClr val="accent1">
+                  <a:lumMod val="60000"/>
+                  <a:lumOff val="40000"/>
+                </a:schemeClr>
+              </a:solidFill>
+              <a:tailEnd type="triangle"/>
+            </a:ln>
+          </p:spPr>
+          <p:style>
+            <a:lnRef idx="2">
+              <a:schemeClr val="accent1"/>
+            </a:lnRef>
+            <a:fillRef idx="0">
+              <a:schemeClr val="accent1"/>
+            </a:fillRef>
+            <a:effectRef idx="1">
+              <a:schemeClr val="accent1"/>
+            </a:effectRef>
+            <a:fontRef idx="minor">
+              <a:schemeClr val="tx1"/>
+            </a:fontRef>
+          </p:style>
+        </p:cxnSp>
+        <p:cxnSp>
+          <p:nvCxnSpPr>
+            <p:cNvPr id="28" name="직선 화살표 연결선 27">
+              <a:extLst>
+                <a:ext uri="{FF2B5EF4-FFF2-40B4-BE49-F238E27FC236}">
+                  <a16:creationId xmlns:a16="http://schemas.microsoft.com/office/drawing/2014/main" id="{622150A9-A6CA-F0FE-0127-9781592D032C}"/>
+                </a:ext>
+              </a:extLst>
+            </p:cNvPr>
+            <p:cNvCxnSpPr>
+              <a:cxnSpLocks/>
+            </p:cNvCxnSpPr>
+            <p:nvPr/>
+          </p:nvCxnSpPr>
+          <p:spPr>
+            <a:xfrm rot="10800000">
+              <a:off x="2374232" y="3441032"/>
+              <a:ext cx="3850105" cy="0"/>
+            </a:xfrm>
+            <a:prstGeom prst="straightConnector1">
+              <a:avLst/>
+            </a:prstGeom>
+            <a:ln w="38100">
+              <a:solidFill>
+                <a:schemeClr val="accent1">
+                  <a:lumMod val="60000"/>
+                  <a:lumOff val="40000"/>
+                </a:schemeClr>
+              </a:solidFill>
+              <a:tailEnd type="triangle"/>
+            </a:ln>
+          </p:spPr>
+          <p:style>
+            <a:lnRef idx="2">
+              <a:schemeClr val="accent1"/>
+            </a:lnRef>
+            <a:fillRef idx="0">
+              <a:schemeClr val="accent1"/>
+            </a:fillRef>
+            <a:effectRef idx="1">
+              <a:schemeClr val="accent1"/>
+            </a:effectRef>
+            <a:fontRef idx="minor">
+              <a:schemeClr val="tx1"/>
+            </a:fontRef>
+          </p:style>
+        </p:cxnSp>
+      </p:grpSp>
+      <p:cxnSp>
+        <p:nvCxnSpPr>
+          <p:cNvPr id="6" name="직선 연결선 5">
+            <a:extLst>
+              <a:ext uri="{FF2B5EF4-FFF2-40B4-BE49-F238E27FC236}">
+                <a16:creationId xmlns:a16="http://schemas.microsoft.com/office/drawing/2014/main" id="{88697FB0-CFB0-625F-5B14-75C768E56F06}"/>
+              </a:ext>
+            </a:extLst>
+          </p:cNvPr>
+          <p:cNvCxnSpPr>
+            <a:cxnSpLocks/>
+          </p:cNvCxnSpPr>
+          <p:nvPr/>
+        </p:nvCxnSpPr>
+        <p:spPr>
+          <a:xfrm rot="5400000" flipV="1">
+            <a:off x="6137254" y="5184884"/>
+            <a:ext cx="0" cy="208547"/>
+          </a:xfrm>
+          <a:prstGeom prst="line">
+            <a:avLst/>
+          </a:prstGeom>
+          <a:ln w="38100">
+            <a:solidFill>
+              <a:schemeClr val="tx1"/>
+            </a:solidFill>
+          </a:ln>
+        </p:spPr>
+        <p:style>
+          <a:lnRef idx="2">
+            <a:schemeClr val="accent1"/>
+          </a:lnRef>
+          <a:fillRef idx="0">
+            <a:schemeClr val="accent1"/>
+          </a:fillRef>
+          <a:effectRef idx="1">
+            <a:schemeClr val="accent1"/>
+          </a:effectRef>
+          <a:fontRef idx="minor">
+            <a:schemeClr val="tx1"/>
+          </a:fontRef>
+        </p:style>
+      </p:cxnSp>
+      <p:cxnSp>
+        <p:nvCxnSpPr>
+          <p:cNvPr id="7" name="직선 연결선 6">
+            <a:extLst>
+              <a:ext uri="{FF2B5EF4-FFF2-40B4-BE49-F238E27FC236}">
+                <a16:creationId xmlns:a16="http://schemas.microsoft.com/office/drawing/2014/main" id="{04EDDBD8-E4A5-075B-354D-3434696EED0E}"/>
+              </a:ext>
+            </a:extLst>
+          </p:cNvPr>
+          <p:cNvCxnSpPr>
+            <a:cxnSpLocks/>
+          </p:cNvCxnSpPr>
+          <p:nvPr/>
+        </p:nvCxnSpPr>
+        <p:spPr>
+          <a:xfrm rot="5400000" flipV="1">
+            <a:off x="6137254" y="4333984"/>
+            <a:ext cx="0" cy="208547"/>
+          </a:xfrm>
+          <a:prstGeom prst="line">
+            <a:avLst/>
+          </a:prstGeom>
+          <a:ln w="38100">
+            <a:solidFill>
+              <a:schemeClr val="tx1"/>
+            </a:solidFill>
+          </a:ln>
+        </p:spPr>
+        <p:style>
+          <a:lnRef idx="2">
+            <a:schemeClr val="accent1"/>
+          </a:lnRef>
+          <a:fillRef idx="0">
+            <a:schemeClr val="accent1"/>
+          </a:fillRef>
+          <a:effectRef idx="1">
+            <a:schemeClr val="accent1"/>
+          </a:effectRef>
+          <a:fontRef idx="minor">
+            <a:schemeClr val="tx1"/>
+          </a:fontRef>
+        </p:style>
+      </p:cxnSp>
+      <p:cxnSp>
+        <p:nvCxnSpPr>
+          <p:cNvPr id="8" name="직선 연결선 7">
+            <a:extLst>
+              <a:ext uri="{FF2B5EF4-FFF2-40B4-BE49-F238E27FC236}">
+                <a16:creationId xmlns:a16="http://schemas.microsoft.com/office/drawing/2014/main" id="{D8009BE0-63F6-28C6-C3B5-16B4DF1A60DD}"/>
+              </a:ext>
+            </a:extLst>
+          </p:cNvPr>
+          <p:cNvCxnSpPr>
+            <a:cxnSpLocks/>
+          </p:cNvCxnSpPr>
+          <p:nvPr/>
+        </p:nvCxnSpPr>
+        <p:spPr>
+          <a:xfrm rot="5400000" flipV="1">
+            <a:off x="6137254" y="5184884"/>
+            <a:ext cx="0" cy="208547"/>
+          </a:xfrm>
+          <a:prstGeom prst="line">
+            <a:avLst/>
+          </a:prstGeom>
+          <a:ln w="38100">
+            <a:solidFill>
+              <a:schemeClr val="tx1"/>
+            </a:solidFill>
+          </a:ln>
+        </p:spPr>
+        <p:style>
+          <a:lnRef idx="2">
+            <a:schemeClr val="accent1"/>
+          </a:lnRef>
+          <a:fillRef idx="0">
+            <a:schemeClr val="accent1"/>
+          </a:fillRef>
+          <a:effectRef idx="1">
+            <a:schemeClr val="accent1"/>
+          </a:effectRef>
+          <a:fontRef idx="minor">
+            <a:schemeClr val="tx1"/>
+          </a:fontRef>
+        </p:style>
+      </p:cxnSp>
+      <p:cxnSp>
+        <p:nvCxnSpPr>
+          <p:cNvPr id="10" name="직선 연결선 9">
+            <a:extLst>
+              <a:ext uri="{FF2B5EF4-FFF2-40B4-BE49-F238E27FC236}">
+                <a16:creationId xmlns:a16="http://schemas.microsoft.com/office/drawing/2014/main" id="{B4BE4FB6-495C-DB4D-3630-33F6A21155F6}"/>
+              </a:ext>
+            </a:extLst>
+          </p:cNvPr>
+          <p:cNvCxnSpPr>
+            <a:cxnSpLocks/>
+          </p:cNvCxnSpPr>
+          <p:nvPr/>
+        </p:nvCxnSpPr>
+        <p:spPr>
+          <a:xfrm rot="5400000" flipV="1">
+            <a:off x="6137254" y="6886684"/>
+            <a:ext cx="0" cy="208547"/>
+          </a:xfrm>
+          <a:prstGeom prst="line">
+            <a:avLst/>
+          </a:prstGeom>
+          <a:ln w="38100">
+            <a:solidFill>
+              <a:schemeClr val="tx1"/>
+            </a:solidFill>
+          </a:ln>
+        </p:spPr>
+        <p:style>
+          <a:lnRef idx="2">
+            <a:schemeClr val="accent1"/>
+          </a:lnRef>
+          <a:fillRef idx="0">
+            <a:schemeClr val="accent1"/>
+          </a:fillRef>
+          <a:effectRef idx="1">
+            <a:schemeClr val="accent1"/>
+          </a:effectRef>
+          <a:fontRef idx="minor">
+            <a:schemeClr val="tx1"/>
+          </a:fontRef>
+        </p:style>
+      </p:cxnSp>
+      <p:cxnSp>
+        <p:nvCxnSpPr>
+          <p:cNvPr id="11" name="직선 연결선 10">
+            <a:extLst>
+              <a:ext uri="{FF2B5EF4-FFF2-40B4-BE49-F238E27FC236}">
+                <a16:creationId xmlns:a16="http://schemas.microsoft.com/office/drawing/2014/main" id="{C966629E-969A-782B-8EF3-06343D5557AB}"/>
+              </a:ext>
+            </a:extLst>
+          </p:cNvPr>
+          <p:cNvCxnSpPr>
+            <a:cxnSpLocks/>
+          </p:cNvCxnSpPr>
+          <p:nvPr/>
+        </p:nvCxnSpPr>
+        <p:spPr>
+          <a:xfrm rot="5400000" flipV="1">
+            <a:off x="6137254" y="6035784"/>
+            <a:ext cx="0" cy="208547"/>
+          </a:xfrm>
+          <a:prstGeom prst="line">
+            <a:avLst/>
+          </a:prstGeom>
+          <a:ln w="38100">
+            <a:solidFill>
+              <a:schemeClr val="tx1"/>
+            </a:solidFill>
+          </a:ln>
+        </p:spPr>
+        <p:style>
+          <a:lnRef idx="2">
+            <a:schemeClr val="accent1"/>
+          </a:lnRef>
+          <a:fillRef idx="0">
+            <a:schemeClr val="accent1"/>
+          </a:fillRef>
+          <a:effectRef idx="1">
+            <a:schemeClr val="accent1"/>
+          </a:effectRef>
+          <a:fontRef idx="minor">
+            <a:schemeClr val="tx1"/>
+          </a:fontRef>
+        </p:style>
+      </p:cxnSp>
+      <p:cxnSp>
+        <p:nvCxnSpPr>
+          <p:cNvPr id="12" name="직선 연결선 11">
+            <a:extLst>
+              <a:ext uri="{FF2B5EF4-FFF2-40B4-BE49-F238E27FC236}">
+                <a16:creationId xmlns:a16="http://schemas.microsoft.com/office/drawing/2014/main" id="{04DAE737-9D6D-61A0-5807-6B36EFE3C166}"/>
+              </a:ext>
+            </a:extLst>
+          </p:cNvPr>
+          <p:cNvCxnSpPr>
+            <a:cxnSpLocks/>
+          </p:cNvCxnSpPr>
+          <p:nvPr/>
+        </p:nvCxnSpPr>
+        <p:spPr>
+          <a:xfrm rot="5400000" flipV="1">
+            <a:off x="6137254" y="73134"/>
+            <a:ext cx="0" cy="208547"/>
+          </a:xfrm>
+          <a:prstGeom prst="line">
+            <a:avLst/>
+          </a:prstGeom>
+          <a:ln w="38100">
+            <a:solidFill>
+              <a:schemeClr val="tx1"/>
+            </a:solidFill>
+          </a:ln>
+        </p:spPr>
+        <p:style>
+          <a:lnRef idx="2">
+            <a:schemeClr val="accent1"/>
+          </a:lnRef>
+          <a:fillRef idx="0">
+            <a:schemeClr val="accent1"/>
+          </a:fillRef>
+          <a:effectRef idx="1">
+            <a:schemeClr val="accent1"/>
+          </a:effectRef>
+          <a:fontRef idx="minor">
+            <a:schemeClr val="tx1"/>
+          </a:fontRef>
+        </p:style>
+      </p:cxnSp>
+      <p:cxnSp>
+        <p:nvCxnSpPr>
+          <p:cNvPr id="13" name="직선 연결선 12">
+            <a:extLst>
+              <a:ext uri="{FF2B5EF4-FFF2-40B4-BE49-F238E27FC236}">
+                <a16:creationId xmlns:a16="http://schemas.microsoft.com/office/drawing/2014/main" id="{698056CA-059B-F357-4848-A5E6ABB13CB0}"/>
+              </a:ext>
+            </a:extLst>
+          </p:cNvPr>
+          <p:cNvCxnSpPr>
+            <a:cxnSpLocks/>
+          </p:cNvCxnSpPr>
+          <p:nvPr/>
+        </p:nvCxnSpPr>
+        <p:spPr>
+          <a:xfrm rot="5400000" flipV="1">
+            <a:off x="6137254" y="1774934"/>
+            <a:ext cx="0" cy="208547"/>
+          </a:xfrm>
+          <a:prstGeom prst="line">
+            <a:avLst/>
+          </a:prstGeom>
+          <a:ln w="38100">
+            <a:solidFill>
+              <a:schemeClr val="tx1"/>
+            </a:solidFill>
+          </a:ln>
+        </p:spPr>
+        <p:style>
+          <a:lnRef idx="2">
+            <a:schemeClr val="accent1"/>
+          </a:lnRef>
+          <a:fillRef idx="0">
+            <a:schemeClr val="accent1"/>
+          </a:fillRef>
+          <a:effectRef idx="1">
+            <a:schemeClr val="accent1"/>
+          </a:effectRef>
+          <a:fontRef idx="minor">
+            <a:schemeClr val="tx1"/>
+          </a:fontRef>
+        </p:style>
+      </p:cxnSp>
+      <p:cxnSp>
+        <p:nvCxnSpPr>
+          <p:cNvPr id="14" name="직선 연결선 13">
+            <a:extLst>
+              <a:ext uri="{FF2B5EF4-FFF2-40B4-BE49-F238E27FC236}">
+                <a16:creationId xmlns:a16="http://schemas.microsoft.com/office/drawing/2014/main" id="{4F7A0EC6-D647-4CEE-2325-1CAC9BD130F0}"/>
+              </a:ext>
+            </a:extLst>
+          </p:cNvPr>
+          <p:cNvCxnSpPr>
+            <a:cxnSpLocks/>
+          </p:cNvCxnSpPr>
+          <p:nvPr/>
+        </p:nvCxnSpPr>
+        <p:spPr>
+          <a:xfrm rot="5400000" flipV="1">
+            <a:off x="6137254" y="924034"/>
+            <a:ext cx="0" cy="208547"/>
+          </a:xfrm>
+          <a:prstGeom prst="line">
+            <a:avLst/>
+          </a:prstGeom>
+          <a:ln w="38100">
+            <a:solidFill>
+              <a:schemeClr val="tx1"/>
+            </a:solidFill>
+          </a:ln>
+        </p:spPr>
+        <p:style>
+          <a:lnRef idx="2">
+            <a:schemeClr val="accent1"/>
+          </a:lnRef>
+          <a:fillRef idx="0">
+            <a:schemeClr val="accent1"/>
+          </a:fillRef>
+          <a:effectRef idx="1">
+            <a:schemeClr val="accent1"/>
+          </a:effectRef>
+          <a:fontRef idx="minor">
+            <a:schemeClr val="tx1"/>
+          </a:fontRef>
+        </p:style>
+      </p:cxnSp>
+      <p:cxnSp>
+        <p:nvCxnSpPr>
+          <p:cNvPr id="15" name="직선 연결선 14">
+            <a:extLst>
+              <a:ext uri="{FF2B5EF4-FFF2-40B4-BE49-F238E27FC236}">
+                <a16:creationId xmlns:a16="http://schemas.microsoft.com/office/drawing/2014/main" id="{11F8B5F6-D0F2-F5F5-5FA9-0BBDC46CBD0A}"/>
+              </a:ext>
+            </a:extLst>
+          </p:cNvPr>
+          <p:cNvCxnSpPr>
+            <a:cxnSpLocks/>
+          </p:cNvCxnSpPr>
+          <p:nvPr/>
+        </p:nvCxnSpPr>
+        <p:spPr>
+          <a:xfrm rot="5400000" flipV="1">
+            <a:off x="6137254" y="1774934"/>
+            <a:ext cx="0" cy="208547"/>
+          </a:xfrm>
+          <a:prstGeom prst="line">
+            <a:avLst/>
+          </a:prstGeom>
+          <a:ln w="38100">
+            <a:solidFill>
+              <a:schemeClr val="tx1"/>
+            </a:solidFill>
+          </a:ln>
+        </p:spPr>
+        <p:style>
+          <a:lnRef idx="2">
+            <a:schemeClr val="accent1"/>
+          </a:lnRef>
+          <a:fillRef idx="0">
+            <a:schemeClr val="accent1"/>
+          </a:fillRef>
+          <a:effectRef idx="1">
+            <a:schemeClr val="accent1"/>
+          </a:effectRef>
+          <a:fontRef idx="minor">
+            <a:schemeClr val="tx1"/>
+          </a:fontRef>
+        </p:style>
+      </p:cxnSp>
+      <p:cxnSp>
+        <p:nvCxnSpPr>
+          <p:cNvPr id="16" name="직선 연결선 15">
+            <a:extLst>
+              <a:ext uri="{FF2B5EF4-FFF2-40B4-BE49-F238E27FC236}">
+                <a16:creationId xmlns:a16="http://schemas.microsoft.com/office/drawing/2014/main" id="{6A2C8FA5-CEC5-1132-90C7-97EF4BD6D14B}"/>
+              </a:ext>
+            </a:extLst>
+          </p:cNvPr>
+          <p:cNvCxnSpPr>
+            <a:cxnSpLocks/>
+          </p:cNvCxnSpPr>
+          <p:nvPr/>
+        </p:nvCxnSpPr>
+        <p:spPr>
+          <a:xfrm rot="5400000" flipV="1">
+            <a:off x="6137254" y="2625834"/>
+            <a:ext cx="0" cy="208547"/>
+          </a:xfrm>
+          <a:prstGeom prst="line">
+            <a:avLst/>
+          </a:prstGeom>
+          <a:ln w="38100">
+            <a:solidFill>
+              <a:schemeClr val="tx1"/>
+            </a:solidFill>
+          </a:ln>
+        </p:spPr>
+        <p:style>
+          <a:lnRef idx="2">
+            <a:schemeClr val="accent1"/>
+          </a:lnRef>
+          <a:fillRef idx="0">
+            <a:schemeClr val="accent1"/>
+          </a:fillRef>
+          <a:effectRef idx="1">
+            <a:schemeClr val="accent1"/>
+          </a:effectRef>
+          <a:fontRef idx="minor">
+            <a:schemeClr val="tx1"/>
+          </a:fontRef>
+        </p:style>
+      </p:cxnSp>
+      <p:sp>
+        <p:nvSpPr>
+          <p:cNvPr id="18" name="TextBox 17">
+            <a:extLst>
+              <a:ext uri="{FF2B5EF4-FFF2-40B4-BE49-F238E27FC236}">
+                <a16:creationId xmlns:a16="http://schemas.microsoft.com/office/drawing/2014/main" id="{1B90E2BB-F2CC-D933-B3ED-5F4A770F4DDC}"/>
+              </a:ext>
+            </a:extLst>
+          </p:cNvPr>
+          <p:cNvSpPr txBox="1"/>
+          <p:nvPr/>
+        </p:nvSpPr>
+        <p:spPr>
+          <a:xfrm>
+            <a:off x="6032980" y="-733192"/>
+            <a:ext cx="349776" cy="461665"/>
+          </a:xfrm>
+          <a:prstGeom prst="rect">
+            <a:avLst/>
+          </a:prstGeom>
+          <a:noFill/>
+        </p:spPr>
+        <p:txBody>
+          <a:bodyPr wrap="none" rtlCol="0">
+            <a:spAutoFit/>
+          </a:bodyPr>
+          <a:lstStyle/>
+          <a:p>
+            <a:r>
+              <a:rPr lang="en-US" altLang="ko-KR" sz="2400" b="1" dirty="0"/>
+              <a:t>y</a:t>
+            </a:r>
+            <a:endParaRPr lang="ko-KR" altLang="en-US" sz="2400" b="1" dirty="0"/>
+          </a:p>
+        </p:txBody>
+      </p:sp>
+      <p:sp>
+        <p:nvSpPr>
+          <p:cNvPr id="19" name="TextBox 18">
+            <a:extLst>
+              <a:ext uri="{FF2B5EF4-FFF2-40B4-BE49-F238E27FC236}">
+                <a16:creationId xmlns:a16="http://schemas.microsoft.com/office/drawing/2014/main" id="{48EA2974-0EB4-B2D9-40F9-E2B6EF8A63FC}"/>
+              </a:ext>
+            </a:extLst>
+          </p:cNvPr>
+          <p:cNvSpPr txBox="1"/>
+          <p:nvPr/>
+        </p:nvSpPr>
+        <p:spPr>
+          <a:xfrm>
+            <a:off x="5622627" y="4219385"/>
+            <a:ext cx="489236" cy="461665"/>
+          </a:xfrm>
+          <a:prstGeom prst="rect">
+            <a:avLst/>
+          </a:prstGeom>
+          <a:noFill/>
+        </p:spPr>
+        <p:txBody>
+          <a:bodyPr wrap="none" rtlCol="0">
+            <a:spAutoFit/>
+          </a:bodyPr>
+          <a:lstStyle/>
+          <a:p>
+            <a:r>
+              <a:rPr lang="en-US" altLang="ko-KR" sz="2400" b="1" dirty="0"/>
+              <a:t>-1</a:t>
+            </a:r>
+            <a:endParaRPr lang="ko-KR" altLang="en-US" sz="2400" b="1" dirty="0"/>
+          </a:p>
+        </p:txBody>
+      </p:sp>
+      <p:sp>
+        <p:nvSpPr>
+          <p:cNvPr id="20" name="TextBox 19">
+            <a:extLst>
+              <a:ext uri="{FF2B5EF4-FFF2-40B4-BE49-F238E27FC236}">
+                <a16:creationId xmlns:a16="http://schemas.microsoft.com/office/drawing/2014/main" id="{EE1B2237-C57E-C670-E525-AF81711B7CB7}"/>
+              </a:ext>
+            </a:extLst>
+          </p:cNvPr>
+          <p:cNvSpPr txBox="1"/>
+          <p:nvPr/>
+        </p:nvSpPr>
+        <p:spPr>
+          <a:xfrm>
+            <a:off x="5622627" y="5075896"/>
+            <a:ext cx="489236" cy="461665"/>
+          </a:xfrm>
+          <a:prstGeom prst="rect">
+            <a:avLst/>
+          </a:prstGeom>
+          <a:noFill/>
+        </p:spPr>
+        <p:txBody>
+          <a:bodyPr wrap="none" rtlCol="0">
+            <a:spAutoFit/>
+          </a:bodyPr>
+          <a:lstStyle/>
+          <a:p>
+            <a:r>
+              <a:rPr lang="en-US" altLang="ko-KR" sz="2400" b="1" dirty="0"/>
+              <a:t>-2</a:t>
+            </a:r>
+            <a:endParaRPr lang="ko-KR" altLang="en-US" sz="2400" b="1" dirty="0"/>
+          </a:p>
+        </p:txBody>
+      </p:sp>
+      <p:sp>
+        <p:nvSpPr>
+          <p:cNvPr id="21" name="TextBox 20">
+            <a:extLst>
+              <a:ext uri="{FF2B5EF4-FFF2-40B4-BE49-F238E27FC236}">
+                <a16:creationId xmlns:a16="http://schemas.microsoft.com/office/drawing/2014/main" id="{859289BB-9F77-9A58-14C5-920FEC4184D2}"/>
+              </a:ext>
+            </a:extLst>
+          </p:cNvPr>
+          <p:cNvSpPr txBox="1"/>
+          <p:nvPr/>
+        </p:nvSpPr>
+        <p:spPr>
+          <a:xfrm>
+            <a:off x="5622627" y="5932407"/>
+            <a:ext cx="489236" cy="461665"/>
+          </a:xfrm>
+          <a:prstGeom prst="rect">
+            <a:avLst/>
+          </a:prstGeom>
+          <a:noFill/>
+        </p:spPr>
+        <p:txBody>
+          <a:bodyPr wrap="none" rtlCol="0">
+            <a:spAutoFit/>
+          </a:bodyPr>
+          <a:lstStyle/>
+          <a:p>
+            <a:r>
+              <a:rPr lang="en-US" altLang="ko-KR" sz="2400" b="1" dirty="0"/>
+              <a:t>-3</a:t>
+            </a:r>
+            <a:endParaRPr lang="ko-KR" altLang="en-US" sz="2400" b="1" dirty="0"/>
+          </a:p>
+        </p:txBody>
+      </p:sp>
+      <p:sp>
+        <p:nvSpPr>
+          <p:cNvPr id="22" name="TextBox 21">
+            <a:extLst>
+              <a:ext uri="{FF2B5EF4-FFF2-40B4-BE49-F238E27FC236}">
+                <a16:creationId xmlns:a16="http://schemas.microsoft.com/office/drawing/2014/main" id="{B61BD8F5-F83E-1810-7F84-030164F9E25E}"/>
+              </a:ext>
+            </a:extLst>
+          </p:cNvPr>
+          <p:cNvSpPr txBox="1"/>
+          <p:nvPr/>
+        </p:nvSpPr>
+        <p:spPr>
+          <a:xfrm>
+            <a:off x="5622627" y="6788918"/>
+            <a:ext cx="489236" cy="461665"/>
+          </a:xfrm>
+          <a:prstGeom prst="rect">
+            <a:avLst/>
+          </a:prstGeom>
+          <a:noFill/>
+        </p:spPr>
+        <p:txBody>
+          <a:bodyPr wrap="none" rtlCol="0">
+            <a:spAutoFit/>
+          </a:bodyPr>
+          <a:lstStyle/>
+          <a:p>
+            <a:r>
+              <a:rPr lang="en-US" altLang="ko-KR" sz="2400" b="1" dirty="0"/>
+              <a:t>-4</a:t>
+            </a:r>
+            <a:endParaRPr lang="ko-KR" altLang="en-US" sz="2400" b="1" dirty="0"/>
+          </a:p>
+        </p:txBody>
+      </p:sp>
+      <p:sp>
+        <p:nvSpPr>
+          <p:cNvPr id="23" name="TextBox 22">
+            <a:extLst>
+              <a:ext uri="{FF2B5EF4-FFF2-40B4-BE49-F238E27FC236}">
+                <a16:creationId xmlns:a16="http://schemas.microsoft.com/office/drawing/2014/main" id="{E63FC784-CCCC-9D7C-8647-ECE2A88274CF}"/>
+              </a:ext>
+            </a:extLst>
+          </p:cNvPr>
+          <p:cNvSpPr txBox="1"/>
+          <p:nvPr/>
+        </p:nvSpPr>
+        <p:spPr>
+          <a:xfrm>
+            <a:off x="5559309" y="-7360"/>
+            <a:ext cx="362600" cy="461665"/>
+          </a:xfrm>
+          <a:prstGeom prst="rect">
+            <a:avLst/>
+          </a:prstGeom>
+          <a:noFill/>
+        </p:spPr>
+        <p:txBody>
+          <a:bodyPr wrap="none" rtlCol="0">
+            <a:spAutoFit/>
+          </a:bodyPr>
+          <a:lstStyle/>
+          <a:p>
+            <a:r>
+              <a:rPr lang="en-US" altLang="ko-KR" sz="2400" b="1" dirty="0"/>
+              <a:t>4</a:t>
+            </a:r>
+            <a:endParaRPr lang="ko-KR" altLang="en-US" sz="2400" b="1" dirty="0"/>
+          </a:p>
+        </p:txBody>
+      </p:sp>
+      <p:sp>
+        <p:nvSpPr>
+          <p:cNvPr id="24" name="TextBox 23">
+            <a:extLst>
+              <a:ext uri="{FF2B5EF4-FFF2-40B4-BE49-F238E27FC236}">
+                <a16:creationId xmlns:a16="http://schemas.microsoft.com/office/drawing/2014/main" id="{009CD1DE-8ADD-45B0-9F79-072CF99C420C}"/>
+              </a:ext>
+            </a:extLst>
+          </p:cNvPr>
+          <p:cNvSpPr txBox="1"/>
+          <p:nvPr/>
+        </p:nvSpPr>
+        <p:spPr>
+          <a:xfrm>
+            <a:off x="5559309" y="849889"/>
+            <a:ext cx="362600" cy="461665"/>
+          </a:xfrm>
+          <a:prstGeom prst="rect">
+            <a:avLst/>
+          </a:prstGeom>
+          <a:noFill/>
+        </p:spPr>
+        <p:txBody>
+          <a:bodyPr wrap="none" rtlCol="0">
+            <a:spAutoFit/>
+          </a:bodyPr>
+          <a:lstStyle/>
+          <a:p>
+            <a:r>
+              <a:rPr lang="en-US" altLang="ko-KR" sz="2400" b="1" dirty="0"/>
+              <a:t>3</a:t>
+            </a:r>
+            <a:endParaRPr lang="ko-KR" altLang="en-US" sz="2400" b="1" dirty="0"/>
+          </a:p>
+        </p:txBody>
+      </p:sp>
+      <p:sp>
+        <p:nvSpPr>
+          <p:cNvPr id="25" name="TextBox 24">
+            <a:extLst>
+              <a:ext uri="{FF2B5EF4-FFF2-40B4-BE49-F238E27FC236}">
+                <a16:creationId xmlns:a16="http://schemas.microsoft.com/office/drawing/2014/main" id="{F0BA1DF4-B700-C7AC-B680-FBC848CB31BF}"/>
+              </a:ext>
+            </a:extLst>
+          </p:cNvPr>
+          <p:cNvSpPr txBox="1"/>
+          <p:nvPr/>
+        </p:nvSpPr>
+        <p:spPr>
+          <a:xfrm>
+            <a:off x="5559309" y="1706400"/>
+            <a:ext cx="362600" cy="461665"/>
+          </a:xfrm>
+          <a:prstGeom prst="rect">
+            <a:avLst/>
+          </a:prstGeom>
+          <a:noFill/>
+        </p:spPr>
+        <p:txBody>
+          <a:bodyPr wrap="none" rtlCol="0">
+            <a:spAutoFit/>
+          </a:bodyPr>
+          <a:lstStyle/>
+          <a:p>
+            <a:r>
+              <a:rPr lang="en-US" altLang="ko-KR" sz="2400" b="1" dirty="0"/>
+              <a:t>2</a:t>
+            </a:r>
+            <a:endParaRPr lang="ko-KR" altLang="en-US" sz="2400" b="1" dirty="0"/>
+          </a:p>
+        </p:txBody>
+      </p:sp>
+      <p:sp>
+        <p:nvSpPr>
+          <p:cNvPr id="26" name="TextBox 25">
+            <a:extLst>
+              <a:ext uri="{FF2B5EF4-FFF2-40B4-BE49-F238E27FC236}">
+                <a16:creationId xmlns:a16="http://schemas.microsoft.com/office/drawing/2014/main" id="{445FEF4F-1C5C-99F2-4F6E-CBC80C2E6215}"/>
+              </a:ext>
+            </a:extLst>
+          </p:cNvPr>
+          <p:cNvSpPr txBox="1"/>
+          <p:nvPr/>
+        </p:nvSpPr>
+        <p:spPr>
+          <a:xfrm>
+            <a:off x="5559309" y="2562911"/>
+            <a:ext cx="362600" cy="461665"/>
+          </a:xfrm>
+          <a:prstGeom prst="rect">
+            <a:avLst/>
+          </a:prstGeom>
+          <a:noFill/>
+        </p:spPr>
+        <p:txBody>
+          <a:bodyPr wrap="none" rtlCol="0">
+            <a:spAutoFit/>
+          </a:bodyPr>
+          <a:lstStyle/>
+          <a:p>
+            <a:r>
+              <a:rPr lang="en-US" altLang="ko-KR" sz="2400" b="1" dirty="0"/>
+              <a:t>1</a:t>
+            </a:r>
+            <a:endParaRPr lang="ko-KR" altLang="en-US" sz="2400" b="1" dirty="0"/>
+          </a:p>
+        </p:txBody>
+      </p:sp>
+      <p:sp>
+        <p:nvSpPr>
+          <p:cNvPr id="2" name="TextBox 1">
+            <a:extLst>
+              <a:ext uri="{FF2B5EF4-FFF2-40B4-BE49-F238E27FC236}">
+                <a16:creationId xmlns:a16="http://schemas.microsoft.com/office/drawing/2014/main" id="{66777630-9863-7246-53BD-7220AE9E2EF9}"/>
+              </a:ext>
+            </a:extLst>
+          </p:cNvPr>
+          <p:cNvSpPr txBox="1"/>
+          <p:nvPr/>
+        </p:nvSpPr>
+        <p:spPr>
+          <a:xfrm>
+            <a:off x="7651392" y="1337068"/>
+            <a:ext cx="1322798" cy="369332"/>
+          </a:xfrm>
+          <a:prstGeom prst="rect">
+            <a:avLst/>
+          </a:prstGeom>
+          <a:noFill/>
+        </p:spPr>
+        <p:txBody>
+          <a:bodyPr wrap="none" rtlCol="0">
+            <a:spAutoFit/>
+          </a:bodyPr>
+          <a:lstStyle/>
+          <a:p>
+            <a:r>
+              <a:rPr lang="ko-KR" altLang="en-US" b="1" dirty="0"/>
+              <a:t>제 </a:t>
+            </a:r>
+            <a:r>
+              <a:rPr lang="en-US" altLang="ko-KR" b="1" dirty="0"/>
+              <a:t>1</a:t>
+            </a:r>
+            <a:r>
+              <a:rPr lang="ko-KR" altLang="en-US" b="1" dirty="0" err="1"/>
+              <a:t>사분면</a:t>
+            </a:r>
+            <a:endParaRPr lang="ko-KR" altLang="en-US" b="1" dirty="0"/>
+          </a:p>
+        </p:txBody>
+      </p:sp>
+      <p:sp>
+        <p:nvSpPr>
+          <p:cNvPr id="3" name="TextBox 2">
+            <a:extLst>
+              <a:ext uri="{FF2B5EF4-FFF2-40B4-BE49-F238E27FC236}">
+                <a16:creationId xmlns:a16="http://schemas.microsoft.com/office/drawing/2014/main" id="{CFF502EE-A530-1212-CC1A-5492DE45A809}"/>
+              </a:ext>
+            </a:extLst>
+          </p:cNvPr>
+          <p:cNvSpPr txBox="1"/>
+          <p:nvPr/>
+        </p:nvSpPr>
+        <p:spPr>
+          <a:xfrm>
+            <a:off x="7651392" y="5509235"/>
+            <a:ext cx="1322798" cy="369332"/>
+          </a:xfrm>
+          <a:prstGeom prst="rect">
+            <a:avLst/>
+          </a:prstGeom>
+          <a:noFill/>
+        </p:spPr>
+        <p:txBody>
+          <a:bodyPr wrap="none" rtlCol="0">
+            <a:spAutoFit/>
+          </a:bodyPr>
+          <a:lstStyle/>
+          <a:p>
+            <a:r>
+              <a:rPr lang="ko-KR" altLang="en-US" b="1" dirty="0"/>
+              <a:t>제 </a:t>
+            </a:r>
+            <a:r>
+              <a:rPr lang="en-US" altLang="ko-KR" b="1" dirty="0"/>
+              <a:t>4</a:t>
+            </a:r>
+            <a:r>
+              <a:rPr lang="ko-KR" altLang="en-US" b="1" dirty="0" err="1"/>
+              <a:t>사분면</a:t>
+            </a:r>
+            <a:endParaRPr lang="ko-KR" altLang="en-US" b="1" dirty="0"/>
+          </a:p>
+        </p:txBody>
+      </p:sp>
+      <p:sp>
+        <p:nvSpPr>
+          <p:cNvPr id="4" name="TextBox 3">
+            <a:extLst>
+              <a:ext uri="{FF2B5EF4-FFF2-40B4-BE49-F238E27FC236}">
+                <a16:creationId xmlns:a16="http://schemas.microsoft.com/office/drawing/2014/main" id="{5CAE3B0C-B61D-08E7-62D8-60C6057649B8}"/>
+              </a:ext>
+            </a:extLst>
+          </p:cNvPr>
+          <p:cNvSpPr txBox="1"/>
+          <p:nvPr/>
+        </p:nvSpPr>
+        <p:spPr>
+          <a:xfrm>
+            <a:off x="3384452" y="1337068"/>
+            <a:ext cx="1322798" cy="369332"/>
+          </a:xfrm>
+          <a:prstGeom prst="rect">
+            <a:avLst/>
+          </a:prstGeom>
+          <a:noFill/>
+        </p:spPr>
+        <p:txBody>
+          <a:bodyPr wrap="none" rtlCol="0">
+            <a:spAutoFit/>
+          </a:bodyPr>
+          <a:lstStyle/>
+          <a:p>
+            <a:r>
+              <a:rPr lang="ko-KR" altLang="en-US" b="1" dirty="0"/>
+              <a:t>제 </a:t>
+            </a:r>
+            <a:r>
+              <a:rPr lang="en-US" altLang="ko-KR" b="1" dirty="0"/>
+              <a:t>2</a:t>
+            </a:r>
+            <a:r>
+              <a:rPr lang="ko-KR" altLang="en-US" b="1" dirty="0" err="1"/>
+              <a:t>사분면</a:t>
+            </a:r>
+            <a:endParaRPr lang="ko-KR" altLang="en-US" b="1" dirty="0"/>
+          </a:p>
+        </p:txBody>
+      </p:sp>
+      <p:sp>
+        <p:nvSpPr>
+          <p:cNvPr id="30" name="TextBox 29">
+            <a:extLst>
+              <a:ext uri="{FF2B5EF4-FFF2-40B4-BE49-F238E27FC236}">
+                <a16:creationId xmlns:a16="http://schemas.microsoft.com/office/drawing/2014/main" id="{BDC1C82F-80E3-31C3-961E-1D1E4044712F}"/>
+              </a:ext>
+            </a:extLst>
+          </p:cNvPr>
+          <p:cNvSpPr txBox="1"/>
+          <p:nvPr/>
+        </p:nvSpPr>
+        <p:spPr>
+          <a:xfrm>
+            <a:off x="3384452" y="5509235"/>
+            <a:ext cx="1322798" cy="369332"/>
+          </a:xfrm>
+          <a:prstGeom prst="rect">
+            <a:avLst/>
+          </a:prstGeom>
+          <a:noFill/>
+        </p:spPr>
+        <p:txBody>
+          <a:bodyPr wrap="none" rtlCol="0">
+            <a:spAutoFit/>
+          </a:bodyPr>
+          <a:lstStyle/>
+          <a:p>
+            <a:r>
+              <a:rPr lang="ko-KR" altLang="en-US" b="1" dirty="0"/>
+              <a:t>제 </a:t>
+            </a:r>
+            <a:r>
+              <a:rPr lang="en-US" altLang="ko-KR" b="1" dirty="0"/>
+              <a:t>3</a:t>
+            </a:r>
+            <a:r>
+              <a:rPr lang="ko-KR" altLang="en-US" b="1" dirty="0" err="1"/>
+              <a:t>사분면</a:t>
+            </a:r>
+            <a:endParaRPr lang="ko-KR" altLang="en-US" b="1" dirty="0"/>
+          </a:p>
+        </p:txBody>
+      </p:sp>
+    </p:spTree>
+    <p:extLst>
+      <p:ext uri="{BB962C8B-B14F-4D97-AF65-F5344CB8AC3E}">
+        <p14:creationId xmlns:p14="http://schemas.microsoft.com/office/powerpoint/2010/main" val="4182010033"/>
+      </p:ext>
+    </p:extLst>
+  </p:cSld>
+  <p:clrMapOvr>
+    <a:masterClrMapping/>
+  </p:clrMapOvr>
+</p:sld>
+</file>
+
+<file path=ppt/slides/slide35.xml><?xml version="1.0" encoding="utf-8"?>
+<p:sld xmlns:a="http://schemas.openxmlformats.org/drawingml/2006/main" xmlns:r="http://schemas.openxmlformats.org/officeDocument/2006/relationships" xmlns:p="http://schemas.openxmlformats.org/presentationml/2006/main">
+  <p:cSld>
+    <p:spTree>
+      <p:nvGrpSpPr>
+        <p:cNvPr id="1" name="">
+          <a:extLst>
+            <a:ext uri="{FF2B5EF4-FFF2-40B4-BE49-F238E27FC236}">
+              <a16:creationId xmlns:a16="http://schemas.microsoft.com/office/drawing/2014/main" id="{82047055-9869-AB35-3D22-5A81BE5520E6}"/>
+            </a:ext>
+          </a:extLst>
+        </p:cNvPr>
+        <p:cNvGrpSpPr/>
+        <p:nvPr/>
+      </p:nvGrpSpPr>
+      <p:grpSpPr>
+        <a:xfrm>
+          <a:off x="0" y="0"/>
+          <a:ext cx="0" cy="0"/>
+          <a:chOff x="0" y="0"/>
+          <a:chExt cx="0" cy="0"/>
+        </a:xfrm>
+      </p:grpSpPr>
+      <p:sp>
+        <p:nvSpPr>
+          <p:cNvPr id="154" name="직사각형 153">
+            <a:extLst>
+              <a:ext uri="{FF2B5EF4-FFF2-40B4-BE49-F238E27FC236}">
+                <a16:creationId xmlns:a16="http://schemas.microsoft.com/office/drawing/2014/main" id="{9B39509F-5D36-621B-6CFB-7FFF7340914C}"/>
+              </a:ext>
+            </a:extLst>
+          </p:cNvPr>
+          <p:cNvSpPr/>
+          <p:nvPr/>
+        </p:nvSpPr>
+        <p:spPr>
+          <a:xfrm>
+            <a:off x="1885950" y="-882315"/>
+            <a:ext cx="8801100" cy="9015660"/>
+          </a:xfrm>
+          <a:prstGeom prst="rect">
+            <a:avLst/>
+          </a:prstGeom>
+          <a:solidFill>
+            <a:schemeClr val="bg1"/>
+          </a:solidFill>
+          <a:ln>
+            <a:noFill/>
+          </a:ln>
+        </p:spPr>
+        <p:style>
+          <a:lnRef idx="2">
+            <a:schemeClr val="accent1">
+              <a:shade val="15000"/>
+            </a:schemeClr>
+          </a:lnRef>
+          <a:fillRef idx="1">
+            <a:schemeClr val="accent1"/>
+          </a:fillRef>
+          <a:effectRef idx="0">
+            <a:schemeClr val="accent1"/>
+          </a:effectRef>
+          <a:fontRef idx="minor">
+            <a:schemeClr val="lt1"/>
+          </a:fontRef>
+        </p:style>
+        <p:txBody>
+          <a:bodyPr rtlCol="0" anchor="ctr"/>
+          <a:lstStyle/>
+          <a:p>
+            <a:pPr algn="ctr"/>
+            <a:endParaRPr lang="ko-KR" altLang="en-US"/>
+          </a:p>
+        </p:txBody>
+      </p:sp>
+      <p:grpSp>
+        <p:nvGrpSpPr>
+          <p:cNvPr id="87" name="그룹 86">
+            <a:extLst>
+              <a:ext uri="{FF2B5EF4-FFF2-40B4-BE49-F238E27FC236}">
+                <a16:creationId xmlns:a16="http://schemas.microsoft.com/office/drawing/2014/main" id="{649AC71D-84DB-E863-ABBF-C2135D890D7B}"/>
+              </a:ext>
+            </a:extLst>
+          </p:cNvPr>
+          <p:cNvGrpSpPr/>
+          <p:nvPr/>
+        </p:nvGrpSpPr>
+        <p:grpSpPr>
+          <a:xfrm>
+            <a:off x="2366913" y="3584182"/>
+            <a:ext cx="7700210" cy="0"/>
+            <a:chOff x="2374232" y="3441032"/>
+            <a:chExt cx="7700210" cy="0"/>
+          </a:xfrm>
+        </p:grpSpPr>
+        <p:cxnSp>
+          <p:nvCxnSpPr>
+            <p:cNvPr id="9" name="직선 화살표 연결선 8">
+              <a:extLst>
+                <a:ext uri="{FF2B5EF4-FFF2-40B4-BE49-F238E27FC236}">
+                  <a16:creationId xmlns:a16="http://schemas.microsoft.com/office/drawing/2014/main" id="{570C8AA3-5E25-A70F-BB10-BED29FD2AED8}"/>
+                </a:ext>
+              </a:extLst>
+            </p:cNvPr>
+            <p:cNvCxnSpPr/>
+            <p:nvPr/>
+          </p:nvCxnSpPr>
+          <p:spPr>
+            <a:xfrm>
+              <a:off x="6224337" y="3441032"/>
+              <a:ext cx="3850105" cy="0"/>
+            </a:xfrm>
+            <a:prstGeom prst="straightConnector1">
+              <a:avLst/>
+            </a:prstGeom>
+            <a:ln w="38100">
+              <a:solidFill>
+                <a:schemeClr val="accent2">
+                  <a:lumMod val="60000"/>
+                  <a:lumOff val="40000"/>
+                </a:schemeClr>
+              </a:solidFill>
+              <a:tailEnd type="triangle"/>
+            </a:ln>
+          </p:spPr>
+          <p:style>
+            <a:lnRef idx="2">
+              <a:schemeClr val="accent1"/>
+            </a:lnRef>
+            <a:fillRef idx="0">
+              <a:schemeClr val="accent1"/>
+            </a:fillRef>
+            <a:effectRef idx="1">
+              <a:schemeClr val="accent1"/>
+            </a:effectRef>
+            <a:fontRef idx="minor">
+              <a:schemeClr val="tx1"/>
+            </a:fontRef>
+          </p:style>
+        </p:cxnSp>
+        <p:cxnSp>
+          <p:nvCxnSpPr>
+            <p:cNvPr id="86" name="직선 화살표 연결선 85">
+              <a:extLst>
+                <a:ext uri="{FF2B5EF4-FFF2-40B4-BE49-F238E27FC236}">
+                  <a16:creationId xmlns:a16="http://schemas.microsoft.com/office/drawing/2014/main" id="{779CDBA0-33DF-AA59-CACB-2158E2659B99}"/>
+                </a:ext>
+              </a:extLst>
+            </p:cNvPr>
+            <p:cNvCxnSpPr>
+              <a:cxnSpLocks/>
+            </p:cNvCxnSpPr>
+            <p:nvPr/>
+          </p:nvCxnSpPr>
+          <p:spPr>
+            <a:xfrm rot="10800000">
+              <a:off x="2374232" y="3441032"/>
+              <a:ext cx="3850105" cy="0"/>
+            </a:xfrm>
+            <a:prstGeom prst="straightConnector1">
+              <a:avLst/>
+            </a:prstGeom>
+            <a:ln w="38100">
+              <a:solidFill>
+                <a:schemeClr val="accent2">
+                  <a:lumMod val="60000"/>
+                  <a:lumOff val="40000"/>
+                </a:schemeClr>
+              </a:solidFill>
+              <a:tailEnd type="triangle"/>
+            </a:ln>
+          </p:spPr>
+          <p:style>
+            <a:lnRef idx="2">
+              <a:schemeClr val="accent1"/>
+            </a:lnRef>
+            <a:fillRef idx="0">
+              <a:schemeClr val="accent1"/>
+            </a:fillRef>
+            <a:effectRef idx="1">
+              <a:schemeClr val="accent1"/>
+            </a:effectRef>
+            <a:fontRef idx="minor">
+              <a:schemeClr val="tx1"/>
+            </a:fontRef>
+          </p:style>
+        </p:cxnSp>
+      </p:grpSp>
+      <p:cxnSp>
+        <p:nvCxnSpPr>
+          <p:cNvPr id="92" name="직선 연결선 91">
+            <a:extLst>
+              <a:ext uri="{FF2B5EF4-FFF2-40B4-BE49-F238E27FC236}">
+                <a16:creationId xmlns:a16="http://schemas.microsoft.com/office/drawing/2014/main" id="{D1A1B527-1E38-CB3F-A8B2-851BC9908825}"/>
+              </a:ext>
+            </a:extLst>
+          </p:cNvPr>
+          <p:cNvCxnSpPr>
+            <a:cxnSpLocks/>
+          </p:cNvCxnSpPr>
+          <p:nvPr/>
+        </p:nvCxnSpPr>
+        <p:spPr>
+          <a:xfrm flipV="1">
+            <a:off x="7921993" y="3584182"/>
+            <a:ext cx="0" cy="208547"/>
+          </a:xfrm>
+          <a:prstGeom prst="line">
+            <a:avLst/>
+          </a:prstGeom>
+          <a:ln w="38100">
+            <a:solidFill>
+              <a:schemeClr val="tx1"/>
+            </a:solidFill>
+          </a:ln>
+        </p:spPr>
+        <p:style>
+          <a:lnRef idx="2">
+            <a:schemeClr val="accent1"/>
+          </a:lnRef>
+          <a:fillRef idx="0">
+            <a:schemeClr val="accent1"/>
+          </a:fillRef>
+          <a:effectRef idx="1">
+            <a:schemeClr val="accent1"/>
+          </a:effectRef>
+          <a:fontRef idx="minor">
+            <a:schemeClr val="tx1"/>
+          </a:fontRef>
+        </p:style>
+      </p:cxnSp>
+      <p:cxnSp>
+        <p:nvCxnSpPr>
+          <p:cNvPr id="94" name="직선 연결선 93">
+            <a:extLst>
+              <a:ext uri="{FF2B5EF4-FFF2-40B4-BE49-F238E27FC236}">
+                <a16:creationId xmlns:a16="http://schemas.microsoft.com/office/drawing/2014/main" id="{8322400B-D935-D7E0-4B1F-868A3C593A9D}"/>
+              </a:ext>
+            </a:extLst>
+          </p:cNvPr>
+          <p:cNvCxnSpPr>
+            <a:cxnSpLocks/>
+          </p:cNvCxnSpPr>
+          <p:nvPr/>
+        </p:nvCxnSpPr>
+        <p:spPr>
+          <a:xfrm flipV="1">
+            <a:off x="7071093" y="3584182"/>
+            <a:ext cx="0" cy="208547"/>
+          </a:xfrm>
+          <a:prstGeom prst="line">
+            <a:avLst/>
+          </a:prstGeom>
+          <a:ln w="38100">
+            <a:solidFill>
+              <a:schemeClr val="tx1"/>
+            </a:solidFill>
+          </a:ln>
+        </p:spPr>
+        <p:style>
+          <a:lnRef idx="2">
+            <a:schemeClr val="accent1"/>
+          </a:lnRef>
+          <a:fillRef idx="0">
+            <a:schemeClr val="accent1"/>
+          </a:fillRef>
+          <a:effectRef idx="1">
+            <a:schemeClr val="accent1"/>
+          </a:effectRef>
+          <a:fontRef idx="minor">
+            <a:schemeClr val="tx1"/>
+          </a:fontRef>
+        </p:style>
+      </p:cxnSp>
+      <p:cxnSp>
+        <p:nvCxnSpPr>
+          <p:cNvPr id="96" name="직선 연결선 95">
+            <a:extLst>
+              <a:ext uri="{FF2B5EF4-FFF2-40B4-BE49-F238E27FC236}">
+                <a16:creationId xmlns:a16="http://schemas.microsoft.com/office/drawing/2014/main" id="{1C743A26-F9D3-9667-334F-9FDF7839E4E4}"/>
+              </a:ext>
+            </a:extLst>
+          </p:cNvPr>
+          <p:cNvCxnSpPr>
+            <a:cxnSpLocks/>
+          </p:cNvCxnSpPr>
+          <p:nvPr/>
+        </p:nvCxnSpPr>
+        <p:spPr>
+          <a:xfrm flipV="1">
+            <a:off x="7921993" y="3584182"/>
+            <a:ext cx="0" cy="208547"/>
+          </a:xfrm>
+          <a:prstGeom prst="line">
+            <a:avLst/>
+          </a:prstGeom>
+          <a:ln w="38100">
+            <a:solidFill>
+              <a:schemeClr val="tx1"/>
+            </a:solidFill>
+          </a:ln>
+        </p:spPr>
+        <p:style>
+          <a:lnRef idx="2">
+            <a:schemeClr val="accent1"/>
+          </a:lnRef>
+          <a:fillRef idx="0">
+            <a:schemeClr val="accent1"/>
+          </a:fillRef>
+          <a:effectRef idx="1">
+            <a:schemeClr val="accent1"/>
+          </a:effectRef>
+          <a:fontRef idx="minor">
+            <a:schemeClr val="tx1"/>
+          </a:fontRef>
+        </p:style>
+      </p:cxnSp>
+      <p:cxnSp>
+        <p:nvCxnSpPr>
+          <p:cNvPr id="97" name="직선 연결선 96">
+            <a:extLst>
+              <a:ext uri="{FF2B5EF4-FFF2-40B4-BE49-F238E27FC236}">
+                <a16:creationId xmlns:a16="http://schemas.microsoft.com/office/drawing/2014/main" id="{EB598F34-D9DB-5887-01CE-C0214A3D22A9}"/>
+              </a:ext>
+            </a:extLst>
+          </p:cNvPr>
+          <p:cNvCxnSpPr>
+            <a:cxnSpLocks/>
+          </p:cNvCxnSpPr>
+          <p:nvPr/>
+        </p:nvCxnSpPr>
+        <p:spPr>
+          <a:xfrm flipV="1">
+            <a:off x="9623793" y="3584182"/>
+            <a:ext cx="0" cy="208547"/>
+          </a:xfrm>
+          <a:prstGeom prst="line">
+            <a:avLst/>
+          </a:prstGeom>
+          <a:ln w="38100">
+            <a:solidFill>
+              <a:schemeClr val="tx1"/>
+            </a:solidFill>
+          </a:ln>
+        </p:spPr>
+        <p:style>
+          <a:lnRef idx="2">
+            <a:schemeClr val="accent1"/>
+          </a:lnRef>
+          <a:fillRef idx="0">
+            <a:schemeClr val="accent1"/>
+          </a:fillRef>
+          <a:effectRef idx="1">
+            <a:schemeClr val="accent1"/>
+          </a:effectRef>
+          <a:fontRef idx="minor">
+            <a:schemeClr val="tx1"/>
+          </a:fontRef>
+        </p:style>
+      </p:cxnSp>
+      <p:cxnSp>
+        <p:nvCxnSpPr>
+          <p:cNvPr id="98" name="직선 연결선 97">
+            <a:extLst>
+              <a:ext uri="{FF2B5EF4-FFF2-40B4-BE49-F238E27FC236}">
+                <a16:creationId xmlns:a16="http://schemas.microsoft.com/office/drawing/2014/main" id="{189D441A-042E-9737-B6C9-1509D64EF7A0}"/>
+              </a:ext>
+            </a:extLst>
+          </p:cNvPr>
+          <p:cNvCxnSpPr>
+            <a:cxnSpLocks/>
+          </p:cNvCxnSpPr>
+          <p:nvPr/>
+        </p:nvCxnSpPr>
+        <p:spPr>
+          <a:xfrm flipV="1">
+            <a:off x="8772893" y="3584182"/>
+            <a:ext cx="0" cy="208547"/>
+          </a:xfrm>
+          <a:prstGeom prst="line">
+            <a:avLst/>
+          </a:prstGeom>
+          <a:ln w="38100">
+            <a:solidFill>
+              <a:schemeClr val="tx1"/>
+            </a:solidFill>
+          </a:ln>
+        </p:spPr>
+        <p:style>
+          <a:lnRef idx="2">
+            <a:schemeClr val="accent1"/>
+          </a:lnRef>
+          <a:fillRef idx="0">
+            <a:schemeClr val="accent1"/>
+          </a:fillRef>
+          <a:effectRef idx="1">
+            <a:schemeClr val="accent1"/>
+          </a:effectRef>
+          <a:fontRef idx="minor">
+            <a:schemeClr val="tx1"/>
+          </a:fontRef>
+        </p:style>
+      </p:cxnSp>
+      <p:cxnSp>
+        <p:nvCxnSpPr>
+          <p:cNvPr id="131" name="직선 연결선 130">
+            <a:extLst>
+              <a:ext uri="{FF2B5EF4-FFF2-40B4-BE49-F238E27FC236}">
+                <a16:creationId xmlns:a16="http://schemas.microsoft.com/office/drawing/2014/main" id="{48CF814D-A6C9-5527-FC6D-4D3BEA8FA75D}"/>
+              </a:ext>
+            </a:extLst>
+          </p:cNvPr>
+          <p:cNvCxnSpPr>
+            <a:cxnSpLocks/>
+          </p:cNvCxnSpPr>
+          <p:nvPr/>
+        </p:nvCxnSpPr>
+        <p:spPr>
+          <a:xfrm flipV="1">
+            <a:off x="2810243" y="3584182"/>
+            <a:ext cx="0" cy="208547"/>
+          </a:xfrm>
+          <a:prstGeom prst="line">
+            <a:avLst/>
+          </a:prstGeom>
+          <a:ln w="38100">
+            <a:solidFill>
+              <a:schemeClr val="tx1"/>
+            </a:solidFill>
+          </a:ln>
+        </p:spPr>
+        <p:style>
+          <a:lnRef idx="2">
+            <a:schemeClr val="accent1"/>
+          </a:lnRef>
+          <a:fillRef idx="0">
+            <a:schemeClr val="accent1"/>
+          </a:fillRef>
+          <a:effectRef idx="1">
+            <a:schemeClr val="accent1"/>
+          </a:effectRef>
+          <a:fontRef idx="minor">
+            <a:schemeClr val="tx1"/>
+          </a:fontRef>
+        </p:style>
+      </p:cxnSp>
+      <p:cxnSp>
+        <p:nvCxnSpPr>
+          <p:cNvPr id="132" name="직선 연결선 131">
+            <a:extLst>
+              <a:ext uri="{FF2B5EF4-FFF2-40B4-BE49-F238E27FC236}">
+                <a16:creationId xmlns:a16="http://schemas.microsoft.com/office/drawing/2014/main" id="{CA74B261-374A-8C2D-1362-1834531695CC}"/>
+              </a:ext>
+            </a:extLst>
+          </p:cNvPr>
+          <p:cNvCxnSpPr>
+            <a:cxnSpLocks/>
+          </p:cNvCxnSpPr>
+          <p:nvPr/>
+        </p:nvCxnSpPr>
+        <p:spPr>
+          <a:xfrm flipV="1">
+            <a:off x="4512043" y="3584182"/>
+            <a:ext cx="0" cy="208547"/>
+          </a:xfrm>
+          <a:prstGeom prst="line">
+            <a:avLst/>
+          </a:prstGeom>
+          <a:ln w="38100">
+            <a:solidFill>
+              <a:schemeClr val="tx1"/>
+            </a:solidFill>
+          </a:ln>
+        </p:spPr>
+        <p:style>
+          <a:lnRef idx="2">
+            <a:schemeClr val="accent1"/>
+          </a:lnRef>
+          <a:fillRef idx="0">
+            <a:schemeClr val="accent1"/>
+          </a:fillRef>
+          <a:effectRef idx="1">
+            <a:schemeClr val="accent1"/>
+          </a:effectRef>
+          <a:fontRef idx="minor">
+            <a:schemeClr val="tx1"/>
+          </a:fontRef>
+        </p:style>
+      </p:cxnSp>
+      <p:cxnSp>
+        <p:nvCxnSpPr>
+          <p:cNvPr id="133" name="직선 연결선 132">
+            <a:extLst>
+              <a:ext uri="{FF2B5EF4-FFF2-40B4-BE49-F238E27FC236}">
+                <a16:creationId xmlns:a16="http://schemas.microsoft.com/office/drawing/2014/main" id="{EF22400A-1E46-174B-D60C-6BBD97944466}"/>
+              </a:ext>
+            </a:extLst>
+          </p:cNvPr>
+          <p:cNvCxnSpPr>
+            <a:cxnSpLocks/>
+          </p:cNvCxnSpPr>
+          <p:nvPr/>
+        </p:nvCxnSpPr>
+        <p:spPr>
+          <a:xfrm flipV="1">
+            <a:off x="3661143" y="3584182"/>
+            <a:ext cx="0" cy="208547"/>
+          </a:xfrm>
+          <a:prstGeom prst="line">
+            <a:avLst/>
+          </a:prstGeom>
+          <a:ln w="38100">
+            <a:solidFill>
+              <a:schemeClr val="tx1"/>
+            </a:solidFill>
+          </a:ln>
+        </p:spPr>
+        <p:style>
+          <a:lnRef idx="2">
+            <a:schemeClr val="accent1"/>
+          </a:lnRef>
+          <a:fillRef idx="0">
+            <a:schemeClr val="accent1"/>
+          </a:fillRef>
+          <a:effectRef idx="1">
+            <a:schemeClr val="accent1"/>
+          </a:effectRef>
+          <a:fontRef idx="minor">
+            <a:schemeClr val="tx1"/>
+          </a:fontRef>
+        </p:style>
+      </p:cxnSp>
+      <p:cxnSp>
+        <p:nvCxnSpPr>
+          <p:cNvPr id="134" name="직선 연결선 133">
+            <a:extLst>
+              <a:ext uri="{FF2B5EF4-FFF2-40B4-BE49-F238E27FC236}">
+                <a16:creationId xmlns:a16="http://schemas.microsoft.com/office/drawing/2014/main" id="{E9A0290B-6385-C57D-D310-F6716546A0D1}"/>
+              </a:ext>
+            </a:extLst>
+          </p:cNvPr>
+          <p:cNvCxnSpPr>
+            <a:cxnSpLocks/>
+          </p:cNvCxnSpPr>
+          <p:nvPr/>
+        </p:nvCxnSpPr>
+        <p:spPr>
+          <a:xfrm flipV="1">
+            <a:off x="4512043" y="3584182"/>
+            <a:ext cx="0" cy="208547"/>
+          </a:xfrm>
+          <a:prstGeom prst="line">
+            <a:avLst/>
+          </a:prstGeom>
+          <a:ln w="38100">
+            <a:solidFill>
+              <a:schemeClr val="tx1"/>
+            </a:solidFill>
+          </a:ln>
+        </p:spPr>
+        <p:style>
+          <a:lnRef idx="2">
+            <a:schemeClr val="accent1"/>
+          </a:lnRef>
+          <a:fillRef idx="0">
+            <a:schemeClr val="accent1"/>
+          </a:fillRef>
+          <a:effectRef idx="1">
+            <a:schemeClr val="accent1"/>
+          </a:effectRef>
+          <a:fontRef idx="minor">
+            <a:schemeClr val="tx1"/>
+          </a:fontRef>
+        </p:style>
+      </p:cxnSp>
+      <p:cxnSp>
+        <p:nvCxnSpPr>
+          <p:cNvPr id="136" name="직선 연결선 135">
+            <a:extLst>
+              <a:ext uri="{FF2B5EF4-FFF2-40B4-BE49-F238E27FC236}">
+                <a16:creationId xmlns:a16="http://schemas.microsoft.com/office/drawing/2014/main" id="{EBF64CCE-CA8E-7365-DD19-5B8D7189B882}"/>
+              </a:ext>
+            </a:extLst>
+          </p:cNvPr>
+          <p:cNvCxnSpPr>
+            <a:cxnSpLocks/>
+          </p:cNvCxnSpPr>
+          <p:nvPr/>
+        </p:nvCxnSpPr>
+        <p:spPr>
+          <a:xfrm flipV="1">
+            <a:off x="5362943" y="3584182"/>
+            <a:ext cx="0" cy="208547"/>
+          </a:xfrm>
+          <a:prstGeom prst="line">
+            <a:avLst/>
+          </a:prstGeom>
+          <a:ln w="38100">
+            <a:solidFill>
+              <a:schemeClr val="tx1"/>
+            </a:solidFill>
+          </a:ln>
+        </p:spPr>
+        <p:style>
+          <a:lnRef idx="2">
+            <a:schemeClr val="accent1"/>
+          </a:lnRef>
+          <a:fillRef idx="0">
+            <a:schemeClr val="accent1"/>
+          </a:fillRef>
+          <a:effectRef idx="1">
+            <a:schemeClr val="accent1"/>
+          </a:effectRef>
+          <a:fontRef idx="minor">
+            <a:schemeClr val="tx1"/>
+          </a:fontRef>
+        </p:style>
+      </p:cxnSp>
+      <p:sp>
+        <p:nvSpPr>
+          <p:cNvPr id="138" name="TextBox 137">
+            <a:extLst>
+              <a:ext uri="{FF2B5EF4-FFF2-40B4-BE49-F238E27FC236}">
+                <a16:creationId xmlns:a16="http://schemas.microsoft.com/office/drawing/2014/main" id="{9F1653C6-B107-7534-63D5-36A44C12E9DE}"/>
+              </a:ext>
+            </a:extLst>
+          </p:cNvPr>
+          <p:cNvSpPr txBox="1"/>
+          <p:nvPr/>
+        </p:nvSpPr>
+        <p:spPr>
+          <a:xfrm>
+            <a:off x="10113098" y="3329285"/>
+            <a:ext cx="349776" cy="461665"/>
+          </a:xfrm>
+          <a:prstGeom prst="rect">
+            <a:avLst/>
+          </a:prstGeom>
+          <a:noFill/>
+        </p:spPr>
+        <p:txBody>
+          <a:bodyPr wrap="none" rtlCol="0">
+            <a:spAutoFit/>
+          </a:bodyPr>
+          <a:lstStyle/>
+          <a:p>
+            <a:r>
+              <a:rPr lang="en-US" altLang="ko-KR" sz="2400" b="1" dirty="0"/>
+              <a:t>x</a:t>
+            </a:r>
+            <a:endParaRPr lang="ko-KR" altLang="en-US" sz="2400" b="1" dirty="0"/>
+          </a:p>
+        </p:txBody>
+      </p:sp>
+      <p:sp>
+        <p:nvSpPr>
+          <p:cNvPr id="141" name="TextBox 140">
+            <a:extLst>
+              <a:ext uri="{FF2B5EF4-FFF2-40B4-BE49-F238E27FC236}">
+                <a16:creationId xmlns:a16="http://schemas.microsoft.com/office/drawing/2014/main" id="{B03A56AA-6CC4-9C80-8B90-78D057813BEA}"/>
+              </a:ext>
+            </a:extLst>
+          </p:cNvPr>
+          <p:cNvSpPr txBox="1"/>
+          <p:nvPr/>
+        </p:nvSpPr>
+        <p:spPr>
+          <a:xfrm>
+            <a:off x="6901753" y="3790950"/>
+            <a:ext cx="362600" cy="461665"/>
+          </a:xfrm>
+          <a:prstGeom prst="rect">
+            <a:avLst/>
+          </a:prstGeom>
+          <a:noFill/>
+        </p:spPr>
+        <p:txBody>
+          <a:bodyPr wrap="none" rtlCol="0">
+            <a:spAutoFit/>
+          </a:bodyPr>
+          <a:lstStyle/>
+          <a:p>
+            <a:r>
+              <a:rPr lang="en-US" altLang="ko-KR" sz="2400" b="1" dirty="0"/>
+              <a:t>1</a:t>
+            </a:r>
+            <a:endParaRPr lang="ko-KR" altLang="en-US" sz="2400" b="1" dirty="0"/>
+          </a:p>
+        </p:txBody>
+      </p:sp>
+      <p:sp>
+        <p:nvSpPr>
+          <p:cNvPr id="143" name="TextBox 142">
+            <a:extLst>
+              <a:ext uri="{FF2B5EF4-FFF2-40B4-BE49-F238E27FC236}">
+                <a16:creationId xmlns:a16="http://schemas.microsoft.com/office/drawing/2014/main" id="{1D17E344-1A01-2D1F-EAF5-7D78CC09C052}"/>
+              </a:ext>
+            </a:extLst>
+          </p:cNvPr>
+          <p:cNvSpPr txBox="1"/>
+          <p:nvPr/>
+        </p:nvSpPr>
+        <p:spPr>
+          <a:xfrm>
+            <a:off x="7758264" y="3790950"/>
+            <a:ext cx="362600" cy="461665"/>
+          </a:xfrm>
+          <a:prstGeom prst="rect">
+            <a:avLst/>
+          </a:prstGeom>
+          <a:noFill/>
+        </p:spPr>
+        <p:txBody>
+          <a:bodyPr wrap="none" rtlCol="0">
+            <a:spAutoFit/>
+          </a:bodyPr>
+          <a:lstStyle/>
+          <a:p>
+            <a:r>
+              <a:rPr lang="en-US" altLang="ko-KR" sz="2400" b="1" dirty="0"/>
+              <a:t>2</a:t>
+            </a:r>
+            <a:endParaRPr lang="ko-KR" altLang="en-US" sz="2400" b="1" dirty="0"/>
+          </a:p>
+        </p:txBody>
+      </p:sp>
+      <p:sp>
+        <p:nvSpPr>
+          <p:cNvPr id="145" name="TextBox 144">
+            <a:extLst>
+              <a:ext uri="{FF2B5EF4-FFF2-40B4-BE49-F238E27FC236}">
+                <a16:creationId xmlns:a16="http://schemas.microsoft.com/office/drawing/2014/main" id="{D0D263A1-B0CC-D48F-9406-7BB6E1BE3A8F}"/>
+              </a:ext>
+            </a:extLst>
+          </p:cNvPr>
+          <p:cNvSpPr txBox="1"/>
+          <p:nvPr/>
+        </p:nvSpPr>
+        <p:spPr>
+          <a:xfrm>
+            <a:off x="8614775" y="3790950"/>
+            <a:ext cx="362600" cy="461665"/>
+          </a:xfrm>
+          <a:prstGeom prst="rect">
+            <a:avLst/>
+          </a:prstGeom>
+          <a:noFill/>
+        </p:spPr>
+        <p:txBody>
+          <a:bodyPr wrap="none" rtlCol="0">
+            <a:spAutoFit/>
+          </a:bodyPr>
+          <a:lstStyle/>
+          <a:p>
+            <a:r>
+              <a:rPr lang="en-US" altLang="ko-KR" sz="2400" b="1" dirty="0"/>
+              <a:t>3</a:t>
+            </a:r>
+            <a:endParaRPr lang="ko-KR" altLang="en-US" sz="2400" b="1" dirty="0"/>
+          </a:p>
+        </p:txBody>
+      </p:sp>
+      <p:sp>
+        <p:nvSpPr>
+          <p:cNvPr id="146" name="TextBox 145">
+            <a:extLst>
+              <a:ext uri="{FF2B5EF4-FFF2-40B4-BE49-F238E27FC236}">
+                <a16:creationId xmlns:a16="http://schemas.microsoft.com/office/drawing/2014/main" id="{3D2AAEF9-843A-4EA3-3119-FA841245C240}"/>
+              </a:ext>
+            </a:extLst>
+          </p:cNvPr>
+          <p:cNvSpPr txBox="1"/>
+          <p:nvPr/>
+        </p:nvSpPr>
+        <p:spPr>
+          <a:xfrm>
+            <a:off x="9471286" y="3790950"/>
+            <a:ext cx="362600" cy="461665"/>
+          </a:xfrm>
+          <a:prstGeom prst="rect">
+            <a:avLst/>
+          </a:prstGeom>
+          <a:noFill/>
+        </p:spPr>
+        <p:txBody>
+          <a:bodyPr wrap="none" rtlCol="0">
+            <a:spAutoFit/>
+          </a:bodyPr>
+          <a:lstStyle/>
+          <a:p>
+            <a:r>
+              <a:rPr lang="en-US" altLang="ko-KR" sz="2400" b="1" dirty="0"/>
+              <a:t>4</a:t>
+            </a:r>
+            <a:endParaRPr lang="ko-KR" altLang="en-US" sz="2400" b="1" dirty="0"/>
+          </a:p>
+        </p:txBody>
+      </p:sp>
+      <p:sp>
+        <p:nvSpPr>
+          <p:cNvPr id="147" name="TextBox 146">
+            <a:extLst>
+              <a:ext uri="{FF2B5EF4-FFF2-40B4-BE49-F238E27FC236}">
+                <a16:creationId xmlns:a16="http://schemas.microsoft.com/office/drawing/2014/main" id="{E582AE01-D4FC-4B65-FE4F-97B48A8F57E4}"/>
+              </a:ext>
+            </a:extLst>
+          </p:cNvPr>
+          <p:cNvSpPr txBox="1"/>
+          <p:nvPr/>
+        </p:nvSpPr>
+        <p:spPr>
+          <a:xfrm>
+            <a:off x="2611690" y="3790950"/>
+            <a:ext cx="489236" cy="461665"/>
+          </a:xfrm>
+          <a:prstGeom prst="rect">
+            <a:avLst/>
+          </a:prstGeom>
+          <a:noFill/>
+        </p:spPr>
+        <p:txBody>
+          <a:bodyPr wrap="none" rtlCol="0">
+            <a:spAutoFit/>
+          </a:bodyPr>
+          <a:lstStyle/>
+          <a:p>
+            <a:r>
+              <a:rPr lang="en-US" altLang="ko-KR" sz="2400" b="1" dirty="0"/>
+              <a:t>-4</a:t>
+            </a:r>
+            <a:endParaRPr lang="ko-KR" altLang="en-US" sz="2400" b="1" dirty="0"/>
+          </a:p>
+        </p:txBody>
+      </p:sp>
+      <p:sp>
+        <p:nvSpPr>
+          <p:cNvPr id="148" name="TextBox 147">
+            <a:extLst>
+              <a:ext uri="{FF2B5EF4-FFF2-40B4-BE49-F238E27FC236}">
+                <a16:creationId xmlns:a16="http://schemas.microsoft.com/office/drawing/2014/main" id="{5F992F32-7C87-54C6-5287-EE5DD8F0A3F6}"/>
+              </a:ext>
+            </a:extLst>
+          </p:cNvPr>
+          <p:cNvSpPr txBox="1"/>
+          <p:nvPr/>
+        </p:nvSpPr>
+        <p:spPr>
+          <a:xfrm>
+            <a:off x="3468939" y="3790950"/>
+            <a:ext cx="489236" cy="461665"/>
+          </a:xfrm>
+          <a:prstGeom prst="rect">
+            <a:avLst/>
+          </a:prstGeom>
+          <a:noFill/>
+        </p:spPr>
+        <p:txBody>
+          <a:bodyPr wrap="none" rtlCol="0">
+            <a:spAutoFit/>
+          </a:bodyPr>
+          <a:lstStyle/>
+          <a:p>
+            <a:r>
+              <a:rPr lang="en-US" altLang="ko-KR" sz="2400" b="1" dirty="0"/>
+              <a:t>-3</a:t>
+            </a:r>
+            <a:endParaRPr lang="ko-KR" altLang="en-US" sz="2400" b="1" dirty="0"/>
+          </a:p>
+        </p:txBody>
+      </p:sp>
+      <p:sp>
+        <p:nvSpPr>
+          <p:cNvPr id="149" name="TextBox 148">
+            <a:extLst>
+              <a:ext uri="{FF2B5EF4-FFF2-40B4-BE49-F238E27FC236}">
+                <a16:creationId xmlns:a16="http://schemas.microsoft.com/office/drawing/2014/main" id="{74CAF3B4-AC2F-4E03-8928-B05239571DDE}"/>
+              </a:ext>
+            </a:extLst>
+          </p:cNvPr>
+          <p:cNvSpPr txBox="1"/>
+          <p:nvPr/>
+        </p:nvSpPr>
+        <p:spPr>
+          <a:xfrm>
+            <a:off x="4325450" y="3790950"/>
+            <a:ext cx="489236" cy="461665"/>
+          </a:xfrm>
+          <a:prstGeom prst="rect">
+            <a:avLst/>
+          </a:prstGeom>
+          <a:noFill/>
+        </p:spPr>
+        <p:txBody>
+          <a:bodyPr wrap="none" rtlCol="0">
+            <a:spAutoFit/>
+          </a:bodyPr>
+          <a:lstStyle/>
+          <a:p>
+            <a:r>
+              <a:rPr lang="en-US" altLang="ko-KR" sz="2400" b="1" dirty="0"/>
+              <a:t>-2</a:t>
+            </a:r>
+            <a:endParaRPr lang="ko-KR" altLang="en-US" sz="2400" b="1" dirty="0"/>
+          </a:p>
+        </p:txBody>
+      </p:sp>
+      <p:sp>
+        <p:nvSpPr>
+          <p:cNvPr id="150" name="TextBox 149">
+            <a:extLst>
+              <a:ext uri="{FF2B5EF4-FFF2-40B4-BE49-F238E27FC236}">
+                <a16:creationId xmlns:a16="http://schemas.microsoft.com/office/drawing/2014/main" id="{060395E7-22B8-CE1D-D0F4-1D9D16B7342C}"/>
+              </a:ext>
+            </a:extLst>
+          </p:cNvPr>
+          <p:cNvSpPr txBox="1"/>
+          <p:nvPr/>
+        </p:nvSpPr>
+        <p:spPr>
+          <a:xfrm>
+            <a:off x="5181961" y="3790950"/>
+            <a:ext cx="489236" cy="461665"/>
+          </a:xfrm>
+          <a:prstGeom prst="rect">
+            <a:avLst/>
+          </a:prstGeom>
+          <a:noFill/>
+        </p:spPr>
+        <p:txBody>
+          <a:bodyPr wrap="none" rtlCol="0">
+            <a:spAutoFit/>
+          </a:bodyPr>
+          <a:lstStyle/>
+          <a:p>
+            <a:r>
+              <a:rPr lang="en-US" altLang="ko-KR" sz="2400" b="1" dirty="0"/>
+              <a:t>-1</a:t>
+            </a:r>
+            <a:endParaRPr lang="ko-KR" altLang="en-US" sz="2400" b="1" dirty="0"/>
+          </a:p>
+        </p:txBody>
+      </p:sp>
+      <p:sp>
+        <p:nvSpPr>
+          <p:cNvPr id="29" name="TextBox 28">
+            <a:extLst>
+              <a:ext uri="{FF2B5EF4-FFF2-40B4-BE49-F238E27FC236}">
+                <a16:creationId xmlns:a16="http://schemas.microsoft.com/office/drawing/2014/main" id="{559C7CF5-C81D-2813-FC18-213F5E32C3EC}"/>
+              </a:ext>
+            </a:extLst>
+          </p:cNvPr>
+          <p:cNvSpPr txBox="1"/>
+          <p:nvPr/>
+        </p:nvSpPr>
+        <p:spPr>
+          <a:xfrm>
+            <a:off x="6292198" y="3648089"/>
+            <a:ext cx="362600" cy="461665"/>
+          </a:xfrm>
+          <a:prstGeom prst="rect">
+            <a:avLst/>
+          </a:prstGeom>
+          <a:noFill/>
+        </p:spPr>
+        <p:txBody>
+          <a:bodyPr wrap="none" rtlCol="0">
+            <a:spAutoFit/>
+          </a:bodyPr>
+          <a:lstStyle/>
+          <a:p>
+            <a:r>
+              <a:rPr lang="en-US" altLang="ko-KR" sz="2400" b="1" dirty="0"/>
+              <a:t>0</a:t>
+            </a:r>
+            <a:endParaRPr lang="ko-KR" altLang="en-US" sz="2400" b="1" dirty="0"/>
+          </a:p>
+        </p:txBody>
+      </p:sp>
+      <p:grpSp>
+        <p:nvGrpSpPr>
+          <p:cNvPr id="5" name="그룹 4">
+            <a:extLst>
+              <a:ext uri="{FF2B5EF4-FFF2-40B4-BE49-F238E27FC236}">
+                <a16:creationId xmlns:a16="http://schemas.microsoft.com/office/drawing/2014/main" id="{AB29F48E-35EA-568E-7746-14A81D3F86D1}"/>
+              </a:ext>
+            </a:extLst>
+          </p:cNvPr>
+          <p:cNvGrpSpPr/>
+          <p:nvPr/>
+        </p:nvGrpSpPr>
+        <p:grpSpPr>
+          <a:xfrm rot="5400000">
+            <a:off x="2391422" y="3584182"/>
+            <a:ext cx="7700210" cy="0"/>
+            <a:chOff x="2374232" y="3441032"/>
+            <a:chExt cx="7700210" cy="0"/>
+          </a:xfrm>
+        </p:grpSpPr>
+        <p:cxnSp>
+          <p:nvCxnSpPr>
+            <p:cNvPr id="27" name="직선 화살표 연결선 26">
+              <a:extLst>
+                <a:ext uri="{FF2B5EF4-FFF2-40B4-BE49-F238E27FC236}">
+                  <a16:creationId xmlns:a16="http://schemas.microsoft.com/office/drawing/2014/main" id="{88D110CA-D4B6-2F8D-B867-A4799391F57C}"/>
+                </a:ext>
+              </a:extLst>
+            </p:cNvPr>
+            <p:cNvCxnSpPr/>
+            <p:nvPr/>
+          </p:nvCxnSpPr>
+          <p:spPr>
+            <a:xfrm>
+              <a:off x="6224337" y="3441032"/>
+              <a:ext cx="3850105" cy="0"/>
+            </a:xfrm>
+            <a:prstGeom prst="straightConnector1">
+              <a:avLst/>
+            </a:prstGeom>
+            <a:ln w="38100">
+              <a:solidFill>
+                <a:schemeClr val="accent1">
+                  <a:lumMod val="60000"/>
+                  <a:lumOff val="40000"/>
+                </a:schemeClr>
+              </a:solidFill>
+              <a:tailEnd type="triangle"/>
+            </a:ln>
+          </p:spPr>
+          <p:style>
+            <a:lnRef idx="2">
+              <a:schemeClr val="accent1"/>
+            </a:lnRef>
+            <a:fillRef idx="0">
+              <a:schemeClr val="accent1"/>
+            </a:fillRef>
+            <a:effectRef idx="1">
+              <a:schemeClr val="accent1"/>
+            </a:effectRef>
+            <a:fontRef idx="minor">
+              <a:schemeClr val="tx1"/>
+            </a:fontRef>
+          </p:style>
+        </p:cxnSp>
+        <p:cxnSp>
+          <p:nvCxnSpPr>
+            <p:cNvPr id="28" name="직선 화살표 연결선 27">
+              <a:extLst>
+                <a:ext uri="{FF2B5EF4-FFF2-40B4-BE49-F238E27FC236}">
+                  <a16:creationId xmlns:a16="http://schemas.microsoft.com/office/drawing/2014/main" id="{804732F4-7FAB-3F3B-50E3-D3C53D0FA5E3}"/>
+                </a:ext>
+              </a:extLst>
+            </p:cNvPr>
+            <p:cNvCxnSpPr>
+              <a:cxnSpLocks/>
+            </p:cNvCxnSpPr>
+            <p:nvPr/>
+          </p:nvCxnSpPr>
+          <p:spPr>
+            <a:xfrm rot="10800000">
+              <a:off x="2374232" y="3441032"/>
+              <a:ext cx="3850105" cy="0"/>
+            </a:xfrm>
+            <a:prstGeom prst="straightConnector1">
+              <a:avLst/>
+            </a:prstGeom>
+            <a:ln w="38100">
+              <a:solidFill>
+                <a:schemeClr val="accent1">
+                  <a:lumMod val="60000"/>
+                  <a:lumOff val="40000"/>
+                </a:schemeClr>
+              </a:solidFill>
+              <a:tailEnd type="triangle"/>
+            </a:ln>
+          </p:spPr>
+          <p:style>
+            <a:lnRef idx="2">
+              <a:schemeClr val="accent1"/>
+            </a:lnRef>
+            <a:fillRef idx="0">
+              <a:schemeClr val="accent1"/>
+            </a:fillRef>
+            <a:effectRef idx="1">
+              <a:schemeClr val="accent1"/>
+            </a:effectRef>
+            <a:fontRef idx="minor">
+              <a:schemeClr val="tx1"/>
+            </a:fontRef>
+          </p:style>
+        </p:cxnSp>
+      </p:grpSp>
+      <p:cxnSp>
+        <p:nvCxnSpPr>
+          <p:cNvPr id="6" name="직선 연결선 5">
+            <a:extLst>
+              <a:ext uri="{FF2B5EF4-FFF2-40B4-BE49-F238E27FC236}">
+                <a16:creationId xmlns:a16="http://schemas.microsoft.com/office/drawing/2014/main" id="{B1B19D5A-DA38-3C5D-BF46-3B88BB10C429}"/>
+              </a:ext>
+            </a:extLst>
+          </p:cNvPr>
+          <p:cNvCxnSpPr>
+            <a:cxnSpLocks/>
+          </p:cNvCxnSpPr>
+          <p:nvPr/>
+        </p:nvCxnSpPr>
+        <p:spPr>
+          <a:xfrm rot="5400000" flipV="1">
+            <a:off x="6137254" y="5184884"/>
+            <a:ext cx="0" cy="208547"/>
+          </a:xfrm>
+          <a:prstGeom prst="line">
+            <a:avLst/>
+          </a:prstGeom>
+          <a:ln w="38100">
+            <a:solidFill>
+              <a:schemeClr val="tx1"/>
+            </a:solidFill>
+          </a:ln>
+        </p:spPr>
+        <p:style>
+          <a:lnRef idx="2">
+            <a:schemeClr val="accent1"/>
+          </a:lnRef>
+          <a:fillRef idx="0">
+            <a:schemeClr val="accent1"/>
+          </a:fillRef>
+          <a:effectRef idx="1">
+            <a:schemeClr val="accent1"/>
+          </a:effectRef>
+          <a:fontRef idx="minor">
+            <a:schemeClr val="tx1"/>
+          </a:fontRef>
+        </p:style>
+      </p:cxnSp>
+      <p:cxnSp>
+        <p:nvCxnSpPr>
+          <p:cNvPr id="7" name="직선 연결선 6">
+            <a:extLst>
+              <a:ext uri="{FF2B5EF4-FFF2-40B4-BE49-F238E27FC236}">
+                <a16:creationId xmlns:a16="http://schemas.microsoft.com/office/drawing/2014/main" id="{3406A9AF-C1FE-723F-B3EA-70BC0C24A58F}"/>
+              </a:ext>
+            </a:extLst>
+          </p:cNvPr>
+          <p:cNvCxnSpPr>
+            <a:cxnSpLocks/>
+          </p:cNvCxnSpPr>
+          <p:nvPr/>
+        </p:nvCxnSpPr>
+        <p:spPr>
+          <a:xfrm rot="5400000" flipV="1">
+            <a:off x="6137254" y="4333984"/>
+            <a:ext cx="0" cy="208547"/>
+          </a:xfrm>
+          <a:prstGeom prst="line">
+            <a:avLst/>
+          </a:prstGeom>
+          <a:ln w="38100">
+            <a:solidFill>
+              <a:schemeClr val="tx1"/>
+            </a:solidFill>
+          </a:ln>
+        </p:spPr>
+        <p:style>
+          <a:lnRef idx="2">
+            <a:schemeClr val="accent1"/>
+          </a:lnRef>
+          <a:fillRef idx="0">
+            <a:schemeClr val="accent1"/>
+          </a:fillRef>
+          <a:effectRef idx="1">
+            <a:schemeClr val="accent1"/>
+          </a:effectRef>
+          <a:fontRef idx="minor">
+            <a:schemeClr val="tx1"/>
+          </a:fontRef>
+        </p:style>
+      </p:cxnSp>
+      <p:cxnSp>
+        <p:nvCxnSpPr>
+          <p:cNvPr id="8" name="직선 연결선 7">
+            <a:extLst>
+              <a:ext uri="{FF2B5EF4-FFF2-40B4-BE49-F238E27FC236}">
+                <a16:creationId xmlns:a16="http://schemas.microsoft.com/office/drawing/2014/main" id="{D66F6786-B4AF-3B1B-F1ED-AADAD6B2DAFE}"/>
+              </a:ext>
+            </a:extLst>
+          </p:cNvPr>
+          <p:cNvCxnSpPr>
+            <a:cxnSpLocks/>
+          </p:cNvCxnSpPr>
+          <p:nvPr/>
+        </p:nvCxnSpPr>
+        <p:spPr>
+          <a:xfrm rot="5400000" flipV="1">
+            <a:off x="6137254" y="5184884"/>
+            <a:ext cx="0" cy="208547"/>
+          </a:xfrm>
+          <a:prstGeom prst="line">
+            <a:avLst/>
+          </a:prstGeom>
+          <a:ln w="38100">
+            <a:solidFill>
+              <a:schemeClr val="tx1"/>
+            </a:solidFill>
+          </a:ln>
+        </p:spPr>
+        <p:style>
+          <a:lnRef idx="2">
+            <a:schemeClr val="accent1"/>
+          </a:lnRef>
+          <a:fillRef idx="0">
+            <a:schemeClr val="accent1"/>
+          </a:fillRef>
+          <a:effectRef idx="1">
+            <a:schemeClr val="accent1"/>
+          </a:effectRef>
+          <a:fontRef idx="minor">
+            <a:schemeClr val="tx1"/>
+          </a:fontRef>
+        </p:style>
+      </p:cxnSp>
+      <p:cxnSp>
+        <p:nvCxnSpPr>
+          <p:cNvPr id="10" name="직선 연결선 9">
+            <a:extLst>
+              <a:ext uri="{FF2B5EF4-FFF2-40B4-BE49-F238E27FC236}">
+                <a16:creationId xmlns:a16="http://schemas.microsoft.com/office/drawing/2014/main" id="{945325B7-60CE-3818-F6B5-BF0A092B169C}"/>
+              </a:ext>
+            </a:extLst>
+          </p:cNvPr>
+          <p:cNvCxnSpPr>
+            <a:cxnSpLocks/>
+          </p:cNvCxnSpPr>
+          <p:nvPr/>
+        </p:nvCxnSpPr>
+        <p:spPr>
+          <a:xfrm rot="5400000" flipV="1">
+            <a:off x="6137254" y="6886684"/>
+            <a:ext cx="0" cy="208547"/>
+          </a:xfrm>
+          <a:prstGeom prst="line">
+            <a:avLst/>
+          </a:prstGeom>
+          <a:ln w="38100">
+            <a:solidFill>
+              <a:schemeClr val="tx1"/>
+            </a:solidFill>
+          </a:ln>
+        </p:spPr>
+        <p:style>
+          <a:lnRef idx="2">
+            <a:schemeClr val="accent1"/>
+          </a:lnRef>
+          <a:fillRef idx="0">
+            <a:schemeClr val="accent1"/>
+          </a:fillRef>
+          <a:effectRef idx="1">
+            <a:schemeClr val="accent1"/>
+          </a:effectRef>
+          <a:fontRef idx="minor">
+            <a:schemeClr val="tx1"/>
+          </a:fontRef>
+        </p:style>
+      </p:cxnSp>
+      <p:cxnSp>
+        <p:nvCxnSpPr>
+          <p:cNvPr id="11" name="직선 연결선 10">
+            <a:extLst>
+              <a:ext uri="{FF2B5EF4-FFF2-40B4-BE49-F238E27FC236}">
+                <a16:creationId xmlns:a16="http://schemas.microsoft.com/office/drawing/2014/main" id="{09B2ACCA-98B8-D650-FEF9-44B5273A8D21}"/>
+              </a:ext>
+            </a:extLst>
+          </p:cNvPr>
+          <p:cNvCxnSpPr>
+            <a:cxnSpLocks/>
+          </p:cNvCxnSpPr>
+          <p:nvPr/>
+        </p:nvCxnSpPr>
+        <p:spPr>
+          <a:xfrm rot="5400000" flipV="1">
+            <a:off x="6137254" y="6035784"/>
+            <a:ext cx="0" cy="208547"/>
+          </a:xfrm>
+          <a:prstGeom prst="line">
+            <a:avLst/>
+          </a:prstGeom>
+          <a:ln w="38100">
+            <a:solidFill>
+              <a:schemeClr val="tx1"/>
+            </a:solidFill>
+          </a:ln>
+        </p:spPr>
+        <p:style>
+          <a:lnRef idx="2">
+            <a:schemeClr val="accent1"/>
+          </a:lnRef>
+          <a:fillRef idx="0">
+            <a:schemeClr val="accent1"/>
+          </a:fillRef>
+          <a:effectRef idx="1">
+            <a:schemeClr val="accent1"/>
+          </a:effectRef>
+          <a:fontRef idx="minor">
+            <a:schemeClr val="tx1"/>
+          </a:fontRef>
+        </p:style>
+      </p:cxnSp>
+      <p:cxnSp>
+        <p:nvCxnSpPr>
+          <p:cNvPr id="12" name="직선 연결선 11">
+            <a:extLst>
+              <a:ext uri="{FF2B5EF4-FFF2-40B4-BE49-F238E27FC236}">
+                <a16:creationId xmlns:a16="http://schemas.microsoft.com/office/drawing/2014/main" id="{2369FA0F-66D2-2BBF-52A8-FFF400653BF5}"/>
+              </a:ext>
+            </a:extLst>
+          </p:cNvPr>
+          <p:cNvCxnSpPr>
+            <a:cxnSpLocks/>
+          </p:cNvCxnSpPr>
+          <p:nvPr/>
+        </p:nvCxnSpPr>
+        <p:spPr>
+          <a:xfrm rot="5400000" flipV="1">
+            <a:off x="6137254" y="73134"/>
+            <a:ext cx="0" cy="208547"/>
+          </a:xfrm>
+          <a:prstGeom prst="line">
+            <a:avLst/>
+          </a:prstGeom>
+          <a:ln w="38100">
+            <a:solidFill>
+              <a:schemeClr val="tx1"/>
+            </a:solidFill>
+          </a:ln>
+        </p:spPr>
+        <p:style>
+          <a:lnRef idx="2">
+            <a:schemeClr val="accent1"/>
+          </a:lnRef>
+          <a:fillRef idx="0">
+            <a:schemeClr val="accent1"/>
+          </a:fillRef>
+          <a:effectRef idx="1">
+            <a:schemeClr val="accent1"/>
+          </a:effectRef>
+          <a:fontRef idx="minor">
+            <a:schemeClr val="tx1"/>
+          </a:fontRef>
+        </p:style>
+      </p:cxnSp>
+      <p:cxnSp>
+        <p:nvCxnSpPr>
+          <p:cNvPr id="13" name="직선 연결선 12">
+            <a:extLst>
+              <a:ext uri="{FF2B5EF4-FFF2-40B4-BE49-F238E27FC236}">
+                <a16:creationId xmlns:a16="http://schemas.microsoft.com/office/drawing/2014/main" id="{16BA1B33-2ADC-1D2D-58ED-9E6BA2FC490A}"/>
+              </a:ext>
+            </a:extLst>
+          </p:cNvPr>
+          <p:cNvCxnSpPr>
+            <a:cxnSpLocks/>
+          </p:cNvCxnSpPr>
+          <p:nvPr/>
+        </p:nvCxnSpPr>
+        <p:spPr>
+          <a:xfrm rot="5400000" flipV="1">
+            <a:off x="6137254" y="1774934"/>
+            <a:ext cx="0" cy="208547"/>
+          </a:xfrm>
+          <a:prstGeom prst="line">
+            <a:avLst/>
+          </a:prstGeom>
+          <a:ln w="38100">
+            <a:solidFill>
+              <a:schemeClr val="tx1"/>
+            </a:solidFill>
+          </a:ln>
+        </p:spPr>
+        <p:style>
+          <a:lnRef idx="2">
+            <a:schemeClr val="accent1"/>
+          </a:lnRef>
+          <a:fillRef idx="0">
+            <a:schemeClr val="accent1"/>
+          </a:fillRef>
+          <a:effectRef idx="1">
+            <a:schemeClr val="accent1"/>
+          </a:effectRef>
+          <a:fontRef idx="minor">
+            <a:schemeClr val="tx1"/>
+          </a:fontRef>
+        </p:style>
+      </p:cxnSp>
+      <p:cxnSp>
+        <p:nvCxnSpPr>
+          <p:cNvPr id="14" name="직선 연결선 13">
+            <a:extLst>
+              <a:ext uri="{FF2B5EF4-FFF2-40B4-BE49-F238E27FC236}">
+                <a16:creationId xmlns:a16="http://schemas.microsoft.com/office/drawing/2014/main" id="{826523AC-D77B-01A1-38B9-3E435F522EC5}"/>
+              </a:ext>
+            </a:extLst>
+          </p:cNvPr>
+          <p:cNvCxnSpPr>
+            <a:cxnSpLocks/>
+          </p:cNvCxnSpPr>
+          <p:nvPr/>
+        </p:nvCxnSpPr>
+        <p:spPr>
+          <a:xfrm rot="5400000" flipV="1">
+            <a:off x="6137254" y="924034"/>
+            <a:ext cx="0" cy="208547"/>
+          </a:xfrm>
+          <a:prstGeom prst="line">
+            <a:avLst/>
+          </a:prstGeom>
+          <a:ln w="38100">
+            <a:solidFill>
+              <a:schemeClr val="tx1"/>
+            </a:solidFill>
+          </a:ln>
+        </p:spPr>
+        <p:style>
+          <a:lnRef idx="2">
+            <a:schemeClr val="accent1"/>
+          </a:lnRef>
+          <a:fillRef idx="0">
+            <a:schemeClr val="accent1"/>
+          </a:fillRef>
+          <a:effectRef idx="1">
+            <a:schemeClr val="accent1"/>
+          </a:effectRef>
+          <a:fontRef idx="minor">
+            <a:schemeClr val="tx1"/>
+          </a:fontRef>
+        </p:style>
+      </p:cxnSp>
+      <p:cxnSp>
+        <p:nvCxnSpPr>
+          <p:cNvPr id="15" name="직선 연결선 14">
+            <a:extLst>
+              <a:ext uri="{FF2B5EF4-FFF2-40B4-BE49-F238E27FC236}">
+                <a16:creationId xmlns:a16="http://schemas.microsoft.com/office/drawing/2014/main" id="{65ED42E8-E372-C207-CB89-FE1EE0C2D940}"/>
+              </a:ext>
+            </a:extLst>
+          </p:cNvPr>
+          <p:cNvCxnSpPr>
+            <a:cxnSpLocks/>
+          </p:cNvCxnSpPr>
+          <p:nvPr/>
+        </p:nvCxnSpPr>
+        <p:spPr>
+          <a:xfrm rot="5400000" flipV="1">
+            <a:off x="6137254" y="1774934"/>
+            <a:ext cx="0" cy="208547"/>
+          </a:xfrm>
+          <a:prstGeom prst="line">
+            <a:avLst/>
+          </a:prstGeom>
+          <a:ln w="38100">
+            <a:solidFill>
+              <a:schemeClr val="tx1"/>
+            </a:solidFill>
+          </a:ln>
+        </p:spPr>
+        <p:style>
+          <a:lnRef idx="2">
+            <a:schemeClr val="accent1"/>
+          </a:lnRef>
+          <a:fillRef idx="0">
+            <a:schemeClr val="accent1"/>
+          </a:fillRef>
+          <a:effectRef idx="1">
+            <a:schemeClr val="accent1"/>
+          </a:effectRef>
+          <a:fontRef idx="minor">
+            <a:schemeClr val="tx1"/>
+          </a:fontRef>
+        </p:style>
+      </p:cxnSp>
+      <p:cxnSp>
+        <p:nvCxnSpPr>
+          <p:cNvPr id="16" name="직선 연결선 15">
+            <a:extLst>
+              <a:ext uri="{FF2B5EF4-FFF2-40B4-BE49-F238E27FC236}">
+                <a16:creationId xmlns:a16="http://schemas.microsoft.com/office/drawing/2014/main" id="{CF8236E4-F3C6-9C2D-1894-5E78EC4851E3}"/>
+              </a:ext>
+            </a:extLst>
+          </p:cNvPr>
+          <p:cNvCxnSpPr>
+            <a:cxnSpLocks/>
+          </p:cNvCxnSpPr>
+          <p:nvPr/>
+        </p:nvCxnSpPr>
+        <p:spPr>
+          <a:xfrm rot="5400000" flipV="1">
+            <a:off x="6137254" y="2625834"/>
+            <a:ext cx="0" cy="208547"/>
+          </a:xfrm>
+          <a:prstGeom prst="line">
+            <a:avLst/>
+          </a:prstGeom>
+          <a:ln w="38100">
+            <a:solidFill>
+              <a:schemeClr val="tx1"/>
+            </a:solidFill>
+          </a:ln>
+        </p:spPr>
+        <p:style>
+          <a:lnRef idx="2">
+            <a:schemeClr val="accent1"/>
+          </a:lnRef>
+          <a:fillRef idx="0">
+            <a:schemeClr val="accent1"/>
+          </a:fillRef>
+          <a:effectRef idx="1">
+            <a:schemeClr val="accent1"/>
+          </a:effectRef>
+          <a:fontRef idx="minor">
+            <a:schemeClr val="tx1"/>
+          </a:fontRef>
+        </p:style>
+      </p:cxnSp>
+      <p:sp>
+        <p:nvSpPr>
+          <p:cNvPr id="18" name="TextBox 17">
+            <a:extLst>
+              <a:ext uri="{FF2B5EF4-FFF2-40B4-BE49-F238E27FC236}">
+                <a16:creationId xmlns:a16="http://schemas.microsoft.com/office/drawing/2014/main" id="{98733935-ED36-602E-B524-C06564780770}"/>
+              </a:ext>
+            </a:extLst>
+          </p:cNvPr>
+          <p:cNvSpPr txBox="1"/>
+          <p:nvPr/>
+        </p:nvSpPr>
+        <p:spPr>
+          <a:xfrm>
+            <a:off x="6032980" y="-733192"/>
+            <a:ext cx="349776" cy="461665"/>
+          </a:xfrm>
+          <a:prstGeom prst="rect">
+            <a:avLst/>
+          </a:prstGeom>
+          <a:noFill/>
+        </p:spPr>
+        <p:txBody>
+          <a:bodyPr wrap="none" rtlCol="0">
+            <a:spAutoFit/>
+          </a:bodyPr>
+          <a:lstStyle/>
+          <a:p>
+            <a:r>
+              <a:rPr lang="en-US" altLang="ko-KR" sz="2400" b="1" dirty="0"/>
+              <a:t>y</a:t>
+            </a:r>
+            <a:endParaRPr lang="ko-KR" altLang="en-US" sz="2400" b="1" dirty="0"/>
+          </a:p>
+        </p:txBody>
+      </p:sp>
+      <p:sp>
+        <p:nvSpPr>
+          <p:cNvPr id="19" name="TextBox 18">
+            <a:extLst>
+              <a:ext uri="{FF2B5EF4-FFF2-40B4-BE49-F238E27FC236}">
+                <a16:creationId xmlns:a16="http://schemas.microsoft.com/office/drawing/2014/main" id="{EF2752B0-59E2-6AEA-9B9E-4CC6F6F12328}"/>
+              </a:ext>
+            </a:extLst>
+          </p:cNvPr>
+          <p:cNvSpPr txBox="1"/>
+          <p:nvPr/>
+        </p:nvSpPr>
+        <p:spPr>
+          <a:xfrm>
+            <a:off x="5622627" y="4219385"/>
+            <a:ext cx="489236" cy="461665"/>
+          </a:xfrm>
+          <a:prstGeom prst="rect">
+            <a:avLst/>
+          </a:prstGeom>
+          <a:noFill/>
+        </p:spPr>
+        <p:txBody>
+          <a:bodyPr wrap="none" rtlCol="0">
+            <a:spAutoFit/>
+          </a:bodyPr>
+          <a:lstStyle/>
+          <a:p>
+            <a:r>
+              <a:rPr lang="en-US" altLang="ko-KR" sz="2400" b="1" dirty="0"/>
+              <a:t>-1</a:t>
+            </a:r>
+            <a:endParaRPr lang="ko-KR" altLang="en-US" sz="2400" b="1" dirty="0"/>
+          </a:p>
+        </p:txBody>
+      </p:sp>
+      <p:sp>
+        <p:nvSpPr>
+          <p:cNvPr id="20" name="TextBox 19">
+            <a:extLst>
+              <a:ext uri="{FF2B5EF4-FFF2-40B4-BE49-F238E27FC236}">
+                <a16:creationId xmlns:a16="http://schemas.microsoft.com/office/drawing/2014/main" id="{F6A9A36B-926E-8B8C-F477-5EC1CD1A39EF}"/>
+              </a:ext>
+            </a:extLst>
+          </p:cNvPr>
+          <p:cNvSpPr txBox="1"/>
+          <p:nvPr/>
+        </p:nvSpPr>
+        <p:spPr>
+          <a:xfrm>
+            <a:off x="5622627" y="5075896"/>
+            <a:ext cx="489236" cy="461665"/>
+          </a:xfrm>
+          <a:prstGeom prst="rect">
+            <a:avLst/>
+          </a:prstGeom>
+          <a:noFill/>
+        </p:spPr>
+        <p:txBody>
+          <a:bodyPr wrap="none" rtlCol="0">
+            <a:spAutoFit/>
+          </a:bodyPr>
+          <a:lstStyle/>
+          <a:p>
+            <a:r>
+              <a:rPr lang="en-US" altLang="ko-KR" sz="2400" b="1" dirty="0"/>
+              <a:t>-2</a:t>
+            </a:r>
+            <a:endParaRPr lang="ko-KR" altLang="en-US" sz="2400" b="1" dirty="0"/>
+          </a:p>
+        </p:txBody>
+      </p:sp>
+      <p:sp>
+        <p:nvSpPr>
+          <p:cNvPr id="21" name="TextBox 20">
+            <a:extLst>
+              <a:ext uri="{FF2B5EF4-FFF2-40B4-BE49-F238E27FC236}">
+                <a16:creationId xmlns:a16="http://schemas.microsoft.com/office/drawing/2014/main" id="{38999FC8-5E48-2196-EFC2-5DAB12501D3D}"/>
+              </a:ext>
+            </a:extLst>
+          </p:cNvPr>
+          <p:cNvSpPr txBox="1"/>
+          <p:nvPr/>
+        </p:nvSpPr>
+        <p:spPr>
+          <a:xfrm>
+            <a:off x="5622627" y="5932407"/>
+            <a:ext cx="489236" cy="461665"/>
+          </a:xfrm>
+          <a:prstGeom prst="rect">
+            <a:avLst/>
+          </a:prstGeom>
+          <a:noFill/>
+        </p:spPr>
+        <p:txBody>
+          <a:bodyPr wrap="none" rtlCol="0">
+            <a:spAutoFit/>
+          </a:bodyPr>
+          <a:lstStyle/>
+          <a:p>
+            <a:r>
+              <a:rPr lang="en-US" altLang="ko-KR" sz="2400" b="1" dirty="0"/>
+              <a:t>-3</a:t>
+            </a:r>
+            <a:endParaRPr lang="ko-KR" altLang="en-US" sz="2400" b="1" dirty="0"/>
+          </a:p>
+        </p:txBody>
+      </p:sp>
+      <p:sp>
+        <p:nvSpPr>
+          <p:cNvPr id="22" name="TextBox 21">
+            <a:extLst>
+              <a:ext uri="{FF2B5EF4-FFF2-40B4-BE49-F238E27FC236}">
+                <a16:creationId xmlns:a16="http://schemas.microsoft.com/office/drawing/2014/main" id="{0922F261-2915-0607-B8D5-C5443AEA7F06}"/>
+              </a:ext>
+            </a:extLst>
+          </p:cNvPr>
+          <p:cNvSpPr txBox="1"/>
+          <p:nvPr/>
+        </p:nvSpPr>
+        <p:spPr>
+          <a:xfrm>
+            <a:off x="5622627" y="6788918"/>
+            <a:ext cx="489236" cy="461665"/>
+          </a:xfrm>
+          <a:prstGeom prst="rect">
+            <a:avLst/>
+          </a:prstGeom>
+          <a:noFill/>
+        </p:spPr>
+        <p:txBody>
+          <a:bodyPr wrap="none" rtlCol="0">
+            <a:spAutoFit/>
+          </a:bodyPr>
+          <a:lstStyle/>
+          <a:p>
+            <a:r>
+              <a:rPr lang="en-US" altLang="ko-KR" sz="2400" b="1" dirty="0"/>
+              <a:t>-4</a:t>
+            </a:r>
+            <a:endParaRPr lang="ko-KR" altLang="en-US" sz="2400" b="1" dirty="0"/>
+          </a:p>
+        </p:txBody>
+      </p:sp>
+      <p:sp>
+        <p:nvSpPr>
+          <p:cNvPr id="23" name="TextBox 22">
+            <a:extLst>
+              <a:ext uri="{FF2B5EF4-FFF2-40B4-BE49-F238E27FC236}">
+                <a16:creationId xmlns:a16="http://schemas.microsoft.com/office/drawing/2014/main" id="{E3B2624F-2D2C-E11D-F9CE-76D38D62A8E7}"/>
+              </a:ext>
+            </a:extLst>
+          </p:cNvPr>
+          <p:cNvSpPr txBox="1"/>
+          <p:nvPr/>
+        </p:nvSpPr>
+        <p:spPr>
+          <a:xfrm>
+            <a:off x="5559309" y="-7360"/>
+            <a:ext cx="362600" cy="461665"/>
+          </a:xfrm>
+          <a:prstGeom prst="rect">
+            <a:avLst/>
+          </a:prstGeom>
+          <a:noFill/>
+        </p:spPr>
+        <p:txBody>
+          <a:bodyPr wrap="none" rtlCol="0">
+            <a:spAutoFit/>
+          </a:bodyPr>
+          <a:lstStyle/>
+          <a:p>
+            <a:r>
+              <a:rPr lang="en-US" altLang="ko-KR" sz="2400" b="1" dirty="0"/>
+              <a:t>4</a:t>
+            </a:r>
+            <a:endParaRPr lang="ko-KR" altLang="en-US" sz="2400" b="1" dirty="0"/>
+          </a:p>
+        </p:txBody>
+      </p:sp>
+      <p:sp>
+        <p:nvSpPr>
+          <p:cNvPr id="24" name="TextBox 23">
+            <a:extLst>
+              <a:ext uri="{FF2B5EF4-FFF2-40B4-BE49-F238E27FC236}">
+                <a16:creationId xmlns:a16="http://schemas.microsoft.com/office/drawing/2014/main" id="{AACE0758-DC82-D392-8670-3AC3809D74AA}"/>
+              </a:ext>
+            </a:extLst>
+          </p:cNvPr>
+          <p:cNvSpPr txBox="1"/>
+          <p:nvPr/>
+        </p:nvSpPr>
+        <p:spPr>
+          <a:xfrm>
+            <a:off x="5559309" y="849889"/>
+            <a:ext cx="362600" cy="461665"/>
+          </a:xfrm>
+          <a:prstGeom prst="rect">
+            <a:avLst/>
+          </a:prstGeom>
+          <a:noFill/>
+        </p:spPr>
+        <p:txBody>
+          <a:bodyPr wrap="none" rtlCol="0">
+            <a:spAutoFit/>
+          </a:bodyPr>
+          <a:lstStyle/>
+          <a:p>
+            <a:r>
+              <a:rPr lang="en-US" altLang="ko-KR" sz="2400" b="1" dirty="0"/>
+              <a:t>3</a:t>
+            </a:r>
+            <a:endParaRPr lang="ko-KR" altLang="en-US" sz="2400" b="1" dirty="0"/>
+          </a:p>
+        </p:txBody>
+      </p:sp>
+      <p:sp>
+        <p:nvSpPr>
+          <p:cNvPr id="25" name="TextBox 24">
+            <a:extLst>
+              <a:ext uri="{FF2B5EF4-FFF2-40B4-BE49-F238E27FC236}">
+                <a16:creationId xmlns:a16="http://schemas.microsoft.com/office/drawing/2014/main" id="{0F03B490-B070-4F54-3EB8-A3EBD2CEAB5E}"/>
+              </a:ext>
+            </a:extLst>
+          </p:cNvPr>
+          <p:cNvSpPr txBox="1"/>
+          <p:nvPr/>
+        </p:nvSpPr>
+        <p:spPr>
+          <a:xfrm>
+            <a:off x="5559309" y="1706400"/>
+            <a:ext cx="362600" cy="461665"/>
+          </a:xfrm>
+          <a:prstGeom prst="rect">
+            <a:avLst/>
+          </a:prstGeom>
+          <a:noFill/>
+        </p:spPr>
+        <p:txBody>
+          <a:bodyPr wrap="none" rtlCol="0">
+            <a:spAutoFit/>
+          </a:bodyPr>
+          <a:lstStyle/>
+          <a:p>
+            <a:r>
+              <a:rPr lang="en-US" altLang="ko-KR" sz="2400" b="1" dirty="0"/>
+              <a:t>2</a:t>
+            </a:r>
+            <a:endParaRPr lang="ko-KR" altLang="en-US" sz="2400" b="1" dirty="0"/>
+          </a:p>
+        </p:txBody>
+      </p:sp>
+      <p:sp>
+        <p:nvSpPr>
+          <p:cNvPr id="26" name="TextBox 25">
+            <a:extLst>
+              <a:ext uri="{FF2B5EF4-FFF2-40B4-BE49-F238E27FC236}">
+                <a16:creationId xmlns:a16="http://schemas.microsoft.com/office/drawing/2014/main" id="{D7117C59-D67E-5280-9852-B90D8802DC44}"/>
+              </a:ext>
+            </a:extLst>
+          </p:cNvPr>
+          <p:cNvSpPr txBox="1"/>
+          <p:nvPr/>
+        </p:nvSpPr>
+        <p:spPr>
+          <a:xfrm>
+            <a:off x="5559309" y="2562911"/>
+            <a:ext cx="362600" cy="461665"/>
+          </a:xfrm>
+          <a:prstGeom prst="rect">
+            <a:avLst/>
+          </a:prstGeom>
+          <a:noFill/>
+        </p:spPr>
+        <p:txBody>
+          <a:bodyPr wrap="none" rtlCol="0">
+            <a:spAutoFit/>
+          </a:bodyPr>
+          <a:lstStyle/>
+          <a:p>
+            <a:r>
+              <a:rPr lang="en-US" altLang="ko-KR" sz="2400" b="1" dirty="0"/>
+              <a:t>1</a:t>
+            </a:r>
+            <a:endParaRPr lang="ko-KR" altLang="en-US" sz="2400" b="1" dirty="0"/>
+          </a:p>
+        </p:txBody>
+      </p:sp>
+      <p:sp>
+        <p:nvSpPr>
+          <p:cNvPr id="31" name="타원 30">
+            <a:extLst>
+              <a:ext uri="{FF2B5EF4-FFF2-40B4-BE49-F238E27FC236}">
+                <a16:creationId xmlns:a16="http://schemas.microsoft.com/office/drawing/2014/main" id="{9816796F-2350-C432-C07B-2F250D152DC5}"/>
+              </a:ext>
+            </a:extLst>
+          </p:cNvPr>
+          <p:cNvSpPr/>
+          <p:nvPr/>
+        </p:nvSpPr>
+        <p:spPr>
+          <a:xfrm>
+            <a:off x="8657201" y="1763515"/>
+            <a:ext cx="231383" cy="231383"/>
+          </a:xfrm>
+          <a:prstGeom prst="ellipse">
+            <a:avLst/>
+          </a:prstGeom>
+          <a:solidFill>
+            <a:schemeClr val="accent2">
+              <a:lumMod val="60000"/>
+              <a:lumOff val="40000"/>
+            </a:schemeClr>
+          </a:solidFill>
+        </p:spPr>
+        <p:style>
+          <a:lnRef idx="2">
+            <a:schemeClr val="accent1">
+              <a:shade val="15000"/>
+            </a:schemeClr>
+          </a:lnRef>
+          <a:fillRef idx="1">
+            <a:schemeClr val="accent1"/>
+          </a:fillRef>
+          <a:effectRef idx="0">
+            <a:schemeClr val="accent1"/>
+          </a:effectRef>
+          <a:fontRef idx="minor">
+            <a:schemeClr val="lt1"/>
+          </a:fontRef>
+        </p:style>
+        <p:txBody>
+          <a:bodyPr rtlCol="0" anchor="ctr"/>
+          <a:lstStyle/>
+          <a:p>
+            <a:pPr algn="ctr"/>
+            <a:endParaRPr lang="ko-KR" altLang="en-US"/>
+          </a:p>
+        </p:txBody>
+      </p:sp>
+      <p:cxnSp>
+        <p:nvCxnSpPr>
+          <p:cNvPr id="33" name="직선 화살표 연결선 32">
+            <a:extLst>
+              <a:ext uri="{FF2B5EF4-FFF2-40B4-BE49-F238E27FC236}">
+                <a16:creationId xmlns:a16="http://schemas.microsoft.com/office/drawing/2014/main" id="{66D537B5-E356-8435-4A08-0DD9468AA803}"/>
+              </a:ext>
+            </a:extLst>
+          </p:cNvPr>
+          <p:cNvCxnSpPr>
+            <a:cxnSpLocks/>
+            <a:endCxn id="31" idx="3"/>
+          </p:cNvCxnSpPr>
+          <p:nvPr/>
+        </p:nvCxnSpPr>
+        <p:spPr>
+          <a:xfrm flipV="1">
+            <a:off x="6224718" y="1961013"/>
+            <a:ext cx="2466368" cy="1599104"/>
+          </a:xfrm>
+          <a:prstGeom prst="straightConnector1">
+            <a:avLst/>
+          </a:prstGeom>
+          <a:ln>
+            <a:tailEnd type="triangle"/>
+          </a:ln>
+        </p:spPr>
+        <p:style>
+          <a:lnRef idx="2">
+            <a:schemeClr val="accent1"/>
+          </a:lnRef>
+          <a:fillRef idx="0">
+            <a:schemeClr val="accent1"/>
+          </a:fillRef>
+          <a:effectRef idx="1">
+            <a:schemeClr val="accent1"/>
+          </a:effectRef>
+          <a:fontRef idx="minor">
+            <a:schemeClr val="tx1"/>
+          </a:fontRef>
+        </p:style>
+      </p:cxnSp>
+      <p:cxnSp>
+        <p:nvCxnSpPr>
+          <p:cNvPr id="36" name="직선 연결선 35">
+            <a:extLst>
+              <a:ext uri="{FF2B5EF4-FFF2-40B4-BE49-F238E27FC236}">
+                <a16:creationId xmlns:a16="http://schemas.microsoft.com/office/drawing/2014/main" id="{16FE5372-0B7C-5E73-322A-62B33B6E7D15}"/>
+              </a:ext>
+            </a:extLst>
+          </p:cNvPr>
+          <p:cNvCxnSpPr>
+            <a:endCxn id="31" idx="2"/>
+          </p:cNvCxnSpPr>
+          <p:nvPr/>
+        </p:nvCxnSpPr>
+        <p:spPr>
+          <a:xfrm>
+            <a:off x="6235920" y="1879206"/>
+            <a:ext cx="2378855" cy="0"/>
+          </a:xfrm>
+          <a:prstGeom prst="line">
+            <a:avLst/>
+          </a:prstGeom>
+          <a:ln w="38100">
+            <a:prstDash val="sysDash"/>
+          </a:ln>
+        </p:spPr>
+        <p:style>
+          <a:lnRef idx="2">
+            <a:schemeClr val="accent1"/>
+          </a:lnRef>
+          <a:fillRef idx="0">
+            <a:schemeClr val="accent1"/>
+          </a:fillRef>
+          <a:effectRef idx="1">
+            <a:schemeClr val="accent1"/>
+          </a:effectRef>
+          <a:fontRef idx="minor">
+            <a:schemeClr val="tx1"/>
+          </a:fontRef>
+        </p:style>
+      </p:cxnSp>
+      <p:cxnSp>
+        <p:nvCxnSpPr>
+          <p:cNvPr id="38" name="직선 연결선 37">
+            <a:extLst>
+              <a:ext uri="{FF2B5EF4-FFF2-40B4-BE49-F238E27FC236}">
+                <a16:creationId xmlns:a16="http://schemas.microsoft.com/office/drawing/2014/main" id="{F8FDAEEF-F40D-38EE-05F8-DD2DB5119EBA}"/>
+              </a:ext>
+            </a:extLst>
+          </p:cNvPr>
+          <p:cNvCxnSpPr>
+            <a:endCxn id="31" idx="4"/>
+          </p:cNvCxnSpPr>
+          <p:nvPr/>
+        </p:nvCxnSpPr>
+        <p:spPr>
+          <a:xfrm flipV="1">
+            <a:off x="8772892" y="1994898"/>
+            <a:ext cx="1" cy="1565219"/>
+          </a:xfrm>
+          <a:prstGeom prst="line">
+            <a:avLst/>
+          </a:prstGeom>
+          <a:ln w="38100">
+            <a:prstDash val="sysDash"/>
+          </a:ln>
+        </p:spPr>
+        <p:style>
+          <a:lnRef idx="2">
+            <a:schemeClr val="accent1"/>
+          </a:lnRef>
+          <a:fillRef idx="0">
+            <a:schemeClr val="accent1"/>
+          </a:fillRef>
+          <a:effectRef idx="1">
+            <a:schemeClr val="accent1"/>
+          </a:effectRef>
+          <a:fontRef idx="minor">
+            <a:schemeClr val="tx1"/>
+          </a:fontRef>
+        </p:style>
+      </p:cxnSp>
+      <p:sp>
+        <p:nvSpPr>
+          <p:cNvPr id="39" name="TextBox 38">
+            <a:extLst>
+              <a:ext uri="{FF2B5EF4-FFF2-40B4-BE49-F238E27FC236}">
+                <a16:creationId xmlns:a16="http://schemas.microsoft.com/office/drawing/2014/main" id="{86353375-6010-A740-0023-B7AE140630C5}"/>
+              </a:ext>
+            </a:extLst>
+          </p:cNvPr>
+          <p:cNvSpPr txBox="1"/>
+          <p:nvPr/>
+        </p:nvSpPr>
+        <p:spPr>
+          <a:xfrm>
+            <a:off x="8614775" y="1337068"/>
+            <a:ext cx="760144" cy="369332"/>
+          </a:xfrm>
+          <a:prstGeom prst="rect">
+            <a:avLst/>
+          </a:prstGeom>
+          <a:noFill/>
+        </p:spPr>
+        <p:txBody>
+          <a:bodyPr wrap="none" rtlCol="0">
+            <a:spAutoFit/>
+          </a:bodyPr>
+          <a:lstStyle/>
+          <a:p>
+            <a:r>
+              <a:rPr lang="en-US" altLang="ko-KR" b="1" dirty="0"/>
+              <a:t>(3, 2)</a:t>
+            </a:r>
+            <a:endParaRPr lang="ko-KR" altLang="en-US" b="1" dirty="0"/>
+          </a:p>
+        </p:txBody>
+      </p:sp>
+    </p:spTree>
+    <p:extLst>
+      <p:ext uri="{BB962C8B-B14F-4D97-AF65-F5344CB8AC3E}">
+        <p14:creationId xmlns:p14="http://schemas.microsoft.com/office/powerpoint/2010/main" val="2836901898"/>
       </p:ext>
     </p:extLst>
   </p:cSld>

--- a/img/그림.pptx
+++ b/img/그림.pptx
@@ -40,6 +40,8 @@
     <p:sldId id="289" r:id="rId34"/>
     <p:sldId id="290" r:id="rId35"/>
     <p:sldId id="291" r:id="rId36"/>
+    <p:sldId id="292" r:id="rId37"/>
+    <p:sldId id="293" r:id="rId38"/>
   </p:sldIdLst>
   <p:sldSz cx="12192000" cy="6858000"/>
   <p:notesSz cx="6858000" cy="9144000"/>
@@ -293,7 +295,7 @@
           <a:p>
             <a:fld id="{8B2C37CC-0247-44E8-BA9D-22109B3A8D72}" type="datetimeFigureOut">
               <a:rPr lang="ko-KR" altLang="en-US" smtClean="0"/>
-              <a:t>2024-03-03</a:t>
+              <a:t>2024-03-04</a:t>
             </a:fld>
             <a:endParaRPr lang="ko-KR" altLang="en-US"/>
           </a:p>
@@ -491,7 +493,7 @@
           <a:p>
             <a:fld id="{8B2C37CC-0247-44E8-BA9D-22109B3A8D72}" type="datetimeFigureOut">
               <a:rPr lang="ko-KR" altLang="en-US" smtClean="0"/>
-              <a:t>2024-03-03</a:t>
+              <a:t>2024-03-04</a:t>
             </a:fld>
             <a:endParaRPr lang="ko-KR" altLang="en-US"/>
           </a:p>
@@ -699,7 +701,7 @@
           <a:p>
             <a:fld id="{8B2C37CC-0247-44E8-BA9D-22109B3A8D72}" type="datetimeFigureOut">
               <a:rPr lang="ko-KR" altLang="en-US" smtClean="0"/>
-              <a:t>2024-03-03</a:t>
+              <a:t>2024-03-04</a:t>
             </a:fld>
             <a:endParaRPr lang="ko-KR" altLang="en-US"/>
           </a:p>
@@ -897,7 +899,7 @@
           <a:p>
             <a:fld id="{8B2C37CC-0247-44E8-BA9D-22109B3A8D72}" type="datetimeFigureOut">
               <a:rPr lang="ko-KR" altLang="en-US" smtClean="0"/>
-              <a:t>2024-03-03</a:t>
+              <a:t>2024-03-04</a:t>
             </a:fld>
             <a:endParaRPr lang="ko-KR" altLang="en-US"/>
           </a:p>
@@ -1172,7 +1174,7 @@
           <a:p>
             <a:fld id="{8B2C37CC-0247-44E8-BA9D-22109B3A8D72}" type="datetimeFigureOut">
               <a:rPr lang="ko-KR" altLang="en-US" smtClean="0"/>
-              <a:t>2024-03-03</a:t>
+              <a:t>2024-03-04</a:t>
             </a:fld>
             <a:endParaRPr lang="ko-KR" altLang="en-US"/>
           </a:p>
@@ -1437,7 +1439,7 @@
           <a:p>
             <a:fld id="{8B2C37CC-0247-44E8-BA9D-22109B3A8D72}" type="datetimeFigureOut">
               <a:rPr lang="ko-KR" altLang="en-US" smtClean="0"/>
-              <a:t>2024-03-03</a:t>
+              <a:t>2024-03-04</a:t>
             </a:fld>
             <a:endParaRPr lang="ko-KR" altLang="en-US"/>
           </a:p>
@@ -1849,7 +1851,7 @@
           <a:p>
             <a:fld id="{8B2C37CC-0247-44E8-BA9D-22109B3A8D72}" type="datetimeFigureOut">
               <a:rPr lang="ko-KR" altLang="en-US" smtClean="0"/>
-              <a:t>2024-03-03</a:t>
+              <a:t>2024-03-04</a:t>
             </a:fld>
             <a:endParaRPr lang="ko-KR" altLang="en-US"/>
           </a:p>
@@ -1990,7 +1992,7 @@
           <a:p>
             <a:fld id="{8B2C37CC-0247-44E8-BA9D-22109B3A8D72}" type="datetimeFigureOut">
               <a:rPr lang="ko-KR" altLang="en-US" smtClean="0"/>
-              <a:t>2024-03-03</a:t>
+              <a:t>2024-03-04</a:t>
             </a:fld>
             <a:endParaRPr lang="ko-KR" altLang="en-US"/>
           </a:p>
@@ -2103,7 +2105,7 @@
           <a:p>
             <a:fld id="{8B2C37CC-0247-44E8-BA9D-22109B3A8D72}" type="datetimeFigureOut">
               <a:rPr lang="ko-KR" altLang="en-US" smtClean="0"/>
-              <a:t>2024-03-03</a:t>
+              <a:t>2024-03-04</a:t>
             </a:fld>
             <a:endParaRPr lang="ko-KR" altLang="en-US"/>
           </a:p>
@@ -2414,7 +2416,7 @@
           <a:p>
             <a:fld id="{8B2C37CC-0247-44E8-BA9D-22109B3A8D72}" type="datetimeFigureOut">
               <a:rPr lang="ko-KR" altLang="en-US" smtClean="0"/>
-              <a:t>2024-03-03</a:t>
+              <a:t>2024-03-04</a:t>
             </a:fld>
             <a:endParaRPr lang="ko-KR" altLang="en-US"/>
           </a:p>
@@ -2702,7 +2704,7 @@
           <a:p>
             <a:fld id="{8B2C37CC-0247-44E8-BA9D-22109B3A8D72}" type="datetimeFigureOut">
               <a:rPr lang="ko-KR" altLang="en-US" smtClean="0"/>
-              <a:t>2024-03-03</a:t>
+              <a:t>2024-03-04</a:t>
             </a:fld>
             <a:endParaRPr lang="ko-KR" altLang="en-US"/>
           </a:p>
@@ -2943,7 +2945,7 @@
           <a:p>
             <a:fld id="{8B2C37CC-0247-44E8-BA9D-22109B3A8D72}" type="datetimeFigureOut">
               <a:rPr lang="ko-KR" altLang="en-US" smtClean="0"/>
-              <a:t>2024-03-03</a:t>
+              <a:t>2024-03-04</a:t>
             </a:fld>
             <a:endParaRPr lang="ko-KR" altLang="en-US"/>
           </a:p>
@@ -39196,6 +39198,5561 @@
     <p:extLst>
       <p:ext uri="{BB962C8B-B14F-4D97-AF65-F5344CB8AC3E}">
         <p14:creationId xmlns:p14="http://schemas.microsoft.com/office/powerpoint/2010/main" val="2836901898"/>
+      </p:ext>
+    </p:extLst>
+  </p:cSld>
+  <p:clrMapOvr>
+    <a:masterClrMapping/>
+  </p:clrMapOvr>
+</p:sld>
+</file>
+
+<file path=ppt/slides/slide36.xml><?xml version="1.0" encoding="utf-8"?>
+<p:sld xmlns:a="http://schemas.openxmlformats.org/drawingml/2006/main" xmlns:r="http://schemas.openxmlformats.org/officeDocument/2006/relationships" xmlns:p="http://schemas.openxmlformats.org/presentationml/2006/main">
+  <p:cSld>
+    <p:spTree>
+      <p:nvGrpSpPr>
+        <p:cNvPr id="1" name="">
+          <a:extLst>
+            <a:ext uri="{FF2B5EF4-FFF2-40B4-BE49-F238E27FC236}">
+              <a16:creationId xmlns:a16="http://schemas.microsoft.com/office/drawing/2014/main" id="{CBCD2D19-5B79-FBB3-889F-52C3ACD675D2}"/>
+            </a:ext>
+          </a:extLst>
+        </p:cNvPr>
+        <p:cNvGrpSpPr/>
+        <p:nvPr/>
+      </p:nvGrpSpPr>
+      <p:grpSpPr>
+        <a:xfrm>
+          <a:off x="0" y="0"/>
+          <a:ext cx="0" cy="0"/>
+          <a:chOff x="0" y="0"/>
+          <a:chExt cx="0" cy="0"/>
+        </a:xfrm>
+      </p:grpSpPr>
+      <p:sp>
+        <p:nvSpPr>
+          <p:cNvPr id="154" name="직사각형 153">
+            <a:extLst>
+              <a:ext uri="{FF2B5EF4-FFF2-40B4-BE49-F238E27FC236}">
+                <a16:creationId xmlns:a16="http://schemas.microsoft.com/office/drawing/2014/main" id="{EFC9CD2B-4612-5939-9873-AA1B1C1B8DE4}"/>
+              </a:ext>
+            </a:extLst>
+          </p:cNvPr>
+          <p:cNvSpPr/>
+          <p:nvPr/>
+        </p:nvSpPr>
+        <p:spPr>
+          <a:xfrm>
+            <a:off x="1885950" y="-882315"/>
+            <a:ext cx="8801100" cy="9015660"/>
+          </a:xfrm>
+          <a:prstGeom prst="rect">
+            <a:avLst/>
+          </a:prstGeom>
+          <a:solidFill>
+            <a:schemeClr val="bg1"/>
+          </a:solidFill>
+          <a:ln>
+            <a:noFill/>
+          </a:ln>
+        </p:spPr>
+        <p:style>
+          <a:lnRef idx="2">
+            <a:schemeClr val="accent1">
+              <a:shade val="15000"/>
+            </a:schemeClr>
+          </a:lnRef>
+          <a:fillRef idx="1">
+            <a:schemeClr val="accent1"/>
+          </a:fillRef>
+          <a:effectRef idx="0">
+            <a:schemeClr val="accent1"/>
+          </a:effectRef>
+          <a:fontRef idx="minor">
+            <a:schemeClr val="lt1"/>
+          </a:fontRef>
+        </p:style>
+        <p:txBody>
+          <a:bodyPr rtlCol="0" anchor="ctr"/>
+          <a:lstStyle/>
+          <a:p>
+            <a:pPr algn="ctr"/>
+            <a:endParaRPr lang="ko-KR" altLang="en-US"/>
+          </a:p>
+        </p:txBody>
+      </p:sp>
+      <p:grpSp>
+        <p:nvGrpSpPr>
+          <p:cNvPr id="87" name="그룹 86">
+            <a:extLst>
+              <a:ext uri="{FF2B5EF4-FFF2-40B4-BE49-F238E27FC236}">
+                <a16:creationId xmlns:a16="http://schemas.microsoft.com/office/drawing/2014/main" id="{24C90859-D48A-14C6-2ED6-B9D62AA7B4A6}"/>
+              </a:ext>
+            </a:extLst>
+          </p:cNvPr>
+          <p:cNvGrpSpPr/>
+          <p:nvPr/>
+        </p:nvGrpSpPr>
+        <p:grpSpPr>
+          <a:xfrm>
+            <a:off x="2366913" y="3584182"/>
+            <a:ext cx="7700210" cy="0"/>
+            <a:chOff x="2374232" y="3441032"/>
+            <a:chExt cx="7700210" cy="0"/>
+          </a:xfrm>
+        </p:grpSpPr>
+        <p:cxnSp>
+          <p:nvCxnSpPr>
+            <p:cNvPr id="9" name="직선 화살표 연결선 8">
+              <a:extLst>
+                <a:ext uri="{FF2B5EF4-FFF2-40B4-BE49-F238E27FC236}">
+                  <a16:creationId xmlns:a16="http://schemas.microsoft.com/office/drawing/2014/main" id="{6A523226-6DE2-30D3-4926-BFA3AD978596}"/>
+                </a:ext>
+              </a:extLst>
+            </p:cNvPr>
+            <p:cNvCxnSpPr/>
+            <p:nvPr/>
+          </p:nvCxnSpPr>
+          <p:spPr>
+            <a:xfrm>
+              <a:off x="6224337" y="3441032"/>
+              <a:ext cx="3850105" cy="0"/>
+            </a:xfrm>
+            <a:prstGeom prst="straightConnector1">
+              <a:avLst/>
+            </a:prstGeom>
+            <a:ln w="38100">
+              <a:solidFill>
+                <a:schemeClr val="tx1"/>
+              </a:solidFill>
+              <a:tailEnd type="triangle"/>
+            </a:ln>
+          </p:spPr>
+          <p:style>
+            <a:lnRef idx="2">
+              <a:schemeClr val="accent1"/>
+            </a:lnRef>
+            <a:fillRef idx="0">
+              <a:schemeClr val="accent1"/>
+            </a:fillRef>
+            <a:effectRef idx="1">
+              <a:schemeClr val="accent1"/>
+            </a:effectRef>
+            <a:fontRef idx="minor">
+              <a:schemeClr val="tx1"/>
+            </a:fontRef>
+          </p:style>
+        </p:cxnSp>
+        <p:cxnSp>
+          <p:nvCxnSpPr>
+            <p:cNvPr id="86" name="직선 화살표 연결선 85">
+              <a:extLst>
+                <a:ext uri="{FF2B5EF4-FFF2-40B4-BE49-F238E27FC236}">
+                  <a16:creationId xmlns:a16="http://schemas.microsoft.com/office/drawing/2014/main" id="{5B980C03-6D02-B3C6-F2F6-B8174F463EA8}"/>
+                </a:ext>
+              </a:extLst>
+            </p:cNvPr>
+            <p:cNvCxnSpPr>
+              <a:cxnSpLocks/>
+            </p:cNvCxnSpPr>
+            <p:nvPr/>
+          </p:nvCxnSpPr>
+          <p:spPr>
+            <a:xfrm rot="10800000">
+              <a:off x="2374232" y="3441032"/>
+              <a:ext cx="3850105" cy="0"/>
+            </a:xfrm>
+            <a:prstGeom prst="straightConnector1">
+              <a:avLst/>
+            </a:prstGeom>
+            <a:ln w="38100">
+              <a:solidFill>
+                <a:schemeClr val="tx1"/>
+              </a:solidFill>
+              <a:tailEnd type="triangle"/>
+            </a:ln>
+          </p:spPr>
+          <p:style>
+            <a:lnRef idx="2">
+              <a:schemeClr val="accent1"/>
+            </a:lnRef>
+            <a:fillRef idx="0">
+              <a:schemeClr val="accent1"/>
+            </a:fillRef>
+            <a:effectRef idx="1">
+              <a:schemeClr val="accent1"/>
+            </a:effectRef>
+            <a:fontRef idx="minor">
+              <a:schemeClr val="tx1"/>
+            </a:fontRef>
+          </p:style>
+        </p:cxnSp>
+      </p:grpSp>
+      <p:cxnSp>
+        <p:nvCxnSpPr>
+          <p:cNvPr id="92" name="직선 연결선 91">
+            <a:extLst>
+              <a:ext uri="{FF2B5EF4-FFF2-40B4-BE49-F238E27FC236}">
+                <a16:creationId xmlns:a16="http://schemas.microsoft.com/office/drawing/2014/main" id="{6319B0E7-473E-555B-CD3B-C34B3C636922}"/>
+              </a:ext>
+            </a:extLst>
+          </p:cNvPr>
+          <p:cNvCxnSpPr>
+            <a:cxnSpLocks/>
+          </p:cNvCxnSpPr>
+          <p:nvPr/>
+        </p:nvCxnSpPr>
+        <p:spPr>
+          <a:xfrm flipV="1">
+            <a:off x="7921993" y="3584182"/>
+            <a:ext cx="0" cy="208547"/>
+          </a:xfrm>
+          <a:prstGeom prst="line">
+            <a:avLst/>
+          </a:prstGeom>
+          <a:ln w="38100">
+            <a:solidFill>
+              <a:schemeClr val="tx1"/>
+            </a:solidFill>
+          </a:ln>
+        </p:spPr>
+        <p:style>
+          <a:lnRef idx="2">
+            <a:schemeClr val="accent1"/>
+          </a:lnRef>
+          <a:fillRef idx="0">
+            <a:schemeClr val="accent1"/>
+          </a:fillRef>
+          <a:effectRef idx="1">
+            <a:schemeClr val="accent1"/>
+          </a:effectRef>
+          <a:fontRef idx="minor">
+            <a:schemeClr val="tx1"/>
+          </a:fontRef>
+        </p:style>
+      </p:cxnSp>
+      <p:cxnSp>
+        <p:nvCxnSpPr>
+          <p:cNvPr id="94" name="직선 연결선 93">
+            <a:extLst>
+              <a:ext uri="{FF2B5EF4-FFF2-40B4-BE49-F238E27FC236}">
+                <a16:creationId xmlns:a16="http://schemas.microsoft.com/office/drawing/2014/main" id="{5811FC3C-911E-AB1B-6B24-FD785EBB4EB7}"/>
+              </a:ext>
+            </a:extLst>
+          </p:cNvPr>
+          <p:cNvCxnSpPr>
+            <a:cxnSpLocks/>
+          </p:cNvCxnSpPr>
+          <p:nvPr/>
+        </p:nvCxnSpPr>
+        <p:spPr>
+          <a:xfrm flipV="1">
+            <a:off x="7071093" y="3584182"/>
+            <a:ext cx="0" cy="208547"/>
+          </a:xfrm>
+          <a:prstGeom prst="line">
+            <a:avLst/>
+          </a:prstGeom>
+          <a:ln w="38100">
+            <a:solidFill>
+              <a:schemeClr val="tx1"/>
+            </a:solidFill>
+          </a:ln>
+        </p:spPr>
+        <p:style>
+          <a:lnRef idx="2">
+            <a:schemeClr val="accent1"/>
+          </a:lnRef>
+          <a:fillRef idx="0">
+            <a:schemeClr val="accent1"/>
+          </a:fillRef>
+          <a:effectRef idx="1">
+            <a:schemeClr val="accent1"/>
+          </a:effectRef>
+          <a:fontRef idx="minor">
+            <a:schemeClr val="tx1"/>
+          </a:fontRef>
+        </p:style>
+      </p:cxnSp>
+      <p:cxnSp>
+        <p:nvCxnSpPr>
+          <p:cNvPr id="96" name="직선 연결선 95">
+            <a:extLst>
+              <a:ext uri="{FF2B5EF4-FFF2-40B4-BE49-F238E27FC236}">
+                <a16:creationId xmlns:a16="http://schemas.microsoft.com/office/drawing/2014/main" id="{BDB825A5-59A3-730F-9558-CE1A89EE393B}"/>
+              </a:ext>
+            </a:extLst>
+          </p:cNvPr>
+          <p:cNvCxnSpPr>
+            <a:cxnSpLocks/>
+          </p:cNvCxnSpPr>
+          <p:nvPr/>
+        </p:nvCxnSpPr>
+        <p:spPr>
+          <a:xfrm flipV="1">
+            <a:off x="7921993" y="3584182"/>
+            <a:ext cx="0" cy="208547"/>
+          </a:xfrm>
+          <a:prstGeom prst="line">
+            <a:avLst/>
+          </a:prstGeom>
+          <a:ln w="38100">
+            <a:solidFill>
+              <a:schemeClr val="tx1"/>
+            </a:solidFill>
+          </a:ln>
+        </p:spPr>
+        <p:style>
+          <a:lnRef idx="2">
+            <a:schemeClr val="accent1"/>
+          </a:lnRef>
+          <a:fillRef idx="0">
+            <a:schemeClr val="accent1"/>
+          </a:fillRef>
+          <a:effectRef idx="1">
+            <a:schemeClr val="accent1"/>
+          </a:effectRef>
+          <a:fontRef idx="minor">
+            <a:schemeClr val="tx1"/>
+          </a:fontRef>
+        </p:style>
+      </p:cxnSp>
+      <p:cxnSp>
+        <p:nvCxnSpPr>
+          <p:cNvPr id="97" name="직선 연결선 96">
+            <a:extLst>
+              <a:ext uri="{FF2B5EF4-FFF2-40B4-BE49-F238E27FC236}">
+                <a16:creationId xmlns:a16="http://schemas.microsoft.com/office/drawing/2014/main" id="{7E06390B-1E74-9540-6089-66045E4022AF}"/>
+              </a:ext>
+            </a:extLst>
+          </p:cNvPr>
+          <p:cNvCxnSpPr>
+            <a:cxnSpLocks/>
+          </p:cNvCxnSpPr>
+          <p:nvPr/>
+        </p:nvCxnSpPr>
+        <p:spPr>
+          <a:xfrm flipV="1">
+            <a:off x="9623793" y="3584182"/>
+            <a:ext cx="0" cy="208547"/>
+          </a:xfrm>
+          <a:prstGeom prst="line">
+            <a:avLst/>
+          </a:prstGeom>
+          <a:ln w="38100">
+            <a:solidFill>
+              <a:schemeClr val="tx1"/>
+            </a:solidFill>
+          </a:ln>
+        </p:spPr>
+        <p:style>
+          <a:lnRef idx="2">
+            <a:schemeClr val="accent1"/>
+          </a:lnRef>
+          <a:fillRef idx="0">
+            <a:schemeClr val="accent1"/>
+          </a:fillRef>
+          <a:effectRef idx="1">
+            <a:schemeClr val="accent1"/>
+          </a:effectRef>
+          <a:fontRef idx="minor">
+            <a:schemeClr val="tx1"/>
+          </a:fontRef>
+        </p:style>
+      </p:cxnSp>
+      <p:cxnSp>
+        <p:nvCxnSpPr>
+          <p:cNvPr id="98" name="직선 연결선 97">
+            <a:extLst>
+              <a:ext uri="{FF2B5EF4-FFF2-40B4-BE49-F238E27FC236}">
+                <a16:creationId xmlns:a16="http://schemas.microsoft.com/office/drawing/2014/main" id="{5211CD4D-44E1-6F69-78A0-973D16BE39C5}"/>
+              </a:ext>
+            </a:extLst>
+          </p:cNvPr>
+          <p:cNvCxnSpPr>
+            <a:cxnSpLocks/>
+          </p:cNvCxnSpPr>
+          <p:nvPr/>
+        </p:nvCxnSpPr>
+        <p:spPr>
+          <a:xfrm flipV="1">
+            <a:off x="8772893" y="3584182"/>
+            <a:ext cx="0" cy="208547"/>
+          </a:xfrm>
+          <a:prstGeom prst="line">
+            <a:avLst/>
+          </a:prstGeom>
+          <a:ln w="38100">
+            <a:solidFill>
+              <a:schemeClr val="tx1"/>
+            </a:solidFill>
+          </a:ln>
+        </p:spPr>
+        <p:style>
+          <a:lnRef idx="2">
+            <a:schemeClr val="accent1"/>
+          </a:lnRef>
+          <a:fillRef idx="0">
+            <a:schemeClr val="accent1"/>
+          </a:fillRef>
+          <a:effectRef idx="1">
+            <a:schemeClr val="accent1"/>
+          </a:effectRef>
+          <a:fontRef idx="minor">
+            <a:schemeClr val="tx1"/>
+          </a:fontRef>
+        </p:style>
+      </p:cxnSp>
+      <p:cxnSp>
+        <p:nvCxnSpPr>
+          <p:cNvPr id="131" name="직선 연결선 130">
+            <a:extLst>
+              <a:ext uri="{FF2B5EF4-FFF2-40B4-BE49-F238E27FC236}">
+                <a16:creationId xmlns:a16="http://schemas.microsoft.com/office/drawing/2014/main" id="{6DBE99A6-68A0-158E-A9C2-30E8945FD39C}"/>
+              </a:ext>
+            </a:extLst>
+          </p:cNvPr>
+          <p:cNvCxnSpPr>
+            <a:cxnSpLocks/>
+          </p:cNvCxnSpPr>
+          <p:nvPr/>
+        </p:nvCxnSpPr>
+        <p:spPr>
+          <a:xfrm flipV="1">
+            <a:off x="2810243" y="3584182"/>
+            <a:ext cx="0" cy="208547"/>
+          </a:xfrm>
+          <a:prstGeom prst="line">
+            <a:avLst/>
+          </a:prstGeom>
+          <a:ln w="38100">
+            <a:solidFill>
+              <a:schemeClr val="tx1"/>
+            </a:solidFill>
+          </a:ln>
+        </p:spPr>
+        <p:style>
+          <a:lnRef idx="2">
+            <a:schemeClr val="accent1"/>
+          </a:lnRef>
+          <a:fillRef idx="0">
+            <a:schemeClr val="accent1"/>
+          </a:fillRef>
+          <a:effectRef idx="1">
+            <a:schemeClr val="accent1"/>
+          </a:effectRef>
+          <a:fontRef idx="minor">
+            <a:schemeClr val="tx1"/>
+          </a:fontRef>
+        </p:style>
+      </p:cxnSp>
+      <p:cxnSp>
+        <p:nvCxnSpPr>
+          <p:cNvPr id="132" name="직선 연결선 131">
+            <a:extLst>
+              <a:ext uri="{FF2B5EF4-FFF2-40B4-BE49-F238E27FC236}">
+                <a16:creationId xmlns:a16="http://schemas.microsoft.com/office/drawing/2014/main" id="{B921A969-A514-FCC3-F219-C84AF3C6507D}"/>
+              </a:ext>
+            </a:extLst>
+          </p:cNvPr>
+          <p:cNvCxnSpPr>
+            <a:cxnSpLocks/>
+          </p:cNvCxnSpPr>
+          <p:nvPr/>
+        </p:nvCxnSpPr>
+        <p:spPr>
+          <a:xfrm flipV="1">
+            <a:off x="4512043" y="3584182"/>
+            <a:ext cx="0" cy="208547"/>
+          </a:xfrm>
+          <a:prstGeom prst="line">
+            <a:avLst/>
+          </a:prstGeom>
+          <a:ln w="38100">
+            <a:solidFill>
+              <a:schemeClr val="tx1"/>
+            </a:solidFill>
+          </a:ln>
+        </p:spPr>
+        <p:style>
+          <a:lnRef idx="2">
+            <a:schemeClr val="accent1"/>
+          </a:lnRef>
+          <a:fillRef idx="0">
+            <a:schemeClr val="accent1"/>
+          </a:fillRef>
+          <a:effectRef idx="1">
+            <a:schemeClr val="accent1"/>
+          </a:effectRef>
+          <a:fontRef idx="minor">
+            <a:schemeClr val="tx1"/>
+          </a:fontRef>
+        </p:style>
+      </p:cxnSp>
+      <p:cxnSp>
+        <p:nvCxnSpPr>
+          <p:cNvPr id="133" name="직선 연결선 132">
+            <a:extLst>
+              <a:ext uri="{FF2B5EF4-FFF2-40B4-BE49-F238E27FC236}">
+                <a16:creationId xmlns:a16="http://schemas.microsoft.com/office/drawing/2014/main" id="{6FF4C4A8-BC21-AC30-9BA0-1FC0898AAC9F}"/>
+              </a:ext>
+            </a:extLst>
+          </p:cNvPr>
+          <p:cNvCxnSpPr>
+            <a:cxnSpLocks/>
+          </p:cNvCxnSpPr>
+          <p:nvPr/>
+        </p:nvCxnSpPr>
+        <p:spPr>
+          <a:xfrm flipV="1">
+            <a:off x="3661143" y="3584182"/>
+            <a:ext cx="0" cy="208547"/>
+          </a:xfrm>
+          <a:prstGeom prst="line">
+            <a:avLst/>
+          </a:prstGeom>
+          <a:ln w="38100">
+            <a:solidFill>
+              <a:schemeClr val="tx1"/>
+            </a:solidFill>
+          </a:ln>
+        </p:spPr>
+        <p:style>
+          <a:lnRef idx="2">
+            <a:schemeClr val="accent1"/>
+          </a:lnRef>
+          <a:fillRef idx="0">
+            <a:schemeClr val="accent1"/>
+          </a:fillRef>
+          <a:effectRef idx="1">
+            <a:schemeClr val="accent1"/>
+          </a:effectRef>
+          <a:fontRef idx="minor">
+            <a:schemeClr val="tx1"/>
+          </a:fontRef>
+        </p:style>
+      </p:cxnSp>
+      <p:cxnSp>
+        <p:nvCxnSpPr>
+          <p:cNvPr id="134" name="직선 연결선 133">
+            <a:extLst>
+              <a:ext uri="{FF2B5EF4-FFF2-40B4-BE49-F238E27FC236}">
+                <a16:creationId xmlns:a16="http://schemas.microsoft.com/office/drawing/2014/main" id="{FED19F96-74C1-696C-4F71-B6FD519A380F}"/>
+              </a:ext>
+            </a:extLst>
+          </p:cNvPr>
+          <p:cNvCxnSpPr>
+            <a:cxnSpLocks/>
+          </p:cNvCxnSpPr>
+          <p:nvPr/>
+        </p:nvCxnSpPr>
+        <p:spPr>
+          <a:xfrm flipV="1">
+            <a:off x="4512043" y="3584182"/>
+            <a:ext cx="0" cy="208547"/>
+          </a:xfrm>
+          <a:prstGeom prst="line">
+            <a:avLst/>
+          </a:prstGeom>
+          <a:ln w="38100">
+            <a:solidFill>
+              <a:schemeClr val="tx1"/>
+            </a:solidFill>
+          </a:ln>
+        </p:spPr>
+        <p:style>
+          <a:lnRef idx="2">
+            <a:schemeClr val="accent1"/>
+          </a:lnRef>
+          <a:fillRef idx="0">
+            <a:schemeClr val="accent1"/>
+          </a:fillRef>
+          <a:effectRef idx="1">
+            <a:schemeClr val="accent1"/>
+          </a:effectRef>
+          <a:fontRef idx="minor">
+            <a:schemeClr val="tx1"/>
+          </a:fontRef>
+        </p:style>
+      </p:cxnSp>
+      <p:cxnSp>
+        <p:nvCxnSpPr>
+          <p:cNvPr id="136" name="직선 연결선 135">
+            <a:extLst>
+              <a:ext uri="{FF2B5EF4-FFF2-40B4-BE49-F238E27FC236}">
+                <a16:creationId xmlns:a16="http://schemas.microsoft.com/office/drawing/2014/main" id="{53EF8E93-4079-B70E-BF2B-ED608ECE717E}"/>
+              </a:ext>
+            </a:extLst>
+          </p:cNvPr>
+          <p:cNvCxnSpPr>
+            <a:cxnSpLocks/>
+          </p:cNvCxnSpPr>
+          <p:nvPr/>
+        </p:nvCxnSpPr>
+        <p:spPr>
+          <a:xfrm flipV="1">
+            <a:off x="5362943" y="3584182"/>
+            <a:ext cx="0" cy="208547"/>
+          </a:xfrm>
+          <a:prstGeom prst="line">
+            <a:avLst/>
+          </a:prstGeom>
+          <a:ln w="38100">
+            <a:solidFill>
+              <a:schemeClr val="tx1"/>
+            </a:solidFill>
+          </a:ln>
+        </p:spPr>
+        <p:style>
+          <a:lnRef idx="2">
+            <a:schemeClr val="accent1"/>
+          </a:lnRef>
+          <a:fillRef idx="0">
+            <a:schemeClr val="accent1"/>
+          </a:fillRef>
+          <a:effectRef idx="1">
+            <a:schemeClr val="accent1"/>
+          </a:effectRef>
+          <a:fontRef idx="minor">
+            <a:schemeClr val="tx1"/>
+          </a:fontRef>
+        </p:style>
+      </p:cxnSp>
+      <p:sp>
+        <p:nvSpPr>
+          <p:cNvPr id="138" name="TextBox 137">
+            <a:extLst>
+              <a:ext uri="{FF2B5EF4-FFF2-40B4-BE49-F238E27FC236}">
+                <a16:creationId xmlns:a16="http://schemas.microsoft.com/office/drawing/2014/main" id="{4F980B4B-7039-B4C7-AF3D-8ED20C6B6594}"/>
+              </a:ext>
+            </a:extLst>
+          </p:cNvPr>
+          <p:cNvSpPr txBox="1"/>
+          <p:nvPr/>
+        </p:nvSpPr>
+        <p:spPr>
+          <a:xfrm>
+            <a:off x="10113098" y="3329285"/>
+            <a:ext cx="349776" cy="461665"/>
+          </a:xfrm>
+          <a:prstGeom prst="rect">
+            <a:avLst/>
+          </a:prstGeom>
+          <a:noFill/>
+        </p:spPr>
+        <p:txBody>
+          <a:bodyPr wrap="none" rtlCol="0">
+            <a:spAutoFit/>
+          </a:bodyPr>
+          <a:lstStyle/>
+          <a:p>
+            <a:r>
+              <a:rPr lang="en-US" altLang="ko-KR" sz="2400" b="1" dirty="0"/>
+              <a:t>x</a:t>
+            </a:r>
+            <a:endParaRPr lang="ko-KR" altLang="en-US" sz="2400" b="1" dirty="0"/>
+          </a:p>
+        </p:txBody>
+      </p:sp>
+      <p:sp>
+        <p:nvSpPr>
+          <p:cNvPr id="141" name="TextBox 140">
+            <a:extLst>
+              <a:ext uri="{FF2B5EF4-FFF2-40B4-BE49-F238E27FC236}">
+                <a16:creationId xmlns:a16="http://schemas.microsoft.com/office/drawing/2014/main" id="{F7132BC9-5A8C-CB79-07D9-247E900FA7EA}"/>
+              </a:ext>
+            </a:extLst>
+          </p:cNvPr>
+          <p:cNvSpPr txBox="1"/>
+          <p:nvPr/>
+        </p:nvSpPr>
+        <p:spPr>
+          <a:xfrm>
+            <a:off x="6901753" y="3790950"/>
+            <a:ext cx="362600" cy="461665"/>
+          </a:xfrm>
+          <a:prstGeom prst="rect">
+            <a:avLst/>
+          </a:prstGeom>
+          <a:noFill/>
+        </p:spPr>
+        <p:txBody>
+          <a:bodyPr wrap="none" rtlCol="0">
+            <a:spAutoFit/>
+          </a:bodyPr>
+          <a:lstStyle/>
+          <a:p>
+            <a:r>
+              <a:rPr lang="en-US" altLang="ko-KR" sz="2400" b="1" dirty="0"/>
+              <a:t>1</a:t>
+            </a:r>
+            <a:endParaRPr lang="ko-KR" altLang="en-US" sz="2400" b="1" dirty="0"/>
+          </a:p>
+        </p:txBody>
+      </p:sp>
+      <p:sp>
+        <p:nvSpPr>
+          <p:cNvPr id="143" name="TextBox 142">
+            <a:extLst>
+              <a:ext uri="{FF2B5EF4-FFF2-40B4-BE49-F238E27FC236}">
+                <a16:creationId xmlns:a16="http://schemas.microsoft.com/office/drawing/2014/main" id="{B914D417-438C-8934-1EA6-3A88FC48F806}"/>
+              </a:ext>
+            </a:extLst>
+          </p:cNvPr>
+          <p:cNvSpPr txBox="1"/>
+          <p:nvPr/>
+        </p:nvSpPr>
+        <p:spPr>
+          <a:xfrm>
+            <a:off x="7758264" y="3790950"/>
+            <a:ext cx="362600" cy="461665"/>
+          </a:xfrm>
+          <a:prstGeom prst="rect">
+            <a:avLst/>
+          </a:prstGeom>
+          <a:noFill/>
+        </p:spPr>
+        <p:txBody>
+          <a:bodyPr wrap="none" rtlCol="0">
+            <a:spAutoFit/>
+          </a:bodyPr>
+          <a:lstStyle/>
+          <a:p>
+            <a:r>
+              <a:rPr lang="en-US" altLang="ko-KR" sz="2400" b="1" dirty="0"/>
+              <a:t>2</a:t>
+            </a:r>
+            <a:endParaRPr lang="ko-KR" altLang="en-US" sz="2400" b="1" dirty="0"/>
+          </a:p>
+        </p:txBody>
+      </p:sp>
+      <p:sp>
+        <p:nvSpPr>
+          <p:cNvPr id="145" name="TextBox 144">
+            <a:extLst>
+              <a:ext uri="{FF2B5EF4-FFF2-40B4-BE49-F238E27FC236}">
+                <a16:creationId xmlns:a16="http://schemas.microsoft.com/office/drawing/2014/main" id="{BDBC378B-D348-C24D-5BC9-B3FAA5AD0A2E}"/>
+              </a:ext>
+            </a:extLst>
+          </p:cNvPr>
+          <p:cNvSpPr txBox="1"/>
+          <p:nvPr/>
+        </p:nvSpPr>
+        <p:spPr>
+          <a:xfrm>
+            <a:off x="8614775" y="3790950"/>
+            <a:ext cx="362600" cy="461665"/>
+          </a:xfrm>
+          <a:prstGeom prst="rect">
+            <a:avLst/>
+          </a:prstGeom>
+          <a:noFill/>
+        </p:spPr>
+        <p:txBody>
+          <a:bodyPr wrap="none" rtlCol="0">
+            <a:spAutoFit/>
+          </a:bodyPr>
+          <a:lstStyle/>
+          <a:p>
+            <a:r>
+              <a:rPr lang="en-US" altLang="ko-KR" sz="2400" b="1" dirty="0"/>
+              <a:t>3</a:t>
+            </a:r>
+            <a:endParaRPr lang="ko-KR" altLang="en-US" sz="2400" b="1" dirty="0"/>
+          </a:p>
+        </p:txBody>
+      </p:sp>
+      <p:sp>
+        <p:nvSpPr>
+          <p:cNvPr id="146" name="TextBox 145">
+            <a:extLst>
+              <a:ext uri="{FF2B5EF4-FFF2-40B4-BE49-F238E27FC236}">
+                <a16:creationId xmlns:a16="http://schemas.microsoft.com/office/drawing/2014/main" id="{D92630C1-866F-EB5B-DACC-DBE83CEA5BA1}"/>
+              </a:ext>
+            </a:extLst>
+          </p:cNvPr>
+          <p:cNvSpPr txBox="1"/>
+          <p:nvPr/>
+        </p:nvSpPr>
+        <p:spPr>
+          <a:xfrm>
+            <a:off x="9471286" y="3790950"/>
+            <a:ext cx="362600" cy="461665"/>
+          </a:xfrm>
+          <a:prstGeom prst="rect">
+            <a:avLst/>
+          </a:prstGeom>
+          <a:noFill/>
+        </p:spPr>
+        <p:txBody>
+          <a:bodyPr wrap="none" rtlCol="0">
+            <a:spAutoFit/>
+          </a:bodyPr>
+          <a:lstStyle/>
+          <a:p>
+            <a:r>
+              <a:rPr lang="en-US" altLang="ko-KR" sz="2400" b="1" dirty="0"/>
+              <a:t>4</a:t>
+            </a:r>
+            <a:endParaRPr lang="ko-KR" altLang="en-US" sz="2400" b="1" dirty="0"/>
+          </a:p>
+        </p:txBody>
+      </p:sp>
+      <p:sp>
+        <p:nvSpPr>
+          <p:cNvPr id="147" name="TextBox 146">
+            <a:extLst>
+              <a:ext uri="{FF2B5EF4-FFF2-40B4-BE49-F238E27FC236}">
+                <a16:creationId xmlns:a16="http://schemas.microsoft.com/office/drawing/2014/main" id="{385D5963-60DC-DEAD-7067-25553E95F07D}"/>
+              </a:ext>
+            </a:extLst>
+          </p:cNvPr>
+          <p:cNvSpPr txBox="1"/>
+          <p:nvPr/>
+        </p:nvSpPr>
+        <p:spPr>
+          <a:xfrm>
+            <a:off x="2611690" y="3790950"/>
+            <a:ext cx="489236" cy="461665"/>
+          </a:xfrm>
+          <a:prstGeom prst="rect">
+            <a:avLst/>
+          </a:prstGeom>
+          <a:noFill/>
+        </p:spPr>
+        <p:txBody>
+          <a:bodyPr wrap="none" rtlCol="0">
+            <a:spAutoFit/>
+          </a:bodyPr>
+          <a:lstStyle/>
+          <a:p>
+            <a:r>
+              <a:rPr lang="en-US" altLang="ko-KR" sz="2400" b="1" dirty="0"/>
+              <a:t>-4</a:t>
+            </a:r>
+            <a:endParaRPr lang="ko-KR" altLang="en-US" sz="2400" b="1" dirty="0"/>
+          </a:p>
+        </p:txBody>
+      </p:sp>
+      <p:sp>
+        <p:nvSpPr>
+          <p:cNvPr id="148" name="TextBox 147">
+            <a:extLst>
+              <a:ext uri="{FF2B5EF4-FFF2-40B4-BE49-F238E27FC236}">
+                <a16:creationId xmlns:a16="http://schemas.microsoft.com/office/drawing/2014/main" id="{4C8EB12C-2FB7-FA37-F1C7-39695FCD3301}"/>
+              </a:ext>
+            </a:extLst>
+          </p:cNvPr>
+          <p:cNvSpPr txBox="1"/>
+          <p:nvPr/>
+        </p:nvSpPr>
+        <p:spPr>
+          <a:xfrm>
+            <a:off x="3468939" y="3790950"/>
+            <a:ext cx="489236" cy="461665"/>
+          </a:xfrm>
+          <a:prstGeom prst="rect">
+            <a:avLst/>
+          </a:prstGeom>
+          <a:noFill/>
+        </p:spPr>
+        <p:txBody>
+          <a:bodyPr wrap="none" rtlCol="0">
+            <a:spAutoFit/>
+          </a:bodyPr>
+          <a:lstStyle/>
+          <a:p>
+            <a:r>
+              <a:rPr lang="en-US" altLang="ko-KR" sz="2400" b="1" dirty="0"/>
+              <a:t>-3</a:t>
+            </a:r>
+            <a:endParaRPr lang="ko-KR" altLang="en-US" sz="2400" b="1" dirty="0"/>
+          </a:p>
+        </p:txBody>
+      </p:sp>
+      <p:sp>
+        <p:nvSpPr>
+          <p:cNvPr id="149" name="TextBox 148">
+            <a:extLst>
+              <a:ext uri="{FF2B5EF4-FFF2-40B4-BE49-F238E27FC236}">
+                <a16:creationId xmlns:a16="http://schemas.microsoft.com/office/drawing/2014/main" id="{B7FE8CA9-51DC-3000-0E8E-027081805052}"/>
+              </a:ext>
+            </a:extLst>
+          </p:cNvPr>
+          <p:cNvSpPr txBox="1"/>
+          <p:nvPr/>
+        </p:nvSpPr>
+        <p:spPr>
+          <a:xfrm>
+            <a:off x="4325450" y="3790950"/>
+            <a:ext cx="489236" cy="461665"/>
+          </a:xfrm>
+          <a:prstGeom prst="rect">
+            <a:avLst/>
+          </a:prstGeom>
+          <a:noFill/>
+        </p:spPr>
+        <p:txBody>
+          <a:bodyPr wrap="none" rtlCol="0">
+            <a:spAutoFit/>
+          </a:bodyPr>
+          <a:lstStyle/>
+          <a:p>
+            <a:r>
+              <a:rPr lang="en-US" altLang="ko-KR" sz="2400" b="1" dirty="0"/>
+              <a:t>-2</a:t>
+            </a:r>
+            <a:endParaRPr lang="ko-KR" altLang="en-US" sz="2400" b="1" dirty="0"/>
+          </a:p>
+        </p:txBody>
+      </p:sp>
+      <p:sp>
+        <p:nvSpPr>
+          <p:cNvPr id="150" name="TextBox 149">
+            <a:extLst>
+              <a:ext uri="{FF2B5EF4-FFF2-40B4-BE49-F238E27FC236}">
+                <a16:creationId xmlns:a16="http://schemas.microsoft.com/office/drawing/2014/main" id="{06F37A49-551F-6CE6-B347-0BCE70B638F9}"/>
+              </a:ext>
+            </a:extLst>
+          </p:cNvPr>
+          <p:cNvSpPr txBox="1"/>
+          <p:nvPr/>
+        </p:nvSpPr>
+        <p:spPr>
+          <a:xfrm>
+            <a:off x="5181961" y="3790950"/>
+            <a:ext cx="489236" cy="461665"/>
+          </a:xfrm>
+          <a:prstGeom prst="rect">
+            <a:avLst/>
+          </a:prstGeom>
+          <a:noFill/>
+        </p:spPr>
+        <p:txBody>
+          <a:bodyPr wrap="none" rtlCol="0">
+            <a:spAutoFit/>
+          </a:bodyPr>
+          <a:lstStyle/>
+          <a:p>
+            <a:r>
+              <a:rPr lang="en-US" altLang="ko-KR" sz="2400" b="1" dirty="0"/>
+              <a:t>-1</a:t>
+            </a:r>
+            <a:endParaRPr lang="ko-KR" altLang="en-US" sz="2400" b="1" dirty="0"/>
+          </a:p>
+        </p:txBody>
+      </p:sp>
+      <p:sp>
+        <p:nvSpPr>
+          <p:cNvPr id="29" name="TextBox 28">
+            <a:extLst>
+              <a:ext uri="{FF2B5EF4-FFF2-40B4-BE49-F238E27FC236}">
+                <a16:creationId xmlns:a16="http://schemas.microsoft.com/office/drawing/2014/main" id="{33718773-BC59-CDC2-C9EF-BF2B400A512C}"/>
+              </a:ext>
+            </a:extLst>
+          </p:cNvPr>
+          <p:cNvSpPr txBox="1"/>
+          <p:nvPr/>
+        </p:nvSpPr>
+        <p:spPr>
+          <a:xfrm>
+            <a:off x="6292198" y="3648089"/>
+            <a:ext cx="362600" cy="461665"/>
+          </a:xfrm>
+          <a:prstGeom prst="rect">
+            <a:avLst/>
+          </a:prstGeom>
+          <a:noFill/>
+        </p:spPr>
+        <p:txBody>
+          <a:bodyPr wrap="none" rtlCol="0">
+            <a:spAutoFit/>
+          </a:bodyPr>
+          <a:lstStyle/>
+          <a:p>
+            <a:r>
+              <a:rPr lang="en-US" altLang="ko-KR" sz="2400" b="1" dirty="0"/>
+              <a:t>0</a:t>
+            </a:r>
+            <a:endParaRPr lang="ko-KR" altLang="en-US" sz="2400" b="1" dirty="0"/>
+          </a:p>
+        </p:txBody>
+      </p:sp>
+      <p:grpSp>
+        <p:nvGrpSpPr>
+          <p:cNvPr id="5" name="그룹 4">
+            <a:extLst>
+              <a:ext uri="{FF2B5EF4-FFF2-40B4-BE49-F238E27FC236}">
+                <a16:creationId xmlns:a16="http://schemas.microsoft.com/office/drawing/2014/main" id="{941489FB-4E60-F3DE-8203-3D4963CEBC0C}"/>
+              </a:ext>
+            </a:extLst>
+          </p:cNvPr>
+          <p:cNvGrpSpPr/>
+          <p:nvPr/>
+        </p:nvGrpSpPr>
+        <p:grpSpPr>
+          <a:xfrm rot="5400000">
+            <a:off x="2391422" y="3584182"/>
+            <a:ext cx="7700210" cy="0"/>
+            <a:chOff x="2374232" y="3441032"/>
+            <a:chExt cx="7700210" cy="0"/>
+          </a:xfrm>
+        </p:grpSpPr>
+        <p:cxnSp>
+          <p:nvCxnSpPr>
+            <p:cNvPr id="27" name="직선 화살표 연결선 26">
+              <a:extLst>
+                <a:ext uri="{FF2B5EF4-FFF2-40B4-BE49-F238E27FC236}">
+                  <a16:creationId xmlns:a16="http://schemas.microsoft.com/office/drawing/2014/main" id="{9AF17996-4F6D-C8EB-BAAB-B49438FB24CC}"/>
+                </a:ext>
+              </a:extLst>
+            </p:cNvPr>
+            <p:cNvCxnSpPr/>
+            <p:nvPr/>
+          </p:nvCxnSpPr>
+          <p:spPr>
+            <a:xfrm>
+              <a:off x="6224337" y="3441032"/>
+              <a:ext cx="3850105" cy="0"/>
+            </a:xfrm>
+            <a:prstGeom prst="straightConnector1">
+              <a:avLst/>
+            </a:prstGeom>
+            <a:ln w="38100">
+              <a:solidFill>
+                <a:schemeClr val="tx1"/>
+              </a:solidFill>
+              <a:tailEnd type="triangle"/>
+            </a:ln>
+          </p:spPr>
+          <p:style>
+            <a:lnRef idx="2">
+              <a:schemeClr val="accent1"/>
+            </a:lnRef>
+            <a:fillRef idx="0">
+              <a:schemeClr val="accent1"/>
+            </a:fillRef>
+            <a:effectRef idx="1">
+              <a:schemeClr val="accent1"/>
+            </a:effectRef>
+            <a:fontRef idx="minor">
+              <a:schemeClr val="tx1"/>
+            </a:fontRef>
+          </p:style>
+        </p:cxnSp>
+        <p:cxnSp>
+          <p:nvCxnSpPr>
+            <p:cNvPr id="28" name="직선 화살표 연결선 27">
+              <a:extLst>
+                <a:ext uri="{FF2B5EF4-FFF2-40B4-BE49-F238E27FC236}">
+                  <a16:creationId xmlns:a16="http://schemas.microsoft.com/office/drawing/2014/main" id="{3B69B5D1-173F-1848-3855-F039B5B90A56}"/>
+                </a:ext>
+              </a:extLst>
+            </p:cNvPr>
+            <p:cNvCxnSpPr>
+              <a:cxnSpLocks/>
+            </p:cNvCxnSpPr>
+            <p:nvPr/>
+          </p:nvCxnSpPr>
+          <p:spPr>
+            <a:xfrm rot="10800000">
+              <a:off x="2374232" y="3441032"/>
+              <a:ext cx="3850105" cy="0"/>
+            </a:xfrm>
+            <a:prstGeom prst="straightConnector1">
+              <a:avLst/>
+            </a:prstGeom>
+            <a:ln w="38100">
+              <a:solidFill>
+                <a:schemeClr val="tx1"/>
+              </a:solidFill>
+              <a:tailEnd type="triangle"/>
+            </a:ln>
+          </p:spPr>
+          <p:style>
+            <a:lnRef idx="2">
+              <a:schemeClr val="accent1"/>
+            </a:lnRef>
+            <a:fillRef idx="0">
+              <a:schemeClr val="accent1"/>
+            </a:fillRef>
+            <a:effectRef idx="1">
+              <a:schemeClr val="accent1"/>
+            </a:effectRef>
+            <a:fontRef idx="minor">
+              <a:schemeClr val="tx1"/>
+            </a:fontRef>
+          </p:style>
+        </p:cxnSp>
+      </p:grpSp>
+      <p:cxnSp>
+        <p:nvCxnSpPr>
+          <p:cNvPr id="6" name="직선 연결선 5">
+            <a:extLst>
+              <a:ext uri="{FF2B5EF4-FFF2-40B4-BE49-F238E27FC236}">
+                <a16:creationId xmlns:a16="http://schemas.microsoft.com/office/drawing/2014/main" id="{6B14DC83-B626-5739-7471-03591D799CFF}"/>
+              </a:ext>
+            </a:extLst>
+          </p:cNvPr>
+          <p:cNvCxnSpPr>
+            <a:cxnSpLocks/>
+          </p:cNvCxnSpPr>
+          <p:nvPr/>
+        </p:nvCxnSpPr>
+        <p:spPr>
+          <a:xfrm rot="5400000" flipV="1">
+            <a:off x="6137254" y="5184884"/>
+            <a:ext cx="0" cy="208547"/>
+          </a:xfrm>
+          <a:prstGeom prst="line">
+            <a:avLst/>
+          </a:prstGeom>
+          <a:ln w="38100">
+            <a:solidFill>
+              <a:schemeClr val="tx1"/>
+            </a:solidFill>
+          </a:ln>
+        </p:spPr>
+        <p:style>
+          <a:lnRef idx="2">
+            <a:schemeClr val="accent1"/>
+          </a:lnRef>
+          <a:fillRef idx="0">
+            <a:schemeClr val="accent1"/>
+          </a:fillRef>
+          <a:effectRef idx="1">
+            <a:schemeClr val="accent1"/>
+          </a:effectRef>
+          <a:fontRef idx="minor">
+            <a:schemeClr val="tx1"/>
+          </a:fontRef>
+        </p:style>
+      </p:cxnSp>
+      <p:cxnSp>
+        <p:nvCxnSpPr>
+          <p:cNvPr id="7" name="직선 연결선 6">
+            <a:extLst>
+              <a:ext uri="{FF2B5EF4-FFF2-40B4-BE49-F238E27FC236}">
+                <a16:creationId xmlns:a16="http://schemas.microsoft.com/office/drawing/2014/main" id="{C9034004-283E-F1CB-DF2C-CFDDB6DFE424}"/>
+              </a:ext>
+            </a:extLst>
+          </p:cNvPr>
+          <p:cNvCxnSpPr>
+            <a:cxnSpLocks/>
+          </p:cNvCxnSpPr>
+          <p:nvPr/>
+        </p:nvCxnSpPr>
+        <p:spPr>
+          <a:xfrm rot="5400000" flipV="1">
+            <a:off x="6137254" y="4333984"/>
+            <a:ext cx="0" cy="208547"/>
+          </a:xfrm>
+          <a:prstGeom prst="line">
+            <a:avLst/>
+          </a:prstGeom>
+          <a:ln w="38100">
+            <a:solidFill>
+              <a:schemeClr val="tx1"/>
+            </a:solidFill>
+          </a:ln>
+        </p:spPr>
+        <p:style>
+          <a:lnRef idx="2">
+            <a:schemeClr val="accent1"/>
+          </a:lnRef>
+          <a:fillRef idx="0">
+            <a:schemeClr val="accent1"/>
+          </a:fillRef>
+          <a:effectRef idx="1">
+            <a:schemeClr val="accent1"/>
+          </a:effectRef>
+          <a:fontRef idx="minor">
+            <a:schemeClr val="tx1"/>
+          </a:fontRef>
+        </p:style>
+      </p:cxnSp>
+      <p:cxnSp>
+        <p:nvCxnSpPr>
+          <p:cNvPr id="8" name="직선 연결선 7">
+            <a:extLst>
+              <a:ext uri="{FF2B5EF4-FFF2-40B4-BE49-F238E27FC236}">
+                <a16:creationId xmlns:a16="http://schemas.microsoft.com/office/drawing/2014/main" id="{D403DA4B-F54A-F6C8-F4E9-FDEBC16BF304}"/>
+              </a:ext>
+            </a:extLst>
+          </p:cNvPr>
+          <p:cNvCxnSpPr>
+            <a:cxnSpLocks/>
+          </p:cNvCxnSpPr>
+          <p:nvPr/>
+        </p:nvCxnSpPr>
+        <p:spPr>
+          <a:xfrm rot="5400000" flipV="1">
+            <a:off x="6137254" y="5184884"/>
+            <a:ext cx="0" cy="208547"/>
+          </a:xfrm>
+          <a:prstGeom prst="line">
+            <a:avLst/>
+          </a:prstGeom>
+          <a:ln w="38100">
+            <a:solidFill>
+              <a:schemeClr val="tx1"/>
+            </a:solidFill>
+          </a:ln>
+        </p:spPr>
+        <p:style>
+          <a:lnRef idx="2">
+            <a:schemeClr val="accent1"/>
+          </a:lnRef>
+          <a:fillRef idx="0">
+            <a:schemeClr val="accent1"/>
+          </a:fillRef>
+          <a:effectRef idx="1">
+            <a:schemeClr val="accent1"/>
+          </a:effectRef>
+          <a:fontRef idx="minor">
+            <a:schemeClr val="tx1"/>
+          </a:fontRef>
+        </p:style>
+      </p:cxnSp>
+      <p:cxnSp>
+        <p:nvCxnSpPr>
+          <p:cNvPr id="10" name="직선 연결선 9">
+            <a:extLst>
+              <a:ext uri="{FF2B5EF4-FFF2-40B4-BE49-F238E27FC236}">
+                <a16:creationId xmlns:a16="http://schemas.microsoft.com/office/drawing/2014/main" id="{87510D2F-88C8-87FA-1FE7-F18B10EE7603}"/>
+              </a:ext>
+            </a:extLst>
+          </p:cNvPr>
+          <p:cNvCxnSpPr>
+            <a:cxnSpLocks/>
+          </p:cNvCxnSpPr>
+          <p:nvPr/>
+        </p:nvCxnSpPr>
+        <p:spPr>
+          <a:xfrm rot="5400000" flipV="1">
+            <a:off x="6137254" y="6886684"/>
+            <a:ext cx="0" cy="208547"/>
+          </a:xfrm>
+          <a:prstGeom prst="line">
+            <a:avLst/>
+          </a:prstGeom>
+          <a:ln w="38100">
+            <a:solidFill>
+              <a:schemeClr val="tx1"/>
+            </a:solidFill>
+          </a:ln>
+        </p:spPr>
+        <p:style>
+          <a:lnRef idx="2">
+            <a:schemeClr val="accent1"/>
+          </a:lnRef>
+          <a:fillRef idx="0">
+            <a:schemeClr val="accent1"/>
+          </a:fillRef>
+          <a:effectRef idx="1">
+            <a:schemeClr val="accent1"/>
+          </a:effectRef>
+          <a:fontRef idx="minor">
+            <a:schemeClr val="tx1"/>
+          </a:fontRef>
+        </p:style>
+      </p:cxnSp>
+      <p:cxnSp>
+        <p:nvCxnSpPr>
+          <p:cNvPr id="11" name="직선 연결선 10">
+            <a:extLst>
+              <a:ext uri="{FF2B5EF4-FFF2-40B4-BE49-F238E27FC236}">
+                <a16:creationId xmlns:a16="http://schemas.microsoft.com/office/drawing/2014/main" id="{B8144EC3-AC0A-0BAB-ACB3-9A745E097727}"/>
+              </a:ext>
+            </a:extLst>
+          </p:cNvPr>
+          <p:cNvCxnSpPr>
+            <a:cxnSpLocks/>
+          </p:cNvCxnSpPr>
+          <p:nvPr/>
+        </p:nvCxnSpPr>
+        <p:spPr>
+          <a:xfrm rot="5400000" flipV="1">
+            <a:off x="6137254" y="6035784"/>
+            <a:ext cx="0" cy="208547"/>
+          </a:xfrm>
+          <a:prstGeom prst="line">
+            <a:avLst/>
+          </a:prstGeom>
+          <a:ln w="38100">
+            <a:solidFill>
+              <a:schemeClr val="tx1"/>
+            </a:solidFill>
+          </a:ln>
+        </p:spPr>
+        <p:style>
+          <a:lnRef idx="2">
+            <a:schemeClr val="accent1"/>
+          </a:lnRef>
+          <a:fillRef idx="0">
+            <a:schemeClr val="accent1"/>
+          </a:fillRef>
+          <a:effectRef idx="1">
+            <a:schemeClr val="accent1"/>
+          </a:effectRef>
+          <a:fontRef idx="minor">
+            <a:schemeClr val="tx1"/>
+          </a:fontRef>
+        </p:style>
+      </p:cxnSp>
+      <p:cxnSp>
+        <p:nvCxnSpPr>
+          <p:cNvPr id="12" name="직선 연결선 11">
+            <a:extLst>
+              <a:ext uri="{FF2B5EF4-FFF2-40B4-BE49-F238E27FC236}">
+                <a16:creationId xmlns:a16="http://schemas.microsoft.com/office/drawing/2014/main" id="{D07F4785-A7C2-0DAB-82E3-59ECA8EAD0CA}"/>
+              </a:ext>
+            </a:extLst>
+          </p:cNvPr>
+          <p:cNvCxnSpPr>
+            <a:cxnSpLocks/>
+          </p:cNvCxnSpPr>
+          <p:nvPr/>
+        </p:nvCxnSpPr>
+        <p:spPr>
+          <a:xfrm rot="5400000" flipV="1">
+            <a:off x="6137254" y="73134"/>
+            <a:ext cx="0" cy="208547"/>
+          </a:xfrm>
+          <a:prstGeom prst="line">
+            <a:avLst/>
+          </a:prstGeom>
+          <a:ln w="38100">
+            <a:solidFill>
+              <a:schemeClr val="tx1"/>
+            </a:solidFill>
+          </a:ln>
+        </p:spPr>
+        <p:style>
+          <a:lnRef idx="2">
+            <a:schemeClr val="accent1"/>
+          </a:lnRef>
+          <a:fillRef idx="0">
+            <a:schemeClr val="accent1"/>
+          </a:fillRef>
+          <a:effectRef idx="1">
+            <a:schemeClr val="accent1"/>
+          </a:effectRef>
+          <a:fontRef idx="minor">
+            <a:schemeClr val="tx1"/>
+          </a:fontRef>
+        </p:style>
+      </p:cxnSp>
+      <p:cxnSp>
+        <p:nvCxnSpPr>
+          <p:cNvPr id="13" name="직선 연결선 12">
+            <a:extLst>
+              <a:ext uri="{FF2B5EF4-FFF2-40B4-BE49-F238E27FC236}">
+                <a16:creationId xmlns:a16="http://schemas.microsoft.com/office/drawing/2014/main" id="{860D3514-27D4-C36B-C8FA-5519363969BD}"/>
+              </a:ext>
+            </a:extLst>
+          </p:cNvPr>
+          <p:cNvCxnSpPr>
+            <a:cxnSpLocks/>
+          </p:cNvCxnSpPr>
+          <p:nvPr/>
+        </p:nvCxnSpPr>
+        <p:spPr>
+          <a:xfrm rot="5400000" flipV="1">
+            <a:off x="6137254" y="1774934"/>
+            <a:ext cx="0" cy="208547"/>
+          </a:xfrm>
+          <a:prstGeom prst="line">
+            <a:avLst/>
+          </a:prstGeom>
+          <a:ln w="38100">
+            <a:solidFill>
+              <a:schemeClr val="tx1"/>
+            </a:solidFill>
+          </a:ln>
+        </p:spPr>
+        <p:style>
+          <a:lnRef idx="2">
+            <a:schemeClr val="accent1"/>
+          </a:lnRef>
+          <a:fillRef idx="0">
+            <a:schemeClr val="accent1"/>
+          </a:fillRef>
+          <a:effectRef idx="1">
+            <a:schemeClr val="accent1"/>
+          </a:effectRef>
+          <a:fontRef idx="minor">
+            <a:schemeClr val="tx1"/>
+          </a:fontRef>
+        </p:style>
+      </p:cxnSp>
+      <p:cxnSp>
+        <p:nvCxnSpPr>
+          <p:cNvPr id="14" name="직선 연결선 13">
+            <a:extLst>
+              <a:ext uri="{FF2B5EF4-FFF2-40B4-BE49-F238E27FC236}">
+                <a16:creationId xmlns:a16="http://schemas.microsoft.com/office/drawing/2014/main" id="{BA488E53-8ED3-6660-D2EA-9D870D8D4AEC}"/>
+              </a:ext>
+            </a:extLst>
+          </p:cNvPr>
+          <p:cNvCxnSpPr>
+            <a:cxnSpLocks/>
+          </p:cNvCxnSpPr>
+          <p:nvPr/>
+        </p:nvCxnSpPr>
+        <p:spPr>
+          <a:xfrm rot="5400000" flipV="1">
+            <a:off x="6137254" y="924034"/>
+            <a:ext cx="0" cy="208547"/>
+          </a:xfrm>
+          <a:prstGeom prst="line">
+            <a:avLst/>
+          </a:prstGeom>
+          <a:ln w="38100">
+            <a:solidFill>
+              <a:schemeClr val="tx1"/>
+            </a:solidFill>
+          </a:ln>
+        </p:spPr>
+        <p:style>
+          <a:lnRef idx="2">
+            <a:schemeClr val="accent1"/>
+          </a:lnRef>
+          <a:fillRef idx="0">
+            <a:schemeClr val="accent1"/>
+          </a:fillRef>
+          <a:effectRef idx="1">
+            <a:schemeClr val="accent1"/>
+          </a:effectRef>
+          <a:fontRef idx="minor">
+            <a:schemeClr val="tx1"/>
+          </a:fontRef>
+        </p:style>
+      </p:cxnSp>
+      <p:cxnSp>
+        <p:nvCxnSpPr>
+          <p:cNvPr id="15" name="직선 연결선 14">
+            <a:extLst>
+              <a:ext uri="{FF2B5EF4-FFF2-40B4-BE49-F238E27FC236}">
+                <a16:creationId xmlns:a16="http://schemas.microsoft.com/office/drawing/2014/main" id="{C5AC0802-F177-D0D7-7EAA-7B171540152C}"/>
+              </a:ext>
+            </a:extLst>
+          </p:cNvPr>
+          <p:cNvCxnSpPr>
+            <a:cxnSpLocks/>
+          </p:cNvCxnSpPr>
+          <p:nvPr/>
+        </p:nvCxnSpPr>
+        <p:spPr>
+          <a:xfrm rot="5400000" flipV="1">
+            <a:off x="6137254" y="1774934"/>
+            <a:ext cx="0" cy="208547"/>
+          </a:xfrm>
+          <a:prstGeom prst="line">
+            <a:avLst/>
+          </a:prstGeom>
+          <a:ln w="38100">
+            <a:solidFill>
+              <a:schemeClr val="tx1"/>
+            </a:solidFill>
+          </a:ln>
+        </p:spPr>
+        <p:style>
+          <a:lnRef idx="2">
+            <a:schemeClr val="accent1"/>
+          </a:lnRef>
+          <a:fillRef idx="0">
+            <a:schemeClr val="accent1"/>
+          </a:fillRef>
+          <a:effectRef idx="1">
+            <a:schemeClr val="accent1"/>
+          </a:effectRef>
+          <a:fontRef idx="minor">
+            <a:schemeClr val="tx1"/>
+          </a:fontRef>
+        </p:style>
+      </p:cxnSp>
+      <p:cxnSp>
+        <p:nvCxnSpPr>
+          <p:cNvPr id="16" name="직선 연결선 15">
+            <a:extLst>
+              <a:ext uri="{FF2B5EF4-FFF2-40B4-BE49-F238E27FC236}">
+                <a16:creationId xmlns:a16="http://schemas.microsoft.com/office/drawing/2014/main" id="{47100501-0A5D-D7DE-0028-875D3FB33CD0}"/>
+              </a:ext>
+            </a:extLst>
+          </p:cNvPr>
+          <p:cNvCxnSpPr>
+            <a:cxnSpLocks/>
+          </p:cNvCxnSpPr>
+          <p:nvPr/>
+        </p:nvCxnSpPr>
+        <p:spPr>
+          <a:xfrm rot="5400000" flipV="1">
+            <a:off x="6137254" y="2625834"/>
+            <a:ext cx="0" cy="208547"/>
+          </a:xfrm>
+          <a:prstGeom prst="line">
+            <a:avLst/>
+          </a:prstGeom>
+          <a:ln w="38100">
+            <a:solidFill>
+              <a:schemeClr val="tx1"/>
+            </a:solidFill>
+          </a:ln>
+        </p:spPr>
+        <p:style>
+          <a:lnRef idx="2">
+            <a:schemeClr val="accent1"/>
+          </a:lnRef>
+          <a:fillRef idx="0">
+            <a:schemeClr val="accent1"/>
+          </a:fillRef>
+          <a:effectRef idx="1">
+            <a:schemeClr val="accent1"/>
+          </a:effectRef>
+          <a:fontRef idx="minor">
+            <a:schemeClr val="tx1"/>
+          </a:fontRef>
+        </p:style>
+      </p:cxnSp>
+      <p:sp>
+        <p:nvSpPr>
+          <p:cNvPr id="18" name="TextBox 17">
+            <a:extLst>
+              <a:ext uri="{FF2B5EF4-FFF2-40B4-BE49-F238E27FC236}">
+                <a16:creationId xmlns:a16="http://schemas.microsoft.com/office/drawing/2014/main" id="{09805BE2-3366-A636-8548-3215F01523F0}"/>
+              </a:ext>
+            </a:extLst>
+          </p:cNvPr>
+          <p:cNvSpPr txBox="1"/>
+          <p:nvPr/>
+        </p:nvSpPr>
+        <p:spPr>
+          <a:xfrm>
+            <a:off x="6032980" y="-733192"/>
+            <a:ext cx="349776" cy="461665"/>
+          </a:xfrm>
+          <a:prstGeom prst="rect">
+            <a:avLst/>
+          </a:prstGeom>
+          <a:noFill/>
+        </p:spPr>
+        <p:txBody>
+          <a:bodyPr wrap="none" rtlCol="0">
+            <a:spAutoFit/>
+          </a:bodyPr>
+          <a:lstStyle/>
+          <a:p>
+            <a:r>
+              <a:rPr lang="en-US" altLang="ko-KR" sz="2400" b="1" dirty="0"/>
+              <a:t>y</a:t>
+            </a:r>
+            <a:endParaRPr lang="ko-KR" altLang="en-US" sz="2400" b="1" dirty="0"/>
+          </a:p>
+        </p:txBody>
+      </p:sp>
+      <p:sp>
+        <p:nvSpPr>
+          <p:cNvPr id="19" name="TextBox 18">
+            <a:extLst>
+              <a:ext uri="{FF2B5EF4-FFF2-40B4-BE49-F238E27FC236}">
+                <a16:creationId xmlns:a16="http://schemas.microsoft.com/office/drawing/2014/main" id="{84BB352B-88D3-E31B-F17F-273B40E1E9CD}"/>
+              </a:ext>
+            </a:extLst>
+          </p:cNvPr>
+          <p:cNvSpPr txBox="1"/>
+          <p:nvPr/>
+        </p:nvSpPr>
+        <p:spPr>
+          <a:xfrm>
+            <a:off x="5622627" y="4219385"/>
+            <a:ext cx="489236" cy="461665"/>
+          </a:xfrm>
+          <a:prstGeom prst="rect">
+            <a:avLst/>
+          </a:prstGeom>
+          <a:noFill/>
+        </p:spPr>
+        <p:txBody>
+          <a:bodyPr wrap="none" rtlCol="0">
+            <a:spAutoFit/>
+          </a:bodyPr>
+          <a:lstStyle/>
+          <a:p>
+            <a:r>
+              <a:rPr lang="en-US" altLang="ko-KR" sz="2400" b="1" dirty="0"/>
+              <a:t>-1</a:t>
+            </a:r>
+            <a:endParaRPr lang="ko-KR" altLang="en-US" sz="2400" b="1" dirty="0"/>
+          </a:p>
+        </p:txBody>
+      </p:sp>
+      <p:sp>
+        <p:nvSpPr>
+          <p:cNvPr id="20" name="TextBox 19">
+            <a:extLst>
+              <a:ext uri="{FF2B5EF4-FFF2-40B4-BE49-F238E27FC236}">
+                <a16:creationId xmlns:a16="http://schemas.microsoft.com/office/drawing/2014/main" id="{20E0A3F9-CF46-2D90-B5BE-E919292C1A82}"/>
+              </a:ext>
+            </a:extLst>
+          </p:cNvPr>
+          <p:cNvSpPr txBox="1"/>
+          <p:nvPr/>
+        </p:nvSpPr>
+        <p:spPr>
+          <a:xfrm>
+            <a:off x="5622627" y="5075896"/>
+            <a:ext cx="489236" cy="461665"/>
+          </a:xfrm>
+          <a:prstGeom prst="rect">
+            <a:avLst/>
+          </a:prstGeom>
+          <a:noFill/>
+        </p:spPr>
+        <p:txBody>
+          <a:bodyPr wrap="none" rtlCol="0">
+            <a:spAutoFit/>
+          </a:bodyPr>
+          <a:lstStyle/>
+          <a:p>
+            <a:r>
+              <a:rPr lang="en-US" altLang="ko-KR" sz="2400" b="1" dirty="0"/>
+              <a:t>-2</a:t>
+            </a:r>
+            <a:endParaRPr lang="ko-KR" altLang="en-US" sz="2400" b="1" dirty="0"/>
+          </a:p>
+        </p:txBody>
+      </p:sp>
+      <p:sp>
+        <p:nvSpPr>
+          <p:cNvPr id="21" name="TextBox 20">
+            <a:extLst>
+              <a:ext uri="{FF2B5EF4-FFF2-40B4-BE49-F238E27FC236}">
+                <a16:creationId xmlns:a16="http://schemas.microsoft.com/office/drawing/2014/main" id="{5C37610C-4B0B-71BE-641D-83C0D2167CA0}"/>
+              </a:ext>
+            </a:extLst>
+          </p:cNvPr>
+          <p:cNvSpPr txBox="1"/>
+          <p:nvPr/>
+        </p:nvSpPr>
+        <p:spPr>
+          <a:xfrm>
+            <a:off x="5622627" y="5932407"/>
+            <a:ext cx="489236" cy="461665"/>
+          </a:xfrm>
+          <a:prstGeom prst="rect">
+            <a:avLst/>
+          </a:prstGeom>
+          <a:noFill/>
+        </p:spPr>
+        <p:txBody>
+          <a:bodyPr wrap="none" rtlCol="0">
+            <a:spAutoFit/>
+          </a:bodyPr>
+          <a:lstStyle/>
+          <a:p>
+            <a:r>
+              <a:rPr lang="en-US" altLang="ko-KR" sz="2400" b="1" dirty="0"/>
+              <a:t>-3</a:t>
+            </a:r>
+            <a:endParaRPr lang="ko-KR" altLang="en-US" sz="2400" b="1" dirty="0"/>
+          </a:p>
+        </p:txBody>
+      </p:sp>
+      <p:sp>
+        <p:nvSpPr>
+          <p:cNvPr id="22" name="TextBox 21">
+            <a:extLst>
+              <a:ext uri="{FF2B5EF4-FFF2-40B4-BE49-F238E27FC236}">
+                <a16:creationId xmlns:a16="http://schemas.microsoft.com/office/drawing/2014/main" id="{66532BF2-B7DE-E25A-014C-77FC889B9873}"/>
+              </a:ext>
+            </a:extLst>
+          </p:cNvPr>
+          <p:cNvSpPr txBox="1"/>
+          <p:nvPr/>
+        </p:nvSpPr>
+        <p:spPr>
+          <a:xfrm>
+            <a:off x="5622627" y="6788918"/>
+            <a:ext cx="489236" cy="461665"/>
+          </a:xfrm>
+          <a:prstGeom prst="rect">
+            <a:avLst/>
+          </a:prstGeom>
+          <a:noFill/>
+        </p:spPr>
+        <p:txBody>
+          <a:bodyPr wrap="none" rtlCol="0">
+            <a:spAutoFit/>
+          </a:bodyPr>
+          <a:lstStyle/>
+          <a:p>
+            <a:r>
+              <a:rPr lang="en-US" altLang="ko-KR" sz="2400" b="1" dirty="0"/>
+              <a:t>-4</a:t>
+            </a:r>
+            <a:endParaRPr lang="ko-KR" altLang="en-US" sz="2400" b="1" dirty="0"/>
+          </a:p>
+        </p:txBody>
+      </p:sp>
+      <p:sp>
+        <p:nvSpPr>
+          <p:cNvPr id="23" name="TextBox 22">
+            <a:extLst>
+              <a:ext uri="{FF2B5EF4-FFF2-40B4-BE49-F238E27FC236}">
+                <a16:creationId xmlns:a16="http://schemas.microsoft.com/office/drawing/2014/main" id="{577CB396-A25F-427B-0506-C6EACEED088B}"/>
+              </a:ext>
+            </a:extLst>
+          </p:cNvPr>
+          <p:cNvSpPr txBox="1"/>
+          <p:nvPr/>
+        </p:nvSpPr>
+        <p:spPr>
+          <a:xfrm>
+            <a:off x="5559309" y="-7360"/>
+            <a:ext cx="362600" cy="461665"/>
+          </a:xfrm>
+          <a:prstGeom prst="rect">
+            <a:avLst/>
+          </a:prstGeom>
+          <a:noFill/>
+        </p:spPr>
+        <p:txBody>
+          <a:bodyPr wrap="none" rtlCol="0">
+            <a:spAutoFit/>
+          </a:bodyPr>
+          <a:lstStyle/>
+          <a:p>
+            <a:r>
+              <a:rPr lang="en-US" altLang="ko-KR" sz="2400" b="1" dirty="0"/>
+              <a:t>4</a:t>
+            </a:r>
+            <a:endParaRPr lang="ko-KR" altLang="en-US" sz="2400" b="1" dirty="0"/>
+          </a:p>
+        </p:txBody>
+      </p:sp>
+      <p:sp>
+        <p:nvSpPr>
+          <p:cNvPr id="24" name="TextBox 23">
+            <a:extLst>
+              <a:ext uri="{FF2B5EF4-FFF2-40B4-BE49-F238E27FC236}">
+                <a16:creationId xmlns:a16="http://schemas.microsoft.com/office/drawing/2014/main" id="{BC69B541-5029-0326-0E55-14D5E06C5AB3}"/>
+              </a:ext>
+            </a:extLst>
+          </p:cNvPr>
+          <p:cNvSpPr txBox="1"/>
+          <p:nvPr/>
+        </p:nvSpPr>
+        <p:spPr>
+          <a:xfrm>
+            <a:off x="5559309" y="849889"/>
+            <a:ext cx="362600" cy="461665"/>
+          </a:xfrm>
+          <a:prstGeom prst="rect">
+            <a:avLst/>
+          </a:prstGeom>
+          <a:noFill/>
+        </p:spPr>
+        <p:txBody>
+          <a:bodyPr wrap="none" rtlCol="0">
+            <a:spAutoFit/>
+          </a:bodyPr>
+          <a:lstStyle/>
+          <a:p>
+            <a:r>
+              <a:rPr lang="en-US" altLang="ko-KR" sz="2400" b="1" dirty="0"/>
+              <a:t>3</a:t>
+            </a:r>
+            <a:endParaRPr lang="ko-KR" altLang="en-US" sz="2400" b="1" dirty="0"/>
+          </a:p>
+        </p:txBody>
+      </p:sp>
+      <p:sp>
+        <p:nvSpPr>
+          <p:cNvPr id="25" name="TextBox 24">
+            <a:extLst>
+              <a:ext uri="{FF2B5EF4-FFF2-40B4-BE49-F238E27FC236}">
+                <a16:creationId xmlns:a16="http://schemas.microsoft.com/office/drawing/2014/main" id="{0B79F636-C647-BD43-0F97-D6607D21B770}"/>
+              </a:ext>
+            </a:extLst>
+          </p:cNvPr>
+          <p:cNvSpPr txBox="1"/>
+          <p:nvPr/>
+        </p:nvSpPr>
+        <p:spPr>
+          <a:xfrm>
+            <a:off x="5559309" y="1706400"/>
+            <a:ext cx="362600" cy="461665"/>
+          </a:xfrm>
+          <a:prstGeom prst="rect">
+            <a:avLst/>
+          </a:prstGeom>
+          <a:noFill/>
+        </p:spPr>
+        <p:txBody>
+          <a:bodyPr wrap="none" rtlCol="0">
+            <a:spAutoFit/>
+          </a:bodyPr>
+          <a:lstStyle/>
+          <a:p>
+            <a:r>
+              <a:rPr lang="en-US" altLang="ko-KR" sz="2400" b="1" dirty="0"/>
+              <a:t>2</a:t>
+            </a:r>
+            <a:endParaRPr lang="ko-KR" altLang="en-US" sz="2400" b="1" dirty="0"/>
+          </a:p>
+        </p:txBody>
+      </p:sp>
+      <p:sp>
+        <p:nvSpPr>
+          <p:cNvPr id="26" name="TextBox 25">
+            <a:extLst>
+              <a:ext uri="{FF2B5EF4-FFF2-40B4-BE49-F238E27FC236}">
+                <a16:creationId xmlns:a16="http://schemas.microsoft.com/office/drawing/2014/main" id="{844B8D5C-FE80-4BED-DB6B-CD6CA3C9A2C0}"/>
+              </a:ext>
+            </a:extLst>
+          </p:cNvPr>
+          <p:cNvSpPr txBox="1"/>
+          <p:nvPr/>
+        </p:nvSpPr>
+        <p:spPr>
+          <a:xfrm>
+            <a:off x="5559309" y="2562911"/>
+            <a:ext cx="362600" cy="461665"/>
+          </a:xfrm>
+          <a:prstGeom prst="rect">
+            <a:avLst/>
+          </a:prstGeom>
+          <a:noFill/>
+        </p:spPr>
+        <p:txBody>
+          <a:bodyPr wrap="none" rtlCol="0">
+            <a:spAutoFit/>
+          </a:bodyPr>
+          <a:lstStyle/>
+          <a:p>
+            <a:r>
+              <a:rPr lang="en-US" altLang="ko-KR" sz="2400" b="1" dirty="0"/>
+              <a:t>1</a:t>
+            </a:r>
+            <a:endParaRPr lang="ko-KR" altLang="en-US" sz="2400" b="1" dirty="0"/>
+          </a:p>
+        </p:txBody>
+      </p:sp>
+      <p:sp>
+        <p:nvSpPr>
+          <p:cNvPr id="31" name="타원 30">
+            <a:extLst>
+              <a:ext uri="{FF2B5EF4-FFF2-40B4-BE49-F238E27FC236}">
+                <a16:creationId xmlns:a16="http://schemas.microsoft.com/office/drawing/2014/main" id="{1976395F-7C7C-8277-866B-65EA38259FE0}"/>
+              </a:ext>
+            </a:extLst>
+          </p:cNvPr>
+          <p:cNvSpPr/>
+          <p:nvPr/>
+        </p:nvSpPr>
+        <p:spPr>
+          <a:xfrm>
+            <a:off x="9538517" y="888328"/>
+            <a:ext cx="231383" cy="231383"/>
+          </a:xfrm>
+          <a:prstGeom prst="ellipse">
+            <a:avLst/>
+          </a:prstGeom>
+          <a:solidFill>
+            <a:schemeClr val="accent2"/>
+          </a:solidFill>
+        </p:spPr>
+        <p:style>
+          <a:lnRef idx="2">
+            <a:schemeClr val="accent1">
+              <a:shade val="15000"/>
+            </a:schemeClr>
+          </a:lnRef>
+          <a:fillRef idx="1">
+            <a:schemeClr val="accent1"/>
+          </a:fillRef>
+          <a:effectRef idx="0">
+            <a:schemeClr val="accent1"/>
+          </a:effectRef>
+          <a:fontRef idx="minor">
+            <a:schemeClr val="lt1"/>
+          </a:fontRef>
+        </p:style>
+        <p:txBody>
+          <a:bodyPr rtlCol="0" anchor="ctr"/>
+          <a:lstStyle/>
+          <a:p>
+            <a:pPr algn="ctr"/>
+            <a:endParaRPr lang="ko-KR" altLang="en-US"/>
+          </a:p>
+        </p:txBody>
+      </p:sp>
+      <p:cxnSp>
+        <p:nvCxnSpPr>
+          <p:cNvPr id="33" name="직선 화살표 연결선 32">
+            <a:extLst>
+              <a:ext uri="{FF2B5EF4-FFF2-40B4-BE49-F238E27FC236}">
+                <a16:creationId xmlns:a16="http://schemas.microsoft.com/office/drawing/2014/main" id="{F29B3BA4-C3C8-D619-5E91-D4F7DF5C25CB}"/>
+              </a:ext>
+            </a:extLst>
+          </p:cNvPr>
+          <p:cNvCxnSpPr>
+            <a:cxnSpLocks/>
+            <a:endCxn id="31" idx="3"/>
+          </p:cNvCxnSpPr>
+          <p:nvPr/>
+        </p:nvCxnSpPr>
+        <p:spPr>
+          <a:xfrm flipV="1">
+            <a:off x="6217018" y="1085826"/>
+            <a:ext cx="3355384" cy="2474068"/>
+          </a:xfrm>
+          <a:prstGeom prst="straightConnector1">
+            <a:avLst/>
+          </a:prstGeom>
+          <a:ln>
+            <a:solidFill>
+              <a:schemeClr val="accent2"/>
+            </a:solidFill>
+            <a:tailEnd type="triangle"/>
+          </a:ln>
+        </p:spPr>
+        <p:style>
+          <a:lnRef idx="2">
+            <a:schemeClr val="accent1"/>
+          </a:lnRef>
+          <a:fillRef idx="0">
+            <a:schemeClr val="accent1"/>
+          </a:fillRef>
+          <a:effectRef idx="1">
+            <a:schemeClr val="accent1"/>
+          </a:effectRef>
+          <a:fontRef idx="minor">
+            <a:schemeClr val="tx1"/>
+          </a:fontRef>
+        </p:style>
+      </p:cxnSp>
+      <p:cxnSp>
+        <p:nvCxnSpPr>
+          <p:cNvPr id="36" name="직선 연결선 35">
+            <a:extLst>
+              <a:ext uri="{FF2B5EF4-FFF2-40B4-BE49-F238E27FC236}">
+                <a16:creationId xmlns:a16="http://schemas.microsoft.com/office/drawing/2014/main" id="{E8943CEA-1C33-4A03-0454-D841CD01C3A1}"/>
+              </a:ext>
+            </a:extLst>
+          </p:cNvPr>
+          <p:cNvCxnSpPr>
+            <a:cxnSpLocks/>
+            <a:endCxn id="31" idx="2"/>
+          </p:cNvCxnSpPr>
+          <p:nvPr/>
+        </p:nvCxnSpPr>
+        <p:spPr>
+          <a:xfrm>
+            <a:off x="6286500" y="1004019"/>
+            <a:ext cx="3252017" cy="1"/>
+          </a:xfrm>
+          <a:prstGeom prst="line">
+            <a:avLst/>
+          </a:prstGeom>
+          <a:ln w="12700">
+            <a:prstDash val="sysDot"/>
+          </a:ln>
+        </p:spPr>
+        <p:style>
+          <a:lnRef idx="2">
+            <a:schemeClr val="accent1"/>
+          </a:lnRef>
+          <a:fillRef idx="0">
+            <a:schemeClr val="accent1"/>
+          </a:fillRef>
+          <a:effectRef idx="1">
+            <a:schemeClr val="accent1"/>
+          </a:effectRef>
+          <a:fontRef idx="minor">
+            <a:schemeClr val="tx1"/>
+          </a:fontRef>
+        </p:style>
+      </p:cxnSp>
+      <p:cxnSp>
+        <p:nvCxnSpPr>
+          <p:cNvPr id="38" name="직선 연결선 37">
+            <a:extLst>
+              <a:ext uri="{FF2B5EF4-FFF2-40B4-BE49-F238E27FC236}">
+                <a16:creationId xmlns:a16="http://schemas.microsoft.com/office/drawing/2014/main" id="{82748E3A-8377-530C-6494-132CD7FD784D}"/>
+              </a:ext>
+            </a:extLst>
+          </p:cNvPr>
+          <p:cNvCxnSpPr>
+            <a:cxnSpLocks/>
+            <a:endCxn id="31" idx="4"/>
+          </p:cNvCxnSpPr>
+          <p:nvPr/>
+        </p:nvCxnSpPr>
+        <p:spPr>
+          <a:xfrm flipV="1">
+            <a:off x="9654209" y="1119711"/>
+            <a:ext cx="0" cy="2440183"/>
+          </a:xfrm>
+          <a:prstGeom prst="line">
+            <a:avLst/>
+          </a:prstGeom>
+          <a:ln w="12700">
+            <a:prstDash val="sysDot"/>
+          </a:ln>
+        </p:spPr>
+        <p:style>
+          <a:lnRef idx="2">
+            <a:schemeClr val="accent1"/>
+          </a:lnRef>
+          <a:fillRef idx="0">
+            <a:schemeClr val="accent1"/>
+          </a:fillRef>
+          <a:effectRef idx="1">
+            <a:schemeClr val="accent1"/>
+          </a:effectRef>
+          <a:fontRef idx="minor">
+            <a:schemeClr val="tx1"/>
+          </a:fontRef>
+        </p:style>
+      </p:cxnSp>
+      <p:sp>
+        <p:nvSpPr>
+          <p:cNvPr id="39" name="TextBox 38">
+            <a:extLst>
+              <a:ext uri="{FF2B5EF4-FFF2-40B4-BE49-F238E27FC236}">
+                <a16:creationId xmlns:a16="http://schemas.microsoft.com/office/drawing/2014/main" id="{37A720F6-5281-A2A4-1818-41D506B2CB4D}"/>
+              </a:ext>
+            </a:extLst>
+          </p:cNvPr>
+          <p:cNvSpPr txBox="1"/>
+          <p:nvPr/>
+        </p:nvSpPr>
+        <p:spPr>
+          <a:xfrm>
+            <a:off x="6425393" y="1350897"/>
+            <a:ext cx="760144" cy="369332"/>
+          </a:xfrm>
+          <a:prstGeom prst="rect">
+            <a:avLst/>
+          </a:prstGeom>
+          <a:noFill/>
+        </p:spPr>
+        <p:txBody>
+          <a:bodyPr wrap="none" rtlCol="0">
+            <a:spAutoFit/>
+          </a:bodyPr>
+          <a:lstStyle/>
+          <a:p>
+            <a:r>
+              <a:rPr lang="en-US" altLang="ko-KR" b="1" dirty="0">
+                <a:solidFill>
+                  <a:schemeClr val="accent6">
+                    <a:lumMod val="60000"/>
+                    <a:lumOff val="40000"/>
+                  </a:schemeClr>
+                </a:solidFill>
+              </a:rPr>
+              <a:t>(1, 2)</a:t>
+            </a:r>
+            <a:endParaRPr lang="ko-KR" altLang="en-US" b="1" dirty="0">
+              <a:solidFill>
+                <a:schemeClr val="accent6">
+                  <a:lumMod val="60000"/>
+                  <a:lumOff val="40000"/>
+                </a:schemeClr>
+              </a:solidFill>
+            </a:endParaRPr>
+          </a:p>
+        </p:txBody>
+      </p:sp>
+      <p:sp>
+        <p:nvSpPr>
+          <p:cNvPr id="32" name="타원 31">
+            <a:extLst>
+              <a:ext uri="{FF2B5EF4-FFF2-40B4-BE49-F238E27FC236}">
+                <a16:creationId xmlns:a16="http://schemas.microsoft.com/office/drawing/2014/main" id="{A551E75C-7DC9-0F41-B9F0-C3670988152A}"/>
+              </a:ext>
+            </a:extLst>
+          </p:cNvPr>
+          <p:cNvSpPr/>
+          <p:nvPr/>
+        </p:nvSpPr>
+        <p:spPr>
+          <a:xfrm>
+            <a:off x="6955401" y="1763515"/>
+            <a:ext cx="231383" cy="231383"/>
+          </a:xfrm>
+          <a:prstGeom prst="ellipse">
+            <a:avLst/>
+          </a:prstGeom>
+          <a:solidFill>
+            <a:schemeClr val="accent6">
+              <a:lumMod val="60000"/>
+              <a:lumOff val="40000"/>
+            </a:schemeClr>
+          </a:solidFill>
+        </p:spPr>
+        <p:style>
+          <a:lnRef idx="2">
+            <a:schemeClr val="accent1">
+              <a:shade val="15000"/>
+            </a:schemeClr>
+          </a:lnRef>
+          <a:fillRef idx="1">
+            <a:schemeClr val="accent1"/>
+          </a:fillRef>
+          <a:effectRef idx="0">
+            <a:schemeClr val="accent1"/>
+          </a:effectRef>
+          <a:fontRef idx="minor">
+            <a:schemeClr val="lt1"/>
+          </a:fontRef>
+        </p:style>
+        <p:txBody>
+          <a:bodyPr rtlCol="0" anchor="ctr"/>
+          <a:lstStyle/>
+          <a:p>
+            <a:pPr algn="ctr"/>
+            <a:endParaRPr lang="ko-KR" altLang="en-US"/>
+          </a:p>
+        </p:txBody>
+      </p:sp>
+      <p:sp>
+        <p:nvSpPr>
+          <p:cNvPr id="34" name="타원 33">
+            <a:extLst>
+              <a:ext uri="{FF2B5EF4-FFF2-40B4-BE49-F238E27FC236}">
+                <a16:creationId xmlns:a16="http://schemas.microsoft.com/office/drawing/2014/main" id="{9AA89311-21A8-D568-DB18-22390B36A068}"/>
+              </a:ext>
+            </a:extLst>
+          </p:cNvPr>
+          <p:cNvSpPr/>
+          <p:nvPr/>
+        </p:nvSpPr>
+        <p:spPr>
+          <a:xfrm>
+            <a:off x="8679214" y="2614415"/>
+            <a:ext cx="231383" cy="231383"/>
+          </a:xfrm>
+          <a:prstGeom prst="ellipse">
+            <a:avLst/>
+          </a:prstGeom>
+          <a:solidFill>
+            <a:schemeClr val="accent4">
+              <a:lumMod val="60000"/>
+              <a:lumOff val="40000"/>
+            </a:schemeClr>
+          </a:solidFill>
+        </p:spPr>
+        <p:style>
+          <a:lnRef idx="2">
+            <a:schemeClr val="accent1">
+              <a:shade val="15000"/>
+            </a:schemeClr>
+          </a:lnRef>
+          <a:fillRef idx="1">
+            <a:schemeClr val="accent1"/>
+          </a:fillRef>
+          <a:effectRef idx="0">
+            <a:schemeClr val="accent1"/>
+          </a:effectRef>
+          <a:fontRef idx="minor">
+            <a:schemeClr val="lt1"/>
+          </a:fontRef>
+        </p:style>
+        <p:txBody>
+          <a:bodyPr rtlCol="0" anchor="ctr"/>
+          <a:lstStyle/>
+          <a:p>
+            <a:pPr algn="ctr"/>
+            <a:endParaRPr lang="ko-KR" altLang="en-US"/>
+          </a:p>
+        </p:txBody>
+      </p:sp>
+      <p:cxnSp>
+        <p:nvCxnSpPr>
+          <p:cNvPr id="37" name="직선 화살표 연결선 36">
+            <a:extLst>
+              <a:ext uri="{FF2B5EF4-FFF2-40B4-BE49-F238E27FC236}">
+                <a16:creationId xmlns:a16="http://schemas.microsoft.com/office/drawing/2014/main" id="{8AF48354-B8A4-5A0F-1286-3D198FEA3022}"/>
+              </a:ext>
+            </a:extLst>
+          </p:cNvPr>
+          <p:cNvCxnSpPr>
+            <a:cxnSpLocks/>
+            <a:endCxn id="34" idx="3"/>
+          </p:cNvCxnSpPr>
+          <p:nvPr/>
+        </p:nvCxnSpPr>
+        <p:spPr>
+          <a:xfrm flipV="1">
+            <a:off x="6241527" y="2811913"/>
+            <a:ext cx="2471572" cy="747981"/>
+          </a:xfrm>
+          <a:prstGeom prst="straightConnector1">
+            <a:avLst/>
+          </a:prstGeom>
+          <a:ln>
+            <a:solidFill>
+              <a:schemeClr val="accent4">
+                <a:lumMod val="60000"/>
+                <a:lumOff val="40000"/>
+              </a:schemeClr>
+            </a:solidFill>
+            <a:tailEnd type="triangle"/>
+          </a:ln>
+        </p:spPr>
+        <p:style>
+          <a:lnRef idx="2">
+            <a:schemeClr val="accent1"/>
+          </a:lnRef>
+          <a:fillRef idx="0">
+            <a:schemeClr val="accent1"/>
+          </a:fillRef>
+          <a:effectRef idx="1">
+            <a:schemeClr val="accent1"/>
+          </a:effectRef>
+          <a:fontRef idx="minor">
+            <a:schemeClr val="tx1"/>
+          </a:fontRef>
+        </p:style>
+      </p:cxnSp>
+      <p:cxnSp>
+        <p:nvCxnSpPr>
+          <p:cNvPr id="42" name="직선 화살표 연결선 41">
+            <a:extLst>
+              <a:ext uri="{FF2B5EF4-FFF2-40B4-BE49-F238E27FC236}">
+                <a16:creationId xmlns:a16="http://schemas.microsoft.com/office/drawing/2014/main" id="{DF9BB485-A98B-C266-FE9F-886A05BB0C95}"/>
+              </a:ext>
+            </a:extLst>
+          </p:cNvPr>
+          <p:cNvCxnSpPr>
+            <a:cxnSpLocks/>
+            <a:endCxn id="32" idx="3"/>
+          </p:cNvCxnSpPr>
+          <p:nvPr/>
+        </p:nvCxnSpPr>
+        <p:spPr>
+          <a:xfrm flipV="1">
+            <a:off x="6224585" y="1961013"/>
+            <a:ext cx="764701" cy="1623168"/>
+          </a:xfrm>
+          <a:prstGeom prst="straightConnector1">
+            <a:avLst/>
+          </a:prstGeom>
+          <a:ln>
+            <a:solidFill>
+              <a:schemeClr val="accent6">
+                <a:lumMod val="60000"/>
+                <a:lumOff val="40000"/>
+              </a:schemeClr>
+            </a:solidFill>
+            <a:tailEnd type="triangle"/>
+          </a:ln>
+        </p:spPr>
+        <p:style>
+          <a:lnRef idx="2">
+            <a:schemeClr val="accent1"/>
+          </a:lnRef>
+          <a:fillRef idx="0">
+            <a:schemeClr val="accent1"/>
+          </a:fillRef>
+          <a:effectRef idx="1">
+            <a:schemeClr val="accent1"/>
+          </a:effectRef>
+          <a:fontRef idx="minor">
+            <a:schemeClr val="tx1"/>
+          </a:fontRef>
+        </p:style>
+      </p:cxnSp>
+      <p:cxnSp>
+        <p:nvCxnSpPr>
+          <p:cNvPr id="45" name="직선 연결선 44">
+            <a:extLst>
+              <a:ext uri="{FF2B5EF4-FFF2-40B4-BE49-F238E27FC236}">
+                <a16:creationId xmlns:a16="http://schemas.microsoft.com/office/drawing/2014/main" id="{8058119D-9BA9-F666-EBB5-AB9769D7B8F8}"/>
+              </a:ext>
+            </a:extLst>
+          </p:cNvPr>
+          <p:cNvCxnSpPr>
+            <a:cxnSpLocks/>
+            <a:stCxn id="32" idx="7"/>
+            <a:endCxn id="31" idx="2"/>
+          </p:cNvCxnSpPr>
+          <p:nvPr/>
+        </p:nvCxnSpPr>
+        <p:spPr>
+          <a:xfrm flipV="1">
+            <a:off x="7152899" y="1004020"/>
+            <a:ext cx="2385618" cy="793380"/>
+          </a:xfrm>
+          <a:prstGeom prst="line">
+            <a:avLst/>
+          </a:prstGeom>
+          <a:ln w="38100">
+            <a:solidFill>
+              <a:schemeClr val="accent4">
+                <a:lumMod val="60000"/>
+                <a:lumOff val="40000"/>
+              </a:schemeClr>
+            </a:solidFill>
+            <a:prstDash val="sysDash"/>
+          </a:ln>
+        </p:spPr>
+        <p:style>
+          <a:lnRef idx="2">
+            <a:schemeClr val="accent1"/>
+          </a:lnRef>
+          <a:fillRef idx="0">
+            <a:schemeClr val="accent1"/>
+          </a:fillRef>
+          <a:effectRef idx="1">
+            <a:schemeClr val="accent1"/>
+          </a:effectRef>
+          <a:fontRef idx="minor">
+            <a:schemeClr val="tx1"/>
+          </a:fontRef>
+        </p:style>
+      </p:cxnSp>
+      <p:cxnSp>
+        <p:nvCxnSpPr>
+          <p:cNvPr id="48" name="직선 연결선 47">
+            <a:extLst>
+              <a:ext uri="{FF2B5EF4-FFF2-40B4-BE49-F238E27FC236}">
+                <a16:creationId xmlns:a16="http://schemas.microsoft.com/office/drawing/2014/main" id="{AFC42C95-FDE1-AA97-4083-2BDA4F098A42}"/>
+              </a:ext>
+            </a:extLst>
+          </p:cNvPr>
+          <p:cNvCxnSpPr>
+            <a:cxnSpLocks/>
+            <a:stCxn id="34" idx="7"/>
+            <a:endCxn id="31" idx="4"/>
+          </p:cNvCxnSpPr>
+          <p:nvPr/>
+        </p:nvCxnSpPr>
+        <p:spPr>
+          <a:xfrm flipV="1">
+            <a:off x="8876712" y="1119711"/>
+            <a:ext cx="777497" cy="1528589"/>
+          </a:xfrm>
+          <a:prstGeom prst="line">
+            <a:avLst/>
+          </a:prstGeom>
+          <a:ln w="38100">
+            <a:solidFill>
+              <a:schemeClr val="accent6">
+                <a:lumMod val="60000"/>
+                <a:lumOff val="40000"/>
+              </a:schemeClr>
+            </a:solidFill>
+            <a:prstDash val="sysDash"/>
+          </a:ln>
+        </p:spPr>
+        <p:style>
+          <a:lnRef idx="2">
+            <a:schemeClr val="accent1"/>
+          </a:lnRef>
+          <a:fillRef idx="0">
+            <a:schemeClr val="accent1"/>
+          </a:fillRef>
+          <a:effectRef idx="1">
+            <a:schemeClr val="accent1"/>
+          </a:effectRef>
+          <a:fontRef idx="minor">
+            <a:schemeClr val="tx1"/>
+          </a:fontRef>
+        </p:style>
+      </p:cxnSp>
+      <p:sp>
+        <p:nvSpPr>
+          <p:cNvPr id="51" name="TextBox 50">
+            <a:extLst>
+              <a:ext uri="{FF2B5EF4-FFF2-40B4-BE49-F238E27FC236}">
+                <a16:creationId xmlns:a16="http://schemas.microsoft.com/office/drawing/2014/main" id="{ACCF247C-64F4-4BD7-70F9-6E79592DEF16}"/>
+              </a:ext>
+            </a:extLst>
+          </p:cNvPr>
+          <p:cNvSpPr txBox="1"/>
+          <p:nvPr/>
+        </p:nvSpPr>
+        <p:spPr>
+          <a:xfrm>
+            <a:off x="8846629" y="2890354"/>
+            <a:ext cx="760144" cy="369332"/>
+          </a:xfrm>
+          <a:prstGeom prst="rect">
+            <a:avLst/>
+          </a:prstGeom>
+          <a:noFill/>
+        </p:spPr>
+        <p:txBody>
+          <a:bodyPr wrap="none" rtlCol="0">
+            <a:spAutoFit/>
+          </a:bodyPr>
+          <a:lstStyle/>
+          <a:p>
+            <a:r>
+              <a:rPr lang="en-US" altLang="ko-KR" b="1" dirty="0">
+                <a:solidFill>
+                  <a:schemeClr val="accent4">
+                    <a:lumMod val="60000"/>
+                    <a:lumOff val="40000"/>
+                  </a:schemeClr>
+                </a:solidFill>
+              </a:rPr>
+              <a:t>(3, 1)</a:t>
+            </a:r>
+            <a:endParaRPr lang="ko-KR" altLang="en-US" b="1" dirty="0">
+              <a:solidFill>
+                <a:schemeClr val="accent4">
+                  <a:lumMod val="60000"/>
+                  <a:lumOff val="40000"/>
+                </a:schemeClr>
+              </a:solidFill>
+            </a:endParaRPr>
+          </a:p>
+        </p:txBody>
+      </p:sp>
+      <p:sp>
+        <p:nvSpPr>
+          <p:cNvPr id="52" name="TextBox 51">
+            <a:extLst>
+              <a:ext uri="{FF2B5EF4-FFF2-40B4-BE49-F238E27FC236}">
+                <a16:creationId xmlns:a16="http://schemas.microsoft.com/office/drawing/2014/main" id="{6271516F-C2B1-7003-76EA-AA73CDA2B1FD}"/>
+              </a:ext>
+            </a:extLst>
+          </p:cNvPr>
+          <p:cNvSpPr txBox="1"/>
+          <p:nvPr/>
+        </p:nvSpPr>
+        <p:spPr>
+          <a:xfrm>
+            <a:off x="8006103" y="436474"/>
+            <a:ext cx="2571538" cy="369332"/>
+          </a:xfrm>
+          <a:prstGeom prst="rect">
+            <a:avLst/>
+          </a:prstGeom>
+          <a:noFill/>
+        </p:spPr>
+        <p:txBody>
+          <a:bodyPr wrap="none" rtlCol="0">
+            <a:spAutoFit/>
+          </a:bodyPr>
+          <a:lstStyle/>
+          <a:p>
+            <a:r>
+              <a:rPr lang="en-US" altLang="ko-KR" b="1" dirty="0">
+                <a:solidFill>
+                  <a:schemeClr val="accent6">
+                    <a:lumMod val="60000"/>
+                    <a:lumOff val="40000"/>
+                  </a:schemeClr>
+                </a:solidFill>
+              </a:rPr>
+              <a:t>(1, 2) </a:t>
+            </a:r>
+            <a:r>
+              <a:rPr lang="en-US" altLang="ko-KR" b="1" dirty="0"/>
+              <a:t>+</a:t>
+            </a:r>
+            <a:r>
+              <a:rPr lang="en-US" altLang="ko-KR" b="1" dirty="0">
+                <a:solidFill>
+                  <a:schemeClr val="accent6">
+                    <a:lumMod val="60000"/>
+                    <a:lumOff val="40000"/>
+                  </a:schemeClr>
+                </a:solidFill>
+              </a:rPr>
+              <a:t> </a:t>
+            </a:r>
+            <a:r>
+              <a:rPr lang="en-US" altLang="ko-KR" b="1" dirty="0">
+                <a:solidFill>
+                  <a:schemeClr val="accent4">
+                    <a:lumMod val="60000"/>
+                    <a:lumOff val="40000"/>
+                  </a:schemeClr>
+                </a:solidFill>
+              </a:rPr>
+              <a:t>(3, 1)</a:t>
+            </a:r>
+            <a:r>
+              <a:rPr lang="en-US" altLang="ko-KR" b="1" dirty="0">
+                <a:solidFill>
+                  <a:schemeClr val="accent6">
+                    <a:lumMod val="60000"/>
+                    <a:lumOff val="40000"/>
+                  </a:schemeClr>
+                </a:solidFill>
+              </a:rPr>
+              <a:t> </a:t>
+            </a:r>
+            <a:r>
+              <a:rPr lang="en-US" altLang="ko-KR" b="1" dirty="0"/>
+              <a:t>=</a:t>
+            </a:r>
+            <a:r>
+              <a:rPr lang="en-US" altLang="ko-KR" b="1" dirty="0">
+                <a:solidFill>
+                  <a:schemeClr val="accent6">
+                    <a:lumMod val="60000"/>
+                    <a:lumOff val="40000"/>
+                  </a:schemeClr>
+                </a:solidFill>
+              </a:rPr>
+              <a:t> </a:t>
+            </a:r>
+            <a:r>
+              <a:rPr lang="en-US" altLang="ko-KR" b="1" dirty="0">
+                <a:solidFill>
+                  <a:schemeClr val="accent2"/>
+                </a:solidFill>
+              </a:rPr>
+              <a:t>(4, 3)</a:t>
+            </a:r>
+            <a:endParaRPr lang="ko-KR" altLang="en-US" b="1" dirty="0">
+              <a:solidFill>
+                <a:schemeClr val="accent2"/>
+              </a:solidFill>
+            </a:endParaRPr>
+          </a:p>
+        </p:txBody>
+      </p:sp>
+      <p:cxnSp>
+        <p:nvCxnSpPr>
+          <p:cNvPr id="53" name="직선 연결선 52">
+            <a:extLst>
+              <a:ext uri="{FF2B5EF4-FFF2-40B4-BE49-F238E27FC236}">
+                <a16:creationId xmlns:a16="http://schemas.microsoft.com/office/drawing/2014/main" id="{D6303FFE-AF35-FB10-12FE-E4BF2F786110}"/>
+              </a:ext>
+            </a:extLst>
+          </p:cNvPr>
+          <p:cNvCxnSpPr>
+            <a:cxnSpLocks/>
+            <a:endCxn id="34" idx="4"/>
+          </p:cNvCxnSpPr>
+          <p:nvPr/>
+        </p:nvCxnSpPr>
+        <p:spPr>
+          <a:xfrm flipV="1">
+            <a:off x="8772893" y="2845798"/>
+            <a:ext cx="22013" cy="738383"/>
+          </a:xfrm>
+          <a:prstGeom prst="line">
+            <a:avLst/>
+          </a:prstGeom>
+          <a:ln w="12700">
+            <a:prstDash val="sysDot"/>
+          </a:ln>
+        </p:spPr>
+        <p:style>
+          <a:lnRef idx="2">
+            <a:schemeClr val="accent1"/>
+          </a:lnRef>
+          <a:fillRef idx="0">
+            <a:schemeClr val="accent1"/>
+          </a:fillRef>
+          <a:effectRef idx="1">
+            <a:schemeClr val="accent1"/>
+          </a:effectRef>
+          <a:fontRef idx="minor">
+            <a:schemeClr val="tx1"/>
+          </a:fontRef>
+        </p:style>
+      </p:cxnSp>
+      <p:cxnSp>
+        <p:nvCxnSpPr>
+          <p:cNvPr id="56" name="직선 연결선 55">
+            <a:extLst>
+              <a:ext uri="{FF2B5EF4-FFF2-40B4-BE49-F238E27FC236}">
+                <a16:creationId xmlns:a16="http://schemas.microsoft.com/office/drawing/2014/main" id="{C88191EE-3E18-E1A6-96A4-2FF3FA81BEA3}"/>
+              </a:ext>
+            </a:extLst>
+          </p:cNvPr>
+          <p:cNvCxnSpPr>
+            <a:cxnSpLocks/>
+            <a:endCxn id="32" idx="4"/>
+          </p:cNvCxnSpPr>
+          <p:nvPr/>
+        </p:nvCxnSpPr>
+        <p:spPr>
+          <a:xfrm flipV="1">
+            <a:off x="7048893" y="1994898"/>
+            <a:ext cx="22200" cy="1564996"/>
+          </a:xfrm>
+          <a:prstGeom prst="line">
+            <a:avLst/>
+          </a:prstGeom>
+          <a:ln w="12700">
+            <a:prstDash val="sysDot"/>
+          </a:ln>
+        </p:spPr>
+        <p:style>
+          <a:lnRef idx="2">
+            <a:schemeClr val="accent1"/>
+          </a:lnRef>
+          <a:fillRef idx="0">
+            <a:schemeClr val="accent1"/>
+          </a:fillRef>
+          <a:effectRef idx="1">
+            <a:schemeClr val="accent1"/>
+          </a:effectRef>
+          <a:fontRef idx="minor">
+            <a:schemeClr val="tx1"/>
+          </a:fontRef>
+        </p:style>
+      </p:cxnSp>
+      <p:cxnSp>
+        <p:nvCxnSpPr>
+          <p:cNvPr id="59" name="직선 연결선 58">
+            <a:extLst>
+              <a:ext uri="{FF2B5EF4-FFF2-40B4-BE49-F238E27FC236}">
+                <a16:creationId xmlns:a16="http://schemas.microsoft.com/office/drawing/2014/main" id="{1EEC9C1B-7B83-B71B-18D1-964D81C32DA9}"/>
+              </a:ext>
+            </a:extLst>
+          </p:cNvPr>
+          <p:cNvCxnSpPr>
+            <a:cxnSpLocks/>
+            <a:endCxn id="34" idx="2"/>
+          </p:cNvCxnSpPr>
+          <p:nvPr/>
+        </p:nvCxnSpPr>
+        <p:spPr>
+          <a:xfrm flipV="1">
+            <a:off x="6253074" y="2730107"/>
+            <a:ext cx="2426140" cy="42490"/>
+          </a:xfrm>
+          <a:prstGeom prst="line">
+            <a:avLst/>
+          </a:prstGeom>
+          <a:ln w="12700">
+            <a:prstDash val="sysDot"/>
+          </a:ln>
+        </p:spPr>
+        <p:style>
+          <a:lnRef idx="2">
+            <a:schemeClr val="accent1"/>
+          </a:lnRef>
+          <a:fillRef idx="0">
+            <a:schemeClr val="accent1"/>
+          </a:fillRef>
+          <a:effectRef idx="1">
+            <a:schemeClr val="accent1"/>
+          </a:effectRef>
+          <a:fontRef idx="minor">
+            <a:schemeClr val="tx1"/>
+          </a:fontRef>
+        </p:style>
+      </p:cxnSp>
+      <p:cxnSp>
+        <p:nvCxnSpPr>
+          <p:cNvPr id="62" name="직선 연결선 61">
+            <a:extLst>
+              <a:ext uri="{FF2B5EF4-FFF2-40B4-BE49-F238E27FC236}">
+                <a16:creationId xmlns:a16="http://schemas.microsoft.com/office/drawing/2014/main" id="{263DB487-80BA-ADBF-D3CD-F52ED6EE113D}"/>
+              </a:ext>
+            </a:extLst>
+          </p:cNvPr>
+          <p:cNvCxnSpPr>
+            <a:cxnSpLocks/>
+            <a:endCxn id="32" idx="2"/>
+          </p:cNvCxnSpPr>
+          <p:nvPr/>
+        </p:nvCxnSpPr>
+        <p:spPr>
+          <a:xfrm>
+            <a:off x="6253074" y="1879207"/>
+            <a:ext cx="702327" cy="0"/>
+          </a:xfrm>
+          <a:prstGeom prst="line">
+            <a:avLst/>
+          </a:prstGeom>
+          <a:ln w="12700">
+            <a:prstDash val="sysDot"/>
+          </a:ln>
+        </p:spPr>
+        <p:style>
+          <a:lnRef idx="2">
+            <a:schemeClr val="accent1"/>
+          </a:lnRef>
+          <a:fillRef idx="0">
+            <a:schemeClr val="accent1"/>
+          </a:fillRef>
+          <a:effectRef idx="1">
+            <a:schemeClr val="accent1"/>
+          </a:effectRef>
+          <a:fontRef idx="minor">
+            <a:schemeClr val="tx1"/>
+          </a:fontRef>
+        </p:style>
+      </p:cxnSp>
+    </p:spTree>
+    <p:extLst>
+      <p:ext uri="{BB962C8B-B14F-4D97-AF65-F5344CB8AC3E}">
+        <p14:creationId xmlns:p14="http://schemas.microsoft.com/office/powerpoint/2010/main" val="3362786764"/>
+      </p:ext>
+    </p:extLst>
+  </p:cSld>
+  <p:clrMapOvr>
+    <a:masterClrMapping/>
+  </p:clrMapOvr>
+</p:sld>
+</file>
+
+<file path=ppt/slides/slide37.xml><?xml version="1.0" encoding="utf-8"?>
+<p:sld xmlns:a="http://schemas.openxmlformats.org/drawingml/2006/main" xmlns:r="http://schemas.openxmlformats.org/officeDocument/2006/relationships" xmlns:p="http://schemas.openxmlformats.org/presentationml/2006/main">
+  <p:cSld>
+    <p:spTree>
+      <p:nvGrpSpPr>
+        <p:cNvPr id="1" name="">
+          <a:extLst>
+            <a:ext uri="{FF2B5EF4-FFF2-40B4-BE49-F238E27FC236}">
+              <a16:creationId xmlns:a16="http://schemas.microsoft.com/office/drawing/2014/main" id="{0ED60D45-B9BE-EE49-0A59-B8219A3F7709}"/>
+            </a:ext>
+          </a:extLst>
+        </p:cNvPr>
+        <p:cNvGrpSpPr/>
+        <p:nvPr/>
+      </p:nvGrpSpPr>
+      <p:grpSpPr>
+        <a:xfrm>
+          <a:off x="0" y="0"/>
+          <a:ext cx="0" cy="0"/>
+          <a:chOff x="0" y="0"/>
+          <a:chExt cx="0" cy="0"/>
+        </a:xfrm>
+      </p:grpSpPr>
+      <p:sp>
+        <p:nvSpPr>
+          <p:cNvPr id="154" name="직사각형 153">
+            <a:extLst>
+              <a:ext uri="{FF2B5EF4-FFF2-40B4-BE49-F238E27FC236}">
+                <a16:creationId xmlns:a16="http://schemas.microsoft.com/office/drawing/2014/main" id="{002B269B-9A8A-989C-5234-5B27A4B0E65C}"/>
+              </a:ext>
+            </a:extLst>
+          </p:cNvPr>
+          <p:cNvSpPr/>
+          <p:nvPr/>
+        </p:nvSpPr>
+        <p:spPr>
+          <a:xfrm>
+            <a:off x="1885950" y="-882315"/>
+            <a:ext cx="8801100" cy="9015660"/>
+          </a:xfrm>
+          <a:prstGeom prst="rect">
+            <a:avLst/>
+          </a:prstGeom>
+          <a:solidFill>
+            <a:schemeClr val="bg1"/>
+          </a:solidFill>
+          <a:ln>
+            <a:noFill/>
+          </a:ln>
+        </p:spPr>
+        <p:style>
+          <a:lnRef idx="2">
+            <a:schemeClr val="accent1">
+              <a:shade val="15000"/>
+            </a:schemeClr>
+          </a:lnRef>
+          <a:fillRef idx="1">
+            <a:schemeClr val="accent1"/>
+          </a:fillRef>
+          <a:effectRef idx="0">
+            <a:schemeClr val="accent1"/>
+          </a:effectRef>
+          <a:fontRef idx="minor">
+            <a:schemeClr val="lt1"/>
+          </a:fontRef>
+        </p:style>
+        <p:txBody>
+          <a:bodyPr rtlCol="0" anchor="ctr"/>
+          <a:lstStyle/>
+          <a:p>
+            <a:pPr algn="ctr"/>
+            <a:endParaRPr lang="ko-KR" altLang="en-US"/>
+          </a:p>
+        </p:txBody>
+      </p:sp>
+      <p:grpSp>
+        <p:nvGrpSpPr>
+          <p:cNvPr id="87" name="그룹 86">
+            <a:extLst>
+              <a:ext uri="{FF2B5EF4-FFF2-40B4-BE49-F238E27FC236}">
+                <a16:creationId xmlns:a16="http://schemas.microsoft.com/office/drawing/2014/main" id="{3C7E9630-318E-A69C-C93D-327A5D3BF671}"/>
+              </a:ext>
+            </a:extLst>
+          </p:cNvPr>
+          <p:cNvGrpSpPr/>
+          <p:nvPr/>
+        </p:nvGrpSpPr>
+        <p:grpSpPr>
+          <a:xfrm>
+            <a:off x="2366913" y="3584182"/>
+            <a:ext cx="7700210" cy="0"/>
+            <a:chOff x="2374232" y="3441032"/>
+            <a:chExt cx="7700210" cy="0"/>
+          </a:xfrm>
+        </p:grpSpPr>
+        <p:cxnSp>
+          <p:nvCxnSpPr>
+            <p:cNvPr id="9" name="직선 화살표 연결선 8">
+              <a:extLst>
+                <a:ext uri="{FF2B5EF4-FFF2-40B4-BE49-F238E27FC236}">
+                  <a16:creationId xmlns:a16="http://schemas.microsoft.com/office/drawing/2014/main" id="{8110BB14-E86A-2553-A500-8F2C42A726B2}"/>
+                </a:ext>
+              </a:extLst>
+            </p:cNvPr>
+            <p:cNvCxnSpPr/>
+            <p:nvPr/>
+          </p:nvCxnSpPr>
+          <p:spPr>
+            <a:xfrm>
+              <a:off x="6224337" y="3441032"/>
+              <a:ext cx="3850105" cy="0"/>
+            </a:xfrm>
+            <a:prstGeom prst="straightConnector1">
+              <a:avLst/>
+            </a:prstGeom>
+            <a:ln w="38100">
+              <a:solidFill>
+                <a:schemeClr val="tx1"/>
+              </a:solidFill>
+              <a:tailEnd type="triangle"/>
+            </a:ln>
+          </p:spPr>
+          <p:style>
+            <a:lnRef idx="2">
+              <a:schemeClr val="accent1"/>
+            </a:lnRef>
+            <a:fillRef idx="0">
+              <a:schemeClr val="accent1"/>
+            </a:fillRef>
+            <a:effectRef idx="1">
+              <a:schemeClr val="accent1"/>
+            </a:effectRef>
+            <a:fontRef idx="minor">
+              <a:schemeClr val="tx1"/>
+            </a:fontRef>
+          </p:style>
+        </p:cxnSp>
+        <p:cxnSp>
+          <p:nvCxnSpPr>
+            <p:cNvPr id="86" name="직선 화살표 연결선 85">
+              <a:extLst>
+                <a:ext uri="{FF2B5EF4-FFF2-40B4-BE49-F238E27FC236}">
+                  <a16:creationId xmlns:a16="http://schemas.microsoft.com/office/drawing/2014/main" id="{435F03CE-632A-F5C1-CAF5-5D2055D89AB4}"/>
+                </a:ext>
+              </a:extLst>
+            </p:cNvPr>
+            <p:cNvCxnSpPr>
+              <a:cxnSpLocks/>
+            </p:cNvCxnSpPr>
+            <p:nvPr/>
+          </p:nvCxnSpPr>
+          <p:spPr>
+            <a:xfrm rot="10800000">
+              <a:off x="2374232" y="3441032"/>
+              <a:ext cx="3850105" cy="0"/>
+            </a:xfrm>
+            <a:prstGeom prst="straightConnector1">
+              <a:avLst/>
+            </a:prstGeom>
+            <a:ln w="38100">
+              <a:solidFill>
+                <a:schemeClr val="tx1"/>
+              </a:solidFill>
+              <a:tailEnd type="triangle"/>
+            </a:ln>
+          </p:spPr>
+          <p:style>
+            <a:lnRef idx="2">
+              <a:schemeClr val="accent1"/>
+            </a:lnRef>
+            <a:fillRef idx="0">
+              <a:schemeClr val="accent1"/>
+            </a:fillRef>
+            <a:effectRef idx="1">
+              <a:schemeClr val="accent1"/>
+            </a:effectRef>
+            <a:fontRef idx="minor">
+              <a:schemeClr val="tx1"/>
+            </a:fontRef>
+          </p:style>
+        </p:cxnSp>
+      </p:grpSp>
+      <p:cxnSp>
+        <p:nvCxnSpPr>
+          <p:cNvPr id="92" name="직선 연결선 91">
+            <a:extLst>
+              <a:ext uri="{FF2B5EF4-FFF2-40B4-BE49-F238E27FC236}">
+                <a16:creationId xmlns:a16="http://schemas.microsoft.com/office/drawing/2014/main" id="{FBFF0F54-334E-1053-2E47-7229E950C355}"/>
+              </a:ext>
+            </a:extLst>
+          </p:cNvPr>
+          <p:cNvCxnSpPr>
+            <a:cxnSpLocks/>
+          </p:cNvCxnSpPr>
+          <p:nvPr/>
+        </p:nvCxnSpPr>
+        <p:spPr>
+          <a:xfrm flipV="1">
+            <a:off x="7921993" y="3584182"/>
+            <a:ext cx="0" cy="208547"/>
+          </a:xfrm>
+          <a:prstGeom prst="line">
+            <a:avLst/>
+          </a:prstGeom>
+          <a:ln w="38100">
+            <a:solidFill>
+              <a:schemeClr val="tx1"/>
+            </a:solidFill>
+          </a:ln>
+        </p:spPr>
+        <p:style>
+          <a:lnRef idx="2">
+            <a:schemeClr val="accent1"/>
+          </a:lnRef>
+          <a:fillRef idx="0">
+            <a:schemeClr val="accent1"/>
+          </a:fillRef>
+          <a:effectRef idx="1">
+            <a:schemeClr val="accent1"/>
+          </a:effectRef>
+          <a:fontRef idx="minor">
+            <a:schemeClr val="tx1"/>
+          </a:fontRef>
+        </p:style>
+      </p:cxnSp>
+      <p:cxnSp>
+        <p:nvCxnSpPr>
+          <p:cNvPr id="94" name="직선 연결선 93">
+            <a:extLst>
+              <a:ext uri="{FF2B5EF4-FFF2-40B4-BE49-F238E27FC236}">
+                <a16:creationId xmlns:a16="http://schemas.microsoft.com/office/drawing/2014/main" id="{FA87E1ED-E4CC-05F1-209D-4B60BBE0BCEF}"/>
+              </a:ext>
+            </a:extLst>
+          </p:cNvPr>
+          <p:cNvCxnSpPr>
+            <a:cxnSpLocks/>
+          </p:cNvCxnSpPr>
+          <p:nvPr/>
+        </p:nvCxnSpPr>
+        <p:spPr>
+          <a:xfrm flipV="1">
+            <a:off x="7071093" y="3584182"/>
+            <a:ext cx="0" cy="208547"/>
+          </a:xfrm>
+          <a:prstGeom prst="line">
+            <a:avLst/>
+          </a:prstGeom>
+          <a:ln w="38100">
+            <a:solidFill>
+              <a:schemeClr val="tx1"/>
+            </a:solidFill>
+          </a:ln>
+        </p:spPr>
+        <p:style>
+          <a:lnRef idx="2">
+            <a:schemeClr val="accent1"/>
+          </a:lnRef>
+          <a:fillRef idx="0">
+            <a:schemeClr val="accent1"/>
+          </a:fillRef>
+          <a:effectRef idx="1">
+            <a:schemeClr val="accent1"/>
+          </a:effectRef>
+          <a:fontRef idx="minor">
+            <a:schemeClr val="tx1"/>
+          </a:fontRef>
+        </p:style>
+      </p:cxnSp>
+      <p:cxnSp>
+        <p:nvCxnSpPr>
+          <p:cNvPr id="96" name="직선 연결선 95">
+            <a:extLst>
+              <a:ext uri="{FF2B5EF4-FFF2-40B4-BE49-F238E27FC236}">
+                <a16:creationId xmlns:a16="http://schemas.microsoft.com/office/drawing/2014/main" id="{2490456E-B4FF-1E36-C382-32733A2E8FE4}"/>
+              </a:ext>
+            </a:extLst>
+          </p:cNvPr>
+          <p:cNvCxnSpPr>
+            <a:cxnSpLocks/>
+          </p:cNvCxnSpPr>
+          <p:nvPr/>
+        </p:nvCxnSpPr>
+        <p:spPr>
+          <a:xfrm flipV="1">
+            <a:off x="7921993" y="3584182"/>
+            <a:ext cx="0" cy="208547"/>
+          </a:xfrm>
+          <a:prstGeom prst="line">
+            <a:avLst/>
+          </a:prstGeom>
+          <a:ln w="38100">
+            <a:solidFill>
+              <a:schemeClr val="tx1"/>
+            </a:solidFill>
+          </a:ln>
+        </p:spPr>
+        <p:style>
+          <a:lnRef idx="2">
+            <a:schemeClr val="accent1"/>
+          </a:lnRef>
+          <a:fillRef idx="0">
+            <a:schemeClr val="accent1"/>
+          </a:fillRef>
+          <a:effectRef idx="1">
+            <a:schemeClr val="accent1"/>
+          </a:effectRef>
+          <a:fontRef idx="minor">
+            <a:schemeClr val="tx1"/>
+          </a:fontRef>
+        </p:style>
+      </p:cxnSp>
+      <p:cxnSp>
+        <p:nvCxnSpPr>
+          <p:cNvPr id="97" name="직선 연결선 96">
+            <a:extLst>
+              <a:ext uri="{FF2B5EF4-FFF2-40B4-BE49-F238E27FC236}">
+                <a16:creationId xmlns:a16="http://schemas.microsoft.com/office/drawing/2014/main" id="{31115CFD-9910-C497-C69F-4BCB5C6C34E9}"/>
+              </a:ext>
+            </a:extLst>
+          </p:cNvPr>
+          <p:cNvCxnSpPr>
+            <a:cxnSpLocks/>
+          </p:cNvCxnSpPr>
+          <p:nvPr/>
+        </p:nvCxnSpPr>
+        <p:spPr>
+          <a:xfrm flipV="1">
+            <a:off x="9623793" y="3584182"/>
+            <a:ext cx="0" cy="208547"/>
+          </a:xfrm>
+          <a:prstGeom prst="line">
+            <a:avLst/>
+          </a:prstGeom>
+          <a:ln w="38100">
+            <a:solidFill>
+              <a:schemeClr val="tx1"/>
+            </a:solidFill>
+          </a:ln>
+        </p:spPr>
+        <p:style>
+          <a:lnRef idx="2">
+            <a:schemeClr val="accent1"/>
+          </a:lnRef>
+          <a:fillRef idx="0">
+            <a:schemeClr val="accent1"/>
+          </a:fillRef>
+          <a:effectRef idx="1">
+            <a:schemeClr val="accent1"/>
+          </a:effectRef>
+          <a:fontRef idx="minor">
+            <a:schemeClr val="tx1"/>
+          </a:fontRef>
+        </p:style>
+      </p:cxnSp>
+      <p:cxnSp>
+        <p:nvCxnSpPr>
+          <p:cNvPr id="98" name="직선 연결선 97">
+            <a:extLst>
+              <a:ext uri="{FF2B5EF4-FFF2-40B4-BE49-F238E27FC236}">
+                <a16:creationId xmlns:a16="http://schemas.microsoft.com/office/drawing/2014/main" id="{40854FC3-2673-0F80-0328-8E4DA0AEED57}"/>
+              </a:ext>
+            </a:extLst>
+          </p:cNvPr>
+          <p:cNvCxnSpPr>
+            <a:cxnSpLocks/>
+          </p:cNvCxnSpPr>
+          <p:nvPr/>
+        </p:nvCxnSpPr>
+        <p:spPr>
+          <a:xfrm flipV="1">
+            <a:off x="8772893" y="3584182"/>
+            <a:ext cx="0" cy="208547"/>
+          </a:xfrm>
+          <a:prstGeom prst="line">
+            <a:avLst/>
+          </a:prstGeom>
+          <a:ln w="38100">
+            <a:solidFill>
+              <a:schemeClr val="tx1"/>
+            </a:solidFill>
+          </a:ln>
+        </p:spPr>
+        <p:style>
+          <a:lnRef idx="2">
+            <a:schemeClr val="accent1"/>
+          </a:lnRef>
+          <a:fillRef idx="0">
+            <a:schemeClr val="accent1"/>
+          </a:fillRef>
+          <a:effectRef idx="1">
+            <a:schemeClr val="accent1"/>
+          </a:effectRef>
+          <a:fontRef idx="minor">
+            <a:schemeClr val="tx1"/>
+          </a:fontRef>
+        </p:style>
+      </p:cxnSp>
+      <p:cxnSp>
+        <p:nvCxnSpPr>
+          <p:cNvPr id="131" name="직선 연결선 130">
+            <a:extLst>
+              <a:ext uri="{FF2B5EF4-FFF2-40B4-BE49-F238E27FC236}">
+                <a16:creationId xmlns:a16="http://schemas.microsoft.com/office/drawing/2014/main" id="{6B25840E-7174-EFBC-1B7D-102AE322D94E}"/>
+              </a:ext>
+            </a:extLst>
+          </p:cNvPr>
+          <p:cNvCxnSpPr>
+            <a:cxnSpLocks/>
+          </p:cNvCxnSpPr>
+          <p:nvPr/>
+        </p:nvCxnSpPr>
+        <p:spPr>
+          <a:xfrm flipV="1">
+            <a:off x="2810243" y="3584182"/>
+            <a:ext cx="0" cy="208547"/>
+          </a:xfrm>
+          <a:prstGeom prst="line">
+            <a:avLst/>
+          </a:prstGeom>
+          <a:ln w="38100">
+            <a:solidFill>
+              <a:schemeClr val="tx1"/>
+            </a:solidFill>
+          </a:ln>
+        </p:spPr>
+        <p:style>
+          <a:lnRef idx="2">
+            <a:schemeClr val="accent1"/>
+          </a:lnRef>
+          <a:fillRef idx="0">
+            <a:schemeClr val="accent1"/>
+          </a:fillRef>
+          <a:effectRef idx="1">
+            <a:schemeClr val="accent1"/>
+          </a:effectRef>
+          <a:fontRef idx="minor">
+            <a:schemeClr val="tx1"/>
+          </a:fontRef>
+        </p:style>
+      </p:cxnSp>
+      <p:cxnSp>
+        <p:nvCxnSpPr>
+          <p:cNvPr id="132" name="직선 연결선 131">
+            <a:extLst>
+              <a:ext uri="{FF2B5EF4-FFF2-40B4-BE49-F238E27FC236}">
+                <a16:creationId xmlns:a16="http://schemas.microsoft.com/office/drawing/2014/main" id="{863E5F37-F470-02C6-304F-B7F9C0039F5F}"/>
+              </a:ext>
+            </a:extLst>
+          </p:cNvPr>
+          <p:cNvCxnSpPr>
+            <a:cxnSpLocks/>
+          </p:cNvCxnSpPr>
+          <p:nvPr/>
+        </p:nvCxnSpPr>
+        <p:spPr>
+          <a:xfrm flipV="1">
+            <a:off x="4512043" y="3584182"/>
+            <a:ext cx="0" cy="208547"/>
+          </a:xfrm>
+          <a:prstGeom prst="line">
+            <a:avLst/>
+          </a:prstGeom>
+          <a:ln w="38100">
+            <a:solidFill>
+              <a:schemeClr val="tx1"/>
+            </a:solidFill>
+          </a:ln>
+        </p:spPr>
+        <p:style>
+          <a:lnRef idx="2">
+            <a:schemeClr val="accent1"/>
+          </a:lnRef>
+          <a:fillRef idx="0">
+            <a:schemeClr val="accent1"/>
+          </a:fillRef>
+          <a:effectRef idx="1">
+            <a:schemeClr val="accent1"/>
+          </a:effectRef>
+          <a:fontRef idx="minor">
+            <a:schemeClr val="tx1"/>
+          </a:fontRef>
+        </p:style>
+      </p:cxnSp>
+      <p:cxnSp>
+        <p:nvCxnSpPr>
+          <p:cNvPr id="133" name="직선 연결선 132">
+            <a:extLst>
+              <a:ext uri="{FF2B5EF4-FFF2-40B4-BE49-F238E27FC236}">
+                <a16:creationId xmlns:a16="http://schemas.microsoft.com/office/drawing/2014/main" id="{19D8032B-C035-F51E-9608-C25D7715ADC8}"/>
+              </a:ext>
+            </a:extLst>
+          </p:cNvPr>
+          <p:cNvCxnSpPr>
+            <a:cxnSpLocks/>
+          </p:cNvCxnSpPr>
+          <p:nvPr/>
+        </p:nvCxnSpPr>
+        <p:spPr>
+          <a:xfrm flipV="1">
+            <a:off x="3661143" y="3584182"/>
+            <a:ext cx="0" cy="208547"/>
+          </a:xfrm>
+          <a:prstGeom prst="line">
+            <a:avLst/>
+          </a:prstGeom>
+          <a:ln w="38100">
+            <a:solidFill>
+              <a:schemeClr val="tx1"/>
+            </a:solidFill>
+          </a:ln>
+        </p:spPr>
+        <p:style>
+          <a:lnRef idx="2">
+            <a:schemeClr val="accent1"/>
+          </a:lnRef>
+          <a:fillRef idx="0">
+            <a:schemeClr val="accent1"/>
+          </a:fillRef>
+          <a:effectRef idx="1">
+            <a:schemeClr val="accent1"/>
+          </a:effectRef>
+          <a:fontRef idx="minor">
+            <a:schemeClr val="tx1"/>
+          </a:fontRef>
+        </p:style>
+      </p:cxnSp>
+      <p:cxnSp>
+        <p:nvCxnSpPr>
+          <p:cNvPr id="134" name="직선 연결선 133">
+            <a:extLst>
+              <a:ext uri="{FF2B5EF4-FFF2-40B4-BE49-F238E27FC236}">
+                <a16:creationId xmlns:a16="http://schemas.microsoft.com/office/drawing/2014/main" id="{32753185-2CBC-306D-FF42-DF69C90596D7}"/>
+              </a:ext>
+            </a:extLst>
+          </p:cNvPr>
+          <p:cNvCxnSpPr>
+            <a:cxnSpLocks/>
+          </p:cNvCxnSpPr>
+          <p:nvPr/>
+        </p:nvCxnSpPr>
+        <p:spPr>
+          <a:xfrm flipV="1">
+            <a:off x="4512043" y="3584182"/>
+            <a:ext cx="0" cy="208547"/>
+          </a:xfrm>
+          <a:prstGeom prst="line">
+            <a:avLst/>
+          </a:prstGeom>
+          <a:ln w="38100">
+            <a:solidFill>
+              <a:schemeClr val="tx1"/>
+            </a:solidFill>
+          </a:ln>
+        </p:spPr>
+        <p:style>
+          <a:lnRef idx="2">
+            <a:schemeClr val="accent1"/>
+          </a:lnRef>
+          <a:fillRef idx="0">
+            <a:schemeClr val="accent1"/>
+          </a:fillRef>
+          <a:effectRef idx="1">
+            <a:schemeClr val="accent1"/>
+          </a:effectRef>
+          <a:fontRef idx="minor">
+            <a:schemeClr val="tx1"/>
+          </a:fontRef>
+        </p:style>
+      </p:cxnSp>
+      <p:cxnSp>
+        <p:nvCxnSpPr>
+          <p:cNvPr id="136" name="직선 연결선 135">
+            <a:extLst>
+              <a:ext uri="{FF2B5EF4-FFF2-40B4-BE49-F238E27FC236}">
+                <a16:creationId xmlns:a16="http://schemas.microsoft.com/office/drawing/2014/main" id="{A61882FB-90BF-F26C-BDF4-BCBC7F8E1D78}"/>
+              </a:ext>
+            </a:extLst>
+          </p:cNvPr>
+          <p:cNvCxnSpPr>
+            <a:cxnSpLocks/>
+          </p:cNvCxnSpPr>
+          <p:nvPr/>
+        </p:nvCxnSpPr>
+        <p:spPr>
+          <a:xfrm flipV="1">
+            <a:off x="5362943" y="3584182"/>
+            <a:ext cx="0" cy="208547"/>
+          </a:xfrm>
+          <a:prstGeom prst="line">
+            <a:avLst/>
+          </a:prstGeom>
+          <a:ln w="38100">
+            <a:solidFill>
+              <a:schemeClr val="tx1"/>
+            </a:solidFill>
+          </a:ln>
+        </p:spPr>
+        <p:style>
+          <a:lnRef idx="2">
+            <a:schemeClr val="accent1"/>
+          </a:lnRef>
+          <a:fillRef idx="0">
+            <a:schemeClr val="accent1"/>
+          </a:fillRef>
+          <a:effectRef idx="1">
+            <a:schemeClr val="accent1"/>
+          </a:effectRef>
+          <a:fontRef idx="minor">
+            <a:schemeClr val="tx1"/>
+          </a:fontRef>
+        </p:style>
+      </p:cxnSp>
+      <p:sp>
+        <p:nvSpPr>
+          <p:cNvPr id="138" name="TextBox 137">
+            <a:extLst>
+              <a:ext uri="{FF2B5EF4-FFF2-40B4-BE49-F238E27FC236}">
+                <a16:creationId xmlns:a16="http://schemas.microsoft.com/office/drawing/2014/main" id="{DFD45F33-EDA0-7ED6-990E-9D639092E062}"/>
+              </a:ext>
+            </a:extLst>
+          </p:cNvPr>
+          <p:cNvSpPr txBox="1"/>
+          <p:nvPr/>
+        </p:nvSpPr>
+        <p:spPr>
+          <a:xfrm>
+            <a:off x="10113098" y="3329285"/>
+            <a:ext cx="349776" cy="461665"/>
+          </a:xfrm>
+          <a:prstGeom prst="rect">
+            <a:avLst/>
+          </a:prstGeom>
+          <a:noFill/>
+        </p:spPr>
+        <p:txBody>
+          <a:bodyPr wrap="none" rtlCol="0">
+            <a:spAutoFit/>
+          </a:bodyPr>
+          <a:lstStyle/>
+          <a:p>
+            <a:r>
+              <a:rPr lang="en-US" altLang="ko-KR" sz="2400" b="1" dirty="0"/>
+              <a:t>x</a:t>
+            </a:r>
+            <a:endParaRPr lang="ko-KR" altLang="en-US" sz="2400" b="1" dirty="0"/>
+          </a:p>
+        </p:txBody>
+      </p:sp>
+      <p:sp>
+        <p:nvSpPr>
+          <p:cNvPr id="141" name="TextBox 140">
+            <a:extLst>
+              <a:ext uri="{FF2B5EF4-FFF2-40B4-BE49-F238E27FC236}">
+                <a16:creationId xmlns:a16="http://schemas.microsoft.com/office/drawing/2014/main" id="{F8CBBAF6-9577-BF4E-F40C-364B38605875}"/>
+              </a:ext>
+            </a:extLst>
+          </p:cNvPr>
+          <p:cNvSpPr txBox="1"/>
+          <p:nvPr/>
+        </p:nvSpPr>
+        <p:spPr>
+          <a:xfrm>
+            <a:off x="6901753" y="3790950"/>
+            <a:ext cx="362600" cy="461665"/>
+          </a:xfrm>
+          <a:prstGeom prst="rect">
+            <a:avLst/>
+          </a:prstGeom>
+          <a:noFill/>
+        </p:spPr>
+        <p:txBody>
+          <a:bodyPr wrap="none" rtlCol="0">
+            <a:spAutoFit/>
+          </a:bodyPr>
+          <a:lstStyle/>
+          <a:p>
+            <a:r>
+              <a:rPr lang="en-US" altLang="ko-KR" sz="2400" b="1" dirty="0"/>
+              <a:t>1</a:t>
+            </a:r>
+            <a:endParaRPr lang="ko-KR" altLang="en-US" sz="2400" b="1" dirty="0"/>
+          </a:p>
+        </p:txBody>
+      </p:sp>
+      <p:sp>
+        <p:nvSpPr>
+          <p:cNvPr id="143" name="TextBox 142">
+            <a:extLst>
+              <a:ext uri="{FF2B5EF4-FFF2-40B4-BE49-F238E27FC236}">
+                <a16:creationId xmlns:a16="http://schemas.microsoft.com/office/drawing/2014/main" id="{81B2569B-EAA3-0868-C3E8-87D509657F0E}"/>
+              </a:ext>
+            </a:extLst>
+          </p:cNvPr>
+          <p:cNvSpPr txBox="1"/>
+          <p:nvPr/>
+        </p:nvSpPr>
+        <p:spPr>
+          <a:xfrm>
+            <a:off x="7758264" y="3790950"/>
+            <a:ext cx="362600" cy="461665"/>
+          </a:xfrm>
+          <a:prstGeom prst="rect">
+            <a:avLst/>
+          </a:prstGeom>
+          <a:noFill/>
+        </p:spPr>
+        <p:txBody>
+          <a:bodyPr wrap="none" rtlCol="0">
+            <a:spAutoFit/>
+          </a:bodyPr>
+          <a:lstStyle/>
+          <a:p>
+            <a:r>
+              <a:rPr lang="en-US" altLang="ko-KR" sz="2400" b="1" dirty="0"/>
+              <a:t>2</a:t>
+            </a:r>
+            <a:endParaRPr lang="ko-KR" altLang="en-US" sz="2400" b="1" dirty="0"/>
+          </a:p>
+        </p:txBody>
+      </p:sp>
+      <p:sp>
+        <p:nvSpPr>
+          <p:cNvPr id="145" name="TextBox 144">
+            <a:extLst>
+              <a:ext uri="{FF2B5EF4-FFF2-40B4-BE49-F238E27FC236}">
+                <a16:creationId xmlns:a16="http://schemas.microsoft.com/office/drawing/2014/main" id="{143D792B-736F-0699-C2D2-D2CBB2538823}"/>
+              </a:ext>
+            </a:extLst>
+          </p:cNvPr>
+          <p:cNvSpPr txBox="1"/>
+          <p:nvPr/>
+        </p:nvSpPr>
+        <p:spPr>
+          <a:xfrm>
+            <a:off x="8614775" y="3790950"/>
+            <a:ext cx="362600" cy="461665"/>
+          </a:xfrm>
+          <a:prstGeom prst="rect">
+            <a:avLst/>
+          </a:prstGeom>
+          <a:noFill/>
+        </p:spPr>
+        <p:txBody>
+          <a:bodyPr wrap="none" rtlCol="0">
+            <a:spAutoFit/>
+          </a:bodyPr>
+          <a:lstStyle/>
+          <a:p>
+            <a:r>
+              <a:rPr lang="en-US" altLang="ko-KR" sz="2400" b="1" dirty="0"/>
+              <a:t>3</a:t>
+            </a:r>
+            <a:endParaRPr lang="ko-KR" altLang="en-US" sz="2400" b="1" dirty="0"/>
+          </a:p>
+        </p:txBody>
+      </p:sp>
+      <p:sp>
+        <p:nvSpPr>
+          <p:cNvPr id="146" name="TextBox 145">
+            <a:extLst>
+              <a:ext uri="{FF2B5EF4-FFF2-40B4-BE49-F238E27FC236}">
+                <a16:creationId xmlns:a16="http://schemas.microsoft.com/office/drawing/2014/main" id="{9E04BB7C-6987-CD82-150D-937EF8A2003C}"/>
+              </a:ext>
+            </a:extLst>
+          </p:cNvPr>
+          <p:cNvSpPr txBox="1"/>
+          <p:nvPr/>
+        </p:nvSpPr>
+        <p:spPr>
+          <a:xfrm>
+            <a:off x="9471286" y="3790950"/>
+            <a:ext cx="362600" cy="461665"/>
+          </a:xfrm>
+          <a:prstGeom prst="rect">
+            <a:avLst/>
+          </a:prstGeom>
+          <a:noFill/>
+        </p:spPr>
+        <p:txBody>
+          <a:bodyPr wrap="none" rtlCol="0">
+            <a:spAutoFit/>
+          </a:bodyPr>
+          <a:lstStyle/>
+          <a:p>
+            <a:r>
+              <a:rPr lang="en-US" altLang="ko-KR" sz="2400" b="1" dirty="0"/>
+              <a:t>4</a:t>
+            </a:r>
+            <a:endParaRPr lang="ko-KR" altLang="en-US" sz="2400" b="1" dirty="0"/>
+          </a:p>
+        </p:txBody>
+      </p:sp>
+      <p:sp>
+        <p:nvSpPr>
+          <p:cNvPr id="147" name="TextBox 146">
+            <a:extLst>
+              <a:ext uri="{FF2B5EF4-FFF2-40B4-BE49-F238E27FC236}">
+                <a16:creationId xmlns:a16="http://schemas.microsoft.com/office/drawing/2014/main" id="{CDC377D9-3C65-1B2C-C38F-D745AD8DB615}"/>
+              </a:ext>
+            </a:extLst>
+          </p:cNvPr>
+          <p:cNvSpPr txBox="1"/>
+          <p:nvPr/>
+        </p:nvSpPr>
+        <p:spPr>
+          <a:xfrm>
+            <a:off x="2611690" y="3790950"/>
+            <a:ext cx="489236" cy="461665"/>
+          </a:xfrm>
+          <a:prstGeom prst="rect">
+            <a:avLst/>
+          </a:prstGeom>
+          <a:noFill/>
+        </p:spPr>
+        <p:txBody>
+          <a:bodyPr wrap="none" rtlCol="0">
+            <a:spAutoFit/>
+          </a:bodyPr>
+          <a:lstStyle/>
+          <a:p>
+            <a:r>
+              <a:rPr lang="en-US" altLang="ko-KR" sz="2400" b="1" dirty="0"/>
+              <a:t>-4</a:t>
+            </a:r>
+            <a:endParaRPr lang="ko-KR" altLang="en-US" sz="2400" b="1" dirty="0"/>
+          </a:p>
+        </p:txBody>
+      </p:sp>
+      <p:sp>
+        <p:nvSpPr>
+          <p:cNvPr id="148" name="TextBox 147">
+            <a:extLst>
+              <a:ext uri="{FF2B5EF4-FFF2-40B4-BE49-F238E27FC236}">
+                <a16:creationId xmlns:a16="http://schemas.microsoft.com/office/drawing/2014/main" id="{70737378-E413-A367-66F2-5CBA697CA694}"/>
+              </a:ext>
+            </a:extLst>
+          </p:cNvPr>
+          <p:cNvSpPr txBox="1"/>
+          <p:nvPr/>
+        </p:nvSpPr>
+        <p:spPr>
+          <a:xfrm>
+            <a:off x="3468939" y="3790950"/>
+            <a:ext cx="489236" cy="461665"/>
+          </a:xfrm>
+          <a:prstGeom prst="rect">
+            <a:avLst/>
+          </a:prstGeom>
+          <a:noFill/>
+        </p:spPr>
+        <p:txBody>
+          <a:bodyPr wrap="none" rtlCol="0">
+            <a:spAutoFit/>
+          </a:bodyPr>
+          <a:lstStyle/>
+          <a:p>
+            <a:r>
+              <a:rPr lang="en-US" altLang="ko-KR" sz="2400" b="1" dirty="0"/>
+              <a:t>-3</a:t>
+            </a:r>
+            <a:endParaRPr lang="ko-KR" altLang="en-US" sz="2400" b="1" dirty="0"/>
+          </a:p>
+        </p:txBody>
+      </p:sp>
+      <p:sp>
+        <p:nvSpPr>
+          <p:cNvPr id="149" name="TextBox 148">
+            <a:extLst>
+              <a:ext uri="{FF2B5EF4-FFF2-40B4-BE49-F238E27FC236}">
+                <a16:creationId xmlns:a16="http://schemas.microsoft.com/office/drawing/2014/main" id="{A0069A3D-B936-6B30-7ACB-E002ACAE1B3E}"/>
+              </a:ext>
+            </a:extLst>
+          </p:cNvPr>
+          <p:cNvSpPr txBox="1"/>
+          <p:nvPr/>
+        </p:nvSpPr>
+        <p:spPr>
+          <a:xfrm>
+            <a:off x="4325450" y="3790950"/>
+            <a:ext cx="489236" cy="461665"/>
+          </a:xfrm>
+          <a:prstGeom prst="rect">
+            <a:avLst/>
+          </a:prstGeom>
+          <a:noFill/>
+        </p:spPr>
+        <p:txBody>
+          <a:bodyPr wrap="none" rtlCol="0">
+            <a:spAutoFit/>
+          </a:bodyPr>
+          <a:lstStyle/>
+          <a:p>
+            <a:r>
+              <a:rPr lang="en-US" altLang="ko-KR" sz="2400" b="1" dirty="0"/>
+              <a:t>-2</a:t>
+            </a:r>
+            <a:endParaRPr lang="ko-KR" altLang="en-US" sz="2400" b="1" dirty="0"/>
+          </a:p>
+        </p:txBody>
+      </p:sp>
+      <p:sp>
+        <p:nvSpPr>
+          <p:cNvPr id="29" name="TextBox 28">
+            <a:extLst>
+              <a:ext uri="{FF2B5EF4-FFF2-40B4-BE49-F238E27FC236}">
+                <a16:creationId xmlns:a16="http://schemas.microsoft.com/office/drawing/2014/main" id="{A75D65D1-3D8C-F4DA-03A7-3EEB66392542}"/>
+              </a:ext>
+            </a:extLst>
+          </p:cNvPr>
+          <p:cNvSpPr txBox="1"/>
+          <p:nvPr/>
+        </p:nvSpPr>
+        <p:spPr>
+          <a:xfrm>
+            <a:off x="6292198" y="3648089"/>
+            <a:ext cx="362600" cy="461665"/>
+          </a:xfrm>
+          <a:prstGeom prst="rect">
+            <a:avLst/>
+          </a:prstGeom>
+          <a:noFill/>
+        </p:spPr>
+        <p:txBody>
+          <a:bodyPr wrap="none" rtlCol="0">
+            <a:spAutoFit/>
+          </a:bodyPr>
+          <a:lstStyle/>
+          <a:p>
+            <a:r>
+              <a:rPr lang="en-US" altLang="ko-KR" sz="2400" b="1" dirty="0"/>
+              <a:t>0</a:t>
+            </a:r>
+            <a:endParaRPr lang="ko-KR" altLang="en-US" sz="2400" b="1" dirty="0"/>
+          </a:p>
+        </p:txBody>
+      </p:sp>
+      <p:grpSp>
+        <p:nvGrpSpPr>
+          <p:cNvPr id="5" name="그룹 4">
+            <a:extLst>
+              <a:ext uri="{FF2B5EF4-FFF2-40B4-BE49-F238E27FC236}">
+                <a16:creationId xmlns:a16="http://schemas.microsoft.com/office/drawing/2014/main" id="{3D63D5A9-CD85-689F-6FEC-FF7B35D3CFC4}"/>
+              </a:ext>
+            </a:extLst>
+          </p:cNvPr>
+          <p:cNvGrpSpPr/>
+          <p:nvPr/>
+        </p:nvGrpSpPr>
+        <p:grpSpPr>
+          <a:xfrm rot="5400000">
+            <a:off x="2391422" y="3584182"/>
+            <a:ext cx="7700210" cy="0"/>
+            <a:chOff x="2374232" y="3441032"/>
+            <a:chExt cx="7700210" cy="0"/>
+          </a:xfrm>
+        </p:grpSpPr>
+        <p:cxnSp>
+          <p:nvCxnSpPr>
+            <p:cNvPr id="27" name="직선 화살표 연결선 26">
+              <a:extLst>
+                <a:ext uri="{FF2B5EF4-FFF2-40B4-BE49-F238E27FC236}">
+                  <a16:creationId xmlns:a16="http://schemas.microsoft.com/office/drawing/2014/main" id="{A2EFD690-2530-85EA-C4D8-0D45D60DC045}"/>
+                </a:ext>
+              </a:extLst>
+            </p:cNvPr>
+            <p:cNvCxnSpPr/>
+            <p:nvPr/>
+          </p:nvCxnSpPr>
+          <p:spPr>
+            <a:xfrm>
+              <a:off x="6224337" y="3441032"/>
+              <a:ext cx="3850105" cy="0"/>
+            </a:xfrm>
+            <a:prstGeom prst="straightConnector1">
+              <a:avLst/>
+            </a:prstGeom>
+            <a:ln w="38100">
+              <a:solidFill>
+                <a:schemeClr val="tx1"/>
+              </a:solidFill>
+              <a:tailEnd type="triangle"/>
+            </a:ln>
+          </p:spPr>
+          <p:style>
+            <a:lnRef idx="2">
+              <a:schemeClr val="accent1"/>
+            </a:lnRef>
+            <a:fillRef idx="0">
+              <a:schemeClr val="accent1"/>
+            </a:fillRef>
+            <a:effectRef idx="1">
+              <a:schemeClr val="accent1"/>
+            </a:effectRef>
+            <a:fontRef idx="minor">
+              <a:schemeClr val="tx1"/>
+            </a:fontRef>
+          </p:style>
+        </p:cxnSp>
+        <p:cxnSp>
+          <p:nvCxnSpPr>
+            <p:cNvPr id="28" name="직선 화살표 연결선 27">
+              <a:extLst>
+                <a:ext uri="{FF2B5EF4-FFF2-40B4-BE49-F238E27FC236}">
+                  <a16:creationId xmlns:a16="http://schemas.microsoft.com/office/drawing/2014/main" id="{07C7E422-BF10-E0AB-2357-49F97FFE4776}"/>
+                </a:ext>
+              </a:extLst>
+            </p:cNvPr>
+            <p:cNvCxnSpPr>
+              <a:cxnSpLocks/>
+            </p:cNvCxnSpPr>
+            <p:nvPr/>
+          </p:nvCxnSpPr>
+          <p:spPr>
+            <a:xfrm rot="10800000">
+              <a:off x="2374232" y="3441032"/>
+              <a:ext cx="3850105" cy="0"/>
+            </a:xfrm>
+            <a:prstGeom prst="straightConnector1">
+              <a:avLst/>
+            </a:prstGeom>
+            <a:ln w="38100">
+              <a:solidFill>
+                <a:schemeClr val="tx1"/>
+              </a:solidFill>
+              <a:tailEnd type="triangle"/>
+            </a:ln>
+          </p:spPr>
+          <p:style>
+            <a:lnRef idx="2">
+              <a:schemeClr val="accent1"/>
+            </a:lnRef>
+            <a:fillRef idx="0">
+              <a:schemeClr val="accent1"/>
+            </a:fillRef>
+            <a:effectRef idx="1">
+              <a:schemeClr val="accent1"/>
+            </a:effectRef>
+            <a:fontRef idx="minor">
+              <a:schemeClr val="tx1"/>
+            </a:fontRef>
+          </p:style>
+        </p:cxnSp>
+      </p:grpSp>
+      <p:cxnSp>
+        <p:nvCxnSpPr>
+          <p:cNvPr id="6" name="직선 연결선 5">
+            <a:extLst>
+              <a:ext uri="{FF2B5EF4-FFF2-40B4-BE49-F238E27FC236}">
+                <a16:creationId xmlns:a16="http://schemas.microsoft.com/office/drawing/2014/main" id="{19835E8F-0C8C-4FAB-1C8A-ED3D4B3AD81C}"/>
+              </a:ext>
+            </a:extLst>
+          </p:cNvPr>
+          <p:cNvCxnSpPr>
+            <a:cxnSpLocks/>
+          </p:cNvCxnSpPr>
+          <p:nvPr/>
+        </p:nvCxnSpPr>
+        <p:spPr>
+          <a:xfrm rot="5400000" flipV="1">
+            <a:off x="6137254" y="5184884"/>
+            <a:ext cx="0" cy="208547"/>
+          </a:xfrm>
+          <a:prstGeom prst="line">
+            <a:avLst/>
+          </a:prstGeom>
+          <a:ln w="38100">
+            <a:solidFill>
+              <a:schemeClr val="tx1"/>
+            </a:solidFill>
+          </a:ln>
+        </p:spPr>
+        <p:style>
+          <a:lnRef idx="2">
+            <a:schemeClr val="accent1"/>
+          </a:lnRef>
+          <a:fillRef idx="0">
+            <a:schemeClr val="accent1"/>
+          </a:fillRef>
+          <a:effectRef idx="1">
+            <a:schemeClr val="accent1"/>
+          </a:effectRef>
+          <a:fontRef idx="minor">
+            <a:schemeClr val="tx1"/>
+          </a:fontRef>
+        </p:style>
+      </p:cxnSp>
+      <p:cxnSp>
+        <p:nvCxnSpPr>
+          <p:cNvPr id="7" name="직선 연결선 6">
+            <a:extLst>
+              <a:ext uri="{FF2B5EF4-FFF2-40B4-BE49-F238E27FC236}">
+                <a16:creationId xmlns:a16="http://schemas.microsoft.com/office/drawing/2014/main" id="{9F0E4E63-8C2D-1AF3-5A0C-FAA83DD92E98}"/>
+              </a:ext>
+            </a:extLst>
+          </p:cNvPr>
+          <p:cNvCxnSpPr>
+            <a:cxnSpLocks/>
+          </p:cNvCxnSpPr>
+          <p:nvPr/>
+        </p:nvCxnSpPr>
+        <p:spPr>
+          <a:xfrm rot="5400000" flipV="1">
+            <a:off x="6137254" y="4333984"/>
+            <a:ext cx="0" cy="208547"/>
+          </a:xfrm>
+          <a:prstGeom prst="line">
+            <a:avLst/>
+          </a:prstGeom>
+          <a:ln w="38100">
+            <a:solidFill>
+              <a:schemeClr val="tx1"/>
+            </a:solidFill>
+          </a:ln>
+        </p:spPr>
+        <p:style>
+          <a:lnRef idx="2">
+            <a:schemeClr val="accent1"/>
+          </a:lnRef>
+          <a:fillRef idx="0">
+            <a:schemeClr val="accent1"/>
+          </a:fillRef>
+          <a:effectRef idx="1">
+            <a:schemeClr val="accent1"/>
+          </a:effectRef>
+          <a:fontRef idx="minor">
+            <a:schemeClr val="tx1"/>
+          </a:fontRef>
+        </p:style>
+      </p:cxnSp>
+      <p:cxnSp>
+        <p:nvCxnSpPr>
+          <p:cNvPr id="8" name="직선 연결선 7">
+            <a:extLst>
+              <a:ext uri="{FF2B5EF4-FFF2-40B4-BE49-F238E27FC236}">
+                <a16:creationId xmlns:a16="http://schemas.microsoft.com/office/drawing/2014/main" id="{5CDCA7AC-6D82-BC86-1171-BFF7CD6DDF34}"/>
+              </a:ext>
+            </a:extLst>
+          </p:cNvPr>
+          <p:cNvCxnSpPr>
+            <a:cxnSpLocks/>
+          </p:cNvCxnSpPr>
+          <p:nvPr/>
+        </p:nvCxnSpPr>
+        <p:spPr>
+          <a:xfrm rot="5400000" flipV="1">
+            <a:off x="6137254" y="5184884"/>
+            <a:ext cx="0" cy="208547"/>
+          </a:xfrm>
+          <a:prstGeom prst="line">
+            <a:avLst/>
+          </a:prstGeom>
+          <a:ln w="38100">
+            <a:solidFill>
+              <a:schemeClr val="tx1"/>
+            </a:solidFill>
+          </a:ln>
+        </p:spPr>
+        <p:style>
+          <a:lnRef idx="2">
+            <a:schemeClr val="accent1"/>
+          </a:lnRef>
+          <a:fillRef idx="0">
+            <a:schemeClr val="accent1"/>
+          </a:fillRef>
+          <a:effectRef idx="1">
+            <a:schemeClr val="accent1"/>
+          </a:effectRef>
+          <a:fontRef idx="minor">
+            <a:schemeClr val="tx1"/>
+          </a:fontRef>
+        </p:style>
+      </p:cxnSp>
+      <p:cxnSp>
+        <p:nvCxnSpPr>
+          <p:cNvPr id="10" name="직선 연결선 9">
+            <a:extLst>
+              <a:ext uri="{FF2B5EF4-FFF2-40B4-BE49-F238E27FC236}">
+                <a16:creationId xmlns:a16="http://schemas.microsoft.com/office/drawing/2014/main" id="{707D8F2A-F971-427E-0BC4-26C522E7C649}"/>
+              </a:ext>
+            </a:extLst>
+          </p:cNvPr>
+          <p:cNvCxnSpPr>
+            <a:cxnSpLocks/>
+          </p:cNvCxnSpPr>
+          <p:nvPr/>
+        </p:nvCxnSpPr>
+        <p:spPr>
+          <a:xfrm rot="5400000" flipV="1">
+            <a:off x="6137254" y="6886684"/>
+            <a:ext cx="0" cy="208547"/>
+          </a:xfrm>
+          <a:prstGeom prst="line">
+            <a:avLst/>
+          </a:prstGeom>
+          <a:ln w="38100">
+            <a:solidFill>
+              <a:schemeClr val="tx1"/>
+            </a:solidFill>
+          </a:ln>
+        </p:spPr>
+        <p:style>
+          <a:lnRef idx="2">
+            <a:schemeClr val="accent1"/>
+          </a:lnRef>
+          <a:fillRef idx="0">
+            <a:schemeClr val="accent1"/>
+          </a:fillRef>
+          <a:effectRef idx="1">
+            <a:schemeClr val="accent1"/>
+          </a:effectRef>
+          <a:fontRef idx="minor">
+            <a:schemeClr val="tx1"/>
+          </a:fontRef>
+        </p:style>
+      </p:cxnSp>
+      <p:cxnSp>
+        <p:nvCxnSpPr>
+          <p:cNvPr id="11" name="직선 연결선 10">
+            <a:extLst>
+              <a:ext uri="{FF2B5EF4-FFF2-40B4-BE49-F238E27FC236}">
+                <a16:creationId xmlns:a16="http://schemas.microsoft.com/office/drawing/2014/main" id="{86BC3A4B-C259-41CF-C078-5718E160DF08}"/>
+              </a:ext>
+            </a:extLst>
+          </p:cNvPr>
+          <p:cNvCxnSpPr>
+            <a:cxnSpLocks/>
+          </p:cNvCxnSpPr>
+          <p:nvPr/>
+        </p:nvCxnSpPr>
+        <p:spPr>
+          <a:xfrm rot="5400000" flipV="1">
+            <a:off x="6137254" y="6035784"/>
+            <a:ext cx="0" cy="208547"/>
+          </a:xfrm>
+          <a:prstGeom prst="line">
+            <a:avLst/>
+          </a:prstGeom>
+          <a:ln w="38100">
+            <a:solidFill>
+              <a:schemeClr val="tx1"/>
+            </a:solidFill>
+          </a:ln>
+        </p:spPr>
+        <p:style>
+          <a:lnRef idx="2">
+            <a:schemeClr val="accent1"/>
+          </a:lnRef>
+          <a:fillRef idx="0">
+            <a:schemeClr val="accent1"/>
+          </a:fillRef>
+          <a:effectRef idx="1">
+            <a:schemeClr val="accent1"/>
+          </a:effectRef>
+          <a:fontRef idx="minor">
+            <a:schemeClr val="tx1"/>
+          </a:fontRef>
+        </p:style>
+      </p:cxnSp>
+      <p:cxnSp>
+        <p:nvCxnSpPr>
+          <p:cNvPr id="12" name="직선 연결선 11">
+            <a:extLst>
+              <a:ext uri="{FF2B5EF4-FFF2-40B4-BE49-F238E27FC236}">
+                <a16:creationId xmlns:a16="http://schemas.microsoft.com/office/drawing/2014/main" id="{C7CDE688-3A90-7876-F1B0-DFF592397331}"/>
+              </a:ext>
+            </a:extLst>
+          </p:cNvPr>
+          <p:cNvCxnSpPr>
+            <a:cxnSpLocks/>
+          </p:cNvCxnSpPr>
+          <p:nvPr/>
+        </p:nvCxnSpPr>
+        <p:spPr>
+          <a:xfrm rot="5400000" flipV="1">
+            <a:off x="6137254" y="73134"/>
+            <a:ext cx="0" cy="208547"/>
+          </a:xfrm>
+          <a:prstGeom prst="line">
+            <a:avLst/>
+          </a:prstGeom>
+          <a:ln w="38100">
+            <a:solidFill>
+              <a:schemeClr val="tx1"/>
+            </a:solidFill>
+          </a:ln>
+        </p:spPr>
+        <p:style>
+          <a:lnRef idx="2">
+            <a:schemeClr val="accent1"/>
+          </a:lnRef>
+          <a:fillRef idx="0">
+            <a:schemeClr val="accent1"/>
+          </a:fillRef>
+          <a:effectRef idx="1">
+            <a:schemeClr val="accent1"/>
+          </a:effectRef>
+          <a:fontRef idx="minor">
+            <a:schemeClr val="tx1"/>
+          </a:fontRef>
+        </p:style>
+      </p:cxnSp>
+      <p:cxnSp>
+        <p:nvCxnSpPr>
+          <p:cNvPr id="13" name="직선 연결선 12">
+            <a:extLst>
+              <a:ext uri="{FF2B5EF4-FFF2-40B4-BE49-F238E27FC236}">
+                <a16:creationId xmlns:a16="http://schemas.microsoft.com/office/drawing/2014/main" id="{7320D7AC-EBC7-0D54-939E-3597EACE8F7D}"/>
+              </a:ext>
+            </a:extLst>
+          </p:cNvPr>
+          <p:cNvCxnSpPr>
+            <a:cxnSpLocks/>
+          </p:cNvCxnSpPr>
+          <p:nvPr/>
+        </p:nvCxnSpPr>
+        <p:spPr>
+          <a:xfrm rot="5400000" flipV="1">
+            <a:off x="6137254" y="1774934"/>
+            <a:ext cx="0" cy="208547"/>
+          </a:xfrm>
+          <a:prstGeom prst="line">
+            <a:avLst/>
+          </a:prstGeom>
+          <a:ln w="38100">
+            <a:solidFill>
+              <a:schemeClr val="tx1"/>
+            </a:solidFill>
+          </a:ln>
+        </p:spPr>
+        <p:style>
+          <a:lnRef idx="2">
+            <a:schemeClr val="accent1"/>
+          </a:lnRef>
+          <a:fillRef idx="0">
+            <a:schemeClr val="accent1"/>
+          </a:fillRef>
+          <a:effectRef idx="1">
+            <a:schemeClr val="accent1"/>
+          </a:effectRef>
+          <a:fontRef idx="minor">
+            <a:schemeClr val="tx1"/>
+          </a:fontRef>
+        </p:style>
+      </p:cxnSp>
+      <p:cxnSp>
+        <p:nvCxnSpPr>
+          <p:cNvPr id="14" name="직선 연결선 13">
+            <a:extLst>
+              <a:ext uri="{FF2B5EF4-FFF2-40B4-BE49-F238E27FC236}">
+                <a16:creationId xmlns:a16="http://schemas.microsoft.com/office/drawing/2014/main" id="{3EF8333B-0599-343D-7868-D4B0F081D16D}"/>
+              </a:ext>
+            </a:extLst>
+          </p:cNvPr>
+          <p:cNvCxnSpPr>
+            <a:cxnSpLocks/>
+          </p:cNvCxnSpPr>
+          <p:nvPr/>
+        </p:nvCxnSpPr>
+        <p:spPr>
+          <a:xfrm rot="5400000" flipV="1">
+            <a:off x="6137254" y="924034"/>
+            <a:ext cx="0" cy="208547"/>
+          </a:xfrm>
+          <a:prstGeom prst="line">
+            <a:avLst/>
+          </a:prstGeom>
+          <a:ln w="38100">
+            <a:solidFill>
+              <a:schemeClr val="tx1"/>
+            </a:solidFill>
+          </a:ln>
+        </p:spPr>
+        <p:style>
+          <a:lnRef idx="2">
+            <a:schemeClr val="accent1"/>
+          </a:lnRef>
+          <a:fillRef idx="0">
+            <a:schemeClr val="accent1"/>
+          </a:fillRef>
+          <a:effectRef idx="1">
+            <a:schemeClr val="accent1"/>
+          </a:effectRef>
+          <a:fontRef idx="minor">
+            <a:schemeClr val="tx1"/>
+          </a:fontRef>
+        </p:style>
+      </p:cxnSp>
+      <p:cxnSp>
+        <p:nvCxnSpPr>
+          <p:cNvPr id="15" name="직선 연결선 14">
+            <a:extLst>
+              <a:ext uri="{FF2B5EF4-FFF2-40B4-BE49-F238E27FC236}">
+                <a16:creationId xmlns:a16="http://schemas.microsoft.com/office/drawing/2014/main" id="{13C514D4-88C4-214C-FD59-1C5495F986A8}"/>
+              </a:ext>
+            </a:extLst>
+          </p:cNvPr>
+          <p:cNvCxnSpPr>
+            <a:cxnSpLocks/>
+          </p:cNvCxnSpPr>
+          <p:nvPr/>
+        </p:nvCxnSpPr>
+        <p:spPr>
+          <a:xfrm rot="5400000" flipV="1">
+            <a:off x="6137254" y="1774934"/>
+            <a:ext cx="0" cy="208547"/>
+          </a:xfrm>
+          <a:prstGeom prst="line">
+            <a:avLst/>
+          </a:prstGeom>
+          <a:ln w="38100">
+            <a:solidFill>
+              <a:schemeClr val="tx1"/>
+            </a:solidFill>
+          </a:ln>
+        </p:spPr>
+        <p:style>
+          <a:lnRef idx="2">
+            <a:schemeClr val="accent1"/>
+          </a:lnRef>
+          <a:fillRef idx="0">
+            <a:schemeClr val="accent1"/>
+          </a:fillRef>
+          <a:effectRef idx="1">
+            <a:schemeClr val="accent1"/>
+          </a:effectRef>
+          <a:fontRef idx="minor">
+            <a:schemeClr val="tx1"/>
+          </a:fontRef>
+        </p:style>
+      </p:cxnSp>
+      <p:cxnSp>
+        <p:nvCxnSpPr>
+          <p:cNvPr id="16" name="직선 연결선 15">
+            <a:extLst>
+              <a:ext uri="{FF2B5EF4-FFF2-40B4-BE49-F238E27FC236}">
+                <a16:creationId xmlns:a16="http://schemas.microsoft.com/office/drawing/2014/main" id="{0AB23546-ADD7-31E2-8FF1-7EA40D6667F6}"/>
+              </a:ext>
+            </a:extLst>
+          </p:cNvPr>
+          <p:cNvCxnSpPr>
+            <a:cxnSpLocks/>
+          </p:cNvCxnSpPr>
+          <p:nvPr/>
+        </p:nvCxnSpPr>
+        <p:spPr>
+          <a:xfrm rot="5400000" flipV="1">
+            <a:off x="6137254" y="2625834"/>
+            <a:ext cx="0" cy="208547"/>
+          </a:xfrm>
+          <a:prstGeom prst="line">
+            <a:avLst/>
+          </a:prstGeom>
+          <a:ln w="38100">
+            <a:solidFill>
+              <a:schemeClr val="tx1"/>
+            </a:solidFill>
+          </a:ln>
+        </p:spPr>
+        <p:style>
+          <a:lnRef idx="2">
+            <a:schemeClr val="accent1"/>
+          </a:lnRef>
+          <a:fillRef idx="0">
+            <a:schemeClr val="accent1"/>
+          </a:fillRef>
+          <a:effectRef idx="1">
+            <a:schemeClr val="accent1"/>
+          </a:effectRef>
+          <a:fontRef idx="minor">
+            <a:schemeClr val="tx1"/>
+          </a:fontRef>
+        </p:style>
+      </p:cxnSp>
+      <p:sp>
+        <p:nvSpPr>
+          <p:cNvPr id="18" name="TextBox 17">
+            <a:extLst>
+              <a:ext uri="{FF2B5EF4-FFF2-40B4-BE49-F238E27FC236}">
+                <a16:creationId xmlns:a16="http://schemas.microsoft.com/office/drawing/2014/main" id="{C3A57390-6EE8-0D92-7939-F71E4B6637E9}"/>
+              </a:ext>
+            </a:extLst>
+          </p:cNvPr>
+          <p:cNvSpPr txBox="1"/>
+          <p:nvPr/>
+        </p:nvSpPr>
+        <p:spPr>
+          <a:xfrm>
+            <a:off x="6032980" y="-733192"/>
+            <a:ext cx="349776" cy="461665"/>
+          </a:xfrm>
+          <a:prstGeom prst="rect">
+            <a:avLst/>
+          </a:prstGeom>
+          <a:noFill/>
+        </p:spPr>
+        <p:txBody>
+          <a:bodyPr wrap="none" rtlCol="0">
+            <a:spAutoFit/>
+          </a:bodyPr>
+          <a:lstStyle/>
+          <a:p>
+            <a:r>
+              <a:rPr lang="en-US" altLang="ko-KR" sz="2400" b="1" dirty="0"/>
+              <a:t>y</a:t>
+            </a:r>
+            <a:endParaRPr lang="ko-KR" altLang="en-US" sz="2400" b="1" dirty="0"/>
+          </a:p>
+        </p:txBody>
+      </p:sp>
+      <p:sp>
+        <p:nvSpPr>
+          <p:cNvPr id="19" name="TextBox 18">
+            <a:extLst>
+              <a:ext uri="{FF2B5EF4-FFF2-40B4-BE49-F238E27FC236}">
+                <a16:creationId xmlns:a16="http://schemas.microsoft.com/office/drawing/2014/main" id="{5758275F-98DC-75E8-0761-328E19CA2221}"/>
+              </a:ext>
+            </a:extLst>
+          </p:cNvPr>
+          <p:cNvSpPr txBox="1"/>
+          <p:nvPr/>
+        </p:nvSpPr>
+        <p:spPr>
+          <a:xfrm>
+            <a:off x="5622627" y="4219385"/>
+            <a:ext cx="489236" cy="461665"/>
+          </a:xfrm>
+          <a:prstGeom prst="rect">
+            <a:avLst/>
+          </a:prstGeom>
+          <a:noFill/>
+        </p:spPr>
+        <p:txBody>
+          <a:bodyPr wrap="none" rtlCol="0">
+            <a:spAutoFit/>
+          </a:bodyPr>
+          <a:lstStyle/>
+          <a:p>
+            <a:r>
+              <a:rPr lang="en-US" altLang="ko-KR" sz="2400" b="1" dirty="0"/>
+              <a:t>-1</a:t>
+            </a:r>
+            <a:endParaRPr lang="ko-KR" altLang="en-US" sz="2400" b="1" dirty="0"/>
+          </a:p>
+        </p:txBody>
+      </p:sp>
+      <p:sp>
+        <p:nvSpPr>
+          <p:cNvPr id="20" name="TextBox 19">
+            <a:extLst>
+              <a:ext uri="{FF2B5EF4-FFF2-40B4-BE49-F238E27FC236}">
+                <a16:creationId xmlns:a16="http://schemas.microsoft.com/office/drawing/2014/main" id="{7F318B9B-B36F-0B8B-7537-0E40A60202E4}"/>
+              </a:ext>
+            </a:extLst>
+          </p:cNvPr>
+          <p:cNvSpPr txBox="1"/>
+          <p:nvPr/>
+        </p:nvSpPr>
+        <p:spPr>
+          <a:xfrm>
+            <a:off x="5622627" y="5075896"/>
+            <a:ext cx="489236" cy="461665"/>
+          </a:xfrm>
+          <a:prstGeom prst="rect">
+            <a:avLst/>
+          </a:prstGeom>
+          <a:noFill/>
+        </p:spPr>
+        <p:txBody>
+          <a:bodyPr wrap="none" rtlCol="0">
+            <a:spAutoFit/>
+          </a:bodyPr>
+          <a:lstStyle/>
+          <a:p>
+            <a:r>
+              <a:rPr lang="en-US" altLang="ko-KR" sz="2400" b="1" dirty="0"/>
+              <a:t>-2</a:t>
+            </a:r>
+            <a:endParaRPr lang="ko-KR" altLang="en-US" sz="2400" b="1" dirty="0"/>
+          </a:p>
+        </p:txBody>
+      </p:sp>
+      <p:sp>
+        <p:nvSpPr>
+          <p:cNvPr id="21" name="TextBox 20">
+            <a:extLst>
+              <a:ext uri="{FF2B5EF4-FFF2-40B4-BE49-F238E27FC236}">
+                <a16:creationId xmlns:a16="http://schemas.microsoft.com/office/drawing/2014/main" id="{2994BA94-791A-43FC-9F3F-F3EEFB07D1E9}"/>
+              </a:ext>
+            </a:extLst>
+          </p:cNvPr>
+          <p:cNvSpPr txBox="1"/>
+          <p:nvPr/>
+        </p:nvSpPr>
+        <p:spPr>
+          <a:xfrm>
+            <a:off x="5622627" y="5932407"/>
+            <a:ext cx="489236" cy="461665"/>
+          </a:xfrm>
+          <a:prstGeom prst="rect">
+            <a:avLst/>
+          </a:prstGeom>
+          <a:noFill/>
+        </p:spPr>
+        <p:txBody>
+          <a:bodyPr wrap="none" rtlCol="0">
+            <a:spAutoFit/>
+          </a:bodyPr>
+          <a:lstStyle/>
+          <a:p>
+            <a:r>
+              <a:rPr lang="en-US" altLang="ko-KR" sz="2400" b="1" dirty="0"/>
+              <a:t>-3</a:t>
+            </a:r>
+            <a:endParaRPr lang="ko-KR" altLang="en-US" sz="2400" b="1" dirty="0"/>
+          </a:p>
+        </p:txBody>
+      </p:sp>
+      <p:sp>
+        <p:nvSpPr>
+          <p:cNvPr id="22" name="TextBox 21">
+            <a:extLst>
+              <a:ext uri="{FF2B5EF4-FFF2-40B4-BE49-F238E27FC236}">
+                <a16:creationId xmlns:a16="http://schemas.microsoft.com/office/drawing/2014/main" id="{BE8EEF1F-FEC0-D0CD-023B-159E056CE55E}"/>
+              </a:ext>
+            </a:extLst>
+          </p:cNvPr>
+          <p:cNvSpPr txBox="1"/>
+          <p:nvPr/>
+        </p:nvSpPr>
+        <p:spPr>
+          <a:xfrm>
+            <a:off x="5622627" y="6788918"/>
+            <a:ext cx="489236" cy="461665"/>
+          </a:xfrm>
+          <a:prstGeom prst="rect">
+            <a:avLst/>
+          </a:prstGeom>
+          <a:noFill/>
+        </p:spPr>
+        <p:txBody>
+          <a:bodyPr wrap="none" rtlCol="0">
+            <a:spAutoFit/>
+          </a:bodyPr>
+          <a:lstStyle/>
+          <a:p>
+            <a:r>
+              <a:rPr lang="en-US" altLang="ko-KR" sz="2400" b="1" dirty="0"/>
+              <a:t>-4</a:t>
+            </a:r>
+            <a:endParaRPr lang="ko-KR" altLang="en-US" sz="2400" b="1" dirty="0"/>
+          </a:p>
+        </p:txBody>
+      </p:sp>
+      <p:sp>
+        <p:nvSpPr>
+          <p:cNvPr id="23" name="TextBox 22">
+            <a:extLst>
+              <a:ext uri="{FF2B5EF4-FFF2-40B4-BE49-F238E27FC236}">
+                <a16:creationId xmlns:a16="http://schemas.microsoft.com/office/drawing/2014/main" id="{734C9926-2A20-BFC6-C295-755867BC1744}"/>
+              </a:ext>
+            </a:extLst>
+          </p:cNvPr>
+          <p:cNvSpPr txBox="1"/>
+          <p:nvPr/>
+        </p:nvSpPr>
+        <p:spPr>
+          <a:xfrm>
+            <a:off x="5559309" y="-7360"/>
+            <a:ext cx="362600" cy="461665"/>
+          </a:xfrm>
+          <a:prstGeom prst="rect">
+            <a:avLst/>
+          </a:prstGeom>
+          <a:noFill/>
+        </p:spPr>
+        <p:txBody>
+          <a:bodyPr wrap="none" rtlCol="0">
+            <a:spAutoFit/>
+          </a:bodyPr>
+          <a:lstStyle/>
+          <a:p>
+            <a:r>
+              <a:rPr lang="en-US" altLang="ko-KR" sz="2400" b="1" dirty="0"/>
+              <a:t>4</a:t>
+            </a:r>
+            <a:endParaRPr lang="ko-KR" altLang="en-US" sz="2400" b="1" dirty="0"/>
+          </a:p>
+        </p:txBody>
+      </p:sp>
+      <p:sp>
+        <p:nvSpPr>
+          <p:cNvPr id="24" name="TextBox 23">
+            <a:extLst>
+              <a:ext uri="{FF2B5EF4-FFF2-40B4-BE49-F238E27FC236}">
+                <a16:creationId xmlns:a16="http://schemas.microsoft.com/office/drawing/2014/main" id="{18A98A9D-3A7A-A955-9F0B-C01478036076}"/>
+              </a:ext>
+            </a:extLst>
+          </p:cNvPr>
+          <p:cNvSpPr txBox="1"/>
+          <p:nvPr/>
+        </p:nvSpPr>
+        <p:spPr>
+          <a:xfrm>
+            <a:off x="5559309" y="849889"/>
+            <a:ext cx="362600" cy="461665"/>
+          </a:xfrm>
+          <a:prstGeom prst="rect">
+            <a:avLst/>
+          </a:prstGeom>
+          <a:noFill/>
+        </p:spPr>
+        <p:txBody>
+          <a:bodyPr wrap="none" rtlCol="0">
+            <a:spAutoFit/>
+          </a:bodyPr>
+          <a:lstStyle/>
+          <a:p>
+            <a:r>
+              <a:rPr lang="en-US" altLang="ko-KR" sz="2400" b="1" dirty="0"/>
+              <a:t>3</a:t>
+            </a:r>
+            <a:endParaRPr lang="ko-KR" altLang="en-US" sz="2400" b="1" dirty="0"/>
+          </a:p>
+        </p:txBody>
+      </p:sp>
+      <p:sp>
+        <p:nvSpPr>
+          <p:cNvPr id="25" name="TextBox 24">
+            <a:extLst>
+              <a:ext uri="{FF2B5EF4-FFF2-40B4-BE49-F238E27FC236}">
+                <a16:creationId xmlns:a16="http://schemas.microsoft.com/office/drawing/2014/main" id="{DE7E50A7-E5DF-CC22-3290-EBCCE3B49A80}"/>
+              </a:ext>
+            </a:extLst>
+          </p:cNvPr>
+          <p:cNvSpPr txBox="1"/>
+          <p:nvPr/>
+        </p:nvSpPr>
+        <p:spPr>
+          <a:xfrm>
+            <a:off x="5559309" y="1706400"/>
+            <a:ext cx="362600" cy="461665"/>
+          </a:xfrm>
+          <a:prstGeom prst="rect">
+            <a:avLst/>
+          </a:prstGeom>
+          <a:noFill/>
+        </p:spPr>
+        <p:txBody>
+          <a:bodyPr wrap="none" rtlCol="0">
+            <a:spAutoFit/>
+          </a:bodyPr>
+          <a:lstStyle/>
+          <a:p>
+            <a:r>
+              <a:rPr lang="en-US" altLang="ko-KR" sz="2400" b="1" dirty="0"/>
+              <a:t>2</a:t>
+            </a:r>
+            <a:endParaRPr lang="ko-KR" altLang="en-US" sz="2400" b="1" dirty="0"/>
+          </a:p>
+        </p:txBody>
+      </p:sp>
+      <p:sp>
+        <p:nvSpPr>
+          <p:cNvPr id="26" name="TextBox 25">
+            <a:extLst>
+              <a:ext uri="{FF2B5EF4-FFF2-40B4-BE49-F238E27FC236}">
+                <a16:creationId xmlns:a16="http://schemas.microsoft.com/office/drawing/2014/main" id="{386D9490-10B4-A71D-2DC9-59E59CB9F672}"/>
+              </a:ext>
+            </a:extLst>
+          </p:cNvPr>
+          <p:cNvSpPr txBox="1"/>
+          <p:nvPr/>
+        </p:nvSpPr>
+        <p:spPr>
+          <a:xfrm>
+            <a:off x="5559309" y="2562911"/>
+            <a:ext cx="362600" cy="461665"/>
+          </a:xfrm>
+          <a:prstGeom prst="rect">
+            <a:avLst/>
+          </a:prstGeom>
+          <a:noFill/>
+        </p:spPr>
+        <p:txBody>
+          <a:bodyPr wrap="none" rtlCol="0">
+            <a:spAutoFit/>
+          </a:bodyPr>
+          <a:lstStyle/>
+          <a:p>
+            <a:r>
+              <a:rPr lang="en-US" altLang="ko-KR" sz="2400" b="1" dirty="0"/>
+              <a:t>1</a:t>
+            </a:r>
+            <a:endParaRPr lang="ko-KR" altLang="en-US" sz="2400" b="1" dirty="0"/>
+          </a:p>
+        </p:txBody>
+      </p:sp>
+      <p:cxnSp>
+        <p:nvCxnSpPr>
+          <p:cNvPr id="30" name="직선 연결선 29">
+            <a:extLst>
+              <a:ext uri="{FF2B5EF4-FFF2-40B4-BE49-F238E27FC236}">
+                <a16:creationId xmlns:a16="http://schemas.microsoft.com/office/drawing/2014/main" id="{106BBB05-B682-ABD3-485C-0F3EA3C3EC04}"/>
+              </a:ext>
+            </a:extLst>
+          </p:cNvPr>
+          <p:cNvCxnSpPr>
+            <a:cxnSpLocks/>
+          </p:cNvCxnSpPr>
+          <p:nvPr/>
+        </p:nvCxnSpPr>
+        <p:spPr>
+          <a:xfrm flipH="1">
+            <a:off x="2568206" y="774293"/>
+            <a:ext cx="7894668" cy="5233818"/>
+          </a:xfrm>
+          <a:prstGeom prst="line">
+            <a:avLst/>
+          </a:prstGeom>
+          <a:ln>
+            <a:solidFill>
+              <a:schemeClr val="accent2"/>
+            </a:solidFill>
+          </a:ln>
+        </p:spPr>
+        <p:style>
+          <a:lnRef idx="2">
+            <a:schemeClr val="accent1"/>
+          </a:lnRef>
+          <a:fillRef idx="0">
+            <a:schemeClr val="accent1"/>
+          </a:fillRef>
+          <a:effectRef idx="1">
+            <a:schemeClr val="accent1"/>
+          </a:effectRef>
+          <a:fontRef idx="minor">
+            <a:schemeClr val="tx1"/>
+          </a:fontRef>
+        </p:style>
+      </p:cxnSp>
+      <p:sp>
+        <p:nvSpPr>
+          <p:cNvPr id="2" name="타원 1">
+            <a:extLst>
+              <a:ext uri="{FF2B5EF4-FFF2-40B4-BE49-F238E27FC236}">
+                <a16:creationId xmlns:a16="http://schemas.microsoft.com/office/drawing/2014/main" id="{AA45DBAB-838C-7456-03E1-0B1B2759A04B}"/>
+              </a:ext>
+            </a:extLst>
+          </p:cNvPr>
+          <p:cNvSpPr/>
+          <p:nvPr/>
+        </p:nvSpPr>
+        <p:spPr>
+          <a:xfrm>
+            <a:off x="7391519" y="2616004"/>
+            <a:ext cx="231383" cy="231383"/>
+          </a:xfrm>
+          <a:prstGeom prst="ellipse">
+            <a:avLst/>
+          </a:prstGeom>
+          <a:solidFill>
+            <a:schemeClr val="accent5">
+              <a:lumMod val="60000"/>
+              <a:lumOff val="40000"/>
+            </a:schemeClr>
+          </a:solidFill>
+        </p:spPr>
+        <p:style>
+          <a:lnRef idx="2">
+            <a:schemeClr val="accent1">
+              <a:shade val="15000"/>
+            </a:schemeClr>
+          </a:lnRef>
+          <a:fillRef idx="1">
+            <a:schemeClr val="accent1"/>
+          </a:fillRef>
+          <a:effectRef idx="0">
+            <a:schemeClr val="accent1"/>
+          </a:effectRef>
+          <a:fontRef idx="minor">
+            <a:schemeClr val="lt1"/>
+          </a:fontRef>
+        </p:style>
+        <p:txBody>
+          <a:bodyPr rtlCol="0" anchor="ctr"/>
+          <a:lstStyle/>
+          <a:p>
+            <a:pPr algn="ctr"/>
+            <a:endParaRPr lang="ko-KR" altLang="en-US"/>
+          </a:p>
+        </p:txBody>
+      </p:sp>
+      <p:sp>
+        <p:nvSpPr>
+          <p:cNvPr id="4" name="타원 3">
+            <a:extLst>
+              <a:ext uri="{FF2B5EF4-FFF2-40B4-BE49-F238E27FC236}">
+                <a16:creationId xmlns:a16="http://schemas.microsoft.com/office/drawing/2014/main" id="{EB7D5A7E-6AFD-3DE8-7A2D-5C81066FF963}"/>
+              </a:ext>
+            </a:extLst>
+          </p:cNvPr>
+          <p:cNvSpPr/>
+          <p:nvPr/>
+        </p:nvSpPr>
+        <p:spPr>
+          <a:xfrm>
+            <a:off x="9951431" y="912615"/>
+            <a:ext cx="231383" cy="231383"/>
+          </a:xfrm>
+          <a:prstGeom prst="ellipse">
+            <a:avLst/>
+          </a:prstGeom>
+          <a:solidFill>
+            <a:srgbClr val="00B050"/>
+          </a:solidFill>
+        </p:spPr>
+        <p:style>
+          <a:lnRef idx="2">
+            <a:schemeClr val="accent1">
+              <a:shade val="15000"/>
+            </a:schemeClr>
+          </a:lnRef>
+          <a:fillRef idx="1">
+            <a:schemeClr val="accent1"/>
+          </a:fillRef>
+          <a:effectRef idx="0">
+            <a:schemeClr val="accent1"/>
+          </a:effectRef>
+          <a:fontRef idx="minor">
+            <a:schemeClr val="lt1"/>
+          </a:fontRef>
+        </p:style>
+        <p:txBody>
+          <a:bodyPr rtlCol="0" anchor="ctr"/>
+          <a:lstStyle/>
+          <a:p>
+            <a:pPr algn="ctr"/>
+            <a:endParaRPr lang="ko-KR" altLang="en-US"/>
+          </a:p>
+        </p:txBody>
+      </p:sp>
+      <p:sp>
+        <p:nvSpPr>
+          <p:cNvPr id="3" name="타원 2">
+            <a:extLst>
+              <a:ext uri="{FF2B5EF4-FFF2-40B4-BE49-F238E27FC236}">
+                <a16:creationId xmlns:a16="http://schemas.microsoft.com/office/drawing/2014/main" id="{B99A9C77-183B-17DF-209F-22679D726E49}"/>
+              </a:ext>
+            </a:extLst>
+          </p:cNvPr>
+          <p:cNvSpPr/>
+          <p:nvPr/>
+        </p:nvSpPr>
+        <p:spPr>
+          <a:xfrm>
+            <a:off x="3544041" y="5177473"/>
+            <a:ext cx="231383" cy="231383"/>
+          </a:xfrm>
+          <a:prstGeom prst="ellipse">
+            <a:avLst/>
+          </a:prstGeom>
+          <a:solidFill>
+            <a:srgbClr val="00B050"/>
+          </a:solidFill>
+        </p:spPr>
+        <p:style>
+          <a:lnRef idx="2">
+            <a:schemeClr val="accent1">
+              <a:shade val="15000"/>
+            </a:schemeClr>
+          </a:lnRef>
+          <a:fillRef idx="1">
+            <a:schemeClr val="accent1"/>
+          </a:fillRef>
+          <a:effectRef idx="0">
+            <a:schemeClr val="accent1"/>
+          </a:effectRef>
+          <a:fontRef idx="minor">
+            <a:schemeClr val="lt1"/>
+          </a:fontRef>
+        </p:style>
+        <p:txBody>
+          <a:bodyPr rtlCol="0" anchor="ctr"/>
+          <a:lstStyle/>
+          <a:p>
+            <a:pPr algn="ctr"/>
+            <a:endParaRPr lang="ko-KR" altLang="en-US"/>
+          </a:p>
+        </p:txBody>
+      </p:sp>
+      <p:cxnSp>
+        <p:nvCxnSpPr>
+          <p:cNvPr id="43" name="직선 화살표 연결선 42">
+            <a:extLst>
+              <a:ext uri="{FF2B5EF4-FFF2-40B4-BE49-F238E27FC236}">
+                <a16:creationId xmlns:a16="http://schemas.microsoft.com/office/drawing/2014/main" id="{247A9596-E4AE-3B26-7008-DF537CC13150}"/>
+              </a:ext>
+            </a:extLst>
+          </p:cNvPr>
+          <p:cNvCxnSpPr>
+            <a:cxnSpLocks/>
+            <a:endCxn id="4" idx="3"/>
+          </p:cNvCxnSpPr>
+          <p:nvPr/>
+        </p:nvCxnSpPr>
+        <p:spPr>
+          <a:xfrm flipV="1">
+            <a:off x="7622902" y="1110113"/>
+            <a:ext cx="2362414" cy="1544187"/>
+          </a:xfrm>
+          <a:prstGeom prst="straightConnector1">
+            <a:avLst/>
+          </a:prstGeom>
+          <a:ln w="38100">
+            <a:solidFill>
+              <a:srgbClr val="00B050"/>
+            </a:solidFill>
+            <a:tailEnd type="triangle"/>
+          </a:ln>
+        </p:spPr>
+        <p:style>
+          <a:lnRef idx="2">
+            <a:schemeClr val="accent1"/>
+          </a:lnRef>
+          <a:fillRef idx="0">
+            <a:schemeClr val="accent1"/>
+          </a:fillRef>
+          <a:effectRef idx="1">
+            <a:schemeClr val="accent1"/>
+          </a:effectRef>
+          <a:fontRef idx="minor">
+            <a:schemeClr val="tx1"/>
+          </a:fontRef>
+        </p:style>
+      </p:cxnSp>
+      <p:cxnSp>
+        <p:nvCxnSpPr>
+          <p:cNvPr id="54" name="직선 화살표 연결선 53">
+            <a:extLst>
+              <a:ext uri="{FF2B5EF4-FFF2-40B4-BE49-F238E27FC236}">
+                <a16:creationId xmlns:a16="http://schemas.microsoft.com/office/drawing/2014/main" id="{89FCA180-BBC7-0AE5-7015-BEE6ABF45656}"/>
+              </a:ext>
+            </a:extLst>
+          </p:cNvPr>
+          <p:cNvCxnSpPr>
+            <a:cxnSpLocks/>
+            <a:endCxn id="3" idx="7"/>
+          </p:cNvCxnSpPr>
+          <p:nvPr/>
+        </p:nvCxnSpPr>
+        <p:spPr>
+          <a:xfrm flipH="1">
+            <a:off x="3741539" y="3601932"/>
+            <a:ext cx="2463225" cy="1609426"/>
+          </a:xfrm>
+          <a:prstGeom prst="straightConnector1">
+            <a:avLst/>
+          </a:prstGeom>
+          <a:ln w="38100">
+            <a:solidFill>
+              <a:srgbClr val="00B050"/>
+            </a:solidFill>
+            <a:tailEnd type="triangle"/>
+          </a:ln>
+        </p:spPr>
+        <p:style>
+          <a:lnRef idx="2">
+            <a:schemeClr val="accent1"/>
+          </a:lnRef>
+          <a:fillRef idx="0">
+            <a:schemeClr val="accent1"/>
+          </a:fillRef>
+          <a:effectRef idx="1">
+            <a:schemeClr val="accent1"/>
+          </a:effectRef>
+          <a:fontRef idx="minor">
+            <a:schemeClr val="tx1"/>
+          </a:fontRef>
+        </p:style>
+      </p:cxnSp>
+      <p:sp>
+        <p:nvSpPr>
+          <p:cNvPr id="150" name="TextBox 149">
+            <a:extLst>
+              <a:ext uri="{FF2B5EF4-FFF2-40B4-BE49-F238E27FC236}">
+                <a16:creationId xmlns:a16="http://schemas.microsoft.com/office/drawing/2014/main" id="{CF044CBD-E082-1ACA-7F05-C1FB5955B5C9}"/>
+              </a:ext>
+            </a:extLst>
+          </p:cNvPr>
+          <p:cNvSpPr txBox="1"/>
+          <p:nvPr/>
+        </p:nvSpPr>
+        <p:spPr>
+          <a:xfrm>
+            <a:off x="5181961" y="3790950"/>
+            <a:ext cx="489236" cy="461665"/>
+          </a:xfrm>
+          <a:prstGeom prst="rect">
+            <a:avLst/>
+          </a:prstGeom>
+          <a:noFill/>
+        </p:spPr>
+        <p:txBody>
+          <a:bodyPr wrap="none" rtlCol="0">
+            <a:spAutoFit/>
+          </a:bodyPr>
+          <a:lstStyle/>
+          <a:p>
+            <a:r>
+              <a:rPr lang="en-US" altLang="ko-KR" sz="2400" b="1" dirty="0"/>
+              <a:t>-1</a:t>
+            </a:r>
+            <a:endParaRPr lang="ko-KR" altLang="en-US" sz="2400" b="1" dirty="0"/>
+          </a:p>
+        </p:txBody>
+      </p:sp>
+      <p:sp>
+        <p:nvSpPr>
+          <p:cNvPr id="63" name="원호 62">
+            <a:extLst>
+              <a:ext uri="{FF2B5EF4-FFF2-40B4-BE49-F238E27FC236}">
+                <a16:creationId xmlns:a16="http://schemas.microsoft.com/office/drawing/2014/main" id="{130D983A-B802-E9BD-C0A0-DBE7CB971FCD}"/>
+              </a:ext>
+            </a:extLst>
+          </p:cNvPr>
+          <p:cNvSpPr/>
+          <p:nvPr/>
+        </p:nvSpPr>
+        <p:spPr>
+          <a:xfrm rot="6086899">
+            <a:off x="1407176" y="-746719"/>
+            <a:ext cx="6140998" cy="6140998"/>
+          </a:xfrm>
+          <a:prstGeom prst="arc">
+            <a:avLst/>
+          </a:prstGeom>
+          <a:ln w="19050">
+            <a:solidFill>
+              <a:srgbClr val="00B050"/>
+            </a:solidFill>
+            <a:prstDash val="sysDash"/>
+          </a:ln>
+        </p:spPr>
+        <p:style>
+          <a:lnRef idx="2">
+            <a:schemeClr val="accent1"/>
+          </a:lnRef>
+          <a:fillRef idx="0">
+            <a:schemeClr val="accent1"/>
+          </a:fillRef>
+          <a:effectRef idx="1">
+            <a:schemeClr val="accent1"/>
+          </a:effectRef>
+          <a:fontRef idx="minor">
+            <a:schemeClr val="tx1"/>
+          </a:fontRef>
+        </p:style>
+        <p:txBody>
+          <a:bodyPr rtlCol="0" anchor="ctr"/>
+          <a:lstStyle/>
+          <a:p>
+            <a:pPr algn="ctr"/>
+            <a:endParaRPr lang="ko-KR" altLang="en-US"/>
+          </a:p>
+        </p:txBody>
+      </p:sp>
+      <p:sp>
+        <p:nvSpPr>
+          <p:cNvPr id="64" name="원호 63">
+            <a:extLst>
+              <a:ext uri="{FF2B5EF4-FFF2-40B4-BE49-F238E27FC236}">
+                <a16:creationId xmlns:a16="http://schemas.microsoft.com/office/drawing/2014/main" id="{B6628BDC-BA59-518D-17EA-0228BDD692DC}"/>
+              </a:ext>
+            </a:extLst>
+          </p:cNvPr>
+          <p:cNvSpPr/>
+          <p:nvPr/>
+        </p:nvSpPr>
+        <p:spPr>
+          <a:xfrm rot="16722755">
+            <a:off x="6238361" y="944838"/>
+            <a:ext cx="6104207" cy="6104207"/>
+          </a:xfrm>
+          <a:prstGeom prst="arc">
+            <a:avLst/>
+          </a:prstGeom>
+          <a:ln w="19050">
+            <a:solidFill>
+              <a:srgbClr val="00B050"/>
+            </a:solidFill>
+            <a:prstDash val="sysDash"/>
+          </a:ln>
+        </p:spPr>
+        <p:style>
+          <a:lnRef idx="2">
+            <a:schemeClr val="accent1"/>
+          </a:lnRef>
+          <a:fillRef idx="0">
+            <a:schemeClr val="accent1"/>
+          </a:fillRef>
+          <a:effectRef idx="1">
+            <a:schemeClr val="accent1"/>
+          </a:effectRef>
+          <a:fontRef idx="minor">
+            <a:schemeClr val="tx1"/>
+          </a:fontRef>
+        </p:style>
+        <p:txBody>
+          <a:bodyPr rtlCol="0" anchor="ctr"/>
+          <a:lstStyle/>
+          <a:p>
+            <a:pPr algn="ctr"/>
+            <a:endParaRPr lang="ko-KR" altLang="en-US"/>
+          </a:p>
+        </p:txBody>
+      </p:sp>
+      <p:cxnSp>
+        <p:nvCxnSpPr>
+          <p:cNvPr id="65" name="직선 화살표 연결선 64">
+            <a:extLst>
+              <a:ext uri="{FF2B5EF4-FFF2-40B4-BE49-F238E27FC236}">
+                <a16:creationId xmlns:a16="http://schemas.microsoft.com/office/drawing/2014/main" id="{2E66B4C1-B981-8764-7E37-CCD499C03690}"/>
+              </a:ext>
+            </a:extLst>
+          </p:cNvPr>
+          <p:cNvCxnSpPr>
+            <a:cxnSpLocks/>
+          </p:cNvCxnSpPr>
+          <p:nvPr/>
+        </p:nvCxnSpPr>
+        <p:spPr>
+          <a:xfrm rot="13500000">
+            <a:off x="3794046" y="5298797"/>
+            <a:ext cx="52585" cy="0"/>
+          </a:xfrm>
+          <a:prstGeom prst="straightConnector1">
+            <a:avLst/>
+          </a:prstGeom>
+          <a:ln>
+            <a:solidFill>
+              <a:srgbClr val="00B050"/>
+            </a:solidFill>
+            <a:tailEnd type="triangle"/>
+          </a:ln>
+        </p:spPr>
+        <p:style>
+          <a:lnRef idx="2">
+            <a:schemeClr val="accent1"/>
+          </a:lnRef>
+          <a:fillRef idx="0">
+            <a:schemeClr val="accent1"/>
+          </a:fillRef>
+          <a:effectRef idx="1">
+            <a:schemeClr val="accent1"/>
+          </a:effectRef>
+          <a:fontRef idx="minor">
+            <a:schemeClr val="tx1"/>
+          </a:fontRef>
+        </p:style>
+      </p:cxnSp>
+      <p:cxnSp>
+        <p:nvCxnSpPr>
+          <p:cNvPr id="66" name="직선 화살표 연결선 65">
+            <a:extLst>
+              <a:ext uri="{FF2B5EF4-FFF2-40B4-BE49-F238E27FC236}">
+                <a16:creationId xmlns:a16="http://schemas.microsoft.com/office/drawing/2014/main" id="{0AD69F06-D823-AEB0-603F-8CAAE9E43960}"/>
+              </a:ext>
+            </a:extLst>
+          </p:cNvPr>
+          <p:cNvCxnSpPr>
+            <a:cxnSpLocks/>
+          </p:cNvCxnSpPr>
+          <p:nvPr/>
+        </p:nvCxnSpPr>
+        <p:spPr>
+          <a:xfrm rot="2700000">
+            <a:off x="9753068" y="1006309"/>
+            <a:ext cx="52585" cy="0"/>
+          </a:xfrm>
+          <a:prstGeom prst="straightConnector1">
+            <a:avLst/>
+          </a:prstGeom>
+          <a:ln>
+            <a:solidFill>
+              <a:srgbClr val="00B050"/>
+            </a:solidFill>
+            <a:tailEnd type="triangle"/>
+          </a:ln>
+        </p:spPr>
+        <p:style>
+          <a:lnRef idx="2">
+            <a:schemeClr val="accent1"/>
+          </a:lnRef>
+          <a:fillRef idx="0">
+            <a:schemeClr val="accent1"/>
+          </a:fillRef>
+          <a:effectRef idx="1">
+            <a:schemeClr val="accent1"/>
+          </a:effectRef>
+          <a:fontRef idx="minor">
+            <a:schemeClr val="tx1"/>
+          </a:fontRef>
+        </p:style>
+      </p:cxnSp>
+      <p:cxnSp>
+        <p:nvCxnSpPr>
+          <p:cNvPr id="68" name="직선 화살표 연결선 67">
+            <a:extLst>
+              <a:ext uri="{FF2B5EF4-FFF2-40B4-BE49-F238E27FC236}">
+                <a16:creationId xmlns:a16="http://schemas.microsoft.com/office/drawing/2014/main" id="{61ACCE57-F46D-D242-591B-80BAF6516E49}"/>
+              </a:ext>
+            </a:extLst>
+          </p:cNvPr>
+          <p:cNvCxnSpPr>
+            <a:cxnSpLocks/>
+          </p:cNvCxnSpPr>
+          <p:nvPr/>
+        </p:nvCxnSpPr>
+        <p:spPr>
+          <a:xfrm flipV="1">
+            <a:off x="6211404" y="2800954"/>
+            <a:ext cx="1188786" cy="788430"/>
+          </a:xfrm>
+          <a:prstGeom prst="straightConnector1">
+            <a:avLst/>
+          </a:prstGeom>
+          <a:ln w="38100">
+            <a:solidFill>
+              <a:schemeClr val="accent5">
+                <a:lumMod val="60000"/>
+                <a:lumOff val="40000"/>
+              </a:schemeClr>
+            </a:solidFill>
+            <a:tailEnd type="triangle"/>
+          </a:ln>
+        </p:spPr>
+        <p:style>
+          <a:lnRef idx="2">
+            <a:schemeClr val="accent1"/>
+          </a:lnRef>
+          <a:fillRef idx="0">
+            <a:schemeClr val="accent1"/>
+          </a:fillRef>
+          <a:effectRef idx="1">
+            <a:schemeClr val="accent1"/>
+          </a:effectRef>
+          <a:fontRef idx="minor">
+            <a:schemeClr val="tx1"/>
+          </a:fontRef>
+        </p:style>
+      </p:cxnSp>
+      <p:sp>
+        <p:nvSpPr>
+          <p:cNvPr id="70" name="원호 69">
+            <a:extLst>
+              <a:ext uri="{FF2B5EF4-FFF2-40B4-BE49-F238E27FC236}">
+                <a16:creationId xmlns:a16="http://schemas.microsoft.com/office/drawing/2014/main" id="{495B413C-BF9D-2455-3C45-BA36E949C40A}"/>
+              </a:ext>
+            </a:extLst>
+          </p:cNvPr>
+          <p:cNvSpPr/>
+          <p:nvPr/>
+        </p:nvSpPr>
+        <p:spPr>
+          <a:xfrm rot="16536831">
+            <a:off x="6244879" y="2658654"/>
+            <a:ext cx="2021480" cy="2021480"/>
+          </a:xfrm>
+          <a:prstGeom prst="arc">
+            <a:avLst/>
+          </a:prstGeom>
+          <a:ln>
+            <a:solidFill>
+              <a:schemeClr val="accent5">
+                <a:lumMod val="60000"/>
+                <a:lumOff val="40000"/>
+              </a:schemeClr>
+            </a:solidFill>
+            <a:prstDash val="sysDash"/>
+          </a:ln>
+        </p:spPr>
+        <p:style>
+          <a:lnRef idx="2">
+            <a:schemeClr val="accent1"/>
+          </a:lnRef>
+          <a:fillRef idx="0">
+            <a:schemeClr val="accent1"/>
+          </a:fillRef>
+          <a:effectRef idx="1">
+            <a:schemeClr val="accent1"/>
+          </a:effectRef>
+          <a:fontRef idx="minor">
+            <a:schemeClr val="tx1"/>
+          </a:fontRef>
+        </p:style>
+        <p:txBody>
+          <a:bodyPr rtlCol="0" anchor="ctr"/>
+          <a:lstStyle/>
+          <a:p>
+            <a:pPr algn="ctr"/>
+            <a:endParaRPr lang="ko-KR" altLang="en-US"/>
+          </a:p>
+        </p:txBody>
+      </p:sp>
+      <p:cxnSp>
+        <p:nvCxnSpPr>
+          <p:cNvPr id="71" name="직선 화살표 연결선 70">
+            <a:extLst>
+              <a:ext uri="{FF2B5EF4-FFF2-40B4-BE49-F238E27FC236}">
+                <a16:creationId xmlns:a16="http://schemas.microsoft.com/office/drawing/2014/main" id="{4C1FE4DB-BEB8-9673-6998-0E2D35027BF9}"/>
+              </a:ext>
+            </a:extLst>
+          </p:cNvPr>
+          <p:cNvCxnSpPr>
+            <a:cxnSpLocks/>
+          </p:cNvCxnSpPr>
+          <p:nvPr/>
+        </p:nvCxnSpPr>
+        <p:spPr>
+          <a:xfrm rot="2700000">
+            <a:off x="7334964" y="2686562"/>
+            <a:ext cx="52585" cy="0"/>
+          </a:xfrm>
+          <a:prstGeom prst="straightConnector1">
+            <a:avLst/>
+          </a:prstGeom>
+          <a:ln>
+            <a:solidFill>
+              <a:schemeClr val="accent5">
+                <a:lumMod val="60000"/>
+                <a:lumOff val="40000"/>
+              </a:schemeClr>
+            </a:solidFill>
+            <a:tailEnd type="triangle"/>
+          </a:ln>
+        </p:spPr>
+        <p:style>
+          <a:lnRef idx="2">
+            <a:schemeClr val="accent1"/>
+          </a:lnRef>
+          <a:fillRef idx="0">
+            <a:schemeClr val="accent1"/>
+          </a:fillRef>
+          <a:effectRef idx="1">
+            <a:schemeClr val="accent1"/>
+          </a:effectRef>
+          <a:fontRef idx="minor">
+            <a:schemeClr val="tx1"/>
+          </a:fontRef>
+        </p:style>
+      </p:cxnSp>
+      <mc:AlternateContent xmlns:mc="http://schemas.openxmlformats.org/markup-compatibility/2006">
+        <mc:Choice xmlns:a14="http://schemas.microsoft.com/office/drawing/2010/main" Requires="a14">
+          <p:sp>
+            <p:nvSpPr>
+              <p:cNvPr id="72" name="TextBox 71">
+                <a:extLst>
+                  <a:ext uri="{FF2B5EF4-FFF2-40B4-BE49-F238E27FC236}">
+                    <a16:creationId xmlns:a16="http://schemas.microsoft.com/office/drawing/2014/main" id="{1B27AFBC-DC8C-1F90-330E-F4AD843C1D82}"/>
+                  </a:ext>
+                </a:extLst>
+              </p:cNvPr>
+              <p:cNvSpPr txBox="1"/>
+              <p:nvPr/>
+            </p:nvSpPr>
+            <p:spPr>
+              <a:xfrm>
+                <a:off x="7642880" y="452729"/>
+                <a:ext cx="1790875" cy="369332"/>
+              </a:xfrm>
+              <a:prstGeom prst="rect">
+                <a:avLst/>
+              </a:prstGeom>
+              <a:noFill/>
+            </p:spPr>
+            <p:txBody>
+              <a:bodyPr wrap="none" rtlCol="0">
+                <a:spAutoFit/>
+              </a:bodyPr>
+              <a:lstStyle/>
+              <a:p>
+                <a:r>
+                  <a:rPr lang="en-US" altLang="ko-KR" b="1" dirty="0">
+                    <a:solidFill>
+                      <a:srgbClr val="00B050"/>
+                    </a:solidFill>
+                  </a:rPr>
+                  <a:t>3</a:t>
+                </a:r>
+                <a:r>
+                  <a:rPr lang="en-US" altLang="ko-KR" b="1" dirty="0">
+                    <a:solidFill>
+                      <a:schemeClr val="accent6">
+                        <a:lumMod val="60000"/>
+                        <a:lumOff val="40000"/>
+                      </a:schemeClr>
+                    </a:solidFill>
+                  </a:rPr>
+                  <a:t> </a:t>
+                </a:r>
+                <a:r>
+                  <a:rPr lang="ko-KR" altLang="en-US" b="1" dirty="0">
+                    <a:solidFill>
+                      <a:schemeClr val="tx1"/>
+                    </a:solidFill>
+                  </a:rPr>
+                  <a:t>∙ </a:t>
+                </a:r>
+                <a14:m>
+                  <m:oMath xmlns:m="http://schemas.openxmlformats.org/officeDocument/2006/math">
+                    <m:acc>
+                      <m:accPr>
+                        <m:chr m:val="⃗"/>
+                        <m:ctrlPr>
+                          <a:rPr lang="ko-KR" altLang="en-US" b="1" i="1" smtClean="0">
+                            <a:solidFill>
+                              <a:schemeClr val="tx1"/>
+                            </a:solidFill>
+                            <a:latin typeface="Cambria Math" panose="02040503050406030204" pitchFamily="18" charset="0"/>
+                          </a:rPr>
+                        </m:ctrlPr>
+                      </m:accPr>
+                      <m:e>
+                        <m:r>
+                          <a:rPr lang="en-US" altLang="ko-KR" b="1" i="1" smtClean="0">
+                            <a:solidFill>
+                              <a:schemeClr val="tx1"/>
+                            </a:solidFill>
+                            <a:latin typeface="Cambria Math" panose="02040503050406030204" pitchFamily="18" charset="0"/>
+                          </a:rPr>
+                          <m:t>𝒗</m:t>
+                        </m:r>
+                      </m:e>
+                    </m:acc>
+                  </m:oMath>
+                </a14:m>
+                <a:r>
+                  <a:rPr lang="en-US" altLang="ko-KR" b="1" dirty="0">
+                    <a:solidFill>
+                      <a:schemeClr val="tx1"/>
+                    </a:solidFill>
+                  </a:rPr>
+                  <a:t> = (4.5, 3)</a:t>
+                </a:r>
+              </a:p>
+            </p:txBody>
+          </p:sp>
+        </mc:Choice>
+        <mc:Fallback>
+          <p:sp>
+            <p:nvSpPr>
+              <p:cNvPr id="72" name="TextBox 71">
+                <a:extLst>
+                  <a:ext uri="{FF2B5EF4-FFF2-40B4-BE49-F238E27FC236}">
+                    <a16:creationId xmlns:a16="http://schemas.microsoft.com/office/drawing/2014/main" id="{1B27AFBC-DC8C-1F90-330E-F4AD843C1D82}"/>
+                  </a:ext>
+                </a:extLst>
+              </p:cNvPr>
+              <p:cNvSpPr txBox="1">
+                <a:spLocks noRot="1" noChangeAspect="1" noMove="1" noResize="1" noEditPoints="1" noAdjustHandles="1" noChangeArrowheads="1" noChangeShapeType="1" noTextEdit="1"/>
+              </p:cNvSpPr>
+              <p:nvPr/>
+            </p:nvSpPr>
+            <p:spPr>
+              <a:xfrm>
+                <a:off x="7642880" y="452729"/>
+                <a:ext cx="1790875" cy="369332"/>
+              </a:xfrm>
+              <a:prstGeom prst="rect">
+                <a:avLst/>
+              </a:prstGeom>
+              <a:blipFill>
+                <a:blip r:embed="rId2"/>
+                <a:stretch>
+                  <a:fillRect l="-3061" t="-8197" r="-1701" b="-24590"/>
+                </a:stretch>
+              </a:blipFill>
+            </p:spPr>
+            <p:txBody>
+              <a:bodyPr/>
+              <a:lstStyle/>
+              <a:p>
+                <a:r>
+                  <a:rPr lang="ko-KR" altLang="en-US">
+                    <a:noFill/>
+                  </a:rPr>
+                  <a:t> </a:t>
+                </a:r>
+              </a:p>
+            </p:txBody>
+          </p:sp>
+        </mc:Fallback>
+      </mc:AlternateContent>
+      <mc:AlternateContent xmlns:mc="http://schemas.openxmlformats.org/markup-compatibility/2006">
+        <mc:Choice xmlns:a14="http://schemas.microsoft.com/office/drawing/2010/main" Requires="a14">
+          <p:sp>
+            <p:nvSpPr>
+              <p:cNvPr id="73" name="TextBox 72">
+                <a:extLst>
+                  <a:ext uri="{FF2B5EF4-FFF2-40B4-BE49-F238E27FC236}">
+                    <a16:creationId xmlns:a16="http://schemas.microsoft.com/office/drawing/2014/main" id="{CF28DFC4-6906-B7A5-23D8-B543974F08AD}"/>
+                  </a:ext>
+                </a:extLst>
+              </p:cNvPr>
+              <p:cNvSpPr txBox="1"/>
+              <p:nvPr/>
+            </p:nvSpPr>
+            <p:spPr>
+              <a:xfrm>
+                <a:off x="7759425" y="2742323"/>
+                <a:ext cx="1422184" cy="369332"/>
+              </a:xfrm>
+              <a:prstGeom prst="rect">
+                <a:avLst/>
+              </a:prstGeom>
+              <a:noFill/>
+            </p:spPr>
+            <p:txBody>
+              <a:bodyPr wrap="none" rtlCol="0">
+                <a:spAutoFit/>
+              </a:bodyPr>
+              <a:lstStyle/>
+              <a:p>
+                <a14:m>
+                  <m:oMath xmlns:m="http://schemas.openxmlformats.org/officeDocument/2006/math">
+                    <m:acc>
+                      <m:accPr>
+                        <m:chr m:val="⃗"/>
+                        <m:ctrlPr>
+                          <a:rPr lang="ko-KR" altLang="en-US" b="1" i="1" smtClean="0">
+                            <a:solidFill>
+                              <a:schemeClr val="tx1"/>
+                            </a:solidFill>
+                            <a:latin typeface="Cambria Math" panose="02040503050406030204" pitchFamily="18" charset="0"/>
+                          </a:rPr>
+                        </m:ctrlPr>
+                      </m:accPr>
+                      <m:e>
+                        <m:r>
+                          <a:rPr lang="en-US" altLang="ko-KR" b="1" i="1" smtClean="0">
+                            <a:solidFill>
+                              <a:schemeClr val="tx1"/>
+                            </a:solidFill>
+                            <a:latin typeface="Cambria Math" panose="02040503050406030204" pitchFamily="18" charset="0"/>
+                          </a:rPr>
+                          <m:t>𝒗</m:t>
+                        </m:r>
+                      </m:e>
+                    </m:acc>
+                  </m:oMath>
+                </a14:m>
+                <a:r>
+                  <a:rPr lang="en-US" altLang="ko-KR" b="1" dirty="0">
+                    <a:solidFill>
+                      <a:schemeClr val="tx1"/>
+                    </a:solidFill>
+                  </a:rPr>
+                  <a:t> = (1.5, 1)</a:t>
+                </a:r>
+              </a:p>
+            </p:txBody>
+          </p:sp>
+        </mc:Choice>
+        <mc:Fallback>
+          <p:sp>
+            <p:nvSpPr>
+              <p:cNvPr id="73" name="TextBox 72">
+                <a:extLst>
+                  <a:ext uri="{FF2B5EF4-FFF2-40B4-BE49-F238E27FC236}">
+                    <a16:creationId xmlns:a16="http://schemas.microsoft.com/office/drawing/2014/main" id="{CF28DFC4-6906-B7A5-23D8-B543974F08AD}"/>
+                  </a:ext>
+                </a:extLst>
+              </p:cNvPr>
+              <p:cNvSpPr txBox="1">
+                <a:spLocks noRot="1" noChangeAspect="1" noMove="1" noResize="1" noEditPoints="1" noAdjustHandles="1" noChangeArrowheads="1" noChangeShapeType="1" noTextEdit="1"/>
+              </p:cNvSpPr>
+              <p:nvPr/>
+            </p:nvSpPr>
+            <p:spPr>
+              <a:xfrm>
+                <a:off x="7759425" y="2742323"/>
+                <a:ext cx="1422184" cy="369332"/>
+              </a:xfrm>
+              <a:prstGeom prst="rect">
+                <a:avLst/>
+              </a:prstGeom>
+              <a:blipFill>
+                <a:blip r:embed="rId3"/>
+                <a:stretch>
+                  <a:fillRect t="-10000" r="-2575" b="-26667"/>
+                </a:stretch>
+              </a:blipFill>
+            </p:spPr>
+            <p:txBody>
+              <a:bodyPr/>
+              <a:lstStyle/>
+              <a:p>
+                <a:r>
+                  <a:rPr lang="ko-KR" altLang="en-US">
+                    <a:noFill/>
+                  </a:rPr>
+                  <a:t> </a:t>
+                </a:r>
+              </a:p>
+            </p:txBody>
+          </p:sp>
+        </mc:Fallback>
+      </mc:AlternateContent>
+      <mc:AlternateContent xmlns:mc="http://schemas.openxmlformats.org/markup-compatibility/2006">
+        <mc:Choice xmlns:a14="http://schemas.microsoft.com/office/drawing/2010/main" Requires="a14">
+          <p:sp>
+            <p:nvSpPr>
+              <p:cNvPr id="74" name="TextBox 73">
+                <a:extLst>
+                  <a:ext uri="{FF2B5EF4-FFF2-40B4-BE49-F238E27FC236}">
+                    <a16:creationId xmlns:a16="http://schemas.microsoft.com/office/drawing/2014/main" id="{03588536-433C-1FF7-3732-7F70B5510EB0}"/>
+                  </a:ext>
+                </a:extLst>
+              </p:cNvPr>
+              <p:cNvSpPr txBox="1"/>
+              <p:nvPr/>
+            </p:nvSpPr>
+            <p:spPr>
+              <a:xfrm>
+                <a:off x="3347518" y="5530209"/>
+                <a:ext cx="1885453" cy="369332"/>
+              </a:xfrm>
+              <a:prstGeom prst="rect">
+                <a:avLst/>
+              </a:prstGeom>
+              <a:noFill/>
+              <a:ln>
+                <a:noFill/>
+              </a:ln>
+            </p:spPr>
+            <p:txBody>
+              <a:bodyPr wrap="none" rtlCol="0">
+                <a:spAutoFit/>
+              </a:bodyPr>
+              <a:lstStyle/>
+              <a:p>
+                <a:r>
+                  <a:rPr lang="en-US" altLang="ko-KR" b="1" dirty="0">
+                    <a:solidFill>
+                      <a:srgbClr val="00B050"/>
+                    </a:solidFill>
+                  </a:rPr>
+                  <a:t>-2</a:t>
+                </a:r>
+                <a:r>
+                  <a:rPr lang="en-US" altLang="ko-KR" b="1" dirty="0">
+                    <a:solidFill>
+                      <a:schemeClr val="tx1"/>
+                    </a:solidFill>
+                  </a:rPr>
+                  <a:t> ∙ </a:t>
+                </a:r>
+                <a14:m>
+                  <m:oMath xmlns:m="http://schemas.openxmlformats.org/officeDocument/2006/math">
+                    <m:acc>
+                      <m:accPr>
+                        <m:chr m:val="⃗"/>
+                        <m:ctrlPr>
+                          <a:rPr lang="ko-KR" altLang="en-US" b="1" i="1" smtClean="0">
+                            <a:solidFill>
+                              <a:schemeClr val="tx1"/>
+                            </a:solidFill>
+                            <a:latin typeface="Cambria Math" panose="02040503050406030204" pitchFamily="18" charset="0"/>
+                          </a:rPr>
+                        </m:ctrlPr>
+                      </m:accPr>
+                      <m:e>
+                        <m:r>
+                          <a:rPr lang="en-US" altLang="ko-KR" b="1" i="1" smtClean="0">
+                            <a:solidFill>
+                              <a:schemeClr val="tx1"/>
+                            </a:solidFill>
+                            <a:latin typeface="Cambria Math" panose="02040503050406030204" pitchFamily="18" charset="0"/>
+                          </a:rPr>
+                          <m:t>𝒗</m:t>
+                        </m:r>
+                      </m:e>
+                    </m:acc>
+                  </m:oMath>
+                </a14:m>
+                <a:r>
+                  <a:rPr lang="en-US" altLang="ko-KR" b="1" dirty="0">
+                    <a:solidFill>
+                      <a:schemeClr val="tx1"/>
+                    </a:solidFill>
+                  </a:rPr>
+                  <a:t> = (-3, -2)</a:t>
+                </a:r>
+              </a:p>
+            </p:txBody>
+          </p:sp>
+        </mc:Choice>
+        <mc:Fallback>
+          <p:sp>
+            <p:nvSpPr>
+              <p:cNvPr id="74" name="TextBox 73">
+                <a:extLst>
+                  <a:ext uri="{FF2B5EF4-FFF2-40B4-BE49-F238E27FC236}">
+                    <a16:creationId xmlns:a16="http://schemas.microsoft.com/office/drawing/2014/main" id="{03588536-433C-1FF7-3732-7F70B5510EB0}"/>
+                  </a:ext>
+                </a:extLst>
+              </p:cNvPr>
+              <p:cNvSpPr txBox="1">
+                <a:spLocks noRot="1" noChangeAspect="1" noMove="1" noResize="1" noEditPoints="1" noAdjustHandles="1" noChangeArrowheads="1" noChangeShapeType="1" noTextEdit="1"/>
+              </p:cNvSpPr>
+              <p:nvPr/>
+            </p:nvSpPr>
+            <p:spPr>
+              <a:xfrm>
+                <a:off x="3347518" y="5530209"/>
+                <a:ext cx="1885453" cy="369332"/>
+              </a:xfrm>
+              <a:prstGeom prst="rect">
+                <a:avLst/>
+              </a:prstGeom>
+              <a:blipFill>
+                <a:blip r:embed="rId4"/>
+                <a:stretch>
+                  <a:fillRect l="-2589" t="-8197" r="-2265" b="-24590"/>
+                </a:stretch>
+              </a:blipFill>
+              <a:ln>
+                <a:noFill/>
+              </a:ln>
+            </p:spPr>
+            <p:txBody>
+              <a:bodyPr/>
+              <a:lstStyle/>
+              <a:p>
+                <a:r>
+                  <a:rPr lang="ko-KR" altLang="en-US">
+                    <a:noFill/>
+                  </a:rPr>
+                  <a:t> </a:t>
+                </a:r>
+              </a:p>
+            </p:txBody>
+          </p:sp>
+        </mc:Fallback>
+      </mc:AlternateContent>
+    </p:spTree>
+    <p:extLst>
+      <p:ext uri="{BB962C8B-B14F-4D97-AF65-F5344CB8AC3E}">
+        <p14:creationId xmlns:p14="http://schemas.microsoft.com/office/powerpoint/2010/main" val="1668371417"/>
       </p:ext>
     </p:extLst>
   </p:cSld>

--- a/img/그림.pptx
+++ b/img/그림.pptx
@@ -42,6 +42,8 @@
     <p:sldId id="291" r:id="rId36"/>
     <p:sldId id="292" r:id="rId37"/>
     <p:sldId id="293" r:id="rId38"/>
+    <p:sldId id="294" r:id="rId39"/>
+    <p:sldId id="295" r:id="rId40"/>
   </p:sldIdLst>
   <p:sldSz cx="12192000" cy="6858000"/>
   <p:notesSz cx="6858000" cy="9144000"/>
@@ -295,7 +297,7 @@
           <a:p>
             <a:fld id="{8B2C37CC-0247-44E8-BA9D-22109B3A8D72}" type="datetimeFigureOut">
               <a:rPr lang="ko-KR" altLang="en-US" smtClean="0"/>
-              <a:t>2024-03-04</a:t>
+              <a:t>2024-03-05</a:t>
             </a:fld>
             <a:endParaRPr lang="ko-KR" altLang="en-US"/>
           </a:p>
@@ -493,7 +495,7 @@
           <a:p>
             <a:fld id="{8B2C37CC-0247-44E8-BA9D-22109B3A8D72}" type="datetimeFigureOut">
               <a:rPr lang="ko-KR" altLang="en-US" smtClean="0"/>
-              <a:t>2024-03-04</a:t>
+              <a:t>2024-03-05</a:t>
             </a:fld>
             <a:endParaRPr lang="ko-KR" altLang="en-US"/>
           </a:p>
@@ -701,7 +703,7 @@
           <a:p>
             <a:fld id="{8B2C37CC-0247-44E8-BA9D-22109B3A8D72}" type="datetimeFigureOut">
               <a:rPr lang="ko-KR" altLang="en-US" smtClean="0"/>
-              <a:t>2024-03-04</a:t>
+              <a:t>2024-03-05</a:t>
             </a:fld>
             <a:endParaRPr lang="ko-KR" altLang="en-US"/>
           </a:p>
@@ -899,7 +901,7 @@
           <a:p>
             <a:fld id="{8B2C37CC-0247-44E8-BA9D-22109B3A8D72}" type="datetimeFigureOut">
               <a:rPr lang="ko-KR" altLang="en-US" smtClean="0"/>
-              <a:t>2024-03-04</a:t>
+              <a:t>2024-03-05</a:t>
             </a:fld>
             <a:endParaRPr lang="ko-KR" altLang="en-US"/>
           </a:p>
@@ -1174,7 +1176,7 @@
           <a:p>
             <a:fld id="{8B2C37CC-0247-44E8-BA9D-22109B3A8D72}" type="datetimeFigureOut">
               <a:rPr lang="ko-KR" altLang="en-US" smtClean="0"/>
-              <a:t>2024-03-04</a:t>
+              <a:t>2024-03-05</a:t>
             </a:fld>
             <a:endParaRPr lang="ko-KR" altLang="en-US"/>
           </a:p>
@@ -1439,7 +1441,7 @@
           <a:p>
             <a:fld id="{8B2C37CC-0247-44E8-BA9D-22109B3A8D72}" type="datetimeFigureOut">
               <a:rPr lang="ko-KR" altLang="en-US" smtClean="0"/>
-              <a:t>2024-03-04</a:t>
+              <a:t>2024-03-05</a:t>
             </a:fld>
             <a:endParaRPr lang="ko-KR" altLang="en-US"/>
           </a:p>
@@ -1851,7 +1853,7 @@
           <a:p>
             <a:fld id="{8B2C37CC-0247-44E8-BA9D-22109B3A8D72}" type="datetimeFigureOut">
               <a:rPr lang="ko-KR" altLang="en-US" smtClean="0"/>
-              <a:t>2024-03-04</a:t>
+              <a:t>2024-03-05</a:t>
             </a:fld>
             <a:endParaRPr lang="ko-KR" altLang="en-US"/>
           </a:p>
@@ -1992,7 +1994,7 @@
           <a:p>
             <a:fld id="{8B2C37CC-0247-44E8-BA9D-22109B3A8D72}" type="datetimeFigureOut">
               <a:rPr lang="ko-KR" altLang="en-US" smtClean="0"/>
-              <a:t>2024-03-04</a:t>
+              <a:t>2024-03-05</a:t>
             </a:fld>
             <a:endParaRPr lang="ko-KR" altLang="en-US"/>
           </a:p>
@@ -2105,7 +2107,7 @@
           <a:p>
             <a:fld id="{8B2C37CC-0247-44E8-BA9D-22109B3A8D72}" type="datetimeFigureOut">
               <a:rPr lang="ko-KR" altLang="en-US" smtClean="0"/>
-              <a:t>2024-03-04</a:t>
+              <a:t>2024-03-05</a:t>
             </a:fld>
             <a:endParaRPr lang="ko-KR" altLang="en-US"/>
           </a:p>
@@ -2416,7 +2418,7 @@
           <a:p>
             <a:fld id="{8B2C37CC-0247-44E8-BA9D-22109B3A8D72}" type="datetimeFigureOut">
               <a:rPr lang="ko-KR" altLang="en-US" smtClean="0"/>
-              <a:t>2024-03-04</a:t>
+              <a:t>2024-03-05</a:t>
             </a:fld>
             <a:endParaRPr lang="ko-KR" altLang="en-US"/>
           </a:p>
@@ -2704,7 +2706,7 @@
           <a:p>
             <a:fld id="{8B2C37CC-0247-44E8-BA9D-22109B3A8D72}" type="datetimeFigureOut">
               <a:rPr lang="ko-KR" altLang="en-US" smtClean="0"/>
-              <a:t>2024-03-04</a:t>
+              <a:t>2024-03-05</a:t>
             </a:fld>
             <a:endParaRPr lang="ko-KR" altLang="en-US"/>
           </a:p>
@@ -2945,7 +2947,7 @@
           <a:p>
             <a:fld id="{8B2C37CC-0247-44E8-BA9D-22109B3A8D72}" type="datetimeFigureOut">
               <a:rPr lang="ko-KR" altLang="en-US" smtClean="0"/>
-              <a:t>2024-03-04</a:t>
+              <a:t>2024-03-05</a:t>
             </a:fld>
             <a:endParaRPr lang="ko-KR" altLang="en-US"/>
           </a:p>
@@ -42854,10 +42856,10 @@
         </p:nvGrpSpPr>
         <p:grpSpPr>
           <a:xfrm rot="5400000">
-            <a:off x="2391422" y="3584182"/>
-            <a:ext cx="7700210" cy="0"/>
+            <a:off x="2391422" y="3584183"/>
+            <a:ext cx="7700211" cy="0"/>
             <a:chOff x="2374232" y="3441032"/>
-            <a:chExt cx="7700210" cy="0"/>
+            <a:chExt cx="7700211" cy="0"/>
           </a:xfrm>
         </p:grpSpPr>
         <p:cxnSp>
@@ -44355,8 +44357,8 @@
           </a:fontRef>
         </p:style>
       </p:cxnSp>
-      <mc:AlternateContent xmlns:mc="http://schemas.openxmlformats.org/markup-compatibility/2006">
-        <mc:Choice xmlns:a14="http://schemas.microsoft.com/office/drawing/2010/main" Requires="a14">
+      <mc:AlternateContent xmlns:mc="http://schemas.openxmlformats.org/markup-compatibility/2006" xmlns:a14="http://schemas.microsoft.com/office/drawing/2010/main">
+        <mc:Choice Requires="a14">
           <p:sp>
             <p:nvSpPr>
               <p:cNvPr id="72" name="TextBox 71">
@@ -44452,7 +44454,7 @@
             </p:txBody>
           </p:sp>
         </mc:Choice>
-        <mc:Fallback>
+        <mc:Fallback xmlns="">
           <p:sp>
             <p:nvSpPr>
               <p:cNvPr id="72" name="TextBox 71">
@@ -44497,8 +44499,8 @@
           </p:sp>
         </mc:Fallback>
       </mc:AlternateContent>
-      <mc:AlternateContent xmlns:mc="http://schemas.openxmlformats.org/markup-compatibility/2006">
-        <mc:Choice xmlns:a14="http://schemas.microsoft.com/office/drawing/2010/main" Requires="a14">
+      <mc:AlternateContent xmlns:mc="http://schemas.openxmlformats.org/markup-compatibility/2006" xmlns:a14="http://schemas.microsoft.com/office/drawing/2010/main">
+        <mc:Choice Requires="a14">
           <p:sp>
             <p:nvSpPr>
               <p:cNvPr id="73" name="TextBox 72">
@@ -44567,7 +44569,7 @@
             </p:txBody>
           </p:sp>
         </mc:Choice>
-        <mc:Fallback>
+        <mc:Fallback xmlns="">
           <p:sp>
             <p:nvSpPr>
               <p:cNvPr id="73" name="TextBox 72">
@@ -44612,8 +44614,8 @@
           </p:sp>
         </mc:Fallback>
       </mc:AlternateContent>
-      <mc:AlternateContent xmlns:mc="http://schemas.openxmlformats.org/markup-compatibility/2006">
-        <mc:Choice xmlns:a14="http://schemas.microsoft.com/office/drawing/2010/main" Requires="a14">
+      <mc:AlternateContent xmlns:mc="http://schemas.openxmlformats.org/markup-compatibility/2006" xmlns:a14="http://schemas.microsoft.com/office/drawing/2010/main">
+        <mc:Choice Requires="a14">
           <p:sp>
             <p:nvSpPr>
               <p:cNvPr id="74" name="TextBox 73">
@@ -44701,7 +44703,7 @@
             </p:txBody>
           </p:sp>
         </mc:Choice>
-        <mc:Fallback>
+        <mc:Fallback xmlns="">
           <p:sp>
             <p:nvSpPr>
               <p:cNvPr id="74" name="TextBox 73">
@@ -44753,6 +44755,5353 @@
     <p:extLst>
       <p:ext uri="{BB962C8B-B14F-4D97-AF65-F5344CB8AC3E}">
         <p14:creationId xmlns:p14="http://schemas.microsoft.com/office/powerpoint/2010/main" val="1668371417"/>
+      </p:ext>
+    </p:extLst>
+  </p:cSld>
+  <p:clrMapOvr>
+    <a:masterClrMapping/>
+  </p:clrMapOvr>
+</p:sld>
+</file>
+
+<file path=ppt/slides/slide38.xml><?xml version="1.0" encoding="utf-8"?>
+<p:sld xmlns:a="http://schemas.openxmlformats.org/drawingml/2006/main" xmlns:r="http://schemas.openxmlformats.org/officeDocument/2006/relationships" xmlns:p="http://schemas.openxmlformats.org/presentationml/2006/main">
+  <p:cSld>
+    <p:spTree>
+      <p:nvGrpSpPr>
+        <p:cNvPr id="1" name="">
+          <a:extLst>
+            <a:ext uri="{FF2B5EF4-FFF2-40B4-BE49-F238E27FC236}">
+              <a16:creationId xmlns:a16="http://schemas.microsoft.com/office/drawing/2014/main" id="{385682EC-116F-598F-E098-7BD4B929F829}"/>
+            </a:ext>
+          </a:extLst>
+        </p:cNvPr>
+        <p:cNvGrpSpPr/>
+        <p:nvPr/>
+      </p:nvGrpSpPr>
+      <p:grpSpPr>
+        <a:xfrm>
+          <a:off x="0" y="0"/>
+          <a:ext cx="0" cy="0"/>
+          <a:chOff x="0" y="0"/>
+          <a:chExt cx="0" cy="0"/>
+        </a:xfrm>
+      </p:grpSpPr>
+      <p:sp>
+        <p:nvSpPr>
+          <p:cNvPr id="154" name="직사각형 153">
+            <a:extLst>
+              <a:ext uri="{FF2B5EF4-FFF2-40B4-BE49-F238E27FC236}">
+                <a16:creationId xmlns:a16="http://schemas.microsoft.com/office/drawing/2014/main" id="{B8A87679-A3D7-410C-A3A9-9B6FD669EAC1}"/>
+              </a:ext>
+            </a:extLst>
+          </p:cNvPr>
+          <p:cNvSpPr/>
+          <p:nvPr/>
+        </p:nvSpPr>
+        <p:spPr>
+          <a:xfrm>
+            <a:off x="1885950" y="-882315"/>
+            <a:ext cx="8801100" cy="9015660"/>
+          </a:xfrm>
+          <a:prstGeom prst="rect">
+            <a:avLst/>
+          </a:prstGeom>
+          <a:solidFill>
+            <a:schemeClr val="bg1"/>
+          </a:solidFill>
+          <a:ln>
+            <a:noFill/>
+          </a:ln>
+        </p:spPr>
+        <p:style>
+          <a:lnRef idx="2">
+            <a:schemeClr val="accent1">
+              <a:shade val="15000"/>
+            </a:schemeClr>
+          </a:lnRef>
+          <a:fillRef idx="1">
+            <a:schemeClr val="accent1"/>
+          </a:fillRef>
+          <a:effectRef idx="0">
+            <a:schemeClr val="accent1"/>
+          </a:effectRef>
+          <a:fontRef idx="minor">
+            <a:schemeClr val="lt1"/>
+          </a:fontRef>
+        </p:style>
+        <p:txBody>
+          <a:bodyPr rtlCol="0" anchor="ctr"/>
+          <a:lstStyle/>
+          <a:p>
+            <a:pPr algn="ctr"/>
+            <a:endParaRPr lang="ko-KR" altLang="en-US" dirty="0"/>
+          </a:p>
+        </p:txBody>
+      </p:sp>
+      <p:grpSp>
+        <p:nvGrpSpPr>
+          <p:cNvPr id="87" name="그룹 86">
+            <a:extLst>
+              <a:ext uri="{FF2B5EF4-FFF2-40B4-BE49-F238E27FC236}">
+                <a16:creationId xmlns:a16="http://schemas.microsoft.com/office/drawing/2014/main" id="{909937A5-D10C-E756-F2EE-445C76858741}"/>
+              </a:ext>
+            </a:extLst>
+          </p:cNvPr>
+          <p:cNvGrpSpPr/>
+          <p:nvPr/>
+        </p:nvGrpSpPr>
+        <p:grpSpPr>
+          <a:xfrm>
+            <a:off x="2366913" y="3584182"/>
+            <a:ext cx="7700210" cy="0"/>
+            <a:chOff x="2374232" y="3441032"/>
+            <a:chExt cx="7700210" cy="0"/>
+          </a:xfrm>
+        </p:grpSpPr>
+        <p:cxnSp>
+          <p:nvCxnSpPr>
+            <p:cNvPr id="9" name="직선 화살표 연결선 8">
+              <a:extLst>
+                <a:ext uri="{FF2B5EF4-FFF2-40B4-BE49-F238E27FC236}">
+                  <a16:creationId xmlns:a16="http://schemas.microsoft.com/office/drawing/2014/main" id="{73E44F2E-1705-6992-A6BC-F7A8A9490A3B}"/>
+                </a:ext>
+              </a:extLst>
+            </p:cNvPr>
+            <p:cNvCxnSpPr/>
+            <p:nvPr/>
+          </p:nvCxnSpPr>
+          <p:spPr>
+            <a:xfrm>
+              <a:off x="6224337" y="3441032"/>
+              <a:ext cx="3850105" cy="0"/>
+            </a:xfrm>
+            <a:prstGeom prst="straightConnector1">
+              <a:avLst/>
+            </a:prstGeom>
+            <a:ln w="38100">
+              <a:solidFill>
+                <a:schemeClr val="tx1"/>
+              </a:solidFill>
+              <a:tailEnd type="triangle"/>
+            </a:ln>
+          </p:spPr>
+          <p:style>
+            <a:lnRef idx="2">
+              <a:schemeClr val="accent1"/>
+            </a:lnRef>
+            <a:fillRef idx="0">
+              <a:schemeClr val="accent1"/>
+            </a:fillRef>
+            <a:effectRef idx="1">
+              <a:schemeClr val="accent1"/>
+            </a:effectRef>
+            <a:fontRef idx="minor">
+              <a:schemeClr val="tx1"/>
+            </a:fontRef>
+          </p:style>
+        </p:cxnSp>
+        <p:cxnSp>
+          <p:nvCxnSpPr>
+            <p:cNvPr id="86" name="직선 화살표 연결선 85">
+              <a:extLst>
+                <a:ext uri="{FF2B5EF4-FFF2-40B4-BE49-F238E27FC236}">
+                  <a16:creationId xmlns:a16="http://schemas.microsoft.com/office/drawing/2014/main" id="{FD641FDF-5B7C-5997-790E-64E92AFF97AA}"/>
+                </a:ext>
+              </a:extLst>
+            </p:cNvPr>
+            <p:cNvCxnSpPr>
+              <a:cxnSpLocks/>
+            </p:cNvCxnSpPr>
+            <p:nvPr/>
+          </p:nvCxnSpPr>
+          <p:spPr>
+            <a:xfrm rot="10800000">
+              <a:off x="2374232" y="3441032"/>
+              <a:ext cx="3850105" cy="0"/>
+            </a:xfrm>
+            <a:prstGeom prst="straightConnector1">
+              <a:avLst/>
+            </a:prstGeom>
+            <a:ln w="38100">
+              <a:solidFill>
+                <a:schemeClr val="tx1"/>
+              </a:solidFill>
+              <a:tailEnd type="triangle"/>
+            </a:ln>
+          </p:spPr>
+          <p:style>
+            <a:lnRef idx="2">
+              <a:schemeClr val="accent1"/>
+            </a:lnRef>
+            <a:fillRef idx="0">
+              <a:schemeClr val="accent1"/>
+            </a:fillRef>
+            <a:effectRef idx="1">
+              <a:schemeClr val="accent1"/>
+            </a:effectRef>
+            <a:fontRef idx="minor">
+              <a:schemeClr val="tx1"/>
+            </a:fontRef>
+          </p:style>
+        </p:cxnSp>
+      </p:grpSp>
+      <p:cxnSp>
+        <p:nvCxnSpPr>
+          <p:cNvPr id="92" name="직선 연결선 91">
+            <a:extLst>
+              <a:ext uri="{FF2B5EF4-FFF2-40B4-BE49-F238E27FC236}">
+                <a16:creationId xmlns:a16="http://schemas.microsoft.com/office/drawing/2014/main" id="{B6E514AF-4D04-531F-EA1A-12C7776054E7}"/>
+              </a:ext>
+            </a:extLst>
+          </p:cNvPr>
+          <p:cNvCxnSpPr>
+            <a:cxnSpLocks/>
+          </p:cNvCxnSpPr>
+          <p:nvPr/>
+        </p:nvCxnSpPr>
+        <p:spPr>
+          <a:xfrm flipV="1">
+            <a:off x="7921993" y="3584182"/>
+            <a:ext cx="0" cy="208547"/>
+          </a:xfrm>
+          <a:prstGeom prst="line">
+            <a:avLst/>
+          </a:prstGeom>
+          <a:ln w="38100">
+            <a:solidFill>
+              <a:schemeClr val="tx1"/>
+            </a:solidFill>
+          </a:ln>
+        </p:spPr>
+        <p:style>
+          <a:lnRef idx="2">
+            <a:schemeClr val="accent1"/>
+          </a:lnRef>
+          <a:fillRef idx="0">
+            <a:schemeClr val="accent1"/>
+          </a:fillRef>
+          <a:effectRef idx="1">
+            <a:schemeClr val="accent1"/>
+          </a:effectRef>
+          <a:fontRef idx="minor">
+            <a:schemeClr val="tx1"/>
+          </a:fontRef>
+        </p:style>
+      </p:cxnSp>
+      <p:cxnSp>
+        <p:nvCxnSpPr>
+          <p:cNvPr id="94" name="직선 연결선 93">
+            <a:extLst>
+              <a:ext uri="{FF2B5EF4-FFF2-40B4-BE49-F238E27FC236}">
+                <a16:creationId xmlns:a16="http://schemas.microsoft.com/office/drawing/2014/main" id="{32F3CF6D-C408-C6E8-7EDE-771A0B29AA80}"/>
+              </a:ext>
+            </a:extLst>
+          </p:cNvPr>
+          <p:cNvCxnSpPr>
+            <a:cxnSpLocks/>
+          </p:cNvCxnSpPr>
+          <p:nvPr/>
+        </p:nvCxnSpPr>
+        <p:spPr>
+          <a:xfrm flipV="1">
+            <a:off x="7071093" y="3584182"/>
+            <a:ext cx="0" cy="208547"/>
+          </a:xfrm>
+          <a:prstGeom prst="line">
+            <a:avLst/>
+          </a:prstGeom>
+          <a:ln w="38100">
+            <a:solidFill>
+              <a:schemeClr val="tx1"/>
+            </a:solidFill>
+          </a:ln>
+        </p:spPr>
+        <p:style>
+          <a:lnRef idx="2">
+            <a:schemeClr val="accent1"/>
+          </a:lnRef>
+          <a:fillRef idx="0">
+            <a:schemeClr val="accent1"/>
+          </a:fillRef>
+          <a:effectRef idx="1">
+            <a:schemeClr val="accent1"/>
+          </a:effectRef>
+          <a:fontRef idx="minor">
+            <a:schemeClr val="tx1"/>
+          </a:fontRef>
+        </p:style>
+      </p:cxnSp>
+      <p:cxnSp>
+        <p:nvCxnSpPr>
+          <p:cNvPr id="96" name="직선 연결선 95">
+            <a:extLst>
+              <a:ext uri="{FF2B5EF4-FFF2-40B4-BE49-F238E27FC236}">
+                <a16:creationId xmlns:a16="http://schemas.microsoft.com/office/drawing/2014/main" id="{6D3F591F-CD51-2A03-CEB7-70BB9CD3DACA}"/>
+              </a:ext>
+            </a:extLst>
+          </p:cNvPr>
+          <p:cNvCxnSpPr>
+            <a:cxnSpLocks/>
+          </p:cNvCxnSpPr>
+          <p:nvPr/>
+        </p:nvCxnSpPr>
+        <p:spPr>
+          <a:xfrm flipV="1">
+            <a:off x="7921993" y="3584182"/>
+            <a:ext cx="0" cy="208547"/>
+          </a:xfrm>
+          <a:prstGeom prst="line">
+            <a:avLst/>
+          </a:prstGeom>
+          <a:ln w="38100">
+            <a:solidFill>
+              <a:schemeClr val="tx1"/>
+            </a:solidFill>
+          </a:ln>
+        </p:spPr>
+        <p:style>
+          <a:lnRef idx="2">
+            <a:schemeClr val="accent1"/>
+          </a:lnRef>
+          <a:fillRef idx="0">
+            <a:schemeClr val="accent1"/>
+          </a:fillRef>
+          <a:effectRef idx="1">
+            <a:schemeClr val="accent1"/>
+          </a:effectRef>
+          <a:fontRef idx="minor">
+            <a:schemeClr val="tx1"/>
+          </a:fontRef>
+        </p:style>
+      </p:cxnSp>
+      <p:cxnSp>
+        <p:nvCxnSpPr>
+          <p:cNvPr id="97" name="직선 연결선 96">
+            <a:extLst>
+              <a:ext uri="{FF2B5EF4-FFF2-40B4-BE49-F238E27FC236}">
+                <a16:creationId xmlns:a16="http://schemas.microsoft.com/office/drawing/2014/main" id="{3299C3B2-EE9C-70F0-1E76-66BFAEB2D23A}"/>
+              </a:ext>
+            </a:extLst>
+          </p:cNvPr>
+          <p:cNvCxnSpPr>
+            <a:cxnSpLocks/>
+          </p:cNvCxnSpPr>
+          <p:nvPr/>
+        </p:nvCxnSpPr>
+        <p:spPr>
+          <a:xfrm flipV="1">
+            <a:off x="9623793" y="3584182"/>
+            <a:ext cx="0" cy="208547"/>
+          </a:xfrm>
+          <a:prstGeom prst="line">
+            <a:avLst/>
+          </a:prstGeom>
+          <a:ln w="38100">
+            <a:solidFill>
+              <a:schemeClr val="tx1"/>
+            </a:solidFill>
+          </a:ln>
+        </p:spPr>
+        <p:style>
+          <a:lnRef idx="2">
+            <a:schemeClr val="accent1"/>
+          </a:lnRef>
+          <a:fillRef idx="0">
+            <a:schemeClr val="accent1"/>
+          </a:fillRef>
+          <a:effectRef idx="1">
+            <a:schemeClr val="accent1"/>
+          </a:effectRef>
+          <a:fontRef idx="minor">
+            <a:schemeClr val="tx1"/>
+          </a:fontRef>
+        </p:style>
+      </p:cxnSp>
+      <p:cxnSp>
+        <p:nvCxnSpPr>
+          <p:cNvPr id="98" name="직선 연결선 97">
+            <a:extLst>
+              <a:ext uri="{FF2B5EF4-FFF2-40B4-BE49-F238E27FC236}">
+                <a16:creationId xmlns:a16="http://schemas.microsoft.com/office/drawing/2014/main" id="{A42D8A6A-25E2-7252-78DE-DD434E0C27DA}"/>
+              </a:ext>
+            </a:extLst>
+          </p:cNvPr>
+          <p:cNvCxnSpPr>
+            <a:cxnSpLocks/>
+          </p:cNvCxnSpPr>
+          <p:nvPr/>
+        </p:nvCxnSpPr>
+        <p:spPr>
+          <a:xfrm flipV="1">
+            <a:off x="8772893" y="3584182"/>
+            <a:ext cx="0" cy="208547"/>
+          </a:xfrm>
+          <a:prstGeom prst="line">
+            <a:avLst/>
+          </a:prstGeom>
+          <a:ln w="38100">
+            <a:solidFill>
+              <a:schemeClr val="tx1"/>
+            </a:solidFill>
+          </a:ln>
+        </p:spPr>
+        <p:style>
+          <a:lnRef idx="2">
+            <a:schemeClr val="accent1"/>
+          </a:lnRef>
+          <a:fillRef idx="0">
+            <a:schemeClr val="accent1"/>
+          </a:fillRef>
+          <a:effectRef idx="1">
+            <a:schemeClr val="accent1"/>
+          </a:effectRef>
+          <a:fontRef idx="minor">
+            <a:schemeClr val="tx1"/>
+          </a:fontRef>
+        </p:style>
+      </p:cxnSp>
+      <p:cxnSp>
+        <p:nvCxnSpPr>
+          <p:cNvPr id="131" name="직선 연결선 130">
+            <a:extLst>
+              <a:ext uri="{FF2B5EF4-FFF2-40B4-BE49-F238E27FC236}">
+                <a16:creationId xmlns:a16="http://schemas.microsoft.com/office/drawing/2014/main" id="{FB0F87DC-0FE3-BAA0-DFC1-44708E09E171}"/>
+              </a:ext>
+            </a:extLst>
+          </p:cNvPr>
+          <p:cNvCxnSpPr>
+            <a:cxnSpLocks/>
+          </p:cNvCxnSpPr>
+          <p:nvPr/>
+        </p:nvCxnSpPr>
+        <p:spPr>
+          <a:xfrm flipV="1">
+            <a:off x="2810243" y="3584182"/>
+            <a:ext cx="0" cy="208547"/>
+          </a:xfrm>
+          <a:prstGeom prst="line">
+            <a:avLst/>
+          </a:prstGeom>
+          <a:ln w="38100">
+            <a:solidFill>
+              <a:schemeClr val="tx1"/>
+            </a:solidFill>
+          </a:ln>
+        </p:spPr>
+        <p:style>
+          <a:lnRef idx="2">
+            <a:schemeClr val="accent1"/>
+          </a:lnRef>
+          <a:fillRef idx="0">
+            <a:schemeClr val="accent1"/>
+          </a:fillRef>
+          <a:effectRef idx="1">
+            <a:schemeClr val="accent1"/>
+          </a:effectRef>
+          <a:fontRef idx="minor">
+            <a:schemeClr val="tx1"/>
+          </a:fontRef>
+        </p:style>
+      </p:cxnSp>
+      <p:cxnSp>
+        <p:nvCxnSpPr>
+          <p:cNvPr id="132" name="직선 연결선 131">
+            <a:extLst>
+              <a:ext uri="{FF2B5EF4-FFF2-40B4-BE49-F238E27FC236}">
+                <a16:creationId xmlns:a16="http://schemas.microsoft.com/office/drawing/2014/main" id="{0ADC759D-DB6D-8EB3-B7BA-61385DD2D3A5}"/>
+              </a:ext>
+            </a:extLst>
+          </p:cNvPr>
+          <p:cNvCxnSpPr>
+            <a:cxnSpLocks/>
+          </p:cNvCxnSpPr>
+          <p:nvPr/>
+        </p:nvCxnSpPr>
+        <p:spPr>
+          <a:xfrm flipV="1">
+            <a:off x="4512043" y="3584182"/>
+            <a:ext cx="0" cy="208547"/>
+          </a:xfrm>
+          <a:prstGeom prst="line">
+            <a:avLst/>
+          </a:prstGeom>
+          <a:ln w="38100">
+            <a:solidFill>
+              <a:schemeClr val="tx1"/>
+            </a:solidFill>
+          </a:ln>
+        </p:spPr>
+        <p:style>
+          <a:lnRef idx="2">
+            <a:schemeClr val="accent1"/>
+          </a:lnRef>
+          <a:fillRef idx="0">
+            <a:schemeClr val="accent1"/>
+          </a:fillRef>
+          <a:effectRef idx="1">
+            <a:schemeClr val="accent1"/>
+          </a:effectRef>
+          <a:fontRef idx="minor">
+            <a:schemeClr val="tx1"/>
+          </a:fontRef>
+        </p:style>
+      </p:cxnSp>
+      <p:cxnSp>
+        <p:nvCxnSpPr>
+          <p:cNvPr id="133" name="직선 연결선 132">
+            <a:extLst>
+              <a:ext uri="{FF2B5EF4-FFF2-40B4-BE49-F238E27FC236}">
+                <a16:creationId xmlns:a16="http://schemas.microsoft.com/office/drawing/2014/main" id="{C2E397D8-6509-30EA-525A-5D22A649DFFE}"/>
+              </a:ext>
+            </a:extLst>
+          </p:cNvPr>
+          <p:cNvCxnSpPr>
+            <a:cxnSpLocks/>
+          </p:cNvCxnSpPr>
+          <p:nvPr/>
+        </p:nvCxnSpPr>
+        <p:spPr>
+          <a:xfrm flipV="1">
+            <a:off x="3661143" y="3584182"/>
+            <a:ext cx="0" cy="208547"/>
+          </a:xfrm>
+          <a:prstGeom prst="line">
+            <a:avLst/>
+          </a:prstGeom>
+          <a:ln w="38100">
+            <a:solidFill>
+              <a:schemeClr val="tx1"/>
+            </a:solidFill>
+          </a:ln>
+        </p:spPr>
+        <p:style>
+          <a:lnRef idx="2">
+            <a:schemeClr val="accent1"/>
+          </a:lnRef>
+          <a:fillRef idx="0">
+            <a:schemeClr val="accent1"/>
+          </a:fillRef>
+          <a:effectRef idx="1">
+            <a:schemeClr val="accent1"/>
+          </a:effectRef>
+          <a:fontRef idx="minor">
+            <a:schemeClr val="tx1"/>
+          </a:fontRef>
+        </p:style>
+      </p:cxnSp>
+      <p:cxnSp>
+        <p:nvCxnSpPr>
+          <p:cNvPr id="134" name="직선 연결선 133">
+            <a:extLst>
+              <a:ext uri="{FF2B5EF4-FFF2-40B4-BE49-F238E27FC236}">
+                <a16:creationId xmlns:a16="http://schemas.microsoft.com/office/drawing/2014/main" id="{1147CD8E-9A81-AA9B-5B79-F33FBFCB9310}"/>
+              </a:ext>
+            </a:extLst>
+          </p:cNvPr>
+          <p:cNvCxnSpPr>
+            <a:cxnSpLocks/>
+          </p:cNvCxnSpPr>
+          <p:nvPr/>
+        </p:nvCxnSpPr>
+        <p:spPr>
+          <a:xfrm flipV="1">
+            <a:off x="4512043" y="3584182"/>
+            <a:ext cx="0" cy="208547"/>
+          </a:xfrm>
+          <a:prstGeom prst="line">
+            <a:avLst/>
+          </a:prstGeom>
+          <a:ln w="38100">
+            <a:solidFill>
+              <a:schemeClr val="tx1"/>
+            </a:solidFill>
+          </a:ln>
+        </p:spPr>
+        <p:style>
+          <a:lnRef idx="2">
+            <a:schemeClr val="accent1"/>
+          </a:lnRef>
+          <a:fillRef idx="0">
+            <a:schemeClr val="accent1"/>
+          </a:fillRef>
+          <a:effectRef idx="1">
+            <a:schemeClr val="accent1"/>
+          </a:effectRef>
+          <a:fontRef idx="minor">
+            <a:schemeClr val="tx1"/>
+          </a:fontRef>
+        </p:style>
+      </p:cxnSp>
+      <p:cxnSp>
+        <p:nvCxnSpPr>
+          <p:cNvPr id="136" name="직선 연결선 135">
+            <a:extLst>
+              <a:ext uri="{FF2B5EF4-FFF2-40B4-BE49-F238E27FC236}">
+                <a16:creationId xmlns:a16="http://schemas.microsoft.com/office/drawing/2014/main" id="{7FA262DB-D1AF-19FD-29DE-9B26A41011CF}"/>
+              </a:ext>
+            </a:extLst>
+          </p:cNvPr>
+          <p:cNvCxnSpPr>
+            <a:cxnSpLocks/>
+          </p:cNvCxnSpPr>
+          <p:nvPr/>
+        </p:nvCxnSpPr>
+        <p:spPr>
+          <a:xfrm flipV="1">
+            <a:off x="5362943" y="3584182"/>
+            <a:ext cx="0" cy="208547"/>
+          </a:xfrm>
+          <a:prstGeom prst="line">
+            <a:avLst/>
+          </a:prstGeom>
+          <a:ln w="38100">
+            <a:solidFill>
+              <a:schemeClr val="tx1"/>
+            </a:solidFill>
+          </a:ln>
+        </p:spPr>
+        <p:style>
+          <a:lnRef idx="2">
+            <a:schemeClr val="accent1"/>
+          </a:lnRef>
+          <a:fillRef idx="0">
+            <a:schemeClr val="accent1"/>
+          </a:fillRef>
+          <a:effectRef idx="1">
+            <a:schemeClr val="accent1"/>
+          </a:effectRef>
+          <a:fontRef idx="minor">
+            <a:schemeClr val="tx1"/>
+          </a:fontRef>
+        </p:style>
+      </p:cxnSp>
+      <p:sp>
+        <p:nvSpPr>
+          <p:cNvPr id="138" name="TextBox 137">
+            <a:extLst>
+              <a:ext uri="{FF2B5EF4-FFF2-40B4-BE49-F238E27FC236}">
+                <a16:creationId xmlns:a16="http://schemas.microsoft.com/office/drawing/2014/main" id="{F77B780B-FCCB-37B5-1AA1-ED1490496EF3}"/>
+              </a:ext>
+            </a:extLst>
+          </p:cNvPr>
+          <p:cNvSpPr txBox="1"/>
+          <p:nvPr/>
+        </p:nvSpPr>
+        <p:spPr>
+          <a:xfrm>
+            <a:off x="10113098" y="3329285"/>
+            <a:ext cx="349776" cy="461665"/>
+          </a:xfrm>
+          <a:prstGeom prst="rect">
+            <a:avLst/>
+          </a:prstGeom>
+          <a:noFill/>
+        </p:spPr>
+        <p:txBody>
+          <a:bodyPr wrap="none" rtlCol="0">
+            <a:spAutoFit/>
+          </a:bodyPr>
+          <a:lstStyle/>
+          <a:p>
+            <a:r>
+              <a:rPr lang="en-US" altLang="ko-KR" sz="2400" b="1" dirty="0"/>
+              <a:t>x</a:t>
+            </a:r>
+            <a:endParaRPr lang="ko-KR" altLang="en-US" sz="2400" b="1" dirty="0"/>
+          </a:p>
+        </p:txBody>
+      </p:sp>
+      <p:sp>
+        <p:nvSpPr>
+          <p:cNvPr id="141" name="TextBox 140">
+            <a:extLst>
+              <a:ext uri="{FF2B5EF4-FFF2-40B4-BE49-F238E27FC236}">
+                <a16:creationId xmlns:a16="http://schemas.microsoft.com/office/drawing/2014/main" id="{6A0427F6-1898-38F1-B554-CDD91DA4B158}"/>
+              </a:ext>
+            </a:extLst>
+          </p:cNvPr>
+          <p:cNvSpPr txBox="1"/>
+          <p:nvPr/>
+        </p:nvSpPr>
+        <p:spPr>
+          <a:xfrm>
+            <a:off x="6901753" y="3790950"/>
+            <a:ext cx="362600" cy="461665"/>
+          </a:xfrm>
+          <a:prstGeom prst="rect">
+            <a:avLst/>
+          </a:prstGeom>
+          <a:noFill/>
+        </p:spPr>
+        <p:txBody>
+          <a:bodyPr wrap="none" rtlCol="0">
+            <a:spAutoFit/>
+          </a:bodyPr>
+          <a:lstStyle/>
+          <a:p>
+            <a:r>
+              <a:rPr lang="en-US" altLang="ko-KR" sz="2400" b="1" dirty="0"/>
+              <a:t>1</a:t>
+            </a:r>
+            <a:endParaRPr lang="ko-KR" altLang="en-US" sz="2400" b="1" dirty="0"/>
+          </a:p>
+        </p:txBody>
+      </p:sp>
+      <p:sp>
+        <p:nvSpPr>
+          <p:cNvPr id="143" name="TextBox 142">
+            <a:extLst>
+              <a:ext uri="{FF2B5EF4-FFF2-40B4-BE49-F238E27FC236}">
+                <a16:creationId xmlns:a16="http://schemas.microsoft.com/office/drawing/2014/main" id="{77EEE20E-CE3D-2941-8810-12175EE4EC3C}"/>
+              </a:ext>
+            </a:extLst>
+          </p:cNvPr>
+          <p:cNvSpPr txBox="1"/>
+          <p:nvPr/>
+        </p:nvSpPr>
+        <p:spPr>
+          <a:xfrm>
+            <a:off x="7758264" y="3790950"/>
+            <a:ext cx="362600" cy="461665"/>
+          </a:xfrm>
+          <a:prstGeom prst="rect">
+            <a:avLst/>
+          </a:prstGeom>
+          <a:noFill/>
+        </p:spPr>
+        <p:txBody>
+          <a:bodyPr wrap="none" rtlCol="0">
+            <a:spAutoFit/>
+          </a:bodyPr>
+          <a:lstStyle/>
+          <a:p>
+            <a:r>
+              <a:rPr lang="en-US" altLang="ko-KR" sz="2400" b="1" dirty="0"/>
+              <a:t>2</a:t>
+            </a:r>
+            <a:endParaRPr lang="ko-KR" altLang="en-US" sz="2400" b="1" dirty="0"/>
+          </a:p>
+        </p:txBody>
+      </p:sp>
+      <p:sp>
+        <p:nvSpPr>
+          <p:cNvPr id="145" name="TextBox 144">
+            <a:extLst>
+              <a:ext uri="{FF2B5EF4-FFF2-40B4-BE49-F238E27FC236}">
+                <a16:creationId xmlns:a16="http://schemas.microsoft.com/office/drawing/2014/main" id="{A5D52FF0-FA7C-1E58-1D53-461FAB3B480C}"/>
+              </a:ext>
+            </a:extLst>
+          </p:cNvPr>
+          <p:cNvSpPr txBox="1"/>
+          <p:nvPr/>
+        </p:nvSpPr>
+        <p:spPr>
+          <a:xfrm>
+            <a:off x="8614775" y="3790950"/>
+            <a:ext cx="362600" cy="461665"/>
+          </a:xfrm>
+          <a:prstGeom prst="rect">
+            <a:avLst/>
+          </a:prstGeom>
+          <a:noFill/>
+        </p:spPr>
+        <p:txBody>
+          <a:bodyPr wrap="none" rtlCol="0">
+            <a:spAutoFit/>
+          </a:bodyPr>
+          <a:lstStyle/>
+          <a:p>
+            <a:r>
+              <a:rPr lang="en-US" altLang="ko-KR" sz="2400" b="1" dirty="0"/>
+              <a:t>3</a:t>
+            </a:r>
+            <a:endParaRPr lang="ko-KR" altLang="en-US" sz="2400" b="1" dirty="0"/>
+          </a:p>
+        </p:txBody>
+      </p:sp>
+      <p:sp>
+        <p:nvSpPr>
+          <p:cNvPr id="146" name="TextBox 145">
+            <a:extLst>
+              <a:ext uri="{FF2B5EF4-FFF2-40B4-BE49-F238E27FC236}">
+                <a16:creationId xmlns:a16="http://schemas.microsoft.com/office/drawing/2014/main" id="{68398992-A988-FC83-AD8A-B8072E32E15A}"/>
+              </a:ext>
+            </a:extLst>
+          </p:cNvPr>
+          <p:cNvSpPr txBox="1"/>
+          <p:nvPr/>
+        </p:nvSpPr>
+        <p:spPr>
+          <a:xfrm>
+            <a:off x="9471286" y="3790950"/>
+            <a:ext cx="362600" cy="461665"/>
+          </a:xfrm>
+          <a:prstGeom prst="rect">
+            <a:avLst/>
+          </a:prstGeom>
+          <a:noFill/>
+        </p:spPr>
+        <p:txBody>
+          <a:bodyPr wrap="none" rtlCol="0">
+            <a:spAutoFit/>
+          </a:bodyPr>
+          <a:lstStyle/>
+          <a:p>
+            <a:r>
+              <a:rPr lang="en-US" altLang="ko-KR" sz="2400" b="1" dirty="0"/>
+              <a:t>4</a:t>
+            </a:r>
+            <a:endParaRPr lang="ko-KR" altLang="en-US" sz="2400" b="1" dirty="0"/>
+          </a:p>
+        </p:txBody>
+      </p:sp>
+      <p:sp>
+        <p:nvSpPr>
+          <p:cNvPr id="147" name="TextBox 146">
+            <a:extLst>
+              <a:ext uri="{FF2B5EF4-FFF2-40B4-BE49-F238E27FC236}">
+                <a16:creationId xmlns:a16="http://schemas.microsoft.com/office/drawing/2014/main" id="{BBF05BB7-9898-E7BF-478A-84AF63D9F04E}"/>
+              </a:ext>
+            </a:extLst>
+          </p:cNvPr>
+          <p:cNvSpPr txBox="1"/>
+          <p:nvPr/>
+        </p:nvSpPr>
+        <p:spPr>
+          <a:xfrm>
+            <a:off x="2611690" y="3790950"/>
+            <a:ext cx="489236" cy="461665"/>
+          </a:xfrm>
+          <a:prstGeom prst="rect">
+            <a:avLst/>
+          </a:prstGeom>
+          <a:noFill/>
+        </p:spPr>
+        <p:txBody>
+          <a:bodyPr wrap="none" rtlCol="0">
+            <a:spAutoFit/>
+          </a:bodyPr>
+          <a:lstStyle/>
+          <a:p>
+            <a:r>
+              <a:rPr lang="en-US" altLang="ko-KR" sz="2400" b="1" dirty="0"/>
+              <a:t>-4</a:t>
+            </a:r>
+            <a:endParaRPr lang="ko-KR" altLang="en-US" sz="2400" b="1" dirty="0"/>
+          </a:p>
+        </p:txBody>
+      </p:sp>
+      <p:sp>
+        <p:nvSpPr>
+          <p:cNvPr id="148" name="TextBox 147">
+            <a:extLst>
+              <a:ext uri="{FF2B5EF4-FFF2-40B4-BE49-F238E27FC236}">
+                <a16:creationId xmlns:a16="http://schemas.microsoft.com/office/drawing/2014/main" id="{50205E44-48E0-0D36-292F-DCEE215F45F4}"/>
+              </a:ext>
+            </a:extLst>
+          </p:cNvPr>
+          <p:cNvSpPr txBox="1"/>
+          <p:nvPr/>
+        </p:nvSpPr>
+        <p:spPr>
+          <a:xfrm>
+            <a:off x="3468939" y="3790950"/>
+            <a:ext cx="489236" cy="461665"/>
+          </a:xfrm>
+          <a:prstGeom prst="rect">
+            <a:avLst/>
+          </a:prstGeom>
+          <a:noFill/>
+        </p:spPr>
+        <p:txBody>
+          <a:bodyPr wrap="none" rtlCol="0">
+            <a:spAutoFit/>
+          </a:bodyPr>
+          <a:lstStyle/>
+          <a:p>
+            <a:r>
+              <a:rPr lang="en-US" altLang="ko-KR" sz="2400" b="1" dirty="0"/>
+              <a:t>-3</a:t>
+            </a:r>
+            <a:endParaRPr lang="ko-KR" altLang="en-US" sz="2400" b="1" dirty="0"/>
+          </a:p>
+        </p:txBody>
+      </p:sp>
+      <p:sp>
+        <p:nvSpPr>
+          <p:cNvPr id="149" name="TextBox 148">
+            <a:extLst>
+              <a:ext uri="{FF2B5EF4-FFF2-40B4-BE49-F238E27FC236}">
+                <a16:creationId xmlns:a16="http://schemas.microsoft.com/office/drawing/2014/main" id="{5D50E951-6092-3F69-3373-09DD9FDC6AE9}"/>
+              </a:ext>
+            </a:extLst>
+          </p:cNvPr>
+          <p:cNvSpPr txBox="1"/>
+          <p:nvPr/>
+        </p:nvSpPr>
+        <p:spPr>
+          <a:xfrm>
+            <a:off x="4325450" y="3790950"/>
+            <a:ext cx="489236" cy="461665"/>
+          </a:xfrm>
+          <a:prstGeom prst="rect">
+            <a:avLst/>
+          </a:prstGeom>
+          <a:noFill/>
+        </p:spPr>
+        <p:txBody>
+          <a:bodyPr wrap="none" rtlCol="0">
+            <a:spAutoFit/>
+          </a:bodyPr>
+          <a:lstStyle/>
+          <a:p>
+            <a:r>
+              <a:rPr lang="en-US" altLang="ko-KR" sz="2400" b="1" dirty="0"/>
+              <a:t>-2</a:t>
+            </a:r>
+            <a:endParaRPr lang="ko-KR" altLang="en-US" sz="2400" b="1" dirty="0"/>
+          </a:p>
+        </p:txBody>
+      </p:sp>
+      <p:sp>
+        <p:nvSpPr>
+          <p:cNvPr id="150" name="TextBox 149">
+            <a:extLst>
+              <a:ext uri="{FF2B5EF4-FFF2-40B4-BE49-F238E27FC236}">
+                <a16:creationId xmlns:a16="http://schemas.microsoft.com/office/drawing/2014/main" id="{4A98E932-E4BD-4457-F2F2-F224E9CE23FF}"/>
+              </a:ext>
+            </a:extLst>
+          </p:cNvPr>
+          <p:cNvSpPr txBox="1"/>
+          <p:nvPr/>
+        </p:nvSpPr>
+        <p:spPr>
+          <a:xfrm>
+            <a:off x="5181961" y="3790950"/>
+            <a:ext cx="489236" cy="461665"/>
+          </a:xfrm>
+          <a:prstGeom prst="rect">
+            <a:avLst/>
+          </a:prstGeom>
+          <a:noFill/>
+        </p:spPr>
+        <p:txBody>
+          <a:bodyPr wrap="none" rtlCol="0">
+            <a:spAutoFit/>
+          </a:bodyPr>
+          <a:lstStyle/>
+          <a:p>
+            <a:r>
+              <a:rPr lang="en-US" altLang="ko-KR" sz="2400" b="1" dirty="0"/>
+              <a:t>-1</a:t>
+            </a:r>
+            <a:endParaRPr lang="ko-KR" altLang="en-US" sz="2400" b="1" dirty="0"/>
+          </a:p>
+        </p:txBody>
+      </p:sp>
+      <p:sp>
+        <p:nvSpPr>
+          <p:cNvPr id="29" name="TextBox 28">
+            <a:extLst>
+              <a:ext uri="{FF2B5EF4-FFF2-40B4-BE49-F238E27FC236}">
+                <a16:creationId xmlns:a16="http://schemas.microsoft.com/office/drawing/2014/main" id="{ABAB7553-6ACD-A3EE-8CD9-FEFEA6DE7D67}"/>
+              </a:ext>
+            </a:extLst>
+          </p:cNvPr>
+          <p:cNvSpPr txBox="1"/>
+          <p:nvPr/>
+        </p:nvSpPr>
+        <p:spPr>
+          <a:xfrm>
+            <a:off x="6292198" y="3648089"/>
+            <a:ext cx="362600" cy="461665"/>
+          </a:xfrm>
+          <a:prstGeom prst="rect">
+            <a:avLst/>
+          </a:prstGeom>
+          <a:noFill/>
+        </p:spPr>
+        <p:txBody>
+          <a:bodyPr wrap="none" rtlCol="0">
+            <a:spAutoFit/>
+          </a:bodyPr>
+          <a:lstStyle/>
+          <a:p>
+            <a:r>
+              <a:rPr lang="en-US" altLang="ko-KR" sz="2400" b="1" dirty="0"/>
+              <a:t>0</a:t>
+            </a:r>
+            <a:endParaRPr lang="ko-KR" altLang="en-US" sz="2400" b="1" dirty="0"/>
+          </a:p>
+        </p:txBody>
+      </p:sp>
+      <p:grpSp>
+        <p:nvGrpSpPr>
+          <p:cNvPr id="5" name="그룹 4">
+            <a:extLst>
+              <a:ext uri="{FF2B5EF4-FFF2-40B4-BE49-F238E27FC236}">
+                <a16:creationId xmlns:a16="http://schemas.microsoft.com/office/drawing/2014/main" id="{318D38E2-D283-1FC9-9992-816C01AD1133}"/>
+              </a:ext>
+            </a:extLst>
+          </p:cNvPr>
+          <p:cNvGrpSpPr/>
+          <p:nvPr/>
+        </p:nvGrpSpPr>
+        <p:grpSpPr>
+          <a:xfrm rot="5400000">
+            <a:off x="2391422" y="3584182"/>
+            <a:ext cx="7700210" cy="0"/>
+            <a:chOff x="2374232" y="3441032"/>
+            <a:chExt cx="7700210" cy="0"/>
+          </a:xfrm>
+        </p:grpSpPr>
+        <p:cxnSp>
+          <p:nvCxnSpPr>
+            <p:cNvPr id="27" name="직선 화살표 연결선 26">
+              <a:extLst>
+                <a:ext uri="{FF2B5EF4-FFF2-40B4-BE49-F238E27FC236}">
+                  <a16:creationId xmlns:a16="http://schemas.microsoft.com/office/drawing/2014/main" id="{EB4D6536-F293-1D46-6F8B-97B569D0D09C}"/>
+                </a:ext>
+              </a:extLst>
+            </p:cNvPr>
+            <p:cNvCxnSpPr/>
+            <p:nvPr/>
+          </p:nvCxnSpPr>
+          <p:spPr>
+            <a:xfrm>
+              <a:off x="6224337" y="3441032"/>
+              <a:ext cx="3850105" cy="0"/>
+            </a:xfrm>
+            <a:prstGeom prst="straightConnector1">
+              <a:avLst/>
+            </a:prstGeom>
+            <a:ln w="38100">
+              <a:solidFill>
+                <a:schemeClr val="tx1"/>
+              </a:solidFill>
+              <a:tailEnd type="triangle"/>
+            </a:ln>
+          </p:spPr>
+          <p:style>
+            <a:lnRef idx="2">
+              <a:schemeClr val="accent1"/>
+            </a:lnRef>
+            <a:fillRef idx="0">
+              <a:schemeClr val="accent1"/>
+            </a:fillRef>
+            <a:effectRef idx="1">
+              <a:schemeClr val="accent1"/>
+            </a:effectRef>
+            <a:fontRef idx="minor">
+              <a:schemeClr val="tx1"/>
+            </a:fontRef>
+          </p:style>
+        </p:cxnSp>
+        <p:cxnSp>
+          <p:nvCxnSpPr>
+            <p:cNvPr id="28" name="직선 화살표 연결선 27">
+              <a:extLst>
+                <a:ext uri="{FF2B5EF4-FFF2-40B4-BE49-F238E27FC236}">
+                  <a16:creationId xmlns:a16="http://schemas.microsoft.com/office/drawing/2014/main" id="{70A1C72D-CF2B-C31F-E4ED-5D6C13BF5F71}"/>
+                </a:ext>
+              </a:extLst>
+            </p:cNvPr>
+            <p:cNvCxnSpPr>
+              <a:cxnSpLocks/>
+            </p:cNvCxnSpPr>
+            <p:nvPr/>
+          </p:nvCxnSpPr>
+          <p:spPr>
+            <a:xfrm rot="10800000">
+              <a:off x="2374232" y="3441032"/>
+              <a:ext cx="3850105" cy="0"/>
+            </a:xfrm>
+            <a:prstGeom prst="straightConnector1">
+              <a:avLst/>
+            </a:prstGeom>
+            <a:ln w="38100">
+              <a:solidFill>
+                <a:schemeClr val="tx1"/>
+              </a:solidFill>
+              <a:tailEnd type="triangle"/>
+            </a:ln>
+          </p:spPr>
+          <p:style>
+            <a:lnRef idx="2">
+              <a:schemeClr val="accent1"/>
+            </a:lnRef>
+            <a:fillRef idx="0">
+              <a:schemeClr val="accent1"/>
+            </a:fillRef>
+            <a:effectRef idx="1">
+              <a:schemeClr val="accent1"/>
+            </a:effectRef>
+            <a:fontRef idx="minor">
+              <a:schemeClr val="tx1"/>
+            </a:fontRef>
+          </p:style>
+        </p:cxnSp>
+      </p:grpSp>
+      <p:cxnSp>
+        <p:nvCxnSpPr>
+          <p:cNvPr id="6" name="직선 연결선 5">
+            <a:extLst>
+              <a:ext uri="{FF2B5EF4-FFF2-40B4-BE49-F238E27FC236}">
+                <a16:creationId xmlns:a16="http://schemas.microsoft.com/office/drawing/2014/main" id="{D56BF7DD-E8DA-4EE3-FFF5-A527D876ED63}"/>
+              </a:ext>
+            </a:extLst>
+          </p:cNvPr>
+          <p:cNvCxnSpPr>
+            <a:cxnSpLocks/>
+          </p:cNvCxnSpPr>
+          <p:nvPr/>
+        </p:nvCxnSpPr>
+        <p:spPr>
+          <a:xfrm rot="5400000" flipV="1">
+            <a:off x="6137254" y="5184884"/>
+            <a:ext cx="0" cy="208547"/>
+          </a:xfrm>
+          <a:prstGeom prst="line">
+            <a:avLst/>
+          </a:prstGeom>
+          <a:ln w="38100">
+            <a:solidFill>
+              <a:schemeClr val="tx1"/>
+            </a:solidFill>
+          </a:ln>
+        </p:spPr>
+        <p:style>
+          <a:lnRef idx="2">
+            <a:schemeClr val="accent1"/>
+          </a:lnRef>
+          <a:fillRef idx="0">
+            <a:schemeClr val="accent1"/>
+          </a:fillRef>
+          <a:effectRef idx="1">
+            <a:schemeClr val="accent1"/>
+          </a:effectRef>
+          <a:fontRef idx="minor">
+            <a:schemeClr val="tx1"/>
+          </a:fontRef>
+        </p:style>
+      </p:cxnSp>
+      <p:cxnSp>
+        <p:nvCxnSpPr>
+          <p:cNvPr id="7" name="직선 연결선 6">
+            <a:extLst>
+              <a:ext uri="{FF2B5EF4-FFF2-40B4-BE49-F238E27FC236}">
+                <a16:creationId xmlns:a16="http://schemas.microsoft.com/office/drawing/2014/main" id="{DE1ADFB2-2A63-07CE-D251-062E644AE61F}"/>
+              </a:ext>
+            </a:extLst>
+          </p:cNvPr>
+          <p:cNvCxnSpPr>
+            <a:cxnSpLocks/>
+          </p:cNvCxnSpPr>
+          <p:nvPr/>
+        </p:nvCxnSpPr>
+        <p:spPr>
+          <a:xfrm rot="5400000" flipV="1">
+            <a:off x="6137254" y="4333984"/>
+            <a:ext cx="0" cy="208547"/>
+          </a:xfrm>
+          <a:prstGeom prst="line">
+            <a:avLst/>
+          </a:prstGeom>
+          <a:ln w="38100">
+            <a:solidFill>
+              <a:schemeClr val="tx1"/>
+            </a:solidFill>
+          </a:ln>
+        </p:spPr>
+        <p:style>
+          <a:lnRef idx="2">
+            <a:schemeClr val="accent1"/>
+          </a:lnRef>
+          <a:fillRef idx="0">
+            <a:schemeClr val="accent1"/>
+          </a:fillRef>
+          <a:effectRef idx="1">
+            <a:schemeClr val="accent1"/>
+          </a:effectRef>
+          <a:fontRef idx="minor">
+            <a:schemeClr val="tx1"/>
+          </a:fontRef>
+        </p:style>
+      </p:cxnSp>
+      <p:cxnSp>
+        <p:nvCxnSpPr>
+          <p:cNvPr id="8" name="직선 연결선 7">
+            <a:extLst>
+              <a:ext uri="{FF2B5EF4-FFF2-40B4-BE49-F238E27FC236}">
+                <a16:creationId xmlns:a16="http://schemas.microsoft.com/office/drawing/2014/main" id="{806CAA3E-A8FF-37D5-A672-EFA4C518BCE4}"/>
+              </a:ext>
+            </a:extLst>
+          </p:cNvPr>
+          <p:cNvCxnSpPr>
+            <a:cxnSpLocks/>
+          </p:cNvCxnSpPr>
+          <p:nvPr/>
+        </p:nvCxnSpPr>
+        <p:spPr>
+          <a:xfrm rot="5400000" flipV="1">
+            <a:off x="6137254" y="5184884"/>
+            <a:ext cx="0" cy="208547"/>
+          </a:xfrm>
+          <a:prstGeom prst="line">
+            <a:avLst/>
+          </a:prstGeom>
+          <a:ln w="38100">
+            <a:solidFill>
+              <a:schemeClr val="tx1"/>
+            </a:solidFill>
+          </a:ln>
+        </p:spPr>
+        <p:style>
+          <a:lnRef idx="2">
+            <a:schemeClr val="accent1"/>
+          </a:lnRef>
+          <a:fillRef idx="0">
+            <a:schemeClr val="accent1"/>
+          </a:fillRef>
+          <a:effectRef idx="1">
+            <a:schemeClr val="accent1"/>
+          </a:effectRef>
+          <a:fontRef idx="minor">
+            <a:schemeClr val="tx1"/>
+          </a:fontRef>
+        </p:style>
+      </p:cxnSp>
+      <p:cxnSp>
+        <p:nvCxnSpPr>
+          <p:cNvPr id="10" name="직선 연결선 9">
+            <a:extLst>
+              <a:ext uri="{FF2B5EF4-FFF2-40B4-BE49-F238E27FC236}">
+                <a16:creationId xmlns:a16="http://schemas.microsoft.com/office/drawing/2014/main" id="{1FE99B1E-5233-1A07-214E-2B499451EB7D}"/>
+              </a:ext>
+            </a:extLst>
+          </p:cNvPr>
+          <p:cNvCxnSpPr>
+            <a:cxnSpLocks/>
+          </p:cNvCxnSpPr>
+          <p:nvPr/>
+        </p:nvCxnSpPr>
+        <p:spPr>
+          <a:xfrm rot="5400000" flipV="1">
+            <a:off x="6137254" y="6886684"/>
+            <a:ext cx="0" cy="208547"/>
+          </a:xfrm>
+          <a:prstGeom prst="line">
+            <a:avLst/>
+          </a:prstGeom>
+          <a:ln w="38100">
+            <a:solidFill>
+              <a:schemeClr val="tx1"/>
+            </a:solidFill>
+          </a:ln>
+        </p:spPr>
+        <p:style>
+          <a:lnRef idx="2">
+            <a:schemeClr val="accent1"/>
+          </a:lnRef>
+          <a:fillRef idx="0">
+            <a:schemeClr val="accent1"/>
+          </a:fillRef>
+          <a:effectRef idx="1">
+            <a:schemeClr val="accent1"/>
+          </a:effectRef>
+          <a:fontRef idx="minor">
+            <a:schemeClr val="tx1"/>
+          </a:fontRef>
+        </p:style>
+      </p:cxnSp>
+      <p:cxnSp>
+        <p:nvCxnSpPr>
+          <p:cNvPr id="11" name="직선 연결선 10">
+            <a:extLst>
+              <a:ext uri="{FF2B5EF4-FFF2-40B4-BE49-F238E27FC236}">
+                <a16:creationId xmlns:a16="http://schemas.microsoft.com/office/drawing/2014/main" id="{260E23D3-F05C-6D3C-D19B-DAB59C76D38A}"/>
+              </a:ext>
+            </a:extLst>
+          </p:cNvPr>
+          <p:cNvCxnSpPr>
+            <a:cxnSpLocks/>
+          </p:cNvCxnSpPr>
+          <p:nvPr/>
+        </p:nvCxnSpPr>
+        <p:spPr>
+          <a:xfrm rot="5400000" flipV="1">
+            <a:off x="6137254" y="6035784"/>
+            <a:ext cx="0" cy="208547"/>
+          </a:xfrm>
+          <a:prstGeom prst="line">
+            <a:avLst/>
+          </a:prstGeom>
+          <a:ln w="38100">
+            <a:solidFill>
+              <a:schemeClr val="tx1"/>
+            </a:solidFill>
+          </a:ln>
+        </p:spPr>
+        <p:style>
+          <a:lnRef idx="2">
+            <a:schemeClr val="accent1"/>
+          </a:lnRef>
+          <a:fillRef idx="0">
+            <a:schemeClr val="accent1"/>
+          </a:fillRef>
+          <a:effectRef idx="1">
+            <a:schemeClr val="accent1"/>
+          </a:effectRef>
+          <a:fontRef idx="minor">
+            <a:schemeClr val="tx1"/>
+          </a:fontRef>
+        </p:style>
+      </p:cxnSp>
+      <p:cxnSp>
+        <p:nvCxnSpPr>
+          <p:cNvPr id="12" name="직선 연결선 11">
+            <a:extLst>
+              <a:ext uri="{FF2B5EF4-FFF2-40B4-BE49-F238E27FC236}">
+                <a16:creationId xmlns:a16="http://schemas.microsoft.com/office/drawing/2014/main" id="{10D9A209-2E54-CBDA-9AF7-3F11A3415B20}"/>
+              </a:ext>
+            </a:extLst>
+          </p:cNvPr>
+          <p:cNvCxnSpPr>
+            <a:cxnSpLocks/>
+          </p:cNvCxnSpPr>
+          <p:nvPr/>
+        </p:nvCxnSpPr>
+        <p:spPr>
+          <a:xfrm rot="5400000" flipV="1">
+            <a:off x="6137254" y="73134"/>
+            <a:ext cx="0" cy="208547"/>
+          </a:xfrm>
+          <a:prstGeom prst="line">
+            <a:avLst/>
+          </a:prstGeom>
+          <a:ln w="38100">
+            <a:solidFill>
+              <a:schemeClr val="tx1"/>
+            </a:solidFill>
+          </a:ln>
+        </p:spPr>
+        <p:style>
+          <a:lnRef idx="2">
+            <a:schemeClr val="accent1"/>
+          </a:lnRef>
+          <a:fillRef idx="0">
+            <a:schemeClr val="accent1"/>
+          </a:fillRef>
+          <a:effectRef idx="1">
+            <a:schemeClr val="accent1"/>
+          </a:effectRef>
+          <a:fontRef idx="minor">
+            <a:schemeClr val="tx1"/>
+          </a:fontRef>
+        </p:style>
+      </p:cxnSp>
+      <p:cxnSp>
+        <p:nvCxnSpPr>
+          <p:cNvPr id="13" name="직선 연결선 12">
+            <a:extLst>
+              <a:ext uri="{FF2B5EF4-FFF2-40B4-BE49-F238E27FC236}">
+                <a16:creationId xmlns:a16="http://schemas.microsoft.com/office/drawing/2014/main" id="{762786DB-95C4-5E7C-4932-A9C6EC15734F}"/>
+              </a:ext>
+            </a:extLst>
+          </p:cNvPr>
+          <p:cNvCxnSpPr>
+            <a:cxnSpLocks/>
+          </p:cNvCxnSpPr>
+          <p:nvPr/>
+        </p:nvCxnSpPr>
+        <p:spPr>
+          <a:xfrm rot="5400000" flipV="1">
+            <a:off x="6137254" y="1774934"/>
+            <a:ext cx="0" cy="208547"/>
+          </a:xfrm>
+          <a:prstGeom prst="line">
+            <a:avLst/>
+          </a:prstGeom>
+          <a:ln w="38100">
+            <a:solidFill>
+              <a:schemeClr val="tx1"/>
+            </a:solidFill>
+          </a:ln>
+        </p:spPr>
+        <p:style>
+          <a:lnRef idx="2">
+            <a:schemeClr val="accent1"/>
+          </a:lnRef>
+          <a:fillRef idx="0">
+            <a:schemeClr val="accent1"/>
+          </a:fillRef>
+          <a:effectRef idx="1">
+            <a:schemeClr val="accent1"/>
+          </a:effectRef>
+          <a:fontRef idx="minor">
+            <a:schemeClr val="tx1"/>
+          </a:fontRef>
+        </p:style>
+      </p:cxnSp>
+      <p:cxnSp>
+        <p:nvCxnSpPr>
+          <p:cNvPr id="14" name="직선 연결선 13">
+            <a:extLst>
+              <a:ext uri="{FF2B5EF4-FFF2-40B4-BE49-F238E27FC236}">
+                <a16:creationId xmlns:a16="http://schemas.microsoft.com/office/drawing/2014/main" id="{F5E2E33F-E64E-F00E-3136-E564A68C4F6B}"/>
+              </a:ext>
+            </a:extLst>
+          </p:cNvPr>
+          <p:cNvCxnSpPr>
+            <a:cxnSpLocks/>
+          </p:cNvCxnSpPr>
+          <p:nvPr/>
+        </p:nvCxnSpPr>
+        <p:spPr>
+          <a:xfrm rot="5400000" flipV="1">
+            <a:off x="6137254" y="924034"/>
+            <a:ext cx="0" cy="208547"/>
+          </a:xfrm>
+          <a:prstGeom prst="line">
+            <a:avLst/>
+          </a:prstGeom>
+          <a:ln w="38100">
+            <a:solidFill>
+              <a:schemeClr val="tx1"/>
+            </a:solidFill>
+          </a:ln>
+        </p:spPr>
+        <p:style>
+          <a:lnRef idx="2">
+            <a:schemeClr val="accent1"/>
+          </a:lnRef>
+          <a:fillRef idx="0">
+            <a:schemeClr val="accent1"/>
+          </a:fillRef>
+          <a:effectRef idx="1">
+            <a:schemeClr val="accent1"/>
+          </a:effectRef>
+          <a:fontRef idx="minor">
+            <a:schemeClr val="tx1"/>
+          </a:fontRef>
+        </p:style>
+      </p:cxnSp>
+      <p:cxnSp>
+        <p:nvCxnSpPr>
+          <p:cNvPr id="15" name="직선 연결선 14">
+            <a:extLst>
+              <a:ext uri="{FF2B5EF4-FFF2-40B4-BE49-F238E27FC236}">
+                <a16:creationId xmlns:a16="http://schemas.microsoft.com/office/drawing/2014/main" id="{AECA251D-98B9-B504-540E-0B91CF974270}"/>
+              </a:ext>
+            </a:extLst>
+          </p:cNvPr>
+          <p:cNvCxnSpPr>
+            <a:cxnSpLocks/>
+          </p:cNvCxnSpPr>
+          <p:nvPr/>
+        </p:nvCxnSpPr>
+        <p:spPr>
+          <a:xfrm rot="5400000" flipV="1">
+            <a:off x="6137254" y="1774934"/>
+            <a:ext cx="0" cy="208547"/>
+          </a:xfrm>
+          <a:prstGeom prst="line">
+            <a:avLst/>
+          </a:prstGeom>
+          <a:ln w="38100">
+            <a:solidFill>
+              <a:schemeClr val="tx1"/>
+            </a:solidFill>
+          </a:ln>
+        </p:spPr>
+        <p:style>
+          <a:lnRef idx="2">
+            <a:schemeClr val="accent1"/>
+          </a:lnRef>
+          <a:fillRef idx="0">
+            <a:schemeClr val="accent1"/>
+          </a:fillRef>
+          <a:effectRef idx="1">
+            <a:schemeClr val="accent1"/>
+          </a:effectRef>
+          <a:fontRef idx="minor">
+            <a:schemeClr val="tx1"/>
+          </a:fontRef>
+        </p:style>
+      </p:cxnSp>
+      <p:cxnSp>
+        <p:nvCxnSpPr>
+          <p:cNvPr id="16" name="직선 연결선 15">
+            <a:extLst>
+              <a:ext uri="{FF2B5EF4-FFF2-40B4-BE49-F238E27FC236}">
+                <a16:creationId xmlns:a16="http://schemas.microsoft.com/office/drawing/2014/main" id="{969B2E2C-8E39-D8E8-47E5-042C0408990E}"/>
+              </a:ext>
+            </a:extLst>
+          </p:cNvPr>
+          <p:cNvCxnSpPr>
+            <a:cxnSpLocks/>
+          </p:cNvCxnSpPr>
+          <p:nvPr/>
+        </p:nvCxnSpPr>
+        <p:spPr>
+          <a:xfrm rot="5400000" flipV="1">
+            <a:off x="6137254" y="2625834"/>
+            <a:ext cx="0" cy="208547"/>
+          </a:xfrm>
+          <a:prstGeom prst="line">
+            <a:avLst/>
+          </a:prstGeom>
+          <a:ln w="38100">
+            <a:solidFill>
+              <a:schemeClr val="tx1"/>
+            </a:solidFill>
+          </a:ln>
+        </p:spPr>
+        <p:style>
+          <a:lnRef idx="2">
+            <a:schemeClr val="accent1"/>
+          </a:lnRef>
+          <a:fillRef idx="0">
+            <a:schemeClr val="accent1"/>
+          </a:fillRef>
+          <a:effectRef idx="1">
+            <a:schemeClr val="accent1"/>
+          </a:effectRef>
+          <a:fontRef idx="minor">
+            <a:schemeClr val="tx1"/>
+          </a:fontRef>
+        </p:style>
+      </p:cxnSp>
+      <p:sp>
+        <p:nvSpPr>
+          <p:cNvPr id="18" name="TextBox 17">
+            <a:extLst>
+              <a:ext uri="{FF2B5EF4-FFF2-40B4-BE49-F238E27FC236}">
+                <a16:creationId xmlns:a16="http://schemas.microsoft.com/office/drawing/2014/main" id="{B49E06B5-CE14-EDE0-A60C-05AFA955E66C}"/>
+              </a:ext>
+            </a:extLst>
+          </p:cNvPr>
+          <p:cNvSpPr txBox="1"/>
+          <p:nvPr/>
+        </p:nvSpPr>
+        <p:spPr>
+          <a:xfrm>
+            <a:off x="6032980" y="-733192"/>
+            <a:ext cx="349776" cy="461665"/>
+          </a:xfrm>
+          <a:prstGeom prst="rect">
+            <a:avLst/>
+          </a:prstGeom>
+          <a:noFill/>
+        </p:spPr>
+        <p:txBody>
+          <a:bodyPr wrap="none" rtlCol="0">
+            <a:spAutoFit/>
+          </a:bodyPr>
+          <a:lstStyle/>
+          <a:p>
+            <a:r>
+              <a:rPr lang="en-US" altLang="ko-KR" sz="2400" b="1" dirty="0"/>
+              <a:t>y</a:t>
+            </a:r>
+            <a:endParaRPr lang="ko-KR" altLang="en-US" sz="2400" b="1" dirty="0"/>
+          </a:p>
+        </p:txBody>
+      </p:sp>
+      <p:sp>
+        <p:nvSpPr>
+          <p:cNvPr id="19" name="TextBox 18">
+            <a:extLst>
+              <a:ext uri="{FF2B5EF4-FFF2-40B4-BE49-F238E27FC236}">
+                <a16:creationId xmlns:a16="http://schemas.microsoft.com/office/drawing/2014/main" id="{D7919A72-357B-89CA-D534-2164BD6A6FC9}"/>
+              </a:ext>
+            </a:extLst>
+          </p:cNvPr>
+          <p:cNvSpPr txBox="1"/>
+          <p:nvPr/>
+        </p:nvSpPr>
+        <p:spPr>
+          <a:xfrm>
+            <a:off x="5622627" y="4219385"/>
+            <a:ext cx="489236" cy="461665"/>
+          </a:xfrm>
+          <a:prstGeom prst="rect">
+            <a:avLst/>
+          </a:prstGeom>
+          <a:noFill/>
+        </p:spPr>
+        <p:txBody>
+          <a:bodyPr wrap="none" rtlCol="0">
+            <a:spAutoFit/>
+          </a:bodyPr>
+          <a:lstStyle/>
+          <a:p>
+            <a:r>
+              <a:rPr lang="en-US" altLang="ko-KR" sz="2400" b="1" dirty="0"/>
+              <a:t>-1</a:t>
+            </a:r>
+            <a:endParaRPr lang="ko-KR" altLang="en-US" sz="2400" b="1" dirty="0"/>
+          </a:p>
+        </p:txBody>
+      </p:sp>
+      <p:sp>
+        <p:nvSpPr>
+          <p:cNvPr id="20" name="TextBox 19">
+            <a:extLst>
+              <a:ext uri="{FF2B5EF4-FFF2-40B4-BE49-F238E27FC236}">
+                <a16:creationId xmlns:a16="http://schemas.microsoft.com/office/drawing/2014/main" id="{D98D6751-9BBC-4C3F-5A5D-4FD911423D2D}"/>
+              </a:ext>
+            </a:extLst>
+          </p:cNvPr>
+          <p:cNvSpPr txBox="1"/>
+          <p:nvPr/>
+        </p:nvSpPr>
+        <p:spPr>
+          <a:xfrm>
+            <a:off x="5622627" y="5075896"/>
+            <a:ext cx="489236" cy="461665"/>
+          </a:xfrm>
+          <a:prstGeom prst="rect">
+            <a:avLst/>
+          </a:prstGeom>
+          <a:noFill/>
+        </p:spPr>
+        <p:txBody>
+          <a:bodyPr wrap="none" rtlCol="0">
+            <a:spAutoFit/>
+          </a:bodyPr>
+          <a:lstStyle/>
+          <a:p>
+            <a:r>
+              <a:rPr lang="en-US" altLang="ko-KR" sz="2400" b="1" dirty="0"/>
+              <a:t>-2</a:t>
+            </a:r>
+            <a:endParaRPr lang="ko-KR" altLang="en-US" sz="2400" b="1" dirty="0"/>
+          </a:p>
+        </p:txBody>
+      </p:sp>
+      <p:sp>
+        <p:nvSpPr>
+          <p:cNvPr id="21" name="TextBox 20">
+            <a:extLst>
+              <a:ext uri="{FF2B5EF4-FFF2-40B4-BE49-F238E27FC236}">
+                <a16:creationId xmlns:a16="http://schemas.microsoft.com/office/drawing/2014/main" id="{B6A8234E-0138-AC16-1EF8-994B11FDEACE}"/>
+              </a:ext>
+            </a:extLst>
+          </p:cNvPr>
+          <p:cNvSpPr txBox="1"/>
+          <p:nvPr/>
+        </p:nvSpPr>
+        <p:spPr>
+          <a:xfrm>
+            <a:off x="5622627" y="5932407"/>
+            <a:ext cx="489236" cy="461665"/>
+          </a:xfrm>
+          <a:prstGeom prst="rect">
+            <a:avLst/>
+          </a:prstGeom>
+          <a:noFill/>
+        </p:spPr>
+        <p:txBody>
+          <a:bodyPr wrap="none" rtlCol="0">
+            <a:spAutoFit/>
+          </a:bodyPr>
+          <a:lstStyle/>
+          <a:p>
+            <a:r>
+              <a:rPr lang="en-US" altLang="ko-KR" sz="2400" b="1" dirty="0"/>
+              <a:t>-3</a:t>
+            </a:r>
+            <a:endParaRPr lang="ko-KR" altLang="en-US" sz="2400" b="1" dirty="0"/>
+          </a:p>
+        </p:txBody>
+      </p:sp>
+      <p:sp>
+        <p:nvSpPr>
+          <p:cNvPr id="22" name="TextBox 21">
+            <a:extLst>
+              <a:ext uri="{FF2B5EF4-FFF2-40B4-BE49-F238E27FC236}">
+                <a16:creationId xmlns:a16="http://schemas.microsoft.com/office/drawing/2014/main" id="{CF0B9358-CF62-6E1A-226A-DB0720E3CBE2}"/>
+              </a:ext>
+            </a:extLst>
+          </p:cNvPr>
+          <p:cNvSpPr txBox="1"/>
+          <p:nvPr/>
+        </p:nvSpPr>
+        <p:spPr>
+          <a:xfrm>
+            <a:off x="5622627" y="6788918"/>
+            <a:ext cx="489236" cy="461665"/>
+          </a:xfrm>
+          <a:prstGeom prst="rect">
+            <a:avLst/>
+          </a:prstGeom>
+          <a:noFill/>
+        </p:spPr>
+        <p:txBody>
+          <a:bodyPr wrap="none" rtlCol="0">
+            <a:spAutoFit/>
+          </a:bodyPr>
+          <a:lstStyle/>
+          <a:p>
+            <a:r>
+              <a:rPr lang="en-US" altLang="ko-KR" sz="2400" b="1" dirty="0"/>
+              <a:t>-4</a:t>
+            </a:r>
+            <a:endParaRPr lang="ko-KR" altLang="en-US" sz="2400" b="1" dirty="0"/>
+          </a:p>
+        </p:txBody>
+      </p:sp>
+      <p:sp>
+        <p:nvSpPr>
+          <p:cNvPr id="23" name="TextBox 22">
+            <a:extLst>
+              <a:ext uri="{FF2B5EF4-FFF2-40B4-BE49-F238E27FC236}">
+                <a16:creationId xmlns:a16="http://schemas.microsoft.com/office/drawing/2014/main" id="{5738F4FB-076B-D909-240A-05B031A8079C}"/>
+              </a:ext>
+            </a:extLst>
+          </p:cNvPr>
+          <p:cNvSpPr txBox="1"/>
+          <p:nvPr/>
+        </p:nvSpPr>
+        <p:spPr>
+          <a:xfrm>
+            <a:off x="5559309" y="-7360"/>
+            <a:ext cx="362600" cy="461665"/>
+          </a:xfrm>
+          <a:prstGeom prst="rect">
+            <a:avLst/>
+          </a:prstGeom>
+          <a:noFill/>
+        </p:spPr>
+        <p:txBody>
+          <a:bodyPr wrap="none" rtlCol="0">
+            <a:spAutoFit/>
+          </a:bodyPr>
+          <a:lstStyle/>
+          <a:p>
+            <a:r>
+              <a:rPr lang="en-US" altLang="ko-KR" sz="2400" b="1" dirty="0"/>
+              <a:t>4</a:t>
+            </a:r>
+            <a:endParaRPr lang="ko-KR" altLang="en-US" sz="2400" b="1" dirty="0"/>
+          </a:p>
+        </p:txBody>
+      </p:sp>
+      <p:sp>
+        <p:nvSpPr>
+          <p:cNvPr id="24" name="TextBox 23">
+            <a:extLst>
+              <a:ext uri="{FF2B5EF4-FFF2-40B4-BE49-F238E27FC236}">
+                <a16:creationId xmlns:a16="http://schemas.microsoft.com/office/drawing/2014/main" id="{80A1B279-CC06-2CCE-5B9E-8EEF70D6D390}"/>
+              </a:ext>
+            </a:extLst>
+          </p:cNvPr>
+          <p:cNvSpPr txBox="1"/>
+          <p:nvPr/>
+        </p:nvSpPr>
+        <p:spPr>
+          <a:xfrm>
+            <a:off x="5559309" y="849889"/>
+            <a:ext cx="362600" cy="461665"/>
+          </a:xfrm>
+          <a:prstGeom prst="rect">
+            <a:avLst/>
+          </a:prstGeom>
+          <a:noFill/>
+        </p:spPr>
+        <p:txBody>
+          <a:bodyPr wrap="none" rtlCol="0">
+            <a:spAutoFit/>
+          </a:bodyPr>
+          <a:lstStyle/>
+          <a:p>
+            <a:r>
+              <a:rPr lang="en-US" altLang="ko-KR" sz="2400" b="1" dirty="0"/>
+              <a:t>3</a:t>
+            </a:r>
+            <a:endParaRPr lang="ko-KR" altLang="en-US" sz="2400" b="1" dirty="0"/>
+          </a:p>
+        </p:txBody>
+      </p:sp>
+      <p:sp>
+        <p:nvSpPr>
+          <p:cNvPr id="25" name="TextBox 24">
+            <a:extLst>
+              <a:ext uri="{FF2B5EF4-FFF2-40B4-BE49-F238E27FC236}">
+                <a16:creationId xmlns:a16="http://schemas.microsoft.com/office/drawing/2014/main" id="{F2C72CA7-5CD8-90C0-B27A-58A3FF10A90D}"/>
+              </a:ext>
+            </a:extLst>
+          </p:cNvPr>
+          <p:cNvSpPr txBox="1"/>
+          <p:nvPr/>
+        </p:nvSpPr>
+        <p:spPr>
+          <a:xfrm>
+            <a:off x="5559309" y="1706400"/>
+            <a:ext cx="362600" cy="461665"/>
+          </a:xfrm>
+          <a:prstGeom prst="rect">
+            <a:avLst/>
+          </a:prstGeom>
+          <a:noFill/>
+        </p:spPr>
+        <p:txBody>
+          <a:bodyPr wrap="none" rtlCol="0">
+            <a:spAutoFit/>
+          </a:bodyPr>
+          <a:lstStyle/>
+          <a:p>
+            <a:r>
+              <a:rPr lang="en-US" altLang="ko-KR" sz="2400" b="1" dirty="0"/>
+              <a:t>2</a:t>
+            </a:r>
+            <a:endParaRPr lang="ko-KR" altLang="en-US" sz="2400" b="1" dirty="0"/>
+          </a:p>
+        </p:txBody>
+      </p:sp>
+      <p:sp>
+        <p:nvSpPr>
+          <p:cNvPr id="26" name="TextBox 25">
+            <a:extLst>
+              <a:ext uri="{FF2B5EF4-FFF2-40B4-BE49-F238E27FC236}">
+                <a16:creationId xmlns:a16="http://schemas.microsoft.com/office/drawing/2014/main" id="{EEEEF1BA-EE02-C288-62F7-6E5726AC53E8}"/>
+              </a:ext>
+            </a:extLst>
+          </p:cNvPr>
+          <p:cNvSpPr txBox="1"/>
+          <p:nvPr/>
+        </p:nvSpPr>
+        <p:spPr>
+          <a:xfrm>
+            <a:off x="5559309" y="2562911"/>
+            <a:ext cx="362600" cy="461665"/>
+          </a:xfrm>
+          <a:prstGeom prst="rect">
+            <a:avLst/>
+          </a:prstGeom>
+          <a:noFill/>
+        </p:spPr>
+        <p:txBody>
+          <a:bodyPr wrap="none" rtlCol="0">
+            <a:spAutoFit/>
+          </a:bodyPr>
+          <a:lstStyle/>
+          <a:p>
+            <a:r>
+              <a:rPr lang="en-US" altLang="ko-KR" sz="2400" b="1" dirty="0"/>
+              <a:t>1</a:t>
+            </a:r>
+            <a:endParaRPr lang="ko-KR" altLang="en-US" sz="2400" b="1" dirty="0"/>
+          </a:p>
+        </p:txBody>
+      </p:sp>
+      <p:sp>
+        <p:nvSpPr>
+          <p:cNvPr id="31" name="타원 30">
+            <a:extLst>
+              <a:ext uri="{FF2B5EF4-FFF2-40B4-BE49-F238E27FC236}">
+                <a16:creationId xmlns:a16="http://schemas.microsoft.com/office/drawing/2014/main" id="{F26F22ED-B064-C3F5-303E-D9478E0BA25B}"/>
+              </a:ext>
+            </a:extLst>
+          </p:cNvPr>
+          <p:cNvSpPr/>
+          <p:nvPr/>
+        </p:nvSpPr>
+        <p:spPr>
+          <a:xfrm>
+            <a:off x="9538517" y="888328"/>
+            <a:ext cx="231383" cy="231383"/>
+          </a:xfrm>
+          <a:prstGeom prst="ellipse">
+            <a:avLst/>
+          </a:prstGeom>
+          <a:solidFill>
+            <a:schemeClr val="accent2"/>
+          </a:solidFill>
+        </p:spPr>
+        <p:style>
+          <a:lnRef idx="2">
+            <a:schemeClr val="accent1">
+              <a:shade val="15000"/>
+            </a:schemeClr>
+          </a:lnRef>
+          <a:fillRef idx="1">
+            <a:schemeClr val="accent1"/>
+          </a:fillRef>
+          <a:effectRef idx="0">
+            <a:schemeClr val="accent1"/>
+          </a:effectRef>
+          <a:fontRef idx="minor">
+            <a:schemeClr val="lt1"/>
+          </a:fontRef>
+        </p:style>
+        <p:txBody>
+          <a:bodyPr rtlCol="0" anchor="ctr"/>
+          <a:lstStyle/>
+          <a:p>
+            <a:pPr algn="ctr"/>
+            <a:endParaRPr lang="ko-KR" altLang="en-US"/>
+          </a:p>
+        </p:txBody>
+      </p:sp>
+      <p:cxnSp>
+        <p:nvCxnSpPr>
+          <p:cNvPr id="33" name="직선 화살표 연결선 32">
+            <a:extLst>
+              <a:ext uri="{FF2B5EF4-FFF2-40B4-BE49-F238E27FC236}">
+                <a16:creationId xmlns:a16="http://schemas.microsoft.com/office/drawing/2014/main" id="{F543CAF5-3BAD-263F-6EDE-BB3DF4B0826D}"/>
+              </a:ext>
+            </a:extLst>
+          </p:cNvPr>
+          <p:cNvCxnSpPr>
+            <a:cxnSpLocks/>
+            <a:endCxn id="31" idx="3"/>
+          </p:cNvCxnSpPr>
+          <p:nvPr/>
+        </p:nvCxnSpPr>
+        <p:spPr>
+          <a:xfrm flipV="1">
+            <a:off x="6217018" y="1085826"/>
+            <a:ext cx="3355384" cy="2474068"/>
+          </a:xfrm>
+          <a:prstGeom prst="straightConnector1">
+            <a:avLst/>
+          </a:prstGeom>
+          <a:ln>
+            <a:solidFill>
+              <a:schemeClr val="accent2"/>
+            </a:solidFill>
+            <a:tailEnd type="triangle"/>
+          </a:ln>
+        </p:spPr>
+        <p:style>
+          <a:lnRef idx="2">
+            <a:schemeClr val="accent1"/>
+          </a:lnRef>
+          <a:fillRef idx="0">
+            <a:schemeClr val="accent1"/>
+          </a:fillRef>
+          <a:effectRef idx="1">
+            <a:schemeClr val="accent1"/>
+          </a:effectRef>
+          <a:fontRef idx="minor">
+            <a:schemeClr val="tx1"/>
+          </a:fontRef>
+        </p:style>
+      </p:cxnSp>
+      <p:cxnSp>
+        <p:nvCxnSpPr>
+          <p:cNvPr id="38" name="직선 연결선 37">
+            <a:extLst>
+              <a:ext uri="{FF2B5EF4-FFF2-40B4-BE49-F238E27FC236}">
+                <a16:creationId xmlns:a16="http://schemas.microsoft.com/office/drawing/2014/main" id="{0C07BD42-84B9-0B75-0F61-888E6C05C307}"/>
+              </a:ext>
+            </a:extLst>
+          </p:cNvPr>
+          <p:cNvCxnSpPr>
+            <a:cxnSpLocks/>
+            <a:endCxn id="31" idx="4"/>
+          </p:cNvCxnSpPr>
+          <p:nvPr/>
+        </p:nvCxnSpPr>
+        <p:spPr>
+          <a:xfrm flipV="1">
+            <a:off x="9654209" y="1119711"/>
+            <a:ext cx="0" cy="2440183"/>
+          </a:xfrm>
+          <a:prstGeom prst="line">
+            <a:avLst/>
+          </a:prstGeom>
+          <a:ln w="38100">
+            <a:solidFill>
+              <a:schemeClr val="accent3">
+                <a:lumMod val="60000"/>
+                <a:lumOff val="40000"/>
+              </a:schemeClr>
+            </a:solidFill>
+            <a:prstDash val="solid"/>
+          </a:ln>
+        </p:spPr>
+        <p:style>
+          <a:lnRef idx="2">
+            <a:schemeClr val="accent1"/>
+          </a:lnRef>
+          <a:fillRef idx="0">
+            <a:schemeClr val="accent1"/>
+          </a:fillRef>
+          <a:effectRef idx="1">
+            <a:schemeClr val="accent1"/>
+          </a:effectRef>
+          <a:fontRef idx="minor">
+            <a:schemeClr val="tx1"/>
+          </a:fontRef>
+        </p:style>
+      </p:cxnSp>
+      <p:sp>
+        <p:nvSpPr>
+          <p:cNvPr id="52" name="TextBox 51">
+            <a:extLst>
+              <a:ext uri="{FF2B5EF4-FFF2-40B4-BE49-F238E27FC236}">
+                <a16:creationId xmlns:a16="http://schemas.microsoft.com/office/drawing/2014/main" id="{BDE02B66-559C-2853-45E9-CE95935D0646}"/>
+              </a:ext>
+            </a:extLst>
+          </p:cNvPr>
+          <p:cNvSpPr txBox="1"/>
+          <p:nvPr/>
+        </p:nvSpPr>
+        <p:spPr>
+          <a:xfrm>
+            <a:off x="7182935" y="1028307"/>
+            <a:ext cx="296876" cy="369332"/>
+          </a:xfrm>
+          <a:prstGeom prst="rect">
+            <a:avLst/>
+          </a:prstGeom>
+          <a:noFill/>
+        </p:spPr>
+        <p:txBody>
+          <a:bodyPr wrap="none" rtlCol="0">
+            <a:spAutoFit/>
+          </a:bodyPr>
+          <a:lstStyle/>
+          <a:p>
+            <a:r>
+              <a:rPr lang="en-US" altLang="ko-KR" b="1" dirty="0">
+                <a:solidFill>
+                  <a:schemeClr val="accent2"/>
+                </a:solidFill>
+              </a:rPr>
+              <a:t>c</a:t>
+            </a:r>
+            <a:endParaRPr lang="ko-KR" altLang="en-US" b="1" dirty="0">
+              <a:solidFill>
+                <a:schemeClr val="accent2"/>
+              </a:solidFill>
+            </a:endParaRPr>
+          </a:p>
+        </p:txBody>
+      </p:sp>
+      <p:cxnSp>
+        <p:nvCxnSpPr>
+          <p:cNvPr id="2" name="직선 연결선 1">
+            <a:extLst>
+              <a:ext uri="{FF2B5EF4-FFF2-40B4-BE49-F238E27FC236}">
+                <a16:creationId xmlns:a16="http://schemas.microsoft.com/office/drawing/2014/main" id="{A016E4DD-D797-81A4-8ECE-F5D5D026823B}"/>
+              </a:ext>
+            </a:extLst>
+          </p:cNvPr>
+          <p:cNvCxnSpPr>
+            <a:cxnSpLocks/>
+          </p:cNvCxnSpPr>
+          <p:nvPr/>
+        </p:nvCxnSpPr>
+        <p:spPr>
+          <a:xfrm flipH="1">
+            <a:off x="6217018" y="3584182"/>
+            <a:ext cx="3437191" cy="0"/>
+          </a:xfrm>
+          <a:prstGeom prst="line">
+            <a:avLst/>
+          </a:prstGeom>
+          <a:ln w="38100">
+            <a:solidFill>
+              <a:schemeClr val="accent3">
+                <a:lumMod val="60000"/>
+                <a:lumOff val="40000"/>
+              </a:schemeClr>
+            </a:solidFill>
+            <a:prstDash val="solid"/>
+          </a:ln>
+        </p:spPr>
+        <p:style>
+          <a:lnRef idx="2">
+            <a:schemeClr val="accent1"/>
+          </a:lnRef>
+          <a:fillRef idx="0">
+            <a:schemeClr val="accent1"/>
+          </a:fillRef>
+          <a:effectRef idx="1">
+            <a:schemeClr val="accent1"/>
+          </a:effectRef>
+          <a:fontRef idx="minor">
+            <a:schemeClr val="tx1"/>
+          </a:fontRef>
+        </p:style>
+      </p:cxnSp>
+      <p:sp>
+        <p:nvSpPr>
+          <p:cNvPr id="30" name="원호 29">
+            <a:extLst>
+              <a:ext uri="{FF2B5EF4-FFF2-40B4-BE49-F238E27FC236}">
+                <a16:creationId xmlns:a16="http://schemas.microsoft.com/office/drawing/2014/main" id="{79E5773D-E43A-1B9D-FAF5-14CEA76A12C1}"/>
+              </a:ext>
+            </a:extLst>
+          </p:cNvPr>
+          <p:cNvSpPr/>
+          <p:nvPr/>
+        </p:nvSpPr>
+        <p:spPr>
+          <a:xfrm rot="16686704">
+            <a:off x="6251959" y="1041105"/>
+            <a:ext cx="5794264" cy="5794264"/>
+          </a:xfrm>
+          <a:prstGeom prst="arc">
+            <a:avLst/>
+          </a:prstGeom>
+          <a:noFill/>
+          <a:ln w="19050">
+            <a:solidFill>
+              <a:schemeClr val="accent2"/>
+            </a:solidFill>
+            <a:prstDash val="sysDash"/>
+          </a:ln>
+        </p:spPr>
+        <p:style>
+          <a:lnRef idx="2">
+            <a:schemeClr val="accent1"/>
+          </a:lnRef>
+          <a:fillRef idx="0">
+            <a:schemeClr val="accent1"/>
+          </a:fillRef>
+          <a:effectRef idx="1">
+            <a:schemeClr val="accent1"/>
+          </a:effectRef>
+          <a:fontRef idx="minor">
+            <a:schemeClr val="tx1"/>
+          </a:fontRef>
+        </p:style>
+        <p:txBody>
+          <a:bodyPr rtlCol="0" anchor="ctr"/>
+          <a:lstStyle/>
+          <a:p>
+            <a:pPr algn="ctr"/>
+            <a:endParaRPr lang="ko-KR" altLang="en-US"/>
+          </a:p>
+        </p:txBody>
+      </p:sp>
+      <p:sp>
+        <p:nvSpPr>
+          <p:cNvPr id="35" name="원호 34">
+            <a:extLst>
+              <a:ext uri="{FF2B5EF4-FFF2-40B4-BE49-F238E27FC236}">
+                <a16:creationId xmlns:a16="http://schemas.microsoft.com/office/drawing/2014/main" id="{41604636-D326-0A2A-E7C7-E578175A1286}"/>
+              </a:ext>
+            </a:extLst>
+          </p:cNvPr>
+          <p:cNvSpPr/>
+          <p:nvPr/>
+        </p:nvSpPr>
+        <p:spPr>
+          <a:xfrm rot="8057028">
+            <a:off x="5533759" y="-423718"/>
+            <a:ext cx="4721899" cy="4721899"/>
+          </a:xfrm>
+          <a:prstGeom prst="arc">
+            <a:avLst/>
+          </a:prstGeom>
+          <a:noFill/>
+          <a:ln w="19050">
+            <a:solidFill>
+              <a:schemeClr val="accent3">
+                <a:lumMod val="60000"/>
+                <a:lumOff val="40000"/>
+              </a:schemeClr>
+            </a:solidFill>
+            <a:prstDash val="sysDash"/>
+          </a:ln>
+        </p:spPr>
+        <p:style>
+          <a:lnRef idx="2">
+            <a:schemeClr val="accent1"/>
+          </a:lnRef>
+          <a:fillRef idx="0">
+            <a:schemeClr val="accent1"/>
+          </a:fillRef>
+          <a:effectRef idx="1">
+            <a:schemeClr val="accent1"/>
+          </a:effectRef>
+          <a:fontRef idx="minor">
+            <a:schemeClr val="tx1"/>
+          </a:fontRef>
+        </p:style>
+        <p:txBody>
+          <a:bodyPr rtlCol="0" anchor="ctr"/>
+          <a:lstStyle/>
+          <a:p>
+            <a:pPr algn="ctr"/>
+            <a:endParaRPr lang="ko-KR" altLang="en-US"/>
+          </a:p>
+        </p:txBody>
+      </p:sp>
+      <p:sp>
+        <p:nvSpPr>
+          <p:cNvPr id="40" name="원호 39">
+            <a:extLst>
+              <a:ext uri="{FF2B5EF4-FFF2-40B4-BE49-F238E27FC236}">
+                <a16:creationId xmlns:a16="http://schemas.microsoft.com/office/drawing/2014/main" id="{79FAEAD8-D21C-2395-F2D7-4B4FC509E299}"/>
+              </a:ext>
+            </a:extLst>
+          </p:cNvPr>
+          <p:cNvSpPr/>
+          <p:nvPr/>
+        </p:nvSpPr>
+        <p:spPr>
+          <a:xfrm rot="2867257">
+            <a:off x="6837159" y="597303"/>
+            <a:ext cx="3385433" cy="3385433"/>
+          </a:xfrm>
+          <a:prstGeom prst="arc">
+            <a:avLst/>
+          </a:prstGeom>
+          <a:noFill/>
+          <a:ln w="19050">
+            <a:solidFill>
+              <a:schemeClr val="accent3">
+                <a:lumMod val="60000"/>
+                <a:lumOff val="40000"/>
+              </a:schemeClr>
+            </a:solidFill>
+            <a:prstDash val="sysDash"/>
+          </a:ln>
+        </p:spPr>
+        <p:style>
+          <a:lnRef idx="2">
+            <a:schemeClr val="accent1"/>
+          </a:lnRef>
+          <a:fillRef idx="0">
+            <a:schemeClr val="accent1"/>
+          </a:fillRef>
+          <a:effectRef idx="1">
+            <a:schemeClr val="accent1"/>
+          </a:effectRef>
+          <a:fontRef idx="minor">
+            <a:schemeClr val="tx1"/>
+          </a:fontRef>
+        </p:style>
+        <p:txBody>
+          <a:bodyPr rtlCol="0" anchor="ctr"/>
+          <a:lstStyle/>
+          <a:p>
+            <a:pPr algn="ctr"/>
+            <a:endParaRPr lang="ko-KR" altLang="en-US"/>
+          </a:p>
+        </p:txBody>
+      </p:sp>
+      <p:sp>
+        <p:nvSpPr>
+          <p:cNvPr id="41" name="TextBox 40">
+            <a:extLst>
+              <a:ext uri="{FF2B5EF4-FFF2-40B4-BE49-F238E27FC236}">
+                <a16:creationId xmlns:a16="http://schemas.microsoft.com/office/drawing/2014/main" id="{A7E163F7-6FBF-CD14-89A7-10B79C6DD385}"/>
+              </a:ext>
+            </a:extLst>
+          </p:cNvPr>
+          <p:cNvSpPr txBox="1"/>
+          <p:nvPr/>
+        </p:nvSpPr>
+        <p:spPr>
+          <a:xfrm>
+            <a:off x="7889310" y="4526447"/>
+            <a:ext cx="309700" cy="369332"/>
+          </a:xfrm>
+          <a:prstGeom prst="rect">
+            <a:avLst/>
+          </a:prstGeom>
+          <a:noFill/>
+        </p:spPr>
+        <p:txBody>
+          <a:bodyPr wrap="none" rtlCol="0">
+            <a:spAutoFit/>
+          </a:bodyPr>
+          <a:lstStyle/>
+          <a:p>
+            <a:r>
+              <a:rPr lang="en-US" altLang="ko-KR" b="1" dirty="0">
+                <a:solidFill>
+                  <a:schemeClr val="accent3">
+                    <a:lumMod val="60000"/>
+                    <a:lumOff val="40000"/>
+                  </a:schemeClr>
+                </a:solidFill>
+              </a:rPr>
+              <a:t>a</a:t>
+            </a:r>
+            <a:endParaRPr lang="ko-KR" altLang="en-US" b="1" dirty="0">
+              <a:solidFill>
+                <a:schemeClr val="accent3">
+                  <a:lumMod val="60000"/>
+                  <a:lumOff val="40000"/>
+                </a:schemeClr>
+              </a:solidFill>
+            </a:endParaRPr>
+          </a:p>
+        </p:txBody>
+      </p:sp>
+      <p:sp>
+        <p:nvSpPr>
+          <p:cNvPr id="43" name="TextBox 42">
+            <a:extLst>
+              <a:ext uri="{FF2B5EF4-FFF2-40B4-BE49-F238E27FC236}">
+                <a16:creationId xmlns:a16="http://schemas.microsoft.com/office/drawing/2014/main" id="{3A0032C4-22AC-ADA3-A6E7-DE1BC8521AE7}"/>
+              </a:ext>
+            </a:extLst>
+          </p:cNvPr>
+          <p:cNvSpPr txBox="1"/>
+          <p:nvPr/>
+        </p:nvSpPr>
+        <p:spPr>
+          <a:xfrm>
+            <a:off x="10227726" y="1983399"/>
+            <a:ext cx="328936" cy="369332"/>
+          </a:xfrm>
+          <a:prstGeom prst="rect">
+            <a:avLst/>
+          </a:prstGeom>
+          <a:noFill/>
+        </p:spPr>
+        <p:txBody>
+          <a:bodyPr wrap="none" rtlCol="0">
+            <a:spAutoFit/>
+          </a:bodyPr>
+          <a:lstStyle/>
+          <a:p>
+            <a:r>
+              <a:rPr lang="en-US" altLang="ko-KR" b="1" dirty="0">
+                <a:solidFill>
+                  <a:schemeClr val="accent3">
+                    <a:lumMod val="60000"/>
+                    <a:lumOff val="40000"/>
+                  </a:schemeClr>
+                </a:solidFill>
+              </a:rPr>
+              <a:t>b</a:t>
+            </a:r>
+            <a:endParaRPr lang="ko-KR" altLang="en-US" b="1" dirty="0">
+              <a:solidFill>
+                <a:schemeClr val="accent3">
+                  <a:lumMod val="60000"/>
+                  <a:lumOff val="40000"/>
+                </a:schemeClr>
+              </a:solidFill>
+            </a:endParaRPr>
+          </a:p>
+        </p:txBody>
+      </p:sp>
+      <mc:AlternateContent xmlns:mc="http://schemas.openxmlformats.org/markup-compatibility/2006">
+        <mc:Choice xmlns:a14="http://schemas.microsoft.com/office/drawing/2010/main" Requires="a14">
+          <p:sp>
+            <p:nvSpPr>
+              <p:cNvPr id="44" name="TextBox 43">
+                <a:extLst>
+                  <a:ext uri="{FF2B5EF4-FFF2-40B4-BE49-F238E27FC236}">
+                    <a16:creationId xmlns:a16="http://schemas.microsoft.com/office/drawing/2014/main" id="{7B5AFF6D-D61D-8572-2538-2D61C5967EA1}"/>
+                  </a:ext>
+                </a:extLst>
+              </p:cNvPr>
+              <p:cNvSpPr txBox="1"/>
+              <p:nvPr/>
+            </p:nvSpPr>
+            <p:spPr>
+              <a:xfrm>
+                <a:off x="7440082" y="448977"/>
+                <a:ext cx="2193549" cy="435440"/>
+              </a:xfrm>
+              <a:prstGeom prst="rect">
+                <a:avLst/>
+              </a:prstGeom>
+              <a:noFill/>
+            </p:spPr>
+            <p:txBody>
+              <a:bodyPr wrap="none" rtlCol="0">
+                <a:spAutoFit/>
+              </a:bodyPr>
+              <a:lstStyle/>
+              <a:p>
+                <a14:m>
+                  <m:oMathPara xmlns:m="http://schemas.openxmlformats.org/officeDocument/2006/math">
+                    <m:oMathParaPr>
+                      <m:jc m:val="centerGroup"/>
+                    </m:oMathParaPr>
+                    <m:oMath xmlns:m="http://schemas.openxmlformats.org/officeDocument/2006/math">
+                      <m:d>
+                        <m:dPr>
+                          <m:begChr m:val="|"/>
+                          <m:endChr m:val="|"/>
+                          <m:ctrlPr>
+                            <a:rPr lang="en-US" altLang="ko-KR" b="0" i="1" smtClean="0">
+                              <a:solidFill>
+                                <a:schemeClr val="accent2"/>
+                              </a:solidFill>
+                              <a:latin typeface="Cambria Math" panose="02040503050406030204" pitchFamily="18" charset="0"/>
+                            </a:rPr>
+                          </m:ctrlPr>
+                        </m:dPr>
+                        <m:e>
+                          <m:acc>
+                            <m:accPr>
+                              <m:chr m:val="⃗"/>
+                              <m:ctrlPr>
+                                <a:rPr lang="en-US" altLang="ko-KR" b="0" i="1" smtClean="0">
+                                  <a:solidFill>
+                                    <a:schemeClr val="accent2"/>
+                                  </a:solidFill>
+                                  <a:latin typeface="Cambria Math" panose="02040503050406030204" pitchFamily="18" charset="0"/>
+                                </a:rPr>
+                              </m:ctrlPr>
+                            </m:accPr>
+                            <m:e>
+                              <m:r>
+                                <a:rPr lang="en-US" altLang="ko-KR" b="0" i="1" smtClean="0">
+                                  <a:solidFill>
+                                    <a:schemeClr val="accent2"/>
+                                  </a:solidFill>
+                                  <a:latin typeface="Cambria Math" panose="02040503050406030204" pitchFamily="18" charset="0"/>
+                                </a:rPr>
+                                <m:t>𝑣</m:t>
+                              </m:r>
+                            </m:e>
+                          </m:acc>
+                        </m:e>
+                      </m:d>
+                      <m:r>
+                        <a:rPr lang="en-US" altLang="ko-KR" b="0" i="1" smtClean="0">
+                          <a:latin typeface="Cambria Math" panose="02040503050406030204" pitchFamily="18" charset="0"/>
+                        </a:rPr>
+                        <m:t>=</m:t>
+                      </m:r>
+                      <m:rad>
+                        <m:radPr>
+                          <m:degHide m:val="on"/>
+                          <m:ctrlPr>
+                            <a:rPr lang="en-US" altLang="ko-KR" b="0" i="1" smtClean="0">
+                              <a:latin typeface="Cambria Math" panose="02040503050406030204" pitchFamily="18" charset="0"/>
+                            </a:rPr>
+                          </m:ctrlPr>
+                        </m:radPr>
+                        <m:deg/>
+                        <m:e>
+                          <m:sSup>
+                            <m:sSupPr>
+                              <m:ctrlPr>
+                                <a:rPr lang="en-US" altLang="ko-KR" b="0" i="1" smtClean="0">
+                                  <a:solidFill>
+                                    <a:schemeClr val="accent3">
+                                      <a:lumMod val="60000"/>
+                                      <a:lumOff val="40000"/>
+                                    </a:schemeClr>
+                                  </a:solidFill>
+                                  <a:latin typeface="Cambria Math" panose="02040503050406030204" pitchFamily="18" charset="0"/>
+                                </a:rPr>
+                              </m:ctrlPr>
+                            </m:sSupPr>
+                            <m:e>
+                              <m:r>
+                                <a:rPr lang="en-US" altLang="ko-KR" b="0" i="1" smtClean="0">
+                                  <a:solidFill>
+                                    <a:schemeClr val="accent3">
+                                      <a:lumMod val="60000"/>
+                                      <a:lumOff val="40000"/>
+                                    </a:schemeClr>
+                                  </a:solidFill>
+                                  <a:latin typeface="Cambria Math" panose="02040503050406030204" pitchFamily="18" charset="0"/>
+                                </a:rPr>
+                                <m:t>4</m:t>
+                              </m:r>
+                            </m:e>
+                            <m:sup>
+                              <m:r>
+                                <a:rPr lang="en-US" altLang="ko-KR" b="0" i="1" smtClean="0">
+                                  <a:solidFill>
+                                    <a:schemeClr val="accent3">
+                                      <a:lumMod val="60000"/>
+                                      <a:lumOff val="40000"/>
+                                    </a:schemeClr>
+                                  </a:solidFill>
+                                  <a:latin typeface="Cambria Math" panose="02040503050406030204" pitchFamily="18" charset="0"/>
+                                </a:rPr>
+                                <m:t>2</m:t>
+                              </m:r>
+                            </m:sup>
+                          </m:sSup>
+                          <m:r>
+                            <a:rPr lang="en-US" altLang="ko-KR" b="0" i="1" smtClean="0">
+                              <a:latin typeface="Cambria Math" panose="02040503050406030204" pitchFamily="18" charset="0"/>
+                            </a:rPr>
+                            <m:t>+</m:t>
+                          </m:r>
+                          <m:sSup>
+                            <m:sSupPr>
+                              <m:ctrlPr>
+                                <a:rPr lang="en-US" altLang="ko-KR" b="0" i="1" smtClean="0">
+                                  <a:solidFill>
+                                    <a:schemeClr val="accent3">
+                                      <a:lumMod val="60000"/>
+                                      <a:lumOff val="40000"/>
+                                    </a:schemeClr>
+                                  </a:solidFill>
+                                  <a:latin typeface="Cambria Math" panose="02040503050406030204" pitchFamily="18" charset="0"/>
+                                </a:rPr>
+                              </m:ctrlPr>
+                            </m:sSupPr>
+                            <m:e>
+                              <m:r>
+                                <a:rPr lang="en-US" altLang="ko-KR" b="0" i="1" smtClean="0">
+                                  <a:solidFill>
+                                    <a:schemeClr val="accent3">
+                                      <a:lumMod val="60000"/>
+                                      <a:lumOff val="40000"/>
+                                    </a:schemeClr>
+                                  </a:solidFill>
+                                  <a:latin typeface="Cambria Math" panose="02040503050406030204" pitchFamily="18" charset="0"/>
+                                </a:rPr>
+                                <m:t>3</m:t>
+                              </m:r>
+                            </m:e>
+                            <m:sup>
+                              <m:r>
+                                <a:rPr lang="en-US" altLang="ko-KR" b="0" i="1" smtClean="0">
+                                  <a:solidFill>
+                                    <a:schemeClr val="accent3">
+                                      <a:lumMod val="60000"/>
+                                      <a:lumOff val="40000"/>
+                                    </a:schemeClr>
+                                  </a:solidFill>
+                                  <a:latin typeface="Cambria Math" panose="02040503050406030204" pitchFamily="18" charset="0"/>
+                                </a:rPr>
+                                <m:t>2</m:t>
+                              </m:r>
+                            </m:sup>
+                          </m:sSup>
+                        </m:e>
+                      </m:rad>
+                      <m:r>
+                        <a:rPr lang="en-US" altLang="ko-KR" b="0" i="1" smtClean="0">
+                          <a:latin typeface="Cambria Math" panose="02040503050406030204" pitchFamily="18" charset="0"/>
+                        </a:rPr>
+                        <m:t>=5</m:t>
+                      </m:r>
+                    </m:oMath>
+                  </m:oMathPara>
+                </a14:m>
+                <a:endParaRPr lang="ko-KR" altLang="en-US" dirty="0"/>
+              </a:p>
+            </p:txBody>
+          </p:sp>
+        </mc:Choice>
+        <mc:Fallback>
+          <p:sp>
+            <p:nvSpPr>
+              <p:cNvPr id="44" name="TextBox 43">
+                <a:extLst>
+                  <a:ext uri="{FF2B5EF4-FFF2-40B4-BE49-F238E27FC236}">
+                    <a16:creationId xmlns:a16="http://schemas.microsoft.com/office/drawing/2014/main" id="{7B5AFF6D-D61D-8572-2538-2D61C5967EA1}"/>
+                  </a:ext>
+                </a:extLst>
+              </p:cNvPr>
+              <p:cNvSpPr txBox="1">
+                <a:spLocks noRot="1" noChangeAspect="1" noMove="1" noResize="1" noEditPoints="1" noAdjustHandles="1" noChangeArrowheads="1" noChangeShapeType="1" noTextEdit="1"/>
+              </p:cNvSpPr>
+              <p:nvPr/>
+            </p:nvSpPr>
+            <p:spPr>
+              <a:xfrm>
+                <a:off x="7440082" y="448977"/>
+                <a:ext cx="2193549" cy="435440"/>
+              </a:xfrm>
+              <a:prstGeom prst="rect">
+                <a:avLst/>
+              </a:prstGeom>
+              <a:blipFill>
+                <a:blip r:embed="rId2"/>
+                <a:stretch>
+                  <a:fillRect t="-2817"/>
+                </a:stretch>
+              </a:blipFill>
+            </p:spPr>
+            <p:txBody>
+              <a:bodyPr/>
+              <a:lstStyle/>
+              <a:p>
+                <a:r>
+                  <a:rPr lang="ko-KR" altLang="en-US">
+                    <a:noFill/>
+                  </a:rPr>
+                  <a:t> </a:t>
+                </a:r>
+              </a:p>
+            </p:txBody>
+          </p:sp>
+        </mc:Fallback>
+      </mc:AlternateContent>
+    </p:spTree>
+    <p:extLst>
+      <p:ext uri="{BB962C8B-B14F-4D97-AF65-F5344CB8AC3E}">
+        <p14:creationId xmlns:p14="http://schemas.microsoft.com/office/powerpoint/2010/main" val="1652086858"/>
+      </p:ext>
+    </p:extLst>
+  </p:cSld>
+  <p:clrMapOvr>
+    <a:masterClrMapping/>
+  </p:clrMapOvr>
+</p:sld>
+</file>
+
+<file path=ppt/slides/slide39.xml><?xml version="1.0" encoding="utf-8"?>
+<p:sld xmlns:a="http://schemas.openxmlformats.org/drawingml/2006/main" xmlns:r="http://schemas.openxmlformats.org/officeDocument/2006/relationships" xmlns:p="http://schemas.openxmlformats.org/presentationml/2006/main">
+  <p:cSld>
+    <p:spTree>
+      <p:nvGrpSpPr>
+        <p:cNvPr id="1" name="">
+          <a:extLst>
+            <a:ext uri="{FF2B5EF4-FFF2-40B4-BE49-F238E27FC236}">
+              <a16:creationId xmlns:a16="http://schemas.microsoft.com/office/drawing/2014/main" id="{CE698775-C9ED-52A4-B2D2-2E302446E0D0}"/>
+            </a:ext>
+          </a:extLst>
+        </p:cNvPr>
+        <p:cNvGrpSpPr/>
+        <p:nvPr/>
+      </p:nvGrpSpPr>
+      <p:grpSpPr>
+        <a:xfrm>
+          <a:off x="0" y="0"/>
+          <a:ext cx="0" cy="0"/>
+          <a:chOff x="0" y="0"/>
+          <a:chExt cx="0" cy="0"/>
+        </a:xfrm>
+      </p:grpSpPr>
+      <p:sp>
+        <p:nvSpPr>
+          <p:cNvPr id="154" name="직사각형 153">
+            <a:extLst>
+              <a:ext uri="{FF2B5EF4-FFF2-40B4-BE49-F238E27FC236}">
+                <a16:creationId xmlns:a16="http://schemas.microsoft.com/office/drawing/2014/main" id="{EDC4B163-7554-9E3E-3061-29E5CC48F47C}"/>
+              </a:ext>
+            </a:extLst>
+          </p:cNvPr>
+          <p:cNvSpPr/>
+          <p:nvPr/>
+        </p:nvSpPr>
+        <p:spPr>
+          <a:xfrm>
+            <a:off x="1885950" y="-882315"/>
+            <a:ext cx="8801100" cy="9015660"/>
+          </a:xfrm>
+          <a:prstGeom prst="rect">
+            <a:avLst/>
+          </a:prstGeom>
+          <a:solidFill>
+            <a:schemeClr val="bg1"/>
+          </a:solidFill>
+          <a:ln>
+            <a:noFill/>
+          </a:ln>
+        </p:spPr>
+        <p:style>
+          <a:lnRef idx="2">
+            <a:schemeClr val="accent1">
+              <a:shade val="15000"/>
+            </a:schemeClr>
+          </a:lnRef>
+          <a:fillRef idx="1">
+            <a:schemeClr val="accent1"/>
+          </a:fillRef>
+          <a:effectRef idx="0">
+            <a:schemeClr val="accent1"/>
+          </a:effectRef>
+          <a:fontRef idx="minor">
+            <a:schemeClr val="lt1"/>
+          </a:fontRef>
+        </p:style>
+        <p:txBody>
+          <a:bodyPr rtlCol="0" anchor="ctr"/>
+          <a:lstStyle/>
+          <a:p>
+            <a:pPr algn="ctr"/>
+            <a:endParaRPr lang="ko-KR" altLang="en-US"/>
+          </a:p>
+        </p:txBody>
+      </p:sp>
+      <p:grpSp>
+        <p:nvGrpSpPr>
+          <p:cNvPr id="87" name="그룹 86">
+            <a:extLst>
+              <a:ext uri="{FF2B5EF4-FFF2-40B4-BE49-F238E27FC236}">
+                <a16:creationId xmlns:a16="http://schemas.microsoft.com/office/drawing/2014/main" id="{AC74F4E7-D658-8509-E0FE-4D6F070F91C5}"/>
+              </a:ext>
+            </a:extLst>
+          </p:cNvPr>
+          <p:cNvGrpSpPr/>
+          <p:nvPr/>
+        </p:nvGrpSpPr>
+        <p:grpSpPr>
+          <a:xfrm>
+            <a:off x="2366913" y="3584182"/>
+            <a:ext cx="7700210" cy="0"/>
+            <a:chOff x="2374232" y="3441032"/>
+            <a:chExt cx="7700210" cy="0"/>
+          </a:xfrm>
+        </p:grpSpPr>
+        <p:cxnSp>
+          <p:nvCxnSpPr>
+            <p:cNvPr id="9" name="직선 화살표 연결선 8">
+              <a:extLst>
+                <a:ext uri="{FF2B5EF4-FFF2-40B4-BE49-F238E27FC236}">
+                  <a16:creationId xmlns:a16="http://schemas.microsoft.com/office/drawing/2014/main" id="{95642AC1-7EC3-4BFE-0655-9B2E086490E4}"/>
+                </a:ext>
+              </a:extLst>
+            </p:cNvPr>
+            <p:cNvCxnSpPr/>
+            <p:nvPr/>
+          </p:nvCxnSpPr>
+          <p:spPr>
+            <a:xfrm>
+              <a:off x="6224337" y="3441032"/>
+              <a:ext cx="3850105" cy="0"/>
+            </a:xfrm>
+            <a:prstGeom prst="straightConnector1">
+              <a:avLst/>
+            </a:prstGeom>
+            <a:ln w="38100">
+              <a:solidFill>
+                <a:schemeClr val="tx1"/>
+              </a:solidFill>
+              <a:tailEnd type="triangle"/>
+            </a:ln>
+          </p:spPr>
+          <p:style>
+            <a:lnRef idx="2">
+              <a:schemeClr val="accent1"/>
+            </a:lnRef>
+            <a:fillRef idx="0">
+              <a:schemeClr val="accent1"/>
+            </a:fillRef>
+            <a:effectRef idx="1">
+              <a:schemeClr val="accent1"/>
+            </a:effectRef>
+            <a:fontRef idx="minor">
+              <a:schemeClr val="tx1"/>
+            </a:fontRef>
+          </p:style>
+        </p:cxnSp>
+        <p:cxnSp>
+          <p:nvCxnSpPr>
+            <p:cNvPr id="86" name="직선 화살표 연결선 85">
+              <a:extLst>
+                <a:ext uri="{FF2B5EF4-FFF2-40B4-BE49-F238E27FC236}">
+                  <a16:creationId xmlns:a16="http://schemas.microsoft.com/office/drawing/2014/main" id="{37069215-E878-D42B-566F-A0972AAD2825}"/>
+                </a:ext>
+              </a:extLst>
+            </p:cNvPr>
+            <p:cNvCxnSpPr>
+              <a:cxnSpLocks/>
+            </p:cNvCxnSpPr>
+            <p:nvPr/>
+          </p:nvCxnSpPr>
+          <p:spPr>
+            <a:xfrm rot="10800000">
+              <a:off x="2374232" y="3441032"/>
+              <a:ext cx="3850105" cy="0"/>
+            </a:xfrm>
+            <a:prstGeom prst="straightConnector1">
+              <a:avLst/>
+            </a:prstGeom>
+            <a:ln w="38100">
+              <a:solidFill>
+                <a:schemeClr val="tx1"/>
+              </a:solidFill>
+              <a:tailEnd type="triangle"/>
+            </a:ln>
+          </p:spPr>
+          <p:style>
+            <a:lnRef idx="2">
+              <a:schemeClr val="accent1"/>
+            </a:lnRef>
+            <a:fillRef idx="0">
+              <a:schemeClr val="accent1"/>
+            </a:fillRef>
+            <a:effectRef idx="1">
+              <a:schemeClr val="accent1"/>
+            </a:effectRef>
+            <a:fontRef idx="minor">
+              <a:schemeClr val="tx1"/>
+            </a:fontRef>
+          </p:style>
+        </p:cxnSp>
+      </p:grpSp>
+      <p:cxnSp>
+        <p:nvCxnSpPr>
+          <p:cNvPr id="92" name="직선 연결선 91">
+            <a:extLst>
+              <a:ext uri="{FF2B5EF4-FFF2-40B4-BE49-F238E27FC236}">
+                <a16:creationId xmlns:a16="http://schemas.microsoft.com/office/drawing/2014/main" id="{A7690453-3543-862B-18EA-BEBBB43F4141}"/>
+              </a:ext>
+            </a:extLst>
+          </p:cNvPr>
+          <p:cNvCxnSpPr>
+            <a:cxnSpLocks/>
+          </p:cNvCxnSpPr>
+          <p:nvPr/>
+        </p:nvCxnSpPr>
+        <p:spPr>
+          <a:xfrm flipV="1">
+            <a:off x="7921993" y="3584182"/>
+            <a:ext cx="0" cy="208547"/>
+          </a:xfrm>
+          <a:prstGeom prst="line">
+            <a:avLst/>
+          </a:prstGeom>
+          <a:ln w="38100">
+            <a:solidFill>
+              <a:schemeClr val="tx1"/>
+            </a:solidFill>
+          </a:ln>
+        </p:spPr>
+        <p:style>
+          <a:lnRef idx="2">
+            <a:schemeClr val="accent1"/>
+          </a:lnRef>
+          <a:fillRef idx="0">
+            <a:schemeClr val="accent1"/>
+          </a:fillRef>
+          <a:effectRef idx="1">
+            <a:schemeClr val="accent1"/>
+          </a:effectRef>
+          <a:fontRef idx="minor">
+            <a:schemeClr val="tx1"/>
+          </a:fontRef>
+        </p:style>
+      </p:cxnSp>
+      <p:cxnSp>
+        <p:nvCxnSpPr>
+          <p:cNvPr id="94" name="직선 연결선 93">
+            <a:extLst>
+              <a:ext uri="{FF2B5EF4-FFF2-40B4-BE49-F238E27FC236}">
+                <a16:creationId xmlns:a16="http://schemas.microsoft.com/office/drawing/2014/main" id="{915F9842-8768-F771-07E5-E65E7C75DC79}"/>
+              </a:ext>
+            </a:extLst>
+          </p:cNvPr>
+          <p:cNvCxnSpPr>
+            <a:cxnSpLocks/>
+          </p:cNvCxnSpPr>
+          <p:nvPr/>
+        </p:nvCxnSpPr>
+        <p:spPr>
+          <a:xfrm flipV="1">
+            <a:off x="7071093" y="3584182"/>
+            <a:ext cx="0" cy="208547"/>
+          </a:xfrm>
+          <a:prstGeom prst="line">
+            <a:avLst/>
+          </a:prstGeom>
+          <a:ln w="38100">
+            <a:solidFill>
+              <a:schemeClr val="tx1"/>
+            </a:solidFill>
+          </a:ln>
+        </p:spPr>
+        <p:style>
+          <a:lnRef idx="2">
+            <a:schemeClr val="accent1"/>
+          </a:lnRef>
+          <a:fillRef idx="0">
+            <a:schemeClr val="accent1"/>
+          </a:fillRef>
+          <a:effectRef idx="1">
+            <a:schemeClr val="accent1"/>
+          </a:effectRef>
+          <a:fontRef idx="minor">
+            <a:schemeClr val="tx1"/>
+          </a:fontRef>
+        </p:style>
+      </p:cxnSp>
+      <p:cxnSp>
+        <p:nvCxnSpPr>
+          <p:cNvPr id="96" name="직선 연결선 95">
+            <a:extLst>
+              <a:ext uri="{FF2B5EF4-FFF2-40B4-BE49-F238E27FC236}">
+                <a16:creationId xmlns:a16="http://schemas.microsoft.com/office/drawing/2014/main" id="{655FFEC5-45EE-BE38-FBD7-136C1C8E3ECF}"/>
+              </a:ext>
+            </a:extLst>
+          </p:cNvPr>
+          <p:cNvCxnSpPr>
+            <a:cxnSpLocks/>
+          </p:cNvCxnSpPr>
+          <p:nvPr/>
+        </p:nvCxnSpPr>
+        <p:spPr>
+          <a:xfrm flipV="1">
+            <a:off x="7921993" y="3584182"/>
+            <a:ext cx="0" cy="208547"/>
+          </a:xfrm>
+          <a:prstGeom prst="line">
+            <a:avLst/>
+          </a:prstGeom>
+          <a:ln w="38100">
+            <a:solidFill>
+              <a:schemeClr val="tx1"/>
+            </a:solidFill>
+          </a:ln>
+        </p:spPr>
+        <p:style>
+          <a:lnRef idx="2">
+            <a:schemeClr val="accent1"/>
+          </a:lnRef>
+          <a:fillRef idx="0">
+            <a:schemeClr val="accent1"/>
+          </a:fillRef>
+          <a:effectRef idx="1">
+            <a:schemeClr val="accent1"/>
+          </a:effectRef>
+          <a:fontRef idx="minor">
+            <a:schemeClr val="tx1"/>
+          </a:fontRef>
+        </p:style>
+      </p:cxnSp>
+      <p:cxnSp>
+        <p:nvCxnSpPr>
+          <p:cNvPr id="97" name="직선 연결선 96">
+            <a:extLst>
+              <a:ext uri="{FF2B5EF4-FFF2-40B4-BE49-F238E27FC236}">
+                <a16:creationId xmlns:a16="http://schemas.microsoft.com/office/drawing/2014/main" id="{F4915BF3-7306-4EA9-CFCB-61644A1CD79C}"/>
+              </a:ext>
+            </a:extLst>
+          </p:cNvPr>
+          <p:cNvCxnSpPr>
+            <a:cxnSpLocks/>
+          </p:cNvCxnSpPr>
+          <p:nvPr/>
+        </p:nvCxnSpPr>
+        <p:spPr>
+          <a:xfrm flipV="1">
+            <a:off x="9623793" y="3584182"/>
+            <a:ext cx="0" cy="208547"/>
+          </a:xfrm>
+          <a:prstGeom prst="line">
+            <a:avLst/>
+          </a:prstGeom>
+          <a:ln w="38100">
+            <a:solidFill>
+              <a:schemeClr val="tx1"/>
+            </a:solidFill>
+          </a:ln>
+        </p:spPr>
+        <p:style>
+          <a:lnRef idx="2">
+            <a:schemeClr val="accent1"/>
+          </a:lnRef>
+          <a:fillRef idx="0">
+            <a:schemeClr val="accent1"/>
+          </a:fillRef>
+          <a:effectRef idx="1">
+            <a:schemeClr val="accent1"/>
+          </a:effectRef>
+          <a:fontRef idx="minor">
+            <a:schemeClr val="tx1"/>
+          </a:fontRef>
+        </p:style>
+      </p:cxnSp>
+      <p:cxnSp>
+        <p:nvCxnSpPr>
+          <p:cNvPr id="98" name="직선 연결선 97">
+            <a:extLst>
+              <a:ext uri="{FF2B5EF4-FFF2-40B4-BE49-F238E27FC236}">
+                <a16:creationId xmlns:a16="http://schemas.microsoft.com/office/drawing/2014/main" id="{10D057A1-6491-3324-FA40-F9DD555DB68C}"/>
+              </a:ext>
+            </a:extLst>
+          </p:cNvPr>
+          <p:cNvCxnSpPr>
+            <a:cxnSpLocks/>
+          </p:cNvCxnSpPr>
+          <p:nvPr/>
+        </p:nvCxnSpPr>
+        <p:spPr>
+          <a:xfrm flipV="1">
+            <a:off x="8772893" y="3584182"/>
+            <a:ext cx="0" cy="208547"/>
+          </a:xfrm>
+          <a:prstGeom prst="line">
+            <a:avLst/>
+          </a:prstGeom>
+          <a:ln w="38100">
+            <a:solidFill>
+              <a:schemeClr val="tx1"/>
+            </a:solidFill>
+          </a:ln>
+        </p:spPr>
+        <p:style>
+          <a:lnRef idx="2">
+            <a:schemeClr val="accent1"/>
+          </a:lnRef>
+          <a:fillRef idx="0">
+            <a:schemeClr val="accent1"/>
+          </a:fillRef>
+          <a:effectRef idx="1">
+            <a:schemeClr val="accent1"/>
+          </a:effectRef>
+          <a:fontRef idx="minor">
+            <a:schemeClr val="tx1"/>
+          </a:fontRef>
+        </p:style>
+      </p:cxnSp>
+      <p:cxnSp>
+        <p:nvCxnSpPr>
+          <p:cNvPr id="131" name="직선 연결선 130">
+            <a:extLst>
+              <a:ext uri="{FF2B5EF4-FFF2-40B4-BE49-F238E27FC236}">
+                <a16:creationId xmlns:a16="http://schemas.microsoft.com/office/drawing/2014/main" id="{D9E54F4E-3B3D-0637-EA06-7B38CCDC10B2}"/>
+              </a:ext>
+            </a:extLst>
+          </p:cNvPr>
+          <p:cNvCxnSpPr>
+            <a:cxnSpLocks/>
+          </p:cNvCxnSpPr>
+          <p:nvPr/>
+        </p:nvCxnSpPr>
+        <p:spPr>
+          <a:xfrm flipV="1">
+            <a:off x="2810243" y="3584182"/>
+            <a:ext cx="0" cy="208547"/>
+          </a:xfrm>
+          <a:prstGeom prst="line">
+            <a:avLst/>
+          </a:prstGeom>
+          <a:ln w="38100">
+            <a:solidFill>
+              <a:schemeClr val="tx1"/>
+            </a:solidFill>
+          </a:ln>
+        </p:spPr>
+        <p:style>
+          <a:lnRef idx="2">
+            <a:schemeClr val="accent1"/>
+          </a:lnRef>
+          <a:fillRef idx="0">
+            <a:schemeClr val="accent1"/>
+          </a:fillRef>
+          <a:effectRef idx="1">
+            <a:schemeClr val="accent1"/>
+          </a:effectRef>
+          <a:fontRef idx="minor">
+            <a:schemeClr val="tx1"/>
+          </a:fontRef>
+        </p:style>
+      </p:cxnSp>
+      <p:cxnSp>
+        <p:nvCxnSpPr>
+          <p:cNvPr id="132" name="직선 연결선 131">
+            <a:extLst>
+              <a:ext uri="{FF2B5EF4-FFF2-40B4-BE49-F238E27FC236}">
+                <a16:creationId xmlns:a16="http://schemas.microsoft.com/office/drawing/2014/main" id="{9FA86139-9830-3B92-FD85-A87206BF7E87}"/>
+              </a:ext>
+            </a:extLst>
+          </p:cNvPr>
+          <p:cNvCxnSpPr>
+            <a:cxnSpLocks/>
+          </p:cNvCxnSpPr>
+          <p:nvPr/>
+        </p:nvCxnSpPr>
+        <p:spPr>
+          <a:xfrm flipV="1">
+            <a:off x="4512043" y="3584182"/>
+            <a:ext cx="0" cy="208547"/>
+          </a:xfrm>
+          <a:prstGeom prst="line">
+            <a:avLst/>
+          </a:prstGeom>
+          <a:ln w="38100">
+            <a:solidFill>
+              <a:schemeClr val="tx1"/>
+            </a:solidFill>
+          </a:ln>
+        </p:spPr>
+        <p:style>
+          <a:lnRef idx="2">
+            <a:schemeClr val="accent1"/>
+          </a:lnRef>
+          <a:fillRef idx="0">
+            <a:schemeClr val="accent1"/>
+          </a:fillRef>
+          <a:effectRef idx="1">
+            <a:schemeClr val="accent1"/>
+          </a:effectRef>
+          <a:fontRef idx="minor">
+            <a:schemeClr val="tx1"/>
+          </a:fontRef>
+        </p:style>
+      </p:cxnSp>
+      <p:cxnSp>
+        <p:nvCxnSpPr>
+          <p:cNvPr id="133" name="직선 연결선 132">
+            <a:extLst>
+              <a:ext uri="{FF2B5EF4-FFF2-40B4-BE49-F238E27FC236}">
+                <a16:creationId xmlns:a16="http://schemas.microsoft.com/office/drawing/2014/main" id="{A4686983-1327-F91C-60FC-69C8785A29F1}"/>
+              </a:ext>
+            </a:extLst>
+          </p:cNvPr>
+          <p:cNvCxnSpPr>
+            <a:cxnSpLocks/>
+          </p:cNvCxnSpPr>
+          <p:nvPr/>
+        </p:nvCxnSpPr>
+        <p:spPr>
+          <a:xfrm flipV="1">
+            <a:off x="3661143" y="3584182"/>
+            <a:ext cx="0" cy="208547"/>
+          </a:xfrm>
+          <a:prstGeom prst="line">
+            <a:avLst/>
+          </a:prstGeom>
+          <a:ln w="38100">
+            <a:solidFill>
+              <a:schemeClr val="tx1"/>
+            </a:solidFill>
+          </a:ln>
+        </p:spPr>
+        <p:style>
+          <a:lnRef idx="2">
+            <a:schemeClr val="accent1"/>
+          </a:lnRef>
+          <a:fillRef idx="0">
+            <a:schemeClr val="accent1"/>
+          </a:fillRef>
+          <a:effectRef idx="1">
+            <a:schemeClr val="accent1"/>
+          </a:effectRef>
+          <a:fontRef idx="minor">
+            <a:schemeClr val="tx1"/>
+          </a:fontRef>
+        </p:style>
+      </p:cxnSp>
+      <p:cxnSp>
+        <p:nvCxnSpPr>
+          <p:cNvPr id="134" name="직선 연결선 133">
+            <a:extLst>
+              <a:ext uri="{FF2B5EF4-FFF2-40B4-BE49-F238E27FC236}">
+                <a16:creationId xmlns:a16="http://schemas.microsoft.com/office/drawing/2014/main" id="{BA5C075C-EE28-E090-029C-9AFF4E1D0EA7}"/>
+              </a:ext>
+            </a:extLst>
+          </p:cNvPr>
+          <p:cNvCxnSpPr>
+            <a:cxnSpLocks/>
+          </p:cNvCxnSpPr>
+          <p:nvPr/>
+        </p:nvCxnSpPr>
+        <p:spPr>
+          <a:xfrm flipV="1">
+            <a:off x="4512043" y="3584182"/>
+            <a:ext cx="0" cy="208547"/>
+          </a:xfrm>
+          <a:prstGeom prst="line">
+            <a:avLst/>
+          </a:prstGeom>
+          <a:ln w="38100">
+            <a:solidFill>
+              <a:schemeClr val="tx1"/>
+            </a:solidFill>
+          </a:ln>
+        </p:spPr>
+        <p:style>
+          <a:lnRef idx="2">
+            <a:schemeClr val="accent1"/>
+          </a:lnRef>
+          <a:fillRef idx="0">
+            <a:schemeClr val="accent1"/>
+          </a:fillRef>
+          <a:effectRef idx="1">
+            <a:schemeClr val="accent1"/>
+          </a:effectRef>
+          <a:fontRef idx="minor">
+            <a:schemeClr val="tx1"/>
+          </a:fontRef>
+        </p:style>
+      </p:cxnSp>
+      <p:cxnSp>
+        <p:nvCxnSpPr>
+          <p:cNvPr id="136" name="직선 연결선 135">
+            <a:extLst>
+              <a:ext uri="{FF2B5EF4-FFF2-40B4-BE49-F238E27FC236}">
+                <a16:creationId xmlns:a16="http://schemas.microsoft.com/office/drawing/2014/main" id="{459F8775-9DE0-E616-8479-AC77DBB449EA}"/>
+              </a:ext>
+            </a:extLst>
+          </p:cNvPr>
+          <p:cNvCxnSpPr>
+            <a:cxnSpLocks/>
+          </p:cNvCxnSpPr>
+          <p:nvPr/>
+        </p:nvCxnSpPr>
+        <p:spPr>
+          <a:xfrm flipV="1">
+            <a:off x="5362943" y="3584182"/>
+            <a:ext cx="0" cy="208547"/>
+          </a:xfrm>
+          <a:prstGeom prst="line">
+            <a:avLst/>
+          </a:prstGeom>
+          <a:ln w="38100">
+            <a:solidFill>
+              <a:schemeClr val="tx1"/>
+            </a:solidFill>
+          </a:ln>
+        </p:spPr>
+        <p:style>
+          <a:lnRef idx="2">
+            <a:schemeClr val="accent1"/>
+          </a:lnRef>
+          <a:fillRef idx="0">
+            <a:schemeClr val="accent1"/>
+          </a:fillRef>
+          <a:effectRef idx="1">
+            <a:schemeClr val="accent1"/>
+          </a:effectRef>
+          <a:fontRef idx="minor">
+            <a:schemeClr val="tx1"/>
+          </a:fontRef>
+        </p:style>
+      </p:cxnSp>
+      <p:sp>
+        <p:nvSpPr>
+          <p:cNvPr id="138" name="TextBox 137">
+            <a:extLst>
+              <a:ext uri="{FF2B5EF4-FFF2-40B4-BE49-F238E27FC236}">
+                <a16:creationId xmlns:a16="http://schemas.microsoft.com/office/drawing/2014/main" id="{ED73DDA0-A3CD-0475-AE59-56E210CC1AD6}"/>
+              </a:ext>
+            </a:extLst>
+          </p:cNvPr>
+          <p:cNvSpPr txBox="1"/>
+          <p:nvPr/>
+        </p:nvSpPr>
+        <p:spPr>
+          <a:xfrm>
+            <a:off x="10113098" y="3329285"/>
+            <a:ext cx="349776" cy="461665"/>
+          </a:xfrm>
+          <a:prstGeom prst="rect">
+            <a:avLst/>
+          </a:prstGeom>
+          <a:noFill/>
+        </p:spPr>
+        <p:txBody>
+          <a:bodyPr wrap="none" rtlCol="0">
+            <a:spAutoFit/>
+          </a:bodyPr>
+          <a:lstStyle/>
+          <a:p>
+            <a:r>
+              <a:rPr lang="en-US" altLang="ko-KR" sz="2400" b="1" dirty="0"/>
+              <a:t>x</a:t>
+            </a:r>
+            <a:endParaRPr lang="ko-KR" altLang="en-US" sz="2400" b="1" dirty="0"/>
+          </a:p>
+        </p:txBody>
+      </p:sp>
+      <p:sp>
+        <p:nvSpPr>
+          <p:cNvPr id="141" name="TextBox 140">
+            <a:extLst>
+              <a:ext uri="{FF2B5EF4-FFF2-40B4-BE49-F238E27FC236}">
+                <a16:creationId xmlns:a16="http://schemas.microsoft.com/office/drawing/2014/main" id="{D20F6CC5-CAF0-C52F-C43C-E57EE291A8AE}"/>
+              </a:ext>
+            </a:extLst>
+          </p:cNvPr>
+          <p:cNvSpPr txBox="1"/>
+          <p:nvPr/>
+        </p:nvSpPr>
+        <p:spPr>
+          <a:xfrm>
+            <a:off x="6901753" y="3790950"/>
+            <a:ext cx="362600" cy="461665"/>
+          </a:xfrm>
+          <a:prstGeom prst="rect">
+            <a:avLst/>
+          </a:prstGeom>
+          <a:noFill/>
+        </p:spPr>
+        <p:txBody>
+          <a:bodyPr wrap="none" rtlCol="0">
+            <a:spAutoFit/>
+          </a:bodyPr>
+          <a:lstStyle/>
+          <a:p>
+            <a:r>
+              <a:rPr lang="en-US" altLang="ko-KR" sz="2400" b="1" dirty="0"/>
+              <a:t>1</a:t>
+            </a:r>
+            <a:endParaRPr lang="ko-KR" altLang="en-US" sz="2400" b="1" dirty="0"/>
+          </a:p>
+        </p:txBody>
+      </p:sp>
+      <p:sp>
+        <p:nvSpPr>
+          <p:cNvPr id="143" name="TextBox 142">
+            <a:extLst>
+              <a:ext uri="{FF2B5EF4-FFF2-40B4-BE49-F238E27FC236}">
+                <a16:creationId xmlns:a16="http://schemas.microsoft.com/office/drawing/2014/main" id="{86F04BA7-FF3B-5E31-F19D-F306B64B41B7}"/>
+              </a:ext>
+            </a:extLst>
+          </p:cNvPr>
+          <p:cNvSpPr txBox="1"/>
+          <p:nvPr/>
+        </p:nvSpPr>
+        <p:spPr>
+          <a:xfrm>
+            <a:off x="7758264" y="3790950"/>
+            <a:ext cx="362600" cy="461665"/>
+          </a:xfrm>
+          <a:prstGeom prst="rect">
+            <a:avLst/>
+          </a:prstGeom>
+          <a:noFill/>
+        </p:spPr>
+        <p:txBody>
+          <a:bodyPr wrap="none" rtlCol="0">
+            <a:spAutoFit/>
+          </a:bodyPr>
+          <a:lstStyle/>
+          <a:p>
+            <a:r>
+              <a:rPr lang="en-US" altLang="ko-KR" sz="2400" b="1" dirty="0"/>
+              <a:t>2</a:t>
+            </a:r>
+            <a:endParaRPr lang="ko-KR" altLang="en-US" sz="2400" b="1" dirty="0"/>
+          </a:p>
+        </p:txBody>
+      </p:sp>
+      <p:sp>
+        <p:nvSpPr>
+          <p:cNvPr id="145" name="TextBox 144">
+            <a:extLst>
+              <a:ext uri="{FF2B5EF4-FFF2-40B4-BE49-F238E27FC236}">
+                <a16:creationId xmlns:a16="http://schemas.microsoft.com/office/drawing/2014/main" id="{66F4C825-CE38-4F2E-DBD8-D1401D615B61}"/>
+              </a:ext>
+            </a:extLst>
+          </p:cNvPr>
+          <p:cNvSpPr txBox="1"/>
+          <p:nvPr/>
+        </p:nvSpPr>
+        <p:spPr>
+          <a:xfrm>
+            <a:off x="8614775" y="3790950"/>
+            <a:ext cx="362600" cy="461665"/>
+          </a:xfrm>
+          <a:prstGeom prst="rect">
+            <a:avLst/>
+          </a:prstGeom>
+          <a:noFill/>
+        </p:spPr>
+        <p:txBody>
+          <a:bodyPr wrap="none" rtlCol="0">
+            <a:spAutoFit/>
+          </a:bodyPr>
+          <a:lstStyle/>
+          <a:p>
+            <a:r>
+              <a:rPr lang="en-US" altLang="ko-KR" sz="2400" b="1" dirty="0"/>
+              <a:t>3</a:t>
+            </a:r>
+            <a:endParaRPr lang="ko-KR" altLang="en-US" sz="2400" b="1" dirty="0"/>
+          </a:p>
+        </p:txBody>
+      </p:sp>
+      <p:sp>
+        <p:nvSpPr>
+          <p:cNvPr id="146" name="TextBox 145">
+            <a:extLst>
+              <a:ext uri="{FF2B5EF4-FFF2-40B4-BE49-F238E27FC236}">
+                <a16:creationId xmlns:a16="http://schemas.microsoft.com/office/drawing/2014/main" id="{45A0EA12-D2D7-5817-A6A1-158A728BD589}"/>
+              </a:ext>
+            </a:extLst>
+          </p:cNvPr>
+          <p:cNvSpPr txBox="1"/>
+          <p:nvPr/>
+        </p:nvSpPr>
+        <p:spPr>
+          <a:xfrm>
+            <a:off x="9471286" y="3790950"/>
+            <a:ext cx="362600" cy="461665"/>
+          </a:xfrm>
+          <a:prstGeom prst="rect">
+            <a:avLst/>
+          </a:prstGeom>
+          <a:noFill/>
+        </p:spPr>
+        <p:txBody>
+          <a:bodyPr wrap="none" rtlCol="0">
+            <a:spAutoFit/>
+          </a:bodyPr>
+          <a:lstStyle/>
+          <a:p>
+            <a:r>
+              <a:rPr lang="en-US" altLang="ko-KR" sz="2400" b="1" dirty="0"/>
+              <a:t>4</a:t>
+            </a:r>
+            <a:endParaRPr lang="ko-KR" altLang="en-US" sz="2400" b="1" dirty="0"/>
+          </a:p>
+        </p:txBody>
+      </p:sp>
+      <p:sp>
+        <p:nvSpPr>
+          <p:cNvPr id="147" name="TextBox 146">
+            <a:extLst>
+              <a:ext uri="{FF2B5EF4-FFF2-40B4-BE49-F238E27FC236}">
+                <a16:creationId xmlns:a16="http://schemas.microsoft.com/office/drawing/2014/main" id="{078C621A-C645-6304-85D6-D41E6209465F}"/>
+              </a:ext>
+            </a:extLst>
+          </p:cNvPr>
+          <p:cNvSpPr txBox="1"/>
+          <p:nvPr/>
+        </p:nvSpPr>
+        <p:spPr>
+          <a:xfrm>
+            <a:off x="2611690" y="3790950"/>
+            <a:ext cx="489236" cy="461665"/>
+          </a:xfrm>
+          <a:prstGeom prst="rect">
+            <a:avLst/>
+          </a:prstGeom>
+          <a:noFill/>
+        </p:spPr>
+        <p:txBody>
+          <a:bodyPr wrap="none" rtlCol="0">
+            <a:spAutoFit/>
+          </a:bodyPr>
+          <a:lstStyle/>
+          <a:p>
+            <a:r>
+              <a:rPr lang="en-US" altLang="ko-KR" sz="2400" b="1" dirty="0"/>
+              <a:t>-4</a:t>
+            </a:r>
+            <a:endParaRPr lang="ko-KR" altLang="en-US" sz="2400" b="1" dirty="0"/>
+          </a:p>
+        </p:txBody>
+      </p:sp>
+      <p:sp>
+        <p:nvSpPr>
+          <p:cNvPr id="148" name="TextBox 147">
+            <a:extLst>
+              <a:ext uri="{FF2B5EF4-FFF2-40B4-BE49-F238E27FC236}">
+                <a16:creationId xmlns:a16="http://schemas.microsoft.com/office/drawing/2014/main" id="{48DB7290-8541-2558-A976-0875A410A16D}"/>
+              </a:ext>
+            </a:extLst>
+          </p:cNvPr>
+          <p:cNvSpPr txBox="1"/>
+          <p:nvPr/>
+        </p:nvSpPr>
+        <p:spPr>
+          <a:xfrm>
+            <a:off x="3468939" y="3790950"/>
+            <a:ext cx="489236" cy="461665"/>
+          </a:xfrm>
+          <a:prstGeom prst="rect">
+            <a:avLst/>
+          </a:prstGeom>
+          <a:noFill/>
+        </p:spPr>
+        <p:txBody>
+          <a:bodyPr wrap="none" rtlCol="0">
+            <a:spAutoFit/>
+          </a:bodyPr>
+          <a:lstStyle/>
+          <a:p>
+            <a:r>
+              <a:rPr lang="en-US" altLang="ko-KR" sz="2400" b="1" dirty="0"/>
+              <a:t>-3</a:t>
+            </a:r>
+            <a:endParaRPr lang="ko-KR" altLang="en-US" sz="2400" b="1" dirty="0"/>
+          </a:p>
+        </p:txBody>
+      </p:sp>
+      <p:sp>
+        <p:nvSpPr>
+          <p:cNvPr id="149" name="TextBox 148">
+            <a:extLst>
+              <a:ext uri="{FF2B5EF4-FFF2-40B4-BE49-F238E27FC236}">
+                <a16:creationId xmlns:a16="http://schemas.microsoft.com/office/drawing/2014/main" id="{6BE440AD-E4BB-3F9C-FFCA-42F2538BD48D}"/>
+              </a:ext>
+            </a:extLst>
+          </p:cNvPr>
+          <p:cNvSpPr txBox="1"/>
+          <p:nvPr/>
+        </p:nvSpPr>
+        <p:spPr>
+          <a:xfrm>
+            <a:off x="4325450" y="3790950"/>
+            <a:ext cx="489236" cy="461665"/>
+          </a:xfrm>
+          <a:prstGeom prst="rect">
+            <a:avLst/>
+          </a:prstGeom>
+          <a:noFill/>
+        </p:spPr>
+        <p:txBody>
+          <a:bodyPr wrap="none" rtlCol="0">
+            <a:spAutoFit/>
+          </a:bodyPr>
+          <a:lstStyle/>
+          <a:p>
+            <a:r>
+              <a:rPr lang="en-US" altLang="ko-KR" sz="2400" b="1" dirty="0"/>
+              <a:t>-2</a:t>
+            </a:r>
+            <a:endParaRPr lang="ko-KR" altLang="en-US" sz="2400" b="1" dirty="0"/>
+          </a:p>
+        </p:txBody>
+      </p:sp>
+      <p:sp>
+        <p:nvSpPr>
+          <p:cNvPr id="29" name="TextBox 28">
+            <a:extLst>
+              <a:ext uri="{FF2B5EF4-FFF2-40B4-BE49-F238E27FC236}">
+                <a16:creationId xmlns:a16="http://schemas.microsoft.com/office/drawing/2014/main" id="{99147CDC-555F-CA8A-6294-ED0346D72465}"/>
+              </a:ext>
+            </a:extLst>
+          </p:cNvPr>
+          <p:cNvSpPr txBox="1"/>
+          <p:nvPr/>
+        </p:nvSpPr>
+        <p:spPr>
+          <a:xfrm>
+            <a:off x="6292198" y="3648089"/>
+            <a:ext cx="362600" cy="461665"/>
+          </a:xfrm>
+          <a:prstGeom prst="rect">
+            <a:avLst/>
+          </a:prstGeom>
+          <a:noFill/>
+        </p:spPr>
+        <p:txBody>
+          <a:bodyPr wrap="none" rtlCol="0">
+            <a:spAutoFit/>
+          </a:bodyPr>
+          <a:lstStyle/>
+          <a:p>
+            <a:r>
+              <a:rPr lang="en-US" altLang="ko-KR" sz="2400" b="1" dirty="0"/>
+              <a:t>0</a:t>
+            </a:r>
+            <a:endParaRPr lang="ko-KR" altLang="en-US" sz="2400" b="1" dirty="0"/>
+          </a:p>
+        </p:txBody>
+      </p:sp>
+      <p:grpSp>
+        <p:nvGrpSpPr>
+          <p:cNvPr id="5" name="그룹 4">
+            <a:extLst>
+              <a:ext uri="{FF2B5EF4-FFF2-40B4-BE49-F238E27FC236}">
+                <a16:creationId xmlns:a16="http://schemas.microsoft.com/office/drawing/2014/main" id="{0F3DD71F-702F-8B61-113A-DDDB95EBD6A3}"/>
+              </a:ext>
+            </a:extLst>
+          </p:cNvPr>
+          <p:cNvGrpSpPr/>
+          <p:nvPr/>
+        </p:nvGrpSpPr>
+        <p:grpSpPr>
+          <a:xfrm rot="5400000">
+            <a:off x="2391422" y="3584182"/>
+            <a:ext cx="7700210" cy="0"/>
+            <a:chOff x="2374232" y="3441032"/>
+            <a:chExt cx="7700210" cy="0"/>
+          </a:xfrm>
+        </p:grpSpPr>
+        <p:cxnSp>
+          <p:nvCxnSpPr>
+            <p:cNvPr id="27" name="직선 화살표 연결선 26">
+              <a:extLst>
+                <a:ext uri="{FF2B5EF4-FFF2-40B4-BE49-F238E27FC236}">
+                  <a16:creationId xmlns:a16="http://schemas.microsoft.com/office/drawing/2014/main" id="{D3E981E5-1E3E-4215-5227-5E319C38C8AA}"/>
+                </a:ext>
+              </a:extLst>
+            </p:cNvPr>
+            <p:cNvCxnSpPr/>
+            <p:nvPr/>
+          </p:nvCxnSpPr>
+          <p:spPr>
+            <a:xfrm>
+              <a:off x="6224337" y="3441032"/>
+              <a:ext cx="3850105" cy="0"/>
+            </a:xfrm>
+            <a:prstGeom prst="straightConnector1">
+              <a:avLst/>
+            </a:prstGeom>
+            <a:ln w="38100">
+              <a:solidFill>
+                <a:schemeClr val="tx1"/>
+              </a:solidFill>
+              <a:tailEnd type="triangle"/>
+            </a:ln>
+          </p:spPr>
+          <p:style>
+            <a:lnRef idx="2">
+              <a:schemeClr val="accent1"/>
+            </a:lnRef>
+            <a:fillRef idx="0">
+              <a:schemeClr val="accent1"/>
+            </a:fillRef>
+            <a:effectRef idx="1">
+              <a:schemeClr val="accent1"/>
+            </a:effectRef>
+            <a:fontRef idx="minor">
+              <a:schemeClr val="tx1"/>
+            </a:fontRef>
+          </p:style>
+        </p:cxnSp>
+        <p:cxnSp>
+          <p:nvCxnSpPr>
+            <p:cNvPr id="28" name="직선 화살표 연결선 27">
+              <a:extLst>
+                <a:ext uri="{FF2B5EF4-FFF2-40B4-BE49-F238E27FC236}">
+                  <a16:creationId xmlns:a16="http://schemas.microsoft.com/office/drawing/2014/main" id="{E7BD5E6D-3E69-CDF9-C472-555AC37210D3}"/>
+                </a:ext>
+              </a:extLst>
+            </p:cNvPr>
+            <p:cNvCxnSpPr>
+              <a:cxnSpLocks/>
+            </p:cNvCxnSpPr>
+            <p:nvPr/>
+          </p:nvCxnSpPr>
+          <p:spPr>
+            <a:xfrm rot="10800000">
+              <a:off x="2374232" y="3441032"/>
+              <a:ext cx="3850105" cy="0"/>
+            </a:xfrm>
+            <a:prstGeom prst="straightConnector1">
+              <a:avLst/>
+            </a:prstGeom>
+            <a:ln w="38100">
+              <a:solidFill>
+                <a:schemeClr val="tx1"/>
+              </a:solidFill>
+              <a:tailEnd type="triangle"/>
+            </a:ln>
+          </p:spPr>
+          <p:style>
+            <a:lnRef idx="2">
+              <a:schemeClr val="accent1"/>
+            </a:lnRef>
+            <a:fillRef idx="0">
+              <a:schemeClr val="accent1"/>
+            </a:fillRef>
+            <a:effectRef idx="1">
+              <a:schemeClr val="accent1"/>
+            </a:effectRef>
+            <a:fontRef idx="minor">
+              <a:schemeClr val="tx1"/>
+            </a:fontRef>
+          </p:style>
+        </p:cxnSp>
+      </p:grpSp>
+      <p:cxnSp>
+        <p:nvCxnSpPr>
+          <p:cNvPr id="6" name="직선 연결선 5">
+            <a:extLst>
+              <a:ext uri="{FF2B5EF4-FFF2-40B4-BE49-F238E27FC236}">
+                <a16:creationId xmlns:a16="http://schemas.microsoft.com/office/drawing/2014/main" id="{FA12F016-C531-8810-E972-3E723F515F64}"/>
+              </a:ext>
+            </a:extLst>
+          </p:cNvPr>
+          <p:cNvCxnSpPr>
+            <a:cxnSpLocks/>
+          </p:cNvCxnSpPr>
+          <p:nvPr/>
+        </p:nvCxnSpPr>
+        <p:spPr>
+          <a:xfrm rot="5400000" flipV="1">
+            <a:off x="6137254" y="5184884"/>
+            <a:ext cx="0" cy="208547"/>
+          </a:xfrm>
+          <a:prstGeom prst="line">
+            <a:avLst/>
+          </a:prstGeom>
+          <a:ln w="38100">
+            <a:solidFill>
+              <a:schemeClr val="tx1"/>
+            </a:solidFill>
+          </a:ln>
+        </p:spPr>
+        <p:style>
+          <a:lnRef idx="2">
+            <a:schemeClr val="accent1"/>
+          </a:lnRef>
+          <a:fillRef idx="0">
+            <a:schemeClr val="accent1"/>
+          </a:fillRef>
+          <a:effectRef idx="1">
+            <a:schemeClr val="accent1"/>
+          </a:effectRef>
+          <a:fontRef idx="minor">
+            <a:schemeClr val="tx1"/>
+          </a:fontRef>
+        </p:style>
+      </p:cxnSp>
+      <p:cxnSp>
+        <p:nvCxnSpPr>
+          <p:cNvPr id="7" name="직선 연결선 6">
+            <a:extLst>
+              <a:ext uri="{FF2B5EF4-FFF2-40B4-BE49-F238E27FC236}">
+                <a16:creationId xmlns:a16="http://schemas.microsoft.com/office/drawing/2014/main" id="{85A255F3-1ADF-43EA-2F42-743103160401}"/>
+              </a:ext>
+            </a:extLst>
+          </p:cNvPr>
+          <p:cNvCxnSpPr>
+            <a:cxnSpLocks/>
+          </p:cNvCxnSpPr>
+          <p:nvPr/>
+        </p:nvCxnSpPr>
+        <p:spPr>
+          <a:xfrm rot="5400000" flipV="1">
+            <a:off x="6137254" y="4333984"/>
+            <a:ext cx="0" cy="208547"/>
+          </a:xfrm>
+          <a:prstGeom prst="line">
+            <a:avLst/>
+          </a:prstGeom>
+          <a:ln w="38100">
+            <a:solidFill>
+              <a:schemeClr val="tx1"/>
+            </a:solidFill>
+          </a:ln>
+        </p:spPr>
+        <p:style>
+          <a:lnRef idx="2">
+            <a:schemeClr val="accent1"/>
+          </a:lnRef>
+          <a:fillRef idx="0">
+            <a:schemeClr val="accent1"/>
+          </a:fillRef>
+          <a:effectRef idx="1">
+            <a:schemeClr val="accent1"/>
+          </a:effectRef>
+          <a:fontRef idx="minor">
+            <a:schemeClr val="tx1"/>
+          </a:fontRef>
+        </p:style>
+      </p:cxnSp>
+      <p:cxnSp>
+        <p:nvCxnSpPr>
+          <p:cNvPr id="8" name="직선 연결선 7">
+            <a:extLst>
+              <a:ext uri="{FF2B5EF4-FFF2-40B4-BE49-F238E27FC236}">
+                <a16:creationId xmlns:a16="http://schemas.microsoft.com/office/drawing/2014/main" id="{8F0EE2F0-6680-3FD1-05D8-E4783A7D43AB}"/>
+              </a:ext>
+            </a:extLst>
+          </p:cNvPr>
+          <p:cNvCxnSpPr>
+            <a:cxnSpLocks/>
+          </p:cNvCxnSpPr>
+          <p:nvPr/>
+        </p:nvCxnSpPr>
+        <p:spPr>
+          <a:xfrm rot="5400000" flipV="1">
+            <a:off x="6137254" y="5184884"/>
+            <a:ext cx="0" cy="208547"/>
+          </a:xfrm>
+          <a:prstGeom prst="line">
+            <a:avLst/>
+          </a:prstGeom>
+          <a:ln w="38100">
+            <a:solidFill>
+              <a:schemeClr val="tx1"/>
+            </a:solidFill>
+          </a:ln>
+        </p:spPr>
+        <p:style>
+          <a:lnRef idx="2">
+            <a:schemeClr val="accent1"/>
+          </a:lnRef>
+          <a:fillRef idx="0">
+            <a:schemeClr val="accent1"/>
+          </a:fillRef>
+          <a:effectRef idx="1">
+            <a:schemeClr val="accent1"/>
+          </a:effectRef>
+          <a:fontRef idx="minor">
+            <a:schemeClr val="tx1"/>
+          </a:fontRef>
+        </p:style>
+      </p:cxnSp>
+      <p:cxnSp>
+        <p:nvCxnSpPr>
+          <p:cNvPr id="10" name="직선 연결선 9">
+            <a:extLst>
+              <a:ext uri="{FF2B5EF4-FFF2-40B4-BE49-F238E27FC236}">
+                <a16:creationId xmlns:a16="http://schemas.microsoft.com/office/drawing/2014/main" id="{E96D38CB-F290-4AB1-A7CC-2D6B4FC51545}"/>
+              </a:ext>
+            </a:extLst>
+          </p:cNvPr>
+          <p:cNvCxnSpPr>
+            <a:cxnSpLocks/>
+          </p:cNvCxnSpPr>
+          <p:nvPr/>
+        </p:nvCxnSpPr>
+        <p:spPr>
+          <a:xfrm rot="5400000" flipV="1">
+            <a:off x="6137254" y="6886684"/>
+            <a:ext cx="0" cy="208547"/>
+          </a:xfrm>
+          <a:prstGeom prst="line">
+            <a:avLst/>
+          </a:prstGeom>
+          <a:ln w="38100">
+            <a:solidFill>
+              <a:schemeClr val="tx1"/>
+            </a:solidFill>
+          </a:ln>
+        </p:spPr>
+        <p:style>
+          <a:lnRef idx="2">
+            <a:schemeClr val="accent1"/>
+          </a:lnRef>
+          <a:fillRef idx="0">
+            <a:schemeClr val="accent1"/>
+          </a:fillRef>
+          <a:effectRef idx="1">
+            <a:schemeClr val="accent1"/>
+          </a:effectRef>
+          <a:fontRef idx="minor">
+            <a:schemeClr val="tx1"/>
+          </a:fontRef>
+        </p:style>
+      </p:cxnSp>
+      <p:cxnSp>
+        <p:nvCxnSpPr>
+          <p:cNvPr id="11" name="직선 연결선 10">
+            <a:extLst>
+              <a:ext uri="{FF2B5EF4-FFF2-40B4-BE49-F238E27FC236}">
+                <a16:creationId xmlns:a16="http://schemas.microsoft.com/office/drawing/2014/main" id="{1C7ABEC7-B2E3-39FA-7D4B-65DDEF663EB7}"/>
+              </a:ext>
+            </a:extLst>
+          </p:cNvPr>
+          <p:cNvCxnSpPr>
+            <a:cxnSpLocks/>
+          </p:cNvCxnSpPr>
+          <p:nvPr/>
+        </p:nvCxnSpPr>
+        <p:spPr>
+          <a:xfrm rot="5400000" flipV="1">
+            <a:off x="6137254" y="6035784"/>
+            <a:ext cx="0" cy="208547"/>
+          </a:xfrm>
+          <a:prstGeom prst="line">
+            <a:avLst/>
+          </a:prstGeom>
+          <a:ln w="38100">
+            <a:solidFill>
+              <a:schemeClr val="tx1"/>
+            </a:solidFill>
+          </a:ln>
+        </p:spPr>
+        <p:style>
+          <a:lnRef idx="2">
+            <a:schemeClr val="accent1"/>
+          </a:lnRef>
+          <a:fillRef idx="0">
+            <a:schemeClr val="accent1"/>
+          </a:fillRef>
+          <a:effectRef idx="1">
+            <a:schemeClr val="accent1"/>
+          </a:effectRef>
+          <a:fontRef idx="minor">
+            <a:schemeClr val="tx1"/>
+          </a:fontRef>
+        </p:style>
+      </p:cxnSp>
+      <p:cxnSp>
+        <p:nvCxnSpPr>
+          <p:cNvPr id="12" name="직선 연결선 11">
+            <a:extLst>
+              <a:ext uri="{FF2B5EF4-FFF2-40B4-BE49-F238E27FC236}">
+                <a16:creationId xmlns:a16="http://schemas.microsoft.com/office/drawing/2014/main" id="{9360EAE8-4491-3AC5-F4F4-908555AB8328}"/>
+              </a:ext>
+            </a:extLst>
+          </p:cNvPr>
+          <p:cNvCxnSpPr>
+            <a:cxnSpLocks/>
+          </p:cNvCxnSpPr>
+          <p:nvPr/>
+        </p:nvCxnSpPr>
+        <p:spPr>
+          <a:xfrm rot="5400000" flipV="1">
+            <a:off x="6137254" y="73134"/>
+            <a:ext cx="0" cy="208547"/>
+          </a:xfrm>
+          <a:prstGeom prst="line">
+            <a:avLst/>
+          </a:prstGeom>
+          <a:ln w="38100">
+            <a:solidFill>
+              <a:schemeClr val="tx1"/>
+            </a:solidFill>
+          </a:ln>
+        </p:spPr>
+        <p:style>
+          <a:lnRef idx="2">
+            <a:schemeClr val="accent1"/>
+          </a:lnRef>
+          <a:fillRef idx="0">
+            <a:schemeClr val="accent1"/>
+          </a:fillRef>
+          <a:effectRef idx="1">
+            <a:schemeClr val="accent1"/>
+          </a:effectRef>
+          <a:fontRef idx="minor">
+            <a:schemeClr val="tx1"/>
+          </a:fontRef>
+        </p:style>
+      </p:cxnSp>
+      <p:cxnSp>
+        <p:nvCxnSpPr>
+          <p:cNvPr id="13" name="직선 연결선 12">
+            <a:extLst>
+              <a:ext uri="{FF2B5EF4-FFF2-40B4-BE49-F238E27FC236}">
+                <a16:creationId xmlns:a16="http://schemas.microsoft.com/office/drawing/2014/main" id="{D76825C7-90EE-5199-1D3C-E326FD2EB81C}"/>
+              </a:ext>
+            </a:extLst>
+          </p:cNvPr>
+          <p:cNvCxnSpPr>
+            <a:cxnSpLocks/>
+          </p:cNvCxnSpPr>
+          <p:nvPr/>
+        </p:nvCxnSpPr>
+        <p:spPr>
+          <a:xfrm rot="5400000" flipV="1">
+            <a:off x="6137254" y="1774934"/>
+            <a:ext cx="0" cy="208547"/>
+          </a:xfrm>
+          <a:prstGeom prst="line">
+            <a:avLst/>
+          </a:prstGeom>
+          <a:ln w="38100">
+            <a:solidFill>
+              <a:schemeClr val="tx1"/>
+            </a:solidFill>
+          </a:ln>
+        </p:spPr>
+        <p:style>
+          <a:lnRef idx="2">
+            <a:schemeClr val="accent1"/>
+          </a:lnRef>
+          <a:fillRef idx="0">
+            <a:schemeClr val="accent1"/>
+          </a:fillRef>
+          <a:effectRef idx="1">
+            <a:schemeClr val="accent1"/>
+          </a:effectRef>
+          <a:fontRef idx="minor">
+            <a:schemeClr val="tx1"/>
+          </a:fontRef>
+        </p:style>
+      </p:cxnSp>
+      <p:cxnSp>
+        <p:nvCxnSpPr>
+          <p:cNvPr id="14" name="직선 연결선 13">
+            <a:extLst>
+              <a:ext uri="{FF2B5EF4-FFF2-40B4-BE49-F238E27FC236}">
+                <a16:creationId xmlns:a16="http://schemas.microsoft.com/office/drawing/2014/main" id="{F387FC4D-9136-3624-2F8B-69DCF7ED659C}"/>
+              </a:ext>
+            </a:extLst>
+          </p:cNvPr>
+          <p:cNvCxnSpPr>
+            <a:cxnSpLocks/>
+          </p:cNvCxnSpPr>
+          <p:nvPr/>
+        </p:nvCxnSpPr>
+        <p:spPr>
+          <a:xfrm rot="5400000" flipV="1">
+            <a:off x="6137254" y="924034"/>
+            <a:ext cx="0" cy="208547"/>
+          </a:xfrm>
+          <a:prstGeom prst="line">
+            <a:avLst/>
+          </a:prstGeom>
+          <a:ln w="38100">
+            <a:solidFill>
+              <a:schemeClr val="tx1"/>
+            </a:solidFill>
+          </a:ln>
+        </p:spPr>
+        <p:style>
+          <a:lnRef idx="2">
+            <a:schemeClr val="accent1"/>
+          </a:lnRef>
+          <a:fillRef idx="0">
+            <a:schemeClr val="accent1"/>
+          </a:fillRef>
+          <a:effectRef idx="1">
+            <a:schemeClr val="accent1"/>
+          </a:effectRef>
+          <a:fontRef idx="minor">
+            <a:schemeClr val="tx1"/>
+          </a:fontRef>
+        </p:style>
+      </p:cxnSp>
+      <p:cxnSp>
+        <p:nvCxnSpPr>
+          <p:cNvPr id="15" name="직선 연결선 14">
+            <a:extLst>
+              <a:ext uri="{FF2B5EF4-FFF2-40B4-BE49-F238E27FC236}">
+                <a16:creationId xmlns:a16="http://schemas.microsoft.com/office/drawing/2014/main" id="{8C7A43F8-A742-CD99-1E81-071B1346A2BE}"/>
+              </a:ext>
+            </a:extLst>
+          </p:cNvPr>
+          <p:cNvCxnSpPr>
+            <a:cxnSpLocks/>
+          </p:cNvCxnSpPr>
+          <p:nvPr/>
+        </p:nvCxnSpPr>
+        <p:spPr>
+          <a:xfrm rot="5400000" flipV="1">
+            <a:off x="6137254" y="1774934"/>
+            <a:ext cx="0" cy="208547"/>
+          </a:xfrm>
+          <a:prstGeom prst="line">
+            <a:avLst/>
+          </a:prstGeom>
+          <a:ln w="38100">
+            <a:solidFill>
+              <a:schemeClr val="tx1"/>
+            </a:solidFill>
+          </a:ln>
+        </p:spPr>
+        <p:style>
+          <a:lnRef idx="2">
+            <a:schemeClr val="accent1"/>
+          </a:lnRef>
+          <a:fillRef idx="0">
+            <a:schemeClr val="accent1"/>
+          </a:fillRef>
+          <a:effectRef idx="1">
+            <a:schemeClr val="accent1"/>
+          </a:effectRef>
+          <a:fontRef idx="minor">
+            <a:schemeClr val="tx1"/>
+          </a:fontRef>
+        </p:style>
+      </p:cxnSp>
+      <p:cxnSp>
+        <p:nvCxnSpPr>
+          <p:cNvPr id="16" name="직선 연결선 15">
+            <a:extLst>
+              <a:ext uri="{FF2B5EF4-FFF2-40B4-BE49-F238E27FC236}">
+                <a16:creationId xmlns:a16="http://schemas.microsoft.com/office/drawing/2014/main" id="{A1DA706E-C1CB-207C-5A21-5E3219067B16}"/>
+              </a:ext>
+            </a:extLst>
+          </p:cNvPr>
+          <p:cNvCxnSpPr>
+            <a:cxnSpLocks/>
+          </p:cNvCxnSpPr>
+          <p:nvPr/>
+        </p:nvCxnSpPr>
+        <p:spPr>
+          <a:xfrm rot="5400000" flipV="1">
+            <a:off x="6137254" y="2625834"/>
+            <a:ext cx="0" cy="208547"/>
+          </a:xfrm>
+          <a:prstGeom prst="line">
+            <a:avLst/>
+          </a:prstGeom>
+          <a:ln w="38100">
+            <a:solidFill>
+              <a:schemeClr val="tx1"/>
+            </a:solidFill>
+          </a:ln>
+        </p:spPr>
+        <p:style>
+          <a:lnRef idx="2">
+            <a:schemeClr val="accent1"/>
+          </a:lnRef>
+          <a:fillRef idx="0">
+            <a:schemeClr val="accent1"/>
+          </a:fillRef>
+          <a:effectRef idx="1">
+            <a:schemeClr val="accent1"/>
+          </a:effectRef>
+          <a:fontRef idx="minor">
+            <a:schemeClr val="tx1"/>
+          </a:fontRef>
+        </p:style>
+      </p:cxnSp>
+      <p:sp>
+        <p:nvSpPr>
+          <p:cNvPr id="18" name="TextBox 17">
+            <a:extLst>
+              <a:ext uri="{FF2B5EF4-FFF2-40B4-BE49-F238E27FC236}">
+                <a16:creationId xmlns:a16="http://schemas.microsoft.com/office/drawing/2014/main" id="{CB2C855A-B526-4372-9AD8-33FD90B85C71}"/>
+              </a:ext>
+            </a:extLst>
+          </p:cNvPr>
+          <p:cNvSpPr txBox="1"/>
+          <p:nvPr/>
+        </p:nvSpPr>
+        <p:spPr>
+          <a:xfrm>
+            <a:off x="6032980" y="-733192"/>
+            <a:ext cx="349776" cy="461665"/>
+          </a:xfrm>
+          <a:prstGeom prst="rect">
+            <a:avLst/>
+          </a:prstGeom>
+          <a:noFill/>
+        </p:spPr>
+        <p:txBody>
+          <a:bodyPr wrap="none" rtlCol="0">
+            <a:spAutoFit/>
+          </a:bodyPr>
+          <a:lstStyle/>
+          <a:p>
+            <a:r>
+              <a:rPr lang="en-US" altLang="ko-KR" sz="2400" b="1" dirty="0"/>
+              <a:t>y</a:t>
+            </a:r>
+            <a:endParaRPr lang="ko-KR" altLang="en-US" sz="2400" b="1" dirty="0"/>
+          </a:p>
+        </p:txBody>
+      </p:sp>
+      <p:sp>
+        <p:nvSpPr>
+          <p:cNvPr id="19" name="TextBox 18">
+            <a:extLst>
+              <a:ext uri="{FF2B5EF4-FFF2-40B4-BE49-F238E27FC236}">
+                <a16:creationId xmlns:a16="http://schemas.microsoft.com/office/drawing/2014/main" id="{4297E991-C31A-B60E-5406-9DF5E201CCE3}"/>
+              </a:ext>
+            </a:extLst>
+          </p:cNvPr>
+          <p:cNvSpPr txBox="1"/>
+          <p:nvPr/>
+        </p:nvSpPr>
+        <p:spPr>
+          <a:xfrm>
+            <a:off x="5622627" y="4219385"/>
+            <a:ext cx="489236" cy="461665"/>
+          </a:xfrm>
+          <a:prstGeom prst="rect">
+            <a:avLst/>
+          </a:prstGeom>
+          <a:noFill/>
+        </p:spPr>
+        <p:txBody>
+          <a:bodyPr wrap="none" rtlCol="0">
+            <a:spAutoFit/>
+          </a:bodyPr>
+          <a:lstStyle/>
+          <a:p>
+            <a:r>
+              <a:rPr lang="en-US" altLang="ko-KR" sz="2400" b="1" dirty="0"/>
+              <a:t>-1</a:t>
+            </a:r>
+            <a:endParaRPr lang="ko-KR" altLang="en-US" sz="2400" b="1" dirty="0"/>
+          </a:p>
+        </p:txBody>
+      </p:sp>
+      <p:sp>
+        <p:nvSpPr>
+          <p:cNvPr id="20" name="TextBox 19">
+            <a:extLst>
+              <a:ext uri="{FF2B5EF4-FFF2-40B4-BE49-F238E27FC236}">
+                <a16:creationId xmlns:a16="http://schemas.microsoft.com/office/drawing/2014/main" id="{758DB67E-1622-1643-853C-A7156527F362}"/>
+              </a:ext>
+            </a:extLst>
+          </p:cNvPr>
+          <p:cNvSpPr txBox="1"/>
+          <p:nvPr/>
+        </p:nvSpPr>
+        <p:spPr>
+          <a:xfrm>
+            <a:off x="5622627" y="5075896"/>
+            <a:ext cx="489236" cy="461665"/>
+          </a:xfrm>
+          <a:prstGeom prst="rect">
+            <a:avLst/>
+          </a:prstGeom>
+          <a:noFill/>
+        </p:spPr>
+        <p:txBody>
+          <a:bodyPr wrap="none" rtlCol="0">
+            <a:spAutoFit/>
+          </a:bodyPr>
+          <a:lstStyle/>
+          <a:p>
+            <a:r>
+              <a:rPr lang="en-US" altLang="ko-KR" sz="2400" b="1" dirty="0"/>
+              <a:t>-2</a:t>
+            </a:r>
+            <a:endParaRPr lang="ko-KR" altLang="en-US" sz="2400" b="1" dirty="0"/>
+          </a:p>
+        </p:txBody>
+      </p:sp>
+      <p:sp>
+        <p:nvSpPr>
+          <p:cNvPr id="21" name="TextBox 20">
+            <a:extLst>
+              <a:ext uri="{FF2B5EF4-FFF2-40B4-BE49-F238E27FC236}">
+                <a16:creationId xmlns:a16="http://schemas.microsoft.com/office/drawing/2014/main" id="{9AD789AE-3E77-B808-0825-AB1A8F9FBEC5}"/>
+              </a:ext>
+            </a:extLst>
+          </p:cNvPr>
+          <p:cNvSpPr txBox="1"/>
+          <p:nvPr/>
+        </p:nvSpPr>
+        <p:spPr>
+          <a:xfrm>
+            <a:off x="5622627" y="5932407"/>
+            <a:ext cx="489236" cy="461665"/>
+          </a:xfrm>
+          <a:prstGeom prst="rect">
+            <a:avLst/>
+          </a:prstGeom>
+          <a:noFill/>
+        </p:spPr>
+        <p:txBody>
+          <a:bodyPr wrap="none" rtlCol="0">
+            <a:spAutoFit/>
+          </a:bodyPr>
+          <a:lstStyle/>
+          <a:p>
+            <a:r>
+              <a:rPr lang="en-US" altLang="ko-KR" sz="2400" b="1" dirty="0"/>
+              <a:t>-3</a:t>
+            </a:r>
+            <a:endParaRPr lang="ko-KR" altLang="en-US" sz="2400" b="1" dirty="0"/>
+          </a:p>
+        </p:txBody>
+      </p:sp>
+      <p:sp>
+        <p:nvSpPr>
+          <p:cNvPr id="22" name="TextBox 21">
+            <a:extLst>
+              <a:ext uri="{FF2B5EF4-FFF2-40B4-BE49-F238E27FC236}">
+                <a16:creationId xmlns:a16="http://schemas.microsoft.com/office/drawing/2014/main" id="{E2DFF80B-BA0B-A5D3-850C-0E99E2A4079B}"/>
+              </a:ext>
+            </a:extLst>
+          </p:cNvPr>
+          <p:cNvSpPr txBox="1"/>
+          <p:nvPr/>
+        </p:nvSpPr>
+        <p:spPr>
+          <a:xfrm>
+            <a:off x="5622627" y="6788918"/>
+            <a:ext cx="489236" cy="461665"/>
+          </a:xfrm>
+          <a:prstGeom prst="rect">
+            <a:avLst/>
+          </a:prstGeom>
+          <a:noFill/>
+        </p:spPr>
+        <p:txBody>
+          <a:bodyPr wrap="none" rtlCol="0">
+            <a:spAutoFit/>
+          </a:bodyPr>
+          <a:lstStyle/>
+          <a:p>
+            <a:r>
+              <a:rPr lang="en-US" altLang="ko-KR" sz="2400" b="1" dirty="0"/>
+              <a:t>-4</a:t>
+            </a:r>
+            <a:endParaRPr lang="ko-KR" altLang="en-US" sz="2400" b="1" dirty="0"/>
+          </a:p>
+        </p:txBody>
+      </p:sp>
+      <p:sp>
+        <p:nvSpPr>
+          <p:cNvPr id="23" name="TextBox 22">
+            <a:extLst>
+              <a:ext uri="{FF2B5EF4-FFF2-40B4-BE49-F238E27FC236}">
+                <a16:creationId xmlns:a16="http://schemas.microsoft.com/office/drawing/2014/main" id="{057A0E7D-A985-19D6-82AF-B36C7F76A155}"/>
+              </a:ext>
+            </a:extLst>
+          </p:cNvPr>
+          <p:cNvSpPr txBox="1"/>
+          <p:nvPr/>
+        </p:nvSpPr>
+        <p:spPr>
+          <a:xfrm>
+            <a:off x="5559309" y="-7360"/>
+            <a:ext cx="362600" cy="461665"/>
+          </a:xfrm>
+          <a:prstGeom prst="rect">
+            <a:avLst/>
+          </a:prstGeom>
+          <a:noFill/>
+        </p:spPr>
+        <p:txBody>
+          <a:bodyPr wrap="none" rtlCol="0">
+            <a:spAutoFit/>
+          </a:bodyPr>
+          <a:lstStyle/>
+          <a:p>
+            <a:r>
+              <a:rPr lang="en-US" altLang="ko-KR" sz="2400" b="1" dirty="0"/>
+              <a:t>4</a:t>
+            </a:r>
+            <a:endParaRPr lang="ko-KR" altLang="en-US" sz="2400" b="1" dirty="0"/>
+          </a:p>
+        </p:txBody>
+      </p:sp>
+      <p:sp>
+        <p:nvSpPr>
+          <p:cNvPr id="24" name="TextBox 23">
+            <a:extLst>
+              <a:ext uri="{FF2B5EF4-FFF2-40B4-BE49-F238E27FC236}">
+                <a16:creationId xmlns:a16="http://schemas.microsoft.com/office/drawing/2014/main" id="{D0B060F8-7C98-6CA6-3B64-C6CCE5632D6B}"/>
+              </a:ext>
+            </a:extLst>
+          </p:cNvPr>
+          <p:cNvSpPr txBox="1"/>
+          <p:nvPr/>
+        </p:nvSpPr>
+        <p:spPr>
+          <a:xfrm>
+            <a:off x="5559309" y="849889"/>
+            <a:ext cx="362600" cy="461665"/>
+          </a:xfrm>
+          <a:prstGeom prst="rect">
+            <a:avLst/>
+          </a:prstGeom>
+          <a:noFill/>
+        </p:spPr>
+        <p:txBody>
+          <a:bodyPr wrap="none" rtlCol="0">
+            <a:spAutoFit/>
+          </a:bodyPr>
+          <a:lstStyle/>
+          <a:p>
+            <a:r>
+              <a:rPr lang="en-US" altLang="ko-KR" sz="2400" b="1" dirty="0"/>
+              <a:t>3</a:t>
+            </a:r>
+            <a:endParaRPr lang="ko-KR" altLang="en-US" sz="2400" b="1" dirty="0"/>
+          </a:p>
+        </p:txBody>
+      </p:sp>
+      <p:sp>
+        <p:nvSpPr>
+          <p:cNvPr id="25" name="TextBox 24">
+            <a:extLst>
+              <a:ext uri="{FF2B5EF4-FFF2-40B4-BE49-F238E27FC236}">
+                <a16:creationId xmlns:a16="http://schemas.microsoft.com/office/drawing/2014/main" id="{7ED8747A-2A27-CAE3-C6D6-85753E0A3F58}"/>
+              </a:ext>
+            </a:extLst>
+          </p:cNvPr>
+          <p:cNvSpPr txBox="1"/>
+          <p:nvPr/>
+        </p:nvSpPr>
+        <p:spPr>
+          <a:xfrm>
+            <a:off x="5559309" y="1706400"/>
+            <a:ext cx="362600" cy="461665"/>
+          </a:xfrm>
+          <a:prstGeom prst="rect">
+            <a:avLst/>
+          </a:prstGeom>
+          <a:noFill/>
+        </p:spPr>
+        <p:txBody>
+          <a:bodyPr wrap="none" rtlCol="0">
+            <a:spAutoFit/>
+          </a:bodyPr>
+          <a:lstStyle/>
+          <a:p>
+            <a:r>
+              <a:rPr lang="en-US" altLang="ko-KR" sz="2400" b="1" dirty="0"/>
+              <a:t>2</a:t>
+            </a:r>
+            <a:endParaRPr lang="ko-KR" altLang="en-US" sz="2400" b="1" dirty="0"/>
+          </a:p>
+        </p:txBody>
+      </p:sp>
+      <p:sp>
+        <p:nvSpPr>
+          <p:cNvPr id="26" name="TextBox 25">
+            <a:extLst>
+              <a:ext uri="{FF2B5EF4-FFF2-40B4-BE49-F238E27FC236}">
+                <a16:creationId xmlns:a16="http://schemas.microsoft.com/office/drawing/2014/main" id="{0A115F7E-23C7-A569-F81D-DE5DCBC4DD41}"/>
+              </a:ext>
+            </a:extLst>
+          </p:cNvPr>
+          <p:cNvSpPr txBox="1"/>
+          <p:nvPr/>
+        </p:nvSpPr>
+        <p:spPr>
+          <a:xfrm>
+            <a:off x="5559309" y="2562911"/>
+            <a:ext cx="362600" cy="461665"/>
+          </a:xfrm>
+          <a:prstGeom prst="rect">
+            <a:avLst/>
+          </a:prstGeom>
+          <a:noFill/>
+        </p:spPr>
+        <p:txBody>
+          <a:bodyPr wrap="none" rtlCol="0">
+            <a:spAutoFit/>
+          </a:bodyPr>
+          <a:lstStyle/>
+          <a:p>
+            <a:r>
+              <a:rPr lang="en-US" altLang="ko-KR" sz="2400" b="1" dirty="0"/>
+              <a:t>1</a:t>
+            </a:r>
+            <a:endParaRPr lang="ko-KR" altLang="en-US" sz="2400" b="1" dirty="0"/>
+          </a:p>
+        </p:txBody>
+      </p:sp>
+      <p:cxnSp>
+        <p:nvCxnSpPr>
+          <p:cNvPr id="30" name="직선 연결선 29">
+            <a:extLst>
+              <a:ext uri="{FF2B5EF4-FFF2-40B4-BE49-F238E27FC236}">
+                <a16:creationId xmlns:a16="http://schemas.microsoft.com/office/drawing/2014/main" id="{BA23E3A2-C4BB-87E4-2995-5AEAF49E0472}"/>
+              </a:ext>
+            </a:extLst>
+          </p:cNvPr>
+          <p:cNvCxnSpPr>
+            <a:cxnSpLocks/>
+          </p:cNvCxnSpPr>
+          <p:nvPr/>
+        </p:nvCxnSpPr>
+        <p:spPr>
+          <a:xfrm flipH="1">
+            <a:off x="2568206" y="774293"/>
+            <a:ext cx="7894668" cy="5233818"/>
+          </a:xfrm>
+          <a:prstGeom prst="line">
+            <a:avLst/>
+          </a:prstGeom>
+          <a:ln>
+            <a:solidFill>
+              <a:schemeClr val="accent2"/>
+            </a:solidFill>
+            <a:prstDash val="sysDash"/>
+          </a:ln>
+        </p:spPr>
+        <p:style>
+          <a:lnRef idx="2">
+            <a:schemeClr val="accent1"/>
+          </a:lnRef>
+          <a:fillRef idx="0">
+            <a:schemeClr val="accent1"/>
+          </a:fillRef>
+          <a:effectRef idx="1">
+            <a:schemeClr val="accent1"/>
+          </a:effectRef>
+          <a:fontRef idx="minor">
+            <a:schemeClr val="tx1"/>
+          </a:fontRef>
+        </p:style>
+      </p:cxnSp>
+      <p:sp>
+        <p:nvSpPr>
+          <p:cNvPr id="2" name="타원 1">
+            <a:extLst>
+              <a:ext uri="{FF2B5EF4-FFF2-40B4-BE49-F238E27FC236}">
+                <a16:creationId xmlns:a16="http://schemas.microsoft.com/office/drawing/2014/main" id="{37D8838B-7FFF-4543-5C74-52AFA9DDEB70}"/>
+              </a:ext>
+            </a:extLst>
+          </p:cNvPr>
+          <p:cNvSpPr/>
+          <p:nvPr/>
+        </p:nvSpPr>
+        <p:spPr>
+          <a:xfrm>
+            <a:off x="6786061" y="3018065"/>
+            <a:ext cx="231383" cy="231383"/>
+          </a:xfrm>
+          <a:prstGeom prst="ellipse">
+            <a:avLst/>
+          </a:prstGeom>
+          <a:solidFill>
+            <a:schemeClr val="accent5">
+              <a:lumMod val="60000"/>
+              <a:lumOff val="40000"/>
+            </a:schemeClr>
+          </a:solidFill>
+        </p:spPr>
+        <p:style>
+          <a:lnRef idx="2">
+            <a:schemeClr val="accent1">
+              <a:shade val="15000"/>
+            </a:schemeClr>
+          </a:lnRef>
+          <a:fillRef idx="1">
+            <a:schemeClr val="accent1"/>
+          </a:fillRef>
+          <a:effectRef idx="0">
+            <a:schemeClr val="accent1"/>
+          </a:effectRef>
+          <a:fontRef idx="minor">
+            <a:schemeClr val="lt1"/>
+          </a:fontRef>
+        </p:style>
+        <p:txBody>
+          <a:bodyPr rtlCol="0" anchor="ctr"/>
+          <a:lstStyle/>
+          <a:p>
+            <a:pPr algn="ctr"/>
+            <a:endParaRPr lang="ko-KR" altLang="en-US"/>
+          </a:p>
+        </p:txBody>
+      </p:sp>
+      <p:sp>
+        <p:nvSpPr>
+          <p:cNvPr id="4" name="타원 3">
+            <a:extLst>
+              <a:ext uri="{FF2B5EF4-FFF2-40B4-BE49-F238E27FC236}">
+                <a16:creationId xmlns:a16="http://schemas.microsoft.com/office/drawing/2014/main" id="{5ED2841F-8077-CCC4-446C-96DA6542C86A}"/>
+              </a:ext>
+            </a:extLst>
+          </p:cNvPr>
+          <p:cNvSpPr/>
+          <p:nvPr/>
+        </p:nvSpPr>
+        <p:spPr>
+          <a:xfrm>
+            <a:off x="9951431" y="912615"/>
+            <a:ext cx="231383" cy="231383"/>
+          </a:xfrm>
+          <a:prstGeom prst="ellipse">
+            <a:avLst/>
+          </a:prstGeom>
+          <a:solidFill>
+            <a:srgbClr val="00B050"/>
+          </a:solidFill>
+        </p:spPr>
+        <p:style>
+          <a:lnRef idx="2">
+            <a:schemeClr val="accent1">
+              <a:shade val="15000"/>
+            </a:schemeClr>
+          </a:lnRef>
+          <a:fillRef idx="1">
+            <a:schemeClr val="accent1"/>
+          </a:fillRef>
+          <a:effectRef idx="0">
+            <a:schemeClr val="accent1"/>
+          </a:effectRef>
+          <a:fontRef idx="minor">
+            <a:schemeClr val="lt1"/>
+          </a:fontRef>
+        </p:style>
+        <p:txBody>
+          <a:bodyPr rtlCol="0" anchor="ctr"/>
+          <a:lstStyle/>
+          <a:p>
+            <a:pPr algn="ctr"/>
+            <a:endParaRPr lang="ko-KR" altLang="en-US"/>
+          </a:p>
+        </p:txBody>
+      </p:sp>
+      <p:sp>
+        <p:nvSpPr>
+          <p:cNvPr id="150" name="TextBox 149">
+            <a:extLst>
+              <a:ext uri="{FF2B5EF4-FFF2-40B4-BE49-F238E27FC236}">
+                <a16:creationId xmlns:a16="http://schemas.microsoft.com/office/drawing/2014/main" id="{624358EC-ECAD-76A6-F74A-122F1D5A0C3E}"/>
+              </a:ext>
+            </a:extLst>
+          </p:cNvPr>
+          <p:cNvSpPr txBox="1"/>
+          <p:nvPr/>
+        </p:nvSpPr>
+        <p:spPr>
+          <a:xfrm>
+            <a:off x="5181961" y="3790950"/>
+            <a:ext cx="489236" cy="461665"/>
+          </a:xfrm>
+          <a:prstGeom prst="rect">
+            <a:avLst/>
+          </a:prstGeom>
+          <a:noFill/>
+        </p:spPr>
+        <p:txBody>
+          <a:bodyPr wrap="none" rtlCol="0">
+            <a:spAutoFit/>
+          </a:bodyPr>
+          <a:lstStyle/>
+          <a:p>
+            <a:r>
+              <a:rPr lang="en-US" altLang="ko-KR" sz="2400" b="1" dirty="0"/>
+              <a:t>-1</a:t>
+            </a:r>
+            <a:endParaRPr lang="ko-KR" altLang="en-US" sz="2400" b="1" dirty="0"/>
+          </a:p>
+        </p:txBody>
+      </p:sp>
+      <p:sp>
+        <p:nvSpPr>
+          <p:cNvPr id="64" name="원호 63">
+            <a:extLst>
+              <a:ext uri="{FF2B5EF4-FFF2-40B4-BE49-F238E27FC236}">
+                <a16:creationId xmlns:a16="http://schemas.microsoft.com/office/drawing/2014/main" id="{C4649E1D-F261-C396-F2D1-3C7FE2D8D2F6}"/>
+              </a:ext>
+            </a:extLst>
+          </p:cNvPr>
+          <p:cNvSpPr/>
+          <p:nvPr/>
+        </p:nvSpPr>
+        <p:spPr>
+          <a:xfrm rot="16722755">
+            <a:off x="6238361" y="944838"/>
+            <a:ext cx="6104207" cy="6104207"/>
+          </a:xfrm>
+          <a:prstGeom prst="arc">
+            <a:avLst/>
+          </a:prstGeom>
+          <a:ln w="19050">
+            <a:solidFill>
+              <a:srgbClr val="00B050"/>
+            </a:solidFill>
+            <a:prstDash val="sysDash"/>
+          </a:ln>
+        </p:spPr>
+        <p:style>
+          <a:lnRef idx="2">
+            <a:schemeClr val="accent1"/>
+          </a:lnRef>
+          <a:fillRef idx="0">
+            <a:schemeClr val="accent1"/>
+          </a:fillRef>
+          <a:effectRef idx="1">
+            <a:schemeClr val="accent1"/>
+          </a:effectRef>
+          <a:fontRef idx="minor">
+            <a:schemeClr val="tx1"/>
+          </a:fontRef>
+        </p:style>
+        <p:txBody>
+          <a:bodyPr rtlCol="0" anchor="ctr"/>
+          <a:lstStyle/>
+          <a:p>
+            <a:pPr algn="ctr"/>
+            <a:endParaRPr lang="ko-KR" altLang="en-US"/>
+          </a:p>
+        </p:txBody>
+      </p:sp>
+      <p:cxnSp>
+        <p:nvCxnSpPr>
+          <p:cNvPr id="66" name="직선 화살표 연결선 65">
+            <a:extLst>
+              <a:ext uri="{FF2B5EF4-FFF2-40B4-BE49-F238E27FC236}">
+                <a16:creationId xmlns:a16="http://schemas.microsoft.com/office/drawing/2014/main" id="{E752EFD3-6574-653B-8CD1-2998C380B356}"/>
+              </a:ext>
+            </a:extLst>
+          </p:cNvPr>
+          <p:cNvCxnSpPr>
+            <a:cxnSpLocks/>
+          </p:cNvCxnSpPr>
+          <p:nvPr/>
+        </p:nvCxnSpPr>
+        <p:spPr>
+          <a:xfrm rot="2700000">
+            <a:off x="9753068" y="1006309"/>
+            <a:ext cx="52585" cy="0"/>
+          </a:xfrm>
+          <a:prstGeom prst="straightConnector1">
+            <a:avLst/>
+          </a:prstGeom>
+          <a:ln>
+            <a:solidFill>
+              <a:srgbClr val="00B050"/>
+            </a:solidFill>
+            <a:tailEnd type="triangle"/>
+          </a:ln>
+        </p:spPr>
+        <p:style>
+          <a:lnRef idx="2">
+            <a:schemeClr val="accent1"/>
+          </a:lnRef>
+          <a:fillRef idx="0">
+            <a:schemeClr val="accent1"/>
+          </a:fillRef>
+          <a:effectRef idx="1">
+            <a:schemeClr val="accent1"/>
+          </a:effectRef>
+          <a:fontRef idx="minor">
+            <a:schemeClr val="tx1"/>
+          </a:fontRef>
+        </p:style>
+      </p:cxnSp>
+      <p:sp>
+        <p:nvSpPr>
+          <p:cNvPr id="70" name="원호 69">
+            <a:extLst>
+              <a:ext uri="{FF2B5EF4-FFF2-40B4-BE49-F238E27FC236}">
+                <a16:creationId xmlns:a16="http://schemas.microsoft.com/office/drawing/2014/main" id="{49939504-6346-3BD2-F4FF-BF6E440AB37C}"/>
+              </a:ext>
+            </a:extLst>
+          </p:cNvPr>
+          <p:cNvSpPr/>
+          <p:nvPr/>
+        </p:nvSpPr>
+        <p:spPr>
+          <a:xfrm rot="16200000">
+            <a:off x="6252527" y="3069325"/>
+            <a:ext cx="1019861" cy="1019861"/>
+          </a:xfrm>
+          <a:prstGeom prst="arc">
+            <a:avLst/>
+          </a:prstGeom>
+          <a:ln>
+            <a:solidFill>
+              <a:schemeClr val="accent5">
+                <a:lumMod val="60000"/>
+                <a:lumOff val="40000"/>
+              </a:schemeClr>
+            </a:solidFill>
+            <a:prstDash val="sysDash"/>
+          </a:ln>
+        </p:spPr>
+        <p:style>
+          <a:lnRef idx="2">
+            <a:schemeClr val="accent1"/>
+          </a:lnRef>
+          <a:fillRef idx="0">
+            <a:schemeClr val="accent1"/>
+          </a:fillRef>
+          <a:effectRef idx="1">
+            <a:schemeClr val="accent1"/>
+          </a:effectRef>
+          <a:fontRef idx="minor">
+            <a:schemeClr val="tx1"/>
+          </a:fontRef>
+        </p:style>
+        <p:txBody>
+          <a:bodyPr rtlCol="0" anchor="ctr"/>
+          <a:lstStyle/>
+          <a:p>
+            <a:pPr algn="ctr"/>
+            <a:endParaRPr lang="ko-KR" altLang="en-US"/>
+          </a:p>
+        </p:txBody>
+      </p:sp>
+      <p:cxnSp>
+        <p:nvCxnSpPr>
+          <p:cNvPr id="71" name="직선 화살표 연결선 70">
+            <a:extLst>
+              <a:ext uri="{FF2B5EF4-FFF2-40B4-BE49-F238E27FC236}">
+                <a16:creationId xmlns:a16="http://schemas.microsoft.com/office/drawing/2014/main" id="{90BA8933-1F81-9384-3071-7D0EB8A6E620}"/>
+              </a:ext>
+            </a:extLst>
+          </p:cNvPr>
+          <p:cNvCxnSpPr>
+            <a:cxnSpLocks/>
+          </p:cNvCxnSpPr>
+          <p:nvPr/>
+        </p:nvCxnSpPr>
+        <p:spPr>
+          <a:xfrm rot="2700000">
+            <a:off x="6740279" y="3094755"/>
+            <a:ext cx="52585" cy="0"/>
+          </a:xfrm>
+          <a:prstGeom prst="straightConnector1">
+            <a:avLst/>
+          </a:prstGeom>
+          <a:ln>
+            <a:solidFill>
+              <a:schemeClr val="accent5">
+                <a:lumMod val="60000"/>
+                <a:lumOff val="40000"/>
+              </a:schemeClr>
+            </a:solidFill>
+            <a:tailEnd type="triangle"/>
+          </a:ln>
+        </p:spPr>
+        <p:style>
+          <a:lnRef idx="2">
+            <a:schemeClr val="accent1"/>
+          </a:lnRef>
+          <a:fillRef idx="0">
+            <a:schemeClr val="accent1"/>
+          </a:fillRef>
+          <a:effectRef idx="1">
+            <a:schemeClr val="accent1"/>
+          </a:effectRef>
+          <a:fontRef idx="minor">
+            <a:schemeClr val="tx1"/>
+          </a:fontRef>
+        </p:style>
+      </p:cxnSp>
+      <mc:AlternateContent xmlns:mc="http://schemas.openxmlformats.org/markup-compatibility/2006">
+        <mc:Choice xmlns:a14="http://schemas.microsoft.com/office/drawing/2010/main" Requires="a14">
+          <p:sp>
+            <p:nvSpPr>
+              <p:cNvPr id="72" name="TextBox 71">
+                <a:extLst>
+                  <a:ext uri="{FF2B5EF4-FFF2-40B4-BE49-F238E27FC236}">
+                    <a16:creationId xmlns:a16="http://schemas.microsoft.com/office/drawing/2014/main" id="{8B63DEA5-949B-7C94-9EFD-A42A37B33CAF}"/>
+                  </a:ext>
+                </a:extLst>
+              </p:cNvPr>
+              <p:cNvSpPr txBox="1"/>
+              <p:nvPr/>
+            </p:nvSpPr>
+            <p:spPr>
+              <a:xfrm>
+                <a:off x="6518643" y="997567"/>
+                <a:ext cx="990976" cy="410369"/>
+              </a:xfrm>
+              <a:prstGeom prst="rect">
+                <a:avLst/>
+              </a:prstGeom>
+              <a:noFill/>
+            </p:spPr>
+            <p:txBody>
+              <a:bodyPr wrap="none" rtlCol="0">
+                <a:spAutoFit/>
+              </a:bodyPr>
+              <a:lstStyle/>
+              <a:p>
+                <a14:m>
+                  <m:oMathPara xmlns:m="http://schemas.openxmlformats.org/officeDocument/2006/math">
+                    <m:oMathParaPr>
+                      <m:jc m:val="centerGroup"/>
+                    </m:oMathParaPr>
+                    <m:oMath xmlns:m="http://schemas.openxmlformats.org/officeDocument/2006/math">
+                      <m:r>
+                        <a:rPr lang="en-US" altLang="ko-KR" b="1" i="0" smtClean="0">
+                          <a:solidFill>
+                            <a:schemeClr val="accent3">
+                              <a:lumMod val="60000"/>
+                              <a:lumOff val="40000"/>
+                            </a:schemeClr>
+                          </a:solidFill>
+                          <a:latin typeface="Cambria Math" panose="02040503050406030204" pitchFamily="18" charset="0"/>
+                        </a:rPr>
+                        <m:t>|</m:t>
+                      </m:r>
+                      <m:acc>
+                        <m:accPr>
+                          <m:chr m:val="⃗"/>
+                          <m:ctrlPr>
+                            <a:rPr lang="ko-KR" altLang="en-US" b="1" i="1" smtClean="0">
+                              <a:solidFill>
+                                <a:schemeClr val="accent3">
+                                  <a:lumMod val="60000"/>
+                                  <a:lumOff val="40000"/>
+                                </a:schemeClr>
+                              </a:solidFill>
+                              <a:latin typeface="Cambria Math" panose="02040503050406030204" pitchFamily="18" charset="0"/>
+                            </a:rPr>
+                          </m:ctrlPr>
+                        </m:accPr>
+                        <m:e>
+                          <m:r>
+                            <a:rPr lang="en-US" altLang="ko-KR" b="1" i="1" smtClean="0">
+                              <a:solidFill>
+                                <a:schemeClr val="accent3">
+                                  <a:lumMod val="60000"/>
+                                  <a:lumOff val="40000"/>
+                                </a:schemeClr>
+                              </a:solidFill>
+                              <a:latin typeface="Cambria Math" panose="02040503050406030204" pitchFamily="18" charset="0"/>
+                            </a:rPr>
+                            <m:t>𝒗</m:t>
+                          </m:r>
+                          <m:r>
+                            <a:rPr lang="en-US" altLang="ko-KR" b="1" i="1" smtClean="0">
+                              <a:solidFill>
+                                <a:schemeClr val="accent3">
+                                  <a:lumMod val="60000"/>
+                                  <a:lumOff val="40000"/>
+                                </a:schemeClr>
+                              </a:solidFill>
+                              <a:latin typeface="Cambria Math" panose="02040503050406030204" pitchFamily="18" charset="0"/>
+                            </a:rPr>
+                            <m:t>|</m:t>
+                          </m:r>
+                        </m:e>
+                      </m:acc>
+                      <m:r>
+                        <a:rPr lang="en-US" altLang="ko-KR" b="1" i="1" smtClean="0">
+                          <a:solidFill>
+                            <a:schemeClr val="accent3">
+                              <a:lumMod val="60000"/>
+                              <a:lumOff val="40000"/>
+                            </a:schemeClr>
+                          </a:solidFill>
+                          <a:latin typeface="Cambria Math" panose="02040503050406030204" pitchFamily="18" charset="0"/>
+                        </a:rPr>
+                        <m:t>=</m:t>
+                      </m:r>
+                      <m:r>
+                        <a:rPr lang="en-US" altLang="ko-KR" b="1" i="1" smtClean="0">
+                          <a:solidFill>
+                            <a:schemeClr val="accent3">
+                              <a:lumMod val="60000"/>
+                              <a:lumOff val="40000"/>
+                            </a:schemeClr>
+                          </a:solidFill>
+                          <a:latin typeface="Cambria Math" panose="02040503050406030204" pitchFamily="18" charset="0"/>
+                        </a:rPr>
+                        <m:t>𝟓</m:t>
+                      </m:r>
+                    </m:oMath>
+                  </m:oMathPara>
+                </a14:m>
+                <a:endParaRPr lang="en-US" altLang="ko-KR" b="1" dirty="0">
+                  <a:solidFill>
+                    <a:schemeClr val="accent3">
+                      <a:lumMod val="60000"/>
+                      <a:lumOff val="40000"/>
+                    </a:schemeClr>
+                  </a:solidFill>
+                </a:endParaRPr>
+              </a:p>
+            </p:txBody>
+          </p:sp>
+        </mc:Choice>
+        <mc:Fallback>
+          <p:sp>
+            <p:nvSpPr>
+              <p:cNvPr id="72" name="TextBox 71">
+                <a:extLst>
+                  <a:ext uri="{FF2B5EF4-FFF2-40B4-BE49-F238E27FC236}">
+                    <a16:creationId xmlns:a16="http://schemas.microsoft.com/office/drawing/2014/main" id="{8B63DEA5-949B-7C94-9EFD-A42A37B33CAF}"/>
+                  </a:ext>
+                </a:extLst>
+              </p:cNvPr>
+              <p:cNvSpPr txBox="1">
+                <a:spLocks noRot="1" noChangeAspect="1" noMove="1" noResize="1" noEditPoints="1" noAdjustHandles="1" noChangeArrowheads="1" noChangeShapeType="1" noTextEdit="1"/>
+              </p:cNvSpPr>
+              <p:nvPr/>
+            </p:nvSpPr>
+            <p:spPr>
+              <a:xfrm>
+                <a:off x="6518643" y="997567"/>
+                <a:ext cx="990976" cy="410369"/>
+              </a:xfrm>
+              <a:prstGeom prst="rect">
+                <a:avLst/>
+              </a:prstGeom>
+              <a:blipFill>
+                <a:blip r:embed="rId2"/>
+                <a:stretch>
+                  <a:fillRect b="-13433"/>
+                </a:stretch>
+              </a:blipFill>
+            </p:spPr>
+            <p:txBody>
+              <a:bodyPr/>
+              <a:lstStyle/>
+              <a:p>
+                <a:r>
+                  <a:rPr lang="ko-KR" altLang="en-US">
+                    <a:noFill/>
+                  </a:rPr>
+                  <a:t> </a:t>
+                </a:r>
+              </a:p>
+            </p:txBody>
+          </p:sp>
+        </mc:Fallback>
+      </mc:AlternateContent>
+      <mc:AlternateContent xmlns:mc="http://schemas.openxmlformats.org/markup-compatibility/2006">
+        <mc:Choice xmlns:a14="http://schemas.microsoft.com/office/drawing/2010/main" Requires="a14">
+          <p:sp>
+            <p:nvSpPr>
+              <p:cNvPr id="73" name="TextBox 72">
+                <a:extLst>
+                  <a:ext uri="{FF2B5EF4-FFF2-40B4-BE49-F238E27FC236}">
+                    <a16:creationId xmlns:a16="http://schemas.microsoft.com/office/drawing/2014/main" id="{AF8E66A4-6B5D-DFD9-D9D8-70725C93FF86}"/>
+                  </a:ext>
+                </a:extLst>
+              </p:cNvPr>
+              <p:cNvSpPr txBox="1"/>
+              <p:nvPr/>
+            </p:nvSpPr>
+            <p:spPr>
+              <a:xfrm>
+                <a:off x="7581142" y="2651322"/>
+                <a:ext cx="1430199" cy="690830"/>
+              </a:xfrm>
+              <a:prstGeom prst="rect">
+                <a:avLst/>
+              </a:prstGeom>
+              <a:noFill/>
+            </p:spPr>
+            <p:txBody>
+              <a:bodyPr wrap="none" rtlCol="0">
+                <a:spAutoFit/>
+              </a:bodyPr>
+              <a:lstStyle/>
+              <a:p>
+                <a14:m>
+                  <m:oMathPara xmlns:m="http://schemas.openxmlformats.org/officeDocument/2006/math">
+                    <m:oMathParaPr>
+                      <m:jc m:val="centerGroup"/>
+                    </m:oMathParaPr>
+                    <m:oMath xmlns:m="http://schemas.openxmlformats.org/officeDocument/2006/math">
+                      <m:acc>
+                        <m:accPr>
+                          <m:chr m:val="̂"/>
+                          <m:ctrlPr>
+                            <a:rPr lang="en-US" altLang="ko-KR" b="1" i="1" smtClean="0">
+                              <a:solidFill>
+                                <a:schemeClr val="accent5">
+                                  <a:lumMod val="60000"/>
+                                  <a:lumOff val="40000"/>
+                                </a:schemeClr>
+                              </a:solidFill>
+                              <a:latin typeface="Cambria Math" panose="02040503050406030204" pitchFamily="18" charset="0"/>
+                            </a:rPr>
+                          </m:ctrlPr>
+                        </m:accPr>
+                        <m:e>
+                          <m:r>
+                            <a:rPr lang="en-US" altLang="ko-KR" b="1" i="1" smtClean="0">
+                              <a:solidFill>
+                                <a:schemeClr val="accent5">
+                                  <a:lumMod val="60000"/>
+                                  <a:lumOff val="40000"/>
+                                </a:schemeClr>
+                              </a:solidFill>
+                              <a:latin typeface="Cambria Math" panose="02040503050406030204" pitchFamily="18" charset="0"/>
+                            </a:rPr>
+                            <m:t>𝒗</m:t>
+                          </m:r>
+                        </m:e>
+                      </m:acc>
+                      <m:r>
+                        <a:rPr lang="en-US" altLang="ko-KR" b="1" i="1" smtClean="0">
+                          <a:solidFill>
+                            <a:schemeClr val="tx1"/>
+                          </a:solidFill>
+                          <a:latin typeface="Cambria Math" panose="02040503050406030204" pitchFamily="18" charset="0"/>
+                        </a:rPr>
+                        <m:t>=</m:t>
+                      </m:r>
+                      <m:f>
+                        <m:fPr>
+                          <m:ctrlPr>
+                            <a:rPr lang="en-US" altLang="ko-KR" b="1" i="1" smtClean="0">
+                              <a:solidFill>
+                                <a:schemeClr val="tx1"/>
+                              </a:solidFill>
+                              <a:latin typeface="Cambria Math" panose="02040503050406030204" pitchFamily="18" charset="0"/>
+                            </a:rPr>
+                          </m:ctrlPr>
+                        </m:fPr>
+                        <m:num>
+                          <m:acc>
+                            <m:accPr>
+                              <m:chr m:val="⃗"/>
+                              <m:ctrlPr>
+                                <a:rPr lang="en-US" altLang="ko-KR" b="1" i="1" smtClean="0">
+                                  <a:solidFill>
+                                    <a:schemeClr val="tx1"/>
+                                  </a:solidFill>
+                                  <a:latin typeface="Cambria Math" panose="02040503050406030204" pitchFamily="18" charset="0"/>
+                                </a:rPr>
+                              </m:ctrlPr>
+                            </m:accPr>
+                            <m:e>
+                              <m:r>
+                                <a:rPr lang="en-US" altLang="ko-KR" b="1" i="1" smtClean="0">
+                                  <a:solidFill>
+                                    <a:schemeClr val="tx1"/>
+                                  </a:solidFill>
+                                  <a:latin typeface="Cambria Math" panose="02040503050406030204" pitchFamily="18" charset="0"/>
+                                </a:rPr>
+                                <m:t>𝒗</m:t>
+                              </m:r>
+                            </m:e>
+                          </m:acc>
+                        </m:num>
+                        <m:den>
+                          <m:r>
+                            <a:rPr lang="en-US" altLang="ko-KR" b="1" i="1" smtClean="0">
+                              <a:solidFill>
+                                <a:schemeClr val="accent3">
+                                  <a:lumMod val="60000"/>
+                                  <a:lumOff val="40000"/>
+                                </a:schemeClr>
+                              </a:solidFill>
+                              <a:latin typeface="Cambria Math" panose="02040503050406030204" pitchFamily="18" charset="0"/>
+                            </a:rPr>
+                            <m:t>|</m:t>
+                          </m:r>
+                          <m:acc>
+                            <m:accPr>
+                              <m:chr m:val="⃗"/>
+                              <m:ctrlPr>
+                                <a:rPr lang="en-US" altLang="ko-KR" b="1" i="1" smtClean="0">
+                                  <a:solidFill>
+                                    <a:schemeClr val="accent3">
+                                      <a:lumMod val="60000"/>
+                                      <a:lumOff val="40000"/>
+                                    </a:schemeClr>
+                                  </a:solidFill>
+                                  <a:latin typeface="Cambria Math" panose="02040503050406030204" pitchFamily="18" charset="0"/>
+                                </a:rPr>
+                              </m:ctrlPr>
+                            </m:accPr>
+                            <m:e>
+                              <m:r>
+                                <a:rPr lang="en-US" altLang="ko-KR" b="1" i="1" smtClean="0">
+                                  <a:solidFill>
+                                    <a:schemeClr val="accent3">
+                                      <a:lumMod val="60000"/>
+                                      <a:lumOff val="40000"/>
+                                    </a:schemeClr>
+                                  </a:solidFill>
+                                  <a:latin typeface="Cambria Math" panose="02040503050406030204" pitchFamily="18" charset="0"/>
+                                </a:rPr>
+                                <m:t>𝒗</m:t>
+                              </m:r>
+                            </m:e>
+                          </m:acc>
+                          <m:r>
+                            <a:rPr lang="en-US" altLang="ko-KR" b="1" i="1" smtClean="0">
+                              <a:solidFill>
+                                <a:schemeClr val="accent3">
+                                  <a:lumMod val="60000"/>
+                                  <a:lumOff val="40000"/>
+                                </a:schemeClr>
+                              </a:solidFill>
+                              <a:latin typeface="Cambria Math" panose="02040503050406030204" pitchFamily="18" charset="0"/>
+                            </a:rPr>
+                            <m:t>|</m:t>
+                          </m:r>
+                        </m:den>
+                      </m:f>
+                      <m:r>
+                        <a:rPr lang="en-US" altLang="ko-KR" b="1" i="1" smtClean="0">
+                          <a:solidFill>
+                            <a:schemeClr val="tx1"/>
+                          </a:solidFill>
+                          <a:latin typeface="Cambria Math" panose="02040503050406030204" pitchFamily="18" charset="0"/>
+                        </a:rPr>
+                        <m:t>=</m:t>
+                      </m:r>
+                      <m:f>
+                        <m:fPr>
+                          <m:ctrlPr>
+                            <a:rPr lang="en-US" altLang="ko-KR" b="1" i="1" smtClean="0">
+                              <a:solidFill>
+                                <a:schemeClr val="tx1"/>
+                              </a:solidFill>
+                              <a:latin typeface="Cambria Math" panose="02040503050406030204" pitchFamily="18" charset="0"/>
+                            </a:rPr>
+                          </m:ctrlPr>
+                        </m:fPr>
+                        <m:num>
+                          <m:acc>
+                            <m:accPr>
+                              <m:chr m:val="⃗"/>
+                              <m:ctrlPr>
+                                <a:rPr lang="en-US" altLang="ko-KR" b="1" i="1" smtClean="0">
+                                  <a:solidFill>
+                                    <a:schemeClr val="tx1"/>
+                                  </a:solidFill>
+                                  <a:latin typeface="Cambria Math" panose="02040503050406030204" pitchFamily="18" charset="0"/>
+                                </a:rPr>
+                              </m:ctrlPr>
+                            </m:accPr>
+                            <m:e>
+                              <m:r>
+                                <a:rPr lang="en-US" altLang="ko-KR" b="1" i="1" smtClean="0">
+                                  <a:solidFill>
+                                    <a:schemeClr val="tx1"/>
+                                  </a:solidFill>
+                                  <a:latin typeface="Cambria Math" panose="02040503050406030204" pitchFamily="18" charset="0"/>
+                                </a:rPr>
+                                <m:t>𝒗</m:t>
+                              </m:r>
+                            </m:e>
+                          </m:acc>
+                        </m:num>
+                        <m:den>
+                          <m:r>
+                            <a:rPr lang="en-US" altLang="ko-KR" b="1" i="1" smtClean="0">
+                              <a:solidFill>
+                                <a:schemeClr val="accent3">
+                                  <a:lumMod val="60000"/>
+                                  <a:lumOff val="40000"/>
+                                </a:schemeClr>
+                              </a:solidFill>
+                              <a:latin typeface="Cambria Math" panose="02040503050406030204" pitchFamily="18" charset="0"/>
+                            </a:rPr>
+                            <m:t>𝟓</m:t>
+                          </m:r>
+                        </m:den>
+                      </m:f>
+                    </m:oMath>
+                  </m:oMathPara>
+                </a14:m>
+                <a:endParaRPr lang="en-US" altLang="ko-KR" b="1" dirty="0">
+                  <a:solidFill>
+                    <a:schemeClr val="tx1"/>
+                  </a:solidFill>
+                </a:endParaRPr>
+              </a:p>
+            </p:txBody>
+          </p:sp>
+        </mc:Choice>
+        <mc:Fallback>
+          <p:sp>
+            <p:nvSpPr>
+              <p:cNvPr id="73" name="TextBox 72">
+                <a:extLst>
+                  <a:ext uri="{FF2B5EF4-FFF2-40B4-BE49-F238E27FC236}">
+                    <a16:creationId xmlns:a16="http://schemas.microsoft.com/office/drawing/2014/main" id="{AF8E66A4-6B5D-DFD9-D9D8-70725C93FF86}"/>
+                  </a:ext>
+                </a:extLst>
+              </p:cNvPr>
+              <p:cNvSpPr txBox="1">
+                <a:spLocks noRot="1" noChangeAspect="1" noMove="1" noResize="1" noEditPoints="1" noAdjustHandles="1" noChangeArrowheads="1" noChangeShapeType="1" noTextEdit="1"/>
+              </p:cNvSpPr>
+              <p:nvPr/>
+            </p:nvSpPr>
+            <p:spPr>
+              <a:xfrm>
+                <a:off x="7581142" y="2651322"/>
+                <a:ext cx="1430199" cy="690830"/>
+              </a:xfrm>
+              <a:prstGeom prst="rect">
+                <a:avLst/>
+              </a:prstGeom>
+              <a:blipFill>
+                <a:blip r:embed="rId3"/>
+                <a:stretch>
+                  <a:fillRect/>
+                </a:stretch>
+              </a:blipFill>
+            </p:spPr>
+            <p:txBody>
+              <a:bodyPr/>
+              <a:lstStyle/>
+              <a:p>
+                <a:r>
+                  <a:rPr lang="ko-KR" altLang="en-US">
+                    <a:noFill/>
+                  </a:rPr>
+                  <a:t> </a:t>
+                </a:r>
+              </a:p>
+            </p:txBody>
+          </p:sp>
+        </mc:Fallback>
+      </mc:AlternateContent>
+      <mc:AlternateContent xmlns:mc="http://schemas.openxmlformats.org/markup-compatibility/2006">
+        <mc:Choice xmlns:a14="http://schemas.microsoft.com/office/drawing/2010/main" Requires="a14">
+          <p:sp>
+            <p:nvSpPr>
+              <p:cNvPr id="17" name="TextBox 16">
+                <a:extLst>
+                  <a:ext uri="{FF2B5EF4-FFF2-40B4-BE49-F238E27FC236}">
+                    <a16:creationId xmlns:a16="http://schemas.microsoft.com/office/drawing/2014/main" id="{14AB2BAE-FE8B-631F-6D5D-84214F18FBD9}"/>
+                  </a:ext>
+                </a:extLst>
+              </p:cNvPr>
+              <p:cNvSpPr txBox="1"/>
+              <p:nvPr/>
+            </p:nvSpPr>
+            <p:spPr>
+              <a:xfrm>
+                <a:off x="9749292" y="492532"/>
+                <a:ext cx="404277" cy="369332"/>
+              </a:xfrm>
+              <a:prstGeom prst="rect">
+                <a:avLst/>
+              </a:prstGeom>
+              <a:noFill/>
+            </p:spPr>
+            <p:txBody>
+              <a:bodyPr wrap="none" rtlCol="0">
+                <a:spAutoFit/>
+              </a:bodyPr>
+              <a:lstStyle/>
+              <a:p>
+                <a14:m>
+                  <m:oMathPara xmlns:m="http://schemas.openxmlformats.org/officeDocument/2006/math">
+                    <m:oMathParaPr>
+                      <m:jc m:val="centerGroup"/>
+                    </m:oMathParaPr>
+                    <m:oMath xmlns:m="http://schemas.openxmlformats.org/officeDocument/2006/math">
+                      <m:acc>
+                        <m:accPr>
+                          <m:chr m:val="⃗"/>
+                          <m:ctrlPr>
+                            <a:rPr lang="ko-KR" altLang="en-US" b="1" i="1" smtClean="0">
+                              <a:solidFill>
+                                <a:schemeClr val="tx1"/>
+                              </a:solidFill>
+                              <a:latin typeface="Cambria Math" panose="02040503050406030204" pitchFamily="18" charset="0"/>
+                            </a:rPr>
+                          </m:ctrlPr>
+                        </m:accPr>
+                        <m:e>
+                          <m:r>
+                            <a:rPr lang="en-US" altLang="ko-KR" b="1" i="1" smtClean="0">
+                              <a:solidFill>
+                                <a:schemeClr val="tx1"/>
+                              </a:solidFill>
+                              <a:latin typeface="Cambria Math" panose="02040503050406030204" pitchFamily="18" charset="0"/>
+                            </a:rPr>
+                            <m:t>𝒗</m:t>
+                          </m:r>
+                        </m:e>
+                      </m:acc>
+                    </m:oMath>
+                  </m:oMathPara>
+                </a14:m>
+                <a:endParaRPr lang="en-US" altLang="ko-KR" b="1" dirty="0">
+                  <a:solidFill>
+                    <a:schemeClr val="tx1"/>
+                  </a:solidFill>
+                </a:endParaRPr>
+              </a:p>
+            </p:txBody>
+          </p:sp>
+        </mc:Choice>
+        <mc:Fallback>
+          <p:sp>
+            <p:nvSpPr>
+              <p:cNvPr id="17" name="TextBox 16">
+                <a:extLst>
+                  <a:ext uri="{FF2B5EF4-FFF2-40B4-BE49-F238E27FC236}">
+                    <a16:creationId xmlns:a16="http://schemas.microsoft.com/office/drawing/2014/main" id="{14AB2BAE-FE8B-631F-6D5D-84214F18FBD9}"/>
+                  </a:ext>
+                </a:extLst>
+              </p:cNvPr>
+              <p:cNvSpPr txBox="1">
+                <a:spLocks noRot="1" noChangeAspect="1" noMove="1" noResize="1" noEditPoints="1" noAdjustHandles="1" noChangeArrowheads="1" noChangeShapeType="1" noTextEdit="1"/>
+              </p:cNvSpPr>
+              <p:nvPr/>
+            </p:nvSpPr>
+            <p:spPr>
+              <a:xfrm>
+                <a:off x="9749292" y="492532"/>
+                <a:ext cx="404277" cy="369332"/>
+              </a:xfrm>
+              <a:prstGeom prst="rect">
+                <a:avLst/>
+              </a:prstGeom>
+              <a:blipFill>
+                <a:blip r:embed="rId4"/>
+                <a:stretch>
+                  <a:fillRect/>
+                </a:stretch>
+              </a:blipFill>
+            </p:spPr>
+            <p:txBody>
+              <a:bodyPr/>
+              <a:lstStyle/>
+              <a:p>
+                <a:r>
+                  <a:rPr lang="ko-KR" altLang="en-US">
+                    <a:noFill/>
+                  </a:rPr>
+                  <a:t> </a:t>
+                </a:r>
+              </a:p>
+            </p:txBody>
+          </p:sp>
+        </mc:Fallback>
+      </mc:AlternateContent>
+    </p:spTree>
+    <p:extLst>
+      <p:ext uri="{BB962C8B-B14F-4D97-AF65-F5344CB8AC3E}">
+        <p14:creationId xmlns:p14="http://schemas.microsoft.com/office/powerpoint/2010/main" val="1922977201"/>
       </p:ext>
     </p:extLst>
   </p:cSld>
